--- a/MPC_Compiler_Misc_Notes.pptx
+++ b/MPC_Compiler_Misc_Notes.pptx
@@ -14,6 +14,19 @@
     <p:sldId id="263" r:id="rId8"/>
     <p:sldId id="264" r:id="rId9"/>
     <p:sldId id="265" r:id="rId10"/>
+    <p:sldId id="266" r:id="rId11"/>
+    <p:sldId id="267" r:id="rId12"/>
+    <p:sldId id="268" r:id="rId13"/>
+    <p:sldId id="269" r:id="rId14"/>
+    <p:sldId id="270" r:id="rId15"/>
+    <p:sldId id="271" r:id="rId16"/>
+    <p:sldId id="272" r:id="rId17"/>
+    <p:sldId id="273" r:id="rId18"/>
+    <p:sldId id="274" r:id="rId19"/>
+    <p:sldId id="275" r:id="rId20"/>
+    <p:sldId id="276" r:id="rId21"/>
+    <p:sldId id="277" r:id="rId22"/>
+    <p:sldId id="278" r:id="rId23"/>
   </p:sldIdLst>
   <p:sldSz cx="9144000" cy="6858000" type="screen4x3"/>
   <p:notesSz cx="6858000" cy="9144000"/>
@@ -296,7 +309,7 @@
           <a:p>
             <a:fld id="{FCF62835-D6DD-B94A-A183-3BD5F7911050}" type="datetimeFigureOut">
               <a:rPr lang="en-US" smtClean="0"/>
-              <a:t>9/30/21</a:t>
+              <a:t>10/7/21</a:t>
             </a:fld>
             <a:endParaRPr lang="en-US"/>
           </a:p>
@@ -466,7 +479,7 @@
           <a:p>
             <a:fld id="{FCF62835-D6DD-B94A-A183-3BD5F7911050}" type="datetimeFigureOut">
               <a:rPr lang="en-US" smtClean="0"/>
-              <a:t>9/30/21</a:t>
+              <a:t>10/7/21</a:t>
             </a:fld>
             <a:endParaRPr lang="en-US"/>
           </a:p>
@@ -646,7 +659,7 @@
           <a:p>
             <a:fld id="{FCF62835-D6DD-B94A-A183-3BD5F7911050}" type="datetimeFigureOut">
               <a:rPr lang="en-US" smtClean="0"/>
-              <a:t>9/30/21</a:t>
+              <a:t>10/7/21</a:t>
             </a:fld>
             <a:endParaRPr lang="en-US"/>
           </a:p>
@@ -816,7 +829,7 @@
           <a:p>
             <a:fld id="{FCF62835-D6DD-B94A-A183-3BD5F7911050}" type="datetimeFigureOut">
               <a:rPr lang="en-US" smtClean="0"/>
-              <a:t>9/30/21</a:t>
+              <a:t>10/7/21</a:t>
             </a:fld>
             <a:endParaRPr lang="en-US"/>
           </a:p>
@@ -1062,7 +1075,7 @@
           <a:p>
             <a:fld id="{FCF62835-D6DD-B94A-A183-3BD5F7911050}" type="datetimeFigureOut">
               <a:rPr lang="en-US" smtClean="0"/>
-              <a:t>9/30/21</a:t>
+              <a:t>10/7/21</a:t>
             </a:fld>
             <a:endParaRPr lang="en-US"/>
           </a:p>
@@ -1350,7 +1363,7 @@
           <a:p>
             <a:fld id="{FCF62835-D6DD-B94A-A183-3BD5F7911050}" type="datetimeFigureOut">
               <a:rPr lang="en-US" smtClean="0"/>
-              <a:t>9/30/21</a:t>
+              <a:t>10/7/21</a:t>
             </a:fld>
             <a:endParaRPr lang="en-US"/>
           </a:p>
@@ -1772,7 +1785,7 @@
           <a:p>
             <a:fld id="{FCF62835-D6DD-B94A-A183-3BD5F7911050}" type="datetimeFigureOut">
               <a:rPr lang="en-US" smtClean="0"/>
-              <a:t>9/30/21</a:t>
+              <a:t>10/7/21</a:t>
             </a:fld>
             <a:endParaRPr lang="en-US"/>
           </a:p>
@@ -1890,7 +1903,7 @@
           <a:p>
             <a:fld id="{FCF62835-D6DD-B94A-A183-3BD5F7911050}" type="datetimeFigureOut">
               <a:rPr lang="en-US" smtClean="0"/>
-              <a:t>9/30/21</a:t>
+              <a:t>10/7/21</a:t>
             </a:fld>
             <a:endParaRPr lang="en-US"/>
           </a:p>
@@ -1985,7 +1998,7 @@
           <a:p>
             <a:fld id="{FCF62835-D6DD-B94A-A183-3BD5F7911050}" type="datetimeFigureOut">
               <a:rPr lang="en-US" smtClean="0"/>
-              <a:t>9/30/21</a:t>
+              <a:t>10/7/21</a:t>
             </a:fld>
             <a:endParaRPr lang="en-US"/>
           </a:p>
@@ -2262,7 +2275,7 @@
           <a:p>
             <a:fld id="{FCF62835-D6DD-B94A-A183-3BD5F7911050}" type="datetimeFigureOut">
               <a:rPr lang="en-US" smtClean="0"/>
-              <a:t>9/30/21</a:t>
+              <a:t>10/7/21</a:t>
             </a:fld>
             <a:endParaRPr lang="en-US"/>
           </a:p>
@@ -2515,7 +2528,7 @@
           <a:p>
             <a:fld id="{FCF62835-D6DD-B94A-A183-3BD5F7911050}" type="datetimeFigureOut">
               <a:rPr lang="en-US" smtClean="0"/>
-              <a:t>9/30/21</a:t>
+              <a:t>10/7/21</a:t>
             </a:fld>
             <a:endParaRPr lang="en-US"/>
           </a:p>
@@ -2728,7 +2741,7 @@
           <a:p>
             <a:fld id="{FCF62835-D6DD-B94A-A183-3BD5F7911050}" type="datetimeFigureOut">
               <a:rPr lang="en-US" smtClean="0"/>
-              <a:t>9/30/21</a:t>
+              <a:t>10/7/21</a:t>
             </a:fld>
             <a:endParaRPr lang="en-US"/>
           </a:p>
@@ -3279,6 +3292,5163 @@
 </p:sld>
 </file>
 
+<file path=ppt/slides/slide10.xml><?xml version="1.0" encoding="utf-8"?>
+<p:sld xmlns:a="http://schemas.openxmlformats.org/drawingml/2006/main" xmlns:r="http://schemas.openxmlformats.org/officeDocument/2006/relationships" xmlns:p="http://schemas.openxmlformats.org/presentationml/2006/main">
+  <p:cSld>
+    <p:spTree>
+      <p:nvGrpSpPr>
+        <p:cNvPr id="1" name=""/>
+        <p:cNvGrpSpPr/>
+        <p:nvPr/>
+      </p:nvGrpSpPr>
+      <p:grpSpPr>
+        <a:xfrm>
+          <a:off x="0" y="0"/>
+          <a:ext cx="0" cy="0"/>
+          <a:chOff x="0" y="0"/>
+          <a:chExt cx="0" cy="0"/>
+        </a:xfrm>
+      </p:grpSpPr>
+      <p:sp>
+        <p:nvSpPr>
+          <p:cNvPr id="2" name="Title 1"/>
+          <p:cNvSpPr>
+            <a:spLocks noGrp="1"/>
+          </p:cNvSpPr>
+          <p:nvPr>
+            <p:ph type="title"/>
+          </p:nvPr>
+        </p:nvSpPr>
+        <p:spPr/>
+        <p:txBody>
+          <a:bodyPr/>
+          <a:lstStyle/>
+          <a:p>
+            <a:r>
+              <a:rPr lang="en-US" dirty="0" smtClean="0"/>
+              <a:t>Phase 1 </a:t>
+            </a:r>
+            <a:endParaRPr lang="en-US" dirty="0"/>
+          </a:p>
+        </p:txBody>
+      </p:sp>
+      <p:sp>
+        <p:nvSpPr>
+          <p:cNvPr id="3" name="Content Placeholder 2"/>
+          <p:cNvSpPr>
+            <a:spLocks noGrp="1"/>
+          </p:cNvSpPr>
+          <p:nvPr>
+            <p:ph idx="1"/>
+          </p:nvPr>
+        </p:nvSpPr>
+        <p:spPr/>
+        <p:txBody>
+          <a:bodyPr/>
+          <a:lstStyle/>
+          <a:p>
+            <a:r>
+              <a:rPr lang="en-US" dirty="0" smtClean="0"/>
+              <a:t>Translation into three-address CFG IR</a:t>
+            </a:r>
+          </a:p>
+          <a:p>
+            <a:endParaRPr lang="en-US" dirty="0"/>
+          </a:p>
+          <a:p>
+            <a:r>
+              <a:rPr lang="en-US" dirty="0" smtClean="0"/>
+              <a:t>Taint analysis (on CFG IR)?</a:t>
+            </a:r>
+          </a:p>
+          <a:p>
+            <a:r>
+              <a:rPr lang="en-US" dirty="0" smtClean="0"/>
+              <a:t>Bound checks?</a:t>
+            </a:r>
+          </a:p>
+          <a:p>
+            <a:endParaRPr lang="en-US" dirty="0"/>
+          </a:p>
+          <a:p>
+            <a:r>
+              <a:rPr lang="en-US" dirty="0" smtClean="0"/>
+              <a:t>(I’m sure things will come out in discussion)</a:t>
+            </a:r>
+            <a:endParaRPr lang="en-US" dirty="0"/>
+          </a:p>
+        </p:txBody>
+      </p:sp>
+    </p:spTree>
+    <p:extLst>
+      <p:ext uri="{BB962C8B-B14F-4D97-AF65-F5344CB8AC3E}">
+        <p14:creationId xmlns:p14="http://schemas.microsoft.com/office/powerpoint/2010/main" val="3030509282"/>
+      </p:ext>
+    </p:extLst>
+  </p:cSld>
+  <p:clrMapOvr>
+    <a:masterClrMapping/>
+  </p:clrMapOvr>
+</p:sld>
+</file>
+
+<file path=ppt/slides/slide11.xml><?xml version="1.0" encoding="utf-8"?>
+<p:sld xmlns:a="http://schemas.openxmlformats.org/drawingml/2006/main" xmlns:r="http://schemas.openxmlformats.org/officeDocument/2006/relationships" xmlns:p="http://schemas.openxmlformats.org/presentationml/2006/main">
+  <p:cSld>
+    <p:spTree>
+      <p:nvGrpSpPr>
+        <p:cNvPr id="1" name=""/>
+        <p:cNvGrpSpPr/>
+        <p:nvPr/>
+      </p:nvGrpSpPr>
+      <p:grpSpPr>
+        <a:xfrm>
+          <a:off x="0" y="0"/>
+          <a:ext cx="0" cy="0"/>
+          <a:chOff x="0" y="0"/>
+          <a:chExt cx="0" cy="0"/>
+        </a:xfrm>
+      </p:grpSpPr>
+      <p:sp>
+        <p:nvSpPr>
+          <p:cNvPr id="2" name="Title 1"/>
+          <p:cNvSpPr>
+            <a:spLocks noGrp="1"/>
+          </p:cNvSpPr>
+          <p:nvPr>
+            <p:ph type="title"/>
+          </p:nvPr>
+        </p:nvSpPr>
+        <p:spPr/>
+        <p:txBody>
+          <a:bodyPr>
+            <a:normAutofit fontScale="90000"/>
+          </a:bodyPr>
+          <a:lstStyle/>
+          <a:p>
+            <a:r>
+              <a:rPr lang="en-US" dirty="0" smtClean="0"/>
+              <a:t>Phase 2: Array Access “</a:t>
+            </a:r>
+            <a:r>
+              <a:rPr lang="en-US" dirty="0" err="1" smtClean="0"/>
+              <a:t>Scalarization</a:t>
+            </a:r>
+            <a:r>
+              <a:rPr lang="en-US" dirty="0" smtClean="0"/>
+              <a:t>”</a:t>
+            </a:r>
+            <a:endParaRPr lang="en-US" dirty="0"/>
+          </a:p>
+        </p:txBody>
+      </p:sp>
+      <p:sp>
+        <p:nvSpPr>
+          <p:cNvPr id="3" name="Content Placeholder 2"/>
+          <p:cNvSpPr>
+            <a:spLocks noGrp="1"/>
+          </p:cNvSpPr>
+          <p:nvPr>
+            <p:ph idx="1"/>
+          </p:nvPr>
+        </p:nvSpPr>
+        <p:spPr/>
+        <p:txBody>
+          <a:bodyPr>
+            <a:normAutofit fontScale="85000" lnSpcReduction="20000"/>
+          </a:bodyPr>
+          <a:lstStyle/>
+          <a:p>
+            <a:r>
+              <a:rPr lang="en-US" dirty="0" smtClean="0"/>
+              <a:t>Main purpose is to allow fine-grained reasoning about array accesses after SSA</a:t>
+            </a:r>
+          </a:p>
+          <a:p>
+            <a:pPr lvl="1"/>
+            <a:r>
+              <a:rPr lang="en-US" dirty="0" smtClean="0"/>
+              <a:t>SSA treats arrays as aggregates, which may cause spurious loop-carried dependences and prohibit </a:t>
+            </a:r>
+            <a:r>
+              <a:rPr lang="en-US" dirty="0" err="1" smtClean="0"/>
+              <a:t>vectorization</a:t>
+            </a:r>
+            <a:endParaRPr lang="en-US" dirty="0" smtClean="0"/>
+          </a:p>
+          <a:p>
+            <a:pPr lvl="1"/>
+            <a:r>
+              <a:rPr lang="en-US" dirty="0" smtClean="0"/>
+              <a:t>A bit of an overkill for the typical MPC bench</a:t>
+            </a:r>
+            <a:r>
+              <a:rPr lang="is-IS" dirty="0" smtClean="0"/>
+              <a:t>mark...</a:t>
+            </a:r>
+            <a:endParaRPr lang="en-US" dirty="0" smtClean="0"/>
+          </a:p>
+          <a:p>
+            <a:r>
+              <a:rPr lang="en-US" dirty="0" smtClean="0"/>
+              <a:t>Alex Aiken’s example (array writes)</a:t>
+            </a:r>
+          </a:p>
+          <a:p>
+            <a:pPr marL="0" indent="0">
+              <a:buNone/>
+            </a:pPr>
+            <a:r>
+              <a:rPr lang="en-US" dirty="0" smtClean="0"/>
+              <a:t>	for </a:t>
+            </a:r>
+            <a:r>
+              <a:rPr lang="en-US" dirty="0" err="1"/>
+              <a:t>i</a:t>
+            </a:r>
+            <a:r>
+              <a:rPr lang="en-US" dirty="0"/>
+              <a:t> in range(0,len):</a:t>
+            </a:r>
+          </a:p>
+          <a:p>
+            <a:pPr marL="0" indent="0">
+              <a:buNone/>
+            </a:pPr>
+            <a:r>
+              <a:rPr lang="de-DE" dirty="0"/>
+              <a:t>	</a:t>
+            </a:r>
+            <a:r>
+              <a:rPr lang="de-DE" dirty="0" smtClean="0"/>
+              <a:t>   </a:t>
+            </a:r>
+            <a:r>
+              <a:rPr lang="de-DE" dirty="0"/>
+              <a:t>A[i] = </a:t>
+            </a:r>
+            <a:r>
+              <a:rPr lang="de-DE" dirty="0"/>
+              <a:t>B</a:t>
+            </a:r>
+            <a:r>
+              <a:rPr lang="de-DE" dirty="0" smtClean="0"/>
+              <a:t>[i]*i 			A &lt;- update(</a:t>
+            </a:r>
+            <a:r>
+              <a:rPr lang="de-DE" dirty="0" err="1" smtClean="0"/>
+              <a:t>A,i</a:t>
+            </a:r>
+            <a:r>
+              <a:rPr lang="de-DE" dirty="0" smtClean="0"/>
+              <a:t>, f(B))</a:t>
+            </a:r>
+            <a:endParaRPr lang="de-DE" dirty="0"/>
+          </a:p>
+          <a:p>
+            <a:pPr marL="0" indent="0">
+              <a:buNone/>
+            </a:pPr>
+            <a:r>
+              <a:rPr lang="en-US" dirty="0"/>
+              <a:t>	</a:t>
+            </a:r>
+            <a:r>
+              <a:rPr lang="en-US" dirty="0" smtClean="0"/>
+              <a:t>   </a:t>
+            </a:r>
+            <a:r>
+              <a:rPr lang="en-US" dirty="0"/>
+              <a:t>B[</a:t>
+            </a:r>
+            <a:r>
+              <a:rPr lang="en-US" dirty="0" err="1"/>
+              <a:t>i</a:t>
+            </a:r>
+            <a:r>
+              <a:rPr lang="en-US" dirty="0"/>
+              <a:t>] = A[</a:t>
+            </a:r>
+            <a:r>
+              <a:rPr lang="en-US" dirty="0" err="1"/>
+              <a:t>i</a:t>
+            </a:r>
+            <a:r>
+              <a:rPr lang="en-US" dirty="0"/>
+              <a:t>]*D[i-1</a:t>
+            </a:r>
+            <a:r>
+              <a:rPr lang="en-US" dirty="0" smtClean="0"/>
+              <a:t>]          B &lt;- update(</a:t>
+            </a:r>
+            <a:r>
+              <a:rPr lang="en-US" dirty="0" err="1" smtClean="0"/>
+              <a:t>B,i</a:t>
+            </a:r>
+            <a:r>
+              <a:rPr lang="en-US" dirty="0" smtClean="0"/>
+              <a:t>,</a:t>
+            </a:r>
+            <a:r>
+              <a:rPr lang="is-IS" dirty="0"/>
+              <a:t> </a:t>
+            </a:r>
+            <a:r>
+              <a:rPr lang="is-IS" dirty="0" smtClean="0"/>
+              <a:t>g(A,D))</a:t>
+            </a:r>
+            <a:endParaRPr lang="en-US" dirty="0"/>
+          </a:p>
+          <a:p>
+            <a:pPr marL="0" indent="0">
+              <a:buNone/>
+            </a:pPr>
+            <a:r>
+              <a:rPr lang="en-US" dirty="0"/>
+              <a:t>	</a:t>
+            </a:r>
+            <a:r>
+              <a:rPr lang="en-US" dirty="0" smtClean="0"/>
+              <a:t>   </a:t>
+            </a:r>
+            <a:r>
+              <a:rPr lang="en-US" dirty="0"/>
+              <a:t>C[</a:t>
+            </a:r>
+            <a:r>
+              <a:rPr lang="en-US" dirty="0" err="1"/>
+              <a:t>i</a:t>
+            </a:r>
+            <a:r>
+              <a:rPr lang="en-US" dirty="0"/>
+              <a:t>] = A[</a:t>
+            </a:r>
+            <a:r>
+              <a:rPr lang="en-US" dirty="0" err="1"/>
+              <a:t>i</a:t>
+            </a:r>
+            <a:r>
+              <a:rPr lang="en-US" dirty="0"/>
+              <a:t>]*D[i-1</a:t>
+            </a:r>
+            <a:r>
+              <a:rPr lang="en-US" dirty="0" smtClean="0"/>
+              <a:t>]			</a:t>
+            </a:r>
+            <a:r>
+              <a:rPr lang="is-IS" dirty="0" smtClean="0"/>
+              <a:t>…</a:t>
+            </a:r>
+            <a:endParaRPr lang="en-US" dirty="0"/>
+          </a:p>
+          <a:p>
+            <a:pPr marL="0" indent="0">
+              <a:buNone/>
+            </a:pPr>
+            <a:r>
+              <a:rPr lang="de-DE" dirty="0"/>
+              <a:t>	</a:t>
+            </a:r>
+            <a:r>
+              <a:rPr lang="de-DE" dirty="0" smtClean="0"/>
+              <a:t>   </a:t>
+            </a:r>
+            <a:r>
+              <a:rPr lang="de-DE" dirty="0"/>
+              <a:t>D[i] = B[i]+C[i</a:t>
+            </a:r>
+            <a:r>
+              <a:rPr lang="de-DE" dirty="0" smtClean="0"/>
+              <a:t>] </a:t>
+            </a:r>
+            <a:endParaRPr lang="en-US" dirty="0" smtClean="0"/>
+          </a:p>
+        </p:txBody>
+      </p:sp>
+      <p:cxnSp>
+        <p:nvCxnSpPr>
+          <p:cNvPr id="5" name="Straight Arrow Connector 4"/>
+          <p:cNvCxnSpPr/>
+          <p:nvPr/>
+        </p:nvCxnSpPr>
+        <p:spPr>
+          <a:xfrm>
+            <a:off x="4086241" y="4321198"/>
+            <a:ext cx="0" cy="579841"/>
+          </a:xfrm>
+          <a:prstGeom prst="straightConnector1">
+            <a:avLst/>
+          </a:prstGeom>
+          <a:ln>
+            <a:tailEnd type="arrow"/>
+          </a:ln>
+        </p:spPr>
+        <p:style>
+          <a:lnRef idx="2">
+            <a:schemeClr val="accent1"/>
+          </a:lnRef>
+          <a:fillRef idx="0">
+            <a:schemeClr val="accent1"/>
+          </a:fillRef>
+          <a:effectRef idx="1">
+            <a:schemeClr val="accent1"/>
+          </a:effectRef>
+          <a:fontRef idx="minor">
+            <a:schemeClr val="tx1"/>
+          </a:fontRef>
+        </p:style>
+      </p:cxnSp>
+      <p:sp>
+        <p:nvSpPr>
+          <p:cNvPr id="11" name="Freeform 10"/>
+          <p:cNvSpPr/>
+          <p:nvPr/>
+        </p:nvSpPr>
+        <p:spPr>
+          <a:xfrm>
+            <a:off x="7164727" y="4362615"/>
+            <a:ext cx="851225" cy="510813"/>
+          </a:xfrm>
+          <a:custGeom>
+            <a:avLst/>
+            <a:gdLst>
+              <a:gd name="connsiteX0" fmla="*/ 372731 w 851225"/>
+              <a:gd name="connsiteY0" fmla="*/ 510813 h 510813"/>
+              <a:gd name="connsiteX1" fmla="*/ 842097 w 851225"/>
+              <a:gd name="connsiteY1" fmla="*/ 110446 h 510813"/>
+              <a:gd name="connsiteX2" fmla="*/ 0 w 851225"/>
+              <a:gd name="connsiteY2" fmla="*/ 0 h 510813"/>
+            </a:gdLst>
+            <a:ahLst/>
+            <a:cxnLst>
+              <a:cxn ang="0">
+                <a:pos x="connsiteX0" y="connsiteY0"/>
+              </a:cxn>
+              <a:cxn ang="0">
+                <a:pos x="connsiteX1" y="connsiteY1"/>
+              </a:cxn>
+              <a:cxn ang="0">
+                <a:pos x="connsiteX2" y="connsiteY2"/>
+              </a:cxn>
+            </a:cxnLst>
+            <a:rect l="l" t="t" r="r" b="b"/>
+            <a:pathLst>
+              <a:path w="851225" h="510813">
+                <a:moveTo>
+                  <a:pt x="372731" y="510813"/>
+                </a:moveTo>
+                <a:cubicBezTo>
+                  <a:pt x="638475" y="353197"/>
+                  <a:pt x="904219" y="195581"/>
+                  <a:pt x="842097" y="110446"/>
+                </a:cubicBezTo>
+                <a:cubicBezTo>
+                  <a:pt x="779975" y="25311"/>
+                  <a:pt x="0" y="0"/>
+                  <a:pt x="0" y="0"/>
+                </a:cubicBezTo>
+              </a:path>
+            </a:pathLst>
+          </a:custGeom>
+          <a:ln>
+            <a:prstDash val="dash"/>
+            <a:headEnd type="none"/>
+            <a:tailEnd type="arrow"/>
+          </a:ln>
+        </p:spPr>
+        <p:style>
+          <a:lnRef idx="2">
+            <a:schemeClr val="accent1"/>
+          </a:lnRef>
+          <a:fillRef idx="0">
+            <a:schemeClr val="accent1"/>
+          </a:fillRef>
+          <a:effectRef idx="1">
+            <a:schemeClr val="accent1"/>
+          </a:effectRef>
+          <a:fontRef idx="minor">
+            <a:schemeClr val="tx1"/>
+          </a:fontRef>
+        </p:style>
+        <p:txBody>
+          <a:bodyPr rtlCol="0" anchor="ctr"/>
+          <a:lstStyle/>
+          <a:p>
+            <a:pPr algn="ctr"/>
+            <a:endParaRPr lang="en-US"/>
+          </a:p>
+        </p:txBody>
+      </p:sp>
+    </p:spTree>
+    <p:extLst>
+      <p:ext uri="{BB962C8B-B14F-4D97-AF65-F5344CB8AC3E}">
+        <p14:creationId xmlns:p14="http://schemas.microsoft.com/office/powerpoint/2010/main" val="370143894"/>
+      </p:ext>
+    </p:extLst>
+  </p:cSld>
+  <p:clrMapOvr>
+    <a:masterClrMapping/>
+  </p:clrMapOvr>
+</p:sld>
+</file>
+
+<file path=ppt/slides/slide12.xml><?xml version="1.0" encoding="utf-8"?>
+<p:sld xmlns:a="http://schemas.openxmlformats.org/drawingml/2006/main" xmlns:r="http://schemas.openxmlformats.org/officeDocument/2006/relationships" xmlns:p="http://schemas.openxmlformats.org/presentationml/2006/main">
+  <p:cSld>
+    <p:spTree>
+      <p:nvGrpSpPr>
+        <p:cNvPr id="1" name=""/>
+        <p:cNvGrpSpPr/>
+        <p:nvPr/>
+      </p:nvGrpSpPr>
+      <p:grpSpPr>
+        <a:xfrm>
+          <a:off x="0" y="0"/>
+          <a:ext cx="0" cy="0"/>
+          <a:chOff x="0" y="0"/>
+          <a:chExt cx="0" cy="0"/>
+        </a:xfrm>
+      </p:grpSpPr>
+      <p:sp>
+        <p:nvSpPr>
+          <p:cNvPr id="2" name="Title 1"/>
+          <p:cNvSpPr>
+            <a:spLocks noGrp="1"/>
+          </p:cNvSpPr>
+          <p:nvPr>
+            <p:ph type="title"/>
+          </p:nvPr>
+        </p:nvSpPr>
+        <p:spPr/>
+        <p:txBody>
+          <a:bodyPr>
+            <a:normAutofit fontScale="90000"/>
+          </a:bodyPr>
+          <a:lstStyle/>
+          <a:p>
+            <a:r>
+              <a:rPr lang="en-US" dirty="0" smtClean="0"/>
+              <a:t>Phase 2: Array Access “</a:t>
+            </a:r>
+            <a:r>
+              <a:rPr lang="en-US" dirty="0" err="1" smtClean="0"/>
+              <a:t>Scalarization</a:t>
+            </a:r>
+            <a:r>
+              <a:rPr lang="en-US" dirty="0" smtClean="0"/>
+              <a:t>”</a:t>
+            </a:r>
+            <a:endParaRPr lang="en-US" dirty="0"/>
+          </a:p>
+        </p:txBody>
+      </p:sp>
+      <p:sp>
+        <p:nvSpPr>
+          <p:cNvPr id="3" name="Content Placeholder 2"/>
+          <p:cNvSpPr>
+            <a:spLocks noGrp="1"/>
+          </p:cNvSpPr>
+          <p:nvPr>
+            <p:ph idx="1"/>
+          </p:nvPr>
+        </p:nvSpPr>
+        <p:spPr/>
+        <p:txBody>
+          <a:bodyPr>
+            <a:normAutofit lnSpcReduction="10000"/>
+          </a:bodyPr>
+          <a:lstStyle/>
+          <a:p>
+            <a:r>
+              <a:rPr lang="en-US" dirty="0" smtClean="0"/>
+              <a:t>Treat array access as “scalars”, B[</a:t>
+            </a:r>
+            <a:r>
+              <a:rPr lang="en-US" dirty="0" err="1" smtClean="0"/>
+              <a:t>i</a:t>
+            </a:r>
+            <a:r>
+              <a:rPr lang="en-US" dirty="0" smtClean="0"/>
+              <a:t>], D[</a:t>
+            </a:r>
+            <a:r>
+              <a:rPr lang="en-US" dirty="0" err="1" smtClean="0"/>
+              <a:t>i</a:t>
+            </a:r>
+            <a:r>
+              <a:rPr lang="en-US" dirty="0" smtClean="0"/>
+              <a:t>], D[i-1], etc. for the purpose of SSA construction</a:t>
+            </a:r>
+          </a:p>
+          <a:p>
+            <a:r>
+              <a:rPr lang="en-US" dirty="0" smtClean="0"/>
+              <a:t>Alex Aiken’s example (array writes)</a:t>
+            </a:r>
+          </a:p>
+          <a:p>
+            <a:pPr marL="0" indent="0">
+              <a:buNone/>
+            </a:pPr>
+            <a:r>
+              <a:rPr lang="en-US" dirty="0" smtClean="0"/>
+              <a:t>	for </a:t>
+            </a:r>
+            <a:r>
+              <a:rPr lang="en-US" dirty="0" err="1"/>
+              <a:t>i</a:t>
+            </a:r>
+            <a:r>
+              <a:rPr lang="en-US" dirty="0"/>
+              <a:t> in range(0,len):</a:t>
+            </a:r>
+          </a:p>
+          <a:p>
+            <a:pPr marL="0" indent="0">
+              <a:buNone/>
+            </a:pPr>
+            <a:r>
+              <a:rPr lang="de-DE" dirty="0"/>
+              <a:t>	</a:t>
+            </a:r>
+            <a:r>
+              <a:rPr lang="de-DE" dirty="0" smtClean="0"/>
+              <a:t>   </a:t>
+            </a:r>
+            <a:r>
+              <a:rPr lang="de-DE" dirty="0">
+                <a:solidFill>
+                  <a:srgbClr val="FF0000"/>
+                </a:solidFill>
+              </a:rPr>
+              <a:t>A[i]</a:t>
+            </a:r>
+            <a:r>
+              <a:rPr lang="de-DE" dirty="0"/>
+              <a:t> = </a:t>
+            </a:r>
+            <a:r>
+              <a:rPr lang="de-DE" dirty="0"/>
+              <a:t>B</a:t>
+            </a:r>
+            <a:r>
+              <a:rPr lang="de-DE" dirty="0" smtClean="0"/>
+              <a:t>[i]*i 			</a:t>
+            </a:r>
+          </a:p>
+          <a:p>
+            <a:pPr marL="0" indent="0">
+              <a:buNone/>
+            </a:pPr>
+            <a:r>
+              <a:rPr lang="en-US" dirty="0"/>
+              <a:t>	</a:t>
+            </a:r>
+            <a:r>
+              <a:rPr lang="en-US" dirty="0" smtClean="0"/>
+              <a:t>   </a:t>
+            </a:r>
+            <a:r>
+              <a:rPr lang="en-US" dirty="0"/>
+              <a:t>B[</a:t>
+            </a:r>
+            <a:r>
+              <a:rPr lang="en-US" dirty="0" err="1"/>
+              <a:t>i</a:t>
+            </a:r>
+            <a:r>
+              <a:rPr lang="en-US" dirty="0"/>
+              <a:t>] = </a:t>
+            </a:r>
+            <a:r>
+              <a:rPr lang="en-US" dirty="0">
+                <a:solidFill>
+                  <a:srgbClr val="FF0000"/>
+                </a:solidFill>
+              </a:rPr>
+              <a:t>A[</a:t>
+            </a:r>
+            <a:r>
+              <a:rPr lang="en-US" dirty="0" err="1">
+                <a:solidFill>
+                  <a:srgbClr val="FF0000"/>
+                </a:solidFill>
+              </a:rPr>
+              <a:t>i</a:t>
+            </a:r>
+            <a:r>
+              <a:rPr lang="en-US" dirty="0">
+                <a:solidFill>
+                  <a:srgbClr val="FF0000"/>
+                </a:solidFill>
+              </a:rPr>
+              <a:t>]</a:t>
+            </a:r>
+            <a:r>
+              <a:rPr lang="en-US" dirty="0"/>
+              <a:t>*</a:t>
+            </a:r>
+            <a:r>
+              <a:rPr lang="en-US" dirty="0">
+                <a:solidFill>
+                  <a:srgbClr val="008000"/>
+                </a:solidFill>
+              </a:rPr>
+              <a:t>D[i-1</a:t>
+            </a:r>
+            <a:r>
+              <a:rPr lang="en-US" dirty="0" smtClean="0">
+                <a:solidFill>
+                  <a:srgbClr val="008000"/>
+                </a:solidFill>
+              </a:rPr>
+              <a:t>]</a:t>
+            </a:r>
+            <a:endParaRPr lang="en-US" dirty="0">
+              <a:solidFill>
+                <a:srgbClr val="008000"/>
+              </a:solidFill>
+            </a:endParaRPr>
+          </a:p>
+          <a:p>
+            <a:pPr marL="0" indent="0">
+              <a:buNone/>
+            </a:pPr>
+            <a:r>
+              <a:rPr lang="en-US" dirty="0"/>
+              <a:t>	</a:t>
+            </a:r>
+            <a:r>
+              <a:rPr lang="en-US" dirty="0" smtClean="0"/>
+              <a:t>   </a:t>
+            </a:r>
+            <a:r>
+              <a:rPr lang="en-US" dirty="0">
+                <a:solidFill>
+                  <a:srgbClr val="0000FF"/>
+                </a:solidFill>
+              </a:rPr>
+              <a:t>C[</a:t>
+            </a:r>
+            <a:r>
+              <a:rPr lang="en-US" dirty="0" err="1">
+                <a:solidFill>
+                  <a:srgbClr val="0000FF"/>
+                </a:solidFill>
+              </a:rPr>
+              <a:t>i</a:t>
+            </a:r>
+            <a:r>
+              <a:rPr lang="en-US" dirty="0">
+                <a:solidFill>
+                  <a:srgbClr val="0000FF"/>
+                </a:solidFill>
+              </a:rPr>
+              <a:t>]</a:t>
+            </a:r>
+            <a:r>
+              <a:rPr lang="en-US" dirty="0"/>
+              <a:t> = </a:t>
+            </a:r>
+            <a:r>
+              <a:rPr lang="en-US" dirty="0">
+                <a:solidFill>
+                  <a:srgbClr val="FF0000"/>
+                </a:solidFill>
+              </a:rPr>
+              <a:t>A[</a:t>
+            </a:r>
+            <a:r>
+              <a:rPr lang="en-US" dirty="0" err="1">
+                <a:solidFill>
+                  <a:srgbClr val="FF0000"/>
+                </a:solidFill>
+              </a:rPr>
+              <a:t>i</a:t>
+            </a:r>
+            <a:r>
+              <a:rPr lang="en-US" dirty="0">
+                <a:solidFill>
+                  <a:srgbClr val="FF0000"/>
+                </a:solidFill>
+              </a:rPr>
+              <a:t>]</a:t>
+            </a:r>
+            <a:r>
+              <a:rPr lang="en-US" dirty="0"/>
+              <a:t>*</a:t>
+            </a:r>
+            <a:r>
+              <a:rPr lang="en-US" dirty="0">
+                <a:solidFill>
+                  <a:srgbClr val="008000"/>
+                </a:solidFill>
+              </a:rPr>
+              <a:t>D[i-1</a:t>
+            </a:r>
+            <a:r>
+              <a:rPr lang="en-US" dirty="0" smtClean="0">
+                <a:solidFill>
+                  <a:srgbClr val="008000"/>
+                </a:solidFill>
+              </a:rPr>
+              <a:t>]</a:t>
+            </a:r>
+            <a:r>
+              <a:rPr lang="en-US" dirty="0" smtClean="0"/>
+              <a:t>		</a:t>
+            </a:r>
+            <a:endParaRPr lang="en-US" dirty="0"/>
+          </a:p>
+          <a:p>
+            <a:pPr marL="0" indent="0">
+              <a:buNone/>
+            </a:pPr>
+            <a:r>
+              <a:rPr lang="de-DE" dirty="0"/>
+              <a:t>	</a:t>
+            </a:r>
+            <a:r>
+              <a:rPr lang="de-DE" dirty="0" smtClean="0"/>
+              <a:t>   </a:t>
+            </a:r>
+            <a:r>
+              <a:rPr lang="de-DE" dirty="0">
+                <a:solidFill>
+                  <a:srgbClr val="800000"/>
+                </a:solidFill>
+              </a:rPr>
+              <a:t>D[i]</a:t>
+            </a:r>
+            <a:r>
+              <a:rPr lang="de-DE" dirty="0"/>
+              <a:t> = B[i]+</a:t>
+            </a:r>
+            <a:r>
+              <a:rPr lang="de-DE" dirty="0">
+                <a:solidFill>
+                  <a:srgbClr val="0000FF"/>
+                </a:solidFill>
+              </a:rPr>
+              <a:t>C[i</a:t>
+            </a:r>
+            <a:r>
+              <a:rPr lang="de-DE" dirty="0" smtClean="0">
+                <a:solidFill>
+                  <a:srgbClr val="0000FF"/>
+                </a:solidFill>
+              </a:rPr>
+              <a:t>]</a:t>
+            </a:r>
+            <a:r>
+              <a:rPr lang="de-DE" dirty="0" smtClean="0"/>
+              <a:t> </a:t>
+            </a:r>
+          </a:p>
+        </p:txBody>
+      </p:sp>
+    </p:spTree>
+    <p:extLst>
+      <p:ext uri="{BB962C8B-B14F-4D97-AF65-F5344CB8AC3E}">
+        <p14:creationId xmlns:p14="http://schemas.microsoft.com/office/powerpoint/2010/main" val="870227543"/>
+      </p:ext>
+    </p:extLst>
+  </p:cSld>
+  <p:clrMapOvr>
+    <a:masterClrMapping/>
+  </p:clrMapOvr>
+</p:sld>
+</file>
+
+<file path=ppt/slides/slide13.xml><?xml version="1.0" encoding="utf-8"?>
+<p:sld xmlns:a="http://schemas.openxmlformats.org/drawingml/2006/main" xmlns:r="http://schemas.openxmlformats.org/officeDocument/2006/relationships" xmlns:p="http://schemas.openxmlformats.org/presentationml/2006/main">
+  <p:cSld>
+    <p:spTree>
+      <p:nvGrpSpPr>
+        <p:cNvPr id="1" name=""/>
+        <p:cNvGrpSpPr/>
+        <p:nvPr/>
+      </p:nvGrpSpPr>
+      <p:grpSpPr>
+        <a:xfrm>
+          <a:off x="0" y="0"/>
+          <a:ext cx="0" cy="0"/>
+          <a:chOff x="0" y="0"/>
+          <a:chExt cx="0" cy="0"/>
+        </a:xfrm>
+      </p:grpSpPr>
+      <p:sp>
+        <p:nvSpPr>
+          <p:cNvPr id="2" name="Title 1"/>
+          <p:cNvSpPr>
+            <a:spLocks noGrp="1"/>
+          </p:cNvSpPr>
+          <p:nvPr>
+            <p:ph type="title"/>
+          </p:nvPr>
+        </p:nvSpPr>
+        <p:spPr/>
+        <p:txBody>
+          <a:bodyPr/>
+          <a:lstStyle/>
+          <a:p>
+            <a:r>
+              <a:rPr lang="en-US" dirty="0" smtClean="0"/>
+              <a:t>Phase 2: “</a:t>
+            </a:r>
+            <a:r>
+              <a:rPr lang="en-US" dirty="0" err="1" smtClean="0"/>
+              <a:t>Scalarization</a:t>
+            </a:r>
+            <a:r>
+              <a:rPr lang="en-US" dirty="0" smtClean="0"/>
+              <a:t>”</a:t>
+            </a:r>
+            <a:endParaRPr lang="en-US" dirty="0"/>
+          </a:p>
+        </p:txBody>
+      </p:sp>
+      <p:sp>
+        <p:nvSpPr>
+          <p:cNvPr id="3" name="Content Placeholder 2"/>
+          <p:cNvSpPr>
+            <a:spLocks noGrp="1"/>
+          </p:cNvSpPr>
+          <p:nvPr>
+            <p:ph idx="1"/>
+          </p:nvPr>
+        </p:nvSpPr>
+        <p:spPr/>
+        <p:txBody>
+          <a:bodyPr>
+            <a:normAutofit fontScale="92500" lnSpcReduction="20000"/>
+          </a:bodyPr>
+          <a:lstStyle/>
+          <a:p>
+            <a:r>
+              <a:rPr lang="de-DE" dirty="0" smtClean="0"/>
+              <a:t>Array </a:t>
+            </a:r>
+            <a:r>
+              <a:rPr lang="de-DE" dirty="0" err="1" smtClean="0"/>
+              <a:t>def</a:t>
+            </a:r>
+            <a:r>
+              <a:rPr lang="de-DE" dirty="0" smtClean="0"/>
+              <a:t>: A[f(i)] = ... </a:t>
+            </a:r>
+          </a:p>
+          <a:p>
+            <a:r>
+              <a:rPr lang="de-DE" dirty="0" smtClean="0"/>
+              <a:t>Array </a:t>
+            </a:r>
+            <a:r>
+              <a:rPr lang="de-DE" dirty="0" err="1" smtClean="0"/>
+              <a:t>use</a:t>
+            </a:r>
+            <a:r>
+              <a:rPr lang="de-DE" dirty="0" smtClean="0"/>
+              <a:t>: ... = f(A[f‘(i)])</a:t>
+            </a:r>
+          </a:p>
+          <a:p>
+            <a:r>
+              <a:rPr lang="de-DE" dirty="0" smtClean="0"/>
+              <a:t>Key </a:t>
+            </a:r>
+            <a:r>
+              <a:rPr lang="de-DE" dirty="0" err="1" smtClean="0"/>
+              <a:t>restriction</a:t>
+            </a:r>
+            <a:r>
+              <a:rPr lang="de-DE" dirty="0" smtClean="0"/>
+              <a:t>: </a:t>
+            </a:r>
+            <a:r>
+              <a:rPr lang="de-DE" dirty="0" err="1" smtClean="0"/>
+              <a:t>for</a:t>
+            </a:r>
+            <a:r>
+              <a:rPr lang="de-DE" dirty="0" smtClean="0"/>
+              <a:t> </a:t>
+            </a:r>
+            <a:r>
+              <a:rPr lang="de-DE" dirty="0" err="1" smtClean="0"/>
+              <a:t>every</a:t>
+            </a:r>
+            <a:r>
+              <a:rPr lang="de-DE" dirty="0" smtClean="0"/>
+              <a:t> </a:t>
+            </a:r>
+            <a:r>
+              <a:rPr lang="de-DE" dirty="0" err="1" smtClean="0"/>
+              <a:t>def-use</a:t>
+            </a:r>
+            <a:r>
+              <a:rPr lang="de-DE" dirty="0" smtClean="0"/>
+              <a:t> pair A[f(i)],A[f‘(i)], f(i) </a:t>
+            </a:r>
+            <a:r>
+              <a:rPr lang="de-DE" dirty="0" err="1" smtClean="0"/>
+              <a:t>and</a:t>
+            </a:r>
+            <a:r>
+              <a:rPr lang="de-DE" dirty="0" smtClean="0"/>
+              <a:t> f‘(i) </a:t>
+            </a:r>
+            <a:r>
+              <a:rPr lang="de-DE" dirty="0" err="1" smtClean="0"/>
+              <a:t>are</a:t>
+            </a:r>
+            <a:r>
+              <a:rPr lang="de-DE" dirty="0" smtClean="0"/>
+              <a:t> </a:t>
+            </a:r>
+            <a:r>
+              <a:rPr lang="de-DE" dirty="0" err="1" smtClean="0"/>
+              <a:t>either</a:t>
+            </a:r>
+            <a:r>
+              <a:rPr lang="de-DE" dirty="0" smtClean="0"/>
+              <a:t> </a:t>
+            </a:r>
+            <a:r>
+              <a:rPr lang="de-DE" dirty="0" err="1" smtClean="0"/>
+              <a:t>equivalent</a:t>
+            </a:r>
+            <a:r>
+              <a:rPr lang="de-DE" dirty="0" smtClean="0"/>
+              <a:t> </a:t>
+            </a:r>
+            <a:r>
+              <a:rPr lang="de-DE" dirty="0" err="1" smtClean="0"/>
+              <a:t>or</a:t>
+            </a:r>
+            <a:r>
+              <a:rPr lang="de-DE" dirty="0" smtClean="0"/>
+              <a:t> non-</a:t>
+            </a:r>
+            <a:r>
+              <a:rPr lang="de-DE" dirty="0" err="1" smtClean="0"/>
+              <a:t>equivalent</a:t>
+            </a:r>
+            <a:endParaRPr lang="de-DE" dirty="0"/>
+          </a:p>
+          <a:p>
+            <a:pPr lvl="1"/>
+            <a:r>
+              <a:rPr lang="de-DE" dirty="0" err="1" smtClean="0"/>
+              <a:t>Equivalent</a:t>
+            </a:r>
+            <a:r>
+              <a:rPr lang="de-DE" dirty="0" smtClean="0"/>
+              <a:t>: </a:t>
+            </a:r>
+            <a:r>
+              <a:rPr lang="de-DE" dirty="0" err="1" smtClean="0">
+                <a:solidFill>
+                  <a:srgbClr val="FF0000"/>
+                </a:solidFill>
+              </a:rPr>
+              <a:t>for</a:t>
+            </a:r>
+            <a:r>
+              <a:rPr lang="de-DE" dirty="0" smtClean="0">
+                <a:solidFill>
+                  <a:srgbClr val="FF0000"/>
+                </a:solidFill>
+              </a:rPr>
+              <a:t> </a:t>
+            </a:r>
+            <a:r>
+              <a:rPr lang="de-DE" dirty="0" err="1" smtClean="0">
+                <a:solidFill>
+                  <a:srgbClr val="FF0000"/>
+                </a:solidFill>
+              </a:rPr>
+              <a:t>every</a:t>
+            </a:r>
+            <a:r>
+              <a:rPr lang="de-DE" dirty="0" smtClean="0">
+                <a:solidFill>
+                  <a:srgbClr val="FF0000"/>
+                </a:solidFill>
+              </a:rPr>
+              <a:t> i in </a:t>
+            </a:r>
+            <a:r>
+              <a:rPr lang="de-DE" dirty="0" err="1" smtClean="0">
+                <a:solidFill>
+                  <a:srgbClr val="FF0000"/>
+                </a:solidFill>
+              </a:rPr>
+              <a:t>range</a:t>
+            </a:r>
+            <a:r>
+              <a:rPr lang="de-DE" dirty="0" smtClean="0">
+                <a:solidFill>
+                  <a:srgbClr val="FF0000"/>
+                </a:solidFill>
+              </a:rPr>
+              <a:t>(</a:t>
+            </a:r>
+            <a:r>
+              <a:rPr lang="de-DE" dirty="0" err="1" smtClean="0">
+                <a:solidFill>
+                  <a:srgbClr val="FF0000"/>
+                </a:solidFill>
+              </a:rPr>
+              <a:t>len</a:t>
+            </a:r>
+            <a:r>
+              <a:rPr lang="de-DE" dirty="0" smtClean="0">
+                <a:solidFill>
+                  <a:srgbClr val="FF0000"/>
+                </a:solidFill>
+              </a:rPr>
+              <a:t>): f(i) = f‘(i)</a:t>
+            </a:r>
+            <a:endParaRPr lang="en-US" dirty="0" smtClean="0">
+              <a:solidFill>
+                <a:srgbClr val="FF0000"/>
+              </a:solidFill>
+            </a:endParaRPr>
+          </a:p>
+          <a:p>
+            <a:pPr lvl="1"/>
+            <a:r>
+              <a:rPr lang="en-US" dirty="0" smtClean="0">
+                <a:solidFill>
+                  <a:srgbClr val="000000"/>
+                </a:solidFill>
+              </a:rPr>
+              <a:t>Non-equivalent: for every </a:t>
+            </a:r>
+            <a:r>
+              <a:rPr lang="en-US" dirty="0" err="1" smtClean="0">
+                <a:solidFill>
+                  <a:srgbClr val="000000"/>
+                </a:solidFill>
+              </a:rPr>
+              <a:t>i</a:t>
+            </a:r>
+            <a:r>
+              <a:rPr lang="en-US" dirty="0" smtClean="0">
+                <a:solidFill>
+                  <a:srgbClr val="000000"/>
+                </a:solidFill>
+              </a:rPr>
+              <a:t> in range(</a:t>
+            </a:r>
+            <a:r>
+              <a:rPr lang="en-US" dirty="0" err="1" smtClean="0">
+                <a:solidFill>
+                  <a:srgbClr val="000000"/>
+                </a:solidFill>
+              </a:rPr>
+              <a:t>len</a:t>
+            </a:r>
+            <a:r>
+              <a:rPr lang="en-US" dirty="0" smtClean="0">
+                <a:solidFill>
+                  <a:srgbClr val="000000"/>
+                </a:solidFill>
+              </a:rPr>
+              <a:t>): f(</a:t>
+            </a:r>
+            <a:r>
+              <a:rPr lang="en-US" dirty="0" err="1" smtClean="0">
+                <a:solidFill>
+                  <a:srgbClr val="000000"/>
+                </a:solidFill>
+              </a:rPr>
+              <a:t>i</a:t>
+            </a:r>
+            <a:r>
+              <a:rPr lang="en-US" dirty="0" smtClean="0">
+                <a:solidFill>
+                  <a:srgbClr val="000000"/>
+                </a:solidFill>
+              </a:rPr>
+              <a:t>) =/= f’(</a:t>
+            </a:r>
+            <a:r>
+              <a:rPr lang="en-US" dirty="0" err="1" smtClean="0">
+                <a:solidFill>
+                  <a:srgbClr val="000000"/>
+                </a:solidFill>
+              </a:rPr>
+              <a:t>i</a:t>
+            </a:r>
+            <a:r>
+              <a:rPr lang="en-US" dirty="0" smtClean="0">
+                <a:solidFill>
+                  <a:srgbClr val="000000"/>
+                </a:solidFill>
+              </a:rPr>
+              <a:t>)</a:t>
+            </a:r>
+          </a:p>
+          <a:p>
+            <a:pPr lvl="1"/>
+            <a:r>
+              <a:rPr lang="en-US" dirty="0" smtClean="0">
+                <a:solidFill>
+                  <a:srgbClr val="000000"/>
+                </a:solidFill>
+              </a:rPr>
+              <a:t>Intuition: for every iteration </a:t>
+            </a:r>
+            <a:r>
+              <a:rPr lang="en-US" dirty="0" err="1" smtClean="0">
+                <a:solidFill>
+                  <a:srgbClr val="000000"/>
+                </a:solidFill>
+              </a:rPr>
+              <a:t>i</a:t>
+            </a:r>
+            <a:r>
+              <a:rPr lang="en-US" dirty="0" smtClean="0">
+                <a:solidFill>
+                  <a:srgbClr val="000000"/>
+                </a:solidFill>
+              </a:rPr>
+              <a:t>, A[f(</a:t>
+            </a:r>
+            <a:r>
+              <a:rPr lang="en-US" dirty="0" err="1" smtClean="0">
+                <a:solidFill>
+                  <a:srgbClr val="000000"/>
+                </a:solidFill>
+              </a:rPr>
+              <a:t>i</a:t>
+            </a:r>
+            <a:r>
+              <a:rPr lang="en-US" dirty="0" smtClean="0">
+                <a:solidFill>
+                  <a:srgbClr val="000000"/>
+                </a:solidFill>
+              </a:rPr>
+              <a:t>)] and A[f’(</a:t>
+            </a:r>
+            <a:r>
+              <a:rPr lang="en-US" dirty="0" err="1" smtClean="0">
+                <a:solidFill>
+                  <a:srgbClr val="000000"/>
+                </a:solidFill>
+              </a:rPr>
+              <a:t>i</a:t>
+            </a:r>
+            <a:r>
+              <a:rPr lang="en-US" dirty="0" smtClean="0">
+                <a:solidFill>
+                  <a:srgbClr val="000000"/>
+                </a:solidFill>
+              </a:rPr>
+              <a:t>)] either refer to the same location, or to different locations</a:t>
+            </a:r>
+          </a:p>
+          <a:p>
+            <a:r>
+              <a:rPr lang="en-US" dirty="0" smtClean="0">
+                <a:solidFill>
+                  <a:srgbClr val="000000"/>
+                </a:solidFill>
+              </a:rPr>
+              <a:t>Also, for every </a:t>
+            </a:r>
+            <a:r>
+              <a:rPr lang="en-US" dirty="0" err="1" smtClean="0">
+                <a:solidFill>
+                  <a:srgbClr val="000000"/>
+                </a:solidFill>
+              </a:rPr>
+              <a:t>def-def</a:t>
+            </a:r>
+            <a:r>
+              <a:rPr lang="en-US" dirty="0" smtClean="0">
+                <a:solidFill>
+                  <a:srgbClr val="000000"/>
+                </a:solidFill>
+              </a:rPr>
+              <a:t> pair A[f(</a:t>
+            </a:r>
+            <a:r>
+              <a:rPr lang="en-US" dirty="0" err="1" smtClean="0">
+                <a:solidFill>
+                  <a:srgbClr val="000000"/>
+                </a:solidFill>
+              </a:rPr>
+              <a:t>i</a:t>
+            </a:r>
+            <a:r>
+              <a:rPr lang="en-US" dirty="0" smtClean="0">
+                <a:solidFill>
+                  <a:srgbClr val="000000"/>
+                </a:solidFill>
+              </a:rPr>
+              <a:t>)] and A[f’(</a:t>
+            </a:r>
+            <a:r>
+              <a:rPr lang="en-US" dirty="0" err="1" smtClean="0">
+                <a:solidFill>
+                  <a:srgbClr val="000000"/>
+                </a:solidFill>
+              </a:rPr>
+              <a:t>i</a:t>
+            </a:r>
+            <a:r>
+              <a:rPr lang="en-US" dirty="0" smtClean="0">
+                <a:solidFill>
+                  <a:srgbClr val="000000"/>
+                </a:solidFill>
+              </a:rPr>
+              <a:t>)]</a:t>
+            </a:r>
+          </a:p>
+          <a:p>
+            <a:r>
+              <a:rPr lang="en-US" dirty="0" smtClean="0">
+                <a:solidFill>
+                  <a:srgbClr val="000000"/>
+                </a:solidFill>
+              </a:rPr>
+              <a:t>Some other restrictions (don’t remember know)</a:t>
+            </a:r>
+          </a:p>
+          <a:p>
+            <a:endParaRPr lang="en-US" dirty="0" smtClean="0">
+              <a:solidFill>
+                <a:srgbClr val="000000"/>
+              </a:solidFill>
+            </a:endParaRPr>
+          </a:p>
+          <a:p>
+            <a:endParaRPr lang="de-DE" dirty="0" smtClean="0">
+              <a:solidFill>
+                <a:srgbClr val="000000"/>
+              </a:solidFill>
+            </a:endParaRPr>
+          </a:p>
+        </p:txBody>
+      </p:sp>
+    </p:spTree>
+    <p:extLst>
+      <p:ext uri="{BB962C8B-B14F-4D97-AF65-F5344CB8AC3E}">
+        <p14:creationId xmlns:p14="http://schemas.microsoft.com/office/powerpoint/2010/main" val="1862760575"/>
+      </p:ext>
+    </p:extLst>
+  </p:cSld>
+  <p:clrMapOvr>
+    <a:masterClrMapping/>
+  </p:clrMapOvr>
+</p:sld>
+</file>
+
+<file path=ppt/slides/slide14.xml><?xml version="1.0" encoding="utf-8"?>
+<p:sld xmlns:a="http://schemas.openxmlformats.org/drawingml/2006/main" xmlns:r="http://schemas.openxmlformats.org/officeDocument/2006/relationships" xmlns:p="http://schemas.openxmlformats.org/presentationml/2006/main">
+  <p:cSld>
+    <p:spTree>
+      <p:nvGrpSpPr>
+        <p:cNvPr id="1" name=""/>
+        <p:cNvGrpSpPr/>
+        <p:nvPr/>
+      </p:nvGrpSpPr>
+      <p:grpSpPr>
+        <a:xfrm>
+          <a:off x="0" y="0"/>
+          <a:ext cx="0" cy="0"/>
+          <a:chOff x="0" y="0"/>
+          <a:chExt cx="0" cy="0"/>
+        </a:xfrm>
+      </p:grpSpPr>
+      <p:sp>
+        <p:nvSpPr>
+          <p:cNvPr id="2" name="Title 1"/>
+          <p:cNvSpPr>
+            <a:spLocks noGrp="1"/>
+          </p:cNvSpPr>
+          <p:nvPr>
+            <p:ph type="title"/>
+          </p:nvPr>
+        </p:nvSpPr>
+        <p:spPr/>
+        <p:txBody>
+          <a:bodyPr/>
+          <a:lstStyle/>
+          <a:p>
+            <a:r>
+              <a:rPr lang="en-US" dirty="0" smtClean="0"/>
+              <a:t>Phase 2: “</a:t>
+            </a:r>
+            <a:r>
+              <a:rPr lang="en-US" dirty="0" err="1" smtClean="0"/>
+              <a:t>Scalarization</a:t>
+            </a:r>
+            <a:r>
+              <a:rPr lang="en-US" dirty="0" smtClean="0"/>
+              <a:t>”</a:t>
+            </a:r>
+            <a:endParaRPr lang="en-US" dirty="0"/>
+          </a:p>
+        </p:txBody>
+      </p:sp>
+      <p:sp>
+        <p:nvSpPr>
+          <p:cNvPr id="3" name="Content Placeholder 2"/>
+          <p:cNvSpPr>
+            <a:spLocks noGrp="1"/>
+          </p:cNvSpPr>
+          <p:nvPr>
+            <p:ph idx="1"/>
+          </p:nvPr>
+        </p:nvSpPr>
+        <p:spPr/>
+        <p:txBody>
+          <a:bodyPr>
+            <a:normAutofit/>
+          </a:bodyPr>
+          <a:lstStyle/>
+          <a:p>
+            <a:r>
+              <a:rPr lang="en-US" dirty="0" smtClean="0">
+                <a:solidFill>
+                  <a:srgbClr val="000000"/>
+                </a:solidFill>
+              </a:rPr>
+              <a:t>If we are able to prove the restrictions hold (we used Z3), then “</a:t>
+            </a:r>
+            <a:r>
+              <a:rPr lang="en-US" dirty="0" err="1" smtClean="0">
+                <a:solidFill>
+                  <a:srgbClr val="000000"/>
+                </a:solidFill>
+              </a:rPr>
+              <a:t>scalarize</a:t>
+            </a:r>
+            <a:r>
+              <a:rPr lang="en-US" dirty="0" smtClean="0">
+                <a:solidFill>
+                  <a:srgbClr val="000000"/>
+                </a:solidFill>
+              </a:rPr>
+              <a:t>”, otherwise default to “aggregate” arrays</a:t>
+            </a:r>
+          </a:p>
+          <a:p>
+            <a:r>
+              <a:rPr lang="en-US" dirty="0" smtClean="0">
+                <a:solidFill>
+                  <a:srgbClr val="000000"/>
+                </a:solidFill>
+              </a:rPr>
+              <a:t>Open problem: extend these notions and analysis to nested loops</a:t>
+            </a:r>
+          </a:p>
+          <a:p>
+            <a:endParaRPr lang="en-US" dirty="0">
+              <a:solidFill>
+                <a:srgbClr val="000000"/>
+              </a:solidFill>
+            </a:endParaRPr>
+          </a:p>
+          <a:p>
+            <a:r>
+              <a:rPr lang="en-US" dirty="0" smtClean="0">
+                <a:solidFill>
+                  <a:srgbClr val="000000"/>
+                </a:solidFill>
+              </a:rPr>
+              <a:t>“</a:t>
+            </a:r>
+            <a:r>
+              <a:rPr lang="en-US" dirty="0" err="1" smtClean="0">
+                <a:solidFill>
+                  <a:srgbClr val="000000"/>
+                </a:solidFill>
+              </a:rPr>
+              <a:t>Scalarization</a:t>
+            </a:r>
+            <a:r>
+              <a:rPr lang="en-US" dirty="0" smtClean="0">
+                <a:solidFill>
+                  <a:srgbClr val="000000"/>
+                </a:solidFill>
+              </a:rPr>
+              <a:t>”: A[f(</a:t>
+            </a:r>
+            <a:r>
+              <a:rPr lang="en-US" dirty="0" err="1" smtClean="0">
+                <a:solidFill>
+                  <a:srgbClr val="000000"/>
+                </a:solidFill>
+              </a:rPr>
+              <a:t>i</a:t>
+            </a:r>
+            <a:r>
+              <a:rPr lang="en-US" dirty="0" smtClean="0">
+                <a:solidFill>
+                  <a:srgbClr val="000000"/>
+                </a:solidFill>
+              </a:rPr>
+              <a:t>)] becomes either </a:t>
+            </a:r>
+            <a:r>
+              <a:rPr lang="en-US" dirty="0" err="1" smtClean="0">
+                <a:solidFill>
+                  <a:srgbClr val="000000"/>
+                </a:solidFill>
+              </a:rPr>
+              <a:t>A_f</a:t>
+            </a:r>
+            <a:r>
+              <a:rPr lang="en-US" dirty="0" smtClean="0">
+                <a:solidFill>
+                  <a:srgbClr val="000000"/>
+                </a:solidFill>
+              </a:rPr>
+              <a:t>(</a:t>
+            </a:r>
+            <a:r>
+              <a:rPr lang="en-US" dirty="0" err="1" smtClean="0">
+                <a:solidFill>
+                  <a:srgbClr val="000000"/>
+                </a:solidFill>
+              </a:rPr>
+              <a:t>i</a:t>
+            </a:r>
+            <a:r>
+              <a:rPr lang="en-US" dirty="0" smtClean="0">
+                <a:solidFill>
+                  <a:srgbClr val="000000"/>
+                </a:solidFill>
+              </a:rPr>
+              <a:t>) or A and is treated like a “scalar”</a:t>
+            </a:r>
+            <a:r>
+              <a:rPr lang="en-US" dirty="0">
+                <a:solidFill>
+                  <a:srgbClr val="000000"/>
+                </a:solidFill>
+              </a:rPr>
+              <a:t> </a:t>
+            </a:r>
+            <a:r>
+              <a:rPr lang="en-US" dirty="0" smtClean="0">
+                <a:solidFill>
+                  <a:srgbClr val="000000"/>
+                </a:solidFill>
+              </a:rPr>
+              <a:t>during </a:t>
+            </a:r>
+          </a:p>
+          <a:p>
+            <a:endParaRPr lang="de-DE" dirty="0" smtClean="0">
+              <a:solidFill>
+                <a:srgbClr val="000000"/>
+              </a:solidFill>
+            </a:endParaRPr>
+          </a:p>
+        </p:txBody>
+      </p:sp>
+    </p:spTree>
+    <p:extLst>
+      <p:ext uri="{BB962C8B-B14F-4D97-AF65-F5344CB8AC3E}">
+        <p14:creationId xmlns:p14="http://schemas.microsoft.com/office/powerpoint/2010/main" val="2482873949"/>
+      </p:ext>
+    </p:extLst>
+  </p:cSld>
+  <p:clrMapOvr>
+    <a:masterClrMapping/>
+  </p:clrMapOvr>
+</p:sld>
+</file>
+
+<file path=ppt/slides/slide15.xml><?xml version="1.0" encoding="utf-8"?>
+<p:sld xmlns:a="http://schemas.openxmlformats.org/drawingml/2006/main" xmlns:r="http://schemas.openxmlformats.org/officeDocument/2006/relationships" xmlns:p="http://schemas.openxmlformats.org/presentationml/2006/main">
+  <p:cSld>
+    <p:spTree>
+      <p:nvGrpSpPr>
+        <p:cNvPr id="1" name=""/>
+        <p:cNvGrpSpPr/>
+        <p:nvPr/>
+      </p:nvGrpSpPr>
+      <p:grpSpPr>
+        <a:xfrm>
+          <a:off x="0" y="0"/>
+          <a:ext cx="0" cy="0"/>
+          <a:chOff x="0" y="0"/>
+          <a:chExt cx="0" cy="0"/>
+        </a:xfrm>
+      </p:grpSpPr>
+      <p:sp>
+        <p:nvSpPr>
+          <p:cNvPr id="2" name="Title 1"/>
+          <p:cNvSpPr>
+            <a:spLocks noGrp="1"/>
+          </p:cNvSpPr>
+          <p:nvPr>
+            <p:ph type="title"/>
+          </p:nvPr>
+        </p:nvSpPr>
+        <p:spPr/>
+        <p:txBody>
+          <a:bodyPr/>
+          <a:lstStyle/>
+          <a:p>
+            <a:r>
+              <a:rPr lang="en-US" dirty="0" smtClean="0"/>
+              <a:t>Phase 2: “</a:t>
+            </a:r>
+            <a:r>
+              <a:rPr lang="en-US" dirty="0" err="1" smtClean="0"/>
+              <a:t>Scalarization</a:t>
+            </a:r>
+            <a:r>
+              <a:rPr lang="en-US" dirty="0" smtClean="0"/>
+              <a:t>” Examples </a:t>
+            </a:r>
+            <a:endParaRPr lang="en-US" dirty="0"/>
+          </a:p>
+        </p:txBody>
+      </p:sp>
+      <p:sp>
+        <p:nvSpPr>
+          <p:cNvPr id="3" name="Content Placeholder 2"/>
+          <p:cNvSpPr>
+            <a:spLocks noGrp="1"/>
+          </p:cNvSpPr>
+          <p:nvPr>
+            <p:ph idx="1"/>
+          </p:nvPr>
+        </p:nvSpPr>
+        <p:spPr>
+          <a:xfrm>
+            <a:off x="457200" y="1600200"/>
+            <a:ext cx="4043187" cy="4525963"/>
+          </a:xfrm>
+        </p:spPr>
+        <p:txBody>
+          <a:bodyPr/>
+          <a:lstStyle/>
+          <a:p>
+            <a:pPr marL="0" indent="0">
+              <a:buNone/>
+            </a:pPr>
+            <a:r>
+              <a:rPr lang="en-US" dirty="0" smtClean="0"/>
+              <a:t>Aiken:</a:t>
+            </a:r>
+          </a:p>
+          <a:p>
+            <a:pPr marL="0" indent="0">
+              <a:buNone/>
+            </a:pPr>
+            <a:r>
+              <a:rPr lang="en-US" dirty="0" smtClean="0"/>
+              <a:t>for </a:t>
+            </a:r>
+            <a:r>
+              <a:rPr lang="en-US" dirty="0" err="1"/>
+              <a:t>i</a:t>
+            </a:r>
+            <a:r>
+              <a:rPr lang="en-US" dirty="0"/>
+              <a:t> in range(0,len)</a:t>
+            </a:r>
+            <a:r>
+              <a:rPr lang="en-US" dirty="0" smtClean="0"/>
+              <a:t>:</a:t>
+            </a:r>
+          </a:p>
+          <a:p>
+            <a:pPr marL="0" indent="0">
+              <a:buNone/>
+            </a:pPr>
+            <a:r>
+              <a:rPr lang="en-US" dirty="0">
+                <a:solidFill>
+                  <a:srgbClr val="FF0000"/>
+                </a:solidFill>
+              </a:rPr>
+              <a:t> </a:t>
+            </a:r>
+            <a:r>
+              <a:rPr lang="en-US" dirty="0" smtClean="0">
+                <a:solidFill>
+                  <a:srgbClr val="FF0000"/>
+                </a:solidFill>
+              </a:rPr>
+              <a:t>   </a:t>
+            </a:r>
+            <a:r>
+              <a:rPr lang="de-DE" dirty="0" err="1" smtClean="0">
+                <a:solidFill>
+                  <a:srgbClr val="FF0000"/>
+                </a:solidFill>
+              </a:rPr>
+              <a:t>A_i</a:t>
+            </a:r>
+            <a:r>
+              <a:rPr lang="de-DE" dirty="0" smtClean="0"/>
+              <a:t> </a:t>
+            </a:r>
+            <a:r>
+              <a:rPr lang="de-DE" dirty="0"/>
+              <a:t>= </a:t>
+            </a:r>
+            <a:r>
+              <a:rPr lang="de-DE" dirty="0" err="1" smtClean="0"/>
+              <a:t>B_i</a:t>
+            </a:r>
+            <a:r>
+              <a:rPr lang="de-DE" dirty="0" smtClean="0"/>
+              <a:t>*</a:t>
+            </a:r>
+            <a:r>
+              <a:rPr lang="de-DE" dirty="0"/>
+              <a:t>i 			</a:t>
+            </a:r>
+            <a:endParaRPr lang="de-DE" dirty="0" smtClean="0"/>
+          </a:p>
+          <a:p>
+            <a:pPr marL="0" indent="0">
+              <a:buNone/>
+            </a:pPr>
+            <a:r>
+              <a:rPr lang="de-DE" dirty="0"/>
+              <a:t> </a:t>
+            </a:r>
+            <a:r>
+              <a:rPr lang="de-DE" dirty="0" smtClean="0"/>
+              <a:t>   </a:t>
+            </a:r>
+            <a:r>
+              <a:rPr lang="en-US" dirty="0" err="1" smtClean="0"/>
+              <a:t>B_i</a:t>
+            </a:r>
+            <a:r>
+              <a:rPr lang="en-US" dirty="0" smtClean="0"/>
+              <a:t> </a:t>
+            </a:r>
+            <a:r>
+              <a:rPr lang="en-US" dirty="0"/>
+              <a:t>= </a:t>
+            </a:r>
+            <a:r>
+              <a:rPr lang="en-US" dirty="0" err="1" smtClean="0">
+                <a:solidFill>
+                  <a:srgbClr val="FF0000"/>
+                </a:solidFill>
+              </a:rPr>
+              <a:t>A_i</a:t>
+            </a:r>
+            <a:r>
+              <a:rPr lang="en-US" dirty="0" smtClean="0"/>
+              <a:t>*</a:t>
+            </a:r>
+            <a:r>
+              <a:rPr lang="en-US" dirty="0" smtClean="0">
+                <a:solidFill>
+                  <a:srgbClr val="008000"/>
+                </a:solidFill>
+              </a:rPr>
+              <a:t>D_(i</a:t>
+            </a:r>
+            <a:r>
+              <a:rPr lang="en-US" dirty="0">
+                <a:solidFill>
+                  <a:srgbClr val="008000"/>
+                </a:solidFill>
+              </a:rPr>
+              <a:t>-</a:t>
+            </a:r>
+            <a:r>
+              <a:rPr lang="en-US" dirty="0" smtClean="0">
+                <a:solidFill>
+                  <a:srgbClr val="008000"/>
+                </a:solidFill>
+              </a:rPr>
+              <a:t>1)</a:t>
+            </a:r>
+            <a:endParaRPr lang="en-US" dirty="0">
+              <a:solidFill>
+                <a:srgbClr val="008000"/>
+              </a:solidFill>
+            </a:endParaRPr>
+          </a:p>
+          <a:p>
+            <a:pPr marL="0" indent="0">
+              <a:buNone/>
+            </a:pPr>
+            <a:r>
+              <a:rPr lang="en-US" dirty="0" smtClean="0"/>
+              <a:t>    </a:t>
+            </a:r>
+            <a:r>
+              <a:rPr lang="en-US" dirty="0" err="1" smtClean="0">
+                <a:solidFill>
+                  <a:srgbClr val="0000FF"/>
+                </a:solidFill>
+              </a:rPr>
+              <a:t>C_i</a:t>
+            </a:r>
+            <a:r>
+              <a:rPr lang="en-US" dirty="0" smtClean="0"/>
+              <a:t> </a:t>
+            </a:r>
+            <a:r>
+              <a:rPr lang="en-US" dirty="0"/>
+              <a:t>= </a:t>
+            </a:r>
+            <a:r>
+              <a:rPr lang="en-US" dirty="0" err="1" smtClean="0">
+                <a:solidFill>
+                  <a:srgbClr val="FF0000"/>
+                </a:solidFill>
+              </a:rPr>
+              <a:t>A_i</a:t>
+            </a:r>
+            <a:r>
+              <a:rPr lang="en-US" dirty="0" smtClean="0"/>
+              <a:t>*</a:t>
+            </a:r>
+            <a:r>
+              <a:rPr lang="en-US" dirty="0" smtClean="0">
+                <a:solidFill>
+                  <a:srgbClr val="008000"/>
+                </a:solidFill>
+              </a:rPr>
+              <a:t>D_(i</a:t>
+            </a:r>
+            <a:r>
+              <a:rPr lang="en-US" dirty="0">
+                <a:solidFill>
+                  <a:srgbClr val="008000"/>
+                </a:solidFill>
+              </a:rPr>
+              <a:t>-</a:t>
+            </a:r>
+            <a:r>
+              <a:rPr lang="en-US" dirty="0" smtClean="0">
+                <a:solidFill>
+                  <a:srgbClr val="008000"/>
+                </a:solidFill>
+              </a:rPr>
+              <a:t>1)</a:t>
+            </a:r>
+            <a:r>
+              <a:rPr lang="en-US" dirty="0"/>
+              <a:t>	</a:t>
+            </a:r>
+          </a:p>
+          <a:p>
+            <a:pPr marL="0" indent="0">
+              <a:buNone/>
+            </a:pPr>
+            <a:r>
+              <a:rPr lang="de-DE" dirty="0" smtClean="0"/>
+              <a:t>    </a:t>
+            </a:r>
+            <a:r>
+              <a:rPr lang="de-DE" dirty="0" err="1" smtClean="0">
+                <a:solidFill>
+                  <a:srgbClr val="800000"/>
+                </a:solidFill>
+              </a:rPr>
+              <a:t>D_i</a:t>
+            </a:r>
+            <a:r>
+              <a:rPr lang="de-DE" dirty="0" smtClean="0"/>
+              <a:t> </a:t>
+            </a:r>
+            <a:r>
+              <a:rPr lang="de-DE" dirty="0"/>
+              <a:t>= </a:t>
+            </a:r>
+            <a:r>
+              <a:rPr lang="de-DE" dirty="0" err="1" smtClean="0"/>
+              <a:t>B_i+</a:t>
+            </a:r>
+            <a:r>
+              <a:rPr lang="de-DE" dirty="0" err="1" smtClean="0">
+                <a:solidFill>
+                  <a:srgbClr val="0000FF"/>
+                </a:solidFill>
+              </a:rPr>
+              <a:t>C_i</a:t>
+            </a:r>
+            <a:r>
+              <a:rPr lang="de-DE" dirty="0" smtClean="0"/>
+              <a:t> </a:t>
+            </a:r>
+            <a:endParaRPr lang="de-DE" dirty="0"/>
+          </a:p>
+          <a:p>
+            <a:pPr marL="0" indent="0">
+              <a:buNone/>
+            </a:pPr>
+            <a:endParaRPr lang="en-US" dirty="0"/>
+          </a:p>
+        </p:txBody>
+      </p:sp>
+      <p:sp>
+        <p:nvSpPr>
+          <p:cNvPr id="4" name="Content Placeholder 2"/>
+          <p:cNvSpPr txBox="1">
+            <a:spLocks/>
+          </p:cNvSpPr>
+          <p:nvPr/>
+        </p:nvSpPr>
+        <p:spPr>
+          <a:xfrm>
+            <a:off x="4680943" y="1600734"/>
+            <a:ext cx="4043187" cy="4525963"/>
+          </a:xfrm>
+          <a:prstGeom prst="rect">
+            <a:avLst/>
+          </a:prstGeom>
+        </p:spPr>
+        <p:txBody>
+          <a:bodyPr vert="horz" lIns="91440" tIns="45720" rIns="91440" bIns="45720" rtlCol="0">
+            <a:normAutofit/>
+          </a:bodyPr>
+          <a:lstStyle>
+            <a:lvl1pPr marL="342900" indent="-342900" algn="l" defTabSz="457200" rtl="0" eaLnBrk="1" latinLnBrk="0" hangingPunct="1">
+              <a:spcBef>
+                <a:spcPct val="20000"/>
+              </a:spcBef>
+              <a:buFont typeface="Arial"/>
+              <a:buChar char="•"/>
+              <a:defRPr sz="3200" kern="1200">
+                <a:solidFill>
+                  <a:schemeClr val="tx1"/>
+                </a:solidFill>
+                <a:latin typeface="+mn-lt"/>
+                <a:ea typeface="+mn-ea"/>
+                <a:cs typeface="+mn-cs"/>
+              </a:defRPr>
+            </a:lvl1pPr>
+            <a:lvl2pPr marL="742950" indent="-285750" algn="l" defTabSz="457200" rtl="0" eaLnBrk="1" latinLnBrk="0" hangingPunct="1">
+              <a:spcBef>
+                <a:spcPct val="20000"/>
+              </a:spcBef>
+              <a:buFont typeface="Arial"/>
+              <a:buChar char="–"/>
+              <a:defRPr sz="2800" kern="1200">
+                <a:solidFill>
+                  <a:schemeClr val="tx1"/>
+                </a:solidFill>
+                <a:latin typeface="+mn-lt"/>
+                <a:ea typeface="+mn-ea"/>
+                <a:cs typeface="+mn-cs"/>
+              </a:defRPr>
+            </a:lvl2pPr>
+            <a:lvl3pPr marL="1143000" indent="-228600" algn="l" defTabSz="457200" rtl="0" eaLnBrk="1" latinLnBrk="0" hangingPunct="1">
+              <a:spcBef>
+                <a:spcPct val="20000"/>
+              </a:spcBef>
+              <a:buFont typeface="Arial"/>
+              <a:buChar char="•"/>
+              <a:defRPr sz="2400" kern="1200">
+                <a:solidFill>
+                  <a:schemeClr val="tx1"/>
+                </a:solidFill>
+                <a:latin typeface="+mn-lt"/>
+                <a:ea typeface="+mn-ea"/>
+                <a:cs typeface="+mn-cs"/>
+              </a:defRPr>
+            </a:lvl3pPr>
+            <a:lvl4pPr marL="1600200" indent="-228600" algn="l" defTabSz="457200" rtl="0" eaLnBrk="1" latinLnBrk="0" hangingPunct="1">
+              <a:spcBef>
+                <a:spcPct val="20000"/>
+              </a:spcBef>
+              <a:buFont typeface="Arial"/>
+              <a:buChar char="–"/>
+              <a:defRPr sz="2000" kern="1200">
+                <a:solidFill>
+                  <a:schemeClr val="tx1"/>
+                </a:solidFill>
+                <a:latin typeface="+mn-lt"/>
+                <a:ea typeface="+mn-ea"/>
+                <a:cs typeface="+mn-cs"/>
+              </a:defRPr>
+            </a:lvl4pPr>
+            <a:lvl5pPr marL="2057400" indent="-228600" algn="l" defTabSz="457200" rtl="0" eaLnBrk="1" latinLnBrk="0" hangingPunct="1">
+              <a:spcBef>
+                <a:spcPct val="20000"/>
+              </a:spcBef>
+              <a:buFont typeface="Arial"/>
+              <a:buChar char="»"/>
+              <a:defRPr sz="2000" kern="1200">
+                <a:solidFill>
+                  <a:schemeClr val="tx1"/>
+                </a:solidFill>
+                <a:latin typeface="+mn-lt"/>
+                <a:ea typeface="+mn-ea"/>
+                <a:cs typeface="+mn-cs"/>
+              </a:defRPr>
+            </a:lvl5pPr>
+            <a:lvl6pPr marL="2514600" indent="-228600" algn="l" defTabSz="457200" rtl="0" eaLnBrk="1" latinLnBrk="0" hangingPunct="1">
+              <a:spcBef>
+                <a:spcPct val="20000"/>
+              </a:spcBef>
+              <a:buFont typeface="Arial"/>
+              <a:buChar char="•"/>
+              <a:defRPr sz="2000" kern="1200">
+                <a:solidFill>
+                  <a:schemeClr val="tx1"/>
+                </a:solidFill>
+                <a:latin typeface="+mn-lt"/>
+                <a:ea typeface="+mn-ea"/>
+                <a:cs typeface="+mn-cs"/>
+              </a:defRPr>
+            </a:lvl6pPr>
+            <a:lvl7pPr marL="2971800" indent="-228600" algn="l" defTabSz="457200" rtl="0" eaLnBrk="1" latinLnBrk="0" hangingPunct="1">
+              <a:spcBef>
+                <a:spcPct val="20000"/>
+              </a:spcBef>
+              <a:buFont typeface="Arial"/>
+              <a:buChar char="•"/>
+              <a:defRPr sz="2000" kern="1200">
+                <a:solidFill>
+                  <a:schemeClr val="tx1"/>
+                </a:solidFill>
+                <a:latin typeface="+mn-lt"/>
+                <a:ea typeface="+mn-ea"/>
+                <a:cs typeface="+mn-cs"/>
+              </a:defRPr>
+            </a:lvl7pPr>
+            <a:lvl8pPr marL="3429000" indent="-228600" algn="l" defTabSz="457200" rtl="0" eaLnBrk="1" latinLnBrk="0" hangingPunct="1">
+              <a:spcBef>
+                <a:spcPct val="20000"/>
+              </a:spcBef>
+              <a:buFont typeface="Arial"/>
+              <a:buChar char="•"/>
+              <a:defRPr sz="2000" kern="1200">
+                <a:solidFill>
+                  <a:schemeClr val="tx1"/>
+                </a:solidFill>
+                <a:latin typeface="+mn-lt"/>
+                <a:ea typeface="+mn-ea"/>
+                <a:cs typeface="+mn-cs"/>
+              </a:defRPr>
+            </a:lvl8pPr>
+            <a:lvl9pPr marL="3886200" indent="-228600" algn="l" defTabSz="457200" rtl="0" eaLnBrk="1" latinLnBrk="0" hangingPunct="1">
+              <a:spcBef>
+                <a:spcPct val="20000"/>
+              </a:spcBef>
+              <a:buFont typeface="Arial"/>
+              <a:buChar char="•"/>
+              <a:defRPr sz="2000" kern="1200">
+                <a:solidFill>
+                  <a:schemeClr val="tx1"/>
+                </a:solidFill>
+                <a:latin typeface="+mn-lt"/>
+                <a:ea typeface="+mn-ea"/>
+                <a:cs typeface="+mn-cs"/>
+              </a:defRPr>
+            </a:lvl9pPr>
+          </a:lstStyle>
+          <a:p>
+            <a:pPr marL="0" indent="0">
+              <a:buNone/>
+            </a:pPr>
+            <a:r>
+              <a:rPr lang="en-US" dirty="0" smtClean="0"/>
+              <a:t>IP:</a:t>
+            </a:r>
+          </a:p>
+          <a:p>
+            <a:pPr marL="0" indent="0">
+              <a:buNone/>
+            </a:pPr>
+            <a:r>
+              <a:rPr lang="en-US" dirty="0" smtClean="0"/>
+              <a:t>for </a:t>
+            </a:r>
+            <a:r>
+              <a:rPr lang="en-US" dirty="0" err="1" smtClean="0"/>
+              <a:t>i</a:t>
+            </a:r>
+            <a:r>
+              <a:rPr lang="en-US" dirty="0" smtClean="0"/>
+              <a:t> in range(</a:t>
+            </a:r>
+            <a:r>
+              <a:rPr lang="en-US" dirty="0" err="1" smtClean="0"/>
+              <a:t>len</a:t>
+            </a:r>
+            <a:r>
+              <a:rPr lang="en-US" dirty="0" smtClean="0"/>
+              <a:t>):</a:t>
+            </a:r>
+          </a:p>
+          <a:p>
+            <a:pPr marL="0" indent="0">
+              <a:buNone/>
+            </a:pPr>
+            <a:r>
+              <a:rPr lang="en-US" dirty="0"/>
+              <a:t> </a:t>
+            </a:r>
+            <a:r>
+              <a:rPr lang="en-US" dirty="0" smtClean="0"/>
+              <a:t>   t = </a:t>
+            </a:r>
+            <a:r>
+              <a:rPr lang="en-US" dirty="0" err="1" smtClean="0">
+                <a:solidFill>
+                  <a:srgbClr val="FF0000"/>
+                </a:solidFill>
+              </a:rPr>
+              <a:t>A_i</a:t>
+            </a:r>
+            <a:r>
+              <a:rPr lang="en-US" dirty="0" smtClean="0"/>
+              <a:t> * </a:t>
+            </a:r>
+            <a:r>
+              <a:rPr lang="en-US" dirty="0" err="1" smtClean="0">
+                <a:solidFill>
+                  <a:srgbClr val="0000FF"/>
+                </a:solidFill>
+              </a:rPr>
+              <a:t>B_i</a:t>
+            </a:r>
+            <a:endParaRPr lang="en-US" dirty="0" smtClean="0">
+              <a:solidFill>
+                <a:srgbClr val="0000FF"/>
+              </a:solidFill>
+            </a:endParaRPr>
+          </a:p>
+          <a:p>
+            <a:pPr marL="0" indent="0">
+              <a:buNone/>
+            </a:pPr>
+            <a:r>
+              <a:rPr lang="en-US" dirty="0"/>
+              <a:t> </a:t>
+            </a:r>
+            <a:r>
+              <a:rPr lang="en-US" dirty="0" smtClean="0"/>
+              <a:t>   sum = sum + t</a:t>
+            </a:r>
+            <a:endParaRPr lang="en-US" dirty="0"/>
+          </a:p>
+        </p:txBody>
+      </p:sp>
+    </p:spTree>
+    <p:extLst>
+      <p:ext uri="{BB962C8B-B14F-4D97-AF65-F5344CB8AC3E}">
+        <p14:creationId xmlns:p14="http://schemas.microsoft.com/office/powerpoint/2010/main" val="1270999624"/>
+      </p:ext>
+    </p:extLst>
+  </p:cSld>
+  <p:clrMapOvr>
+    <a:masterClrMapping/>
+  </p:clrMapOvr>
+</p:sld>
+</file>
+
+<file path=ppt/slides/slide16.xml><?xml version="1.0" encoding="utf-8"?>
+<p:sld xmlns:a="http://schemas.openxmlformats.org/drawingml/2006/main" xmlns:r="http://schemas.openxmlformats.org/officeDocument/2006/relationships" xmlns:p="http://schemas.openxmlformats.org/presentationml/2006/main">
+  <p:cSld>
+    <p:spTree>
+      <p:nvGrpSpPr>
+        <p:cNvPr id="1" name=""/>
+        <p:cNvGrpSpPr/>
+        <p:nvPr/>
+      </p:nvGrpSpPr>
+      <p:grpSpPr>
+        <a:xfrm>
+          <a:off x="0" y="0"/>
+          <a:ext cx="0" cy="0"/>
+          <a:chOff x="0" y="0"/>
+          <a:chExt cx="0" cy="0"/>
+        </a:xfrm>
+      </p:grpSpPr>
+      <p:sp>
+        <p:nvSpPr>
+          <p:cNvPr id="2" name="Title 1"/>
+          <p:cNvSpPr>
+            <a:spLocks noGrp="1"/>
+          </p:cNvSpPr>
+          <p:nvPr>
+            <p:ph type="title"/>
+          </p:nvPr>
+        </p:nvSpPr>
+        <p:spPr/>
+        <p:txBody>
+          <a:bodyPr/>
+          <a:lstStyle/>
+          <a:p>
+            <a:r>
+              <a:rPr lang="en-US" dirty="0" smtClean="0"/>
+              <a:t>Phase 3: SSA/MUX Conversion</a:t>
+            </a:r>
+            <a:endParaRPr lang="en-US" dirty="0"/>
+          </a:p>
+        </p:txBody>
+      </p:sp>
+      <p:sp>
+        <p:nvSpPr>
+          <p:cNvPr id="3" name="Content Placeholder 2"/>
+          <p:cNvSpPr>
+            <a:spLocks noGrp="1"/>
+          </p:cNvSpPr>
+          <p:nvPr>
+            <p:ph idx="1"/>
+          </p:nvPr>
+        </p:nvSpPr>
+        <p:spPr/>
+        <p:txBody>
+          <a:bodyPr/>
+          <a:lstStyle/>
+          <a:p>
+            <a:r>
+              <a:rPr lang="en-US" dirty="0" smtClean="0"/>
+              <a:t>Modify classical </a:t>
+            </a:r>
+            <a:r>
+              <a:rPr lang="en-US" dirty="0" err="1" smtClean="0"/>
+              <a:t>Cytron</a:t>
+            </a:r>
+            <a:r>
+              <a:rPr lang="en-US" dirty="0" smtClean="0"/>
+              <a:t> et al. algorithm from ‘91 paper (or something simpler)</a:t>
+            </a:r>
+          </a:p>
+          <a:p>
+            <a:pPr lvl="1"/>
+            <a:r>
+              <a:rPr lang="en-US" dirty="0" smtClean="0"/>
+              <a:t>0’s are essentially the phi-nodes</a:t>
+            </a:r>
+          </a:p>
+          <a:p>
+            <a:pPr lvl="2"/>
+            <a:r>
+              <a:rPr lang="en-US" dirty="0" smtClean="0"/>
+              <a:t>var_0 at iteration </a:t>
+            </a:r>
+            <a:r>
+              <a:rPr lang="en-US" dirty="0" err="1" smtClean="0"/>
+              <a:t>i</a:t>
+            </a:r>
+            <a:r>
+              <a:rPr lang="en-US" dirty="0" smtClean="0"/>
+              <a:t> = </a:t>
+            </a:r>
+            <a:r>
+              <a:rPr lang="en-US" dirty="0" err="1" smtClean="0"/>
+              <a:t>var_max</a:t>
+            </a:r>
+            <a:r>
+              <a:rPr lang="en-US" dirty="0" smtClean="0"/>
+              <a:t> at iteration i-1</a:t>
+            </a:r>
+          </a:p>
+          <a:p>
+            <a:pPr lvl="1"/>
+            <a:r>
+              <a:rPr lang="en-US" dirty="0" smtClean="0"/>
+              <a:t>Note: these examples are not that interesting</a:t>
+            </a:r>
+            <a:r>
+              <a:rPr lang="is-IS" dirty="0" smtClean="0"/>
+              <a:t>…</a:t>
+            </a:r>
+            <a:endParaRPr lang="en-US" dirty="0"/>
+          </a:p>
+        </p:txBody>
+      </p:sp>
+      <p:sp>
+        <p:nvSpPr>
+          <p:cNvPr id="4" name="Content Placeholder 2"/>
+          <p:cNvSpPr txBox="1">
+            <a:spLocks/>
+          </p:cNvSpPr>
+          <p:nvPr/>
+        </p:nvSpPr>
+        <p:spPr>
+          <a:xfrm>
+            <a:off x="650470" y="4140472"/>
+            <a:ext cx="3753283" cy="2707190"/>
+          </a:xfrm>
+          <a:prstGeom prst="rect">
+            <a:avLst/>
+          </a:prstGeom>
+        </p:spPr>
+        <p:txBody>
+          <a:bodyPr vert="horz" lIns="91440" tIns="45720" rIns="91440" bIns="45720" rtlCol="0">
+            <a:normAutofit fontScale="77500" lnSpcReduction="20000"/>
+          </a:bodyPr>
+          <a:lstStyle>
+            <a:lvl1pPr marL="342900" indent="-342900" algn="l" defTabSz="457200" rtl="0" eaLnBrk="1" latinLnBrk="0" hangingPunct="1">
+              <a:spcBef>
+                <a:spcPct val="20000"/>
+              </a:spcBef>
+              <a:buFont typeface="Arial"/>
+              <a:buChar char="•"/>
+              <a:defRPr sz="3200" kern="1200">
+                <a:solidFill>
+                  <a:schemeClr val="tx1"/>
+                </a:solidFill>
+                <a:latin typeface="+mn-lt"/>
+                <a:ea typeface="+mn-ea"/>
+                <a:cs typeface="+mn-cs"/>
+              </a:defRPr>
+            </a:lvl1pPr>
+            <a:lvl2pPr marL="742950" indent="-285750" algn="l" defTabSz="457200" rtl="0" eaLnBrk="1" latinLnBrk="0" hangingPunct="1">
+              <a:spcBef>
+                <a:spcPct val="20000"/>
+              </a:spcBef>
+              <a:buFont typeface="Arial"/>
+              <a:buChar char="–"/>
+              <a:defRPr sz="2800" kern="1200">
+                <a:solidFill>
+                  <a:schemeClr val="tx1"/>
+                </a:solidFill>
+                <a:latin typeface="+mn-lt"/>
+                <a:ea typeface="+mn-ea"/>
+                <a:cs typeface="+mn-cs"/>
+              </a:defRPr>
+            </a:lvl2pPr>
+            <a:lvl3pPr marL="1143000" indent="-228600" algn="l" defTabSz="457200" rtl="0" eaLnBrk="1" latinLnBrk="0" hangingPunct="1">
+              <a:spcBef>
+                <a:spcPct val="20000"/>
+              </a:spcBef>
+              <a:buFont typeface="Arial"/>
+              <a:buChar char="•"/>
+              <a:defRPr sz="2400" kern="1200">
+                <a:solidFill>
+                  <a:schemeClr val="tx1"/>
+                </a:solidFill>
+                <a:latin typeface="+mn-lt"/>
+                <a:ea typeface="+mn-ea"/>
+                <a:cs typeface="+mn-cs"/>
+              </a:defRPr>
+            </a:lvl3pPr>
+            <a:lvl4pPr marL="1600200" indent="-228600" algn="l" defTabSz="457200" rtl="0" eaLnBrk="1" latinLnBrk="0" hangingPunct="1">
+              <a:spcBef>
+                <a:spcPct val="20000"/>
+              </a:spcBef>
+              <a:buFont typeface="Arial"/>
+              <a:buChar char="–"/>
+              <a:defRPr sz="2000" kern="1200">
+                <a:solidFill>
+                  <a:schemeClr val="tx1"/>
+                </a:solidFill>
+                <a:latin typeface="+mn-lt"/>
+                <a:ea typeface="+mn-ea"/>
+                <a:cs typeface="+mn-cs"/>
+              </a:defRPr>
+            </a:lvl4pPr>
+            <a:lvl5pPr marL="2057400" indent="-228600" algn="l" defTabSz="457200" rtl="0" eaLnBrk="1" latinLnBrk="0" hangingPunct="1">
+              <a:spcBef>
+                <a:spcPct val="20000"/>
+              </a:spcBef>
+              <a:buFont typeface="Arial"/>
+              <a:buChar char="»"/>
+              <a:defRPr sz="2000" kern="1200">
+                <a:solidFill>
+                  <a:schemeClr val="tx1"/>
+                </a:solidFill>
+                <a:latin typeface="+mn-lt"/>
+                <a:ea typeface="+mn-ea"/>
+                <a:cs typeface="+mn-cs"/>
+              </a:defRPr>
+            </a:lvl5pPr>
+            <a:lvl6pPr marL="2514600" indent="-228600" algn="l" defTabSz="457200" rtl="0" eaLnBrk="1" latinLnBrk="0" hangingPunct="1">
+              <a:spcBef>
+                <a:spcPct val="20000"/>
+              </a:spcBef>
+              <a:buFont typeface="Arial"/>
+              <a:buChar char="•"/>
+              <a:defRPr sz="2000" kern="1200">
+                <a:solidFill>
+                  <a:schemeClr val="tx1"/>
+                </a:solidFill>
+                <a:latin typeface="+mn-lt"/>
+                <a:ea typeface="+mn-ea"/>
+                <a:cs typeface="+mn-cs"/>
+              </a:defRPr>
+            </a:lvl6pPr>
+            <a:lvl7pPr marL="2971800" indent="-228600" algn="l" defTabSz="457200" rtl="0" eaLnBrk="1" latinLnBrk="0" hangingPunct="1">
+              <a:spcBef>
+                <a:spcPct val="20000"/>
+              </a:spcBef>
+              <a:buFont typeface="Arial"/>
+              <a:buChar char="•"/>
+              <a:defRPr sz="2000" kern="1200">
+                <a:solidFill>
+                  <a:schemeClr val="tx1"/>
+                </a:solidFill>
+                <a:latin typeface="+mn-lt"/>
+                <a:ea typeface="+mn-ea"/>
+                <a:cs typeface="+mn-cs"/>
+              </a:defRPr>
+            </a:lvl7pPr>
+            <a:lvl8pPr marL="3429000" indent="-228600" algn="l" defTabSz="457200" rtl="0" eaLnBrk="1" latinLnBrk="0" hangingPunct="1">
+              <a:spcBef>
+                <a:spcPct val="20000"/>
+              </a:spcBef>
+              <a:buFont typeface="Arial"/>
+              <a:buChar char="•"/>
+              <a:defRPr sz="2000" kern="1200">
+                <a:solidFill>
+                  <a:schemeClr val="tx1"/>
+                </a:solidFill>
+                <a:latin typeface="+mn-lt"/>
+                <a:ea typeface="+mn-ea"/>
+                <a:cs typeface="+mn-cs"/>
+              </a:defRPr>
+            </a:lvl8pPr>
+            <a:lvl9pPr marL="3886200" indent="-228600" algn="l" defTabSz="457200" rtl="0" eaLnBrk="1" latinLnBrk="0" hangingPunct="1">
+              <a:spcBef>
+                <a:spcPct val="20000"/>
+              </a:spcBef>
+              <a:buFont typeface="Arial"/>
+              <a:buChar char="•"/>
+              <a:defRPr sz="2000" kern="1200">
+                <a:solidFill>
+                  <a:schemeClr val="tx1"/>
+                </a:solidFill>
+                <a:latin typeface="+mn-lt"/>
+                <a:ea typeface="+mn-ea"/>
+                <a:cs typeface="+mn-cs"/>
+              </a:defRPr>
+            </a:lvl9pPr>
+          </a:lstStyle>
+          <a:p>
+            <a:pPr marL="0" indent="0">
+              <a:buFont typeface="Arial"/>
+              <a:buNone/>
+            </a:pPr>
+            <a:r>
+              <a:rPr lang="en-US" dirty="0" smtClean="0"/>
+              <a:t>Aiken:</a:t>
+            </a:r>
+          </a:p>
+          <a:p>
+            <a:pPr marL="0" indent="0">
+              <a:buFont typeface="Arial"/>
+              <a:buNone/>
+            </a:pPr>
+            <a:r>
+              <a:rPr lang="en-US" dirty="0" smtClean="0"/>
+              <a:t>for </a:t>
+            </a:r>
+            <a:r>
+              <a:rPr lang="en-US" dirty="0" err="1" smtClean="0"/>
+              <a:t>i</a:t>
+            </a:r>
+            <a:r>
+              <a:rPr lang="en-US" dirty="0" smtClean="0"/>
+              <a:t> in range(0,len):</a:t>
+            </a:r>
+          </a:p>
+          <a:p>
+            <a:pPr marL="0" indent="0">
+              <a:buFont typeface="Arial"/>
+              <a:buNone/>
+            </a:pPr>
+            <a:r>
+              <a:rPr lang="en-US" dirty="0" smtClean="0">
+                <a:solidFill>
+                  <a:srgbClr val="FF0000"/>
+                </a:solidFill>
+              </a:rPr>
+              <a:t>    </a:t>
+            </a:r>
+            <a:r>
+              <a:rPr lang="de-DE" dirty="0" smtClean="0">
+                <a:solidFill>
+                  <a:srgbClr val="FF0000"/>
+                </a:solidFill>
+              </a:rPr>
+              <a:t>A_i</a:t>
+            </a:r>
+            <a:r>
+              <a:rPr lang="de-DE" b="1" dirty="0" smtClean="0">
+                <a:solidFill>
+                  <a:srgbClr val="FF0000"/>
+                </a:solidFill>
+              </a:rPr>
+              <a:t>_1</a:t>
+            </a:r>
+            <a:r>
+              <a:rPr lang="de-DE" dirty="0" smtClean="0"/>
+              <a:t> = B_i_0*i 	</a:t>
+            </a:r>
+          </a:p>
+          <a:p>
+            <a:pPr marL="0" indent="0">
+              <a:buFont typeface="Arial"/>
+              <a:buNone/>
+            </a:pPr>
+            <a:r>
+              <a:rPr lang="de-DE" dirty="0" smtClean="0"/>
+              <a:t>    </a:t>
+            </a:r>
+            <a:r>
+              <a:rPr lang="en-US" dirty="0" smtClean="0"/>
+              <a:t>B_i</a:t>
+            </a:r>
+            <a:r>
+              <a:rPr lang="en-US" b="1" dirty="0" smtClean="0"/>
+              <a:t>_1</a:t>
+            </a:r>
+            <a:r>
+              <a:rPr lang="en-US" dirty="0" smtClean="0"/>
+              <a:t> = </a:t>
+            </a:r>
+            <a:r>
+              <a:rPr lang="en-US" dirty="0" smtClean="0">
+                <a:solidFill>
+                  <a:srgbClr val="FF0000"/>
+                </a:solidFill>
+              </a:rPr>
+              <a:t>A_i</a:t>
+            </a:r>
+            <a:r>
+              <a:rPr lang="en-US" b="1" dirty="0" smtClean="0">
+                <a:solidFill>
+                  <a:srgbClr val="FF0000"/>
+                </a:solidFill>
+              </a:rPr>
+              <a:t>_1</a:t>
+            </a:r>
+            <a:r>
+              <a:rPr lang="en-US" dirty="0" smtClean="0"/>
+              <a:t>*</a:t>
+            </a:r>
+            <a:r>
+              <a:rPr lang="en-US" dirty="0" smtClean="0">
+                <a:solidFill>
+                  <a:srgbClr val="008000"/>
+                </a:solidFill>
+              </a:rPr>
+              <a:t>D_(i-1)</a:t>
+            </a:r>
+            <a:r>
+              <a:rPr lang="en-US" b="1" dirty="0" smtClean="0">
+                <a:solidFill>
+                  <a:srgbClr val="008000"/>
+                </a:solidFill>
+              </a:rPr>
+              <a:t>_0</a:t>
+            </a:r>
+          </a:p>
+          <a:p>
+            <a:pPr marL="0" indent="0">
+              <a:buFont typeface="Arial"/>
+              <a:buNone/>
+            </a:pPr>
+            <a:r>
+              <a:rPr lang="en-US" dirty="0" smtClean="0"/>
+              <a:t>    </a:t>
+            </a:r>
+            <a:r>
+              <a:rPr lang="en-US" dirty="0" smtClean="0">
+                <a:solidFill>
+                  <a:srgbClr val="0000FF"/>
+                </a:solidFill>
+              </a:rPr>
+              <a:t>C_i</a:t>
+            </a:r>
+            <a:r>
+              <a:rPr lang="en-US" b="1" dirty="0" smtClean="0">
+                <a:solidFill>
+                  <a:srgbClr val="0000FF"/>
+                </a:solidFill>
+              </a:rPr>
+              <a:t>_1</a:t>
+            </a:r>
+            <a:r>
+              <a:rPr lang="en-US" dirty="0" smtClean="0"/>
+              <a:t> = </a:t>
+            </a:r>
+            <a:r>
+              <a:rPr lang="en-US" dirty="0" smtClean="0">
+                <a:solidFill>
+                  <a:srgbClr val="FF0000"/>
+                </a:solidFill>
+              </a:rPr>
+              <a:t>A_i</a:t>
+            </a:r>
+            <a:r>
+              <a:rPr lang="en-US" b="1" dirty="0" smtClean="0">
+                <a:solidFill>
+                  <a:srgbClr val="FF0000"/>
+                </a:solidFill>
+              </a:rPr>
+              <a:t>_1</a:t>
+            </a:r>
+            <a:r>
+              <a:rPr lang="en-US" dirty="0" smtClean="0"/>
+              <a:t>*</a:t>
+            </a:r>
+            <a:r>
+              <a:rPr lang="en-US" dirty="0" smtClean="0">
+                <a:solidFill>
+                  <a:srgbClr val="008000"/>
+                </a:solidFill>
+              </a:rPr>
+              <a:t>D_(i-1)</a:t>
+            </a:r>
+            <a:r>
+              <a:rPr lang="en-US" b="1" dirty="0" smtClean="0">
+                <a:solidFill>
+                  <a:srgbClr val="008000"/>
+                </a:solidFill>
+              </a:rPr>
+              <a:t>_0</a:t>
+            </a:r>
+            <a:endParaRPr lang="en-US" b="1" dirty="0" smtClean="0"/>
+          </a:p>
+          <a:p>
+            <a:pPr marL="0" indent="0">
+              <a:buFont typeface="Arial"/>
+              <a:buNone/>
+            </a:pPr>
+            <a:r>
+              <a:rPr lang="de-DE" dirty="0" smtClean="0"/>
+              <a:t>    </a:t>
+            </a:r>
+            <a:r>
+              <a:rPr lang="de-DE" dirty="0" smtClean="0">
+                <a:solidFill>
+                  <a:srgbClr val="800000"/>
+                </a:solidFill>
+              </a:rPr>
+              <a:t>D_i</a:t>
+            </a:r>
+            <a:r>
+              <a:rPr lang="de-DE" b="1" dirty="0" smtClean="0">
+                <a:solidFill>
+                  <a:srgbClr val="800000"/>
+                </a:solidFill>
+              </a:rPr>
+              <a:t>_1</a:t>
+            </a:r>
+            <a:r>
+              <a:rPr lang="de-DE" dirty="0" smtClean="0"/>
+              <a:t> = B_i</a:t>
+            </a:r>
+            <a:r>
+              <a:rPr lang="de-DE" b="1" dirty="0" smtClean="0"/>
+              <a:t>_1</a:t>
+            </a:r>
+            <a:r>
+              <a:rPr lang="de-DE" dirty="0" smtClean="0"/>
+              <a:t>+</a:t>
+            </a:r>
+            <a:r>
+              <a:rPr lang="de-DE" dirty="0" smtClean="0">
+                <a:solidFill>
+                  <a:srgbClr val="0000FF"/>
+                </a:solidFill>
+              </a:rPr>
+              <a:t>C_i</a:t>
+            </a:r>
+            <a:r>
+              <a:rPr lang="de-DE" b="1" dirty="0" smtClean="0">
+                <a:solidFill>
+                  <a:srgbClr val="0000FF"/>
+                </a:solidFill>
+              </a:rPr>
+              <a:t>_1</a:t>
+            </a:r>
+            <a:r>
+              <a:rPr lang="de-DE" dirty="0" smtClean="0"/>
+              <a:t> </a:t>
+            </a:r>
+          </a:p>
+          <a:p>
+            <a:pPr marL="0" indent="0">
+              <a:buFont typeface="Arial"/>
+              <a:buNone/>
+            </a:pPr>
+            <a:endParaRPr lang="en-US" dirty="0"/>
+          </a:p>
+        </p:txBody>
+      </p:sp>
+      <p:sp>
+        <p:nvSpPr>
+          <p:cNvPr id="5" name="Content Placeholder 2"/>
+          <p:cNvSpPr txBox="1">
+            <a:spLocks/>
+          </p:cNvSpPr>
+          <p:nvPr/>
+        </p:nvSpPr>
+        <p:spPr>
+          <a:xfrm>
+            <a:off x="4874213" y="4030558"/>
+            <a:ext cx="3812587" cy="2707190"/>
+          </a:xfrm>
+          <a:prstGeom prst="rect">
+            <a:avLst/>
+          </a:prstGeom>
+        </p:spPr>
+        <p:txBody>
+          <a:bodyPr vert="horz" lIns="91440" tIns="45720" rIns="91440" bIns="45720" rtlCol="0">
+            <a:normAutofit/>
+          </a:bodyPr>
+          <a:lstStyle>
+            <a:lvl1pPr marL="342900" indent="-342900" algn="l" defTabSz="457200" rtl="0" eaLnBrk="1" latinLnBrk="0" hangingPunct="1">
+              <a:spcBef>
+                <a:spcPct val="20000"/>
+              </a:spcBef>
+              <a:buFont typeface="Arial"/>
+              <a:buChar char="•"/>
+              <a:defRPr sz="3200" kern="1200">
+                <a:solidFill>
+                  <a:schemeClr val="tx1"/>
+                </a:solidFill>
+                <a:latin typeface="+mn-lt"/>
+                <a:ea typeface="+mn-ea"/>
+                <a:cs typeface="+mn-cs"/>
+              </a:defRPr>
+            </a:lvl1pPr>
+            <a:lvl2pPr marL="742950" indent="-285750" algn="l" defTabSz="457200" rtl="0" eaLnBrk="1" latinLnBrk="0" hangingPunct="1">
+              <a:spcBef>
+                <a:spcPct val="20000"/>
+              </a:spcBef>
+              <a:buFont typeface="Arial"/>
+              <a:buChar char="–"/>
+              <a:defRPr sz="2800" kern="1200">
+                <a:solidFill>
+                  <a:schemeClr val="tx1"/>
+                </a:solidFill>
+                <a:latin typeface="+mn-lt"/>
+                <a:ea typeface="+mn-ea"/>
+                <a:cs typeface="+mn-cs"/>
+              </a:defRPr>
+            </a:lvl2pPr>
+            <a:lvl3pPr marL="1143000" indent="-228600" algn="l" defTabSz="457200" rtl="0" eaLnBrk="1" latinLnBrk="0" hangingPunct="1">
+              <a:spcBef>
+                <a:spcPct val="20000"/>
+              </a:spcBef>
+              <a:buFont typeface="Arial"/>
+              <a:buChar char="•"/>
+              <a:defRPr sz="2400" kern="1200">
+                <a:solidFill>
+                  <a:schemeClr val="tx1"/>
+                </a:solidFill>
+                <a:latin typeface="+mn-lt"/>
+                <a:ea typeface="+mn-ea"/>
+                <a:cs typeface="+mn-cs"/>
+              </a:defRPr>
+            </a:lvl3pPr>
+            <a:lvl4pPr marL="1600200" indent="-228600" algn="l" defTabSz="457200" rtl="0" eaLnBrk="1" latinLnBrk="0" hangingPunct="1">
+              <a:spcBef>
+                <a:spcPct val="20000"/>
+              </a:spcBef>
+              <a:buFont typeface="Arial"/>
+              <a:buChar char="–"/>
+              <a:defRPr sz="2000" kern="1200">
+                <a:solidFill>
+                  <a:schemeClr val="tx1"/>
+                </a:solidFill>
+                <a:latin typeface="+mn-lt"/>
+                <a:ea typeface="+mn-ea"/>
+                <a:cs typeface="+mn-cs"/>
+              </a:defRPr>
+            </a:lvl4pPr>
+            <a:lvl5pPr marL="2057400" indent="-228600" algn="l" defTabSz="457200" rtl="0" eaLnBrk="1" latinLnBrk="0" hangingPunct="1">
+              <a:spcBef>
+                <a:spcPct val="20000"/>
+              </a:spcBef>
+              <a:buFont typeface="Arial"/>
+              <a:buChar char="»"/>
+              <a:defRPr sz="2000" kern="1200">
+                <a:solidFill>
+                  <a:schemeClr val="tx1"/>
+                </a:solidFill>
+                <a:latin typeface="+mn-lt"/>
+                <a:ea typeface="+mn-ea"/>
+                <a:cs typeface="+mn-cs"/>
+              </a:defRPr>
+            </a:lvl5pPr>
+            <a:lvl6pPr marL="2514600" indent="-228600" algn="l" defTabSz="457200" rtl="0" eaLnBrk="1" latinLnBrk="0" hangingPunct="1">
+              <a:spcBef>
+                <a:spcPct val="20000"/>
+              </a:spcBef>
+              <a:buFont typeface="Arial"/>
+              <a:buChar char="•"/>
+              <a:defRPr sz="2000" kern="1200">
+                <a:solidFill>
+                  <a:schemeClr val="tx1"/>
+                </a:solidFill>
+                <a:latin typeface="+mn-lt"/>
+                <a:ea typeface="+mn-ea"/>
+                <a:cs typeface="+mn-cs"/>
+              </a:defRPr>
+            </a:lvl6pPr>
+            <a:lvl7pPr marL="2971800" indent="-228600" algn="l" defTabSz="457200" rtl="0" eaLnBrk="1" latinLnBrk="0" hangingPunct="1">
+              <a:spcBef>
+                <a:spcPct val="20000"/>
+              </a:spcBef>
+              <a:buFont typeface="Arial"/>
+              <a:buChar char="•"/>
+              <a:defRPr sz="2000" kern="1200">
+                <a:solidFill>
+                  <a:schemeClr val="tx1"/>
+                </a:solidFill>
+                <a:latin typeface="+mn-lt"/>
+                <a:ea typeface="+mn-ea"/>
+                <a:cs typeface="+mn-cs"/>
+              </a:defRPr>
+            </a:lvl7pPr>
+            <a:lvl8pPr marL="3429000" indent="-228600" algn="l" defTabSz="457200" rtl="0" eaLnBrk="1" latinLnBrk="0" hangingPunct="1">
+              <a:spcBef>
+                <a:spcPct val="20000"/>
+              </a:spcBef>
+              <a:buFont typeface="Arial"/>
+              <a:buChar char="•"/>
+              <a:defRPr sz="2000" kern="1200">
+                <a:solidFill>
+                  <a:schemeClr val="tx1"/>
+                </a:solidFill>
+                <a:latin typeface="+mn-lt"/>
+                <a:ea typeface="+mn-ea"/>
+                <a:cs typeface="+mn-cs"/>
+              </a:defRPr>
+            </a:lvl8pPr>
+            <a:lvl9pPr marL="3886200" indent="-228600" algn="l" defTabSz="457200" rtl="0" eaLnBrk="1" latinLnBrk="0" hangingPunct="1">
+              <a:spcBef>
+                <a:spcPct val="20000"/>
+              </a:spcBef>
+              <a:buFont typeface="Arial"/>
+              <a:buChar char="•"/>
+              <a:defRPr sz="2000" kern="1200">
+                <a:solidFill>
+                  <a:schemeClr val="tx1"/>
+                </a:solidFill>
+                <a:latin typeface="+mn-lt"/>
+                <a:ea typeface="+mn-ea"/>
+                <a:cs typeface="+mn-cs"/>
+              </a:defRPr>
+            </a:lvl9pPr>
+          </a:lstStyle>
+          <a:p>
+            <a:pPr marL="0" indent="0">
+              <a:buNone/>
+            </a:pPr>
+            <a:r>
+              <a:rPr lang="en-US" dirty="0" smtClean="0"/>
+              <a:t>IP:</a:t>
+            </a:r>
+          </a:p>
+          <a:p>
+            <a:pPr marL="0" indent="0">
+              <a:buNone/>
+            </a:pPr>
+            <a:r>
+              <a:rPr lang="en-US" dirty="0" smtClean="0"/>
+              <a:t>for </a:t>
+            </a:r>
+            <a:r>
+              <a:rPr lang="en-US" dirty="0" err="1" smtClean="0"/>
+              <a:t>i</a:t>
+            </a:r>
+            <a:r>
+              <a:rPr lang="en-US" dirty="0" smtClean="0"/>
+              <a:t> in range(</a:t>
+            </a:r>
+            <a:r>
+              <a:rPr lang="en-US" dirty="0" err="1" smtClean="0"/>
+              <a:t>len</a:t>
+            </a:r>
+            <a:r>
+              <a:rPr lang="en-US" dirty="0" smtClean="0"/>
+              <a:t>):</a:t>
+            </a:r>
+          </a:p>
+          <a:p>
+            <a:pPr marL="0" indent="0">
+              <a:buNone/>
+            </a:pPr>
+            <a:r>
+              <a:rPr lang="en-US" dirty="0"/>
+              <a:t> </a:t>
+            </a:r>
+            <a:r>
+              <a:rPr lang="en-US" dirty="0" smtClean="0"/>
+              <a:t>   t = </a:t>
+            </a:r>
+            <a:r>
+              <a:rPr lang="en-US" dirty="0" smtClean="0">
+                <a:solidFill>
+                  <a:srgbClr val="FF0000"/>
+                </a:solidFill>
+              </a:rPr>
+              <a:t>A_i_0</a:t>
+            </a:r>
+            <a:r>
+              <a:rPr lang="en-US" dirty="0" smtClean="0"/>
+              <a:t> * </a:t>
+            </a:r>
+            <a:r>
+              <a:rPr lang="en-US" dirty="0" smtClean="0">
+                <a:solidFill>
+                  <a:srgbClr val="0000FF"/>
+                </a:solidFill>
+              </a:rPr>
+              <a:t>B_i_0</a:t>
+            </a:r>
+          </a:p>
+          <a:p>
+            <a:pPr marL="0" indent="0">
+              <a:buNone/>
+            </a:pPr>
+            <a:r>
+              <a:rPr lang="en-US" dirty="0"/>
+              <a:t> </a:t>
+            </a:r>
+            <a:r>
+              <a:rPr lang="en-US" dirty="0" smtClean="0"/>
+              <a:t>   sum_1 = sum_0 + t</a:t>
+            </a:r>
+            <a:endParaRPr lang="en-US" dirty="0"/>
+          </a:p>
+        </p:txBody>
+      </p:sp>
+    </p:spTree>
+    <p:extLst>
+      <p:ext uri="{BB962C8B-B14F-4D97-AF65-F5344CB8AC3E}">
+        <p14:creationId xmlns:p14="http://schemas.microsoft.com/office/powerpoint/2010/main" val="1162497096"/>
+      </p:ext>
+    </p:extLst>
+  </p:cSld>
+  <p:clrMapOvr>
+    <a:masterClrMapping/>
+  </p:clrMapOvr>
+</p:sld>
+</file>
+
+<file path=ppt/slides/slide17.xml><?xml version="1.0" encoding="utf-8"?>
+<p:sld xmlns:a="http://schemas.openxmlformats.org/drawingml/2006/main" xmlns:r="http://schemas.openxmlformats.org/officeDocument/2006/relationships" xmlns:p="http://schemas.openxmlformats.org/presentationml/2006/main">
+  <p:cSld>
+    <p:spTree>
+      <p:nvGrpSpPr>
+        <p:cNvPr id="1" name=""/>
+        <p:cNvGrpSpPr/>
+        <p:nvPr/>
+      </p:nvGrpSpPr>
+      <p:grpSpPr>
+        <a:xfrm>
+          <a:off x="0" y="0"/>
+          <a:ext cx="0" cy="0"/>
+          <a:chOff x="0" y="0"/>
+          <a:chExt cx="0" cy="0"/>
+        </a:xfrm>
+      </p:grpSpPr>
+      <p:sp>
+        <p:nvSpPr>
+          <p:cNvPr id="2" name="Title 1"/>
+          <p:cNvSpPr>
+            <a:spLocks noGrp="1"/>
+          </p:cNvSpPr>
+          <p:nvPr>
+            <p:ph type="title"/>
+          </p:nvPr>
+        </p:nvSpPr>
+        <p:spPr/>
+        <p:txBody>
+          <a:bodyPr/>
+          <a:lstStyle/>
+          <a:p>
+            <a:r>
+              <a:rPr lang="en-US" dirty="0" smtClean="0"/>
+              <a:t>Phase 3: SSA/MUX Conversion</a:t>
+            </a:r>
+            <a:endParaRPr lang="en-US" dirty="0"/>
+          </a:p>
+        </p:txBody>
+      </p:sp>
+      <p:sp>
+        <p:nvSpPr>
+          <p:cNvPr id="3" name="Content Placeholder 2"/>
+          <p:cNvSpPr>
+            <a:spLocks noGrp="1"/>
+          </p:cNvSpPr>
+          <p:nvPr>
+            <p:ph idx="1"/>
+          </p:nvPr>
+        </p:nvSpPr>
+        <p:spPr/>
+        <p:txBody>
+          <a:bodyPr/>
+          <a:lstStyle/>
+          <a:p>
+            <a:r>
+              <a:rPr lang="en-US" dirty="0" smtClean="0"/>
+              <a:t>Note: if-then-else examples are interesting</a:t>
+            </a:r>
+            <a:r>
+              <a:rPr lang="is-IS" dirty="0" smtClean="0"/>
+              <a:t>…</a:t>
+            </a:r>
+            <a:endParaRPr lang="en-US" dirty="0"/>
+          </a:p>
+        </p:txBody>
+      </p:sp>
+      <p:sp>
+        <p:nvSpPr>
+          <p:cNvPr id="4" name="Content Placeholder 2"/>
+          <p:cNvSpPr txBox="1">
+            <a:spLocks/>
+          </p:cNvSpPr>
+          <p:nvPr/>
+        </p:nvSpPr>
+        <p:spPr>
+          <a:xfrm>
+            <a:off x="194907" y="2593597"/>
+            <a:ext cx="2869774" cy="2431691"/>
+          </a:xfrm>
+          <a:prstGeom prst="rect">
+            <a:avLst/>
+          </a:prstGeom>
+        </p:spPr>
+        <p:txBody>
+          <a:bodyPr vert="horz" lIns="91440" tIns="45720" rIns="91440" bIns="45720" rtlCol="0">
+            <a:normAutofit fontScale="77500" lnSpcReduction="20000"/>
+          </a:bodyPr>
+          <a:lstStyle>
+            <a:lvl1pPr marL="342900" indent="-342900" algn="l" defTabSz="457200" rtl="0" eaLnBrk="1" latinLnBrk="0" hangingPunct="1">
+              <a:spcBef>
+                <a:spcPct val="20000"/>
+              </a:spcBef>
+              <a:buFont typeface="Arial"/>
+              <a:buChar char="•"/>
+              <a:defRPr sz="3200" kern="1200">
+                <a:solidFill>
+                  <a:schemeClr val="tx1"/>
+                </a:solidFill>
+                <a:latin typeface="+mn-lt"/>
+                <a:ea typeface="+mn-ea"/>
+                <a:cs typeface="+mn-cs"/>
+              </a:defRPr>
+            </a:lvl1pPr>
+            <a:lvl2pPr marL="742950" indent="-285750" algn="l" defTabSz="457200" rtl="0" eaLnBrk="1" latinLnBrk="0" hangingPunct="1">
+              <a:spcBef>
+                <a:spcPct val="20000"/>
+              </a:spcBef>
+              <a:buFont typeface="Arial"/>
+              <a:buChar char="–"/>
+              <a:defRPr sz="2800" kern="1200">
+                <a:solidFill>
+                  <a:schemeClr val="tx1"/>
+                </a:solidFill>
+                <a:latin typeface="+mn-lt"/>
+                <a:ea typeface="+mn-ea"/>
+                <a:cs typeface="+mn-cs"/>
+              </a:defRPr>
+            </a:lvl2pPr>
+            <a:lvl3pPr marL="1143000" indent="-228600" algn="l" defTabSz="457200" rtl="0" eaLnBrk="1" latinLnBrk="0" hangingPunct="1">
+              <a:spcBef>
+                <a:spcPct val="20000"/>
+              </a:spcBef>
+              <a:buFont typeface="Arial"/>
+              <a:buChar char="•"/>
+              <a:defRPr sz="2400" kern="1200">
+                <a:solidFill>
+                  <a:schemeClr val="tx1"/>
+                </a:solidFill>
+                <a:latin typeface="+mn-lt"/>
+                <a:ea typeface="+mn-ea"/>
+                <a:cs typeface="+mn-cs"/>
+              </a:defRPr>
+            </a:lvl3pPr>
+            <a:lvl4pPr marL="1600200" indent="-228600" algn="l" defTabSz="457200" rtl="0" eaLnBrk="1" latinLnBrk="0" hangingPunct="1">
+              <a:spcBef>
+                <a:spcPct val="20000"/>
+              </a:spcBef>
+              <a:buFont typeface="Arial"/>
+              <a:buChar char="–"/>
+              <a:defRPr sz="2000" kern="1200">
+                <a:solidFill>
+                  <a:schemeClr val="tx1"/>
+                </a:solidFill>
+                <a:latin typeface="+mn-lt"/>
+                <a:ea typeface="+mn-ea"/>
+                <a:cs typeface="+mn-cs"/>
+              </a:defRPr>
+            </a:lvl4pPr>
+            <a:lvl5pPr marL="2057400" indent="-228600" algn="l" defTabSz="457200" rtl="0" eaLnBrk="1" latinLnBrk="0" hangingPunct="1">
+              <a:spcBef>
+                <a:spcPct val="20000"/>
+              </a:spcBef>
+              <a:buFont typeface="Arial"/>
+              <a:buChar char="»"/>
+              <a:defRPr sz="2000" kern="1200">
+                <a:solidFill>
+                  <a:schemeClr val="tx1"/>
+                </a:solidFill>
+                <a:latin typeface="+mn-lt"/>
+                <a:ea typeface="+mn-ea"/>
+                <a:cs typeface="+mn-cs"/>
+              </a:defRPr>
+            </a:lvl5pPr>
+            <a:lvl6pPr marL="2514600" indent="-228600" algn="l" defTabSz="457200" rtl="0" eaLnBrk="1" latinLnBrk="0" hangingPunct="1">
+              <a:spcBef>
+                <a:spcPct val="20000"/>
+              </a:spcBef>
+              <a:buFont typeface="Arial"/>
+              <a:buChar char="•"/>
+              <a:defRPr sz="2000" kern="1200">
+                <a:solidFill>
+                  <a:schemeClr val="tx1"/>
+                </a:solidFill>
+                <a:latin typeface="+mn-lt"/>
+                <a:ea typeface="+mn-ea"/>
+                <a:cs typeface="+mn-cs"/>
+              </a:defRPr>
+            </a:lvl6pPr>
+            <a:lvl7pPr marL="2971800" indent="-228600" algn="l" defTabSz="457200" rtl="0" eaLnBrk="1" latinLnBrk="0" hangingPunct="1">
+              <a:spcBef>
+                <a:spcPct val="20000"/>
+              </a:spcBef>
+              <a:buFont typeface="Arial"/>
+              <a:buChar char="•"/>
+              <a:defRPr sz="2000" kern="1200">
+                <a:solidFill>
+                  <a:schemeClr val="tx1"/>
+                </a:solidFill>
+                <a:latin typeface="+mn-lt"/>
+                <a:ea typeface="+mn-ea"/>
+                <a:cs typeface="+mn-cs"/>
+              </a:defRPr>
+            </a:lvl7pPr>
+            <a:lvl8pPr marL="3429000" indent="-228600" algn="l" defTabSz="457200" rtl="0" eaLnBrk="1" latinLnBrk="0" hangingPunct="1">
+              <a:spcBef>
+                <a:spcPct val="20000"/>
+              </a:spcBef>
+              <a:buFont typeface="Arial"/>
+              <a:buChar char="•"/>
+              <a:defRPr sz="2000" kern="1200">
+                <a:solidFill>
+                  <a:schemeClr val="tx1"/>
+                </a:solidFill>
+                <a:latin typeface="+mn-lt"/>
+                <a:ea typeface="+mn-ea"/>
+                <a:cs typeface="+mn-cs"/>
+              </a:defRPr>
+            </a:lvl8pPr>
+            <a:lvl9pPr marL="3886200" indent="-228600" algn="l" defTabSz="457200" rtl="0" eaLnBrk="1" latinLnBrk="0" hangingPunct="1">
+              <a:spcBef>
+                <a:spcPct val="20000"/>
+              </a:spcBef>
+              <a:buFont typeface="Arial"/>
+              <a:buChar char="•"/>
+              <a:defRPr sz="2000" kern="1200">
+                <a:solidFill>
+                  <a:schemeClr val="tx1"/>
+                </a:solidFill>
+                <a:latin typeface="+mn-lt"/>
+                <a:ea typeface="+mn-ea"/>
+                <a:cs typeface="+mn-cs"/>
+              </a:defRPr>
+            </a:lvl9pPr>
+          </a:lstStyle>
+          <a:p>
+            <a:pPr marL="0" indent="0">
+              <a:buFont typeface="Arial"/>
+              <a:buNone/>
+            </a:pPr>
+            <a:r>
+              <a:rPr lang="en-US" dirty="0" smtClean="0"/>
+              <a:t>for </a:t>
+            </a:r>
+            <a:r>
+              <a:rPr lang="en-US" dirty="0" err="1" smtClean="0"/>
+              <a:t>i</a:t>
+            </a:r>
+            <a:r>
+              <a:rPr lang="en-US" dirty="0" smtClean="0"/>
+              <a:t> in range(0,len):</a:t>
+            </a:r>
+          </a:p>
+          <a:p>
+            <a:pPr marL="0" indent="0">
+              <a:buNone/>
+            </a:pPr>
+            <a:r>
+              <a:rPr lang="en-US" dirty="0" smtClean="0"/>
+              <a:t>	if </a:t>
+            </a:r>
+            <a:r>
+              <a:rPr lang="en-US" dirty="0"/>
+              <a:t>B[</a:t>
+            </a:r>
+            <a:r>
+              <a:rPr lang="en-US" dirty="0" err="1"/>
+              <a:t>i</a:t>
+            </a:r>
+            <a:r>
+              <a:rPr lang="en-US" dirty="0"/>
+              <a:t>] &gt; 0:</a:t>
+            </a:r>
+          </a:p>
+          <a:p>
+            <a:pPr marL="0" indent="0">
+              <a:buNone/>
+            </a:pPr>
+            <a:r>
+              <a:rPr lang="de-DE" dirty="0"/>
+              <a:t>	</a:t>
+            </a:r>
+            <a:r>
+              <a:rPr lang="de-DE" dirty="0" smtClean="0"/>
+              <a:t>    </a:t>
+            </a:r>
+            <a:r>
+              <a:rPr lang="de-DE" dirty="0"/>
+              <a:t>A[i] </a:t>
+            </a:r>
+            <a:r>
+              <a:rPr lang="de-DE" dirty="0" smtClean="0"/>
+              <a:t>= ...</a:t>
+            </a:r>
+            <a:endParaRPr lang="de-DE" dirty="0"/>
+          </a:p>
+          <a:p>
+            <a:pPr marL="0" indent="0">
+              <a:buNone/>
+            </a:pPr>
+            <a:r>
+              <a:rPr lang="hu-HU" dirty="0"/>
+              <a:t>	</a:t>
+            </a:r>
+            <a:r>
+              <a:rPr lang="hu-HU" dirty="0" smtClean="0"/>
+              <a:t>else:</a:t>
+            </a:r>
+          </a:p>
+          <a:p>
+            <a:pPr marL="0" indent="0">
+              <a:buNone/>
+            </a:pPr>
+            <a:r>
+              <a:rPr lang="hu-HU" dirty="0"/>
+              <a:t>	 </a:t>
+            </a:r>
+            <a:r>
+              <a:rPr lang="hu-HU" dirty="0" smtClean="0"/>
+              <a:t>   </a:t>
+            </a:r>
+            <a:r>
+              <a:rPr lang="ro-RO" dirty="0" smtClean="0"/>
+              <a:t>A</a:t>
+            </a:r>
+            <a:r>
+              <a:rPr lang="ro-RO" dirty="0"/>
+              <a:t>[i] = </a:t>
+            </a:r>
+            <a:r>
+              <a:rPr lang="ro-RO" dirty="0" smtClean="0"/>
+              <a:t>...</a:t>
+            </a:r>
+            <a:endParaRPr lang="ro-RO" dirty="0"/>
+          </a:p>
+          <a:p>
+            <a:pPr marL="0" indent="0">
+              <a:buNone/>
+            </a:pPr>
+            <a:r>
+              <a:rPr lang="en-US" dirty="0"/>
+              <a:t> </a:t>
+            </a:r>
+            <a:r>
+              <a:rPr lang="en-US" dirty="0" smtClean="0"/>
+              <a:t>     x </a:t>
+            </a:r>
+            <a:r>
+              <a:rPr lang="en-US" dirty="0"/>
+              <a:t>= A[</a:t>
+            </a:r>
+            <a:r>
+              <a:rPr lang="en-US" dirty="0" err="1"/>
+              <a:t>i</a:t>
+            </a:r>
+            <a:r>
+              <a:rPr lang="en-US" dirty="0"/>
+              <a:t>];</a:t>
+            </a:r>
+            <a:endParaRPr lang="en-US" dirty="0"/>
+          </a:p>
+        </p:txBody>
+      </p:sp>
+      <p:sp>
+        <p:nvSpPr>
+          <p:cNvPr id="6" name="Content Placeholder 2"/>
+          <p:cNvSpPr txBox="1">
+            <a:spLocks/>
+          </p:cNvSpPr>
+          <p:nvPr/>
+        </p:nvSpPr>
+        <p:spPr>
+          <a:xfrm>
+            <a:off x="3166474" y="2635015"/>
+            <a:ext cx="2921473" cy="2707190"/>
+          </a:xfrm>
+          <a:prstGeom prst="rect">
+            <a:avLst/>
+          </a:prstGeom>
+        </p:spPr>
+        <p:txBody>
+          <a:bodyPr vert="horz" lIns="91440" tIns="45720" rIns="91440" bIns="45720" rtlCol="0">
+            <a:normAutofit fontScale="77500" lnSpcReduction="20000"/>
+          </a:bodyPr>
+          <a:lstStyle>
+            <a:lvl1pPr marL="342900" indent="-342900" algn="l" defTabSz="457200" rtl="0" eaLnBrk="1" latinLnBrk="0" hangingPunct="1">
+              <a:spcBef>
+                <a:spcPct val="20000"/>
+              </a:spcBef>
+              <a:buFont typeface="Arial"/>
+              <a:buChar char="•"/>
+              <a:defRPr sz="3200" kern="1200">
+                <a:solidFill>
+                  <a:schemeClr val="tx1"/>
+                </a:solidFill>
+                <a:latin typeface="+mn-lt"/>
+                <a:ea typeface="+mn-ea"/>
+                <a:cs typeface="+mn-cs"/>
+              </a:defRPr>
+            </a:lvl1pPr>
+            <a:lvl2pPr marL="742950" indent="-285750" algn="l" defTabSz="457200" rtl="0" eaLnBrk="1" latinLnBrk="0" hangingPunct="1">
+              <a:spcBef>
+                <a:spcPct val="20000"/>
+              </a:spcBef>
+              <a:buFont typeface="Arial"/>
+              <a:buChar char="–"/>
+              <a:defRPr sz="2800" kern="1200">
+                <a:solidFill>
+                  <a:schemeClr val="tx1"/>
+                </a:solidFill>
+                <a:latin typeface="+mn-lt"/>
+                <a:ea typeface="+mn-ea"/>
+                <a:cs typeface="+mn-cs"/>
+              </a:defRPr>
+            </a:lvl2pPr>
+            <a:lvl3pPr marL="1143000" indent="-228600" algn="l" defTabSz="457200" rtl="0" eaLnBrk="1" latinLnBrk="0" hangingPunct="1">
+              <a:spcBef>
+                <a:spcPct val="20000"/>
+              </a:spcBef>
+              <a:buFont typeface="Arial"/>
+              <a:buChar char="•"/>
+              <a:defRPr sz="2400" kern="1200">
+                <a:solidFill>
+                  <a:schemeClr val="tx1"/>
+                </a:solidFill>
+                <a:latin typeface="+mn-lt"/>
+                <a:ea typeface="+mn-ea"/>
+                <a:cs typeface="+mn-cs"/>
+              </a:defRPr>
+            </a:lvl3pPr>
+            <a:lvl4pPr marL="1600200" indent="-228600" algn="l" defTabSz="457200" rtl="0" eaLnBrk="1" latinLnBrk="0" hangingPunct="1">
+              <a:spcBef>
+                <a:spcPct val="20000"/>
+              </a:spcBef>
+              <a:buFont typeface="Arial"/>
+              <a:buChar char="–"/>
+              <a:defRPr sz="2000" kern="1200">
+                <a:solidFill>
+                  <a:schemeClr val="tx1"/>
+                </a:solidFill>
+                <a:latin typeface="+mn-lt"/>
+                <a:ea typeface="+mn-ea"/>
+                <a:cs typeface="+mn-cs"/>
+              </a:defRPr>
+            </a:lvl4pPr>
+            <a:lvl5pPr marL="2057400" indent="-228600" algn="l" defTabSz="457200" rtl="0" eaLnBrk="1" latinLnBrk="0" hangingPunct="1">
+              <a:spcBef>
+                <a:spcPct val="20000"/>
+              </a:spcBef>
+              <a:buFont typeface="Arial"/>
+              <a:buChar char="»"/>
+              <a:defRPr sz="2000" kern="1200">
+                <a:solidFill>
+                  <a:schemeClr val="tx1"/>
+                </a:solidFill>
+                <a:latin typeface="+mn-lt"/>
+                <a:ea typeface="+mn-ea"/>
+                <a:cs typeface="+mn-cs"/>
+              </a:defRPr>
+            </a:lvl5pPr>
+            <a:lvl6pPr marL="2514600" indent="-228600" algn="l" defTabSz="457200" rtl="0" eaLnBrk="1" latinLnBrk="0" hangingPunct="1">
+              <a:spcBef>
+                <a:spcPct val="20000"/>
+              </a:spcBef>
+              <a:buFont typeface="Arial"/>
+              <a:buChar char="•"/>
+              <a:defRPr sz="2000" kern="1200">
+                <a:solidFill>
+                  <a:schemeClr val="tx1"/>
+                </a:solidFill>
+                <a:latin typeface="+mn-lt"/>
+                <a:ea typeface="+mn-ea"/>
+                <a:cs typeface="+mn-cs"/>
+              </a:defRPr>
+            </a:lvl6pPr>
+            <a:lvl7pPr marL="2971800" indent="-228600" algn="l" defTabSz="457200" rtl="0" eaLnBrk="1" latinLnBrk="0" hangingPunct="1">
+              <a:spcBef>
+                <a:spcPct val="20000"/>
+              </a:spcBef>
+              <a:buFont typeface="Arial"/>
+              <a:buChar char="•"/>
+              <a:defRPr sz="2000" kern="1200">
+                <a:solidFill>
+                  <a:schemeClr val="tx1"/>
+                </a:solidFill>
+                <a:latin typeface="+mn-lt"/>
+                <a:ea typeface="+mn-ea"/>
+                <a:cs typeface="+mn-cs"/>
+              </a:defRPr>
+            </a:lvl7pPr>
+            <a:lvl8pPr marL="3429000" indent="-228600" algn="l" defTabSz="457200" rtl="0" eaLnBrk="1" latinLnBrk="0" hangingPunct="1">
+              <a:spcBef>
+                <a:spcPct val="20000"/>
+              </a:spcBef>
+              <a:buFont typeface="Arial"/>
+              <a:buChar char="•"/>
+              <a:defRPr sz="2000" kern="1200">
+                <a:solidFill>
+                  <a:schemeClr val="tx1"/>
+                </a:solidFill>
+                <a:latin typeface="+mn-lt"/>
+                <a:ea typeface="+mn-ea"/>
+                <a:cs typeface="+mn-cs"/>
+              </a:defRPr>
+            </a:lvl8pPr>
+            <a:lvl9pPr marL="3886200" indent="-228600" algn="l" defTabSz="457200" rtl="0" eaLnBrk="1" latinLnBrk="0" hangingPunct="1">
+              <a:spcBef>
+                <a:spcPct val="20000"/>
+              </a:spcBef>
+              <a:buFont typeface="Arial"/>
+              <a:buChar char="•"/>
+              <a:defRPr sz="2000" kern="1200">
+                <a:solidFill>
+                  <a:schemeClr val="tx1"/>
+                </a:solidFill>
+                <a:latin typeface="+mn-lt"/>
+                <a:ea typeface="+mn-ea"/>
+                <a:cs typeface="+mn-cs"/>
+              </a:defRPr>
+            </a:lvl9pPr>
+          </a:lstStyle>
+          <a:p>
+            <a:pPr marL="0" indent="0">
+              <a:buFont typeface="Arial"/>
+              <a:buNone/>
+            </a:pPr>
+            <a:r>
+              <a:rPr lang="en-US" dirty="0" smtClean="0"/>
+              <a:t>for </a:t>
+            </a:r>
+            <a:r>
+              <a:rPr lang="en-US" dirty="0" err="1" smtClean="0"/>
+              <a:t>i</a:t>
+            </a:r>
+            <a:r>
+              <a:rPr lang="en-US" dirty="0" smtClean="0"/>
+              <a:t> in range(0,len):</a:t>
+            </a:r>
+          </a:p>
+          <a:p>
+            <a:pPr marL="0" indent="0">
+              <a:buNone/>
+            </a:pPr>
+            <a:r>
+              <a:rPr lang="en-US" dirty="0" smtClean="0"/>
+              <a:t>	if </a:t>
+            </a:r>
+            <a:r>
+              <a:rPr lang="en-US" dirty="0" err="1" smtClean="0"/>
+              <a:t>B_i</a:t>
+            </a:r>
+            <a:r>
+              <a:rPr lang="en-US" dirty="0" smtClean="0"/>
+              <a:t> </a:t>
+            </a:r>
+            <a:r>
+              <a:rPr lang="en-US" dirty="0"/>
+              <a:t>&gt; 0:</a:t>
+            </a:r>
+          </a:p>
+          <a:p>
+            <a:pPr marL="0" indent="0">
+              <a:buNone/>
+            </a:pPr>
+            <a:r>
+              <a:rPr lang="de-DE" dirty="0"/>
+              <a:t>	</a:t>
+            </a:r>
+            <a:r>
+              <a:rPr lang="de-DE" dirty="0" smtClean="0"/>
+              <a:t>    </a:t>
+            </a:r>
+            <a:r>
+              <a:rPr lang="de-DE" dirty="0" err="1" smtClean="0"/>
+              <a:t>A_i</a:t>
+            </a:r>
+            <a:r>
+              <a:rPr lang="de-DE" dirty="0" smtClean="0"/>
+              <a:t> </a:t>
+            </a:r>
+            <a:r>
+              <a:rPr lang="de-DE" dirty="0"/>
+              <a:t>= </a:t>
+            </a:r>
+            <a:r>
+              <a:rPr lang="de-DE" dirty="0" smtClean="0"/>
+              <a:t>...</a:t>
+            </a:r>
+            <a:endParaRPr lang="de-DE" dirty="0"/>
+          </a:p>
+          <a:p>
+            <a:pPr marL="0" indent="0">
+              <a:buNone/>
+            </a:pPr>
+            <a:r>
+              <a:rPr lang="hu-HU" dirty="0"/>
+              <a:t>	</a:t>
+            </a:r>
+            <a:r>
+              <a:rPr lang="hu-HU" dirty="0" smtClean="0"/>
+              <a:t>else:</a:t>
+            </a:r>
+          </a:p>
+          <a:p>
+            <a:pPr marL="0" indent="0">
+              <a:buNone/>
+            </a:pPr>
+            <a:r>
+              <a:rPr lang="hu-HU" dirty="0"/>
+              <a:t>	 </a:t>
+            </a:r>
+            <a:r>
+              <a:rPr lang="hu-HU" dirty="0" smtClean="0"/>
+              <a:t>   </a:t>
+            </a:r>
+            <a:r>
+              <a:rPr lang="ro-RO" dirty="0" smtClean="0"/>
+              <a:t>A_i </a:t>
+            </a:r>
+            <a:r>
+              <a:rPr lang="ro-RO" dirty="0"/>
+              <a:t>= </a:t>
+            </a:r>
+            <a:r>
+              <a:rPr lang="ro-RO" dirty="0" smtClean="0"/>
+              <a:t>...</a:t>
+            </a:r>
+            <a:endParaRPr lang="ro-RO" dirty="0"/>
+          </a:p>
+          <a:p>
+            <a:pPr marL="0" indent="0">
+              <a:buNone/>
+            </a:pPr>
+            <a:r>
+              <a:rPr lang="en-US" dirty="0"/>
+              <a:t> </a:t>
+            </a:r>
+            <a:r>
+              <a:rPr lang="en-US" dirty="0" smtClean="0"/>
+              <a:t>     x </a:t>
+            </a:r>
+            <a:r>
+              <a:rPr lang="en-US" dirty="0"/>
+              <a:t>= </a:t>
+            </a:r>
+            <a:r>
+              <a:rPr lang="en-US" dirty="0" err="1" smtClean="0"/>
+              <a:t>A_i</a:t>
+            </a:r>
+            <a:r>
+              <a:rPr lang="en-US" dirty="0" smtClean="0"/>
+              <a:t>;</a:t>
+            </a:r>
+            <a:endParaRPr lang="en-US" dirty="0"/>
+          </a:p>
+        </p:txBody>
+      </p:sp>
+      <p:sp>
+        <p:nvSpPr>
+          <p:cNvPr id="7" name="Right Arrow 6"/>
+          <p:cNvSpPr/>
+          <p:nvPr/>
+        </p:nvSpPr>
+        <p:spPr>
+          <a:xfrm>
+            <a:off x="2792469" y="3463809"/>
+            <a:ext cx="544424" cy="484632"/>
+          </a:xfrm>
+          <a:prstGeom prst="rightArrow">
+            <a:avLst/>
+          </a:prstGeom>
+        </p:spPr>
+        <p:style>
+          <a:lnRef idx="1">
+            <a:schemeClr val="accent1"/>
+          </a:lnRef>
+          <a:fillRef idx="3">
+            <a:schemeClr val="accent1"/>
+          </a:fillRef>
+          <a:effectRef idx="2">
+            <a:schemeClr val="accent1"/>
+          </a:effectRef>
+          <a:fontRef idx="minor">
+            <a:schemeClr val="lt1"/>
+          </a:fontRef>
+        </p:style>
+        <p:txBody>
+          <a:bodyPr rtlCol="0" anchor="ctr"/>
+          <a:lstStyle/>
+          <a:p>
+            <a:pPr algn="ctr"/>
+            <a:endParaRPr lang="en-US"/>
+          </a:p>
+        </p:txBody>
+      </p:sp>
+      <p:sp>
+        <p:nvSpPr>
+          <p:cNvPr id="8" name="Right Arrow 7"/>
+          <p:cNvSpPr/>
+          <p:nvPr/>
+        </p:nvSpPr>
+        <p:spPr>
+          <a:xfrm>
+            <a:off x="5608662" y="3463809"/>
+            <a:ext cx="544424" cy="484632"/>
+          </a:xfrm>
+          <a:prstGeom prst="rightArrow">
+            <a:avLst/>
+          </a:prstGeom>
+        </p:spPr>
+        <p:style>
+          <a:lnRef idx="1">
+            <a:schemeClr val="accent1"/>
+          </a:lnRef>
+          <a:fillRef idx="3">
+            <a:schemeClr val="accent1"/>
+          </a:fillRef>
+          <a:effectRef idx="2">
+            <a:schemeClr val="accent1"/>
+          </a:effectRef>
+          <a:fontRef idx="minor">
+            <a:schemeClr val="lt1"/>
+          </a:fontRef>
+        </p:style>
+        <p:txBody>
+          <a:bodyPr rtlCol="0" anchor="ctr"/>
+          <a:lstStyle/>
+          <a:p>
+            <a:pPr algn="ctr"/>
+            <a:endParaRPr lang="en-US"/>
+          </a:p>
+        </p:txBody>
+      </p:sp>
+      <p:sp>
+        <p:nvSpPr>
+          <p:cNvPr id="9" name="Content Placeholder 2"/>
+          <p:cNvSpPr txBox="1">
+            <a:spLocks/>
+          </p:cNvSpPr>
+          <p:nvPr/>
+        </p:nvSpPr>
+        <p:spPr>
+          <a:xfrm>
+            <a:off x="6087947" y="2662627"/>
+            <a:ext cx="2926632" cy="2362661"/>
+          </a:xfrm>
+          <a:prstGeom prst="rect">
+            <a:avLst/>
+          </a:prstGeom>
+        </p:spPr>
+        <p:txBody>
+          <a:bodyPr vert="horz" lIns="91440" tIns="45720" rIns="91440" bIns="45720" rtlCol="0">
+            <a:normAutofit fontScale="62500" lnSpcReduction="20000"/>
+          </a:bodyPr>
+          <a:lstStyle>
+            <a:lvl1pPr marL="342900" indent="-342900" algn="l" defTabSz="457200" rtl="0" eaLnBrk="1" latinLnBrk="0" hangingPunct="1">
+              <a:spcBef>
+                <a:spcPct val="20000"/>
+              </a:spcBef>
+              <a:buFont typeface="Arial"/>
+              <a:buChar char="•"/>
+              <a:defRPr sz="3200" kern="1200">
+                <a:solidFill>
+                  <a:schemeClr val="tx1"/>
+                </a:solidFill>
+                <a:latin typeface="+mn-lt"/>
+                <a:ea typeface="+mn-ea"/>
+                <a:cs typeface="+mn-cs"/>
+              </a:defRPr>
+            </a:lvl1pPr>
+            <a:lvl2pPr marL="742950" indent="-285750" algn="l" defTabSz="457200" rtl="0" eaLnBrk="1" latinLnBrk="0" hangingPunct="1">
+              <a:spcBef>
+                <a:spcPct val="20000"/>
+              </a:spcBef>
+              <a:buFont typeface="Arial"/>
+              <a:buChar char="–"/>
+              <a:defRPr sz="2800" kern="1200">
+                <a:solidFill>
+                  <a:schemeClr val="tx1"/>
+                </a:solidFill>
+                <a:latin typeface="+mn-lt"/>
+                <a:ea typeface="+mn-ea"/>
+                <a:cs typeface="+mn-cs"/>
+              </a:defRPr>
+            </a:lvl2pPr>
+            <a:lvl3pPr marL="1143000" indent="-228600" algn="l" defTabSz="457200" rtl="0" eaLnBrk="1" latinLnBrk="0" hangingPunct="1">
+              <a:spcBef>
+                <a:spcPct val="20000"/>
+              </a:spcBef>
+              <a:buFont typeface="Arial"/>
+              <a:buChar char="•"/>
+              <a:defRPr sz="2400" kern="1200">
+                <a:solidFill>
+                  <a:schemeClr val="tx1"/>
+                </a:solidFill>
+                <a:latin typeface="+mn-lt"/>
+                <a:ea typeface="+mn-ea"/>
+                <a:cs typeface="+mn-cs"/>
+              </a:defRPr>
+            </a:lvl3pPr>
+            <a:lvl4pPr marL="1600200" indent="-228600" algn="l" defTabSz="457200" rtl="0" eaLnBrk="1" latinLnBrk="0" hangingPunct="1">
+              <a:spcBef>
+                <a:spcPct val="20000"/>
+              </a:spcBef>
+              <a:buFont typeface="Arial"/>
+              <a:buChar char="–"/>
+              <a:defRPr sz="2000" kern="1200">
+                <a:solidFill>
+                  <a:schemeClr val="tx1"/>
+                </a:solidFill>
+                <a:latin typeface="+mn-lt"/>
+                <a:ea typeface="+mn-ea"/>
+                <a:cs typeface="+mn-cs"/>
+              </a:defRPr>
+            </a:lvl4pPr>
+            <a:lvl5pPr marL="2057400" indent="-228600" algn="l" defTabSz="457200" rtl="0" eaLnBrk="1" latinLnBrk="0" hangingPunct="1">
+              <a:spcBef>
+                <a:spcPct val="20000"/>
+              </a:spcBef>
+              <a:buFont typeface="Arial"/>
+              <a:buChar char="»"/>
+              <a:defRPr sz="2000" kern="1200">
+                <a:solidFill>
+                  <a:schemeClr val="tx1"/>
+                </a:solidFill>
+                <a:latin typeface="+mn-lt"/>
+                <a:ea typeface="+mn-ea"/>
+                <a:cs typeface="+mn-cs"/>
+              </a:defRPr>
+            </a:lvl5pPr>
+            <a:lvl6pPr marL="2514600" indent="-228600" algn="l" defTabSz="457200" rtl="0" eaLnBrk="1" latinLnBrk="0" hangingPunct="1">
+              <a:spcBef>
+                <a:spcPct val="20000"/>
+              </a:spcBef>
+              <a:buFont typeface="Arial"/>
+              <a:buChar char="•"/>
+              <a:defRPr sz="2000" kern="1200">
+                <a:solidFill>
+                  <a:schemeClr val="tx1"/>
+                </a:solidFill>
+                <a:latin typeface="+mn-lt"/>
+                <a:ea typeface="+mn-ea"/>
+                <a:cs typeface="+mn-cs"/>
+              </a:defRPr>
+            </a:lvl6pPr>
+            <a:lvl7pPr marL="2971800" indent="-228600" algn="l" defTabSz="457200" rtl="0" eaLnBrk="1" latinLnBrk="0" hangingPunct="1">
+              <a:spcBef>
+                <a:spcPct val="20000"/>
+              </a:spcBef>
+              <a:buFont typeface="Arial"/>
+              <a:buChar char="•"/>
+              <a:defRPr sz="2000" kern="1200">
+                <a:solidFill>
+                  <a:schemeClr val="tx1"/>
+                </a:solidFill>
+                <a:latin typeface="+mn-lt"/>
+                <a:ea typeface="+mn-ea"/>
+                <a:cs typeface="+mn-cs"/>
+              </a:defRPr>
+            </a:lvl7pPr>
+            <a:lvl8pPr marL="3429000" indent="-228600" algn="l" defTabSz="457200" rtl="0" eaLnBrk="1" latinLnBrk="0" hangingPunct="1">
+              <a:spcBef>
+                <a:spcPct val="20000"/>
+              </a:spcBef>
+              <a:buFont typeface="Arial"/>
+              <a:buChar char="•"/>
+              <a:defRPr sz="2000" kern="1200">
+                <a:solidFill>
+                  <a:schemeClr val="tx1"/>
+                </a:solidFill>
+                <a:latin typeface="+mn-lt"/>
+                <a:ea typeface="+mn-ea"/>
+                <a:cs typeface="+mn-cs"/>
+              </a:defRPr>
+            </a:lvl8pPr>
+            <a:lvl9pPr marL="3886200" indent="-228600" algn="l" defTabSz="457200" rtl="0" eaLnBrk="1" latinLnBrk="0" hangingPunct="1">
+              <a:spcBef>
+                <a:spcPct val="20000"/>
+              </a:spcBef>
+              <a:buFont typeface="Arial"/>
+              <a:buChar char="•"/>
+              <a:defRPr sz="2000" kern="1200">
+                <a:solidFill>
+                  <a:schemeClr val="tx1"/>
+                </a:solidFill>
+                <a:latin typeface="+mn-lt"/>
+                <a:ea typeface="+mn-ea"/>
+                <a:cs typeface="+mn-cs"/>
+              </a:defRPr>
+            </a:lvl9pPr>
+          </a:lstStyle>
+          <a:p>
+            <a:pPr marL="0" indent="0">
+              <a:buFont typeface="Arial"/>
+              <a:buNone/>
+            </a:pPr>
+            <a:r>
+              <a:rPr lang="en-US" dirty="0" smtClean="0"/>
+              <a:t>for </a:t>
+            </a:r>
+            <a:r>
+              <a:rPr lang="en-US" dirty="0" err="1" smtClean="0"/>
+              <a:t>i</a:t>
+            </a:r>
+            <a:r>
+              <a:rPr lang="en-US" dirty="0" smtClean="0"/>
+              <a:t> in range(0,len):</a:t>
+            </a:r>
+          </a:p>
+          <a:p>
+            <a:pPr marL="0" indent="0">
+              <a:buNone/>
+            </a:pPr>
+            <a:r>
+              <a:rPr lang="en-US" dirty="0" smtClean="0"/>
+              <a:t>	if B_i</a:t>
+            </a:r>
+            <a:r>
+              <a:rPr lang="en-US" b="1" dirty="0" smtClean="0"/>
+              <a:t>_0</a:t>
+            </a:r>
+            <a:r>
+              <a:rPr lang="en-US" dirty="0" smtClean="0"/>
+              <a:t> </a:t>
+            </a:r>
+            <a:r>
+              <a:rPr lang="en-US" dirty="0"/>
+              <a:t>&gt; 0:</a:t>
+            </a:r>
+          </a:p>
+          <a:p>
+            <a:pPr marL="0" indent="0">
+              <a:buNone/>
+            </a:pPr>
+            <a:r>
+              <a:rPr lang="de-DE" dirty="0"/>
+              <a:t>	</a:t>
+            </a:r>
+            <a:r>
+              <a:rPr lang="de-DE" dirty="0" smtClean="0"/>
+              <a:t>    A_i</a:t>
+            </a:r>
+            <a:r>
+              <a:rPr lang="de-DE" b="1" dirty="0" smtClean="0"/>
+              <a:t>_1</a:t>
+            </a:r>
+            <a:r>
+              <a:rPr lang="de-DE" dirty="0" smtClean="0"/>
+              <a:t> </a:t>
+            </a:r>
+            <a:r>
+              <a:rPr lang="de-DE" dirty="0"/>
+              <a:t>= </a:t>
+            </a:r>
+            <a:r>
+              <a:rPr lang="de-DE" dirty="0" smtClean="0"/>
+              <a:t>...</a:t>
+            </a:r>
+            <a:endParaRPr lang="de-DE" dirty="0"/>
+          </a:p>
+          <a:p>
+            <a:pPr marL="0" indent="0">
+              <a:buNone/>
+            </a:pPr>
+            <a:r>
+              <a:rPr lang="hu-HU" dirty="0"/>
+              <a:t>	</a:t>
+            </a:r>
+            <a:r>
+              <a:rPr lang="hu-HU" dirty="0" smtClean="0"/>
+              <a:t>else:</a:t>
+            </a:r>
+          </a:p>
+          <a:p>
+            <a:pPr marL="0" indent="0">
+              <a:buNone/>
+            </a:pPr>
+            <a:r>
+              <a:rPr lang="hu-HU" dirty="0"/>
+              <a:t>	 </a:t>
+            </a:r>
+            <a:r>
+              <a:rPr lang="hu-HU" dirty="0" smtClean="0"/>
+              <a:t>   </a:t>
+            </a:r>
+            <a:r>
+              <a:rPr lang="ro-RO" dirty="0" smtClean="0"/>
+              <a:t>A_i</a:t>
+            </a:r>
+            <a:r>
+              <a:rPr lang="ro-RO" b="1" dirty="0" smtClean="0"/>
+              <a:t>_2</a:t>
+            </a:r>
+            <a:r>
+              <a:rPr lang="ro-RO" dirty="0" smtClean="0"/>
+              <a:t> </a:t>
+            </a:r>
+            <a:r>
+              <a:rPr lang="ro-RO" dirty="0"/>
+              <a:t>= </a:t>
+            </a:r>
+            <a:r>
+              <a:rPr lang="ro-RO" dirty="0" smtClean="0"/>
+              <a:t>...</a:t>
+            </a:r>
+            <a:endParaRPr lang="ro-RO" dirty="0"/>
+          </a:p>
+          <a:p>
+            <a:pPr marL="0" indent="0">
+              <a:buNone/>
+            </a:pPr>
+            <a:r>
+              <a:rPr lang="en-US" dirty="0"/>
+              <a:t> </a:t>
+            </a:r>
+            <a:r>
+              <a:rPr lang="en-US" dirty="0" smtClean="0"/>
+              <a:t>        x = </a:t>
+            </a:r>
+            <a:r>
+              <a:rPr lang="en-US" dirty="0"/>
+              <a:t> </a:t>
+            </a:r>
+            <a:r>
+              <a:rPr lang="en-US" dirty="0" smtClean="0"/>
+              <a:t>  </a:t>
+            </a:r>
+            <a:r>
+              <a:rPr lang="en-US" dirty="0"/>
+              <a:t> </a:t>
+            </a:r>
+            <a:r>
+              <a:rPr lang="en-US" dirty="0" smtClean="0"/>
+              <a:t> </a:t>
+            </a:r>
+          </a:p>
+          <a:p>
+            <a:pPr marL="0" indent="0">
+              <a:buNone/>
+            </a:pPr>
+            <a:r>
+              <a:rPr lang="en-US" dirty="0"/>
+              <a:t> </a:t>
+            </a:r>
+            <a:r>
+              <a:rPr lang="en-US" dirty="0" smtClean="0"/>
+              <a:t>           phi(A_i</a:t>
+            </a:r>
+            <a:r>
+              <a:rPr lang="en-US" b="1" dirty="0" smtClean="0"/>
+              <a:t>_1</a:t>
+            </a:r>
+            <a:r>
+              <a:rPr lang="en-US" dirty="0" smtClean="0"/>
+              <a:t>,A_i</a:t>
+            </a:r>
+            <a:r>
+              <a:rPr lang="en-US" b="1" dirty="0" smtClean="0"/>
+              <a:t>_2</a:t>
+            </a:r>
+            <a:r>
+              <a:rPr lang="en-US" dirty="0" smtClean="0"/>
+              <a:t>);</a:t>
+            </a:r>
+          </a:p>
+        </p:txBody>
+      </p:sp>
+    </p:spTree>
+    <p:extLst>
+      <p:ext uri="{BB962C8B-B14F-4D97-AF65-F5344CB8AC3E}">
+        <p14:creationId xmlns:p14="http://schemas.microsoft.com/office/powerpoint/2010/main" val="4149856790"/>
+      </p:ext>
+    </p:extLst>
+  </p:cSld>
+  <p:clrMapOvr>
+    <a:masterClrMapping/>
+  </p:clrMapOvr>
+</p:sld>
+</file>
+
+<file path=ppt/slides/slide18.xml><?xml version="1.0" encoding="utf-8"?>
+<p:sld xmlns:a="http://schemas.openxmlformats.org/drawingml/2006/main" xmlns:r="http://schemas.openxmlformats.org/officeDocument/2006/relationships" xmlns:p="http://schemas.openxmlformats.org/presentationml/2006/main">
+  <p:cSld>
+    <p:spTree>
+      <p:nvGrpSpPr>
+        <p:cNvPr id="1" name=""/>
+        <p:cNvGrpSpPr/>
+        <p:nvPr/>
+      </p:nvGrpSpPr>
+      <p:grpSpPr>
+        <a:xfrm>
+          <a:off x="0" y="0"/>
+          <a:ext cx="0" cy="0"/>
+          <a:chOff x="0" y="0"/>
+          <a:chExt cx="0" cy="0"/>
+        </a:xfrm>
+      </p:grpSpPr>
+      <p:sp>
+        <p:nvSpPr>
+          <p:cNvPr id="2" name="Title 1"/>
+          <p:cNvSpPr>
+            <a:spLocks noGrp="1"/>
+          </p:cNvSpPr>
+          <p:nvPr>
+            <p:ph type="title"/>
+          </p:nvPr>
+        </p:nvSpPr>
+        <p:spPr/>
+        <p:txBody>
+          <a:bodyPr/>
+          <a:lstStyle/>
+          <a:p>
+            <a:r>
+              <a:rPr lang="en-US" dirty="0" smtClean="0"/>
+              <a:t>Phase 3: SSA/MUX Conversion</a:t>
+            </a:r>
+            <a:endParaRPr lang="en-US" dirty="0"/>
+          </a:p>
+        </p:txBody>
+      </p:sp>
+      <p:sp>
+        <p:nvSpPr>
+          <p:cNvPr id="3" name="Content Placeholder 2"/>
+          <p:cNvSpPr>
+            <a:spLocks noGrp="1"/>
+          </p:cNvSpPr>
+          <p:nvPr>
+            <p:ph idx="1"/>
+          </p:nvPr>
+        </p:nvSpPr>
+        <p:spPr/>
+        <p:txBody>
+          <a:bodyPr/>
+          <a:lstStyle/>
+          <a:p>
+            <a:r>
+              <a:rPr lang="en-US" dirty="0" smtClean="0"/>
+              <a:t>Note: if-then-else examples are interesting</a:t>
+            </a:r>
+            <a:r>
+              <a:rPr lang="is-IS" dirty="0" smtClean="0"/>
+              <a:t>…</a:t>
+            </a:r>
+            <a:endParaRPr lang="en-US" dirty="0"/>
+          </a:p>
+        </p:txBody>
+      </p:sp>
+      <p:sp>
+        <p:nvSpPr>
+          <p:cNvPr id="8" name="Right Arrow 7"/>
+          <p:cNvSpPr/>
+          <p:nvPr/>
+        </p:nvSpPr>
+        <p:spPr>
+          <a:xfrm>
+            <a:off x="3946044" y="3637095"/>
+            <a:ext cx="544424" cy="484632"/>
+          </a:xfrm>
+          <a:prstGeom prst="rightArrow">
+            <a:avLst/>
+          </a:prstGeom>
+        </p:spPr>
+        <p:style>
+          <a:lnRef idx="1">
+            <a:schemeClr val="accent1"/>
+          </a:lnRef>
+          <a:fillRef idx="3">
+            <a:schemeClr val="accent1"/>
+          </a:fillRef>
+          <a:effectRef idx="2">
+            <a:schemeClr val="accent1"/>
+          </a:effectRef>
+          <a:fontRef idx="minor">
+            <a:schemeClr val="lt1"/>
+          </a:fontRef>
+        </p:style>
+        <p:txBody>
+          <a:bodyPr rtlCol="0" anchor="ctr"/>
+          <a:lstStyle/>
+          <a:p>
+            <a:pPr algn="ctr"/>
+            <a:endParaRPr lang="en-US"/>
+          </a:p>
+        </p:txBody>
+      </p:sp>
+      <p:sp>
+        <p:nvSpPr>
+          <p:cNvPr id="9" name="Content Placeholder 2"/>
+          <p:cNvSpPr txBox="1">
+            <a:spLocks/>
+          </p:cNvSpPr>
+          <p:nvPr/>
+        </p:nvSpPr>
+        <p:spPr>
+          <a:xfrm>
+            <a:off x="457200" y="2702164"/>
+            <a:ext cx="4033268" cy="2709685"/>
+          </a:xfrm>
+          <a:prstGeom prst="rect">
+            <a:avLst/>
+          </a:prstGeom>
+        </p:spPr>
+        <p:txBody>
+          <a:bodyPr vert="horz" lIns="91440" tIns="45720" rIns="91440" bIns="45720" rtlCol="0">
+            <a:normAutofit fontScale="85000" lnSpcReduction="20000"/>
+          </a:bodyPr>
+          <a:lstStyle>
+            <a:lvl1pPr marL="342900" indent="-342900" algn="l" defTabSz="457200" rtl="0" eaLnBrk="1" latinLnBrk="0" hangingPunct="1">
+              <a:spcBef>
+                <a:spcPct val="20000"/>
+              </a:spcBef>
+              <a:buFont typeface="Arial"/>
+              <a:buChar char="•"/>
+              <a:defRPr sz="3200" kern="1200">
+                <a:solidFill>
+                  <a:schemeClr val="tx1"/>
+                </a:solidFill>
+                <a:latin typeface="+mn-lt"/>
+                <a:ea typeface="+mn-ea"/>
+                <a:cs typeface="+mn-cs"/>
+              </a:defRPr>
+            </a:lvl1pPr>
+            <a:lvl2pPr marL="742950" indent="-285750" algn="l" defTabSz="457200" rtl="0" eaLnBrk="1" latinLnBrk="0" hangingPunct="1">
+              <a:spcBef>
+                <a:spcPct val="20000"/>
+              </a:spcBef>
+              <a:buFont typeface="Arial"/>
+              <a:buChar char="–"/>
+              <a:defRPr sz="2800" kern="1200">
+                <a:solidFill>
+                  <a:schemeClr val="tx1"/>
+                </a:solidFill>
+                <a:latin typeface="+mn-lt"/>
+                <a:ea typeface="+mn-ea"/>
+                <a:cs typeface="+mn-cs"/>
+              </a:defRPr>
+            </a:lvl2pPr>
+            <a:lvl3pPr marL="1143000" indent="-228600" algn="l" defTabSz="457200" rtl="0" eaLnBrk="1" latinLnBrk="0" hangingPunct="1">
+              <a:spcBef>
+                <a:spcPct val="20000"/>
+              </a:spcBef>
+              <a:buFont typeface="Arial"/>
+              <a:buChar char="•"/>
+              <a:defRPr sz="2400" kern="1200">
+                <a:solidFill>
+                  <a:schemeClr val="tx1"/>
+                </a:solidFill>
+                <a:latin typeface="+mn-lt"/>
+                <a:ea typeface="+mn-ea"/>
+                <a:cs typeface="+mn-cs"/>
+              </a:defRPr>
+            </a:lvl3pPr>
+            <a:lvl4pPr marL="1600200" indent="-228600" algn="l" defTabSz="457200" rtl="0" eaLnBrk="1" latinLnBrk="0" hangingPunct="1">
+              <a:spcBef>
+                <a:spcPct val="20000"/>
+              </a:spcBef>
+              <a:buFont typeface="Arial"/>
+              <a:buChar char="–"/>
+              <a:defRPr sz="2000" kern="1200">
+                <a:solidFill>
+                  <a:schemeClr val="tx1"/>
+                </a:solidFill>
+                <a:latin typeface="+mn-lt"/>
+                <a:ea typeface="+mn-ea"/>
+                <a:cs typeface="+mn-cs"/>
+              </a:defRPr>
+            </a:lvl4pPr>
+            <a:lvl5pPr marL="2057400" indent="-228600" algn="l" defTabSz="457200" rtl="0" eaLnBrk="1" latinLnBrk="0" hangingPunct="1">
+              <a:spcBef>
+                <a:spcPct val="20000"/>
+              </a:spcBef>
+              <a:buFont typeface="Arial"/>
+              <a:buChar char="»"/>
+              <a:defRPr sz="2000" kern="1200">
+                <a:solidFill>
+                  <a:schemeClr val="tx1"/>
+                </a:solidFill>
+                <a:latin typeface="+mn-lt"/>
+                <a:ea typeface="+mn-ea"/>
+                <a:cs typeface="+mn-cs"/>
+              </a:defRPr>
+            </a:lvl5pPr>
+            <a:lvl6pPr marL="2514600" indent="-228600" algn="l" defTabSz="457200" rtl="0" eaLnBrk="1" latinLnBrk="0" hangingPunct="1">
+              <a:spcBef>
+                <a:spcPct val="20000"/>
+              </a:spcBef>
+              <a:buFont typeface="Arial"/>
+              <a:buChar char="•"/>
+              <a:defRPr sz="2000" kern="1200">
+                <a:solidFill>
+                  <a:schemeClr val="tx1"/>
+                </a:solidFill>
+                <a:latin typeface="+mn-lt"/>
+                <a:ea typeface="+mn-ea"/>
+                <a:cs typeface="+mn-cs"/>
+              </a:defRPr>
+            </a:lvl6pPr>
+            <a:lvl7pPr marL="2971800" indent="-228600" algn="l" defTabSz="457200" rtl="0" eaLnBrk="1" latinLnBrk="0" hangingPunct="1">
+              <a:spcBef>
+                <a:spcPct val="20000"/>
+              </a:spcBef>
+              <a:buFont typeface="Arial"/>
+              <a:buChar char="•"/>
+              <a:defRPr sz="2000" kern="1200">
+                <a:solidFill>
+                  <a:schemeClr val="tx1"/>
+                </a:solidFill>
+                <a:latin typeface="+mn-lt"/>
+                <a:ea typeface="+mn-ea"/>
+                <a:cs typeface="+mn-cs"/>
+              </a:defRPr>
+            </a:lvl7pPr>
+            <a:lvl8pPr marL="3429000" indent="-228600" algn="l" defTabSz="457200" rtl="0" eaLnBrk="1" latinLnBrk="0" hangingPunct="1">
+              <a:spcBef>
+                <a:spcPct val="20000"/>
+              </a:spcBef>
+              <a:buFont typeface="Arial"/>
+              <a:buChar char="•"/>
+              <a:defRPr sz="2000" kern="1200">
+                <a:solidFill>
+                  <a:schemeClr val="tx1"/>
+                </a:solidFill>
+                <a:latin typeface="+mn-lt"/>
+                <a:ea typeface="+mn-ea"/>
+                <a:cs typeface="+mn-cs"/>
+              </a:defRPr>
+            </a:lvl8pPr>
+            <a:lvl9pPr marL="3886200" indent="-228600" algn="l" defTabSz="457200" rtl="0" eaLnBrk="1" latinLnBrk="0" hangingPunct="1">
+              <a:spcBef>
+                <a:spcPct val="20000"/>
+              </a:spcBef>
+              <a:buFont typeface="Arial"/>
+              <a:buChar char="•"/>
+              <a:defRPr sz="2000" kern="1200">
+                <a:solidFill>
+                  <a:schemeClr val="tx1"/>
+                </a:solidFill>
+                <a:latin typeface="+mn-lt"/>
+                <a:ea typeface="+mn-ea"/>
+                <a:cs typeface="+mn-cs"/>
+              </a:defRPr>
+            </a:lvl9pPr>
+          </a:lstStyle>
+          <a:p>
+            <a:pPr marL="0" indent="0">
+              <a:buFont typeface="Arial"/>
+              <a:buNone/>
+            </a:pPr>
+            <a:r>
+              <a:rPr lang="en-US" dirty="0" smtClean="0"/>
+              <a:t>for </a:t>
+            </a:r>
+            <a:r>
+              <a:rPr lang="en-US" dirty="0" err="1" smtClean="0"/>
+              <a:t>i</a:t>
+            </a:r>
+            <a:r>
+              <a:rPr lang="en-US" dirty="0" smtClean="0"/>
+              <a:t> in range(0,len):</a:t>
+            </a:r>
+          </a:p>
+          <a:p>
+            <a:pPr marL="0" indent="0">
+              <a:buNone/>
+            </a:pPr>
+            <a:r>
+              <a:rPr lang="en-US" dirty="0" smtClean="0"/>
+              <a:t>	if B_i</a:t>
+            </a:r>
+            <a:r>
+              <a:rPr lang="en-US" b="1" dirty="0" smtClean="0"/>
+              <a:t>_0</a:t>
+            </a:r>
+            <a:r>
+              <a:rPr lang="en-US" dirty="0" smtClean="0"/>
+              <a:t> </a:t>
+            </a:r>
+            <a:r>
+              <a:rPr lang="en-US" dirty="0"/>
+              <a:t>&gt; 0:</a:t>
+            </a:r>
+          </a:p>
+          <a:p>
+            <a:pPr marL="0" indent="0">
+              <a:buNone/>
+            </a:pPr>
+            <a:r>
+              <a:rPr lang="de-DE" dirty="0"/>
+              <a:t>	</a:t>
+            </a:r>
+            <a:r>
+              <a:rPr lang="de-DE" dirty="0" smtClean="0"/>
+              <a:t>    A_i</a:t>
+            </a:r>
+            <a:r>
+              <a:rPr lang="de-DE" b="1" dirty="0" smtClean="0"/>
+              <a:t>_1</a:t>
+            </a:r>
+            <a:r>
+              <a:rPr lang="de-DE" dirty="0" smtClean="0"/>
+              <a:t> </a:t>
+            </a:r>
+            <a:r>
+              <a:rPr lang="de-DE" dirty="0"/>
+              <a:t>= </a:t>
+            </a:r>
+            <a:r>
+              <a:rPr lang="de-DE" dirty="0" smtClean="0"/>
+              <a:t>...</a:t>
+            </a:r>
+            <a:endParaRPr lang="de-DE" dirty="0"/>
+          </a:p>
+          <a:p>
+            <a:pPr marL="0" indent="0">
+              <a:buNone/>
+            </a:pPr>
+            <a:r>
+              <a:rPr lang="hu-HU" dirty="0"/>
+              <a:t>	</a:t>
+            </a:r>
+            <a:r>
+              <a:rPr lang="hu-HU" dirty="0" smtClean="0"/>
+              <a:t>else:</a:t>
+            </a:r>
+          </a:p>
+          <a:p>
+            <a:pPr marL="0" indent="0">
+              <a:buNone/>
+            </a:pPr>
+            <a:r>
+              <a:rPr lang="hu-HU" dirty="0"/>
+              <a:t>	 </a:t>
+            </a:r>
+            <a:r>
+              <a:rPr lang="hu-HU" dirty="0" smtClean="0"/>
+              <a:t>   </a:t>
+            </a:r>
+            <a:r>
+              <a:rPr lang="ro-RO" dirty="0" smtClean="0"/>
+              <a:t>A_i</a:t>
+            </a:r>
+            <a:r>
+              <a:rPr lang="ro-RO" b="1" dirty="0" smtClean="0"/>
+              <a:t>_2</a:t>
+            </a:r>
+            <a:r>
+              <a:rPr lang="ro-RO" dirty="0" smtClean="0"/>
+              <a:t> </a:t>
+            </a:r>
+            <a:r>
+              <a:rPr lang="ro-RO" dirty="0"/>
+              <a:t>= </a:t>
+            </a:r>
+            <a:r>
+              <a:rPr lang="ro-RO" dirty="0" smtClean="0"/>
+              <a:t>...</a:t>
+            </a:r>
+            <a:endParaRPr lang="ro-RO" dirty="0"/>
+          </a:p>
+          <a:p>
+            <a:pPr marL="0" indent="0">
+              <a:buNone/>
+            </a:pPr>
+            <a:r>
+              <a:rPr lang="en-US" dirty="0"/>
+              <a:t> </a:t>
+            </a:r>
+            <a:r>
+              <a:rPr lang="en-US" dirty="0" smtClean="0"/>
+              <a:t>     x = phi(A_i</a:t>
+            </a:r>
+            <a:r>
+              <a:rPr lang="en-US" b="1" dirty="0" smtClean="0"/>
+              <a:t>_1</a:t>
+            </a:r>
+            <a:r>
+              <a:rPr lang="en-US" dirty="0" smtClean="0"/>
+              <a:t>,A_i</a:t>
+            </a:r>
+            <a:r>
+              <a:rPr lang="en-US" b="1" dirty="0" smtClean="0"/>
+              <a:t>_2</a:t>
+            </a:r>
+            <a:r>
+              <a:rPr lang="en-US" dirty="0" smtClean="0"/>
+              <a:t>);</a:t>
+            </a:r>
+            <a:endParaRPr lang="en-US" dirty="0"/>
+          </a:p>
+        </p:txBody>
+      </p:sp>
+      <p:sp>
+        <p:nvSpPr>
+          <p:cNvPr id="10" name="Content Placeholder 2"/>
+          <p:cNvSpPr txBox="1">
+            <a:spLocks/>
+          </p:cNvSpPr>
+          <p:nvPr/>
+        </p:nvSpPr>
+        <p:spPr>
+          <a:xfrm>
+            <a:off x="4762680" y="2854564"/>
+            <a:ext cx="4033268" cy="2709685"/>
+          </a:xfrm>
+          <a:prstGeom prst="rect">
+            <a:avLst/>
+          </a:prstGeom>
+        </p:spPr>
+        <p:txBody>
+          <a:bodyPr vert="horz" lIns="91440" tIns="45720" rIns="91440" bIns="45720" rtlCol="0">
+            <a:normAutofit fontScale="77500" lnSpcReduction="20000"/>
+          </a:bodyPr>
+          <a:lstStyle>
+            <a:lvl1pPr marL="342900" indent="-342900" algn="l" defTabSz="457200" rtl="0" eaLnBrk="1" latinLnBrk="0" hangingPunct="1">
+              <a:spcBef>
+                <a:spcPct val="20000"/>
+              </a:spcBef>
+              <a:buFont typeface="Arial"/>
+              <a:buChar char="•"/>
+              <a:defRPr sz="3200" kern="1200">
+                <a:solidFill>
+                  <a:schemeClr val="tx1"/>
+                </a:solidFill>
+                <a:latin typeface="+mn-lt"/>
+                <a:ea typeface="+mn-ea"/>
+                <a:cs typeface="+mn-cs"/>
+              </a:defRPr>
+            </a:lvl1pPr>
+            <a:lvl2pPr marL="742950" indent="-285750" algn="l" defTabSz="457200" rtl="0" eaLnBrk="1" latinLnBrk="0" hangingPunct="1">
+              <a:spcBef>
+                <a:spcPct val="20000"/>
+              </a:spcBef>
+              <a:buFont typeface="Arial"/>
+              <a:buChar char="–"/>
+              <a:defRPr sz="2800" kern="1200">
+                <a:solidFill>
+                  <a:schemeClr val="tx1"/>
+                </a:solidFill>
+                <a:latin typeface="+mn-lt"/>
+                <a:ea typeface="+mn-ea"/>
+                <a:cs typeface="+mn-cs"/>
+              </a:defRPr>
+            </a:lvl2pPr>
+            <a:lvl3pPr marL="1143000" indent="-228600" algn="l" defTabSz="457200" rtl="0" eaLnBrk="1" latinLnBrk="0" hangingPunct="1">
+              <a:spcBef>
+                <a:spcPct val="20000"/>
+              </a:spcBef>
+              <a:buFont typeface="Arial"/>
+              <a:buChar char="•"/>
+              <a:defRPr sz="2400" kern="1200">
+                <a:solidFill>
+                  <a:schemeClr val="tx1"/>
+                </a:solidFill>
+                <a:latin typeface="+mn-lt"/>
+                <a:ea typeface="+mn-ea"/>
+                <a:cs typeface="+mn-cs"/>
+              </a:defRPr>
+            </a:lvl3pPr>
+            <a:lvl4pPr marL="1600200" indent="-228600" algn="l" defTabSz="457200" rtl="0" eaLnBrk="1" latinLnBrk="0" hangingPunct="1">
+              <a:spcBef>
+                <a:spcPct val="20000"/>
+              </a:spcBef>
+              <a:buFont typeface="Arial"/>
+              <a:buChar char="–"/>
+              <a:defRPr sz="2000" kern="1200">
+                <a:solidFill>
+                  <a:schemeClr val="tx1"/>
+                </a:solidFill>
+                <a:latin typeface="+mn-lt"/>
+                <a:ea typeface="+mn-ea"/>
+                <a:cs typeface="+mn-cs"/>
+              </a:defRPr>
+            </a:lvl4pPr>
+            <a:lvl5pPr marL="2057400" indent="-228600" algn="l" defTabSz="457200" rtl="0" eaLnBrk="1" latinLnBrk="0" hangingPunct="1">
+              <a:spcBef>
+                <a:spcPct val="20000"/>
+              </a:spcBef>
+              <a:buFont typeface="Arial"/>
+              <a:buChar char="»"/>
+              <a:defRPr sz="2000" kern="1200">
+                <a:solidFill>
+                  <a:schemeClr val="tx1"/>
+                </a:solidFill>
+                <a:latin typeface="+mn-lt"/>
+                <a:ea typeface="+mn-ea"/>
+                <a:cs typeface="+mn-cs"/>
+              </a:defRPr>
+            </a:lvl5pPr>
+            <a:lvl6pPr marL="2514600" indent="-228600" algn="l" defTabSz="457200" rtl="0" eaLnBrk="1" latinLnBrk="0" hangingPunct="1">
+              <a:spcBef>
+                <a:spcPct val="20000"/>
+              </a:spcBef>
+              <a:buFont typeface="Arial"/>
+              <a:buChar char="•"/>
+              <a:defRPr sz="2000" kern="1200">
+                <a:solidFill>
+                  <a:schemeClr val="tx1"/>
+                </a:solidFill>
+                <a:latin typeface="+mn-lt"/>
+                <a:ea typeface="+mn-ea"/>
+                <a:cs typeface="+mn-cs"/>
+              </a:defRPr>
+            </a:lvl6pPr>
+            <a:lvl7pPr marL="2971800" indent="-228600" algn="l" defTabSz="457200" rtl="0" eaLnBrk="1" latinLnBrk="0" hangingPunct="1">
+              <a:spcBef>
+                <a:spcPct val="20000"/>
+              </a:spcBef>
+              <a:buFont typeface="Arial"/>
+              <a:buChar char="•"/>
+              <a:defRPr sz="2000" kern="1200">
+                <a:solidFill>
+                  <a:schemeClr val="tx1"/>
+                </a:solidFill>
+                <a:latin typeface="+mn-lt"/>
+                <a:ea typeface="+mn-ea"/>
+                <a:cs typeface="+mn-cs"/>
+              </a:defRPr>
+            </a:lvl7pPr>
+            <a:lvl8pPr marL="3429000" indent="-228600" algn="l" defTabSz="457200" rtl="0" eaLnBrk="1" latinLnBrk="0" hangingPunct="1">
+              <a:spcBef>
+                <a:spcPct val="20000"/>
+              </a:spcBef>
+              <a:buFont typeface="Arial"/>
+              <a:buChar char="•"/>
+              <a:defRPr sz="2000" kern="1200">
+                <a:solidFill>
+                  <a:schemeClr val="tx1"/>
+                </a:solidFill>
+                <a:latin typeface="+mn-lt"/>
+                <a:ea typeface="+mn-ea"/>
+                <a:cs typeface="+mn-cs"/>
+              </a:defRPr>
+            </a:lvl8pPr>
+            <a:lvl9pPr marL="3886200" indent="-228600" algn="l" defTabSz="457200" rtl="0" eaLnBrk="1" latinLnBrk="0" hangingPunct="1">
+              <a:spcBef>
+                <a:spcPct val="20000"/>
+              </a:spcBef>
+              <a:buFont typeface="Arial"/>
+              <a:buChar char="•"/>
+              <a:defRPr sz="2000" kern="1200">
+                <a:solidFill>
+                  <a:schemeClr val="tx1"/>
+                </a:solidFill>
+                <a:latin typeface="+mn-lt"/>
+                <a:ea typeface="+mn-ea"/>
+                <a:cs typeface="+mn-cs"/>
+              </a:defRPr>
+            </a:lvl9pPr>
+          </a:lstStyle>
+          <a:p>
+            <a:pPr marL="0" indent="0">
+              <a:buFont typeface="Arial"/>
+              <a:buNone/>
+            </a:pPr>
+            <a:r>
+              <a:rPr lang="en-US" dirty="0" smtClean="0"/>
+              <a:t>MPC schedule of loop body:</a:t>
+            </a:r>
+          </a:p>
+          <a:p>
+            <a:pPr marL="0" indent="0">
+              <a:buFont typeface="Arial"/>
+              <a:buNone/>
+            </a:pPr>
+            <a:r>
+              <a:rPr lang="en-US" dirty="0" smtClean="0"/>
+              <a:t>for </a:t>
+            </a:r>
+            <a:r>
+              <a:rPr lang="en-US" dirty="0" err="1" smtClean="0"/>
+              <a:t>i</a:t>
+            </a:r>
+            <a:r>
+              <a:rPr lang="en-US" dirty="0" smtClean="0"/>
+              <a:t> in range(0,len):</a:t>
+            </a:r>
+          </a:p>
+          <a:p>
+            <a:pPr marL="0" indent="0">
+              <a:buNone/>
+            </a:pPr>
+            <a:r>
+              <a:rPr lang="en-US" dirty="0" smtClean="0"/>
+              <a:t>	c = CMP(B_i</a:t>
+            </a:r>
+            <a:r>
+              <a:rPr lang="en-US" b="1" dirty="0" smtClean="0"/>
+              <a:t>_0</a:t>
+            </a:r>
+            <a:r>
+              <a:rPr lang="en-US" dirty="0"/>
+              <a:t>,</a:t>
+            </a:r>
+            <a:r>
+              <a:rPr lang="en-US" dirty="0" smtClean="0"/>
+              <a:t> 0)</a:t>
+            </a:r>
+            <a:endParaRPr lang="en-US" dirty="0"/>
+          </a:p>
+          <a:p>
+            <a:pPr marL="0" indent="0">
+              <a:buNone/>
+            </a:pPr>
+            <a:r>
+              <a:rPr lang="de-DE" dirty="0"/>
+              <a:t>	</a:t>
+            </a:r>
+            <a:r>
+              <a:rPr lang="de-DE" dirty="0" smtClean="0"/>
+              <a:t>A_i</a:t>
+            </a:r>
+            <a:r>
+              <a:rPr lang="de-DE" b="1" dirty="0" smtClean="0"/>
+              <a:t>_1</a:t>
+            </a:r>
+            <a:r>
+              <a:rPr lang="de-DE" dirty="0" smtClean="0"/>
+              <a:t> </a:t>
+            </a:r>
+            <a:r>
+              <a:rPr lang="de-DE" dirty="0"/>
+              <a:t>= </a:t>
+            </a:r>
+            <a:r>
+              <a:rPr lang="de-DE" dirty="0" smtClean="0"/>
+              <a:t>...</a:t>
+            </a:r>
+            <a:endParaRPr lang="hu-HU" dirty="0" smtClean="0"/>
+          </a:p>
+          <a:p>
+            <a:pPr marL="0" indent="0">
+              <a:buNone/>
+            </a:pPr>
+            <a:r>
+              <a:rPr lang="hu-HU" dirty="0"/>
+              <a:t>	</a:t>
+            </a:r>
+            <a:r>
+              <a:rPr lang="ro-RO" dirty="0" smtClean="0"/>
+              <a:t>A_i</a:t>
+            </a:r>
+            <a:r>
+              <a:rPr lang="ro-RO" b="1" dirty="0" smtClean="0"/>
+              <a:t>_2</a:t>
+            </a:r>
+            <a:r>
+              <a:rPr lang="ro-RO" dirty="0" smtClean="0"/>
+              <a:t> </a:t>
+            </a:r>
+            <a:r>
+              <a:rPr lang="ro-RO" dirty="0"/>
+              <a:t>= </a:t>
+            </a:r>
+            <a:r>
+              <a:rPr lang="ro-RO" dirty="0" smtClean="0"/>
+              <a:t>...</a:t>
+            </a:r>
+            <a:endParaRPr lang="ro-RO" dirty="0"/>
+          </a:p>
+          <a:p>
+            <a:pPr marL="0" indent="0">
+              <a:buNone/>
+            </a:pPr>
+            <a:r>
+              <a:rPr lang="en-US" dirty="0"/>
+              <a:t> </a:t>
+            </a:r>
+            <a:r>
+              <a:rPr lang="en-US" dirty="0" smtClean="0"/>
+              <a:t>     x = MUX(c,A_i</a:t>
+            </a:r>
+            <a:r>
+              <a:rPr lang="en-US" b="1" dirty="0" smtClean="0"/>
+              <a:t>_1</a:t>
+            </a:r>
+            <a:r>
+              <a:rPr lang="en-US" dirty="0" smtClean="0"/>
+              <a:t>,A_i</a:t>
+            </a:r>
+            <a:r>
+              <a:rPr lang="en-US" b="1" dirty="0" smtClean="0"/>
+              <a:t>_2</a:t>
+            </a:r>
+            <a:r>
+              <a:rPr lang="en-US" dirty="0" smtClean="0"/>
+              <a:t>)</a:t>
+            </a:r>
+            <a:endParaRPr lang="en-US" dirty="0"/>
+          </a:p>
+        </p:txBody>
+      </p:sp>
+    </p:spTree>
+    <p:extLst>
+      <p:ext uri="{BB962C8B-B14F-4D97-AF65-F5344CB8AC3E}">
+        <p14:creationId xmlns:p14="http://schemas.microsoft.com/office/powerpoint/2010/main" val="1760439472"/>
+      </p:ext>
+    </p:extLst>
+  </p:cSld>
+  <p:clrMapOvr>
+    <a:masterClrMapping/>
+  </p:clrMapOvr>
+</p:sld>
+</file>
+
+<file path=ppt/slides/slide19.xml><?xml version="1.0" encoding="utf-8"?>
+<p:sld xmlns:a="http://schemas.openxmlformats.org/drawingml/2006/main" xmlns:r="http://schemas.openxmlformats.org/officeDocument/2006/relationships" xmlns:p="http://schemas.openxmlformats.org/presentationml/2006/main">
+  <p:cSld>
+    <p:spTree>
+      <p:nvGrpSpPr>
+        <p:cNvPr id="1" name=""/>
+        <p:cNvGrpSpPr/>
+        <p:nvPr/>
+      </p:nvGrpSpPr>
+      <p:grpSpPr>
+        <a:xfrm>
+          <a:off x="0" y="0"/>
+          <a:ext cx="0" cy="0"/>
+          <a:chOff x="0" y="0"/>
+          <a:chExt cx="0" cy="0"/>
+        </a:xfrm>
+      </p:grpSpPr>
+      <p:sp>
+        <p:nvSpPr>
+          <p:cNvPr id="2" name="Title 1"/>
+          <p:cNvSpPr>
+            <a:spLocks noGrp="1"/>
+          </p:cNvSpPr>
+          <p:nvPr>
+            <p:ph type="title"/>
+          </p:nvPr>
+        </p:nvSpPr>
+        <p:spPr/>
+        <p:txBody>
+          <a:bodyPr/>
+          <a:lstStyle/>
+          <a:p>
+            <a:r>
+              <a:rPr lang="en-US" dirty="0" smtClean="0"/>
+              <a:t>Phase 4: Dependence DAG</a:t>
+            </a:r>
+            <a:endParaRPr lang="en-US" dirty="0"/>
+          </a:p>
+        </p:txBody>
+      </p:sp>
+      <p:sp>
+        <p:nvSpPr>
+          <p:cNvPr id="3" name="Content Placeholder 2"/>
+          <p:cNvSpPr>
+            <a:spLocks noGrp="1"/>
+          </p:cNvSpPr>
+          <p:nvPr>
+            <p:ph idx="1"/>
+          </p:nvPr>
+        </p:nvSpPr>
+        <p:spPr>
+          <a:xfrm>
+            <a:off x="457200" y="1600200"/>
+            <a:ext cx="8474550" cy="4525963"/>
+          </a:xfrm>
+        </p:spPr>
+        <p:txBody>
+          <a:bodyPr>
+            <a:normAutofit fontScale="77500" lnSpcReduction="20000"/>
+          </a:bodyPr>
+          <a:lstStyle/>
+          <a:p>
+            <a:r>
+              <a:rPr lang="en-US" dirty="0" smtClean="0"/>
+              <a:t>Analyze linear MPC loop body</a:t>
+            </a:r>
+          </a:p>
+          <a:p>
+            <a:pPr marL="457200" lvl="1" indent="0">
+              <a:buNone/>
+            </a:pPr>
+            <a:endParaRPr lang="en-US" dirty="0" smtClean="0"/>
+          </a:p>
+          <a:p>
+            <a:r>
+              <a:rPr lang="en-US" dirty="0" smtClean="0"/>
+              <a:t>Intra-loop dependences</a:t>
+            </a:r>
+          </a:p>
+          <a:p>
+            <a:pPr lvl="1"/>
+            <a:r>
+              <a:rPr lang="en-US" dirty="0" smtClean="0"/>
+              <a:t>E.g., c </a:t>
+            </a:r>
+            <a:r>
+              <a:rPr lang="en-US" dirty="0"/>
+              <a:t>= CMP(B_i</a:t>
+            </a:r>
+            <a:r>
+              <a:rPr lang="en-US" b="1" dirty="0"/>
+              <a:t>_0</a:t>
+            </a:r>
+            <a:r>
+              <a:rPr lang="en-US" dirty="0"/>
+              <a:t>, 0</a:t>
+            </a:r>
+            <a:r>
+              <a:rPr lang="en-US" dirty="0" smtClean="0"/>
+              <a:t>) to x = MUX</a:t>
+            </a:r>
+            <a:r>
+              <a:rPr lang="en-US" dirty="0"/>
+              <a:t>(c</a:t>
+            </a:r>
+            <a:r>
+              <a:rPr lang="en-US" dirty="0" smtClean="0"/>
+              <a:t>, A_i</a:t>
+            </a:r>
+            <a:r>
+              <a:rPr lang="en-US" b="1" dirty="0" smtClean="0"/>
+              <a:t>_1</a:t>
+            </a:r>
+            <a:r>
+              <a:rPr lang="en-US" dirty="0" smtClean="0"/>
+              <a:t>, A_i</a:t>
+            </a:r>
+            <a:r>
+              <a:rPr lang="en-US" b="1" dirty="0" smtClean="0"/>
+              <a:t>_2</a:t>
+            </a:r>
+            <a:r>
+              <a:rPr lang="en-US" dirty="0" smtClean="0"/>
+              <a:t>)</a:t>
+            </a:r>
+          </a:p>
+          <a:p>
+            <a:pPr lvl="1"/>
+            <a:r>
+              <a:rPr lang="de-DE" dirty="0">
+                <a:solidFill>
+                  <a:srgbClr val="FF0000"/>
+                </a:solidFill>
+              </a:rPr>
+              <a:t>A_i</a:t>
+            </a:r>
+            <a:r>
+              <a:rPr lang="de-DE" b="1" dirty="0">
+                <a:solidFill>
+                  <a:srgbClr val="FF0000"/>
+                </a:solidFill>
+              </a:rPr>
+              <a:t>_1</a:t>
+            </a:r>
+            <a:r>
+              <a:rPr lang="de-DE" dirty="0"/>
+              <a:t> = B_i_0*i </a:t>
+            </a:r>
+            <a:r>
+              <a:rPr lang="de-DE" dirty="0" smtClean="0"/>
+              <a:t> </a:t>
+            </a:r>
+            <a:r>
+              <a:rPr lang="de-DE" dirty="0" err="1" smtClean="0"/>
+              <a:t>to</a:t>
+            </a:r>
+            <a:r>
+              <a:rPr lang="de-DE" dirty="0" smtClean="0"/>
+              <a:t> </a:t>
+            </a:r>
+            <a:r>
+              <a:rPr lang="en-US" dirty="0"/>
+              <a:t>B_i</a:t>
+            </a:r>
+            <a:r>
+              <a:rPr lang="en-US" b="1" dirty="0"/>
+              <a:t>_1</a:t>
+            </a:r>
+            <a:r>
+              <a:rPr lang="en-US" dirty="0"/>
+              <a:t> = </a:t>
+            </a:r>
+            <a:r>
+              <a:rPr lang="en-US" dirty="0">
+                <a:solidFill>
+                  <a:srgbClr val="FF0000"/>
+                </a:solidFill>
+              </a:rPr>
+              <a:t>A_i</a:t>
+            </a:r>
+            <a:r>
+              <a:rPr lang="en-US" b="1" dirty="0">
+                <a:solidFill>
+                  <a:srgbClr val="FF0000"/>
+                </a:solidFill>
+              </a:rPr>
+              <a:t>_1</a:t>
+            </a:r>
+            <a:r>
+              <a:rPr lang="en-US" dirty="0"/>
+              <a:t>*</a:t>
+            </a:r>
+            <a:r>
+              <a:rPr lang="en-US" dirty="0">
+                <a:solidFill>
+                  <a:srgbClr val="008000"/>
+                </a:solidFill>
+              </a:rPr>
+              <a:t>D_(i-1)</a:t>
+            </a:r>
+            <a:r>
+              <a:rPr lang="en-US" b="1" dirty="0" smtClean="0">
+                <a:solidFill>
+                  <a:srgbClr val="008000"/>
+                </a:solidFill>
+              </a:rPr>
+              <a:t>_0</a:t>
+            </a:r>
+          </a:p>
+          <a:p>
+            <a:r>
+              <a:rPr lang="en-US" dirty="0" smtClean="0"/>
+              <a:t>Loop-carried dependences</a:t>
+            </a:r>
+          </a:p>
+          <a:p>
+            <a:pPr lvl="1"/>
+            <a:r>
+              <a:rPr lang="en-US" dirty="0" smtClean="0"/>
+              <a:t>E.g., sum_1 = sum_0 + t in iteration </a:t>
+            </a:r>
+            <a:r>
+              <a:rPr lang="en-US" dirty="0" err="1" smtClean="0"/>
+              <a:t>i</a:t>
+            </a:r>
+            <a:r>
+              <a:rPr lang="en-US" dirty="0" smtClean="0"/>
+              <a:t> to </a:t>
+            </a:r>
+            <a:r>
+              <a:rPr lang="en-US" dirty="0"/>
+              <a:t>sum_1 = sum_0 + </a:t>
+            </a:r>
+            <a:r>
+              <a:rPr lang="en-US" dirty="0" smtClean="0"/>
+              <a:t>t in iteration i+1 (since sum_1 in </a:t>
+            </a:r>
+            <a:r>
+              <a:rPr lang="en-US" dirty="0" err="1" smtClean="0"/>
+              <a:t>i</a:t>
+            </a:r>
+            <a:r>
+              <a:rPr lang="en-US" dirty="0" smtClean="0"/>
+              <a:t> is sum_0 in i+1)</a:t>
+            </a:r>
+          </a:p>
+          <a:p>
+            <a:pPr lvl="1"/>
+            <a:r>
+              <a:rPr lang="de-DE" dirty="0">
+                <a:solidFill>
+                  <a:srgbClr val="800000"/>
+                </a:solidFill>
+              </a:rPr>
+              <a:t>D_i</a:t>
+            </a:r>
+            <a:r>
+              <a:rPr lang="de-DE" b="1" dirty="0">
+                <a:solidFill>
+                  <a:srgbClr val="800000"/>
+                </a:solidFill>
+              </a:rPr>
+              <a:t>_1</a:t>
+            </a:r>
+            <a:r>
+              <a:rPr lang="de-DE" dirty="0"/>
+              <a:t> = B_i</a:t>
+            </a:r>
+            <a:r>
+              <a:rPr lang="de-DE" b="1" dirty="0"/>
+              <a:t>_1</a:t>
+            </a:r>
+            <a:r>
+              <a:rPr lang="de-DE" dirty="0"/>
+              <a:t>+</a:t>
+            </a:r>
+            <a:r>
+              <a:rPr lang="de-DE" dirty="0" smtClean="0">
+                <a:solidFill>
+                  <a:srgbClr val="0000FF"/>
+                </a:solidFill>
+              </a:rPr>
+              <a:t>C_i</a:t>
+            </a:r>
+            <a:r>
+              <a:rPr lang="de-DE" b="1" dirty="0" smtClean="0">
+                <a:solidFill>
+                  <a:srgbClr val="0000FF"/>
+                </a:solidFill>
+              </a:rPr>
+              <a:t>_1 </a:t>
+            </a:r>
+            <a:r>
+              <a:rPr lang="de-DE" dirty="0" smtClean="0">
+                <a:solidFill>
+                  <a:srgbClr val="000000"/>
+                </a:solidFill>
+              </a:rPr>
+              <a:t>in </a:t>
+            </a:r>
+            <a:r>
+              <a:rPr lang="de-DE" dirty="0" err="1" smtClean="0">
+                <a:solidFill>
+                  <a:srgbClr val="000000"/>
+                </a:solidFill>
+              </a:rPr>
+              <a:t>iteration</a:t>
+            </a:r>
+            <a:r>
+              <a:rPr lang="de-DE" dirty="0" smtClean="0">
+                <a:solidFill>
+                  <a:srgbClr val="000000"/>
+                </a:solidFill>
+              </a:rPr>
+              <a:t> i </a:t>
+            </a:r>
+            <a:r>
+              <a:rPr lang="de-DE" dirty="0" err="1" smtClean="0">
+                <a:solidFill>
+                  <a:srgbClr val="000000"/>
+                </a:solidFill>
+              </a:rPr>
+              <a:t>to</a:t>
+            </a:r>
+            <a:r>
+              <a:rPr lang="de-DE" b="1" dirty="0" smtClean="0">
+                <a:solidFill>
+                  <a:srgbClr val="0000FF"/>
+                </a:solidFill>
+              </a:rPr>
+              <a:t> </a:t>
+            </a:r>
+            <a:r>
+              <a:rPr lang="en-US" dirty="0"/>
+              <a:t>B_i</a:t>
+            </a:r>
+            <a:r>
+              <a:rPr lang="en-US" b="1" dirty="0"/>
+              <a:t>_1</a:t>
+            </a:r>
+            <a:r>
+              <a:rPr lang="en-US" dirty="0"/>
+              <a:t> = </a:t>
+            </a:r>
+            <a:r>
+              <a:rPr lang="en-US" dirty="0">
+                <a:solidFill>
+                  <a:srgbClr val="FF0000"/>
+                </a:solidFill>
+              </a:rPr>
+              <a:t>A_i</a:t>
+            </a:r>
+            <a:r>
+              <a:rPr lang="en-US" b="1" dirty="0">
+                <a:solidFill>
+                  <a:srgbClr val="FF0000"/>
+                </a:solidFill>
+              </a:rPr>
+              <a:t>_1</a:t>
+            </a:r>
+            <a:r>
+              <a:rPr lang="en-US" dirty="0"/>
+              <a:t>*</a:t>
+            </a:r>
+            <a:r>
+              <a:rPr lang="en-US" dirty="0">
+                <a:solidFill>
+                  <a:srgbClr val="008000"/>
+                </a:solidFill>
+              </a:rPr>
+              <a:t>D_(i-1)</a:t>
+            </a:r>
+            <a:r>
+              <a:rPr lang="en-US" b="1" dirty="0" smtClean="0">
+                <a:solidFill>
+                  <a:srgbClr val="008000"/>
+                </a:solidFill>
+              </a:rPr>
+              <a:t>_0 </a:t>
+            </a:r>
+            <a:r>
+              <a:rPr lang="en-US" dirty="0" smtClean="0">
+                <a:solidFill>
+                  <a:srgbClr val="000000"/>
+                </a:solidFill>
+              </a:rPr>
+              <a:t>in iteration i+1</a:t>
+            </a:r>
+          </a:p>
+          <a:p>
+            <a:r>
+              <a:rPr lang="en-US" dirty="0" smtClean="0">
+                <a:solidFill>
+                  <a:srgbClr val="000000"/>
+                </a:solidFill>
+              </a:rPr>
+              <a:t>Open issues: Analysis that discovers loop carried dependences. Do we do at level of source (with equiv. and non-equiv.) or at this level?</a:t>
+            </a:r>
+          </a:p>
+          <a:p>
+            <a:pPr lvl="1"/>
+            <a:endParaRPr lang="en-US" dirty="0"/>
+          </a:p>
+          <a:p>
+            <a:pPr lvl="1"/>
+            <a:endParaRPr lang="en-US" dirty="0" smtClean="0"/>
+          </a:p>
+          <a:p>
+            <a:endParaRPr lang="en-US" dirty="0"/>
+          </a:p>
+        </p:txBody>
+      </p:sp>
+    </p:spTree>
+    <p:extLst>
+      <p:ext uri="{BB962C8B-B14F-4D97-AF65-F5344CB8AC3E}">
+        <p14:creationId xmlns:p14="http://schemas.microsoft.com/office/powerpoint/2010/main" val="2850400894"/>
+      </p:ext>
+    </p:extLst>
+  </p:cSld>
+  <p:clrMapOvr>
+    <a:masterClrMapping/>
+  </p:clrMapOvr>
+</p:sld>
+</file>
+
 <file path=ppt/slides/slide2.xml><?xml version="1.0" encoding="utf-8"?>
 <p:sld xmlns:a="http://schemas.openxmlformats.org/drawingml/2006/main" xmlns:r="http://schemas.openxmlformats.org/officeDocument/2006/relationships" xmlns:p="http://schemas.openxmlformats.org/presentationml/2006/main">
   <p:cSld>
@@ -3900,6 +9070,842 @@
     <p:extLst>
       <p:ext uri="{BB962C8B-B14F-4D97-AF65-F5344CB8AC3E}">
         <p14:creationId xmlns:p14="http://schemas.microsoft.com/office/powerpoint/2010/main" val="2422603014"/>
+      </p:ext>
+    </p:extLst>
+  </p:cSld>
+  <p:clrMapOvr>
+    <a:masterClrMapping/>
+  </p:clrMapOvr>
+</p:sld>
+</file>
+
+<file path=ppt/slides/slide20.xml><?xml version="1.0" encoding="utf-8"?>
+<p:sld xmlns:a="http://schemas.openxmlformats.org/drawingml/2006/main" xmlns:r="http://schemas.openxmlformats.org/officeDocument/2006/relationships" xmlns:p="http://schemas.openxmlformats.org/presentationml/2006/main">
+  <p:cSld>
+    <p:spTree>
+      <p:nvGrpSpPr>
+        <p:cNvPr id="1" name=""/>
+        <p:cNvGrpSpPr/>
+        <p:nvPr/>
+      </p:nvGrpSpPr>
+      <p:grpSpPr>
+        <a:xfrm>
+          <a:off x="0" y="0"/>
+          <a:ext cx="0" cy="0"/>
+          <a:chOff x="0" y="0"/>
+          <a:chExt cx="0" cy="0"/>
+        </a:xfrm>
+      </p:grpSpPr>
+      <p:sp>
+        <p:nvSpPr>
+          <p:cNvPr id="2" name="Title 1"/>
+          <p:cNvSpPr>
+            <a:spLocks noGrp="1"/>
+          </p:cNvSpPr>
+          <p:nvPr>
+            <p:ph type="title"/>
+          </p:nvPr>
+        </p:nvSpPr>
+        <p:spPr/>
+        <p:txBody>
+          <a:bodyPr/>
+          <a:lstStyle/>
+          <a:p>
+            <a:r>
+              <a:rPr lang="en-US" dirty="0" smtClean="0"/>
+              <a:t>Phase 5: </a:t>
+            </a:r>
+            <a:r>
+              <a:rPr lang="en-US" dirty="0" err="1" smtClean="0"/>
+              <a:t>Div</a:t>
+            </a:r>
+            <a:r>
+              <a:rPr lang="en-US" dirty="0" smtClean="0"/>
+              <a:t>-and-Conquer</a:t>
+            </a:r>
+            <a:endParaRPr lang="en-US" dirty="0"/>
+          </a:p>
+        </p:txBody>
+      </p:sp>
+      <p:sp>
+        <p:nvSpPr>
+          <p:cNvPr id="3" name="Content Placeholder 2"/>
+          <p:cNvSpPr>
+            <a:spLocks noGrp="1"/>
+          </p:cNvSpPr>
+          <p:nvPr>
+            <p:ph idx="1"/>
+          </p:nvPr>
+        </p:nvSpPr>
+        <p:spPr/>
+        <p:txBody>
+          <a:bodyPr/>
+          <a:lstStyle/>
+          <a:p>
+            <a:r>
+              <a:rPr lang="en-US" dirty="0" smtClean="0"/>
+              <a:t>Use Z3 to prove transformation is safe</a:t>
+            </a:r>
+            <a:endParaRPr lang="en-US" dirty="0"/>
+          </a:p>
+        </p:txBody>
+      </p:sp>
+    </p:spTree>
+    <p:extLst>
+      <p:ext uri="{BB962C8B-B14F-4D97-AF65-F5344CB8AC3E}">
+        <p14:creationId xmlns:p14="http://schemas.microsoft.com/office/powerpoint/2010/main" val="688215210"/>
+      </p:ext>
+    </p:extLst>
+  </p:cSld>
+  <p:clrMapOvr>
+    <a:masterClrMapping/>
+  </p:clrMapOvr>
+</p:sld>
+</file>
+
+<file path=ppt/slides/slide21.xml><?xml version="1.0" encoding="utf-8"?>
+<p:sld xmlns:a="http://schemas.openxmlformats.org/drawingml/2006/main" xmlns:r="http://schemas.openxmlformats.org/officeDocument/2006/relationships" xmlns:p="http://schemas.openxmlformats.org/presentationml/2006/main">
+  <p:cSld>
+    <p:spTree>
+      <p:nvGrpSpPr>
+        <p:cNvPr id="1" name=""/>
+        <p:cNvGrpSpPr/>
+        <p:nvPr/>
+      </p:nvGrpSpPr>
+      <p:grpSpPr>
+        <a:xfrm>
+          <a:off x="0" y="0"/>
+          <a:ext cx="0" cy="0"/>
+          <a:chOff x="0" y="0"/>
+          <a:chExt cx="0" cy="0"/>
+        </a:xfrm>
+      </p:grpSpPr>
+      <p:sp>
+        <p:nvSpPr>
+          <p:cNvPr id="2" name="Title 1"/>
+          <p:cNvSpPr>
+            <a:spLocks noGrp="1"/>
+          </p:cNvSpPr>
+          <p:nvPr>
+            <p:ph type="title"/>
+          </p:nvPr>
+        </p:nvSpPr>
+        <p:spPr/>
+        <p:txBody>
+          <a:bodyPr/>
+          <a:lstStyle/>
+          <a:p>
+            <a:r>
+              <a:rPr lang="en-US" dirty="0" smtClean="0"/>
+              <a:t>Phase 6: </a:t>
+            </a:r>
+            <a:r>
+              <a:rPr lang="en-US" dirty="0" err="1" smtClean="0"/>
+              <a:t>Vectorized</a:t>
+            </a:r>
+            <a:r>
+              <a:rPr lang="en-US" dirty="0" smtClean="0"/>
+              <a:t> Schedule</a:t>
+            </a:r>
+            <a:endParaRPr lang="en-US" dirty="0"/>
+          </a:p>
+        </p:txBody>
+      </p:sp>
+      <p:sp>
+        <p:nvSpPr>
+          <p:cNvPr id="3" name="Content Placeholder 2"/>
+          <p:cNvSpPr>
+            <a:spLocks noGrp="1"/>
+          </p:cNvSpPr>
+          <p:nvPr>
+            <p:ph idx="1"/>
+          </p:nvPr>
+        </p:nvSpPr>
+        <p:spPr/>
+        <p:txBody>
+          <a:bodyPr/>
+          <a:lstStyle/>
+          <a:p>
+            <a:r>
+              <a:rPr lang="en-US" dirty="0" err="1" smtClean="0"/>
+              <a:t>Vectorization</a:t>
+            </a:r>
+            <a:r>
+              <a:rPr lang="en-US" dirty="0" smtClean="0"/>
+              <a:t> + </a:t>
+            </a:r>
+            <a:r>
+              <a:rPr lang="en-US" dirty="0" err="1" smtClean="0"/>
+              <a:t>Div</a:t>
+            </a:r>
+            <a:r>
+              <a:rPr lang="en-US" dirty="0" smtClean="0"/>
+              <a:t>-and-conquer</a:t>
+            </a:r>
+            <a:endParaRPr lang="en-US" dirty="0"/>
+          </a:p>
+        </p:txBody>
+      </p:sp>
+      <p:sp>
+        <p:nvSpPr>
+          <p:cNvPr id="4" name="Content Placeholder 2"/>
+          <p:cNvSpPr txBox="1">
+            <a:spLocks/>
+          </p:cNvSpPr>
+          <p:nvPr/>
+        </p:nvSpPr>
+        <p:spPr>
+          <a:xfrm>
+            <a:off x="498615" y="2854564"/>
+            <a:ext cx="4033268" cy="2709685"/>
+          </a:xfrm>
+          <a:prstGeom prst="rect">
+            <a:avLst/>
+          </a:prstGeom>
+        </p:spPr>
+        <p:txBody>
+          <a:bodyPr vert="horz" lIns="91440" tIns="45720" rIns="91440" bIns="45720" rtlCol="0">
+            <a:normAutofit fontScale="77500" lnSpcReduction="20000"/>
+          </a:bodyPr>
+          <a:lstStyle>
+            <a:lvl1pPr marL="342900" indent="-342900" algn="l" defTabSz="457200" rtl="0" eaLnBrk="1" latinLnBrk="0" hangingPunct="1">
+              <a:spcBef>
+                <a:spcPct val="20000"/>
+              </a:spcBef>
+              <a:buFont typeface="Arial"/>
+              <a:buChar char="•"/>
+              <a:defRPr sz="3200" kern="1200">
+                <a:solidFill>
+                  <a:schemeClr val="tx1"/>
+                </a:solidFill>
+                <a:latin typeface="+mn-lt"/>
+                <a:ea typeface="+mn-ea"/>
+                <a:cs typeface="+mn-cs"/>
+              </a:defRPr>
+            </a:lvl1pPr>
+            <a:lvl2pPr marL="742950" indent="-285750" algn="l" defTabSz="457200" rtl="0" eaLnBrk="1" latinLnBrk="0" hangingPunct="1">
+              <a:spcBef>
+                <a:spcPct val="20000"/>
+              </a:spcBef>
+              <a:buFont typeface="Arial"/>
+              <a:buChar char="–"/>
+              <a:defRPr sz="2800" kern="1200">
+                <a:solidFill>
+                  <a:schemeClr val="tx1"/>
+                </a:solidFill>
+                <a:latin typeface="+mn-lt"/>
+                <a:ea typeface="+mn-ea"/>
+                <a:cs typeface="+mn-cs"/>
+              </a:defRPr>
+            </a:lvl2pPr>
+            <a:lvl3pPr marL="1143000" indent="-228600" algn="l" defTabSz="457200" rtl="0" eaLnBrk="1" latinLnBrk="0" hangingPunct="1">
+              <a:spcBef>
+                <a:spcPct val="20000"/>
+              </a:spcBef>
+              <a:buFont typeface="Arial"/>
+              <a:buChar char="•"/>
+              <a:defRPr sz="2400" kern="1200">
+                <a:solidFill>
+                  <a:schemeClr val="tx1"/>
+                </a:solidFill>
+                <a:latin typeface="+mn-lt"/>
+                <a:ea typeface="+mn-ea"/>
+                <a:cs typeface="+mn-cs"/>
+              </a:defRPr>
+            </a:lvl3pPr>
+            <a:lvl4pPr marL="1600200" indent="-228600" algn="l" defTabSz="457200" rtl="0" eaLnBrk="1" latinLnBrk="0" hangingPunct="1">
+              <a:spcBef>
+                <a:spcPct val="20000"/>
+              </a:spcBef>
+              <a:buFont typeface="Arial"/>
+              <a:buChar char="–"/>
+              <a:defRPr sz="2000" kern="1200">
+                <a:solidFill>
+                  <a:schemeClr val="tx1"/>
+                </a:solidFill>
+                <a:latin typeface="+mn-lt"/>
+                <a:ea typeface="+mn-ea"/>
+                <a:cs typeface="+mn-cs"/>
+              </a:defRPr>
+            </a:lvl4pPr>
+            <a:lvl5pPr marL="2057400" indent="-228600" algn="l" defTabSz="457200" rtl="0" eaLnBrk="1" latinLnBrk="0" hangingPunct="1">
+              <a:spcBef>
+                <a:spcPct val="20000"/>
+              </a:spcBef>
+              <a:buFont typeface="Arial"/>
+              <a:buChar char="»"/>
+              <a:defRPr sz="2000" kern="1200">
+                <a:solidFill>
+                  <a:schemeClr val="tx1"/>
+                </a:solidFill>
+                <a:latin typeface="+mn-lt"/>
+                <a:ea typeface="+mn-ea"/>
+                <a:cs typeface="+mn-cs"/>
+              </a:defRPr>
+            </a:lvl5pPr>
+            <a:lvl6pPr marL="2514600" indent="-228600" algn="l" defTabSz="457200" rtl="0" eaLnBrk="1" latinLnBrk="0" hangingPunct="1">
+              <a:spcBef>
+                <a:spcPct val="20000"/>
+              </a:spcBef>
+              <a:buFont typeface="Arial"/>
+              <a:buChar char="•"/>
+              <a:defRPr sz="2000" kern="1200">
+                <a:solidFill>
+                  <a:schemeClr val="tx1"/>
+                </a:solidFill>
+                <a:latin typeface="+mn-lt"/>
+                <a:ea typeface="+mn-ea"/>
+                <a:cs typeface="+mn-cs"/>
+              </a:defRPr>
+            </a:lvl6pPr>
+            <a:lvl7pPr marL="2971800" indent="-228600" algn="l" defTabSz="457200" rtl="0" eaLnBrk="1" latinLnBrk="0" hangingPunct="1">
+              <a:spcBef>
+                <a:spcPct val="20000"/>
+              </a:spcBef>
+              <a:buFont typeface="Arial"/>
+              <a:buChar char="•"/>
+              <a:defRPr sz="2000" kern="1200">
+                <a:solidFill>
+                  <a:schemeClr val="tx1"/>
+                </a:solidFill>
+                <a:latin typeface="+mn-lt"/>
+                <a:ea typeface="+mn-ea"/>
+                <a:cs typeface="+mn-cs"/>
+              </a:defRPr>
+            </a:lvl7pPr>
+            <a:lvl8pPr marL="3429000" indent="-228600" algn="l" defTabSz="457200" rtl="0" eaLnBrk="1" latinLnBrk="0" hangingPunct="1">
+              <a:spcBef>
+                <a:spcPct val="20000"/>
+              </a:spcBef>
+              <a:buFont typeface="Arial"/>
+              <a:buChar char="•"/>
+              <a:defRPr sz="2000" kern="1200">
+                <a:solidFill>
+                  <a:schemeClr val="tx1"/>
+                </a:solidFill>
+                <a:latin typeface="+mn-lt"/>
+                <a:ea typeface="+mn-ea"/>
+                <a:cs typeface="+mn-cs"/>
+              </a:defRPr>
+            </a:lvl8pPr>
+            <a:lvl9pPr marL="3886200" indent="-228600" algn="l" defTabSz="457200" rtl="0" eaLnBrk="1" latinLnBrk="0" hangingPunct="1">
+              <a:spcBef>
+                <a:spcPct val="20000"/>
+              </a:spcBef>
+              <a:buFont typeface="Arial"/>
+              <a:buChar char="•"/>
+              <a:defRPr sz="2000" kern="1200">
+                <a:solidFill>
+                  <a:schemeClr val="tx1"/>
+                </a:solidFill>
+                <a:latin typeface="+mn-lt"/>
+                <a:ea typeface="+mn-ea"/>
+                <a:cs typeface="+mn-cs"/>
+              </a:defRPr>
+            </a:lvl9pPr>
+          </a:lstStyle>
+          <a:p>
+            <a:pPr marL="0" indent="0">
+              <a:buFont typeface="Arial"/>
+              <a:buNone/>
+            </a:pPr>
+            <a:r>
+              <a:rPr lang="en-US" dirty="0" smtClean="0"/>
+              <a:t>MPC schedule of loop body:</a:t>
+            </a:r>
+          </a:p>
+          <a:p>
+            <a:pPr marL="0" indent="0">
+              <a:buFont typeface="Arial"/>
+              <a:buNone/>
+            </a:pPr>
+            <a:r>
+              <a:rPr lang="en-US" dirty="0" smtClean="0"/>
+              <a:t>for </a:t>
+            </a:r>
+            <a:r>
+              <a:rPr lang="en-US" dirty="0" err="1" smtClean="0"/>
+              <a:t>i</a:t>
+            </a:r>
+            <a:r>
+              <a:rPr lang="en-US" dirty="0" smtClean="0"/>
+              <a:t> in range(0,len):</a:t>
+            </a:r>
+          </a:p>
+          <a:p>
+            <a:pPr marL="0" indent="0">
+              <a:buNone/>
+            </a:pPr>
+            <a:r>
+              <a:rPr lang="en-US" dirty="0" smtClean="0"/>
+              <a:t>	c_1 = CMP(B_i</a:t>
+            </a:r>
+            <a:r>
+              <a:rPr lang="en-US" b="1" dirty="0" smtClean="0"/>
+              <a:t>_0</a:t>
+            </a:r>
+            <a:r>
+              <a:rPr lang="en-US" dirty="0"/>
+              <a:t>,</a:t>
+            </a:r>
+            <a:r>
+              <a:rPr lang="en-US" dirty="0" smtClean="0"/>
+              <a:t> 0)</a:t>
+            </a:r>
+            <a:endParaRPr lang="en-US" dirty="0"/>
+          </a:p>
+          <a:p>
+            <a:pPr marL="0" indent="0">
+              <a:buNone/>
+            </a:pPr>
+            <a:r>
+              <a:rPr lang="de-DE" dirty="0"/>
+              <a:t>	</a:t>
+            </a:r>
+            <a:r>
+              <a:rPr lang="de-DE" dirty="0" smtClean="0"/>
+              <a:t>A_i</a:t>
+            </a:r>
+            <a:r>
+              <a:rPr lang="de-DE" b="1" dirty="0" smtClean="0"/>
+              <a:t>_1</a:t>
+            </a:r>
+            <a:r>
+              <a:rPr lang="de-DE" dirty="0" smtClean="0"/>
+              <a:t> </a:t>
+            </a:r>
+            <a:r>
+              <a:rPr lang="de-DE" dirty="0"/>
+              <a:t>= </a:t>
+            </a:r>
+            <a:r>
+              <a:rPr lang="de-DE" dirty="0" smtClean="0"/>
+              <a:t>...</a:t>
+            </a:r>
+            <a:endParaRPr lang="hu-HU" dirty="0" smtClean="0"/>
+          </a:p>
+          <a:p>
+            <a:pPr marL="0" indent="0">
+              <a:buNone/>
+            </a:pPr>
+            <a:r>
+              <a:rPr lang="hu-HU" dirty="0"/>
+              <a:t>	</a:t>
+            </a:r>
+            <a:r>
+              <a:rPr lang="ro-RO" dirty="0" smtClean="0"/>
+              <a:t>A_i</a:t>
+            </a:r>
+            <a:r>
+              <a:rPr lang="ro-RO" b="1" dirty="0" smtClean="0"/>
+              <a:t>_2</a:t>
+            </a:r>
+            <a:r>
+              <a:rPr lang="ro-RO" dirty="0" smtClean="0"/>
+              <a:t> </a:t>
+            </a:r>
+            <a:r>
+              <a:rPr lang="ro-RO" dirty="0"/>
+              <a:t>= </a:t>
+            </a:r>
+            <a:r>
+              <a:rPr lang="ro-RO" dirty="0" smtClean="0"/>
+              <a:t>...</a:t>
+            </a:r>
+            <a:endParaRPr lang="ro-RO" dirty="0"/>
+          </a:p>
+          <a:p>
+            <a:pPr marL="0" indent="0">
+              <a:buNone/>
+            </a:pPr>
+            <a:r>
+              <a:rPr lang="en-US" dirty="0"/>
+              <a:t> </a:t>
+            </a:r>
+            <a:r>
+              <a:rPr lang="en-US" dirty="0" smtClean="0"/>
+              <a:t>     x = MUX(c,A_i</a:t>
+            </a:r>
+            <a:r>
+              <a:rPr lang="en-US" b="1" dirty="0" smtClean="0"/>
+              <a:t>_1</a:t>
+            </a:r>
+            <a:r>
+              <a:rPr lang="en-US" dirty="0" smtClean="0"/>
+              <a:t>,A_i</a:t>
+            </a:r>
+            <a:r>
+              <a:rPr lang="en-US" b="1" dirty="0" smtClean="0"/>
+              <a:t>_2</a:t>
+            </a:r>
+            <a:r>
+              <a:rPr lang="en-US" dirty="0" smtClean="0"/>
+              <a:t>)</a:t>
+            </a:r>
+            <a:endParaRPr lang="en-US" dirty="0"/>
+          </a:p>
+        </p:txBody>
+      </p:sp>
+      <p:sp>
+        <p:nvSpPr>
+          <p:cNvPr id="5" name="Right Arrow 4"/>
+          <p:cNvSpPr/>
+          <p:nvPr/>
+        </p:nvSpPr>
+        <p:spPr>
+          <a:xfrm>
+            <a:off x="3946044" y="3637095"/>
+            <a:ext cx="544424" cy="484632"/>
+          </a:xfrm>
+          <a:prstGeom prst="rightArrow">
+            <a:avLst/>
+          </a:prstGeom>
+        </p:spPr>
+        <p:style>
+          <a:lnRef idx="1">
+            <a:schemeClr val="accent1"/>
+          </a:lnRef>
+          <a:fillRef idx="3">
+            <a:schemeClr val="accent1"/>
+          </a:fillRef>
+          <a:effectRef idx="2">
+            <a:schemeClr val="accent1"/>
+          </a:effectRef>
+          <a:fontRef idx="minor">
+            <a:schemeClr val="lt1"/>
+          </a:fontRef>
+        </p:style>
+        <p:txBody>
+          <a:bodyPr rtlCol="0" anchor="ctr"/>
+          <a:lstStyle/>
+          <a:p>
+            <a:pPr algn="ctr"/>
+            <a:endParaRPr lang="en-US"/>
+          </a:p>
+        </p:txBody>
+      </p:sp>
+      <p:sp>
+        <p:nvSpPr>
+          <p:cNvPr id="6" name="Content Placeholder 2"/>
+          <p:cNvSpPr txBox="1">
+            <a:spLocks/>
+          </p:cNvSpPr>
+          <p:nvPr/>
+        </p:nvSpPr>
+        <p:spPr>
+          <a:xfrm>
+            <a:off x="4735070" y="2855098"/>
+            <a:ext cx="4228728" cy="2709685"/>
+          </a:xfrm>
+          <a:prstGeom prst="rect">
+            <a:avLst/>
+          </a:prstGeom>
+        </p:spPr>
+        <p:txBody>
+          <a:bodyPr vert="horz" lIns="91440" tIns="45720" rIns="91440" bIns="45720" rtlCol="0">
+            <a:normAutofit fontScale="85000" lnSpcReduction="10000"/>
+          </a:bodyPr>
+          <a:lstStyle>
+            <a:lvl1pPr marL="342900" indent="-342900" algn="l" defTabSz="457200" rtl="0" eaLnBrk="1" latinLnBrk="0" hangingPunct="1">
+              <a:spcBef>
+                <a:spcPct val="20000"/>
+              </a:spcBef>
+              <a:buFont typeface="Arial"/>
+              <a:buChar char="•"/>
+              <a:defRPr sz="3200" kern="1200">
+                <a:solidFill>
+                  <a:schemeClr val="tx1"/>
+                </a:solidFill>
+                <a:latin typeface="+mn-lt"/>
+                <a:ea typeface="+mn-ea"/>
+                <a:cs typeface="+mn-cs"/>
+              </a:defRPr>
+            </a:lvl1pPr>
+            <a:lvl2pPr marL="742950" indent="-285750" algn="l" defTabSz="457200" rtl="0" eaLnBrk="1" latinLnBrk="0" hangingPunct="1">
+              <a:spcBef>
+                <a:spcPct val="20000"/>
+              </a:spcBef>
+              <a:buFont typeface="Arial"/>
+              <a:buChar char="–"/>
+              <a:defRPr sz="2800" kern="1200">
+                <a:solidFill>
+                  <a:schemeClr val="tx1"/>
+                </a:solidFill>
+                <a:latin typeface="+mn-lt"/>
+                <a:ea typeface="+mn-ea"/>
+                <a:cs typeface="+mn-cs"/>
+              </a:defRPr>
+            </a:lvl2pPr>
+            <a:lvl3pPr marL="1143000" indent="-228600" algn="l" defTabSz="457200" rtl="0" eaLnBrk="1" latinLnBrk="0" hangingPunct="1">
+              <a:spcBef>
+                <a:spcPct val="20000"/>
+              </a:spcBef>
+              <a:buFont typeface="Arial"/>
+              <a:buChar char="•"/>
+              <a:defRPr sz="2400" kern="1200">
+                <a:solidFill>
+                  <a:schemeClr val="tx1"/>
+                </a:solidFill>
+                <a:latin typeface="+mn-lt"/>
+                <a:ea typeface="+mn-ea"/>
+                <a:cs typeface="+mn-cs"/>
+              </a:defRPr>
+            </a:lvl3pPr>
+            <a:lvl4pPr marL="1600200" indent="-228600" algn="l" defTabSz="457200" rtl="0" eaLnBrk="1" latinLnBrk="0" hangingPunct="1">
+              <a:spcBef>
+                <a:spcPct val="20000"/>
+              </a:spcBef>
+              <a:buFont typeface="Arial"/>
+              <a:buChar char="–"/>
+              <a:defRPr sz="2000" kern="1200">
+                <a:solidFill>
+                  <a:schemeClr val="tx1"/>
+                </a:solidFill>
+                <a:latin typeface="+mn-lt"/>
+                <a:ea typeface="+mn-ea"/>
+                <a:cs typeface="+mn-cs"/>
+              </a:defRPr>
+            </a:lvl4pPr>
+            <a:lvl5pPr marL="2057400" indent="-228600" algn="l" defTabSz="457200" rtl="0" eaLnBrk="1" latinLnBrk="0" hangingPunct="1">
+              <a:spcBef>
+                <a:spcPct val="20000"/>
+              </a:spcBef>
+              <a:buFont typeface="Arial"/>
+              <a:buChar char="»"/>
+              <a:defRPr sz="2000" kern="1200">
+                <a:solidFill>
+                  <a:schemeClr val="tx1"/>
+                </a:solidFill>
+                <a:latin typeface="+mn-lt"/>
+                <a:ea typeface="+mn-ea"/>
+                <a:cs typeface="+mn-cs"/>
+              </a:defRPr>
+            </a:lvl5pPr>
+            <a:lvl6pPr marL="2514600" indent="-228600" algn="l" defTabSz="457200" rtl="0" eaLnBrk="1" latinLnBrk="0" hangingPunct="1">
+              <a:spcBef>
+                <a:spcPct val="20000"/>
+              </a:spcBef>
+              <a:buFont typeface="Arial"/>
+              <a:buChar char="•"/>
+              <a:defRPr sz="2000" kern="1200">
+                <a:solidFill>
+                  <a:schemeClr val="tx1"/>
+                </a:solidFill>
+                <a:latin typeface="+mn-lt"/>
+                <a:ea typeface="+mn-ea"/>
+                <a:cs typeface="+mn-cs"/>
+              </a:defRPr>
+            </a:lvl6pPr>
+            <a:lvl7pPr marL="2971800" indent="-228600" algn="l" defTabSz="457200" rtl="0" eaLnBrk="1" latinLnBrk="0" hangingPunct="1">
+              <a:spcBef>
+                <a:spcPct val="20000"/>
+              </a:spcBef>
+              <a:buFont typeface="Arial"/>
+              <a:buChar char="•"/>
+              <a:defRPr sz="2000" kern="1200">
+                <a:solidFill>
+                  <a:schemeClr val="tx1"/>
+                </a:solidFill>
+                <a:latin typeface="+mn-lt"/>
+                <a:ea typeface="+mn-ea"/>
+                <a:cs typeface="+mn-cs"/>
+              </a:defRPr>
+            </a:lvl7pPr>
+            <a:lvl8pPr marL="3429000" indent="-228600" algn="l" defTabSz="457200" rtl="0" eaLnBrk="1" latinLnBrk="0" hangingPunct="1">
+              <a:spcBef>
+                <a:spcPct val="20000"/>
+              </a:spcBef>
+              <a:buFont typeface="Arial"/>
+              <a:buChar char="•"/>
+              <a:defRPr sz="2000" kern="1200">
+                <a:solidFill>
+                  <a:schemeClr val="tx1"/>
+                </a:solidFill>
+                <a:latin typeface="+mn-lt"/>
+                <a:ea typeface="+mn-ea"/>
+                <a:cs typeface="+mn-cs"/>
+              </a:defRPr>
+            </a:lvl8pPr>
+            <a:lvl9pPr marL="3886200" indent="-228600" algn="l" defTabSz="457200" rtl="0" eaLnBrk="1" latinLnBrk="0" hangingPunct="1">
+              <a:spcBef>
+                <a:spcPct val="20000"/>
+              </a:spcBef>
+              <a:buFont typeface="Arial"/>
+              <a:buChar char="•"/>
+              <a:defRPr sz="2000" kern="1200">
+                <a:solidFill>
+                  <a:schemeClr val="tx1"/>
+                </a:solidFill>
+                <a:latin typeface="+mn-lt"/>
+                <a:ea typeface="+mn-ea"/>
+                <a:cs typeface="+mn-cs"/>
+              </a:defRPr>
+            </a:lvl9pPr>
+          </a:lstStyle>
+          <a:p>
+            <a:pPr marL="0" indent="0">
+              <a:buFont typeface="Arial"/>
+              <a:buNone/>
+            </a:pPr>
+            <a:r>
+              <a:rPr lang="en-US" dirty="0" err="1" smtClean="0"/>
+              <a:t>Vectorized</a:t>
+            </a:r>
+            <a:r>
+              <a:rPr lang="en-US" dirty="0" smtClean="0"/>
+              <a:t> MPC schedule:</a:t>
+            </a:r>
+          </a:p>
+          <a:p>
+            <a:pPr marL="0" indent="0">
+              <a:buNone/>
+            </a:pPr>
+            <a:r>
+              <a:rPr lang="en-US" dirty="0" smtClean="0"/>
+              <a:t>C = CMP_SIMD(B, 0, </a:t>
+            </a:r>
+            <a:r>
+              <a:rPr lang="en-US" dirty="0" err="1" smtClean="0"/>
+              <a:t>len</a:t>
+            </a:r>
+            <a:r>
+              <a:rPr lang="en-US" dirty="0" smtClean="0"/>
+              <a:t>)</a:t>
+            </a:r>
+            <a:endParaRPr lang="en-US" dirty="0"/>
+          </a:p>
+          <a:p>
+            <a:pPr marL="0" indent="0">
+              <a:buNone/>
+            </a:pPr>
+            <a:r>
+              <a:rPr lang="de-DE" dirty="0" smtClean="0"/>
+              <a:t>A1 </a:t>
+            </a:r>
+            <a:r>
+              <a:rPr lang="de-DE" dirty="0"/>
+              <a:t>= </a:t>
+            </a:r>
+            <a:r>
+              <a:rPr lang="de-DE" dirty="0" smtClean="0"/>
+              <a:t>SOME_MPC_SIMD(...)</a:t>
+            </a:r>
+            <a:endParaRPr lang="hu-HU" dirty="0" smtClean="0"/>
+          </a:p>
+          <a:p>
+            <a:pPr marL="0" indent="0">
+              <a:buNone/>
+            </a:pPr>
+            <a:r>
+              <a:rPr lang="ro-RO" dirty="0" smtClean="0"/>
+              <a:t>A2 </a:t>
+            </a:r>
+            <a:r>
+              <a:rPr lang="ro-RO" dirty="0"/>
+              <a:t>= </a:t>
+            </a:r>
+            <a:r>
+              <a:rPr lang="de-DE" dirty="0"/>
+              <a:t>SOME_MPC_SIMD(...)</a:t>
+            </a:r>
+            <a:endParaRPr lang="ro-RO" dirty="0"/>
+          </a:p>
+          <a:p>
+            <a:pPr marL="0" indent="0">
+              <a:buNone/>
+            </a:pPr>
+            <a:r>
+              <a:rPr lang="en-US" dirty="0" smtClean="0"/>
+              <a:t>X = MUX_SIMD(C,A1,A2</a:t>
+            </a:r>
+            <a:r>
+              <a:rPr lang="en-US" dirty="0"/>
+              <a:t>,</a:t>
+            </a:r>
+            <a:r>
+              <a:rPr lang="en-US" dirty="0" smtClean="0"/>
+              <a:t>len)</a:t>
+            </a:r>
+            <a:endParaRPr lang="en-US" dirty="0"/>
+          </a:p>
+        </p:txBody>
+      </p:sp>
+    </p:spTree>
+    <p:extLst>
+      <p:ext uri="{BB962C8B-B14F-4D97-AF65-F5344CB8AC3E}">
+        <p14:creationId xmlns:p14="http://schemas.microsoft.com/office/powerpoint/2010/main" val="2037413973"/>
+      </p:ext>
+    </p:extLst>
+  </p:cSld>
+  <p:clrMapOvr>
+    <a:masterClrMapping/>
+  </p:clrMapOvr>
+</p:sld>
+</file>
+
+<file path=ppt/slides/slide22.xml><?xml version="1.0" encoding="utf-8"?>
+<p:sld xmlns:a="http://schemas.openxmlformats.org/drawingml/2006/main" xmlns:r="http://schemas.openxmlformats.org/officeDocument/2006/relationships" xmlns:p="http://schemas.openxmlformats.org/presentationml/2006/main">
+  <p:cSld>
+    <p:spTree>
+      <p:nvGrpSpPr>
+        <p:cNvPr id="1" name=""/>
+        <p:cNvGrpSpPr/>
+        <p:nvPr/>
+      </p:nvGrpSpPr>
+      <p:grpSpPr>
+        <a:xfrm>
+          <a:off x="0" y="0"/>
+          <a:ext cx="0" cy="0"/>
+          <a:chOff x="0" y="0"/>
+          <a:chExt cx="0" cy="0"/>
+        </a:xfrm>
+      </p:grpSpPr>
+      <p:sp>
+        <p:nvSpPr>
+          <p:cNvPr id="2" name="Title 1"/>
+          <p:cNvSpPr>
+            <a:spLocks noGrp="1"/>
+          </p:cNvSpPr>
+          <p:nvPr>
+            <p:ph type="title"/>
+          </p:nvPr>
+        </p:nvSpPr>
+        <p:spPr/>
+        <p:txBody>
+          <a:bodyPr/>
+          <a:lstStyle/>
+          <a:p>
+            <a:endParaRPr lang="en-US" dirty="0"/>
+          </a:p>
+        </p:txBody>
+      </p:sp>
+      <p:sp>
+        <p:nvSpPr>
+          <p:cNvPr id="3" name="Content Placeholder 2"/>
+          <p:cNvSpPr>
+            <a:spLocks noGrp="1"/>
+          </p:cNvSpPr>
+          <p:nvPr>
+            <p:ph idx="1"/>
+          </p:nvPr>
+        </p:nvSpPr>
+        <p:spPr/>
+        <p:txBody>
+          <a:bodyPr/>
+          <a:lstStyle/>
+          <a:p>
+            <a:r>
+              <a:rPr lang="en-US" dirty="0" smtClean="0"/>
+              <a:t>Open: Extend for nested loops</a:t>
+            </a:r>
+            <a:endParaRPr lang="en-US" dirty="0"/>
+          </a:p>
+        </p:txBody>
+      </p:sp>
+    </p:spTree>
+    <p:extLst>
+      <p:ext uri="{BB962C8B-B14F-4D97-AF65-F5344CB8AC3E}">
+        <p14:creationId xmlns:p14="http://schemas.microsoft.com/office/powerpoint/2010/main" val="644623724"/>
       </p:ext>
     </p:extLst>
   </p:cSld>
@@ -5321,7 +11327,15 @@
             </a:pPr>
             <a:r>
               <a:rPr lang="en-US" dirty="0" smtClean="0"/>
-              <a:t>Collect a large set of single-loop benchmarks</a:t>
+              <a:t>Collect a </a:t>
+            </a:r>
+            <a:r>
+              <a:rPr lang="en-US" dirty="0" smtClean="0"/>
+              <a:t>larger </a:t>
+            </a:r>
+            <a:r>
+              <a:rPr lang="en-US" dirty="0" smtClean="0"/>
+              <a:t>set of single-loop benchmarks</a:t>
             </a:r>
           </a:p>
           <a:p>
@@ -5374,8 +11388,13 @@
             </a:pPr>
             <a:r>
               <a:rPr lang="en-US" dirty="0" smtClean="0"/>
-              <a:t>SSA Translation (depends on 4)</a:t>
-            </a:r>
+              <a:t>SSA Translation (depends on </a:t>
+            </a:r>
+            <a:r>
+              <a:rPr lang="en-US" dirty="0" smtClean="0"/>
+              <a:t>step 5)</a:t>
+            </a:r>
+            <a:endParaRPr lang="en-US" dirty="0" smtClean="0"/>
           </a:p>
           <a:p>
             <a:pPr marL="914400" lvl="1" indent="-514350">
@@ -5414,7 +11433,23 @@
             </a:pPr>
             <a:r>
               <a:rPr lang="en-US" dirty="0" smtClean="0"/>
-              <a:t>This gives us “a schedule”, we can now translate our program into a straight-line sequence of MPC instructions (MUX, CMP, ADD, MUL, etc.) by unrolling each iteration of the loop</a:t>
+              <a:t>This gives us “a schedule</a:t>
+            </a:r>
+            <a:r>
+              <a:rPr lang="en-US" dirty="0" smtClean="0"/>
+              <a:t>”. </a:t>
+            </a:r>
+            <a:r>
+              <a:rPr lang="en-US" dirty="0"/>
+              <a:t>W</a:t>
+            </a:r>
+            <a:r>
+              <a:rPr lang="en-US" dirty="0" smtClean="0"/>
+              <a:t>e </a:t>
+            </a:r>
+            <a:r>
+              <a:rPr lang="en-US" dirty="0" smtClean="0"/>
+              <a:t>can now translate our program into a straight-line sequence of MPC instructions (MUX, CMP, ADD, MUL, etc.) by unrolling each iteration of the loop</a:t>
             </a:r>
           </a:p>
         </p:txBody>
@@ -5613,7 +11648,15 @@
           <a:p>
             <a:r>
               <a:rPr lang="en-US" dirty="0" smtClean="0"/>
-              <a:t>Python Syntax Checker</a:t>
+              <a:t>Phase</a:t>
+            </a:r>
+            <a:r>
+              <a:rPr lang="en-US" dirty="0" smtClean="0"/>
+              <a:t> 1: Syntax </a:t>
+            </a:r>
+            <a:r>
+              <a:rPr lang="en-US" dirty="0" smtClean="0"/>
+              <a:t>Checker</a:t>
             </a:r>
             <a:endParaRPr lang="en-US" dirty="0"/>
           </a:p>
@@ -5642,9 +11685,36 @@
           <a:lstStyle/>
           <a:p>
             <a:r>
-              <a:rPr lang="en-US" dirty="0" smtClean="0"/>
-              <a:t>Done in Python AST</a:t>
-            </a:r>
+              <a:rPr lang="en-US" b="1" dirty="0"/>
+              <a:t>M</a:t>
+            </a:r>
+            <a:r>
+              <a:rPr lang="en-US" b="1" dirty="0" smtClean="0"/>
+              <a:t>ain purpose</a:t>
+            </a:r>
+            <a:r>
+              <a:rPr lang="en-US" dirty="0" smtClean="0"/>
+              <a:t> of checker is to ensure that input program complies to a version of IMP syntax (and can safely translate into three-address CFG IR) </a:t>
+            </a:r>
+          </a:p>
+          <a:p>
+            <a:r>
+              <a:rPr lang="en-US" dirty="0" smtClean="0"/>
+              <a:t>Done </a:t>
+            </a:r>
+            <a:r>
+              <a:rPr lang="en-US" dirty="0" smtClean="0"/>
+              <a:t>in Python </a:t>
+            </a:r>
+            <a:r>
+              <a:rPr lang="en-US" dirty="0" smtClean="0"/>
+              <a:t>AST. For now, input is an </a:t>
+            </a:r>
+            <a:r>
+              <a:rPr lang="en-US" dirty="0" err="1" smtClean="0"/>
+              <a:t>ast.FunctionDef</a:t>
+            </a:r>
+            <a:endParaRPr lang="en-US" dirty="0" smtClean="0"/>
           </a:p>
           <a:p>
             <a:pPr lvl="1"/>
@@ -5662,7 +11732,15 @@
             </a:r>
             <a:r>
               <a:rPr lang="en-US" dirty="0" smtClean="0"/>
-              <a:t>, plan ones are </a:t>
+              <a:t>, </a:t>
+            </a:r>
+            <a:r>
+              <a:rPr lang="en-US" dirty="0" smtClean="0"/>
+              <a:t>plain </a:t>
+            </a:r>
+            <a:r>
+              <a:rPr lang="en-US" dirty="0" smtClean="0"/>
+              <a:t>ones are </a:t>
             </a:r>
             <a:r>
               <a:rPr lang="en-US" dirty="0" smtClean="0">
@@ -5803,33 +11881,19 @@
             </a:r>
             <a:r>
               <a:rPr lang="is-IS" dirty="0" smtClean="0"/>
-              <a:t>…</a:t>
+              <a:t>…: restrict comparison to a logical operation </a:t>
+            </a:r>
+          </a:p>
+          <a:p>
+            <a:pPr lvl="1"/>
+            <a:r>
+              <a:rPr lang="en-US" dirty="0" smtClean="0"/>
+              <a:t>F</a:t>
             </a:r>
             <a:r>
               <a:rPr lang="is-IS" dirty="0" smtClean="0"/>
-              <a:t>: restrict comparison to </a:t>
-            </a:r>
-            <a:r>
-              <a:rPr lang="is-IS" smtClean="0"/>
-              <a:t>a logical operation </a:t>
-            </a:r>
-            <a:endParaRPr lang="is-IS" dirty="0" smtClean="0"/>
-          </a:p>
-          <a:p>
-            <a:pPr lvl="1"/>
-            <a:r>
-              <a:rPr lang="en-US" dirty="0" smtClean="0"/>
-              <a:t>F</a:t>
-            </a:r>
-            <a:r>
-              <a:rPr lang="is-IS" dirty="0" smtClean="0"/>
-              <a:t>or i in range(N): this is acceptable input, no other </a:t>
-            </a:r>
-            <a:r>
-              <a:rPr lang="is-IS" dirty="0" smtClean="0"/>
-              <a:t>loops are allowed</a:t>
-            </a:r>
-            <a:endParaRPr lang="is-IS" dirty="0" smtClean="0"/>
+              <a:t>or i in range(N): this is acceptable input, no other loops are allowed</a:t>
+            </a:r>
           </a:p>
           <a:p>
             <a:pPr lvl="1"/>
@@ -5846,7 +11910,27 @@
             <a:pPr lvl="1"/>
             <a:r>
               <a:rPr lang="is-IS" dirty="0" smtClean="0"/>
-              <a:t>No other ast.Nodes are allowed for now. Will extend with Calls eventually</a:t>
+              <a:t>No other </a:t>
+            </a:r>
+            <a:r>
+              <a:rPr lang="is-IS" dirty="0" smtClean="0"/>
+              <a:t>ast.Node </a:t>
+            </a:r>
+            <a:r>
+              <a:rPr lang="is-IS" dirty="0" smtClean="0"/>
+              <a:t>is</a:t>
+            </a:r>
+            <a:r>
+              <a:rPr lang="is-IS" dirty="0" smtClean="0"/>
+              <a:t> </a:t>
+            </a:r>
+            <a:r>
+              <a:rPr lang="is-IS" dirty="0" smtClean="0"/>
+              <a:t>allowed for now. Will extend with </a:t>
+            </a:r>
+            <a:r>
+              <a:rPr lang="is-IS" dirty="0" smtClean="0"/>
+              <a:t>ast.Call eventually.</a:t>
             </a:r>
             <a:endParaRPr lang="en-US" dirty="0" smtClean="0"/>
           </a:p>

--- a/MPC_Compiler_Misc_Notes.pptx
+++ b/MPC_Compiler_Misc_Notes.pptx
@@ -3389,6 +3389,13 @@
   <p:clrMapOvr>
     <a:masterClrMapping/>
   </p:clrMapOvr>
+  <p:timing>
+    <p:tnLst>
+      <p:par>
+        <p:cTn xmlns:p14="http://schemas.microsoft.com/office/powerpoint/2010/main" id="1" dur="indefinite" restart="never" nodeType="tmRoot"/>
+      </p:par>
+    </p:tnLst>
+  </p:timing>
 </p:sld>
 </file>
 
@@ -3525,11 +3532,7 @@
             </a:r>
             <a:r>
               <a:rPr lang="de-DE" dirty="0"/>
-              <a:t>A[i] = </a:t>
-            </a:r>
-            <a:r>
-              <a:rPr lang="de-DE" dirty="0"/>
-              <a:t>B</a:t>
+              <a:t>A[i] = B</a:t>
             </a:r>
             <a:r>
               <a:rPr lang="de-DE" dirty="0" smtClean="0"/>
@@ -3789,6 +3792,13 @@
   <p:clrMapOvr>
     <a:masterClrMapping/>
   </p:clrMapOvr>
+  <p:timing>
+    <p:tnLst>
+      <p:par>
+        <p:cTn xmlns:p14="http://schemas.microsoft.com/office/powerpoint/2010/main" id="1" dur="indefinite" restart="never" nodeType="tmRoot"/>
+      </p:par>
+    </p:tnLst>
+  </p:timing>
 </p:sld>
 </file>
 
@@ -3925,11 +3935,7 @@
             </a:r>
             <a:r>
               <a:rPr lang="de-DE" dirty="0"/>
-              <a:t> = </a:t>
-            </a:r>
-            <a:r>
-              <a:rPr lang="de-DE" dirty="0"/>
-              <a:t>B</a:t>
+              <a:t> = B</a:t>
             </a:r>
             <a:r>
               <a:rPr lang="de-DE" dirty="0" smtClean="0"/>
@@ -4157,6 +4163,13 @@
   <p:clrMapOvr>
     <a:masterClrMapping/>
   </p:clrMapOvr>
+  <p:timing>
+    <p:tnLst>
+      <p:par>
+        <p:cTn xmlns:p14="http://schemas.microsoft.com/office/powerpoint/2010/main" id="1" dur="indefinite" restart="never" nodeType="tmRoot"/>
+      </p:par>
+    </p:tnLst>
+  </p:timing>
 </p:sld>
 </file>
 
@@ -4221,7 +4234,7 @@
         <p:spPr/>
         <p:txBody>
           <a:bodyPr>
-            <a:normAutofit fontScale="92500" lnSpcReduction="20000"/>
+            <a:normAutofit fontScale="85000" lnSpcReduction="20000"/>
           </a:bodyPr>
           <a:lstStyle/>
           <a:p>
@@ -4249,8 +4262,21 @@
             </a:r>
             <a:r>
               <a:rPr lang="de-DE" dirty="0" smtClean="0"/>
-              <a:t>: ... = f(A[f‘(i)])</a:t>
-            </a:r>
+              <a:t>: ... = </a:t>
+            </a:r>
+            <a:r>
+              <a:rPr lang="de-DE" dirty="0" smtClean="0"/>
+              <a:t>... A</a:t>
+            </a:r>
+            <a:r>
+              <a:rPr lang="de-DE" dirty="0" smtClean="0"/>
+              <a:t>[f‘(i)</a:t>
+            </a:r>
+            <a:r>
+              <a:rPr lang="de-DE" dirty="0" smtClean="0"/>
+              <a:t>] ...</a:t>
+            </a:r>
+            <a:endParaRPr lang="de-DE" dirty="0" smtClean="0"/>
           </a:p>
           <a:p>
             <a:r>
@@ -4604,18 +4630,100 @@
                   <a:srgbClr val="000000"/>
                 </a:solidFill>
               </a:rPr>
-              <a:t>)]</a:t>
-            </a:r>
-          </a:p>
-          <a:p>
+              <a:t>)</a:t>
+            </a:r>
             <a:r>
               <a:rPr lang="en-US" dirty="0" smtClean="0">
                 <a:solidFill>
                   <a:srgbClr val="000000"/>
                 </a:solidFill>
               </a:rPr>
-              <a:t>Some other restrictions (don’t remember know)</a:t>
-            </a:r>
+              <a:t>], f(</a:t>
+            </a:r>
+            <a:r>
+              <a:rPr lang="en-US" dirty="0" err="1" smtClean="0">
+                <a:solidFill>
+                  <a:srgbClr val="000000"/>
+                </a:solidFill>
+              </a:rPr>
+              <a:t>i</a:t>
+            </a:r>
+            <a:r>
+              <a:rPr lang="en-US" dirty="0" smtClean="0">
+                <a:solidFill>
+                  <a:srgbClr val="000000"/>
+                </a:solidFill>
+              </a:rPr>
+              <a:t>) and f’(</a:t>
+            </a:r>
+            <a:r>
+              <a:rPr lang="en-US" dirty="0" err="1" smtClean="0">
+                <a:solidFill>
+                  <a:srgbClr val="000000"/>
+                </a:solidFill>
+              </a:rPr>
+              <a:t>i</a:t>
+            </a:r>
+            <a:r>
+              <a:rPr lang="en-US" dirty="0" smtClean="0">
+                <a:solidFill>
+                  <a:srgbClr val="000000"/>
+                </a:solidFill>
+              </a:rPr>
+              <a:t>) are either equivalent or nonequivalent </a:t>
+            </a:r>
+            <a:endParaRPr lang="en-US" dirty="0" smtClean="0">
+              <a:solidFill>
+                <a:srgbClr val="000000"/>
+              </a:solidFill>
+            </a:endParaRPr>
+          </a:p>
+          <a:p>
+            <a:r>
+              <a:rPr lang="en-US" dirty="0" smtClean="0">
+                <a:solidFill>
+                  <a:srgbClr val="000000"/>
+                </a:solidFill>
+              </a:rPr>
+              <a:t>Some other restrictions (don’t remember </a:t>
+            </a:r>
+            <a:r>
+              <a:rPr lang="en-US" dirty="0" smtClean="0">
+                <a:solidFill>
+                  <a:srgbClr val="000000"/>
+                </a:solidFill>
+              </a:rPr>
+              <a:t>exactly </a:t>
+            </a:r>
+            <a:r>
+              <a:rPr lang="en-US" dirty="0" smtClean="0">
+                <a:solidFill>
+                  <a:srgbClr val="000000"/>
+                </a:solidFill>
+              </a:rPr>
+              <a:t>now</a:t>
+            </a:r>
+            <a:r>
+              <a:rPr lang="is-IS" dirty="0" smtClean="0">
+                <a:solidFill>
+                  <a:srgbClr val="000000"/>
+                </a:solidFill>
+              </a:rPr>
+              <a:t>…</a:t>
+            </a:r>
+            <a:r>
+              <a:rPr lang="en-US" dirty="0" smtClean="0">
+                <a:solidFill>
+                  <a:srgbClr val="000000"/>
+                </a:solidFill>
+              </a:rPr>
+              <a:t>)</a:t>
+            </a:r>
+            <a:endParaRPr lang="en-US" dirty="0" smtClean="0">
+              <a:solidFill>
+                <a:srgbClr val="000000"/>
+              </a:solidFill>
+            </a:endParaRPr>
           </a:p>
           <a:p>
             <a:endParaRPr lang="en-US" dirty="0" smtClean="0">
@@ -4707,7 +4815,7 @@
         <p:spPr/>
         <p:txBody>
           <a:bodyPr>
-            <a:normAutofit/>
+            <a:normAutofit fontScale="92500" lnSpcReduction="10000"/>
           </a:bodyPr>
           <a:lstStyle/>
           <a:p>
@@ -4717,7 +4825,23 @@
                   <a:srgbClr val="000000"/>
                 </a:solidFill>
               </a:rPr>
-              <a:t>If we are able to prove the restrictions hold (we used Z3), then “</a:t>
+              <a:t>If we are able to prove the restrictions hold </a:t>
+            </a:r>
+            <a:r>
+              <a:rPr lang="en-US" dirty="0" smtClean="0">
+                <a:solidFill>
+                  <a:srgbClr val="000000"/>
+                </a:solidFill>
+              </a:rPr>
+              <a:t>for some array A (</a:t>
+            </a:r>
+            <a:r>
+              <a:rPr lang="en-US" dirty="0" smtClean="0">
+                <a:solidFill>
+                  <a:srgbClr val="000000"/>
+                </a:solidFill>
+              </a:rPr>
+              <a:t>we used Z3), then “</a:t>
             </a:r>
             <a:r>
               <a:rPr lang="en-US" dirty="0" err="1" smtClean="0">
@@ -4733,8 +4857,29 @@
                   <a:srgbClr val="000000"/>
                 </a:solidFill>
               </a:rPr>
-              <a:t>”, otherwise default to “aggregate” arrays</a:t>
-            </a:r>
+              <a:t>” accesses to A, </a:t>
+            </a:r>
+            <a:r>
+              <a:rPr lang="en-US" dirty="0" smtClean="0">
+                <a:solidFill>
+                  <a:srgbClr val="000000"/>
+                </a:solidFill>
+              </a:rPr>
+              <a:t>otherwise default to “aggregate” </a:t>
+            </a:r>
+            <a:r>
+              <a:rPr lang="en-US" dirty="0" smtClean="0">
+                <a:solidFill>
+                  <a:srgbClr val="000000"/>
+                </a:solidFill>
+              </a:rPr>
+              <a:t>array A</a:t>
+            </a:r>
+            <a:endParaRPr lang="en-US" dirty="0" smtClean="0">
+              <a:solidFill>
+                <a:srgbClr val="000000"/>
+              </a:solidFill>
+            </a:endParaRPr>
           </a:p>
           <a:p>
             <a:r>
@@ -4842,6 +4987,19 @@
               </a:rPr>
               <a:t>during </a:t>
             </a:r>
+            <a:r>
+              <a:rPr lang="en-US" dirty="0" smtClean="0">
+                <a:solidFill>
+                  <a:srgbClr val="000000"/>
+                </a:solidFill>
+              </a:rPr>
+              <a:t>SSA construction</a:t>
+            </a:r>
+            <a:endParaRPr lang="en-US" dirty="0" smtClean="0">
+              <a:solidFill>
+                <a:srgbClr val="000000"/>
+              </a:solidFill>
+            </a:endParaRPr>
           </a:p>
           <a:p>
             <a:endParaRPr lang="de-DE" dirty="0" smtClean="0">
@@ -5517,8 +5675,13 @@
             </a:r>
             <a:r>
               <a:rPr lang="en-US" dirty="0" smtClean="0"/>
-              <a:t> et al. algorithm from ‘91 paper (or something simpler)</a:t>
-            </a:r>
+              <a:t> et al. algorithm from ‘91 </a:t>
+            </a:r>
+            <a:r>
+              <a:rPr lang="en-US" dirty="0" smtClean="0"/>
+              <a:t>paper</a:t>
+            </a:r>
+            <a:endParaRPr lang="en-US" dirty="0" smtClean="0"/>
           </a:p>
           <a:p>
             <a:pPr lvl="1"/>
@@ -5547,20 +5710,17 @@
             </a:r>
             <a:r>
               <a:rPr lang="en-US" dirty="0" smtClean="0"/>
-              <a:t> at iteration i-1</a:t>
-            </a:r>
-          </a:p>
-          <a:p>
-            <a:pPr lvl="1"/>
-            <a:r>
-              <a:rPr lang="en-US" dirty="0" smtClean="0"/>
-              <a:t>Note: these examples are not that interesting</a:t>
-            </a:r>
-            <a:r>
-              <a:rPr lang="is-IS" dirty="0" smtClean="0"/>
-              <a:t>…</a:t>
-            </a:r>
-            <a:endParaRPr lang="en-US" dirty="0"/>
+              <a:t> at iteration i</a:t>
+            </a:r>
+            <a:r>
+              <a:rPr lang="en-US" dirty="0" smtClean="0"/>
+              <a:t>-</a:t>
+            </a:r>
+            <a:r>
+              <a:rPr lang="en-US" dirty="0"/>
+              <a:t>1</a:t>
+            </a:r>
+            <a:endParaRPr lang="en-US" dirty="0" smtClean="0"/>
           </a:p>
         </p:txBody>
       </p:sp>
@@ -6579,7 +6739,6 @@
               <a:rPr lang="en-US" dirty="0"/>
               <a:t>];</a:t>
             </a:r>
-            <a:endParaRPr lang="en-US" dirty="0"/>
           </a:p>
         </p:txBody>
       </p:sp>
@@ -8058,7 +8217,11 @@
           <a:p>
             <a:r>
               <a:rPr lang="en-US" dirty="0" smtClean="0"/>
-              <a:t>Phase 4: Dependence DAG</a:t>
+              <a:t>Phase 4: Dependence </a:t>
+            </a:r>
+            <a:r>
+              <a:rPr lang="en-US" dirty="0" smtClean="0"/>
+              <a:t>Graph (DG)</a:t>
             </a:r>
             <a:endParaRPr lang="en-US" dirty="0"/>
           </a:p>
@@ -8100,14 +8263,31 @@
           <a:p>
             <a:r>
               <a:rPr lang="en-US" dirty="0" smtClean="0"/>
-              <a:t>Intra-loop dependences</a:t>
-            </a:r>
+              <a:t>Intra-loop </a:t>
+            </a:r>
+            <a:r>
+              <a:rPr lang="en-US" dirty="0" smtClean="0"/>
+              <a:t>dependences (impose ordering restrictions)</a:t>
+            </a:r>
+            <a:endParaRPr lang="en-US" dirty="0" smtClean="0"/>
           </a:p>
           <a:p>
             <a:pPr lvl="1"/>
             <a:r>
               <a:rPr lang="en-US" dirty="0" smtClean="0"/>
-              <a:t>E.g., c </a:t>
+              <a:t>E.g., </a:t>
+            </a:r>
+            <a:r>
+              <a:rPr lang="en-US" b="1" dirty="0" smtClean="0">
+                <a:solidFill>
+                  <a:srgbClr val="FF0000"/>
+                </a:solidFill>
+              </a:rPr>
+              <a:t>c</a:t>
+            </a:r>
+            <a:r>
+              <a:rPr lang="en-US" dirty="0" smtClean="0"/>
+              <a:t> </a:t>
             </a:r>
             <a:r>
               <a:rPr lang="en-US" dirty="0"/>
@@ -8123,11 +8303,35 @@
             </a:r>
             <a:r>
               <a:rPr lang="en-US" dirty="0" smtClean="0"/>
-              <a:t>) to x = MUX</a:t>
+              <a:t>) </a:t>
             </a:r>
             <a:r>
               <a:rPr lang="en-US" dirty="0"/>
-              <a:t>(c</a:t>
+              <a:t> </a:t>
+            </a:r>
+            <a:r>
+              <a:rPr lang="en-US" dirty="0" smtClean="0"/>
+              <a:t>      </a:t>
+            </a:r>
+            <a:r>
+              <a:rPr lang="en-US" dirty="0" smtClean="0"/>
+              <a:t> </a:t>
+            </a:r>
+            <a:r>
+              <a:rPr lang="en-US" dirty="0" smtClean="0"/>
+              <a:t>x = MUX</a:t>
+            </a:r>
+            <a:r>
+              <a:rPr lang="en-US" dirty="0"/>
+              <a:t>(</a:t>
+            </a:r>
+            <a:r>
+              <a:rPr lang="en-US" dirty="0">
+                <a:solidFill>
+                  <a:srgbClr val="FF0000"/>
+                </a:solidFill>
+              </a:rPr>
+              <a:t>c</a:t>
             </a:r>
             <a:r>
               <a:rPr lang="en-US" dirty="0" smtClean="0"/>
@@ -8177,8 +8381,12 @@
               <a:t> </a:t>
             </a:r>
             <a:r>
-              <a:rPr lang="de-DE" dirty="0" err="1" smtClean="0"/>
-              <a:t>to</a:t>
+              <a:rPr lang="de-DE" dirty="0"/>
+              <a:t> </a:t>
+            </a:r>
+            <a:r>
+              <a:rPr lang="de-DE" dirty="0" smtClean="0"/>
+              <a:t>     </a:t>
             </a:r>
             <a:r>
               <a:rPr lang="de-DE" dirty="0" smtClean="0"/>
@@ -8214,36 +8422,77 @@
             </a:r>
             <a:r>
               <a:rPr lang="en-US" dirty="0"/>
-              <a:t>*</a:t>
-            </a:r>
-            <a:r>
-              <a:rPr lang="en-US" dirty="0">
-                <a:solidFill>
-                  <a:srgbClr val="008000"/>
-                </a:solidFill>
-              </a:rPr>
-              <a:t>D_(i-1)</a:t>
+              <a:t>*D_(i-1)</a:t>
+            </a:r>
+            <a:r>
+              <a:rPr lang="en-US" b="1" dirty="0" smtClean="0"/>
+              <a:t>_0</a:t>
+            </a:r>
+          </a:p>
+          <a:p>
+            <a:r>
+              <a:rPr lang="en-US" dirty="0" smtClean="0"/>
+              <a:t>Loop-carried </a:t>
+            </a:r>
+            <a:r>
+              <a:rPr lang="en-US" dirty="0" smtClean="0"/>
+              <a:t>dependences </a:t>
+            </a:r>
+            <a:endParaRPr lang="en-US" dirty="0" smtClean="0"/>
+          </a:p>
+          <a:p>
+            <a:pPr lvl="1"/>
+            <a:r>
+              <a:rPr lang="en-US" dirty="0" smtClean="0"/>
+              <a:t>E.g., </a:t>
             </a:r>
             <a:r>
               <a:rPr lang="en-US" b="1" dirty="0" smtClean="0">
                 <a:solidFill>
-                  <a:srgbClr val="008000"/>
-                </a:solidFill>
-              </a:rPr>
-              <a:t>_0</a:t>
-            </a:r>
-          </a:p>
-          <a:p>
-            <a:r>
-              <a:rPr lang="en-US" dirty="0" smtClean="0"/>
-              <a:t>Loop-carried dependences</a:t>
-            </a:r>
-          </a:p>
-          <a:p>
-            <a:pPr lvl="1"/>
-            <a:r>
-              <a:rPr lang="en-US" dirty="0" smtClean="0"/>
-              <a:t>E.g., sum_1 = sum_0 + t in iteration </a:t>
+                  <a:srgbClr val="FF0000"/>
+                </a:solidFill>
+              </a:rPr>
+              <a:t>sum_1</a:t>
+            </a:r>
+            <a:r>
+              <a:rPr lang="en-US" dirty="0" smtClean="0"/>
+              <a:t> = sum_0 + t in iteration </a:t>
+            </a:r>
+            <a:r>
+              <a:rPr lang="en-US" dirty="0" err="1"/>
+              <a:t>i</a:t>
+            </a:r>
+            <a:r>
+              <a:rPr lang="en-US" dirty="0" smtClean="0"/>
+              <a:t> </a:t>
+            </a:r>
+            <a:r>
+              <a:rPr lang="en-US" dirty="0" smtClean="0"/>
+              <a:t>       </a:t>
+            </a:r>
+            <a:r>
+              <a:rPr lang="en-US" dirty="0" smtClean="0"/>
+              <a:t> </a:t>
+            </a:r>
+            <a:r>
+              <a:rPr lang="en-US" dirty="0"/>
+              <a:t>sum_1 = </a:t>
+            </a:r>
+            <a:r>
+              <a:rPr lang="en-US" b="1" dirty="0">
+                <a:solidFill>
+                  <a:srgbClr val="FF0000"/>
+                </a:solidFill>
+              </a:rPr>
+              <a:t>sum_0</a:t>
+            </a:r>
+            <a:r>
+              <a:rPr lang="en-US" dirty="0"/>
+              <a:t> + </a:t>
+            </a:r>
+            <a:r>
+              <a:rPr lang="en-US" dirty="0" smtClean="0"/>
+              <a:t>t in iteration i+1 (since sum_1 in </a:t>
             </a:r>
             <a:r>
               <a:rPr lang="en-US" dirty="0" err="1" smtClean="0"/>
@@ -8251,22 +8500,6 @@
             </a:r>
             <a:r>
               <a:rPr lang="en-US" dirty="0" smtClean="0"/>
-              <a:t> to </a:t>
-            </a:r>
-            <a:r>
-              <a:rPr lang="en-US" dirty="0"/>
-              <a:t>sum_1 = sum_0 + </a:t>
-            </a:r>
-            <a:r>
-              <a:rPr lang="en-US" dirty="0" smtClean="0"/>
-              <a:t>t in iteration i+1 (since sum_1 in </a:t>
-            </a:r>
-            <a:r>
-              <a:rPr lang="en-US" dirty="0" err="1" smtClean="0"/>
-              <a:t>i</a:t>
-            </a:r>
-            <a:r>
-              <a:rPr lang="en-US" dirty="0" smtClean="0"/>
               <a:t> is sum_0 in i+1)</a:t>
             </a:r>
           </a:p>
@@ -8275,7 +8508,7 @@
             <a:r>
               <a:rPr lang="de-DE" dirty="0">
                 <a:solidFill>
-                  <a:srgbClr val="800000"/>
+                  <a:srgbClr val="FF0000"/>
                 </a:solidFill>
               </a:rPr>
               <a:t>D_i</a:t>
@@ -8283,7 +8516,7 @@
             <a:r>
               <a:rPr lang="de-DE" b="1" dirty="0">
                 <a:solidFill>
-                  <a:srgbClr val="800000"/>
+                  <a:srgbClr val="FF0000"/>
                 </a:solidFill>
               </a:rPr>
               <a:t>_1</a:t>
@@ -8301,85 +8534,93 @@
               <a:t>+</a:t>
             </a:r>
             <a:r>
+              <a:rPr lang="de-DE" dirty="0" smtClean="0"/>
+              <a:t>C_i</a:t>
+            </a:r>
+            <a:r>
+              <a:rPr lang="de-DE" b="1" dirty="0" smtClean="0"/>
+              <a:t>_1</a:t>
+            </a:r>
+            <a:r>
+              <a:rPr lang="de-DE" b="1" dirty="0" smtClean="0">
+                <a:solidFill>
+                  <a:srgbClr val="0000FF"/>
+                </a:solidFill>
+              </a:rPr>
+              <a:t> </a:t>
+            </a:r>
+            <a:r>
               <a:rPr lang="de-DE" dirty="0" smtClean="0">
                 <a:solidFill>
+                  <a:srgbClr val="000000"/>
+                </a:solidFill>
+              </a:rPr>
+              <a:t>in </a:t>
+            </a:r>
+            <a:r>
+              <a:rPr lang="de-DE" dirty="0" err="1" smtClean="0">
+                <a:solidFill>
+                  <a:srgbClr val="000000"/>
+                </a:solidFill>
+              </a:rPr>
+              <a:t>iteration</a:t>
+            </a:r>
+            <a:r>
+              <a:rPr lang="de-DE" dirty="0" smtClean="0">
+                <a:solidFill>
+                  <a:srgbClr val="000000"/>
+                </a:solidFill>
+              </a:rPr>
+              <a:t> i </a:t>
+            </a:r>
+            <a:r>
+              <a:rPr lang="de-DE" dirty="0">
+                <a:solidFill>
+                  <a:srgbClr val="000000"/>
+                </a:solidFill>
+              </a:rPr>
+              <a:t> </a:t>
+            </a:r>
+            <a:r>
+              <a:rPr lang="de-DE" dirty="0" smtClean="0">
+                <a:solidFill>
+                  <a:srgbClr val="000000"/>
+                </a:solidFill>
+              </a:rPr>
+              <a:t>     </a:t>
+            </a:r>
+            <a:r>
+              <a:rPr lang="de-DE" b="1" dirty="0" smtClean="0">
+                <a:solidFill>
                   <a:srgbClr val="0000FF"/>
                 </a:solidFill>
               </a:rPr>
-              <a:t>C_i</a:t>
-            </a:r>
-            <a:r>
-              <a:rPr lang="de-DE" b="1" dirty="0" smtClean="0">
-                <a:solidFill>
-                  <a:srgbClr val="0000FF"/>
-                </a:solidFill>
-              </a:rPr>
-              <a:t>_1 </a:t>
-            </a:r>
-            <a:r>
-              <a:rPr lang="de-DE" dirty="0" smtClean="0">
+              <a:t>  </a:t>
+            </a:r>
+            <a:r>
+              <a:rPr lang="en-US" dirty="0" smtClean="0"/>
+              <a:t>B_i</a:t>
+            </a:r>
+            <a:r>
+              <a:rPr lang="en-US" b="1" dirty="0" smtClean="0"/>
+              <a:t>_1</a:t>
+            </a:r>
+            <a:r>
+              <a:rPr lang="en-US" dirty="0" smtClean="0"/>
+              <a:t> </a:t>
+            </a:r>
+            <a:r>
+              <a:rPr lang="en-US" dirty="0">
                 <a:solidFill>
                   <a:srgbClr val="000000"/>
                 </a:solidFill>
               </a:rPr>
-              <a:t>in </a:t>
-            </a:r>
-            <a:r>
-              <a:rPr lang="de-DE" dirty="0" err="1" smtClean="0">
+              <a:t>= A_i</a:t>
+            </a:r>
+            <a:r>
+              <a:rPr lang="en-US" b="1" dirty="0">
                 <a:solidFill>
                   <a:srgbClr val="000000"/>
-                </a:solidFill>
-              </a:rPr>
-              <a:t>iteration</a:t>
-            </a:r>
-            <a:r>
-              <a:rPr lang="de-DE" dirty="0" smtClean="0">
-                <a:solidFill>
-                  <a:srgbClr val="000000"/>
-                </a:solidFill>
-              </a:rPr>
-              <a:t> i </a:t>
-            </a:r>
-            <a:r>
-              <a:rPr lang="de-DE" dirty="0" err="1" smtClean="0">
-                <a:solidFill>
-                  <a:srgbClr val="000000"/>
-                </a:solidFill>
-              </a:rPr>
-              <a:t>to</a:t>
-            </a:r>
-            <a:r>
-              <a:rPr lang="de-DE" b="1" dirty="0" smtClean="0">
-                <a:solidFill>
-                  <a:srgbClr val="0000FF"/>
-                </a:solidFill>
-              </a:rPr>
-              <a:t> </a:t>
-            </a:r>
-            <a:r>
-              <a:rPr lang="en-US" dirty="0"/>
-              <a:t>B_i</a:t>
-            </a:r>
-            <a:r>
-              <a:rPr lang="en-US" b="1" dirty="0"/>
-              <a:t>_1</a:t>
-            </a:r>
-            <a:r>
-              <a:rPr lang="en-US" dirty="0"/>
-              <a:t> = </a:t>
-            </a:r>
-            <a:r>
-              <a:rPr lang="en-US" dirty="0">
-                <a:solidFill>
-                  <a:srgbClr val="FF0000"/>
-                </a:solidFill>
-              </a:rPr>
-              <a:t>A_i</a:t>
-            </a:r>
-            <a:r>
-              <a:rPr lang="en-US" b="1" dirty="0">
-                <a:solidFill>
-                  <a:srgbClr val="FF0000"/>
                 </a:solidFill>
               </a:rPr>
               <a:t>_1</a:t>
@@ -8391,7 +8632,7 @@
             <a:r>
               <a:rPr lang="en-US" dirty="0">
                 <a:solidFill>
-                  <a:srgbClr val="008000"/>
+                  <a:srgbClr val="FF0000"/>
                 </a:solidFill>
               </a:rPr>
               <a:t>D_(i-1)</a:t>
@@ -8399,7 +8640,7 @@
             <a:r>
               <a:rPr lang="en-US" b="1" dirty="0" smtClean="0">
                 <a:solidFill>
-                  <a:srgbClr val="008000"/>
+                  <a:srgbClr val="FF0000"/>
                 </a:solidFill>
               </a:rPr>
               <a:t>_0 </a:t>
@@ -8436,6 +8677,140 @@
           </a:p>
         </p:txBody>
       </p:sp>
+      <p:cxnSp>
+        <p:nvCxnSpPr>
+          <p:cNvPr id="5" name="Straight Arrow Connector 4"/>
+          <p:cNvCxnSpPr/>
+          <p:nvPr/>
+        </p:nvCxnSpPr>
+        <p:spPr>
+          <a:xfrm>
+            <a:off x="3911600" y="2870200"/>
+            <a:ext cx="419100" cy="0"/>
+          </a:xfrm>
+          <a:prstGeom prst="straightConnector1">
+            <a:avLst/>
+          </a:prstGeom>
+          <a:ln>
+            <a:tailEnd type="arrow"/>
+          </a:ln>
+        </p:spPr>
+        <p:style>
+          <a:lnRef idx="2">
+            <a:schemeClr val="accent1"/>
+          </a:lnRef>
+          <a:fillRef idx="0">
+            <a:schemeClr val="accent1"/>
+          </a:fillRef>
+          <a:effectRef idx="1">
+            <a:schemeClr val="accent1"/>
+          </a:effectRef>
+          <a:fontRef idx="minor">
+            <a:schemeClr val="tx1"/>
+          </a:fontRef>
+        </p:style>
+      </p:cxnSp>
+      <p:cxnSp>
+        <p:nvCxnSpPr>
+          <p:cNvPr id="6" name="Straight Arrow Connector 5"/>
+          <p:cNvCxnSpPr/>
+          <p:nvPr/>
+        </p:nvCxnSpPr>
+        <p:spPr>
+          <a:xfrm>
+            <a:off x="3136900" y="3187700"/>
+            <a:ext cx="419100" cy="0"/>
+          </a:xfrm>
+          <a:prstGeom prst="straightConnector1">
+            <a:avLst/>
+          </a:prstGeom>
+          <a:ln>
+            <a:tailEnd type="arrow"/>
+          </a:ln>
+        </p:spPr>
+        <p:style>
+          <a:lnRef idx="2">
+            <a:schemeClr val="accent1"/>
+          </a:lnRef>
+          <a:fillRef idx="0">
+            <a:schemeClr val="accent1"/>
+          </a:fillRef>
+          <a:effectRef idx="1">
+            <a:schemeClr val="accent1"/>
+          </a:effectRef>
+          <a:fontRef idx="minor">
+            <a:schemeClr val="tx1"/>
+          </a:fontRef>
+        </p:style>
+      </p:cxnSp>
+      <p:cxnSp>
+        <p:nvCxnSpPr>
+          <p:cNvPr id="7" name="Straight Arrow Connector 6"/>
+          <p:cNvCxnSpPr/>
+          <p:nvPr/>
+        </p:nvCxnSpPr>
+        <p:spPr>
+          <a:xfrm>
+            <a:off x="5511800" y="3937000"/>
+            <a:ext cx="419100" cy="0"/>
+          </a:xfrm>
+          <a:prstGeom prst="straightConnector1">
+            <a:avLst/>
+          </a:prstGeom>
+          <a:ln>
+            <a:prstDash val="dash"/>
+            <a:tailEnd type="arrow"/>
+          </a:ln>
+        </p:spPr>
+        <p:style>
+          <a:lnRef idx="2">
+            <a:schemeClr val="accent1"/>
+          </a:lnRef>
+          <a:fillRef idx="0">
+            <a:schemeClr val="accent1"/>
+          </a:fillRef>
+          <a:effectRef idx="1">
+            <a:schemeClr val="accent1"/>
+          </a:effectRef>
+          <a:fontRef idx="minor">
+            <a:schemeClr val="tx1"/>
+          </a:fontRef>
+        </p:style>
+      </p:cxnSp>
+      <p:cxnSp>
+        <p:nvCxnSpPr>
+          <p:cNvPr id="8" name="Straight Arrow Connector 7"/>
+          <p:cNvCxnSpPr/>
+          <p:nvPr/>
+        </p:nvCxnSpPr>
+        <p:spPr>
+          <a:xfrm>
+            <a:off x="5118100" y="4521200"/>
+            <a:ext cx="419100" cy="0"/>
+          </a:xfrm>
+          <a:prstGeom prst="straightConnector1">
+            <a:avLst/>
+          </a:prstGeom>
+          <a:ln>
+            <a:prstDash val="dash"/>
+            <a:tailEnd type="arrow"/>
+          </a:ln>
+        </p:spPr>
+        <p:style>
+          <a:lnRef idx="2">
+            <a:schemeClr val="accent1"/>
+          </a:lnRef>
+          <a:fillRef idx="0">
+            <a:schemeClr val="accent1"/>
+          </a:fillRef>
+          <a:effectRef idx="1">
+            <a:schemeClr val="accent1"/>
+          </a:effectRef>
+          <a:fontRef idx="minor">
+            <a:schemeClr val="tx1"/>
+          </a:fontRef>
+        </p:style>
+      </p:cxnSp>
     </p:spTree>
     <p:extLst>
       <p:ext uri="{BB962C8B-B14F-4D97-AF65-F5344CB8AC3E}">
@@ -11327,15 +11702,7 @@
             </a:pPr>
             <a:r>
               <a:rPr lang="en-US" dirty="0" smtClean="0"/>
-              <a:t>Collect a </a:t>
-            </a:r>
-            <a:r>
-              <a:rPr lang="en-US" dirty="0" smtClean="0"/>
-              <a:t>larger </a:t>
-            </a:r>
-            <a:r>
-              <a:rPr lang="en-US" dirty="0" smtClean="0"/>
-              <a:t>set of single-loop benchmarks</a:t>
+              <a:t>Collect a larger set of single-loop benchmarks</a:t>
             </a:r>
           </a:p>
           <a:p>
@@ -11388,13 +11755,8 @@
             </a:pPr>
             <a:r>
               <a:rPr lang="en-US" dirty="0" smtClean="0"/>
-              <a:t>SSA Translation (depends on </a:t>
-            </a:r>
-            <a:r>
-              <a:rPr lang="en-US" dirty="0" smtClean="0"/>
-              <a:t>step 5)</a:t>
-            </a:r>
-            <a:endParaRPr lang="en-US" dirty="0" smtClean="0"/>
+              <a:t>SSA Translation (depends on step 5)</a:t>
+            </a:r>
           </a:p>
           <a:p>
             <a:pPr marL="914400" lvl="1" indent="-514350">
@@ -11433,11 +11795,7 @@
             </a:pPr>
             <a:r>
               <a:rPr lang="en-US" dirty="0" smtClean="0"/>
-              <a:t>This gives us “a schedule</a:t>
-            </a:r>
-            <a:r>
-              <a:rPr lang="en-US" dirty="0" smtClean="0"/>
-              <a:t>”. </a:t>
+              <a:t>This gives us “a schedule”. </a:t>
             </a:r>
             <a:r>
               <a:rPr lang="en-US" dirty="0"/>
@@ -11445,11 +11803,7 @@
             </a:r>
             <a:r>
               <a:rPr lang="en-US" dirty="0" smtClean="0"/>
-              <a:t>e </a:t>
-            </a:r>
-            <a:r>
-              <a:rPr lang="en-US" dirty="0" smtClean="0"/>
-              <a:t>can now translate our program into a straight-line sequence of MPC instructions (MUX, CMP, ADD, MUL, etc.) by unrolling each iteration of the loop</a:t>
+              <a:t>e can now translate our program into a straight-line sequence of MPC instructions (MUX, CMP, ADD, MUL, etc.) by unrolling each iteration of the loop</a:t>
             </a:r>
           </a:p>
         </p:txBody>
@@ -11648,15 +12002,7 @@
           <a:p>
             <a:r>
               <a:rPr lang="en-US" dirty="0" smtClean="0"/>
-              <a:t>Phase</a:t>
-            </a:r>
-            <a:r>
-              <a:rPr lang="en-US" dirty="0" smtClean="0"/>
-              <a:t> 1: Syntax </a:t>
-            </a:r>
-            <a:r>
-              <a:rPr lang="en-US" dirty="0" smtClean="0"/>
-              <a:t>Checker</a:t>
+              <a:t>Phase 1: Syntax Checker</a:t>
             </a:r>
             <a:endParaRPr lang="en-US" dirty="0"/>
           </a:p>
@@ -11700,15 +12046,7 @@
           <a:p>
             <a:r>
               <a:rPr lang="en-US" dirty="0" smtClean="0"/>
-              <a:t>Done </a:t>
-            </a:r>
-            <a:r>
-              <a:rPr lang="en-US" dirty="0" smtClean="0"/>
-              <a:t>in Python </a:t>
-            </a:r>
-            <a:r>
-              <a:rPr lang="en-US" dirty="0" smtClean="0"/>
-              <a:t>AST. For now, input is an </a:t>
+              <a:t>Done in Python AST. For now, input is an </a:t>
             </a:r>
             <a:r>
               <a:rPr lang="en-US" dirty="0" err="1" smtClean="0"/>
@@ -11732,15 +12070,7 @@
             </a:r>
             <a:r>
               <a:rPr lang="en-US" dirty="0" smtClean="0"/>
-              <a:t>, </a:t>
-            </a:r>
-            <a:r>
-              <a:rPr lang="en-US" dirty="0" smtClean="0"/>
-              <a:t>plain </a:t>
-            </a:r>
-            <a:r>
-              <a:rPr lang="en-US" dirty="0" smtClean="0"/>
-              <a:t>ones are </a:t>
+              <a:t>, plain ones are </a:t>
             </a:r>
             <a:r>
               <a:rPr lang="en-US" dirty="0" smtClean="0">
@@ -11852,8 +12182,25 @@
             </a:r>
             <a:r>
               <a:rPr lang="en-US" dirty="0" smtClean="0"/>
-              <a:t>: left operator right</a:t>
-            </a:r>
+              <a:t>: </a:t>
+            </a:r>
+            <a:r>
+              <a:rPr lang="en-US" dirty="0" err="1" smtClean="0"/>
+              <a:t>left_operand</a:t>
+            </a:r>
+            <a:r>
+              <a:rPr lang="en-US" dirty="0" smtClean="0"/>
+              <a:t> </a:t>
+            </a:r>
+            <a:r>
+              <a:rPr lang="en-US" dirty="0" smtClean="0"/>
+              <a:t>operator </a:t>
+            </a:r>
+            <a:r>
+              <a:rPr lang="en-US" dirty="0" err="1" smtClean="0"/>
+              <a:t>right_operand</a:t>
+            </a:r>
+            <a:endParaRPr lang="en-US" dirty="0" smtClean="0"/>
           </a:p>
           <a:p>
             <a:pPr lvl="2"/>
@@ -11910,27 +12257,7 @@
             <a:pPr lvl="1"/>
             <a:r>
               <a:rPr lang="is-IS" dirty="0" smtClean="0"/>
-              <a:t>No other </a:t>
-            </a:r>
-            <a:r>
-              <a:rPr lang="is-IS" dirty="0" smtClean="0"/>
-              <a:t>ast.Node </a:t>
-            </a:r>
-            <a:r>
-              <a:rPr lang="is-IS" dirty="0" smtClean="0"/>
-              <a:t>is</a:t>
-            </a:r>
-            <a:r>
-              <a:rPr lang="is-IS" dirty="0" smtClean="0"/>
-              <a:t> </a:t>
-            </a:r>
-            <a:r>
-              <a:rPr lang="is-IS" dirty="0" smtClean="0"/>
-              <a:t>allowed for now. Will extend with </a:t>
-            </a:r>
-            <a:r>
-              <a:rPr lang="is-IS" dirty="0" smtClean="0"/>
-              <a:t>ast.Call eventually.</a:t>
+              <a:t>No other ast.Node is allowed for now. Will extend with ast.Call eventually.</a:t>
             </a:r>
             <a:endParaRPr lang="en-US" dirty="0" smtClean="0"/>
           </a:p>

--- a/MPC_Compiler_Misc_Notes.pptx
+++ b/MPC_Compiler_Misc_Notes.pptx
@@ -15,18 +15,19 @@
     <p:sldId id="264" r:id="rId9"/>
     <p:sldId id="265" r:id="rId10"/>
     <p:sldId id="266" r:id="rId11"/>
-    <p:sldId id="267" r:id="rId12"/>
-    <p:sldId id="268" r:id="rId13"/>
-    <p:sldId id="269" r:id="rId14"/>
-    <p:sldId id="270" r:id="rId15"/>
-    <p:sldId id="271" r:id="rId16"/>
-    <p:sldId id="272" r:id="rId17"/>
-    <p:sldId id="273" r:id="rId18"/>
-    <p:sldId id="274" r:id="rId19"/>
-    <p:sldId id="275" r:id="rId20"/>
-    <p:sldId id="276" r:id="rId21"/>
-    <p:sldId id="277" r:id="rId22"/>
-    <p:sldId id="278" r:id="rId23"/>
+    <p:sldId id="279" r:id="rId12"/>
+    <p:sldId id="267" r:id="rId13"/>
+    <p:sldId id="268" r:id="rId14"/>
+    <p:sldId id="269" r:id="rId15"/>
+    <p:sldId id="270" r:id="rId16"/>
+    <p:sldId id="271" r:id="rId17"/>
+    <p:sldId id="272" r:id="rId18"/>
+    <p:sldId id="273" r:id="rId19"/>
+    <p:sldId id="274" r:id="rId20"/>
+    <p:sldId id="275" r:id="rId21"/>
+    <p:sldId id="276" r:id="rId22"/>
+    <p:sldId id="277" r:id="rId23"/>
+    <p:sldId id="278" r:id="rId24"/>
   </p:sldIdLst>
   <p:sldSz cx="9144000" cy="6858000" type="screen4x3"/>
   <p:notesSz cx="6858000" cy="9144000"/>
@@ -3428,6 +3429,173 @@
         </p:nvSpPr>
         <p:spPr/>
         <p:txBody>
+          <a:bodyPr/>
+          <a:lstStyle/>
+          <a:p>
+            <a:r>
+              <a:rPr lang="en-US" dirty="0" smtClean="0"/>
+              <a:t>Note on Phases 2 and on</a:t>
+            </a:r>
+            <a:endParaRPr lang="en-US" dirty="0"/>
+          </a:p>
+        </p:txBody>
+      </p:sp>
+      <p:sp>
+        <p:nvSpPr>
+          <p:cNvPr id="3" name="Content Placeholder 2"/>
+          <p:cNvSpPr>
+            <a:spLocks noGrp="1"/>
+          </p:cNvSpPr>
+          <p:nvPr>
+            <p:ph idx="1"/>
+          </p:nvPr>
+        </p:nvSpPr>
+        <p:spPr/>
+        <p:txBody>
+          <a:bodyPr>
+            <a:normAutofit fontScale="92500" lnSpcReduction="10000"/>
+          </a:bodyPr>
+          <a:lstStyle/>
+          <a:p>
+            <a:r>
+              <a:rPr lang="en-US" dirty="0"/>
+              <a:t>G</a:t>
+            </a:r>
+            <a:r>
+              <a:rPr lang="en-US" dirty="0" smtClean="0"/>
+              <a:t>oal of phases 2-5 is to construct a dependence graph (DG) based on the code of the loop body</a:t>
+            </a:r>
+          </a:p>
+          <a:p>
+            <a:pPr lvl="1"/>
+            <a:r>
+              <a:rPr lang="en-US" dirty="0" smtClean="0"/>
+              <a:t>Intra-loop dependences </a:t>
+            </a:r>
+          </a:p>
+          <a:p>
+            <a:pPr lvl="2"/>
+            <a:r>
+              <a:rPr lang="en-US" dirty="0" smtClean="0"/>
+              <a:t>Impose ordering on </a:t>
+            </a:r>
+            <a:r>
+              <a:rPr lang="en-US" dirty="0" err="1" smtClean="0"/>
+              <a:t>vectorized</a:t>
+            </a:r>
+            <a:r>
+              <a:rPr lang="en-US" dirty="0" smtClean="0"/>
+              <a:t> schedule</a:t>
+            </a:r>
+          </a:p>
+          <a:p>
+            <a:pPr lvl="1"/>
+            <a:r>
+              <a:rPr lang="en-US" dirty="0" smtClean="0"/>
+              <a:t>Loop-carried dependences</a:t>
+            </a:r>
+          </a:p>
+          <a:p>
+            <a:pPr lvl="2"/>
+            <a:r>
+              <a:rPr lang="en-US" dirty="0"/>
+              <a:t>P</a:t>
+            </a:r>
+            <a:r>
+              <a:rPr lang="en-US" dirty="0" smtClean="0"/>
+              <a:t>revent </a:t>
+            </a:r>
+            <a:r>
+              <a:rPr lang="en-US" dirty="0" err="1" smtClean="0"/>
+              <a:t>vectorization</a:t>
+            </a:r>
+            <a:r>
+              <a:rPr lang="en-US" dirty="0" smtClean="0"/>
+              <a:t> because iteration i+1 depends on iteration </a:t>
+            </a:r>
+            <a:r>
+              <a:rPr lang="en-US" dirty="0" err="1" smtClean="0"/>
+              <a:t>i</a:t>
+            </a:r>
+            <a:endParaRPr lang="en-US" dirty="0"/>
+          </a:p>
+          <a:p>
+            <a:pPr lvl="2"/>
+            <a:r>
+              <a:rPr lang="en-US" dirty="0" smtClean="0"/>
+              <a:t>Divide-and-conquer can sometimes reduce number of iterations from N to </a:t>
+            </a:r>
+            <a:r>
+              <a:rPr lang="en-US" dirty="0" err="1" smtClean="0"/>
+              <a:t>logN</a:t>
+            </a:r>
+            <a:r>
+              <a:rPr lang="en-US" dirty="0" smtClean="0"/>
+              <a:t> (should have big impact in MPC)</a:t>
+            </a:r>
+          </a:p>
+          <a:p>
+            <a:r>
+              <a:rPr lang="en-US" dirty="0" smtClean="0"/>
+              <a:t>Final phase constructs </a:t>
+            </a:r>
+            <a:r>
+              <a:rPr lang="en-US" dirty="0" err="1" smtClean="0"/>
+              <a:t>vectorized</a:t>
+            </a:r>
+            <a:r>
+              <a:rPr lang="en-US" dirty="0" smtClean="0"/>
+              <a:t> MPC schedule using DG</a:t>
+            </a:r>
+          </a:p>
+          <a:p>
+            <a:pPr lvl="1"/>
+            <a:endParaRPr lang="en-US" dirty="0"/>
+          </a:p>
+        </p:txBody>
+      </p:sp>
+    </p:spTree>
+    <p:extLst>
+      <p:ext uri="{BB962C8B-B14F-4D97-AF65-F5344CB8AC3E}">
+        <p14:creationId xmlns:p14="http://schemas.microsoft.com/office/powerpoint/2010/main" val="3900560899"/>
+      </p:ext>
+    </p:extLst>
+  </p:cSld>
+  <p:clrMapOvr>
+    <a:masterClrMapping/>
+  </p:clrMapOvr>
+</p:sld>
+</file>
+
+<file path=ppt/slides/slide12.xml><?xml version="1.0" encoding="utf-8"?>
+<p:sld xmlns:a="http://schemas.openxmlformats.org/drawingml/2006/main" xmlns:r="http://schemas.openxmlformats.org/officeDocument/2006/relationships" xmlns:p="http://schemas.openxmlformats.org/presentationml/2006/main">
+  <p:cSld>
+    <p:spTree>
+      <p:nvGrpSpPr>
+        <p:cNvPr id="1" name=""/>
+        <p:cNvGrpSpPr/>
+        <p:nvPr/>
+      </p:nvGrpSpPr>
+      <p:grpSpPr>
+        <a:xfrm>
+          <a:off x="0" y="0"/>
+          <a:ext cx="0" cy="0"/>
+          <a:chOff x="0" y="0"/>
+          <a:chExt cx="0" cy="0"/>
+        </a:xfrm>
+      </p:grpSpPr>
+      <p:sp>
+        <p:nvSpPr>
+          <p:cNvPr id="2" name="Title 1"/>
+          <p:cNvSpPr>
+            <a:spLocks noGrp="1"/>
+          </p:cNvSpPr>
+          <p:nvPr>
+            <p:ph type="title"/>
+          </p:nvPr>
+        </p:nvSpPr>
+        <p:spPr/>
+        <p:txBody>
           <a:bodyPr>
             <a:normAutofit fontScale="90000"/>
           </a:bodyPr>
@@ -3802,7 +3970,7 @@
 </p:sld>
 </file>
 
-<file path=ppt/slides/slide12.xml><?xml version="1.0" encoding="utf-8"?>
+<file path=ppt/slides/slide13.xml><?xml version="1.0" encoding="utf-8"?>
 <p:sld xmlns:a="http://schemas.openxmlformats.org/drawingml/2006/main" xmlns:r="http://schemas.openxmlformats.org/officeDocument/2006/relationships" xmlns:p="http://schemas.openxmlformats.org/presentationml/2006/main">
   <p:cSld>
     <p:spTree>
@@ -4173,587 +4341,6 @@
 </p:sld>
 </file>
 
-<file path=ppt/slides/slide13.xml><?xml version="1.0" encoding="utf-8"?>
-<p:sld xmlns:a="http://schemas.openxmlformats.org/drawingml/2006/main" xmlns:r="http://schemas.openxmlformats.org/officeDocument/2006/relationships" xmlns:p="http://schemas.openxmlformats.org/presentationml/2006/main">
-  <p:cSld>
-    <p:spTree>
-      <p:nvGrpSpPr>
-        <p:cNvPr id="1" name=""/>
-        <p:cNvGrpSpPr/>
-        <p:nvPr/>
-      </p:nvGrpSpPr>
-      <p:grpSpPr>
-        <a:xfrm>
-          <a:off x="0" y="0"/>
-          <a:ext cx="0" cy="0"/>
-          <a:chOff x="0" y="0"/>
-          <a:chExt cx="0" cy="0"/>
-        </a:xfrm>
-      </p:grpSpPr>
-      <p:sp>
-        <p:nvSpPr>
-          <p:cNvPr id="2" name="Title 1"/>
-          <p:cNvSpPr>
-            <a:spLocks noGrp="1"/>
-          </p:cNvSpPr>
-          <p:nvPr>
-            <p:ph type="title"/>
-          </p:nvPr>
-        </p:nvSpPr>
-        <p:spPr/>
-        <p:txBody>
-          <a:bodyPr/>
-          <a:lstStyle/>
-          <a:p>
-            <a:r>
-              <a:rPr lang="en-US" dirty="0" smtClean="0"/>
-              <a:t>Phase 2: “</a:t>
-            </a:r>
-            <a:r>
-              <a:rPr lang="en-US" dirty="0" err="1" smtClean="0"/>
-              <a:t>Scalarization</a:t>
-            </a:r>
-            <a:r>
-              <a:rPr lang="en-US" dirty="0" smtClean="0"/>
-              <a:t>”</a:t>
-            </a:r>
-            <a:endParaRPr lang="en-US" dirty="0"/>
-          </a:p>
-        </p:txBody>
-      </p:sp>
-      <p:sp>
-        <p:nvSpPr>
-          <p:cNvPr id="3" name="Content Placeholder 2"/>
-          <p:cNvSpPr>
-            <a:spLocks noGrp="1"/>
-          </p:cNvSpPr>
-          <p:nvPr>
-            <p:ph idx="1"/>
-          </p:nvPr>
-        </p:nvSpPr>
-        <p:spPr/>
-        <p:txBody>
-          <a:bodyPr>
-            <a:normAutofit fontScale="85000" lnSpcReduction="20000"/>
-          </a:bodyPr>
-          <a:lstStyle/>
-          <a:p>
-            <a:r>
-              <a:rPr lang="de-DE" dirty="0" smtClean="0"/>
-              <a:t>Array </a:t>
-            </a:r>
-            <a:r>
-              <a:rPr lang="de-DE" dirty="0" err="1" smtClean="0"/>
-              <a:t>def</a:t>
-            </a:r>
-            <a:r>
-              <a:rPr lang="de-DE" dirty="0" smtClean="0"/>
-              <a:t>: A[f(i)] = ... </a:t>
-            </a:r>
-          </a:p>
-          <a:p>
-            <a:r>
-              <a:rPr lang="de-DE" dirty="0" smtClean="0"/>
-              <a:t>Array </a:t>
-            </a:r>
-            <a:r>
-              <a:rPr lang="de-DE" dirty="0" err="1" smtClean="0"/>
-              <a:t>use</a:t>
-            </a:r>
-            <a:r>
-              <a:rPr lang="de-DE" dirty="0" smtClean="0"/>
-              <a:t>: ... = </a:t>
-            </a:r>
-            <a:r>
-              <a:rPr lang="de-DE" dirty="0" smtClean="0"/>
-              <a:t>... A</a:t>
-            </a:r>
-            <a:r>
-              <a:rPr lang="de-DE" dirty="0" smtClean="0"/>
-              <a:t>[f‘(i)</a:t>
-            </a:r>
-            <a:r>
-              <a:rPr lang="de-DE" dirty="0" smtClean="0"/>
-              <a:t>] ...</a:t>
-            </a:r>
-            <a:endParaRPr lang="de-DE" dirty="0" smtClean="0"/>
-          </a:p>
-          <a:p>
-            <a:r>
-              <a:rPr lang="de-DE" dirty="0" smtClean="0"/>
-              <a:t>Key </a:t>
-            </a:r>
-            <a:r>
-              <a:rPr lang="de-DE" dirty="0" err="1" smtClean="0"/>
-              <a:t>restriction</a:t>
-            </a:r>
-            <a:r>
-              <a:rPr lang="de-DE" dirty="0" smtClean="0"/>
-              <a:t>: </a:t>
-            </a:r>
-            <a:r>
-              <a:rPr lang="de-DE" dirty="0" err="1" smtClean="0"/>
-              <a:t>for</a:t>
-            </a:r>
-            <a:r>
-              <a:rPr lang="de-DE" dirty="0" smtClean="0"/>
-              <a:t> </a:t>
-            </a:r>
-            <a:r>
-              <a:rPr lang="de-DE" dirty="0" err="1" smtClean="0"/>
-              <a:t>every</a:t>
-            </a:r>
-            <a:r>
-              <a:rPr lang="de-DE" dirty="0" smtClean="0"/>
-              <a:t> </a:t>
-            </a:r>
-            <a:r>
-              <a:rPr lang="de-DE" dirty="0" err="1" smtClean="0"/>
-              <a:t>def-use</a:t>
-            </a:r>
-            <a:r>
-              <a:rPr lang="de-DE" dirty="0" smtClean="0"/>
-              <a:t> pair A[f(i)],A[f‘(i)], f(i) </a:t>
-            </a:r>
-            <a:r>
-              <a:rPr lang="de-DE" dirty="0" err="1" smtClean="0"/>
-              <a:t>and</a:t>
-            </a:r>
-            <a:r>
-              <a:rPr lang="de-DE" dirty="0" smtClean="0"/>
-              <a:t> f‘(i) </a:t>
-            </a:r>
-            <a:r>
-              <a:rPr lang="de-DE" dirty="0" err="1" smtClean="0"/>
-              <a:t>are</a:t>
-            </a:r>
-            <a:r>
-              <a:rPr lang="de-DE" dirty="0" smtClean="0"/>
-              <a:t> </a:t>
-            </a:r>
-            <a:r>
-              <a:rPr lang="de-DE" dirty="0" err="1" smtClean="0"/>
-              <a:t>either</a:t>
-            </a:r>
-            <a:r>
-              <a:rPr lang="de-DE" dirty="0" smtClean="0"/>
-              <a:t> </a:t>
-            </a:r>
-            <a:r>
-              <a:rPr lang="de-DE" dirty="0" err="1" smtClean="0"/>
-              <a:t>equivalent</a:t>
-            </a:r>
-            <a:r>
-              <a:rPr lang="de-DE" dirty="0" smtClean="0"/>
-              <a:t> </a:t>
-            </a:r>
-            <a:r>
-              <a:rPr lang="de-DE" dirty="0" err="1" smtClean="0"/>
-              <a:t>or</a:t>
-            </a:r>
-            <a:r>
-              <a:rPr lang="de-DE" dirty="0" smtClean="0"/>
-              <a:t> non-</a:t>
-            </a:r>
-            <a:r>
-              <a:rPr lang="de-DE" dirty="0" err="1" smtClean="0"/>
-              <a:t>equivalent</a:t>
-            </a:r>
-            <a:endParaRPr lang="de-DE" dirty="0"/>
-          </a:p>
-          <a:p>
-            <a:pPr lvl="1"/>
-            <a:r>
-              <a:rPr lang="de-DE" dirty="0" err="1" smtClean="0"/>
-              <a:t>Equivalent</a:t>
-            </a:r>
-            <a:r>
-              <a:rPr lang="de-DE" dirty="0" smtClean="0"/>
-              <a:t>: </a:t>
-            </a:r>
-            <a:r>
-              <a:rPr lang="de-DE" dirty="0" err="1" smtClean="0">
-                <a:solidFill>
-                  <a:srgbClr val="FF0000"/>
-                </a:solidFill>
-              </a:rPr>
-              <a:t>for</a:t>
-            </a:r>
-            <a:r>
-              <a:rPr lang="de-DE" dirty="0" smtClean="0">
-                <a:solidFill>
-                  <a:srgbClr val="FF0000"/>
-                </a:solidFill>
-              </a:rPr>
-              <a:t> </a:t>
-            </a:r>
-            <a:r>
-              <a:rPr lang="de-DE" dirty="0" err="1" smtClean="0">
-                <a:solidFill>
-                  <a:srgbClr val="FF0000"/>
-                </a:solidFill>
-              </a:rPr>
-              <a:t>every</a:t>
-            </a:r>
-            <a:r>
-              <a:rPr lang="de-DE" dirty="0" smtClean="0">
-                <a:solidFill>
-                  <a:srgbClr val="FF0000"/>
-                </a:solidFill>
-              </a:rPr>
-              <a:t> i in </a:t>
-            </a:r>
-            <a:r>
-              <a:rPr lang="de-DE" dirty="0" err="1" smtClean="0">
-                <a:solidFill>
-                  <a:srgbClr val="FF0000"/>
-                </a:solidFill>
-              </a:rPr>
-              <a:t>range</a:t>
-            </a:r>
-            <a:r>
-              <a:rPr lang="de-DE" dirty="0" smtClean="0">
-                <a:solidFill>
-                  <a:srgbClr val="FF0000"/>
-                </a:solidFill>
-              </a:rPr>
-              <a:t>(</a:t>
-            </a:r>
-            <a:r>
-              <a:rPr lang="de-DE" dirty="0" err="1" smtClean="0">
-                <a:solidFill>
-                  <a:srgbClr val="FF0000"/>
-                </a:solidFill>
-              </a:rPr>
-              <a:t>len</a:t>
-            </a:r>
-            <a:r>
-              <a:rPr lang="de-DE" dirty="0" smtClean="0">
-                <a:solidFill>
-                  <a:srgbClr val="FF0000"/>
-                </a:solidFill>
-              </a:rPr>
-              <a:t>): f(i) = f‘(i)</a:t>
-            </a:r>
-            <a:endParaRPr lang="en-US" dirty="0" smtClean="0">
-              <a:solidFill>
-                <a:srgbClr val="FF0000"/>
-              </a:solidFill>
-            </a:endParaRPr>
-          </a:p>
-          <a:p>
-            <a:pPr lvl="1"/>
-            <a:r>
-              <a:rPr lang="en-US" dirty="0" smtClean="0">
-                <a:solidFill>
-                  <a:srgbClr val="000000"/>
-                </a:solidFill>
-              </a:rPr>
-              <a:t>Non-equivalent: for every </a:t>
-            </a:r>
-            <a:r>
-              <a:rPr lang="en-US" dirty="0" err="1" smtClean="0">
-                <a:solidFill>
-                  <a:srgbClr val="000000"/>
-                </a:solidFill>
-              </a:rPr>
-              <a:t>i</a:t>
-            </a:r>
-            <a:r>
-              <a:rPr lang="en-US" dirty="0" smtClean="0">
-                <a:solidFill>
-                  <a:srgbClr val="000000"/>
-                </a:solidFill>
-              </a:rPr>
-              <a:t> in range(</a:t>
-            </a:r>
-            <a:r>
-              <a:rPr lang="en-US" dirty="0" err="1" smtClean="0">
-                <a:solidFill>
-                  <a:srgbClr val="000000"/>
-                </a:solidFill>
-              </a:rPr>
-              <a:t>len</a:t>
-            </a:r>
-            <a:r>
-              <a:rPr lang="en-US" dirty="0" smtClean="0">
-                <a:solidFill>
-                  <a:srgbClr val="000000"/>
-                </a:solidFill>
-              </a:rPr>
-              <a:t>): f(</a:t>
-            </a:r>
-            <a:r>
-              <a:rPr lang="en-US" dirty="0" err="1" smtClean="0">
-                <a:solidFill>
-                  <a:srgbClr val="000000"/>
-                </a:solidFill>
-              </a:rPr>
-              <a:t>i</a:t>
-            </a:r>
-            <a:r>
-              <a:rPr lang="en-US" dirty="0" smtClean="0">
-                <a:solidFill>
-                  <a:srgbClr val="000000"/>
-                </a:solidFill>
-              </a:rPr>
-              <a:t>) =/= f’(</a:t>
-            </a:r>
-            <a:r>
-              <a:rPr lang="en-US" dirty="0" err="1" smtClean="0">
-                <a:solidFill>
-                  <a:srgbClr val="000000"/>
-                </a:solidFill>
-              </a:rPr>
-              <a:t>i</a:t>
-            </a:r>
-            <a:r>
-              <a:rPr lang="en-US" dirty="0" smtClean="0">
-                <a:solidFill>
-                  <a:srgbClr val="000000"/>
-                </a:solidFill>
-              </a:rPr>
-              <a:t>)</a:t>
-            </a:r>
-          </a:p>
-          <a:p>
-            <a:pPr lvl="1"/>
-            <a:r>
-              <a:rPr lang="en-US" dirty="0" smtClean="0">
-                <a:solidFill>
-                  <a:srgbClr val="000000"/>
-                </a:solidFill>
-              </a:rPr>
-              <a:t>Intuition: for every iteration </a:t>
-            </a:r>
-            <a:r>
-              <a:rPr lang="en-US" dirty="0" err="1" smtClean="0">
-                <a:solidFill>
-                  <a:srgbClr val="000000"/>
-                </a:solidFill>
-              </a:rPr>
-              <a:t>i</a:t>
-            </a:r>
-            <a:r>
-              <a:rPr lang="en-US" dirty="0" smtClean="0">
-                <a:solidFill>
-                  <a:srgbClr val="000000"/>
-                </a:solidFill>
-              </a:rPr>
-              <a:t>, A[f(</a:t>
-            </a:r>
-            <a:r>
-              <a:rPr lang="en-US" dirty="0" err="1" smtClean="0">
-                <a:solidFill>
-                  <a:srgbClr val="000000"/>
-                </a:solidFill>
-              </a:rPr>
-              <a:t>i</a:t>
-            </a:r>
-            <a:r>
-              <a:rPr lang="en-US" dirty="0" smtClean="0">
-                <a:solidFill>
-                  <a:srgbClr val="000000"/>
-                </a:solidFill>
-              </a:rPr>
-              <a:t>)] and A[f’(</a:t>
-            </a:r>
-            <a:r>
-              <a:rPr lang="en-US" dirty="0" err="1" smtClean="0">
-                <a:solidFill>
-                  <a:srgbClr val="000000"/>
-                </a:solidFill>
-              </a:rPr>
-              <a:t>i</a:t>
-            </a:r>
-            <a:r>
-              <a:rPr lang="en-US" dirty="0" smtClean="0">
-                <a:solidFill>
-                  <a:srgbClr val="000000"/>
-                </a:solidFill>
-              </a:rPr>
-              <a:t>)] either refer to the same location, or to different locations</a:t>
-            </a:r>
-          </a:p>
-          <a:p>
-            <a:r>
-              <a:rPr lang="en-US" dirty="0" smtClean="0">
-                <a:solidFill>
-                  <a:srgbClr val="000000"/>
-                </a:solidFill>
-              </a:rPr>
-              <a:t>Also, for every </a:t>
-            </a:r>
-            <a:r>
-              <a:rPr lang="en-US" dirty="0" err="1" smtClean="0">
-                <a:solidFill>
-                  <a:srgbClr val="000000"/>
-                </a:solidFill>
-              </a:rPr>
-              <a:t>def-def</a:t>
-            </a:r>
-            <a:r>
-              <a:rPr lang="en-US" dirty="0" smtClean="0">
-                <a:solidFill>
-                  <a:srgbClr val="000000"/>
-                </a:solidFill>
-              </a:rPr>
-              <a:t> pair A[f(</a:t>
-            </a:r>
-            <a:r>
-              <a:rPr lang="en-US" dirty="0" err="1" smtClean="0">
-                <a:solidFill>
-                  <a:srgbClr val="000000"/>
-                </a:solidFill>
-              </a:rPr>
-              <a:t>i</a:t>
-            </a:r>
-            <a:r>
-              <a:rPr lang="en-US" dirty="0" smtClean="0">
-                <a:solidFill>
-                  <a:srgbClr val="000000"/>
-                </a:solidFill>
-              </a:rPr>
-              <a:t>)] and A[f’(</a:t>
-            </a:r>
-            <a:r>
-              <a:rPr lang="en-US" dirty="0" err="1" smtClean="0">
-                <a:solidFill>
-                  <a:srgbClr val="000000"/>
-                </a:solidFill>
-              </a:rPr>
-              <a:t>i</a:t>
-            </a:r>
-            <a:r>
-              <a:rPr lang="en-US" dirty="0" smtClean="0">
-                <a:solidFill>
-                  <a:srgbClr val="000000"/>
-                </a:solidFill>
-              </a:rPr>
-              <a:t>)</a:t>
-            </a:r>
-            <a:r>
-              <a:rPr lang="en-US" dirty="0" smtClean="0">
-                <a:solidFill>
-                  <a:srgbClr val="000000"/>
-                </a:solidFill>
-              </a:rPr>
-              <a:t>], f(</a:t>
-            </a:r>
-            <a:r>
-              <a:rPr lang="en-US" dirty="0" err="1" smtClean="0">
-                <a:solidFill>
-                  <a:srgbClr val="000000"/>
-                </a:solidFill>
-              </a:rPr>
-              <a:t>i</a:t>
-            </a:r>
-            <a:r>
-              <a:rPr lang="en-US" dirty="0" smtClean="0">
-                <a:solidFill>
-                  <a:srgbClr val="000000"/>
-                </a:solidFill>
-              </a:rPr>
-              <a:t>) and f’(</a:t>
-            </a:r>
-            <a:r>
-              <a:rPr lang="en-US" dirty="0" err="1" smtClean="0">
-                <a:solidFill>
-                  <a:srgbClr val="000000"/>
-                </a:solidFill>
-              </a:rPr>
-              <a:t>i</a:t>
-            </a:r>
-            <a:r>
-              <a:rPr lang="en-US" dirty="0" smtClean="0">
-                <a:solidFill>
-                  <a:srgbClr val="000000"/>
-                </a:solidFill>
-              </a:rPr>
-              <a:t>) are either equivalent or nonequivalent </a:t>
-            </a:r>
-            <a:endParaRPr lang="en-US" dirty="0" smtClean="0">
-              <a:solidFill>
-                <a:srgbClr val="000000"/>
-              </a:solidFill>
-            </a:endParaRPr>
-          </a:p>
-          <a:p>
-            <a:r>
-              <a:rPr lang="en-US" dirty="0" smtClean="0">
-                <a:solidFill>
-                  <a:srgbClr val="000000"/>
-                </a:solidFill>
-              </a:rPr>
-              <a:t>Some other restrictions (don’t remember </a:t>
-            </a:r>
-            <a:r>
-              <a:rPr lang="en-US" dirty="0" smtClean="0">
-                <a:solidFill>
-                  <a:srgbClr val="000000"/>
-                </a:solidFill>
-              </a:rPr>
-              <a:t>exactly </a:t>
-            </a:r>
-            <a:r>
-              <a:rPr lang="en-US" dirty="0" smtClean="0">
-                <a:solidFill>
-                  <a:srgbClr val="000000"/>
-                </a:solidFill>
-              </a:rPr>
-              <a:t>now</a:t>
-            </a:r>
-            <a:r>
-              <a:rPr lang="is-IS" dirty="0" smtClean="0">
-                <a:solidFill>
-                  <a:srgbClr val="000000"/>
-                </a:solidFill>
-              </a:rPr>
-              <a:t>…</a:t>
-            </a:r>
-            <a:r>
-              <a:rPr lang="en-US" dirty="0" smtClean="0">
-                <a:solidFill>
-                  <a:srgbClr val="000000"/>
-                </a:solidFill>
-              </a:rPr>
-              <a:t>)</a:t>
-            </a:r>
-            <a:endParaRPr lang="en-US" dirty="0" smtClean="0">
-              <a:solidFill>
-                <a:srgbClr val="000000"/>
-              </a:solidFill>
-            </a:endParaRPr>
-          </a:p>
-          <a:p>
-            <a:endParaRPr lang="en-US" dirty="0" smtClean="0">
-              <a:solidFill>
-                <a:srgbClr val="000000"/>
-              </a:solidFill>
-            </a:endParaRPr>
-          </a:p>
-          <a:p>
-            <a:endParaRPr lang="de-DE" dirty="0" smtClean="0">
-              <a:solidFill>
-                <a:srgbClr val="000000"/>
-              </a:solidFill>
-            </a:endParaRPr>
-          </a:p>
-        </p:txBody>
-      </p:sp>
-    </p:spTree>
-    <p:extLst>
-      <p:ext uri="{BB962C8B-B14F-4D97-AF65-F5344CB8AC3E}">
-        <p14:creationId xmlns:p14="http://schemas.microsoft.com/office/powerpoint/2010/main" val="1862760575"/>
-      </p:ext>
-    </p:extLst>
-  </p:cSld>
-  <p:clrMapOvr>
-    <a:masterClrMapping/>
-  </p:clrMapOvr>
-</p:sld>
-</file>
-
 <file path=ppt/slides/slide14.xml><?xml version="1.0" encoding="utf-8"?>
 <p:sld xmlns:a="http://schemas.openxmlformats.org/drawingml/2006/main" xmlns:r="http://schemas.openxmlformats.org/officeDocument/2006/relationships" xmlns:p="http://schemas.openxmlformats.org/presentationml/2006/main">
   <p:cSld>
@@ -4815,17 +4402,230 @@
         <p:spPr/>
         <p:txBody>
           <a:bodyPr>
-            <a:normAutofit fontScale="92500" lnSpcReduction="10000"/>
+            <a:normAutofit fontScale="85000" lnSpcReduction="20000"/>
           </a:bodyPr>
           <a:lstStyle/>
           <a:p>
             <a:r>
+              <a:rPr lang="de-DE" dirty="0" smtClean="0"/>
+              <a:t>Array </a:t>
+            </a:r>
+            <a:r>
+              <a:rPr lang="de-DE" dirty="0" err="1" smtClean="0"/>
+              <a:t>def</a:t>
+            </a:r>
+            <a:r>
+              <a:rPr lang="de-DE" dirty="0" smtClean="0"/>
+              <a:t>: A[f(i)] = ... </a:t>
+            </a:r>
+          </a:p>
+          <a:p>
+            <a:r>
+              <a:rPr lang="de-DE" dirty="0" smtClean="0"/>
+              <a:t>Array </a:t>
+            </a:r>
+            <a:r>
+              <a:rPr lang="de-DE" dirty="0" err="1" smtClean="0"/>
+              <a:t>use</a:t>
+            </a:r>
+            <a:r>
+              <a:rPr lang="de-DE" dirty="0" smtClean="0"/>
+              <a:t>: ... = </a:t>
+            </a:r>
+            <a:r>
+              <a:rPr lang="de-DE" dirty="0" smtClean="0"/>
+              <a:t>... A</a:t>
+            </a:r>
+            <a:r>
+              <a:rPr lang="de-DE" dirty="0" smtClean="0"/>
+              <a:t>[f‘(i)</a:t>
+            </a:r>
+            <a:r>
+              <a:rPr lang="de-DE" dirty="0" smtClean="0"/>
+              <a:t>] ...</a:t>
+            </a:r>
+            <a:endParaRPr lang="de-DE" dirty="0" smtClean="0"/>
+          </a:p>
+          <a:p>
+            <a:r>
+              <a:rPr lang="de-DE" dirty="0" smtClean="0"/>
+              <a:t>Key </a:t>
+            </a:r>
+            <a:r>
+              <a:rPr lang="de-DE" dirty="0" err="1" smtClean="0"/>
+              <a:t>restriction</a:t>
+            </a:r>
+            <a:r>
+              <a:rPr lang="de-DE" dirty="0" smtClean="0"/>
+              <a:t>: </a:t>
+            </a:r>
+            <a:r>
+              <a:rPr lang="de-DE" dirty="0" err="1" smtClean="0"/>
+              <a:t>for</a:t>
+            </a:r>
+            <a:r>
+              <a:rPr lang="de-DE" dirty="0" smtClean="0"/>
+              <a:t> </a:t>
+            </a:r>
+            <a:r>
+              <a:rPr lang="de-DE" dirty="0" err="1" smtClean="0"/>
+              <a:t>every</a:t>
+            </a:r>
+            <a:r>
+              <a:rPr lang="de-DE" dirty="0" smtClean="0"/>
+              <a:t> </a:t>
+            </a:r>
+            <a:r>
+              <a:rPr lang="de-DE" dirty="0" err="1" smtClean="0"/>
+              <a:t>def-use</a:t>
+            </a:r>
+            <a:r>
+              <a:rPr lang="de-DE" dirty="0" smtClean="0"/>
+              <a:t> pair A[f(i)],A[f‘(i)], f(i) </a:t>
+            </a:r>
+            <a:r>
+              <a:rPr lang="de-DE" dirty="0" err="1" smtClean="0"/>
+              <a:t>and</a:t>
+            </a:r>
+            <a:r>
+              <a:rPr lang="de-DE" dirty="0" smtClean="0"/>
+              <a:t> f‘(i) </a:t>
+            </a:r>
+            <a:r>
+              <a:rPr lang="de-DE" dirty="0" err="1" smtClean="0"/>
+              <a:t>are</a:t>
+            </a:r>
+            <a:r>
+              <a:rPr lang="de-DE" dirty="0" smtClean="0"/>
+              <a:t> </a:t>
+            </a:r>
+            <a:r>
+              <a:rPr lang="de-DE" dirty="0" err="1" smtClean="0"/>
+              <a:t>either</a:t>
+            </a:r>
+            <a:r>
+              <a:rPr lang="de-DE" dirty="0" smtClean="0"/>
+              <a:t> </a:t>
+            </a:r>
+            <a:r>
+              <a:rPr lang="de-DE" dirty="0" err="1" smtClean="0"/>
+              <a:t>equivalent</a:t>
+            </a:r>
+            <a:r>
+              <a:rPr lang="de-DE" dirty="0" smtClean="0"/>
+              <a:t> </a:t>
+            </a:r>
+            <a:r>
+              <a:rPr lang="de-DE" dirty="0" err="1" smtClean="0"/>
+              <a:t>or</a:t>
+            </a:r>
+            <a:r>
+              <a:rPr lang="de-DE" dirty="0" smtClean="0"/>
+              <a:t> non-</a:t>
+            </a:r>
+            <a:r>
+              <a:rPr lang="de-DE" dirty="0" err="1" smtClean="0"/>
+              <a:t>equivalent</a:t>
+            </a:r>
+            <a:endParaRPr lang="de-DE" dirty="0"/>
+          </a:p>
+          <a:p>
+            <a:pPr lvl="1"/>
+            <a:r>
+              <a:rPr lang="de-DE" dirty="0" err="1" smtClean="0"/>
+              <a:t>Equivalent</a:t>
+            </a:r>
+            <a:r>
+              <a:rPr lang="de-DE" dirty="0" smtClean="0"/>
+              <a:t>: </a:t>
+            </a:r>
+            <a:r>
+              <a:rPr lang="de-DE" dirty="0" err="1" smtClean="0">
+                <a:solidFill>
+                  <a:srgbClr val="FF0000"/>
+                </a:solidFill>
+              </a:rPr>
+              <a:t>for</a:t>
+            </a:r>
+            <a:r>
+              <a:rPr lang="de-DE" dirty="0" smtClean="0">
+                <a:solidFill>
+                  <a:srgbClr val="FF0000"/>
+                </a:solidFill>
+              </a:rPr>
+              <a:t> </a:t>
+            </a:r>
+            <a:r>
+              <a:rPr lang="de-DE" dirty="0" err="1" smtClean="0">
+                <a:solidFill>
+                  <a:srgbClr val="FF0000"/>
+                </a:solidFill>
+              </a:rPr>
+              <a:t>every</a:t>
+            </a:r>
+            <a:r>
+              <a:rPr lang="de-DE" dirty="0" smtClean="0">
+                <a:solidFill>
+                  <a:srgbClr val="FF0000"/>
+                </a:solidFill>
+              </a:rPr>
+              <a:t> i in </a:t>
+            </a:r>
+            <a:r>
+              <a:rPr lang="de-DE" dirty="0" err="1" smtClean="0">
+                <a:solidFill>
+                  <a:srgbClr val="FF0000"/>
+                </a:solidFill>
+              </a:rPr>
+              <a:t>range</a:t>
+            </a:r>
+            <a:r>
+              <a:rPr lang="de-DE" dirty="0" smtClean="0">
+                <a:solidFill>
+                  <a:srgbClr val="FF0000"/>
+                </a:solidFill>
+              </a:rPr>
+              <a:t>(</a:t>
+            </a:r>
+            <a:r>
+              <a:rPr lang="de-DE" dirty="0" err="1" smtClean="0">
+                <a:solidFill>
+                  <a:srgbClr val="FF0000"/>
+                </a:solidFill>
+              </a:rPr>
+              <a:t>len</a:t>
+            </a:r>
+            <a:r>
+              <a:rPr lang="de-DE" dirty="0" smtClean="0">
+                <a:solidFill>
+                  <a:srgbClr val="FF0000"/>
+                </a:solidFill>
+              </a:rPr>
+              <a:t>): f(i) = f‘(i)</a:t>
+            </a:r>
+            <a:endParaRPr lang="en-US" dirty="0" smtClean="0">
+              <a:solidFill>
+                <a:srgbClr val="FF0000"/>
+              </a:solidFill>
+            </a:endParaRPr>
+          </a:p>
+          <a:p>
+            <a:pPr lvl="1"/>
+            <a:r>
               <a:rPr lang="en-US" dirty="0" smtClean="0">
                 <a:solidFill>
                   <a:srgbClr val="000000"/>
                 </a:solidFill>
               </a:rPr>
-              <a:t>If we are able to prove the restrictions hold </a:t>
+              <a:t>Non-equivalent: for every </a:t>
+            </a:r>
+            <a:r>
+              <a:rPr lang="en-US" dirty="0" err="1" smtClean="0">
+                <a:solidFill>
+                  <a:srgbClr val="000000"/>
+                </a:solidFill>
+              </a:rPr>
+              <a:t>i</a:t>
             </a:r>
             <a:r>
               <a:rPr lang="en-US" dirty="0" smtClean="0">
@@ -4833,7 +4633,15 @@
                   <a:srgbClr val="000000"/>
                 </a:solidFill>
               </a:rPr>
-              <a:t>for some array A (</a:t>
+              <a:t> in range(</a:t>
+            </a:r>
+            <a:r>
+              <a:rPr lang="en-US" dirty="0" err="1" smtClean="0">
+                <a:solidFill>
+                  <a:srgbClr val="000000"/>
+                </a:solidFill>
+              </a:rPr>
+              <a:t>len</a:t>
             </a:r>
             <a:r>
               <a:rPr lang="en-US" dirty="0" smtClean="0">
@@ -4841,7 +4649,7 @@
                   <a:srgbClr val="000000"/>
                 </a:solidFill>
               </a:rPr>
-              <a:t>we used Z3), then “</a:t>
+              <a:t>): f(</a:t>
             </a:r>
             <a:r>
               <a:rPr lang="en-US" dirty="0" err="1" smtClean="0">
@@ -4849,7 +4657,7 @@
                   <a:srgbClr val="000000"/>
                 </a:solidFill>
               </a:rPr>
-              <a:t>scalarize</a:t>
+              <a:t>i</a:t>
             </a:r>
             <a:r>
               <a:rPr lang="en-US" dirty="0" smtClean="0">
@@ -4857,7 +4665,15 @@
                   <a:srgbClr val="000000"/>
                 </a:solidFill>
               </a:rPr>
-              <a:t>” accesses to A, </a:t>
+              <a:t>) =/= f’(</a:t>
+            </a:r>
+            <a:r>
+              <a:rPr lang="en-US" dirty="0" err="1" smtClean="0">
+                <a:solidFill>
+                  <a:srgbClr val="000000"/>
+                </a:solidFill>
+              </a:rPr>
+              <a:t>i</a:t>
             </a:r>
             <a:r>
               <a:rPr lang="en-US" dirty="0" smtClean="0">
@@ -4865,15 +4681,164 @@
                   <a:srgbClr val="000000"/>
                 </a:solidFill>
               </a:rPr>
-              <a:t>otherwise default to “aggregate” </a:t>
-            </a:r>
+              <a:t>)</a:t>
+            </a:r>
+          </a:p>
+          <a:p>
+            <a:pPr lvl="1"/>
             <a:r>
               <a:rPr lang="en-US" dirty="0" smtClean="0">
                 <a:solidFill>
                   <a:srgbClr val="000000"/>
                 </a:solidFill>
               </a:rPr>
-              <a:t>array A</a:t>
+              <a:t>Intuition: for every iteration </a:t>
+            </a:r>
+            <a:r>
+              <a:rPr lang="en-US" dirty="0" err="1" smtClean="0">
+                <a:solidFill>
+                  <a:srgbClr val="000000"/>
+                </a:solidFill>
+              </a:rPr>
+              <a:t>i</a:t>
+            </a:r>
+            <a:r>
+              <a:rPr lang="en-US" dirty="0" smtClean="0">
+                <a:solidFill>
+                  <a:srgbClr val="000000"/>
+                </a:solidFill>
+              </a:rPr>
+              <a:t>, A[f(</a:t>
+            </a:r>
+            <a:r>
+              <a:rPr lang="en-US" dirty="0" err="1" smtClean="0">
+                <a:solidFill>
+                  <a:srgbClr val="000000"/>
+                </a:solidFill>
+              </a:rPr>
+              <a:t>i</a:t>
+            </a:r>
+            <a:r>
+              <a:rPr lang="en-US" dirty="0" smtClean="0">
+                <a:solidFill>
+                  <a:srgbClr val="000000"/>
+                </a:solidFill>
+              </a:rPr>
+              <a:t>)] and A[f’(</a:t>
+            </a:r>
+            <a:r>
+              <a:rPr lang="en-US" dirty="0" err="1" smtClean="0">
+                <a:solidFill>
+                  <a:srgbClr val="000000"/>
+                </a:solidFill>
+              </a:rPr>
+              <a:t>i</a:t>
+            </a:r>
+            <a:r>
+              <a:rPr lang="en-US" dirty="0" smtClean="0">
+                <a:solidFill>
+                  <a:srgbClr val="000000"/>
+                </a:solidFill>
+              </a:rPr>
+              <a:t>)] either refer to the same location, or to different locations</a:t>
+            </a:r>
+          </a:p>
+          <a:p>
+            <a:r>
+              <a:rPr lang="en-US" dirty="0" smtClean="0">
+                <a:solidFill>
+                  <a:srgbClr val="000000"/>
+                </a:solidFill>
+              </a:rPr>
+              <a:t>Also, for every </a:t>
+            </a:r>
+            <a:r>
+              <a:rPr lang="en-US" dirty="0" err="1" smtClean="0">
+                <a:solidFill>
+                  <a:srgbClr val="000000"/>
+                </a:solidFill>
+              </a:rPr>
+              <a:t>def-def</a:t>
+            </a:r>
+            <a:r>
+              <a:rPr lang="en-US" dirty="0" smtClean="0">
+                <a:solidFill>
+                  <a:srgbClr val="000000"/>
+                </a:solidFill>
+              </a:rPr>
+              <a:t> pair A[f(</a:t>
+            </a:r>
+            <a:r>
+              <a:rPr lang="en-US" dirty="0" err="1" smtClean="0">
+                <a:solidFill>
+                  <a:srgbClr val="000000"/>
+                </a:solidFill>
+              </a:rPr>
+              <a:t>i</a:t>
+            </a:r>
+            <a:r>
+              <a:rPr lang="en-US" dirty="0" smtClean="0">
+                <a:solidFill>
+                  <a:srgbClr val="000000"/>
+                </a:solidFill>
+              </a:rPr>
+              <a:t>)] and A[f’(</a:t>
+            </a:r>
+            <a:r>
+              <a:rPr lang="en-US" dirty="0" err="1" smtClean="0">
+                <a:solidFill>
+                  <a:srgbClr val="000000"/>
+                </a:solidFill>
+              </a:rPr>
+              <a:t>i</a:t>
+            </a:r>
+            <a:r>
+              <a:rPr lang="en-US" dirty="0" smtClean="0">
+                <a:solidFill>
+                  <a:srgbClr val="000000"/>
+                </a:solidFill>
+              </a:rPr>
+              <a:t>)</a:t>
+            </a:r>
+            <a:r>
+              <a:rPr lang="en-US" dirty="0" smtClean="0">
+                <a:solidFill>
+                  <a:srgbClr val="000000"/>
+                </a:solidFill>
+              </a:rPr>
+              <a:t>], f(</a:t>
+            </a:r>
+            <a:r>
+              <a:rPr lang="en-US" dirty="0" err="1" smtClean="0">
+                <a:solidFill>
+                  <a:srgbClr val="000000"/>
+                </a:solidFill>
+              </a:rPr>
+              <a:t>i</a:t>
+            </a:r>
+            <a:r>
+              <a:rPr lang="en-US" dirty="0" smtClean="0">
+                <a:solidFill>
+                  <a:srgbClr val="000000"/>
+                </a:solidFill>
+              </a:rPr>
+              <a:t>) and f’(</a:t>
+            </a:r>
+            <a:r>
+              <a:rPr lang="en-US" dirty="0" err="1" smtClean="0">
+                <a:solidFill>
+                  <a:srgbClr val="000000"/>
+                </a:solidFill>
+              </a:rPr>
+              <a:t>i</a:t>
+            </a:r>
+            <a:r>
+              <a:rPr lang="en-US" dirty="0" smtClean="0">
+                <a:solidFill>
+                  <a:srgbClr val="000000"/>
+                </a:solidFill>
+              </a:rPr>
+              <a:t>) are either equivalent or nonequivalent </a:t>
             </a:r>
             <a:endParaRPr lang="en-US" dirty="0" smtClean="0">
               <a:solidFill>
@@ -4888,32 +4853,31 @@
                   <a:srgbClr val="000000"/>
                 </a:solidFill>
               </a:rPr>
-              <a:t>Open problem: extend these notions and analysis to nested loops</a:t>
-            </a:r>
-          </a:p>
-          <a:p>
-            <a:endParaRPr lang="en-US" dirty="0">
-              <a:solidFill>
-                <a:srgbClr val="000000"/>
-              </a:solidFill>
-            </a:endParaRPr>
-          </a:p>
-          <a:p>
+              <a:t>Some other restrictions (don’t remember </a:t>
+            </a:r>
             <a:r>
               <a:rPr lang="en-US" dirty="0" smtClean="0">
                 <a:solidFill>
                   <a:srgbClr val="000000"/>
                 </a:solidFill>
               </a:rPr>
-              <a:t>“</a:t>
-            </a:r>
-            <a:r>
-              <a:rPr lang="en-US" dirty="0" err="1" smtClean="0">
+              <a:t>exactly </a:t>
+            </a:r>
+            <a:r>
+              <a:rPr lang="en-US" dirty="0" smtClean="0">
                 <a:solidFill>
                   <a:srgbClr val="000000"/>
                 </a:solidFill>
               </a:rPr>
-              <a:t>Scalarization</a:t>
+              <a:t>now</a:t>
+            </a:r>
+            <a:r>
+              <a:rPr lang="is-IS" dirty="0" smtClean="0">
+                <a:solidFill>
+                  <a:srgbClr val="000000"/>
+                </a:solidFill>
+              </a:rPr>
+              <a:t>…</a:t>
             </a:r>
             <a:r>
               <a:rPr lang="en-US" dirty="0" smtClean="0">
@@ -4921,79 +4885,7 @@
                   <a:srgbClr val="000000"/>
                 </a:solidFill>
               </a:rPr>
-              <a:t>”: A[f(</a:t>
-            </a:r>
-            <a:r>
-              <a:rPr lang="en-US" dirty="0" err="1" smtClean="0">
-                <a:solidFill>
-                  <a:srgbClr val="000000"/>
-                </a:solidFill>
-              </a:rPr>
-              <a:t>i</a:t>
-            </a:r>
-            <a:r>
-              <a:rPr lang="en-US" dirty="0" smtClean="0">
-                <a:solidFill>
-                  <a:srgbClr val="000000"/>
-                </a:solidFill>
-              </a:rPr>
-              <a:t>)] becomes either </a:t>
-            </a:r>
-            <a:r>
-              <a:rPr lang="en-US" dirty="0" err="1" smtClean="0">
-                <a:solidFill>
-                  <a:srgbClr val="000000"/>
-                </a:solidFill>
-              </a:rPr>
-              <a:t>A_f</a:t>
-            </a:r>
-            <a:r>
-              <a:rPr lang="en-US" dirty="0" smtClean="0">
-                <a:solidFill>
-                  <a:srgbClr val="000000"/>
-                </a:solidFill>
-              </a:rPr>
-              <a:t>(</a:t>
-            </a:r>
-            <a:r>
-              <a:rPr lang="en-US" dirty="0" err="1" smtClean="0">
-                <a:solidFill>
-                  <a:srgbClr val="000000"/>
-                </a:solidFill>
-              </a:rPr>
-              <a:t>i</a:t>
-            </a:r>
-            <a:r>
-              <a:rPr lang="en-US" dirty="0" smtClean="0">
-                <a:solidFill>
-                  <a:srgbClr val="000000"/>
-                </a:solidFill>
-              </a:rPr>
-              <a:t>) or A and is treated like a “scalar”</a:t>
-            </a:r>
-            <a:r>
-              <a:rPr lang="en-US" dirty="0">
-                <a:solidFill>
-                  <a:srgbClr val="000000"/>
-                </a:solidFill>
-              </a:rPr>
-              <a:t> </a:t>
-            </a:r>
-            <a:r>
-              <a:rPr lang="en-US" dirty="0" smtClean="0">
-                <a:solidFill>
-                  <a:srgbClr val="000000"/>
-                </a:solidFill>
-              </a:rPr>
-              <a:t>during </a:t>
-            </a:r>
-            <a:r>
-              <a:rPr lang="en-US" dirty="0" smtClean="0">
-                <a:solidFill>
-                  <a:srgbClr val="000000"/>
-                </a:solidFill>
-              </a:rPr>
-              <a:t>SSA construction</a:t>
+              <a:t>)</a:t>
             </a:r>
             <a:endParaRPr lang="en-US" dirty="0" smtClean="0">
               <a:solidFill>
@@ -5002,6 +4894,13 @@
             </a:endParaRPr>
           </a:p>
           <a:p>
+            <a:endParaRPr lang="en-US" dirty="0" smtClean="0">
+              <a:solidFill>
+                <a:srgbClr val="000000"/>
+              </a:solidFill>
+            </a:endParaRPr>
+          </a:p>
+          <a:p>
             <a:endParaRPr lang="de-DE" dirty="0" smtClean="0">
               <a:solidFill>
                 <a:srgbClr val="000000"/>
@@ -5013,7 +4912,7 @@
     </p:spTree>
     <p:extLst>
       <p:ext uri="{BB962C8B-B14F-4D97-AF65-F5344CB8AC3E}">
-        <p14:creationId xmlns:p14="http://schemas.microsoft.com/office/powerpoint/2010/main" val="2482873949"/>
+        <p14:creationId xmlns:p14="http://schemas.microsoft.com/office/powerpoint/2010/main" val="1862760575"/>
       </p:ext>
     </p:extLst>
   </p:cSld>
@@ -5065,7 +4964,7 @@
             </a:r>
             <a:r>
               <a:rPr lang="en-US" dirty="0" smtClean="0"/>
-              <a:t>” Examples </a:t>
+              <a:t>”</a:t>
             </a:r>
             <a:endParaRPr lang="en-US" dirty="0"/>
           </a:p>
@@ -5081,526 +4980,208 @@
             <p:ph idx="1"/>
           </p:nvPr>
         </p:nvSpPr>
-        <p:spPr>
-          <a:xfrm>
-            <a:off x="457200" y="1600200"/>
-            <a:ext cx="4043187" cy="4525963"/>
-          </a:xfrm>
-        </p:spPr>
-        <p:txBody>
-          <a:bodyPr/>
+        <p:spPr/>
+        <p:txBody>
+          <a:bodyPr>
+            <a:normAutofit fontScale="92500" lnSpcReduction="10000"/>
+          </a:bodyPr>
           <a:lstStyle/>
           <a:p>
-            <a:pPr marL="0" indent="0">
-              <a:buNone/>
-            </a:pPr>
-            <a:r>
-              <a:rPr lang="en-US" dirty="0" smtClean="0"/>
-              <a:t>Aiken:</a:t>
-            </a:r>
-          </a:p>
-          <a:p>
-            <a:pPr marL="0" indent="0">
-              <a:buNone/>
-            </a:pPr>
-            <a:r>
-              <a:rPr lang="en-US" dirty="0" smtClean="0"/>
-              <a:t>for </a:t>
-            </a:r>
-            <a:r>
-              <a:rPr lang="en-US" dirty="0" err="1"/>
-              <a:t>i</a:t>
-            </a:r>
-            <a:r>
-              <a:rPr lang="en-US" dirty="0"/>
-              <a:t> in range(0,len)</a:t>
-            </a:r>
-            <a:r>
-              <a:rPr lang="en-US" dirty="0" smtClean="0"/>
-              <a:t>:</a:t>
-            </a:r>
-          </a:p>
-          <a:p>
-            <a:pPr marL="0" indent="0">
-              <a:buNone/>
-            </a:pPr>
-            <a:r>
-              <a:rPr lang="en-US" dirty="0">
-                <a:solidFill>
-                  <a:srgbClr val="FF0000"/>
-                </a:solidFill>
-              </a:rPr>
-              <a:t> </a:t>
-            </a:r>
             <a:r>
               <a:rPr lang="en-US" dirty="0" smtClean="0">
                 <a:solidFill>
-                  <a:srgbClr val="FF0000"/>
-                </a:solidFill>
-              </a:rPr>
-              <a:t>   </a:t>
-            </a:r>
-            <a:r>
-              <a:rPr lang="de-DE" dirty="0" err="1" smtClean="0">
-                <a:solidFill>
-                  <a:srgbClr val="FF0000"/>
-                </a:solidFill>
-              </a:rPr>
-              <a:t>A_i</a:t>
-            </a:r>
-            <a:r>
-              <a:rPr lang="de-DE" dirty="0" smtClean="0"/>
-              <a:t> </a:t>
-            </a:r>
-            <a:r>
-              <a:rPr lang="de-DE" dirty="0"/>
-              <a:t>= </a:t>
-            </a:r>
-            <a:r>
-              <a:rPr lang="de-DE" dirty="0" err="1" smtClean="0"/>
-              <a:t>B_i</a:t>
-            </a:r>
-            <a:r>
-              <a:rPr lang="de-DE" dirty="0" smtClean="0"/>
-              <a:t>*</a:t>
-            </a:r>
-            <a:r>
-              <a:rPr lang="de-DE" dirty="0"/>
-              <a:t>i 			</a:t>
-            </a:r>
-            <a:endParaRPr lang="de-DE" dirty="0" smtClean="0"/>
-          </a:p>
-          <a:p>
-            <a:pPr marL="0" indent="0">
-              <a:buNone/>
-            </a:pPr>
-            <a:r>
-              <a:rPr lang="de-DE" dirty="0"/>
-              <a:t> </a:t>
-            </a:r>
-            <a:r>
-              <a:rPr lang="de-DE" dirty="0" smtClean="0"/>
-              <a:t>   </a:t>
-            </a:r>
-            <a:r>
-              <a:rPr lang="en-US" dirty="0" err="1" smtClean="0"/>
-              <a:t>B_i</a:t>
-            </a:r>
-            <a:r>
-              <a:rPr lang="en-US" dirty="0" smtClean="0"/>
-              <a:t> </a:t>
-            </a:r>
-            <a:r>
-              <a:rPr lang="en-US" dirty="0"/>
-              <a:t>= </a:t>
+                  <a:srgbClr val="000000"/>
+                </a:solidFill>
+              </a:rPr>
+              <a:t>If we are able to prove the restrictions hold </a:t>
+            </a:r>
+            <a:r>
+              <a:rPr lang="en-US" dirty="0" smtClean="0">
+                <a:solidFill>
+                  <a:srgbClr val="000000"/>
+                </a:solidFill>
+              </a:rPr>
+              <a:t>for some array A (</a:t>
+            </a:r>
+            <a:r>
+              <a:rPr lang="en-US" dirty="0" smtClean="0">
+                <a:solidFill>
+                  <a:srgbClr val="000000"/>
+                </a:solidFill>
+              </a:rPr>
+              <a:t>we used Z3), then “</a:t>
             </a:r>
             <a:r>
               <a:rPr lang="en-US" dirty="0" err="1" smtClean="0">
                 <a:solidFill>
-                  <a:srgbClr val="FF0000"/>
-                </a:solidFill>
-              </a:rPr>
-              <a:t>A_i</a:t>
-            </a:r>
-            <a:r>
-              <a:rPr lang="en-US" dirty="0" smtClean="0"/>
-              <a:t>*</a:t>
+                  <a:srgbClr val="000000"/>
+                </a:solidFill>
+              </a:rPr>
+              <a:t>scalarize</a:t>
             </a:r>
             <a:r>
               <a:rPr lang="en-US" dirty="0" smtClean="0">
                 <a:solidFill>
-                  <a:srgbClr val="008000"/>
-                </a:solidFill>
-              </a:rPr>
-              <a:t>D_(i</a:t>
-            </a:r>
-            <a:r>
-              <a:rPr lang="en-US" dirty="0">
-                <a:solidFill>
-                  <a:srgbClr val="008000"/>
-                </a:solidFill>
-              </a:rPr>
-              <a:t>-</a:t>
+                  <a:srgbClr val="000000"/>
+                </a:solidFill>
+              </a:rPr>
+              <a:t>” accesses to A, </a:t>
             </a:r>
             <a:r>
               <a:rPr lang="en-US" dirty="0" smtClean="0">
                 <a:solidFill>
-                  <a:srgbClr val="008000"/>
-                </a:solidFill>
-              </a:rPr>
-              <a:t>1)</a:t>
-            </a:r>
+                  <a:srgbClr val="000000"/>
+                </a:solidFill>
+              </a:rPr>
+              <a:t>otherwise default to “aggregate” </a:t>
+            </a:r>
+            <a:r>
+              <a:rPr lang="en-US" dirty="0" smtClean="0">
+                <a:solidFill>
+                  <a:srgbClr val="000000"/>
+                </a:solidFill>
+              </a:rPr>
+              <a:t>array A</a:t>
+            </a:r>
+            <a:endParaRPr lang="en-US" dirty="0" smtClean="0">
+              <a:solidFill>
+                <a:srgbClr val="000000"/>
+              </a:solidFill>
+            </a:endParaRPr>
+          </a:p>
+          <a:p>
+            <a:r>
+              <a:rPr lang="en-US" dirty="0" smtClean="0">
+                <a:solidFill>
+                  <a:srgbClr val="000000"/>
+                </a:solidFill>
+              </a:rPr>
+              <a:t>Open problem: extend these notions and analysis to nested loops</a:t>
+            </a:r>
+          </a:p>
+          <a:p>
             <a:endParaRPr lang="en-US" dirty="0">
               <a:solidFill>
-                <a:srgbClr val="008000"/>
+                <a:srgbClr val="000000"/>
               </a:solidFill>
             </a:endParaRPr>
           </a:p>
           <a:p>
-            <a:pPr marL="0" indent="0">
-              <a:buNone/>
-            </a:pPr>
-            <a:r>
-              <a:rPr lang="en-US" dirty="0" smtClean="0"/>
-              <a:t>    </a:t>
+            <a:r>
+              <a:rPr lang="en-US" dirty="0" smtClean="0">
+                <a:solidFill>
+                  <a:srgbClr val="000000"/>
+                </a:solidFill>
+              </a:rPr>
+              <a:t>“</a:t>
             </a:r>
             <a:r>
               <a:rPr lang="en-US" dirty="0" err="1" smtClean="0">
                 <a:solidFill>
-                  <a:srgbClr val="0000FF"/>
-                </a:solidFill>
-              </a:rPr>
-              <a:t>C_i</a:t>
-            </a:r>
-            <a:r>
-              <a:rPr lang="en-US" dirty="0" smtClean="0"/>
+                  <a:srgbClr val="000000"/>
+                </a:solidFill>
+              </a:rPr>
+              <a:t>Scalarization</a:t>
+            </a:r>
+            <a:r>
+              <a:rPr lang="en-US" dirty="0" smtClean="0">
+                <a:solidFill>
+                  <a:srgbClr val="000000"/>
+                </a:solidFill>
+              </a:rPr>
+              <a:t>”: A[f(</a:t>
+            </a:r>
+            <a:r>
+              <a:rPr lang="en-US" dirty="0" err="1" smtClean="0">
+                <a:solidFill>
+                  <a:srgbClr val="000000"/>
+                </a:solidFill>
+              </a:rPr>
+              <a:t>i</a:t>
+            </a:r>
+            <a:r>
+              <a:rPr lang="en-US" dirty="0" smtClean="0">
+                <a:solidFill>
+                  <a:srgbClr val="000000"/>
+                </a:solidFill>
+              </a:rPr>
+              <a:t>)] becomes either </a:t>
+            </a:r>
+            <a:r>
+              <a:rPr lang="en-US" dirty="0" err="1" smtClean="0">
+                <a:solidFill>
+                  <a:srgbClr val="000000"/>
+                </a:solidFill>
+              </a:rPr>
+              <a:t>A_f</a:t>
+            </a:r>
+            <a:r>
+              <a:rPr lang="en-US" dirty="0" smtClean="0">
+                <a:solidFill>
+                  <a:srgbClr val="000000"/>
+                </a:solidFill>
+              </a:rPr>
+              <a:t>(</a:t>
+            </a:r>
+            <a:r>
+              <a:rPr lang="en-US" dirty="0" err="1" smtClean="0">
+                <a:solidFill>
+                  <a:srgbClr val="000000"/>
+                </a:solidFill>
+              </a:rPr>
+              <a:t>i</a:t>
+            </a:r>
+            <a:r>
+              <a:rPr lang="en-US" dirty="0" smtClean="0">
+                <a:solidFill>
+                  <a:srgbClr val="000000"/>
+                </a:solidFill>
+              </a:rPr>
+              <a:t>) or A and is treated like a “scalar”</a:t>
+            </a:r>
+            <a:r>
+              <a:rPr lang="en-US" dirty="0">
+                <a:solidFill>
+                  <a:srgbClr val="000000"/>
+                </a:solidFill>
+              </a:rPr>
               <a:t> </a:t>
             </a:r>
             <a:r>
-              <a:rPr lang="en-US" dirty="0"/>
-              <a:t>= </a:t>
-            </a:r>
-            <a:r>
-              <a:rPr lang="en-US" dirty="0" err="1" smtClean="0">
-                <a:solidFill>
-                  <a:srgbClr val="FF0000"/>
-                </a:solidFill>
-              </a:rPr>
-              <a:t>A_i</a:t>
-            </a:r>
-            <a:r>
-              <a:rPr lang="en-US" dirty="0" smtClean="0"/>
-              <a:t>*</a:t>
-            </a:r>
-            <a:r>
               <a:rPr lang="en-US" dirty="0" smtClean="0">
                 <a:solidFill>
-                  <a:srgbClr val="008000"/>
-                </a:solidFill>
-              </a:rPr>
-              <a:t>D_(i</a:t>
-            </a:r>
-            <a:r>
-              <a:rPr lang="en-US" dirty="0">
-                <a:solidFill>
-                  <a:srgbClr val="008000"/>
-                </a:solidFill>
-              </a:rPr>
-              <a:t>-</a:t>
+                  <a:srgbClr val="000000"/>
+                </a:solidFill>
+              </a:rPr>
+              <a:t>during </a:t>
             </a:r>
             <a:r>
               <a:rPr lang="en-US" dirty="0" smtClean="0">
                 <a:solidFill>
-                  <a:srgbClr val="008000"/>
-                </a:solidFill>
-              </a:rPr>
-              <a:t>1)</a:t>
-            </a:r>
-            <a:r>
-              <a:rPr lang="en-US" dirty="0"/>
-              <a:t>	</a:t>
-            </a:r>
-          </a:p>
-          <a:p>
-            <a:pPr marL="0" indent="0">
-              <a:buNone/>
-            </a:pPr>
-            <a:r>
-              <a:rPr lang="de-DE" dirty="0" smtClean="0"/>
-              <a:t>    </a:t>
-            </a:r>
-            <a:r>
-              <a:rPr lang="de-DE" dirty="0" err="1" smtClean="0">
-                <a:solidFill>
-                  <a:srgbClr val="800000"/>
-                </a:solidFill>
-              </a:rPr>
-              <a:t>D_i</a:t>
-            </a:r>
-            <a:r>
-              <a:rPr lang="de-DE" dirty="0" smtClean="0"/>
-              <a:t> </a:t>
-            </a:r>
-            <a:r>
-              <a:rPr lang="de-DE" dirty="0"/>
-              <a:t>= </a:t>
-            </a:r>
-            <a:r>
-              <a:rPr lang="de-DE" dirty="0" err="1" smtClean="0"/>
-              <a:t>B_i+</a:t>
-            </a:r>
-            <a:r>
-              <a:rPr lang="de-DE" dirty="0" err="1" smtClean="0">
-                <a:solidFill>
-                  <a:srgbClr val="0000FF"/>
-                </a:solidFill>
-              </a:rPr>
-              <a:t>C_i</a:t>
-            </a:r>
-            <a:r>
-              <a:rPr lang="de-DE" dirty="0" smtClean="0"/>
-              <a:t> </a:t>
-            </a:r>
-            <a:endParaRPr lang="de-DE" dirty="0"/>
-          </a:p>
-          <a:p>
-            <a:pPr marL="0" indent="0">
-              <a:buNone/>
-            </a:pPr>
-            <a:endParaRPr lang="en-US" dirty="0"/>
-          </a:p>
-        </p:txBody>
-      </p:sp>
-      <p:sp>
-        <p:nvSpPr>
-          <p:cNvPr id="4" name="Content Placeholder 2"/>
-          <p:cNvSpPr txBox="1">
-            <a:spLocks/>
-          </p:cNvSpPr>
-          <p:nvPr/>
-        </p:nvSpPr>
-        <p:spPr>
-          <a:xfrm>
-            <a:off x="4680943" y="1600734"/>
-            <a:ext cx="4043187" cy="4525963"/>
-          </a:xfrm>
-          <a:prstGeom prst="rect">
-            <a:avLst/>
-          </a:prstGeom>
-        </p:spPr>
-        <p:txBody>
-          <a:bodyPr vert="horz" lIns="91440" tIns="45720" rIns="91440" bIns="45720" rtlCol="0">
-            <a:normAutofit/>
-          </a:bodyPr>
-          <a:lstStyle>
-            <a:lvl1pPr marL="342900" indent="-342900" algn="l" defTabSz="457200" rtl="0" eaLnBrk="1" latinLnBrk="0" hangingPunct="1">
-              <a:spcBef>
-                <a:spcPct val="20000"/>
-              </a:spcBef>
-              <a:buFont typeface="Arial"/>
-              <a:buChar char="•"/>
-              <a:defRPr sz="3200" kern="1200">
-                <a:solidFill>
-                  <a:schemeClr val="tx1"/>
-                </a:solidFill>
-                <a:latin typeface="+mn-lt"/>
-                <a:ea typeface="+mn-ea"/>
-                <a:cs typeface="+mn-cs"/>
-              </a:defRPr>
-            </a:lvl1pPr>
-            <a:lvl2pPr marL="742950" indent="-285750" algn="l" defTabSz="457200" rtl="0" eaLnBrk="1" latinLnBrk="0" hangingPunct="1">
-              <a:spcBef>
-                <a:spcPct val="20000"/>
-              </a:spcBef>
-              <a:buFont typeface="Arial"/>
-              <a:buChar char="–"/>
-              <a:defRPr sz="2800" kern="1200">
-                <a:solidFill>
-                  <a:schemeClr val="tx1"/>
-                </a:solidFill>
-                <a:latin typeface="+mn-lt"/>
-                <a:ea typeface="+mn-ea"/>
-                <a:cs typeface="+mn-cs"/>
-              </a:defRPr>
-            </a:lvl2pPr>
-            <a:lvl3pPr marL="1143000" indent="-228600" algn="l" defTabSz="457200" rtl="0" eaLnBrk="1" latinLnBrk="0" hangingPunct="1">
-              <a:spcBef>
-                <a:spcPct val="20000"/>
-              </a:spcBef>
-              <a:buFont typeface="Arial"/>
-              <a:buChar char="•"/>
-              <a:defRPr sz="2400" kern="1200">
-                <a:solidFill>
-                  <a:schemeClr val="tx1"/>
-                </a:solidFill>
-                <a:latin typeface="+mn-lt"/>
-                <a:ea typeface="+mn-ea"/>
-                <a:cs typeface="+mn-cs"/>
-              </a:defRPr>
-            </a:lvl3pPr>
-            <a:lvl4pPr marL="1600200" indent="-228600" algn="l" defTabSz="457200" rtl="0" eaLnBrk="1" latinLnBrk="0" hangingPunct="1">
-              <a:spcBef>
-                <a:spcPct val="20000"/>
-              </a:spcBef>
-              <a:buFont typeface="Arial"/>
-              <a:buChar char="–"/>
-              <a:defRPr sz="2000" kern="1200">
-                <a:solidFill>
-                  <a:schemeClr val="tx1"/>
-                </a:solidFill>
-                <a:latin typeface="+mn-lt"/>
-                <a:ea typeface="+mn-ea"/>
-                <a:cs typeface="+mn-cs"/>
-              </a:defRPr>
-            </a:lvl4pPr>
-            <a:lvl5pPr marL="2057400" indent="-228600" algn="l" defTabSz="457200" rtl="0" eaLnBrk="1" latinLnBrk="0" hangingPunct="1">
-              <a:spcBef>
-                <a:spcPct val="20000"/>
-              </a:spcBef>
-              <a:buFont typeface="Arial"/>
-              <a:buChar char="»"/>
-              <a:defRPr sz="2000" kern="1200">
-                <a:solidFill>
-                  <a:schemeClr val="tx1"/>
-                </a:solidFill>
-                <a:latin typeface="+mn-lt"/>
-                <a:ea typeface="+mn-ea"/>
-                <a:cs typeface="+mn-cs"/>
-              </a:defRPr>
-            </a:lvl5pPr>
-            <a:lvl6pPr marL="2514600" indent="-228600" algn="l" defTabSz="457200" rtl="0" eaLnBrk="1" latinLnBrk="0" hangingPunct="1">
-              <a:spcBef>
-                <a:spcPct val="20000"/>
-              </a:spcBef>
-              <a:buFont typeface="Arial"/>
-              <a:buChar char="•"/>
-              <a:defRPr sz="2000" kern="1200">
-                <a:solidFill>
-                  <a:schemeClr val="tx1"/>
-                </a:solidFill>
-                <a:latin typeface="+mn-lt"/>
-                <a:ea typeface="+mn-ea"/>
-                <a:cs typeface="+mn-cs"/>
-              </a:defRPr>
-            </a:lvl6pPr>
-            <a:lvl7pPr marL="2971800" indent="-228600" algn="l" defTabSz="457200" rtl="0" eaLnBrk="1" latinLnBrk="0" hangingPunct="1">
-              <a:spcBef>
-                <a:spcPct val="20000"/>
-              </a:spcBef>
-              <a:buFont typeface="Arial"/>
-              <a:buChar char="•"/>
-              <a:defRPr sz="2000" kern="1200">
-                <a:solidFill>
-                  <a:schemeClr val="tx1"/>
-                </a:solidFill>
-                <a:latin typeface="+mn-lt"/>
-                <a:ea typeface="+mn-ea"/>
-                <a:cs typeface="+mn-cs"/>
-              </a:defRPr>
-            </a:lvl7pPr>
-            <a:lvl8pPr marL="3429000" indent="-228600" algn="l" defTabSz="457200" rtl="0" eaLnBrk="1" latinLnBrk="0" hangingPunct="1">
-              <a:spcBef>
-                <a:spcPct val="20000"/>
-              </a:spcBef>
-              <a:buFont typeface="Arial"/>
-              <a:buChar char="•"/>
-              <a:defRPr sz="2000" kern="1200">
-                <a:solidFill>
-                  <a:schemeClr val="tx1"/>
-                </a:solidFill>
-                <a:latin typeface="+mn-lt"/>
-                <a:ea typeface="+mn-ea"/>
-                <a:cs typeface="+mn-cs"/>
-              </a:defRPr>
-            </a:lvl8pPr>
-            <a:lvl9pPr marL="3886200" indent="-228600" algn="l" defTabSz="457200" rtl="0" eaLnBrk="1" latinLnBrk="0" hangingPunct="1">
-              <a:spcBef>
-                <a:spcPct val="20000"/>
-              </a:spcBef>
-              <a:buFont typeface="Arial"/>
-              <a:buChar char="•"/>
-              <a:defRPr sz="2000" kern="1200">
-                <a:solidFill>
-                  <a:schemeClr val="tx1"/>
-                </a:solidFill>
-                <a:latin typeface="+mn-lt"/>
-                <a:ea typeface="+mn-ea"/>
-                <a:cs typeface="+mn-cs"/>
-              </a:defRPr>
-            </a:lvl9pPr>
-          </a:lstStyle>
-          <a:p>
-            <a:pPr marL="0" indent="0">
-              <a:buNone/>
-            </a:pPr>
-            <a:r>
-              <a:rPr lang="en-US" dirty="0" smtClean="0"/>
-              <a:t>IP:</a:t>
-            </a:r>
-          </a:p>
-          <a:p>
-            <a:pPr marL="0" indent="0">
-              <a:buNone/>
-            </a:pPr>
-            <a:r>
-              <a:rPr lang="en-US" dirty="0" smtClean="0"/>
-              <a:t>for </a:t>
-            </a:r>
-            <a:r>
-              <a:rPr lang="en-US" dirty="0" err="1" smtClean="0"/>
-              <a:t>i</a:t>
-            </a:r>
-            <a:r>
-              <a:rPr lang="en-US" dirty="0" smtClean="0"/>
-              <a:t> in range(</a:t>
-            </a:r>
-            <a:r>
-              <a:rPr lang="en-US" dirty="0" err="1" smtClean="0"/>
-              <a:t>len</a:t>
-            </a:r>
-            <a:r>
-              <a:rPr lang="en-US" dirty="0" smtClean="0"/>
-              <a:t>):</a:t>
-            </a:r>
-          </a:p>
-          <a:p>
-            <a:pPr marL="0" indent="0">
-              <a:buNone/>
-            </a:pPr>
-            <a:r>
-              <a:rPr lang="en-US" dirty="0"/>
-              <a:t> </a:t>
-            </a:r>
-            <a:r>
-              <a:rPr lang="en-US" dirty="0" smtClean="0"/>
-              <a:t>   t = </a:t>
-            </a:r>
-            <a:r>
-              <a:rPr lang="en-US" dirty="0" err="1" smtClean="0">
-                <a:solidFill>
-                  <a:srgbClr val="FF0000"/>
-                </a:solidFill>
-              </a:rPr>
-              <a:t>A_i</a:t>
-            </a:r>
-            <a:r>
-              <a:rPr lang="en-US" dirty="0" smtClean="0"/>
-              <a:t> * </a:t>
-            </a:r>
-            <a:r>
-              <a:rPr lang="en-US" dirty="0" err="1" smtClean="0">
-                <a:solidFill>
-                  <a:srgbClr val="0000FF"/>
-                </a:solidFill>
-              </a:rPr>
-              <a:t>B_i</a:t>
+                  <a:srgbClr val="000000"/>
+                </a:solidFill>
+              </a:rPr>
+              <a:t>SSA construction</a:t>
             </a:r>
             <a:endParaRPr lang="en-US" dirty="0" smtClean="0">
               <a:solidFill>
-                <a:srgbClr val="0000FF"/>
+                <a:srgbClr val="000000"/>
               </a:solidFill>
             </a:endParaRPr>
           </a:p>
           <a:p>
-            <a:pPr marL="0" indent="0">
-              <a:buNone/>
-            </a:pPr>
-            <a:r>
-              <a:rPr lang="en-US" dirty="0"/>
-              <a:t> </a:t>
-            </a:r>
-            <a:r>
-              <a:rPr lang="en-US" dirty="0" smtClean="0"/>
-              <a:t>   sum = sum + t</a:t>
-            </a:r>
-            <a:endParaRPr lang="en-US" dirty="0"/>
+            <a:endParaRPr lang="de-DE" dirty="0" smtClean="0">
+              <a:solidFill>
+                <a:srgbClr val="000000"/>
+              </a:solidFill>
+            </a:endParaRPr>
           </a:p>
         </p:txBody>
       </p:sp>
     </p:spTree>
     <p:extLst>
       <p:ext uri="{BB962C8B-B14F-4D97-AF65-F5344CB8AC3E}">
-        <p14:creationId xmlns:p14="http://schemas.microsoft.com/office/powerpoint/2010/main" val="1270999624"/>
+        <p14:creationId xmlns:p14="http://schemas.microsoft.com/office/powerpoint/2010/main" val="2482873949"/>
       </p:ext>
     </p:extLst>
   </p:cSld>
@@ -5644,7 +5225,15 @@
           <a:p>
             <a:r>
               <a:rPr lang="en-US" dirty="0" smtClean="0"/>
-              <a:t>Phase 3: SSA/MUX Conversion</a:t>
+              <a:t>Phase 2: “</a:t>
+            </a:r>
+            <a:r>
+              <a:rPr lang="en-US" dirty="0" err="1" smtClean="0"/>
+              <a:t>Scalarization</a:t>
+            </a:r>
+            <a:r>
+              <a:rPr lang="en-US" dirty="0" smtClean="0"/>
+              <a:t>” Examples </a:t>
             </a:r>
             <a:endParaRPr lang="en-US" dirty="0"/>
           </a:p>
@@ -5660,67 +5249,273 @@
             <p:ph idx="1"/>
           </p:nvPr>
         </p:nvSpPr>
-        <p:spPr/>
+        <p:spPr>
+          <a:xfrm>
+            <a:off x="457200" y="1600200"/>
+            <a:ext cx="4043187" cy="4525963"/>
+          </a:xfrm>
+        </p:spPr>
         <p:txBody>
           <a:bodyPr/>
           <a:lstStyle/>
           <a:p>
-            <a:r>
-              <a:rPr lang="en-US" dirty="0" smtClean="0"/>
-              <a:t>Modify classical </a:t>
+            <a:pPr marL="0" indent="0">
+              <a:buNone/>
+            </a:pPr>
+            <a:r>
+              <a:rPr lang="en-US" dirty="0" smtClean="0"/>
+              <a:t>Aiken:</a:t>
+            </a:r>
+          </a:p>
+          <a:p>
+            <a:pPr marL="0" indent="0">
+              <a:buNone/>
+            </a:pPr>
+            <a:r>
+              <a:rPr lang="en-US" dirty="0" smtClean="0"/>
+              <a:t>for </a:t>
+            </a:r>
+            <a:r>
+              <a:rPr lang="en-US" dirty="0" err="1"/>
+              <a:t>i</a:t>
+            </a:r>
+            <a:r>
+              <a:rPr lang="en-US" dirty="0"/>
+              <a:t> in range(0,len)</a:t>
+            </a:r>
+            <a:r>
+              <a:rPr lang="en-US" dirty="0" smtClean="0"/>
+              <a:t>:</a:t>
+            </a:r>
+          </a:p>
+          <a:p>
+            <a:pPr marL="0" indent="0">
+              <a:buNone/>
+            </a:pPr>
+            <a:r>
+              <a:rPr lang="en-US" dirty="0">
+                <a:solidFill>
+                  <a:srgbClr val="FF0000"/>
+                </a:solidFill>
+              </a:rPr>
+              <a:t> </a:t>
+            </a:r>
+            <a:r>
+              <a:rPr lang="en-US" dirty="0" smtClean="0">
+                <a:solidFill>
+                  <a:srgbClr val="FF0000"/>
+                </a:solidFill>
+              </a:rPr>
+              <a:t>   </a:t>
+            </a:r>
+            <a:r>
+              <a:rPr lang="de-DE" dirty="0" err="1" smtClean="0">
+                <a:solidFill>
+                  <a:srgbClr val="FF0000"/>
+                </a:solidFill>
+              </a:rPr>
+              <a:t>A_i</a:t>
+            </a:r>
+            <a:r>
+              <a:rPr lang="de-DE" dirty="0" smtClean="0"/>
+              <a:t> </a:t>
+            </a:r>
+            <a:r>
+              <a:rPr lang="de-DE" dirty="0"/>
+              <a:t>= </a:t>
+            </a:r>
+            <a:r>
+              <a:rPr lang="de-DE" dirty="0" err="1" smtClean="0"/>
+              <a:t>B_i</a:t>
+            </a:r>
+            <a:r>
+              <a:rPr lang="de-DE" dirty="0" smtClean="0"/>
+              <a:t>*</a:t>
+            </a:r>
+            <a:r>
+              <a:rPr lang="de-DE" dirty="0"/>
+              <a:t>i 			</a:t>
+            </a:r>
+            <a:endParaRPr lang="de-DE" dirty="0" smtClean="0"/>
+          </a:p>
+          <a:p>
+            <a:pPr marL="0" indent="0">
+              <a:buNone/>
+            </a:pPr>
+            <a:r>
+              <a:rPr lang="de-DE" dirty="0"/>
+              <a:t> </a:t>
+            </a:r>
+            <a:r>
+              <a:rPr lang="de-DE" dirty="0" smtClean="0"/>
+              <a:t>   </a:t>
             </a:r>
             <a:r>
               <a:rPr lang="en-US" dirty="0" err="1" smtClean="0"/>
-              <a:t>Cytron</a:t>
-            </a:r>
-            <a:r>
-              <a:rPr lang="en-US" dirty="0" smtClean="0"/>
-              <a:t> et al. algorithm from ‘91 </a:t>
-            </a:r>
-            <a:r>
-              <a:rPr lang="en-US" dirty="0" smtClean="0"/>
-              <a:t>paper</a:t>
-            </a:r>
-            <a:endParaRPr lang="en-US" dirty="0" smtClean="0"/>
-          </a:p>
-          <a:p>
-            <a:pPr lvl="1"/>
-            <a:r>
-              <a:rPr lang="en-US" dirty="0" smtClean="0"/>
-              <a:t>0’s are essentially the phi-nodes</a:t>
-            </a:r>
-          </a:p>
-          <a:p>
-            <a:pPr lvl="2"/>
-            <a:r>
-              <a:rPr lang="en-US" dirty="0" smtClean="0"/>
-              <a:t>var_0 at iteration </a:t>
-            </a:r>
-            <a:r>
-              <a:rPr lang="en-US" dirty="0" err="1" smtClean="0"/>
-              <a:t>i</a:t>
-            </a:r>
-            <a:r>
-              <a:rPr lang="en-US" dirty="0" smtClean="0"/>
-              <a:t> = </a:t>
-            </a:r>
-            <a:r>
-              <a:rPr lang="en-US" dirty="0" err="1" smtClean="0"/>
-              <a:t>var_max</a:t>
-            </a:r>
-            <a:r>
-              <a:rPr lang="en-US" dirty="0" smtClean="0"/>
-              <a:t> at iteration i</a:t>
-            </a:r>
-            <a:r>
-              <a:rPr lang="en-US" dirty="0" smtClean="0"/>
+              <a:t>B_i</a:t>
+            </a:r>
+            <a:r>
+              <a:rPr lang="en-US" dirty="0" smtClean="0"/>
+              <a:t> </a:t>
+            </a:r>
+            <a:r>
+              <a:rPr lang="en-US" dirty="0"/>
+              <a:t>= </a:t>
+            </a:r>
+            <a:r>
+              <a:rPr lang="en-US" dirty="0" err="1" smtClean="0">
+                <a:solidFill>
+                  <a:srgbClr val="FF0000"/>
+                </a:solidFill>
+              </a:rPr>
+              <a:t>A_i</a:t>
+            </a:r>
+            <a:r>
+              <a:rPr lang="en-US" dirty="0" smtClean="0"/>
+              <a:t>*</a:t>
+            </a:r>
+            <a:r>
+              <a:rPr lang="en-US" dirty="0" smtClean="0">
+                <a:solidFill>
+                  <a:srgbClr val="008000"/>
+                </a:solidFill>
+              </a:rPr>
+              <a:t>D_(i</a:t>
+            </a:r>
+            <a:r>
+              <a:rPr lang="en-US" dirty="0">
+                <a:solidFill>
+                  <a:srgbClr val="008000"/>
+                </a:solidFill>
+              </a:rPr>
               <a:t>-</a:t>
             </a:r>
             <a:r>
+              <a:rPr lang="en-US" dirty="0" smtClean="0">
+                <a:solidFill>
+                  <a:srgbClr val="008000"/>
+                </a:solidFill>
+              </a:rPr>
+              <a:t>1)</a:t>
+            </a:r>
+            <a:endParaRPr lang="en-US" dirty="0">
+              <a:solidFill>
+                <a:srgbClr val="008000"/>
+              </a:solidFill>
+            </a:endParaRPr>
+          </a:p>
+          <a:p>
+            <a:pPr marL="0" indent="0">
+              <a:buNone/>
+            </a:pPr>
+            <a:r>
+              <a:rPr lang="en-US" dirty="0" smtClean="0"/>
+              <a:t>    </a:t>
+            </a:r>
+            <a:r>
+              <a:rPr lang="en-US" dirty="0" err="1" smtClean="0">
+                <a:solidFill>
+                  <a:srgbClr val="0000FF"/>
+                </a:solidFill>
+              </a:rPr>
+              <a:t>C_i</a:t>
+            </a:r>
+            <a:r>
+              <a:rPr lang="en-US" dirty="0" smtClean="0"/>
+              <a:t> </a:t>
+            </a:r>
+            <a:r>
               <a:rPr lang="en-US" dirty="0"/>
-              <a:t>1</a:t>
-            </a:r>
-            <a:endParaRPr lang="en-US" dirty="0" smtClean="0"/>
+              <a:t>= </a:t>
+            </a:r>
+            <a:r>
+              <a:rPr lang="en-US" dirty="0" err="1" smtClean="0">
+                <a:solidFill>
+                  <a:srgbClr val="FF0000"/>
+                </a:solidFill>
+              </a:rPr>
+              <a:t>A_i</a:t>
+            </a:r>
+            <a:r>
+              <a:rPr lang="en-US" dirty="0" smtClean="0"/>
+              <a:t>*</a:t>
+            </a:r>
+            <a:r>
+              <a:rPr lang="en-US" dirty="0" smtClean="0">
+                <a:solidFill>
+                  <a:srgbClr val="008000"/>
+                </a:solidFill>
+              </a:rPr>
+              <a:t>D_(i</a:t>
+            </a:r>
+            <a:r>
+              <a:rPr lang="en-US" dirty="0">
+                <a:solidFill>
+                  <a:srgbClr val="008000"/>
+                </a:solidFill>
+              </a:rPr>
+              <a:t>-</a:t>
+            </a:r>
+            <a:r>
+              <a:rPr lang="en-US" dirty="0" smtClean="0">
+                <a:solidFill>
+                  <a:srgbClr val="008000"/>
+                </a:solidFill>
+              </a:rPr>
+              <a:t>1)</a:t>
+            </a:r>
+            <a:r>
+              <a:rPr lang="en-US" dirty="0"/>
+              <a:t>	</a:t>
+            </a:r>
+          </a:p>
+          <a:p>
+            <a:pPr marL="0" indent="0">
+              <a:buNone/>
+            </a:pPr>
+            <a:r>
+              <a:rPr lang="de-DE" dirty="0" smtClean="0"/>
+              <a:t>    </a:t>
+            </a:r>
+            <a:r>
+              <a:rPr lang="de-DE" dirty="0" err="1" smtClean="0">
+                <a:solidFill>
+                  <a:srgbClr val="800000"/>
+                </a:solidFill>
+              </a:rPr>
+              <a:t>D_i</a:t>
+            </a:r>
+            <a:r>
+              <a:rPr lang="de-DE" dirty="0" smtClean="0"/>
+              <a:t> </a:t>
+            </a:r>
+            <a:r>
+              <a:rPr lang="de-DE" dirty="0"/>
+              <a:t>= </a:t>
+            </a:r>
+            <a:r>
+              <a:rPr lang="de-DE" dirty="0" err="1" smtClean="0"/>
+              <a:t>B_i+</a:t>
+            </a:r>
+            <a:r>
+              <a:rPr lang="de-DE" dirty="0" err="1" smtClean="0">
+                <a:solidFill>
+                  <a:srgbClr val="0000FF"/>
+                </a:solidFill>
+              </a:rPr>
+              <a:t>C_i</a:t>
+            </a:r>
+            <a:r>
+              <a:rPr lang="de-DE" dirty="0" smtClean="0"/>
+              <a:t> </a:t>
+            </a:r>
+            <a:endParaRPr lang="de-DE" dirty="0"/>
+          </a:p>
+          <a:p>
+            <a:pPr marL="0" indent="0">
+              <a:buNone/>
+            </a:pPr>
+            <a:endParaRPr lang="en-US" dirty="0"/>
           </a:p>
         </p:txBody>
       </p:sp>
@@ -5734,420 +5529,8 @@
         </p:nvSpPr>
         <p:spPr>
           <a:xfrm>
-            <a:off x="650470" y="4140472"/>
-            <a:ext cx="3753283" cy="2707190"/>
-          </a:xfrm>
-          <a:prstGeom prst="rect">
-            <a:avLst/>
-          </a:prstGeom>
-        </p:spPr>
-        <p:txBody>
-          <a:bodyPr vert="horz" lIns="91440" tIns="45720" rIns="91440" bIns="45720" rtlCol="0">
-            <a:normAutofit fontScale="77500" lnSpcReduction="20000"/>
-          </a:bodyPr>
-          <a:lstStyle>
-            <a:lvl1pPr marL="342900" indent="-342900" algn="l" defTabSz="457200" rtl="0" eaLnBrk="1" latinLnBrk="0" hangingPunct="1">
-              <a:spcBef>
-                <a:spcPct val="20000"/>
-              </a:spcBef>
-              <a:buFont typeface="Arial"/>
-              <a:buChar char="•"/>
-              <a:defRPr sz="3200" kern="1200">
-                <a:solidFill>
-                  <a:schemeClr val="tx1"/>
-                </a:solidFill>
-                <a:latin typeface="+mn-lt"/>
-                <a:ea typeface="+mn-ea"/>
-                <a:cs typeface="+mn-cs"/>
-              </a:defRPr>
-            </a:lvl1pPr>
-            <a:lvl2pPr marL="742950" indent="-285750" algn="l" defTabSz="457200" rtl="0" eaLnBrk="1" latinLnBrk="0" hangingPunct="1">
-              <a:spcBef>
-                <a:spcPct val="20000"/>
-              </a:spcBef>
-              <a:buFont typeface="Arial"/>
-              <a:buChar char="–"/>
-              <a:defRPr sz="2800" kern="1200">
-                <a:solidFill>
-                  <a:schemeClr val="tx1"/>
-                </a:solidFill>
-                <a:latin typeface="+mn-lt"/>
-                <a:ea typeface="+mn-ea"/>
-                <a:cs typeface="+mn-cs"/>
-              </a:defRPr>
-            </a:lvl2pPr>
-            <a:lvl3pPr marL="1143000" indent="-228600" algn="l" defTabSz="457200" rtl="0" eaLnBrk="1" latinLnBrk="0" hangingPunct="1">
-              <a:spcBef>
-                <a:spcPct val="20000"/>
-              </a:spcBef>
-              <a:buFont typeface="Arial"/>
-              <a:buChar char="•"/>
-              <a:defRPr sz="2400" kern="1200">
-                <a:solidFill>
-                  <a:schemeClr val="tx1"/>
-                </a:solidFill>
-                <a:latin typeface="+mn-lt"/>
-                <a:ea typeface="+mn-ea"/>
-                <a:cs typeface="+mn-cs"/>
-              </a:defRPr>
-            </a:lvl3pPr>
-            <a:lvl4pPr marL="1600200" indent="-228600" algn="l" defTabSz="457200" rtl="0" eaLnBrk="1" latinLnBrk="0" hangingPunct="1">
-              <a:spcBef>
-                <a:spcPct val="20000"/>
-              </a:spcBef>
-              <a:buFont typeface="Arial"/>
-              <a:buChar char="–"/>
-              <a:defRPr sz="2000" kern="1200">
-                <a:solidFill>
-                  <a:schemeClr val="tx1"/>
-                </a:solidFill>
-                <a:latin typeface="+mn-lt"/>
-                <a:ea typeface="+mn-ea"/>
-                <a:cs typeface="+mn-cs"/>
-              </a:defRPr>
-            </a:lvl4pPr>
-            <a:lvl5pPr marL="2057400" indent="-228600" algn="l" defTabSz="457200" rtl="0" eaLnBrk="1" latinLnBrk="0" hangingPunct="1">
-              <a:spcBef>
-                <a:spcPct val="20000"/>
-              </a:spcBef>
-              <a:buFont typeface="Arial"/>
-              <a:buChar char="»"/>
-              <a:defRPr sz="2000" kern="1200">
-                <a:solidFill>
-                  <a:schemeClr val="tx1"/>
-                </a:solidFill>
-                <a:latin typeface="+mn-lt"/>
-                <a:ea typeface="+mn-ea"/>
-                <a:cs typeface="+mn-cs"/>
-              </a:defRPr>
-            </a:lvl5pPr>
-            <a:lvl6pPr marL="2514600" indent="-228600" algn="l" defTabSz="457200" rtl="0" eaLnBrk="1" latinLnBrk="0" hangingPunct="1">
-              <a:spcBef>
-                <a:spcPct val="20000"/>
-              </a:spcBef>
-              <a:buFont typeface="Arial"/>
-              <a:buChar char="•"/>
-              <a:defRPr sz="2000" kern="1200">
-                <a:solidFill>
-                  <a:schemeClr val="tx1"/>
-                </a:solidFill>
-                <a:latin typeface="+mn-lt"/>
-                <a:ea typeface="+mn-ea"/>
-                <a:cs typeface="+mn-cs"/>
-              </a:defRPr>
-            </a:lvl6pPr>
-            <a:lvl7pPr marL="2971800" indent="-228600" algn="l" defTabSz="457200" rtl="0" eaLnBrk="1" latinLnBrk="0" hangingPunct="1">
-              <a:spcBef>
-                <a:spcPct val="20000"/>
-              </a:spcBef>
-              <a:buFont typeface="Arial"/>
-              <a:buChar char="•"/>
-              <a:defRPr sz="2000" kern="1200">
-                <a:solidFill>
-                  <a:schemeClr val="tx1"/>
-                </a:solidFill>
-                <a:latin typeface="+mn-lt"/>
-                <a:ea typeface="+mn-ea"/>
-                <a:cs typeface="+mn-cs"/>
-              </a:defRPr>
-            </a:lvl7pPr>
-            <a:lvl8pPr marL="3429000" indent="-228600" algn="l" defTabSz="457200" rtl="0" eaLnBrk="1" latinLnBrk="0" hangingPunct="1">
-              <a:spcBef>
-                <a:spcPct val="20000"/>
-              </a:spcBef>
-              <a:buFont typeface="Arial"/>
-              <a:buChar char="•"/>
-              <a:defRPr sz="2000" kern="1200">
-                <a:solidFill>
-                  <a:schemeClr val="tx1"/>
-                </a:solidFill>
-                <a:latin typeface="+mn-lt"/>
-                <a:ea typeface="+mn-ea"/>
-                <a:cs typeface="+mn-cs"/>
-              </a:defRPr>
-            </a:lvl8pPr>
-            <a:lvl9pPr marL="3886200" indent="-228600" algn="l" defTabSz="457200" rtl="0" eaLnBrk="1" latinLnBrk="0" hangingPunct="1">
-              <a:spcBef>
-                <a:spcPct val="20000"/>
-              </a:spcBef>
-              <a:buFont typeface="Arial"/>
-              <a:buChar char="•"/>
-              <a:defRPr sz="2000" kern="1200">
-                <a:solidFill>
-                  <a:schemeClr val="tx1"/>
-                </a:solidFill>
-                <a:latin typeface="+mn-lt"/>
-                <a:ea typeface="+mn-ea"/>
-                <a:cs typeface="+mn-cs"/>
-              </a:defRPr>
-            </a:lvl9pPr>
-          </a:lstStyle>
-          <a:p>
-            <a:pPr marL="0" indent="0">
-              <a:buFont typeface="Arial"/>
-              <a:buNone/>
-            </a:pPr>
-            <a:r>
-              <a:rPr lang="en-US" dirty="0" smtClean="0"/>
-              <a:t>Aiken:</a:t>
-            </a:r>
-          </a:p>
-          <a:p>
-            <a:pPr marL="0" indent="0">
-              <a:buFont typeface="Arial"/>
-              <a:buNone/>
-            </a:pPr>
-            <a:r>
-              <a:rPr lang="en-US" dirty="0" smtClean="0"/>
-              <a:t>for </a:t>
-            </a:r>
-            <a:r>
-              <a:rPr lang="en-US" dirty="0" err="1" smtClean="0"/>
-              <a:t>i</a:t>
-            </a:r>
-            <a:r>
-              <a:rPr lang="en-US" dirty="0" smtClean="0"/>
-              <a:t> in range(0,len):</a:t>
-            </a:r>
-          </a:p>
-          <a:p>
-            <a:pPr marL="0" indent="0">
-              <a:buFont typeface="Arial"/>
-              <a:buNone/>
-            </a:pPr>
-            <a:r>
-              <a:rPr lang="en-US" dirty="0" smtClean="0">
-                <a:solidFill>
-                  <a:srgbClr val="FF0000"/>
-                </a:solidFill>
-              </a:rPr>
-              <a:t>    </a:t>
-            </a:r>
-            <a:r>
-              <a:rPr lang="de-DE" dirty="0" smtClean="0">
-                <a:solidFill>
-                  <a:srgbClr val="FF0000"/>
-                </a:solidFill>
-              </a:rPr>
-              <a:t>A_i</a:t>
-            </a:r>
-            <a:r>
-              <a:rPr lang="de-DE" b="1" dirty="0" smtClean="0">
-                <a:solidFill>
-                  <a:srgbClr val="FF0000"/>
-                </a:solidFill>
-              </a:rPr>
-              <a:t>_1</a:t>
-            </a:r>
-            <a:r>
-              <a:rPr lang="de-DE" dirty="0" smtClean="0"/>
-              <a:t> = B_i_0*i 	</a:t>
-            </a:r>
-          </a:p>
-          <a:p>
-            <a:pPr marL="0" indent="0">
-              <a:buFont typeface="Arial"/>
-              <a:buNone/>
-            </a:pPr>
-            <a:r>
-              <a:rPr lang="de-DE" dirty="0" smtClean="0"/>
-              <a:t>    </a:t>
-            </a:r>
-            <a:r>
-              <a:rPr lang="en-US" dirty="0" smtClean="0"/>
-              <a:t>B_i</a:t>
-            </a:r>
-            <a:r>
-              <a:rPr lang="en-US" b="1" dirty="0" smtClean="0"/>
-              <a:t>_1</a:t>
-            </a:r>
-            <a:r>
-              <a:rPr lang="en-US" dirty="0" smtClean="0"/>
-              <a:t> = </a:t>
-            </a:r>
-            <a:r>
-              <a:rPr lang="en-US" dirty="0" smtClean="0">
-                <a:solidFill>
-                  <a:srgbClr val="FF0000"/>
-                </a:solidFill>
-              </a:rPr>
-              <a:t>A_i</a:t>
-            </a:r>
-            <a:r>
-              <a:rPr lang="en-US" b="1" dirty="0" smtClean="0">
-                <a:solidFill>
-                  <a:srgbClr val="FF0000"/>
-                </a:solidFill>
-              </a:rPr>
-              <a:t>_1</a:t>
-            </a:r>
-            <a:r>
-              <a:rPr lang="en-US" dirty="0" smtClean="0"/>
-              <a:t>*</a:t>
-            </a:r>
-            <a:r>
-              <a:rPr lang="en-US" dirty="0" smtClean="0">
-                <a:solidFill>
-                  <a:srgbClr val="008000"/>
-                </a:solidFill>
-              </a:rPr>
-              <a:t>D_(i-1)</a:t>
-            </a:r>
-            <a:r>
-              <a:rPr lang="en-US" b="1" dirty="0" smtClean="0">
-                <a:solidFill>
-                  <a:srgbClr val="008000"/>
-                </a:solidFill>
-              </a:rPr>
-              <a:t>_0</a:t>
-            </a:r>
-          </a:p>
-          <a:p>
-            <a:pPr marL="0" indent="0">
-              <a:buFont typeface="Arial"/>
-              <a:buNone/>
-            </a:pPr>
-            <a:r>
-              <a:rPr lang="en-US" dirty="0" smtClean="0"/>
-              <a:t>    </a:t>
-            </a:r>
-            <a:r>
-              <a:rPr lang="en-US" dirty="0" smtClean="0">
-                <a:solidFill>
-                  <a:srgbClr val="0000FF"/>
-                </a:solidFill>
-              </a:rPr>
-              <a:t>C_i</a:t>
-            </a:r>
-            <a:r>
-              <a:rPr lang="en-US" b="1" dirty="0" smtClean="0">
-                <a:solidFill>
-                  <a:srgbClr val="0000FF"/>
-                </a:solidFill>
-              </a:rPr>
-              <a:t>_1</a:t>
-            </a:r>
-            <a:r>
-              <a:rPr lang="en-US" dirty="0" smtClean="0"/>
-              <a:t> = </a:t>
-            </a:r>
-            <a:r>
-              <a:rPr lang="en-US" dirty="0" smtClean="0">
-                <a:solidFill>
-                  <a:srgbClr val="FF0000"/>
-                </a:solidFill>
-              </a:rPr>
-              <a:t>A_i</a:t>
-            </a:r>
-            <a:r>
-              <a:rPr lang="en-US" b="1" dirty="0" smtClean="0">
-                <a:solidFill>
-                  <a:srgbClr val="FF0000"/>
-                </a:solidFill>
-              </a:rPr>
-              <a:t>_1</a:t>
-            </a:r>
-            <a:r>
-              <a:rPr lang="en-US" dirty="0" smtClean="0"/>
-              <a:t>*</a:t>
-            </a:r>
-            <a:r>
-              <a:rPr lang="en-US" dirty="0" smtClean="0">
-                <a:solidFill>
-                  <a:srgbClr val="008000"/>
-                </a:solidFill>
-              </a:rPr>
-              <a:t>D_(i-1)</a:t>
-            </a:r>
-            <a:r>
-              <a:rPr lang="en-US" b="1" dirty="0" smtClean="0">
-                <a:solidFill>
-                  <a:srgbClr val="008000"/>
-                </a:solidFill>
-              </a:rPr>
-              <a:t>_0</a:t>
-            </a:r>
-            <a:endParaRPr lang="en-US" b="1" dirty="0" smtClean="0"/>
-          </a:p>
-          <a:p>
-            <a:pPr marL="0" indent="0">
-              <a:buFont typeface="Arial"/>
-              <a:buNone/>
-            </a:pPr>
-            <a:r>
-              <a:rPr lang="de-DE" dirty="0" smtClean="0"/>
-              <a:t>    </a:t>
-            </a:r>
-            <a:r>
-              <a:rPr lang="de-DE" dirty="0" smtClean="0">
-                <a:solidFill>
-                  <a:srgbClr val="800000"/>
-                </a:solidFill>
-              </a:rPr>
-              <a:t>D_i</a:t>
-            </a:r>
-            <a:r>
-              <a:rPr lang="de-DE" b="1" dirty="0" smtClean="0">
-                <a:solidFill>
-                  <a:srgbClr val="800000"/>
-                </a:solidFill>
-              </a:rPr>
-              <a:t>_1</a:t>
-            </a:r>
-            <a:r>
-              <a:rPr lang="de-DE" dirty="0" smtClean="0"/>
-              <a:t> = B_i</a:t>
-            </a:r>
-            <a:r>
-              <a:rPr lang="de-DE" b="1" dirty="0" smtClean="0"/>
-              <a:t>_1</a:t>
-            </a:r>
-            <a:r>
-              <a:rPr lang="de-DE" dirty="0" smtClean="0"/>
-              <a:t>+</a:t>
-            </a:r>
-            <a:r>
-              <a:rPr lang="de-DE" dirty="0" smtClean="0">
-                <a:solidFill>
-                  <a:srgbClr val="0000FF"/>
-                </a:solidFill>
-              </a:rPr>
-              <a:t>C_i</a:t>
-            </a:r>
-            <a:r>
-              <a:rPr lang="de-DE" b="1" dirty="0" smtClean="0">
-                <a:solidFill>
-                  <a:srgbClr val="0000FF"/>
-                </a:solidFill>
-              </a:rPr>
-              <a:t>_1</a:t>
-            </a:r>
-            <a:r>
-              <a:rPr lang="de-DE" dirty="0" smtClean="0"/>
-              <a:t> </a:t>
-            </a:r>
-          </a:p>
-          <a:p>
-            <a:pPr marL="0" indent="0">
-              <a:buFont typeface="Arial"/>
-              <a:buNone/>
-            </a:pPr>
-            <a:endParaRPr lang="en-US" dirty="0"/>
-          </a:p>
-        </p:txBody>
-      </p:sp>
-      <p:sp>
-        <p:nvSpPr>
-          <p:cNvPr id="5" name="Content Placeholder 2"/>
-          <p:cNvSpPr txBox="1">
-            <a:spLocks/>
-          </p:cNvSpPr>
-          <p:nvPr/>
-        </p:nvSpPr>
-        <p:spPr>
-          <a:xfrm>
-            <a:off x="4874213" y="4030558"/>
-            <a:ext cx="3812587" cy="2707190"/>
+            <a:off x="4680943" y="1600734"/>
+            <a:ext cx="4043187" cy="4525963"/>
           </a:xfrm>
           <a:prstGeom prst="rect">
             <a:avLst/>
@@ -6341,25 +5724,30 @@
               <a:t>   t = </a:t>
             </a:r>
             <a:r>
-              <a:rPr lang="en-US" dirty="0" smtClean="0">
+              <a:rPr lang="en-US" dirty="0" err="1" smtClean="0">
                 <a:solidFill>
                   <a:srgbClr val="FF0000"/>
                 </a:solidFill>
               </a:rPr>
-              <a:t>A_i_0</a:t>
+              <a:t>A_i</a:t>
             </a:r>
             <a:r>
               <a:rPr lang="en-US" dirty="0" smtClean="0"/>
               <a:t> * </a:t>
             </a:r>
             <a:r>
-              <a:rPr lang="en-US" dirty="0" smtClean="0">
+              <a:rPr lang="en-US" dirty="0" err="1" smtClean="0">
                 <a:solidFill>
                   <a:srgbClr val="0000FF"/>
                 </a:solidFill>
               </a:rPr>
-              <a:t>B_i_0</a:t>
-            </a:r>
+              <a:t>B_i</a:t>
+            </a:r>
+            <a:endParaRPr lang="en-US" dirty="0" smtClean="0">
+              <a:solidFill>
+                <a:srgbClr val="0000FF"/>
+              </a:solidFill>
+            </a:endParaRPr>
           </a:p>
           <a:p>
             <a:pPr marL="0" indent="0">
@@ -6371,7 +5759,7 @@
             </a:r>
             <a:r>
               <a:rPr lang="en-US" dirty="0" smtClean="0"/>
-              <a:t>   sum_1 = sum_0 + t</a:t>
+              <a:t>   sum = sum + t</a:t>
             </a:r>
             <a:endParaRPr lang="en-US" dirty="0"/>
           </a:p>
@@ -6380,7 +5768,7 @@
     </p:spTree>
     <p:extLst>
       <p:ext uri="{BB962C8B-B14F-4D97-AF65-F5344CB8AC3E}">
-        <p14:creationId xmlns:p14="http://schemas.microsoft.com/office/powerpoint/2010/main" val="1162497096"/>
+        <p14:creationId xmlns:p14="http://schemas.microsoft.com/office/powerpoint/2010/main" val="1270999624"/>
       </p:ext>
     </p:extLst>
   </p:cSld>
@@ -6447,13 +5835,60 @@
           <a:p>
             <a:r>
               <a:rPr lang="en-US" dirty="0" smtClean="0"/>
-              <a:t>Note: if-then-else examples are interesting</a:t>
-            </a:r>
-            <a:r>
-              <a:rPr lang="is-IS" dirty="0" smtClean="0"/>
-              <a:t>…</a:t>
-            </a:r>
-            <a:endParaRPr lang="en-US" dirty="0"/>
+              <a:t>Modify classical </a:t>
+            </a:r>
+            <a:r>
+              <a:rPr lang="en-US" dirty="0" err="1" smtClean="0"/>
+              <a:t>Cytron</a:t>
+            </a:r>
+            <a:r>
+              <a:rPr lang="en-US" dirty="0" smtClean="0"/>
+              <a:t> et al. algorithm from ‘91 </a:t>
+            </a:r>
+            <a:r>
+              <a:rPr lang="en-US" dirty="0" smtClean="0"/>
+              <a:t>paper</a:t>
+            </a:r>
+            <a:endParaRPr lang="en-US" dirty="0" smtClean="0"/>
+          </a:p>
+          <a:p>
+            <a:pPr lvl="1"/>
+            <a:r>
+              <a:rPr lang="en-US" dirty="0" smtClean="0"/>
+              <a:t>0’s are essentially the phi-nodes</a:t>
+            </a:r>
+          </a:p>
+          <a:p>
+            <a:pPr lvl="2"/>
+            <a:r>
+              <a:rPr lang="en-US" dirty="0" smtClean="0"/>
+              <a:t>var_0 at iteration </a:t>
+            </a:r>
+            <a:r>
+              <a:rPr lang="en-US" dirty="0" err="1" smtClean="0"/>
+              <a:t>i</a:t>
+            </a:r>
+            <a:r>
+              <a:rPr lang="en-US" dirty="0" smtClean="0"/>
+              <a:t> = </a:t>
+            </a:r>
+            <a:r>
+              <a:rPr lang="en-US" dirty="0" err="1" smtClean="0"/>
+              <a:t>var_max</a:t>
+            </a:r>
+            <a:r>
+              <a:rPr lang="en-US" dirty="0" smtClean="0"/>
+              <a:t> at iteration i</a:t>
+            </a:r>
+            <a:r>
+              <a:rPr lang="en-US" dirty="0" smtClean="0"/>
+              <a:t>-</a:t>
+            </a:r>
+            <a:r>
+              <a:rPr lang="en-US" dirty="0"/>
+              <a:t>1</a:t>
+            </a:r>
+            <a:endParaRPr lang="en-US" dirty="0" smtClean="0"/>
           </a:p>
         </p:txBody>
       </p:sp>
@@ -6467,8 +5902,8 @@
         </p:nvSpPr>
         <p:spPr>
           <a:xfrm>
-            <a:off x="194907" y="2593597"/>
-            <a:ext cx="2869774" cy="2431691"/>
+            <a:off x="650470" y="4140472"/>
+            <a:ext cx="3753283" cy="2707190"/>
           </a:xfrm>
           <a:prstGeom prst="rect">
             <a:avLst/>
@@ -6622,6 +6057,16 @@
             </a:pPr>
             <a:r>
               <a:rPr lang="en-US" dirty="0" smtClean="0"/>
+              <a:t>Aiken:</a:t>
+            </a:r>
+          </a:p>
+          <a:p>
+            <a:pPr marL="0" indent="0">
+              <a:buFont typeface="Arial"/>
+              <a:buNone/>
+            </a:pPr>
+            <a:r>
+              <a:rPr lang="en-US" dirty="0" smtClean="0"/>
               <a:t>for </a:t>
             </a:r>
             <a:r>
@@ -6635,116 +6080,233 @@
           </a:p>
           <a:p>
             <a:pPr marL="0" indent="0">
-              <a:buNone/>
-            </a:pPr>
-            <a:r>
-              <a:rPr lang="en-US" dirty="0" smtClean="0"/>
-              <a:t>	if </a:t>
-            </a:r>
-            <a:r>
-              <a:rPr lang="en-US" dirty="0"/>
-              <a:t>B[</a:t>
-            </a:r>
-            <a:r>
-              <a:rPr lang="en-US" dirty="0" err="1"/>
-              <a:t>i</a:t>
-            </a:r>
-            <a:r>
-              <a:rPr lang="en-US" dirty="0"/>
-              <a:t>] &gt; 0:</a:t>
+              <a:buFont typeface="Arial"/>
+              <a:buNone/>
+            </a:pPr>
+            <a:r>
+              <a:rPr lang="en-US" dirty="0" smtClean="0">
+                <a:solidFill>
+                  <a:srgbClr val="FF0000"/>
+                </a:solidFill>
+              </a:rPr>
+              <a:t>    </a:t>
+            </a:r>
+            <a:r>
+              <a:rPr lang="de-DE" dirty="0" smtClean="0">
+                <a:solidFill>
+                  <a:srgbClr val="FF0000"/>
+                </a:solidFill>
+              </a:rPr>
+              <a:t>A_i</a:t>
+            </a:r>
+            <a:r>
+              <a:rPr lang="de-DE" b="1" dirty="0" smtClean="0">
+                <a:solidFill>
+                  <a:srgbClr val="FF0000"/>
+                </a:solidFill>
+              </a:rPr>
+              <a:t>_1</a:t>
+            </a:r>
+            <a:r>
+              <a:rPr lang="de-DE" dirty="0" smtClean="0"/>
+              <a:t> = B_i_0*i 	</a:t>
             </a:r>
           </a:p>
           <a:p>
             <a:pPr marL="0" indent="0">
-              <a:buNone/>
-            </a:pPr>
-            <a:r>
-              <a:rPr lang="de-DE" dirty="0"/>
-              <a:t>	</a:t>
-            </a:r>
+              <a:buFont typeface="Arial"/>
+              <a:buNone/>
+            </a:pPr>
             <a:r>
               <a:rPr lang="de-DE" dirty="0" smtClean="0"/>
               <a:t>    </a:t>
             </a:r>
             <a:r>
-              <a:rPr lang="de-DE" dirty="0"/>
-              <a:t>A[i] </a:t>
-            </a:r>
+              <a:rPr lang="en-US" dirty="0" smtClean="0"/>
+              <a:t>B_i</a:t>
+            </a:r>
+            <a:r>
+              <a:rPr lang="en-US" b="1" dirty="0" smtClean="0"/>
+              <a:t>_1</a:t>
+            </a:r>
+            <a:r>
+              <a:rPr lang="en-US" dirty="0" smtClean="0"/>
+              <a:t> = </a:t>
+            </a:r>
+            <a:r>
+              <a:rPr lang="en-US" dirty="0" smtClean="0">
+                <a:solidFill>
+                  <a:srgbClr val="FF0000"/>
+                </a:solidFill>
+              </a:rPr>
+              <a:t>A_i</a:t>
+            </a:r>
+            <a:r>
+              <a:rPr lang="en-US" b="1" dirty="0" smtClean="0">
+                <a:solidFill>
+                  <a:srgbClr val="FF0000"/>
+                </a:solidFill>
+              </a:rPr>
+              <a:t>_1</a:t>
+            </a:r>
+            <a:r>
+              <a:rPr lang="en-US" dirty="0" smtClean="0"/>
+              <a:t>*</a:t>
+            </a:r>
+            <a:r>
+              <a:rPr lang="en-US" dirty="0" smtClean="0">
+                <a:solidFill>
+                  <a:srgbClr val="008000"/>
+                </a:solidFill>
+              </a:rPr>
+              <a:t>D_(i-1)</a:t>
+            </a:r>
+            <a:r>
+              <a:rPr lang="en-US" b="1" dirty="0" smtClean="0">
+                <a:solidFill>
+                  <a:srgbClr val="008000"/>
+                </a:solidFill>
+              </a:rPr>
+              <a:t>_0</a:t>
+            </a:r>
+          </a:p>
+          <a:p>
+            <a:pPr marL="0" indent="0">
+              <a:buFont typeface="Arial"/>
+              <a:buNone/>
+            </a:pPr>
+            <a:r>
+              <a:rPr lang="en-US" dirty="0" smtClean="0"/>
+              <a:t>    </a:t>
+            </a:r>
+            <a:r>
+              <a:rPr lang="en-US" dirty="0" smtClean="0">
+                <a:solidFill>
+                  <a:srgbClr val="0000FF"/>
+                </a:solidFill>
+              </a:rPr>
+              <a:t>C_i</a:t>
+            </a:r>
+            <a:r>
+              <a:rPr lang="en-US" b="1" dirty="0" smtClean="0">
+                <a:solidFill>
+                  <a:srgbClr val="0000FF"/>
+                </a:solidFill>
+              </a:rPr>
+              <a:t>_1</a:t>
+            </a:r>
+            <a:r>
+              <a:rPr lang="en-US" dirty="0" smtClean="0"/>
+              <a:t> = </a:t>
+            </a:r>
+            <a:r>
+              <a:rPr lang="en-US" dirty="0" smtClean="0">
+                <a:solidFill>
+                  <a:srgbClr val="FF0000"/>
+                </a:solidFill>
+              </a:rPr>
+              <a:t>A_i</a:t>
+            </a:r>
+            <a:r>
+              <a:rPr lang="en-US" b="1" dirty="0" smtClean="0">
+                <a:solidFill>
+                  <a:srgbClr val="FF0000"/>
+                </a:solidFill>
+              </a:rPr>
+              <a:t>_1</a:t>
+            </a:r>
+            <a:r>
+              <a:rPr lang="en-US" dirty="0" smtClean="0"/>
+              <a:t>*</a:t>
+            </a:r>
+            <a:r>
+              <a:rPr lang="en-US" dirty="0" smtClean="0">
+                <a:solidFill>
+                  <a:srgbClr val="008000"/>
+                </a:solidFill>
+              </a:rPr>
+              <a:t>D_(i-1)</a:t>
+            </a:r>
+            <a:r>
+              <a:rPr lang="en-US" b="1" dirty="0" smtClean="0">
+                <a:solidFill>
+                  <a:srgbClr val="008000"/>
+                </a:solidFill>
+              </a:rPr>
+              <a:t>_0</a:t>
+            </a:r>
+            <a:endParaRPr lang="en-US" b="1" dirty="0" smtClean="0"/>
+          </a:p>
+          <a:p>
+            <a:pPr marL="0" indent="0">
+              <a:buFont typeface="Arial"/>
+              <a:buNone/>
+            </a:pPr>
             <a:r>
               <a:rPr lang="de-DE" dirty="0" smtClean="0"/>
-              <a:t>= ...</a:t>
-            </a:r>
-            <a:endParaRPr lang="de-DE" dirty="0"/>
+              <a:t>    </a:t>
+            </a:r>
+            <a:r>
+              <a:rPr lang="de-DE" dirty="0" smtClean="0">
+                <a:solidFill>
+                  <a:srgbClr val="800000"/>
+                </a:solidFill>
+              </a:rPr>
+              <a:t>D_i</a:t>
+            </a:r>
+            <a:r>
+              <a:rPr lang="de-DE" b="1" dirty="0" smtClean="0">
+                <a:solidFill>
+                  <a:srgbClr val="800000"/>
+                </a:solidFill>
+              </a:rPr>
+              <a:t>_1</a:t>
+            </a:r>
+            <a:r>
+              <a:rPr lang="de-DE" dirty="0" smtClean="0"/>
+              <a:t> = B_i</a:t>
+            </a:r>
+            <a:r>
+              <a:rPr lang="de-DE" b="1" dirty="0" smtClean="0"/>
+              <a:t>_1</a:t>
+            </a:r>
+            <a:r>
+              <a:rPr lang="de-DE" dirty="0" smtClean="0"/>
+              <a:t>+</a:t>
+            </a:r>
+            <a:r>
+              <a:rPr lang="de-DE" dirty="0" smtClean="0">
+                <a:solidFill>
+                  <a:srgbClr val="0000FF"/>
+                </a:solidFill>
+              </a:rPr>
+              <a:t>C_i</a:t>
+            </a:r>
+            <a:r>
+              <a:rPr lang="de-DE" b="1" dirty="0" smtClean="0">
+                <a:solidFill>
+                  <a:srgbClr val="0000FF"/>
+                </a:solidFill>
+              </a:rPr>
+              <a:t>_1</a:t>
+            </a:r>
+            <a:r>
+              <a:rPr lang="de-DE" dirty="0" smtClean="0"/>
+              <a:t> </a:t>
+            </a:r>
           </a:p>
           <a:p>
             <a:pPr marL="0" indent="0">
-              <a:buNone/>
-            </a:pPr>
-            <a:r>
-              <a:rPr lang="hu-HU" dirty="0"/>
-              <a:t>	</a:t>
-            </a:r>
-            <a:r>
-              <a:rPr lang="hu-HU" dirty="0" smtClean="0"/>
-              <a:t>else:</a:t>
-            </a:r>
-          </a:p>
-          <a:p>
-            <a:pPr marL="0" indent="0">
-              <a:buNone/>
-            </a:pPr>
-            <a:r>
-              <a:rPr lang="hu-HU" dirty="0"/>
-              <a:t>	 </a:t>
-            </a:r>
-            <a:r>
-              <a:rPr lang="hu-HU" dirty="0" smtClean="0"/>
-              <a:t>   </a:t>
-            </a:r>
-            <a:r>
-              <a:rPr lang="ro-RO" dirty="0" smtClean="0"/>
-              <a:t>A</a:t>
-            </a:r>
-            <a:r>
-              <a:rPr lang="ro-RO" dirty="0"/>
-              <a:t>[i] = </a:t>
-            </a:r>
-            <a:r>
-              <a:rPr lang="ro-RO" dirty="0" smtClean="0"/>
-              <a:t>...</a:t>
-            </a:r>
-            <a:endParaRPr lang="ro-RO" dirty="0"/>
-          </a:p>
-          <a:p>
-            <a:pPr marL="0" indent="0">
-              <a:buNone/>
-            </a:pPr>
-            <a:r>
-              <a:rPr lang="en-US" dirty="0"/>
-              <a:t> </a:t>
-            </a:r>
-            <a:r>
-              <a:rPr lang="en-US" dirty="0" smtClean="0"/>
-              <a:t>     x </a:t>
-            </a:r>
-            <a:r>
-              <a:rPr lang="en-US" dirty="0"/>
-              <a:t>= A[</a:t>
-            </a:r>
-            <a:r>
-              <a:rPr lang="en-US" dirty="0" err="1"/>
-              <a:t>i</a:t>
-            </a:r>
-            <a:r>
-              <a:rPr lang="en-US" dirty="0"/>
-              <a:t>];</a:t>
-            </a:r>
-          </a:p>
-        </p:txBody>
-      </p:sp>
-      <p:sp>
-        <p:nvSpPr>
-          <p:cNvPr id="6" name="Content Placeholder 2"/>
+              <a:buFont typeface="Arial"/>
+              <a:buNone/>
+            </a:pPr>
+            <a:endParaRPr lang="en-US" dirty="0"/>
+          </a:p>
+        </p:txBody>
+      </p:sp>
+      <p:sp>
+        <p:nvSpPr>
+          <p:cNvPr id="5" name="Content Placeholder 2"/>
           <p:cNvSpPr txBox="1">
             <a:spLocks/>
           </p:cNvSpPr>
@@ -6752,8 +6314,8 @@
         </p:nvSpPr>
         <p:spPr>
           <a:xfrm>
-            <a:off x="3166474" y="2635015"/>
-            <a:ext cx="2921473" cy="2707190"/>
+            <a:off x="4874213" y="4030558"/>
+            <a:ext cx="3812587" cy="2707190"/>
           </a:xfrm>
           <a:prstGeom prst="rect">
             <a:avLst/>
@@ -6761,7 +6323,7 @@
         </p:spPr>
         <p:txBody>
           <a:bodyPr vert="horz" lIns="91440" tIns="45720" rIns="91440" bIns="45720" rtlCol="0">
-            <a:normAutofit fontScale="77500" lnSpcReduction="20000"/>
+            <a:normAutofit/>
           </a:bodyPr>
           <a:lstStyle>
             <a:lvl1pPr marL="342900" indent="-342900" algn="l" defTabSz="457200" rtl="0" eaLnBrk="1" latinLnBrk="0" hangingPunct="1">
@@ -6902,7 +6464,15 @@
           </a:lstStyle>
           <a:p>
             <a:pPr marL="0" indent="0">
-              <a:buFont typeface="Arial"/>
+              <a:buNone/>
+            </a:pPr>
+            <a:r>
+              <a:rPr lang="en-US" dirty="0" smtClean="0"/>
+              <a:t>IP:</a:t>
+            </a:r>
+          </a:p>
+          <a:p>
+            <a:pPr marL="0" indent="0">
               <a:buNone/>
             </a:pPr>
             <a:r>
@@ -6915,98 +6485,16 @@
             </a:r>
             <a:r>
               <a:rPr lang="en-US" dirty="0" smtClean="0"/>
-              <a:t> in range(0,len):</a:t>
-            </a:r>
-          </a:p>
-          <a:p>
-            <a:pPr marL="0" indent="0">
-              <a:buNone/>
-            </a:pPr>
-            <a:r>
-              <a:rPr lang="en-US" dirty="0" smtClean="0"/>
-              <a:t>	if </a:t>
+              <a:t> in range(</a:t>
             </a:r>
             <a:r>
               <a:rPr lang="en-US" dirty="0" err="1" smtClean="0"/>
-              <a:t>B_i</a:t>
-            </a:r>
-            <a:r>
-              <a:rPr lang="en-US" dirty="0" smtClean="0"/>
-              <a:t> </a:t>
-            </a:r>
-            <a:r>
-              <a:rPr lang="en-US" dirty="0"/>
-              <a:t>&gt; 0:</a:t>
-            </a:r>
-          </a:p>
-          <a:p>
-            <a:pPr marL="0" indent="0">
-              <a:buNone/>
-            </a:pPr>
-            <a:r>
-              <a:rPr lang="de-DE" dirty="0"/>
-              <a:t>	</a:t>
-            </a:r>
-            <a:r>
-              <a:rPr lang="de-DE" dirty="0" smtClean="0"/>
-              <a:t>    </a:t>
-            </a:r>
-            <a:r>
-              <a:rPr lang="de-DE" dirty="0" err="1" smtClean="0"/>
-              <a:t>A_i</a:t>
-            </a:r>
-            <a:r>
-              <a:rPr lang="de-DE" dirty="0" smtClean="0"/>
-              <a:t> </a:t>
-            </a:r>
-            <a:r>
-              <a:rPr lang="de-DE" dirty="0"/>
-              <a:t>= </a:t>
-            </a:r>
-            <a:r>
-              <a:rPr lang="de-DE" dirty="0" smtClean="0"/>
-              <a:t>...</a:t>
-            </a:r>
-            <a:endParaRPr lang="de-DE" dirty="0"/>
-          </a:p>
-          <a:p>
-            <a:pPr marL="0" indent="0">
-              <a:buNone/>
-            </a:pPr>
-            <a:r>
-              <a:rPr lang="hu-HU" dirty="0"/>
-              <a:t>	</a:t>
-            </a:r>
-            <a:r>
-              <a:rPr lang="hu-HU" dirty="0" smtClean="0"/>
-              <a:t>else:</a:t>
-            </a:r>
-          </a:p>
-          <a:p>
-            <a:pPr marL="0" indent="0">
-              <a:buNone/>
-            </a:pPr>
-            <a:r>
-              <a:rPr lang="hu-HU" dirty="0"/>
-              <a:t>	 </a:t>
-            </a:r>
-            <a:r>
-              <a:rPr lang="hu-HU" dirty="0" smtClean="0"/>
-              <a:t>   </a:t>
-            </a:r>
-            <a:r>
-              <a:rPr lang="ro-RO" dirty="0" smtClean="0"/>
-              <a:t>A_i </a:t>
-            </a:r>
-            <a:r>
-              <a:rPr lang="ro-RO" dirty="0"/>
-              <a:t>= </a:t>
-            </a:r>
-            <a:r>
-              <a:rPr lang="ro-RO" dirty="0" smtClean="0"/>
-              <a:t>...</a:t>
-            </a:r>
-            <a:endParaRPr lang="ro-RO" dirty="0"/>
+              <a:t>len</a:t>
+            </a:r>
+            <a:r>
+              <a:rPr lang="en-US" dirty="0" smtClean="0"/>
+              <a:t>):</a:t>
+            </a:r>
           </a:p>
           <a:p>
             <a:pPr marL="0" indent="0">
@@ -7018,373 +6506,28 @@
             </a:r>
             <a:r>
               <a:rPr lang="en-US" dirty="0" smtClean="0"/>
-              <a:t>     x </a:t>
-            </a:r>
-            <a:r>
-              <a:rPr lang="en-US" dirty="0"/>
-              <a:t>= </a:t>
-            </a:r>
-            <a:r>
-              <a:rPr lang="en-US" dirty="0" err="1" smtClean="0"/>
-              <a:t>A_i</a:t>
-            </a:r>
-            <a:r>
-              <a:rPr lang="en-US" dirty="0" smtClean="0"/>
-              <a:t>;</a:t>
-            </a:r>
-            <a:endParaRPr lang="en-US" dirty="0"/>
-          </a:p>
-        </p:txBody>
-      </p:sp>
-      <p:sp>
-        <p:nvSpPr>
-          <p:cNvPr id="7" name="Right Arrow 6"/>
-          <p:cNvSpPr/>
-          <p:nvPr/>
-        </p:nvSpPr>
-        <p:spPr>
-          <a:xfrm>
-            <a:off x="2792469" y="3463809"/>
-            <a:ext cx="544424" cy="484632"/>
-          </a:xfrm>
-          <a:prstGeom prst="rightArrow">
-            <a:avLst/>
-          </a:prstGeom>
-        </p:spPr>
-        <p:style>
-          <a:lnRef idx="1">
-            <a:schemeClr val="accent1"/>
-          </a:lnRef>
-          <a:fillRef idx="3">
-            <a:schemeClr val="accent1"/>
-          </a:fillRef>
-          <a:effectRef idx="2">
-            <a:schemeClr val="accent1"/>
-          </a:effectRef>
-          <a:fontRef idx="minor">
-            <a:schemeClr val="lt1"/>
-          </a:fontRef>
-        </p:style>
-        <p:txBody>
-          <a:bodyPr rtlCol="0" anchor="ctr"/>
-          <a:lstStyle/>
-          <a:p>
-            <a:pPr algn="ctr"/>
-            <a:endParaRPr lang="en-US"/>
-          </a:p>
-        </p:txBody>
-      </p:sp>
-      <p:sp>
-        <p:nvSpPr>
-          <p:cNvPr id="8" name="Right Arrow 7"/>
-          <p:cNvSpPr/>
-          <p:nvPr/>
-        </p:nvSpPr>
-        <p:spPr>
-          <a:xfrm>
-            <a:off x="5608662" y="3463809"/>
-            <a:ext cx="544424" cy="484632"/>
-          </a:xfrm>
-          <a:prstGeom prst="rightArrow">
-            <a:avLst/>
-          </a:prstGeom>
-        </p:spPr>
-        <p:style>
-          <a:lnRef idx="1">
-            <a:schemeClr val="accent1"/>
-          </a:lnRef>
-          <a:fillRef idx="3">
-            <a:schemeClr val="accent1"/>
-          </a:fillRef>
-          <a:effectRef idx="2">
-            <a:schemeClr val="accent1"/>
-          </a:effectRef>
-          <a:fontRef idx="minor">
-            <a:schemeClr val="lt1"/>
-          </a:fontRef>
-        </p:style>
-        <p:txBody>
-          <a:bodyPr rtlCol="0" anchor="ctr"/>
-          <a:lstStyle/>
-          <a:p>
-            <a:pPr algn="ctr"/>
-            <a:endParaRPr lang="en-US"/>
-          </a:p>
-        </p:txBody>
-      </p:sp>
-      <p:sp>
-        <p:nvSpPr>
-          <p:cNvPr id="9" name="Content Placeholder 2"/>
-          <p:cNvSpPr txBox="1">
-            <a:spLocks/>
-          </p:cNvSpPr>
-          <p:nvPr/>
-        </p:nvSpPr>
-        <p:spPr>
-          <a:xfrm>
-            <a:off x="6087947" y="2662627"/>
-            <a:ext cx="2926632" cy="2362661"/>
-          </a:xfrm>
-          <a:prstGeom prst="rect">
-            <a:avLst/>
-          </a:prstGeom>
-        </p:spPr>
-        <p:txBody>
-          <a:bodyPr vert="horz" lIns="91440" tIns="45720" rIns="91440" bIns="45720" rtlCol="0">
-            <a:normAutofit fontScale="62500" lnSpcReduction="20000"/>
-          </a:bodyPr>
-          <a:lstStyle>
-            <a:lvl1pPr marL="342900" indent="-342900" algn="l" defTabSz="457200" rtl="0" eaLnBrk="1" latinLnBrk="0" hangingPunct="1">
-              <a:spcBef>
-                <a:spcPct val="20000"/>
-              </a:spcBef>
-              <a:buFont typeface="Arial"/>
-              <a:buChar char="•"/>
-              <a:defRPr sz="3200" kern="1200">
-                <a:solidFill>
-                  <a:schemeClr val="tx1"/>
-                </a:solidFill>
-                <a:latin typeface="+mn-lt"/>
-                <a:ea typeface="+mn-ea"/>
-                <a:cs typeface="+mn-cs"/>
-              </a:defRPr>
-            </a:lvl1pPr>
-            <a:lvl2pPr marL="742950" indent="-285750" algn="l" defTabSz="457200" rtl="0" eaLnBrk="1" latinLnBrk="0" hangingPunct="1">
-              <a:spcBef>
-                <a:spcPct val="20000"/>
-              </a:spcBef>
-              <a:buFont typeface="Arial"/>
-              <a:buChar char="–"/>
-              <a:defRPr sz="2800" kern="1200">
-                <a:solidFill>
-                  <a:schemeClr val="tx1"/>
-                </a:solidFill>
-                <a:latin typeface="+mn-lt"/>
-                <a:ea typeface="+mn-ea"/>
-                <a:cs typeface="+mn-cs"/>
-              </a:defRPr>
-            </a:lvl2pPr>
-            <a:lvl3pPr marL="1143000" indent="-228600" algn="l" defTabSz="457200" rtl="0" eaLnBrk="1" latinLnBrk="0" hangingPunct="1">
-              <a:spcBef>
-                <a:spcPct val="20000"/>
-              </a:spcBef>
-              <a:buFont typeface="Arial"/>
-              <a:buChar char="•"/>
-              <a:defRPr sz="2400" kern="1200">
-                <a:solidFill>
-                  <a:schemeClr val="tx1"/>
-                </a:solidFill>
-                <a:latin typeface="+mn-lt"/>
-                <a:ea typeface="+mn-ea"/>
-                <a:cs typeface="+mn-cs"/>
-              </a:defRPr>
-            </a:lvl3pPr>
-            <a:lvl4pPr marL="1600200" indent="-228600" algn="l" defTabSz="457200" rtl="0" eaLnBrk="1" latinLnBrk="0" hangingPunct="1">
-              <a:spcBef>
-                <a:spcPct val="20000"/>
-              </a:spcBef>
-              <a:buFont typeface="Arial"/>
-              <a:buChar char="–"/>
-              <a:defRPr sz="2000" kern="1200">
-                <a:solidFill>
-                  <a:schemeClr val="tx1"/>
-                </a:solidFill>
-                <a:latin typeface="+mn-lt"/>
-                <a:ea typeface="+mn-ea"/>
-                <a:cs typeface="+mn-cs"/>
-              </a:defRPr>
-            </a:lvl4pPr>
-            <a:lvl5pPr marL="2057400" indent="-228600" algn="l" defTabSz="457200" rtl="0" eaLnBrk="1" latinLnBrk="0" hangingPunct="1">
-              <a:spcBef>
-                <a:spcPct val="20000"/>
-              </a:spcBef>
-              <a:buFont typeface="Arial"/>
-              <a:buChar char="»"/>
-              <a:defRPr sz="2000" kern="1200">
-                <a:solidFill>
-                  <a:schemeClr val="tx1"/>
-                </a:solidFill>
-                <a:latin typeface="+mn-lt"/>
-                <a:ea typeface="+mn-ea"/>
-                <a:cs typeface="+mn-cs"/>
-              </a:defRPr>
-            </a:lvl5pPr>
-            <a:lvl6pPr marL="2514600" indent="-228600" algn="l" defTabSz="457200" rtl="0" eaLnBrk="1" latinLnBrk="0" hangingPunct="1">
-              <a:spcBef>
-                <a:spcPct val="20000"/>
-              </a:spcBef>
-              <a:buFont typeface="Arial"/>
-              <a:buChar char="•"/>
-              <a:defRPr sz="2000" kern="1200">
-                <a:solidFill>
-                  <a:schemeClr val="tx1"/>
-                </a:solidFill>
-                <a:latin typeface="+mn-lt"/>
-                <a:ea typeface="+mn-ea"/>
-                <a:cs typeface="+mn-cs"/>
-              </a:defRPr>
-            </a:lvl6pPr>
-            <a:lvl7pPr marL="2971800" indent="-228600" algn="l" defTabSz="457200" rtl="0" eaLnBrk="1" latinLnBrk="0" hangingPunct="1">
-              <a:spcBef>
-                <a:spcPct val="20000"/>
-              </a:spcBef>
-              <a:buFont typeface="Arial"/>
-              <a:buChar char="•"/>
-              <a:defRPr sz="2000" kern="1200">
-                <a:solidFill>
-                  <a:schemeClr val="tx1"/>
-                </a:solidFill>
-                <a:latin typeface="+mn-lt"/>
-                <a:ea typeface="+mn-ea"/>
-                <a:cs typeface="+mn-cs"/>
-              </a:defRPr>
-            </a:lvl7pPr>
-            <a:lvl8pPr marL="3429000" indent="-228600" algn="l" defTabSz="457200" rtl="0" eaLnBrk="1" latinLnBrk="0" hangingPunct="1">
-              <a:spcBef>
-                <a:spcPct val="20000"/>
-              </a:spcBef>
-              <a:buFont typeface="Arial"/>
-              <a:buChar char="•"/>
-              <a:defRPr sz="2000" kern="1200">
-                <a:solidFill>
-                  <a:schemeClr val="tx1"/>
-                </a:solidFill>
-                <a:latin typeface="+mn-lt"/>
-                <a:ea typeface="+mn-ea"/>
-                <a:cs typeface="+mn-cs"/>
-              </a:defRPr>
-            </a:lvl8pPr>
-            <a:lvl9pPr marL="3886200" indent="-228600" algn="l" defTabSz="457200" rtl="0" eaLnBrk="1" latinLnBrk="0" hangingPunct="1">
-              <a:spcBef>
-                <a:spcPct val="20000"/>
-              </a:spcBef>
-              <a:buFont typeface="Arial"/>
-              <a:buChar char="•"/>
-              <a:defRPr sz="2000" kern="1200">
-                <a:solidFill>
-                  <a:schemeClr val="tx1"/>
-                </a:solidFill>
-                <a:latin typeface="+mn-lt"/>
-                <a:ea typeface="+mn-ea"/>
-                <a:cs typeface="+mn-cs"/>
-              </a:defRPr>
-            </a:lvl9pPr>
-          </a:lstStyle>
-          <a:p>
-            <a:pPr marL="0" indent="0">
-              <a:buFont typeface="Arial"/>
-              <a:buNone/>
-            </a:pPr>
-            <a:r>
-              <a:rPr lang="en-US" dirty="0" smtClean="0"/>
-              <a:t>for </a:t>
-            </a:r>
-            <a:r>
-              <a:rPr lang="en-US" dirty="0" err="1" smtClean="0"/>
-              <a:t>i</a:t>
-            </a:r>
-            <a:r>
-              <a:rPr lang="en-US" dirty="0" smtClean="0"/>
-              <a:t> in range(0,len):</a:t>
-            </a:r>
-          </a:p>
-          <a:p>
-            <a:pPr marL="0" indent="0">
-              <a:buNone/>
-            </a:pPr>
-            <a:r>
-              <a:rPr lang="en-US" dirty="0" smtClean="0"/>
-              <a:t>	if B_i</a:t>
-            </a:r>
-            <a:r>
-              <a:rPr lang="en-US" b="1" dirty="0" smtClean="0"/>
-              <a:t>_0</a:t>
-            </a:r>
-            <a:r>
-              <a:rPr lang="en-US" dirty="0" smtClean="0"/>
-              <a:t> </a:t>
-            </a:r>
-            <a:r>
-              <a:rPr lang="en-US" dirty="0"/>
-              <a:t>&gt; 0:</a:t>
-            </a:r>
-          </a:p>
-          <a:p>
-            <a:pPr marL="0" indent="0">
-              <a:buNone/>
-            </a:pPr>
-            <a:r>
-              <a:rPr lang="de-DE" dirty="0"/>
-              <a:t>	</a:t>
-            </a:r>
-            <a:r>
-              <a:rPr lang="de-DE" dirty="0" smtClean="0"/>
-              <a:t>    A_i</a:t>
-            </a:r>
-            <a:r>
-              <a:rPr lang="de-DE" b="1" dirty="0" smtClean="0"/>
-              <a:t>_1</a:t>
-            </a:r>
-            <a:r>
-              <a:rPr lang="de-DE" dirty="0" smtClean="0"/>
-              <a:t> </a:t>
-            </a:r>
-            <a:r>
-              <a:rPr lang="de-DE" dirty="0"/>
-              <a:t>= </a:t>
-            </a:r>
-            <a:r>
-              <a:rPr lang="de-DE" dirty="0" smtClean="0"/>
-              <a:t>...</a:t>
-            </a:r>
-            <a:endParaRPr lang="de-DE" dirty="0"/>
-          </a:p>
-          <a:p>
-            <a:pPr marL="0" indent="0">
-              <a:buNone/>
-            </a:pPr>
-            <a:r>
-              <a:rPr lang="hu-HU" dirty="0"/>
-              <a:t>	</a:t>
-            </a:r>
-            <a:r>
-              <a:rPr lang="hu-HU" dirty="0" smtClean="0"/>
-              <a:t>else:</a:t>
-            </a:r>
-          </a:p>
-          <a:p>
-            <a:pPr marL="0" indent="0">
-              <a:buNone/>
-            </a:pPr>
-            <a:r>
-              <a:rPr lang="hu-HU" dirty="0"/>
-              <a:t>	 </a:t>
-            </a:r>
-            <a:r>
-              <a:rPr lang="hu-HU" dirty="0" smtClean="0"/>
-              <a:t>   </a:t>
-            </a:r>
-            <a:r>
-              <a:rPr lang="ro-RO" dirty="0" smtClean="0"/>
-              <a:t>A_i</a:t>
-            </a:r>
-            <a:r>
-              <a:rPr lang="ro-RO" b="1" dirty="0" smtClean="0"/>
-              <a:t>_2</a:t>
-            </a:r>
-            <a:r>
-              <a:rPr lang="ro-RO" dirty="0" smtClean="0"/>
-              <a:t> </a:t>
-            </a:r>
-            <a:r>
-              <a:rPr lang="ro-RO" dirty="0"/>
-              <a:t>= </a:t>
-            </a:r>
-            <a:r>
-              <a:rPr lang="ro-RO" dirty="0" smtClean="0"/>
-              <a:t>...</a:t>
-            </a:r>
-            <a:endParaRPr lang="ro-RO" dirty="0"/>
+              <a:t>   t = </a:t>
+            </a:r>
+            <a:r>
+              <a:rPr lang="en-US" dirty="0" smtClean="0">
+                <a:solidFill>
+                  <a:srgbClr val="FF0000"/>
+                </a:solidFill>
+              </a:rPr>
+              <a:t>A_i_0</a:t>
+            </a:r>
+            <a:r>
+              <a:rPr lang="en-US" dirty="0" smtClean="0"/>
+              <a:t> * </a:t>
+            </a:r>
+            <a:r>
+              <a:rPr lang="en-US" dirty="0" smtClean="0">
+                <a:solidFill>
+                  <a:srgbClr val="0000FF"/>
+                </a:solidFill>
+              </a:rPr>
+              <a:t>B_i_0</a:t>
+            </a:r>
           </a:p>
           <a:p>
             <a:pPr marL="0" indent="0">
@@ -7396,60 +6539,16 @@
             </a:r>
             <a:r>
               <a:rPr lang="en-US" dirty="0" smtClean="0"/>
-              <a:t>        x = </a:t>
-            </a:r>
-            <a:r>
-              <a:rPr lang="en-US" dirty="0"/>
-              <a:t> </a:t>
-            </a:r>
-            <a:r>
-              <a:rPr lang="en-US" dirty="0" smtClean="0"/>
-              <a:t>  </a:t>
-            </a:r>
-            <a:r>
-              <a:rPr lang="en-US" dirty="0"/>
-              <a:t> </a:t>
-            </a:r>
-            <a:r>
-              <a:rPr lang="en-US" dirty="0" smtClean="0"/>
-              <a:t> </a:t>
-            </a:r>
-          </a:p>
-          <a:p>
-            <a:pPr marL="0" indent="0">
-              <a:buNone/>
-            </a:pPr>
-            <a:r>
-              <a:rPr lang="en-US" dirty="0"/>
-              <a:t> </a:t>
-            </a:r>
-            <a:r>
-              <a:rPr lang="en-US" dirty="0" smtClean="0"/>
-              <a:t>           phi(A_i</a:t>
-            </a:r>
-            <a:r>
-              <a:rPr lang="en-US" b="1" dirty="0" smtClean="0"/>
-              <a:t>_1</a:t>
-            </a:r>
-            <a:r>
-              <a:rPr lang="en-US" dirty="0" smtClean="0"/>
-              <a:t>,A_i</a:t>
-            </a:r>
-            <a:r>
-              <a:rPr lang="en-US" b="1" dirty="0" smtClean="0"/>
-              <a:t>_2</a:t>
-            </a:r>
-            <a:r>
-              <a:rPr lang="en-US" dirty="0" smtClean="0"/>
-              <a:t>);</a:t>
-            </a:r>
+              <a:t>   sum_1 = sum_0 + t</a:t>
+            </a:r>
+            <a:endParaRPr lang="en-US" dirty="0"/>
           </a:p>
         </p:txBody>
       </p:sp>
     </p:spTree>
     <p:extLst>
       <p:ext uri="{BB962C8B-B14F-4D97-AF65-F5344CB8AC3E}">
-        <p14:creationId xmlns:p14="http://schemas.microsoft.com/office/powerpoint/2010/main" val="4149856790"/>
+        <p14:creationId xmlns:p14="http://schemas.microsoft.com/office/powerpoint/2010/main" val="1162497096"/>
       </p:ext>
     </p:extLst>
   </p:cSld>
@@ -7528,6 +6627,1075 @@
       </p:sp>
       <p:sp>
         <p:nvSpPr>
+          <p:cNvPr id="4" name="Content Placeholder 2"/>
+          <p:cNvSpPr txBox="1">
+            <a:spLocks/>
+          </p:cNvSpPr>
+          <p:nvPr/>
+        </p:nvSpPr>
+        <p:spPr>
+          <a:xfrm>
+            <a:off x="194907" y="2593597"/>
+            <a:ext cx="2869774" cy="2431691"/>
+          </a:xfrm>
+          <a:prstGeom prst="rect">
+            <a:avLst/>
+          </a:prstGeom>
+        </p:spPr>
+        <p:txBody>
+          <a:bodyPr vert="horz" lIns="91440" tIns="45720" rIns="91440" bIns="45720" rtlCol="0">
+            <a:normAutofit fontScale="77500" lnSpcReduction="20000"/>
+          </a:bodyPr>
+          <a:lstStyle>
+            <a:lvl1pPr marL="342900" indent="-342900" algn="l" defTabSz="457200" rtl="0" eaLnBrk="1" latinLnBrk="0" hangingPunct="1">
+              <a:spcBef>
+                <a:spcPct val="20000"/>
+              </a:spcBef>
+              <a:buFont typeface="Arial"/>
+              <a:buChar char="•"/>
+              <a:defRPr sz="3200" kern="1200">
+                <a:solidFill>
+                  <a:schemeClr val="tx1"/>
+                </a:solidFill>
+                <a:latin typeface="+mn-lt"/>
+                <a:ea typeface="+mn-ea"/>
+                <a:cs typeface="+mn-cs"/>
+              </a:defRPr>
+            </a:lvl1pPr>
+            <a:lvl2pPr marL="742950" indent="-285750" algn="l" defTabSz="457200" rtl="0" eaLnBrk="1" latinLnBrk="0" hangingPunct="1">
+              <a:spcBef>
+                <a:spcPct val="20000"/>
+              </a:spcBef>
+              <a:buFont typeface="Arial"/>
+              <a:buChar char="–"/>
+              <a:defRPr sz="2800" kern="1200">
+                <a:solidFill>
+                  <a:schemeClr val="tx1"/>
+                </a:solidFill>
+                <a:latin typeface="+mn-lt"/>
+                <a:ea typeface="+mn-ea"/>
+                <a:cs typeface="+mn-cs"/>
+              </a:defRPr>
+            </a:lvl2pPr>
+            <a:lvl3pPr marL="1143000" indent="-228600" algn="l" defTabSz="457200" rtl="0" eaLnBrk="1" latinLnBrk="0" hangingPunct="1">
+              <a:spcBef>
+                <a:spcPct val="20000"/>
+              </a:spcBef>
+              <a:buFont typeface="Arial"/>
+              <a:buChar char="•"/>
+              <a:defRPr sz="2400" kern="1200">
+                <a:solidFill>
+                  <a:schemeClr val="tx1"/>
+                </a:solidFill>
+                <a:latin typeface="+mn-lt"/>
+                <a:ea typeface="+mn-ea"/>
+                <a:cs typeface="+mn-cs"/>
+              </a:defRPr>
+            </a:lvl3pPr>
+            <a:lvl4pPr marL="1600200" indent="-228600" algn="l" defTabSz="457200" rtl="0" eaLnBrk="1" latinLnBrk="0" hangingPunct="1">
+              <a:spcBef>
+                <a:spcPct val="20000"/>
+              </a:spcBef>
+              <a:buFont typeface="Arial"/>
+              <a:buChar char="–"/>
+              <a:defRPr sz="2000" kern="1200">
+                <a:solidFill>
+                  <a:schemeClr val="tx1"/>
+                </a:solidFill>
+                <a:latin typeface="+mn-lt"/>
+                <a:ea typeface="+mn-ea"/>
+                <a:cs typeface="+mn-cs"/>
+              </a:defRPr>
+            </a:lvl4pPr>
+            <a:lvl5pPr marL="2057400" indent="-228600" algn="l" defTabSz="457200" rtl="0" eaLnBrk="1" latinLnBrk="0" hangingPunct="1">
+              <a:spcBef>
+                <a:spcPct val="20000"/>
+              </a:spcBef>
+              <a:buFont typeface="Arial"/>
+              <a:buChar char="»"/>
+              <a:defRPr sz="2000" kern="1200">
+                <a:solidFill>
+                  <a:schemeClr val="tx1"/>
+                </a:solidFill>
+                <a:latin typeface="+mn-lt"/>
+                <a:ea typeface="+mn-ea"/>
+                <a:cs typeface="+mn-cs"/>
+              </a:defRPr>
+            </a:lvl5pPr>
+            <a:lvl6pPr marL="2514600" indent="-228600" algn="l" defTabSz="457200" rtl="0" eaLnBrk="1" latinLnBrk="0" hangingPunct="1">
+              <a:spcBef>
+                <a:spcPct val="20000"/>
+              </a:spcBef>
+              <a:buFont typeface="Arial"/>
+              <a:buChar char="•"/>
+              <a:defRPr sz="2000" kern="1200">
+                <a:solidFill>
+                  <a:schemeClr val="tx1"/>
+                </a:solidFill>
+                <a:latin typeface="+mn-lt"/>
+                <a:ea typeface="+mn-ea"/>
+                <a:cs typeface="+mn-cs"/>
+              </a:defRPr>
+            </a:lvl6pPr>
+            <a:lvl7pPr marL="2971800" indent="-228600" algn="l" defTabSz="457200" rtl="0" eaLnBrk="1" latinLnBrk="0" hangingPunct="1">
+              <a:spcBef>
+                <a:spcPct val="20000"/>
+              </a:spcBef>
+              <a:buFont typeface="Arial"/>
+              <a:buChar char="•"/>
+              <a:defRPr sz="2000" kern="1200">
+                <a:solidFill>
+                  <a:schemeClr val="tx1"/>
+                </a:solidFill>
+                <a:latin typeface="+mn-lt"/>
+                <a:ea typeface="+mn-ea"/>
+                <a:cs typeface="+mn-cs"/>
+              </a:defRPr>
+            </a:lvl7pPr>
+            <a:lvl8pPr marL="3429000" indent="-228600" algn="l" defTabSz="457200" rtl="0" eaLnBrk="1" latinLnBrk="0" hangingPunct="1">
+              <a:spcBef>
+                <a:spcPct val="20000"/>
+              </a:spcBef>
+              <a:buFont typeface="Arial"/>
+              <a:buChar char="•"/>
+              <a:defRPr sz="2000" kern="1200">
+                <a:solidFill>
+                  <a:schemeClr val="tx1"/>
+                </a:solidFill>
+                <a:latin typeface="+mn-lt"/>
+                <a:ea typeface="+mn-ea"/>
+                <a:cs typeface="+mn-cs"/>
+              </a:defRPr>
+            </a:lvl8pPr>
+            <a:lvl9pPr marL="3886200" indent="-228600" algn="l" defTabSz="457200" rtl="0" eaLnBrk="1" latinLnBrk="0" hangingPunct="1">
+              <a:spcBef>
+                <a:spcPct val="20000"/>
+              </a:spcBef>
+              <a:buFont typeface="Arial"/>
+              <a:buChar char="•"/>
+              <a:defRPr sz="2000" kern="1200">
+                <a:solidFill>
+                  <a:schemeClr val="tx1"/>
+                </a:solidFill>
+                <a:latin typeface="+mn-lt"/>
+                <a:ea typeface="+mn-ea"/>
+                <a:cs typeface="+mn-cs"/>
+              </a:defRPr>
+            </a:lvl9pPr>
+          </a:lstStyle>
+          <a:p>
+            <a:pPr marL="0" indent="0">
+              <a:buFont typeface="Arial"/>
+              <a:buNone/>
+            </a:pPr>
+            <a:r>
+              <a:rPr lang="en-US" dirty="0" smtClean="0"/>
+              <a:t>for </a:t>
+            </a:r>
+            <a:r>
+              <a:rPr lang="en-US" dirty="0" err="1" smtClean="0"/>
+              <a:t>i</a:t>
+            </a:r>
+            <a:r>
+              <a:rPr lang="en-US" dirty="0" smtClean="0"/>
+              <a:t> in range(0,len):</a:t>
+            </a:r>
+          </a:p>
+          <a:p>
+            <a:pPr marL="0" indent="0">
+              <a:buNone/>
+            </a:pPr>
+            <a:r>
+              <a:rPr lang="en-US" dirty="0" smtClean="0"/>
+              <a:t>	if </a:t>
+            </a:r>
+            <a:r>
+              <a:rPr lang="en-US" dirty="0"/>
+              <a:t>B[</a:t>
+            </a:r>
+            <a:r>
+              <a:rPr lang="en-US" dirty="0" err="1"/>
+              <a:t>i</a:t>
+            </a:r>
+            <a:r>
+              <a:rPr lang="en-US" dirty="0"/>
+              <a:t>] &gt; 0:</a:t>
+            </a:r>
+          </a:p>
+          <a:p>
+            <a:pPr marL="0" indent="0">
+              <a:buNone/>
+            </a:pPr>
+            <a:r>
+              <a:rPr lang="de-DE" dirty="0"/>
+              <a:t>	</a:t>
+            </a:r>
+            <a:r>
+              <a:rPr lang="de-DE" dirty="0" smtClean="0"/>
+              <a:t>    </a:t>
+            </a:r>
+            <a:r>
+              <a:rPr lang="de-DE" dirty="0"/>
+              <a:t>A[i] </a:t>
+            </a:r>
+            <a:r>
+              <a:rPr lang="de-DE" dirty="0" smtClean="0"/>
+              <a:t>= ...</a:t>
+            </a:r>
+            <a:endParaRPr lang="de-DE" dirty="0"/>
+          </a:p>
+          <a:p>
+            <a:pPr marL="0" indent="0">
+              <a:buNone/>
+            </a:pPr>
+            <a:r>
+              <a:rPr lang="hu-HU" dirty="0"/>
+              <a:t>	</a:t>
+            </a:r>
+            <a:r>
+              <a:rPr lang="hu-HU" dirty="0" smtClean="0"/>
+              <a:t>else:</a:t>
+            </a:r>
+          </a:p>
+          <a:p>
+            <a:pPr marL="0" indent="0">
+              <a:buNone/>
+            </a:pPr>
+            <a:r>
+              <a:rPr lang="hu-HU" dirty="0"/>
+              <a:t>	 </a:t>
+            </a:r>
+            <a:r>
+              <a:rPr lang="hu-HU" dirty="0" smtClean="0"/>
+              <a:t>   </a:t>
+            </a:r>
+            <a:r>
+              <a:rPr lang="ro-RO" dirty="0" smtClean="0"/>
+              <a:t>A</a:t>
+            </a:r>
+            <a:r>
+              <a:rPr lang="ro-RO" dirty="0"/>
+              <a:t>[i] = </a:t>
+            </a:r>
+            <a:r>
+              <a:rPr lang="ro-RO" dirty="0" smtClean="0"/>
+              <a:t>...</a:t>
+            </a:r>
+            <a:endParaRPr lang="ro-RO" dirty="0"/>
+          </a:p>
+          <a:p>
+            <a:pPr marL="0" indent="0">
+              <a:buNone/>
+            </a:pPr>
+            <a:r>
+              <a:rPr lang="en-US" dirty="0"/>
+              <a:t> </a:t>
+            </a:r>
+            <a:r>
+              <a:rPr lang="en-US" dirty="0" smtClean="0"/>
+              <a:t>     x </a:t>
+            </a:r>
+            <a:r>
+              <a:rPr lang="en-US" dirty="0"/>
+              <a:t>= A[</a:t>
+            </a:r>
+            <a:r>
+              <a:rPr lang="en-US" dirty="0" err="1"/>
+              <a:t>i</a:t>
+            </a:r>
+            <a:r>
+              <a:rPr lang="en-US" dirty="0"/>
+              <a:t>];</a:t>
+            </a:r>
+          </a:p>
+        </p:txBody>
+      </p:sp>
+      <p:sp>
+        <p:nvSpPr>
+          <p:cNvPr id="6" name="Content Placeholder 2"/>
+          <p:cNvSpPr txBox="1">
+            <a:spLocks/>
+          </p:cNvSpPr>
+          <p:nvPr/>
+        </p:nvSpPr>
+        <p:spPr>
+          <a:xfrm>
+            <a:off x="3166474" y="2635015"/>
+            <a:ext cx="2921473" cy="2707190"/>
+          </a:xfrm>
+          <a:prstGeom prst="rect">
+            <a:avLst/>
+          </a:prstGeom>
+        </p:spPr>
+        <p:txBody>
+          <a:bodyPr vert="horz" lIns="91440" tIns="45720" rIns="91440" bIns="45720" rtlCol="0">
+            <a:normAutofit fontScale="77500" lnSpcReduction="20000"/>
+          </a:bodyPr>
+          <a:lstStyle>
+            <a:lvl1pPr marL="342900" indent="-342900" algn="l" defTabSz="457200" rtl="0" eaLnBrk="1" latinLnBrk="0" hangingPunct="1">
+              <a:spcBef>
+                <a:spcPct val="20000"/>
+              </a:spcBef>
+              <a:buFont typeface="Arial"/>
+              <a:buChar char="•"/>
+              <a:defRPr sz="3200" kern="1200">
+                <a:solidFill>
+                  <a:schemeClr val="tx1"/>
+                </a:solidFill>
+                <a:latin typeface="+mn-lt"/>
+                <a:ea typeface="+mn-ea"/>
+                <a:cs typeface="+mn-cs"/>
+              </a:defRPr>
+            </a:lvl1pPr>
+            <a:lvl2pPr marL="742950" indent="-285750" algn="l" defTabSz="457200" rtl="0" eaLnBrk="1" latinLnBrk="0" hangingPunct="1">
+              <a:spcBef>
+                <a:spcPct val="20000"/>
+              </a:spcBef>
+              <a:buFont typeface="Arial"/>
+              <a:buChar char="–"/>
+              <a:defRPr sz="2800" kern="1200">
+                <a:solidFill>
+                  <a:schemeClr val="tx1"/>
+                </a:solidFill>
+                <a:latin typeface="+mn-lt"/>
+                <a:ea typeface="+mn-ea"/>
+                <a:cs typeface="+mn-cs"/>
+              </a:defRPr>
+            </a:lvl2pPr>
+            <a:lvl3pPr marL="1143000" indent="-228600" algn="l" defTabSz="457200" rtl="0" eaLnBrk="1" latinLnBrk="0" hangingPunct="1">
+              <a:spcBef>
+                <a:spcPct val="20000"/>
+              </a:spcBef>
+              <a:buFont typeface="Arial"/>
+              <a:buChar char="•"/>
+              <a:defRPr sz="2400" kern="1200">
+                <a:solidFill>
+                  <a:schemeClr val="tx1"/>
+                </a:solidFill>
+                <a:latin typeface="+mn-lt"/>
+                <a:ea typeface="+mn-ea"/>
+                <a:cs typeface="+mn-cs"/>
+              </a:defRPr>
+            </a:lvl3pPr>
+            <a:lvl4pPr marL="1600200" indent="-228600" algn="l" defTabSz="457200" rtl="0" eaLnBrk="1" latinLnBrk="0" hangingPunct="1">
+              <a:spcBef>
+                <a:spcPct val="20000"/>
+              </a:spcBef>
+              <a:buFont typeface="Arial"/>
+              <a:buChar char="–"/>
+              <a:defRPr sz="2000" kern="1200">
+                <a:solidFill>
+                  <a:schemeClr val="tx1"/>
+                </a:solidFill>
+                <a:latin typeface="+mn-lt"/>
+                <a:ea typeface="+mn-ea"/>
+                <a:cs typeface="+mn-cs"/>
+              </a:defRPr>
+            </a:lvl4pPr>
+            <a:lvl5pPr marL="2057400" indent="-228600" algn="l" defTabSz="457200" rtl="0" eaLnBrk="1" latinLnBrk="0" hangingPunct="1">
+              <a:spcBef>
+                <a:spcPct val="20000"/>
+              </a:spcBef>
+              <a:buFont typeface="Arial"/>
+              <a:buChar char="»"/>
+              <a:defRPr sz="2000" kern="1200">
+                <a:solidFill>
+                  <a:schemeClr val="tx1"/>
+                </a:solidFill>
+                <a:latin typeface="+mn-lt"/>
+                <a:ea typeface="+mn-ea"/>
+                <a:cs typeface="+mn-cs"/>
+              </a:defRPr>
+            </a:lvl5pPr>
+            <a:lvl6pPr marL="2514600" indent="-228600" algn="l" defTabSz="457200" rtl="0" eaLnBrk="1" latinLnBrk="0" hangingPunct="1">
+              <a:spcBef>
+                <a:spcPct val="20000"/>
+              </a:spcBef>
+              <a:buFont typeface="Arial"/>
+              <a:buChar char="•"/>
+              <a:defRPr sz="2000" kern="1200">
+                <a:solidFill>
+                  <a:schemeClr val="tx1"/>
+                </a:solidFill>
+                <a:latin typeface="+mn-lt"/>
+                <a:ea typeface="+mn-ea"/>
+                <a:cs typeface="+mn-cs"/>
+              </a:defRPr>
+            </a:lvl6pPr>
+            <a:lvl7pPr marL="2971800" indent="-228600" algn="l" defTabSz="457200" rtl="0" eaLnBrk="1" latinLnBrk="0" hangingPunct="1">
+              <a:spcBef>
+                <a:spcPct val="20000"/>
+              </a:spcBef>
+              <a:buFont typeface="Arial"/>
+              <a:buChar char="•"/>
+              <a:defRPr sz="2000" kern="1200">
+                <a:solidFill>
+                  <a:schemeClr val="tx1"/>
+                </a:solidFill>
+                <a:latin typeface="+mn-lt"/>
+                <a:ea typeface="+mn-ea"/>
+                <a:cs typeface="+mn-cs"/>
+              </a:defRPr>
+            </a:lvl7pPr>
+            <a:lvl8pPr marL="3429000" indent="-228600" algn="l" defTabSz="457200" rtl="0" eaLnBrk="1" latinLnBrk="0" hangingPunct="1">
+              <a:spcBef>
+                <a:spcPct val="20000"/>
+              </a:spcBef>
+              <a:buFont typeface="Arial"/>
+              <a:buChar char="•"/>
+              <a:defRPr sz="2000" kern="1200">
+                <a:solidFill>
+                  <a:schemeClr val="tx1"/>
+                </a:solidFill>
+                <a:latin typeface="+mn-lt"/>
+                <a:ea typeface="+mn-ea"/>
+                <a:cs typeface="+mn-cs"/>
+              </a:defRPr>
+            </a:lvl8pPr>
+            <a:lvl9pPr marL="3886200" indent="-228600" algn="l" defTabSz="457200" rtl="0" eaLnBrk="1" latinLnBrk="0" hangingPunct="1">
+              <a:spcBef>
+                <a:spcPct val="20000"/>
+              </a:spcBef>
+              <a:buFont typeface="Arial"/>
+              <a:buChar char="•"/>
+              <a:defRPr sz="2000" kern="1200">
+                <a:solidFill>
+                  <a:schemeClr val="tx1"/>
+                </a:solidFill>
+                <a:latin typeface="+mn-lt"/>
+                <a:ea typeface="+mn-ea"/>
+                <a:cs typeface="+mn-cs"/>
+              </a:defRPr>
+            </a:lvl9pPr>
+          </a:lstStyle>
+          <a:p>
+            <a:pPr marL="0" indent="0">
+              <a:buFont typeface="Arial"/>
+              <a:buNone/>
+            </a:pPr>
+            <a:r>
+              <a:rPr lang="en-US" dirty="0" smtClean="0"/>
+              <a:t>for </a:t>
+            </a:r>
+            <a:r>
+              <a:rPr lang="en-US" dirty="0" err="1" smtClean="0"/>
+              <a:t>i</a:t>
+            </a:r>
+            <a:r>
+              <a:rPr lang="en-US" dirty="0" smtClean="0"/>
+              <a:t> in range(0,len):</a:t>
+            </a:r>
+          </a:p>
+          <a:p>
+            <a:pPr marL="0" indent="0">
+              <a:buNone/>
+            </a:pPr>
+            <a:r>
+              <a:rPr lang="en-US" dirty="0" smtClean="0"/>
+              <a:t>	if </a:t>
+            </a:r>
+            <a:r>
+              <a:rPr lang="en-US" dirty="0" err="1" smtClean="0"/>
+              <a:t>B_i</a:t>
+            </a:r>
+            <a:r>
+              <a:rPr lang="en-US" dirty="0" smtClean="0"/>
+              <a:t> </a:t>
+            </a:r>
+            <a:r>
+              <a:rPr lang="en-US" dirty="0"/>
+              <a:t>&gt; 0:</a:t>
+            </a:r>
+          </a:p>
+          <a:p>
+            <a:pPr marL="0" indent="0">
+              <a:buNone/>
+            </a:pPr>
+            <a:r>
+              <a:rPr lang="de-DE" dirty="0"/>
+              <a:t>	</a:t>
+            </a:r>
+            <a:r>
+              <a:rPr lang="de-DE" dirty="0" smtClean="0"/>
+              <a:t>    </a:t>
+            </a:r>
+            <a:r>
+              <a:rPr lang="de-DE" dirty="0" err="1" smtClean="0"/>
+              <a:t>A_i</a:t>
+            </a:r>
+            <a:r>
+              <a:rPr lang="de-DE" dirty="0" smtClean="0"/>
+              <a:t> </a:t>
+            </a:r>
+            <a:r>
+              <a:rPr lang="de-DE" dirty="0"/>
+              <a:t>= </a:t>
+            </a:r>
+            <a:r>
+              <a:rPr lang="de-DE" dirty="0" smtClean="0"/>
+              <a:t>...</a:t>
+            </a:r>
+            <a:endParaRPr lang="de-DE" dirty="0"/>
+          </a:p>
+          <a:p>
+            <a:pPr marL="0" indent="0">
+              <a:buNone/>
+            </a:pPr>
+            <a:r>
+              <a:rPr lang="hu-HU" dirty="0"/>
+              <a:t>	</a:t>
+            </a:r>
+            <a:r>
+              <a:rPr lang="hu-HU" dirty="0" smtClean="0"/>
+              <a:t>else:</a:t>
+            </a:r>
+          </a:p>
+          <a:p>
+            <a:pPr marL="0" indent="0">
+              <a:buNone/>
+            </a:pPr>
+            <a:r>
+              <a:rPr lang="hu-HU" dirty="0"/>
+              <a:t>	 </a:t>
+            </a:r>
+            <a:r>
+              <a:rPr lang="hu-HU" dirty="0" smtClean="0"/>
+              <a:t>   </a:t>
+            </a:r>
+            <a:r>
+              <a:rPr lang="ro-RO" dirty="0" smtClean="0"/>
+              <a:t>A_i </a:t>
+            </a:r>
+            <a:r>
+              <a:rPr lang="ro-RO" dirty="0"/>
+              <a:t>= </a:t>
+            </a:r>
+            <a:r>
+              <a:rPr lang="ro-RO" dirty="0" smtClean="0"/>
+              <a:t>...</a:t>
+            </a:r>
+            <a:endParaRPr lang="ro-RO" dirty="0"/>
+          </a:p>
+          <a:p>
+            <a:pPr marL="0" indent="0">
+              <a:buNone/>
+            </a:pPr>
+            <a:r>
+              <a:rPr lang="en-US" dirty="0"/>
+              <a:t> </a:t>
+            </a:r>
+            <a:r>
+              <a:rPr lang="en-US" dirty="0" smtClean="0"/>
+              <a:t>     x </a:t>
+            </a:r>
+            <a:r>
+              <a:rPr lang="en-US" dirty="0"/>
+              <a:t>= </a:t>
+            </a:r>
+            <a:r>
+              <a:rPr lang="en-US" dirty="0" err="1" smtClean="0"/>
+              <a:t>A_i</a:t>
+            </a:r>
+            <a:r>
+              <a:rPr lang="en-US" dirty="0" smtClean="0"/>
+              <a:t>;</a:t>
+            </a:r>
+            <a:endParaRPr lang="en-US" dirty="0"/>
+          </a:p>
+        </p:txBody>
+      </p:sp>
+      <p:sp>
+        <p:nvSpPr>
+          <p:cNvPr id="7" name="Right Arrow 6"/>
+          <p:cNvSpPr/>
+          <p:nvPr/>
+        </p:nvSpPr>
+        <p:spPr>
+          <a:xfrm>
+            <a:off x="2792469" y="3463809"/>
+            <a:ext cx="544424" cy="484632"/>
+          </a:xfrm>
+          <a:prstGeom prst="rightArrow">
+            <a:avLst/>
+          </a:prstGeom>
+        </p:spPr>
+        <p:style>
+          <a:lnRef idx="1">
+            <a:schemeClr val="accent1"/>
+          </a:lnRef>
+          <a:fillRef idx="3">
+            <a:schemeClr val="accent1"/>
+          </a:fillRef>
+          <a:effectRef idx="2">
+            <a:schemeClr val="accent1"/>
+          </a:effectRef>
+          <a:fontRef idx="minor">
+            <a:schemeClr val="lt1"/>
+          </a:fontRef>
+        </p:style>
+        <p:txBody>
+          <a:bodyPr rtlCol="0" anchor="ctr"/>
+          <a:lstStyle/>
+          <a:p>
+            <a:pPr algn="ctr"/>
+            <a:endParaRPr lang="en-US"/>
+          </a:p>
+        </p:txBody>
+      </p:sp>
+      <p:sp>
+        <p:nvSpPr>
+          <p:cNvPr id="8" name="Right Arrow 7"/>
+          <p:cNvSpPr/>
+          <p:nvPr/>
+        </p:nvSpPr>
+        <p:spPr>
+          <a:xfrm>
+            <a:off x="5608662" y="3463809"/>
+            <a:ext cx="544424" cy="484632"/>
+          </a:xfrm>
+          <a:prstGeom prst="rightArrow">
+            <a:avLst/>
+          </a:prstGeom>
+        </p:spPr>
+        <p:style>
+          <a:lnRef idx="1">
+            <a:schemeClr val="accent1"/>
+          </a:lnRef>
+          <a:fillRef idx="3">
+            <a:schemeClr val="accent1"/>
+          </a:fillRef>
+          <a:effectRef idx="2">
+            <a:schemeClr val="accent1"/>
+          </a:effectRef>
+          <a:fontRef idx="minor">
+            <a:schemeClr val="lt1"/>
+          </a:fontRef>
+        </p:style>
+        <p:txBody>
+          <a:bodyPr rtlCol="0" anchor="ctr"/>
+          <a:lstStyle/>
+          <a:p>
+            <a:pPr algn="ctr"/>
+            <a:endParaRPr lang="en-US"/>
+          </a:p>
+        </p:txBody>
+      </p:sp>
+      <p:sp>
+        <p:nvSpPr>
+          <p:cNvPr id="9" name="Content Placeholder 2"/>
+          <p:cNvSpPr txBox="1">
+            <a:spLocks/>
+          </p:cNvSpPr>
+          <p:nvPr/>
+        </p:nvSpPr>
+        <p:spPr>
+          <a:xfrm>
+            <a:off x="6087947" y="2662627"/>
+            <a:ext cx="2926632" cy="2362661"/>
+          </a:xfrm>
+          <a:prstGeom prst="rect">
+            <a:avLst/>
+          </a:prstGeom>
+        </p:spPr>
+        <p:txBody>
+          <a:bodyPr vert="horz" lIns="91440" tIns="45720" rIns="91440" bIns="45720" rtlCol="0">
+            <a:normAutofit fontScale="62500" lnSpcReduction="20000"/>
+          </a:bodyPr>
+          <a:lstStyle>
+            <a:lvl1pPr marL="342900" indent="-342900" algn="l" defTabSz="457200" rtl="0" eaLnBrk="1" latinLnBrk="0" hangingPunct="1">
+              <a:spcBef>
+                <a:spcPct val="20000"/>
+              </a:spcBef>
+              <a:buFont typeface="Arial"/>
+              <a:buChar char="•"/>
+              <a:defRPr sz="3200" kern="1200">
+                <a:solidFill>
+                  <a:schemeClr val="tx1"/>
+                </a:solidFill>
+                <a:latin typeface="+mn-lt"/>
+                <a:ea typeface="+mn-ea"/>
+                <a:cs typeface="+mn-cs"/>
+              </a:defRPr>
+            </a:lvl1pPr>
+            <a:lvl2pPr marL="742950" indent="-285750" algn="l" defTabSz="457200" rtl="0" eaLnBrk="1" latinLnBrk="0" hangingPunct="1">
+              <a:spcBef>
+                <a:spcPct val="20000"/>
+              </a:spcBef>
+              <a:buFont typeface="Arial"/>
+              <a:buChar char="–"/>
+              <a:defRPr sz="2800" kern="1200">
+                <a:solidFill>
+                  <a:schemeClr val="tx1"/>
+                </a:solidFill>
+                <a:latin typeface="+mn-lt"/>
+                <a:ea typeface="+mn-ea"/>
+                <a:cs typeface="+mn-cs"/>
+              </a:defRPr>
+            </a:lvl2pPr>
+            <a:lvl3pPr marL="1143000" indent="-228600" algn="l" defTabSz="457200" rtl="0" eaLnBrk="1" latinLnBrk="0" hangingPunct="1">
+              <a:spcBef>
+                <a:spcPct val="20000"/>
+              </a:spcBef>
+              <a:buFont typeface="Arial"/>
+              <a:buChar char="•"/>
+              <a:defRPr sz="2400" kern="1200">
+                <a:solidFill>
+                  <a:schemeClr val="tx1"/>
+                </a:solidFill>
+                <a:latin typeface="+mn-lt"/>
+                <a:ea typeface="+mn-ea"/>
+                <a:cs typeface="+mn-cs"/>
+              </a:defRPr>
+            </a:lvl3pPr>
+            <a:lvl4pPr marL="1600200" indent="-228600" algn="l" defTabSz="457200" rtl="0" eaLnBrk="1" latinLnBrk="0" hangingPunct="1">
+              <a:spcBef>
+                <a:spcPct val="20000"/>
+              </a:spcBef>
+              <a:buFont typeface="Arial"/>
+              <a:buChar char="–"/>
+              <a:defRPr sz="2000" kern="1200">
+                <a:solidFill>
+                  <a:schemeClr val="tx1"/>
+                </a:solidFill>
+                <a:latin typeface="+mn-lt"/>
+                <a:ea typeface="+mn-ea"/>
+                <a:cs typeface="+mn-cs"/>
+              </a:defRPr>
+            </a:lvl4pPr>
+            <a:lvl5pPr marL="2057400" indent="-228600" algn="l" defTabSz="457200" rtl="0" eaLnBrk="1" latinLnBrk="0" hangingPunct="1">
+              <a:spcBef>
+                <a:spcPct val="20000"/>
+              </a:spcBef>
+              <a:buFont typeface="Arial"/>
+              <a:buChar char="»"/>
+              <a:defRPr sz="2000" kern="1200">
+                <a:solidFill>
+                  <a:schemeClr val="tx1"/>
+                </a:solidFill>
+                <a:latin typeface="+mn-lt"/>
+                <a:ea typeface="+mn-ea"/>
+                <a:cs typeface="+mn-cs"/>
+              </a:defRPr>
+            </a:lvl5pPr>
+            <a:lvl6pPr marL="2514600" indent="-228600" algn="l" defTabSz="457200" rtl="0" eaLnBrk="1" latinLnBrk="0" hangingPunct="1">
+              <a:spcBef>
+                <a:spcPct val="20000"/>
+              </a:spcBef>
+              <a:buFont typeface="Arial"/>
+              <a:buChar char="•"/>
+              <a:defRPr sz="2000" kern="1200">
+                <a:solidFill>
+                  <a:schemeClr val="tx1"/>
+                </a:solidFill>
+                <a:latin typeface="+mn-lt"/>
+                <a:ea typeface="+mn-ea"/>
+                <a:cs typeface="+mn-cs"/>
+              </a:defRPr>
+            </a:lvl6pPr>
+            <a:lvl7pPr marL="2971800" indent="-228600" algn="l" defTabSz="457200" rtl="0" eaLnBrk="1" latinLnBrk="0" hangingPunct="1">
+              <a:spcBef>
+                <a:spcPct val="20000"/>
+              </a:spcBef>
+              <a:buFont typeface="Arial"/>
+              <a:buChar char="•"/>
+              <a:defRPr sz="2000" kern="1200">
+                <a:solidFill>
+                  <a:schemeClr val="tx1"/>
+                </a:solidFill>
+                <a:latin typeface="+mn-lt"/>
+                <a:ea typeface="+mn-ea"/>
+                <a:cs typeface="+mn-cs"/>
+              </a:defRPr>
+            </a:lvl7pPr>
+            <a:lvl8pPr marL="3429000" indent="-228600" algn="l" defTabSz="457200" rtl="0" eaLnBrk="1" latinLnBrk="0" hangingPunct="1">
+              <a:spcBef>
+                <a:spcPct val="20000"/>
+              </a:spcBef>
+              <a:buFont typeface="Arial"/>
+              <a:buChar char="•"/>
+              <a:defRPr sz="2000" kern="1200">
+                <a:solidFill>
+                  <a:schemeClr val="tx1"/>
+                </a:solidFill>
+                <a:latin typeface="+mn-lt"/>
+                <a:ea typeface="+mn-ea"/>
+                <a:cs typeface="+mn-cs"/>
+              </a:defRPr>
+            </a:lvl8pPr>
+            <a:lvl9pPr marL="3886200" indent="-228600" algn="l" defTabSz="457200" rtl="0" eaLnBrk="1" latinLnBrk="0" hangingPunct="1">
+              <a:spcBef>
+                <a:spcPct val="20000"/>
+              </a:spcBef>
+              <a:buFont typeface="Arial"/>
+              <a:buChar char="•"/>
+              <a:defRPr sz="2000" kern="1200">
+                <a:solidFill>
+                  <a:schemeClr val="tx1"/>
+                </a:solidFill>
+                <a:latin typeface="+mn-lt"/>
+                <a:ea typeface="+mn-ea"/>
+                <a:cs typeface="+mn-cs"/>
+              </a:defRPr>
+            </a:lvl9pPr>
+          </a:lstStyle>
+          <a:p>
+            <a:pPr marL="0" indent="0">
+              <a:buFont typeface="Arial"/>
+              <a:buNone/>
+            </a:pPr>
+            <a:r>
+              <a:rPr lang="en-US" dirty="0" smtClean="0"/>
+              <a:t>for </a:t>
+            </a:r>
+            <a:r>
+              <a:rPr lang="en-US" dirty="0" err="1" smtClean="0"/>
+              <a:t>i</a:t>
+            </a:r>
+            <a:r>
+              <a:rPr lang="en-US" dirty="0" smtClean="0"/>
+              <a:t> in range(0,len):</a:t>
+            </a:r>
+          </a:p>
+          <a:p>
+            <a:pPr marL="0" indent="0">
+              <a:buNone/>
+            </a:pPr>
+            <a:r>
+              <a:rPr lang="en-US" dirty="0" smtClean="0"/>
+              <a:t>	if B_i</a:t>
+            </a:r>
+            <a:r>
+              <a:rPr lang="en-US" b="1" dirty="0" smtClean="0"/>
+              <a:t>_0</a:t>
+            </a:r>
+            <a:r>
+              <a:rPr lang="en-US" dirty="0" smtClean="0"/>
+              <a:t> </a:t>
+            </a:r>
+            <a:r>
+              <a:rPr lang="en-US" dirty="0"/>
+              <a:t>&gt; 0:</a:t>
+            </a:r>
+          </a:p>
+          <a:p>
+            <a:pPr marL="0" indent="0">
+              <a:buNone/>
+            </a:pPr>
+            <a:r>
+              <a:rPr lang="de-DE" dirty="0"/>
+              <a:t>	</a:t>
+            </a:r>
+            <a:r>
+              <a:rPr lang="de-DE" dirty="0" smtClean="0"/>
+              <a:t>    A_i</a:t>
+            </a:r>
+            <a:r>
+              <a:rPr lang="de-DE" b="1" dirty="0" smtClean="0"/>
+              <a:t>_1</a:t>
+            </a:r>
+            <a:r>
+              <a:rPr lang="de-DE" dirty="0" smtClean="0"/>
+              <a:t> </a:t>
+            </a:r>
+            <a:r>
+              <a:rPr lang="de-DE" dirty="0"/>
+              <a:t>= </a:t>
+            </a:r>
+            <a:r>
+              <a:rPr lang="de-DE" dirty="0" smtClean="0"/>
+              <a:t>...</a:t>
+            </a:r>
+            <a:endParaRPr lang="de-DE" dirty="0"/>
+          </a:p>
+          <a:p>
+            <a:pPr marL="0" indent="0">
+              <a:buNone/>
+            </a:pPr>
+            <a:r>
+              <a:rPr lang="hu-HU" dirty="0"/>
+              <a:t>	</a:t>
+            </a:r>
+            <a:r>
+              <a:rPr lang="hu-HU" dirty="0" smtClean="0"/>
+              <a:t>else:</a:t>
+            </a:r>
+          </a:p>
+          <a:p>
+            <a:pPr marL="0" indent="0">
+              <a:buNone/>
+            </a:pPr>
+            <a:r>
+              <a:rPr lang="hu-HU" dirty="0"/>
+              <a:t>	 </a:t>
+            </a:r>
+            <a:r>
+              <a:rPr lang="hu-HU" dirty="0" smtClean="0"/>
+              <a:t>   </a:t>
+            </a:r>
+            <a:r>
+              <a:rPr lang="ro-RO" dirty="0" smtClean="0"/>
+              <a:t>A_i</a:t>
+            </a:r>
+            <a:r>
+              <a:rPr lang="ro-RO" b="1" dirty="0" smtClean="0"/>
+              <a:t>_2</a:t>
+            </a:r>
+            <a:r>
+              <a:rPr lang="ro-RO" dirty="0" smtClean="0"/>
+              <a:t> </a:t>
+            </a:r>
+            <a:r>
+              <a:rPr lang="ro-RO" dirty="0"/>
+              <a:t>= </a:t>
+            </a:r>
+            <a:r>
+              <a:rPr lang="ro-RO" dirty="0" smtClean="0"/>
+              <a:t>...</a:t>
+            </a:r>
+            <a:endParaRPr lang="ro-RO" dirty="0"/>
+          </a:p>
+          <a:p>
+            <a:pPr marL="0" indent="0">
+              <a:buNone/>
+            </a:pPr>
+            <a:r>
+              <a:rPr lang="en-US" dirty="0"/>
+              <a:t> </a:t>
+            </a:r>
+            <a:r>
+              <a:rPr lang="en-US" dirty="0" smtClean="0"/>
+              <a:t>        x = </a:t>
+            </a:r>
+            <a:r>
+              <a:rPr lang="en-US" dirty="0"/>
+              <a:t> </a:t>
+            </a:r>
+            <a:r>
+              <a:rPr lang="en-US" dirty="0" smtClean="0"/>
+              <a:t>  </a:t>
+            </a:r>
+            <a:r>
+              <a:rPr lang="en-US" dirty="0"/>
+              <a:t> </a:t>
+            </a:r>
+            <a:r>
+              <a:rPr lang="en-US" dirty="0" smtClean="0"/>
+              <a:t> </a:t>
+            </a:r>
+          </a:p>
+          <a:p>
+            <a:pPr marL="0" indent="0">
+              <a:buNone/>
+            </a:pPr>
+            <a:r>
+              <a:rPr lang="en-US" dirty="0"/>
+              <a:t> </a:t>
+            </a:r>
+            <a:r>
+              <a:rPr lang="en-US" dirty="0" smtClean="0"/>
+              <a:t>           phi(A_i</a:t>
+            </a:r>
+            <a:r>
+              <a:rPr lang="en-US" b="1" dirty="0" smtClean="0"/>
+              <a:t>_1</a:t>
+            </a:r>
+            <a:r>
+              <a:rPr lang="en-US" dirty="0" smtClean="0"/>
+              <a:t>,A_i</a:t>
+            </a:r>
+            <a:r>
+              <a:rPr lang="en-US" b="1" dirty="0" smtClean="0"/>
+              <a:t>_2</a:t>
+            </a:r>
+            <a:r>
+              <a:rPr lang="en-US" dirty="0" smtClean="0"/>
+              <a:t>);</a:t>
+            </a:r>
+          </a:p>
+        </p:txBody>
+      </p:sp>
+    </p:spTree>
+    <p:extLst>
+      <p:ext uri="{BB962C8B-B14F-4D97-AF65-F5344CB8AC3E}">
+        <p14:creationId xmlns:p14="http://schemas.microsoft.com/office/powerpoint/2010/main" val="4149856790"/>
+      </p:ext>
+    </p:extLst>
+  </p:cSld>
+  <p:clrMapOvr>
+    <a:masterClrMapping/>
+  </p:clrMapOvr>
+</p:sld>
+</file>
+
+<file path=ppt/slides/slide19.xml><?xml version="1.0" encoding="utf-8"?>
+<p:sld xmlns:a="http://schemas.openxmlformats.org/drawingml/2006/main" xmlns:r="http://schemas.openxmlformats.org/officeDocument/2006/relationships" xmlns:p="http://schemas.openxmlformats.org/presentationml/2006/main">
+  <p:cSld>
+    <p:spTree>
+      <p:nvGrpSpPr>
+        <p:cNvPr id="1" name=""/>
+        <p:cNvGrpSpPr/>
+        <p:nvPr/>
+      </p:nvGrpSpPr>
+      <p:grpSpPr>
+        <a:xfrm>
+          <a:off x="0" y="0"/>
+          <a:ext cx="0" cy="0"/>
+          <a:chOff x="0" y="0"/>
+          <a:chExt cx="0" cy="0"/>
+        </a:xfrm>
+      </p:grpSpPr>
+      <p:sp>
+        <p:nvSpPr>
+          <p:cNvPr id="2" name="Title 1"/>
+          <p:cNvSpPr>
+            <a:spLocks noGrp="1"/>
+          </p:cNvSpPr>
+          <p:nvPr>
+            <p:ph type="title"/>
+          </p:nvPr>
+        </p:nvSpPr>
+        <p:spPr/>
+        <p:txBody>
+          <a:bodyPr/>
+          <a:lstStyle/>
+          <a:p>
+            <a:r>
+              <a:rPr lang="en-US" dirty="0" smtClean="0"/>
+              <a:t>Phase 3: SSA/MUX Conversion</a:t>
+            </a:r>
+            <a:endParaRPr lang="en-US" dirty="0"/>
+          </a:p>
+        </p:txBody>
+      </p:sp>
+      <p:sp>
+        <p:nvSpPr>
+          <p:cNvPr id="3" name="Content Placeholder 2"/>
+          <p:cNvSpPr>
+            <a:spLocks noGrp="1"/>
+          </p:cNvSpPr>
+          <p:nvPr>
+            <p:ph idx="1"/>
+          </p:nvPr>
+        </p:nvSpPr>
+        <p:spPr/>
+        <p:txBody>
+          <a:bodyPr/>
+          <a:lstStyle/>
+          <a:p>
+            <a:r>
+              <a:rPr lang="en-US" dirty="0" smtClean="0"/>
+              <a:t>Note: if-then-else examples are interesting</a:t>
+            </a:r>
+            <a:r>
+              <a:rPr lang="is-IS" dirty="0" smtClean="0"/>
+              <a:t>…</a:t>
+            </a:r>
+            <a:endParaRPr lang="en-US" dirty="0"/>
+          </a:p>
+        </p:txBody>
+      </p:sp>
+      <p:sp>
+        <p:nvSpPr>
           <p:cNvPr id="8" name="Right Arrow 7"/>
           <p:cNvSpPr/>
           <p:nvPr/>
@@ -8183,7 +8351,637 @@
 </p:sld>
 </file>
 
-<file path=ppt/slides/slide19.xml><?xml version="1.0" encoding="utf-8"?>
+<file path=ppt/slides/slide2.xml><?xml version="1.0" encoding="utf-8"?>
+<p:sld xmlns:a="http://schemas.openxmlformats.org/drawingml/2006/main" xmlns:r="http://schemas.openxmlformats.org/officeDocument/2006/relationships" xmlns:p="http://schemas.openxmlformats.org/presentationml/2006/main">
+  <p:cSld>
+    <p:spTree>
+      <p:nvGrpSpPr>
+        <p:cNvPr id="1" name=""/>
+        <p:cNvGrpSpPr/>
+        <p:nvPr/>
+      </p:nvGrpSpPr>
+      <p:grpSpPr>
+        <a:xfrm>
+          <a:off x="0" y="0"/>
+          <a:ext cx="0" cy="0"/>
+          <a:chOff x="0" y="0"/>
+          <a:chExt cx="0" cy="0"/>
+        </a:xfrm>
+      </p:grpSpPr>
+      <p:sp>
+        <p:nvSpPr>
+          <p:cNvPr id="2" name="Title 1"/>
+          <p:cNvSpPr>
+            <a:spLocks noGrp="1"/>
+          </p:cNvSpPr>
+          <p:nvPr>
+            <p:ph type="title"/>
+          </p:nvPr>
+        </p:nvSpPr>
+        <p:spPr/>
+        <p:txBody>
+          <a:bodyPr/>
+          <a:lstStyle/>
+          <a:p>
+            <a:r>
+              <a:rPr lang="en-US" dirty="0" smtClean="0"/>
+              <a:t>Compiler</a:t>
+            </a:r>
+            <a:endParaRPr lang="en-US" dirty="0"/>
+          </a:p>
+        </p:txBody>
+      </p:sp>
+      <p:sp>
+        <p:nvSpPr>
+          <p:cNvPr id="3" name="Content Placeholder 2"/>
+          <p:cNvSpPr>
+            <a:spLocks noGrp="1"/>
+          </p:cNvSpPr>
+          <p:nvPr>
+            <p:ph idx="1"/>
+          </p:nvPr>
+        </p:nvSpPr>
+        <p:spPr>
+          <a:xfrm>
+            <a:off x="13471" y="1600200"/>
+            <a:ext cx="3276138" cy="4525963"/>
+          </a:xfrm>
+        </p:spPr>
+        <p:txBody>
+          <a:bodyPr/>
+          <a:lstStyle/>
+          <a:p>
+            <a:pPr marL="0" indent="0">
+              <a:buNone/>
+            </a:pPr>
+            <a:r>
+              <a:rPr lang="en-US" dirty="0" smtClean="0">
+                <a:solidFill>
+                  <a:srgbClr val="FF0000"/>
+                </a:solidFill>
+              </a:rPr>
+              <a:t>#IMP-like IP(A,B):</a:t>
+            </a:r>
+          </a:p>
+          <a:p>
+            <a:pPr marL="0" indent="0">
+              <a:buNone/>
+            </a:pPr>
+            <a:r>
+              <a:rPr lang="en-US" dirty="0" smtClean="0"/>
+              <a:t>sum = 0</a:t>
+            </a:r>
+          </a:p>
+          <a:p>
+            <a:pPr marL="0" indent="0">
+              <a:buNone/>
+            </a:pPr>
+            <a:r>
+              <a:rPr lang="en-US" dirty="0" smtClean="0"/>
+              <a:t>for </a:t>
+            </a:r>
+            <a:r>
+              <a:rPr lang="en-US" dirty="0" err="1" smtClean="0"/>
+              <a:t>i</a:t>
+            </a:r>
+            <a:r>
+              <a:rPr lang="en-US" dirty="0" smtClean="0"/>
+              <a:t> in range(8):</a:t>
+            </a:r>
+          </a:p>
+          <a:p>
+            <a:pPr marL="0" indent="0">
+              <a:buNone/>
+            </a:pPr>
+            <a:r>
+              <a:rPr lang="en-US" dirty="0"/>
+              <a:t> </a:t>
+            </a:r>
+            <a:r>
+              <a:rPr lang="en-US" dirty="0" smtClean="0"/>
+              <a:t>  t = A[</a:t>
+            </a:r>
+            <a:r>
+              <a:rPr lang="en-US" dirty="0" err="1" smtClean="0"/>
+              <a:t>i</a:t>
+            </a:r>
+            <a:r>
+              <a:rPr lang="en-US" dirty="0" smtClean="0"/>
+              <a:t>]*B[</a:t>
+            </a:r>
+            <a:r>
+              <a:rPr lang="en-US" dirty="0" err="1" smtClean="0"/>
+              <a:t>i</a:t>
+            </a:r>
+            <a:r>
+              <a:rPr lang="en-US" dirty="0" smtClean="0"/>
+              <a:t>]</a:t>
+            </a:r>
+          </a:p>
+          <a:p>
+            <a:pPr marL="0" indent="0">
+              <a:buNone/>
+            </a:pPr>
+            <a:r>
+              <a:rPr lang="en-US" dirty="0"/>
+              <a:t> </a:t>
+            </a:r>
+            <a:r>
+              <a:rPr lang="en-US" dirty="0" smtClean="0"/>
+              <a:t>  sum = sum + t</a:t>
+            </a:r>
+          </a:p>
+          <a:p>
+            <a:pPr marL="0" indent="0">
+              <a:buNone/>
+            </a:pPr>
+            <a:endParaRPr lang="en-US" dirty="0"/>
+          </a:p>
+        </p:txBody>
+      </p:sp>
+      <p:sp>
+        <p:nvSpPr>
+          <p:cNvPr id="4" name="Content Placeholder 2"/>
+          <p:cNvSpPr txBox="1">
+            <a:spLocks/>
+          </p:cNvSpPr>
+          <p:nvPr/>
+        </p:nvSpPr>
+        <p:spPr>
+          <a:xfrm>
+            <a:off x="5294000" y="1599610"/>
+            <a:ext cx="3855741" cy="4525963"/>
+          </a:xfrm>
+          <a:prstGeom prst="rect">
+            <a:avLst/>
+          </a:prstGeom>
+        </p:spPr>
+        <p:txBody>
+          <a:bodyPr vert="horz" lIns="91440" tIns="45720" rIns="91440" bIns="45720" rtlCol="0">
+            <a:normAutofit lnSpcReduction="10000"/>
+          </a:bodyPr>
+          <a:lstStyle>
+            <a:lvl1pPr marL="342900" indent="-342900" algn="l" defTabSz="457200" rtl="0" eaLnBrk="1" latinLnBrk="0" hangingPunct="1">
+              <a:spcBef>
+                <a:spcPct val="20000"/>
+              </a:spcBef>
+              <a:buFont typeface="Arial"/>
+              <a:buChar char="•"/>
+              <a:defRPr sz="3200" kern="1200">
+                <a:solidFill>
+                  <a:schemeClr val="tx1"/>
+                </a:solidFill>
+                <a:latin typeface="+mn-lt"/>
+                <a:ea typeface="+mn-ea"/>
+                <a:cs typeface="+mn-cs"/>
+              </a:defRPr>
+            </a:lvl1pPr>
+            <a:lvl2pPr marL="742950" indent="-285750" algn="l" defTabSz="457200" rtl="0" eaLnBrk="1" latinLnBrk="0" hangingPunct="1">
+              <a:spcBef>
+                <a:spcPct val="20000"/>
+              </a:spcBef>
+              <a:buFont typeface="Arial"/>
+              <a:buChar char="–"/>
+              <a:defRPr sz="2800" kern="1200">
+                <a:solidFill>
+                  <a:schemeClr val="tx1"/>
+                </a:solidFill>
+                <a:latin typeface="+mn-lt"/>
+                <a:ea typeface="+mn-ea"/>
+                <a:cs typeface="+mn-cs"/>
+              </a:defRPr>
+            </a:lvl2pPr>
+            <a:lvl3pPr marL="1143000" indent="-228600" algn="l" defTabSz="457200" rtl="0" eaLnBrk="1" latinLnBrk="0" hangingPunct="1">
+              <a:spcBef>
+                <a:spcPct val="20000"/>
+              </a:spcBef>
+              <a:buFont typeface="Arial"/>
+              <a:buChar char="•"/>
+              <a:defRPr sz="2400" kern="1200">
+                <a:solidFill>
+                  <a:schemeClr val="tx1"/>
+                </a:solidFill>
+                <a:latin typeface="+mn-lt"/>
+                <a:ea typeface="+mn-ea"/>
+                <a:cs typeface="+mn-cs"/>
+              </a:defRPr>
+            </a:lvl3pPr>
+            <a:lvl4pPr marL="1600200" indent="-228600" algn="l" defTabSz="457200" rtl="0" eaLnBrk="1" latinLnBrk="0" hangingPunct="1">
+              <a:spcBef>
+                <a:spcPct val="20000"/>
+              </a:spcBef>
+              <a:buFont typeface="Arial"/>
+              <a:buChar char="–"/>
+              <a:defRPr sz="2000" kern="1200">
+                <a:solidFill>
+                  <a:schemeClr val="tx1"/>
+                </a:solidFill>
+                <a:latin typeface="+mn-lt"/>
+                <a:ea typeface="+mn-ea"/>
+                <a:cs typeface="+mn-cs"/>
+              </a:defRPr>
+            </a:lvl4pPr>
+            <a:lvl5pPr marL="2057400" indent="-228600" algn="l" defTabSz="457200" rtl="0" eaLnBrk="1" latinLnBrk="0" hangingPunct="1">
+              <a:spcBef>
+                <a:spcPct val="20000"/>
+              </a:spcBef>
+              <a:buFont typeface="Arial"/>
+              <a:buChar char="»"/>
+              <a:defRPr sz="2000" kern="1200">
+                <a:solidFill>
+                  <a:schemeClr val="tx1"/>
+                </a:solidFill>
+                <a:latin typeface="+mn-lt"/>
+                <a:ea typeface="+mn-ea"/>
+                <a:cs typeface="+mn-cs"/>
+              </a:defRPr>
+            </a:lvl5pPr>
+            <a:lvl6pPr marL="2514600" indent="-228600" algn="l" defTabSz="457200" rtl="0" eaLnBrk="1" latinLnBrk="0" hangingPunct="1">
+              <a:spcBef>
+                <a:spcPct val="20000"/>
+              </a:spcBef>
+              <a:buFont typeface="Arial"/>
+              <a:buChar char="•"/>
+              <a:defRPr sz="2000" kern="1200">
+                <a:solidFill>
+                  <a:schemeClr val="tx1"/>
+                </a:solidFill>
+                <a:latin typeface="+mn-lt"/>
+                <a:ea typeface="+mn-ea"/>
+                <a:cs typeface="+mn-cs"/>
+              </a:defRPr>
+            </a:lvl6pPr>
+            <a:lvl7pPr marL="2971800" indent="-228600" algn="l" defTabSz="457200" rtl="0" eaLnBrk="1" latinLnBrk="0" hangingPunct="1">
+              <a:spcBef>
+                <a:spcPct val="20000"/>
+              </a:spcBef>
+              <a:buFont typeface="Arial"/>
+              <a:buChar char="•"/>
+              <a:defRPr sz="2000" kern="1200">
+                <a:solidFill>
+                  <a:schemeClr val="tx1"/>
+                </a:solidFill>
+                <a:latin typeface="+mn-lt"/>
+                <a:ea typeface="+mn-ea"/>
+                <a:cs typeface="+mn-cs"/>
+              </a:defRPr>
+            </a:lvl7pPr>
+            <a:lvl8pPr marL="3429000" indent="-228600" algn="l" defTabSz="457200" rtl="0" eaLnBrk="1" latinLnBrk="0" hangingPunct="1">
+              <a:spcBef>
+                <a:spcPct val="20000"/>
+              </a:spcBef>
+              <a:buFont typeface="Arial"/>
+              <a:buChar char="•"/>
+              <a:defRPr sz="2000" kern="1200">
+                <a:solidFill>
+                  <a:schemeClr val="tx1"/>
+                </a:solidFill>
+                <a:latin typeface="+mn-lt"/>
+                <a:ea typeface="+mn-ea"/>
+                <a:cs typeface="+mn-cs"/>
+              </a:defRPr>
+            </a:lvl8pPr>
+            <a:lvl9pPr marL="3886200" indent="-228600" algn="l" defTabSz="457200" rtl="0" eaLnBrk="1" latinLnBrk="0" hangingPunct="1">
+              <a:spcBef>
+                <a:spcPct val="20000"/>
+              </a:spcBef>
+              <a:buFont typeface="Arial"/>
+              <a:buChar char="•"/>
+              <a:defRPr sz="2000" kern="1200">
+                <a:solidFill>
+                  <a:schemeClr val="tx1"/>
+                </a:solidFill>
+                <a:latin typeface="+mn-lt"/>
+                <a:ea typeface="+mn-ea"/>
+                <a:cs typeface="+mn-cs"/>
+              </a:defRPr>
+            </a:lvl9pPr>
+          </a:lstStyle>
+          <a:p>
+            <a:pPr marL="0" indent="0">
+              <a:buFont typeface="Arial"/>
+              <a:buNone/>
+            </a:pPr>
+            <a:r>
+              <a:rPr lang="en-US" dirty="0" smtClean="0">
+                <a:solidFill>
+                  <a:srgbClr val="FF0000"/>
+                </a:solidFill>
+              </a:rPr>
+              <a:t>#Straight-line MPC:</a:t>
+            </a:r>
+          </a:p>
+          <a:p>
+            <a:pPr marL="0" indent="0">
+              <a:buFont typeface="Arial"/>
+              <a:buNone/>
+            </a:pPr>
+            <a:r>
+              <a:rPr lang="en-US" sz="2400" dirty="0" smtClean="0"/>
+              <a:t>sum = 0</a:t>
+            </a:r>
+          </a:p>
+          <a:p>
+            <a:pPr marL="0" indent="0">
+              <a:buFont typeface="Arial"/>
+              <a:buNone/>
+            </a:pPr>
+            <a:r>
+              <a:rPr lang="en-US" sz="2400" dirty="0" smtClean="0"/>
+              <a:t>C = </a:t>
+            </a:r>
+            <a:r>
+              <a:rPr lang="en-US" sz="2400" dirty="0" smtClean="0">
+                <a:solidFill>
+                  <a:srgbClr val="0000FF"/>
+                </a:solidFill>
+              </a:rPr>
+              <a:t>MUL(A,B,8)</a:t>
+            </a:r>
+            <a:r>
+              <a:rPr lang="en-US" sz="2400" dirty="0" smtClean="0"/>
+              <a:t> # SIMD MUL</a:t>
+            </a:r>
+          </a:p>
+          <a:p>
+            <a:pPr marL="0" indent="0">
+              <a:buFont typeface="Arial"/>
+              <a:buNone/>
+            </a:pPr>
+            <a:r>
+              <a:rPr lang="en-US" sz="2400" dirty="0" err="1" smtClean="0"/>
+              <a:t>C_e,C_o</a:t>
+            </a:r>
+            <a:r>
+              <a:rPr lang="en-US" sz="2400" dirty="0" smtClean="0"/>
+              <a:t> = SPLIT(C,2i,2i+1)</a:t>
+            </a:r>
+          </a:p>
+          <a:p>
+            <a:pPr marL="0" indent="0">
+              <a:buFont typeface="Arial"/>
+              <a:buNone/>
+            </a:pPr>
+            <a:r>
+              <a:rPr lang="en-US" sz="2400" dirty="0" smtClean="0"/>
+              <a:t>C1 = </a:t>
+            </a:r>
+            <a:r>
+              <a:rPr lang="en-US" sz="2400" dirty="0" smtClean="0">
+                <a:solidFill>
+                  <a:srgbClr val="0000FF"/>
+                </a:solidFill>
+              </a:rPr>
+              <a:t>ADD(C_e,C_o,4)</a:t>
+            </a:r>
+          </a:p>
+          <a:p>
+            <a:pPr marL="0" indent="0">
+              <a:buFont typeface="Arial"/>
+              <a:buNone/>
+            </a:pPr>
+            <a:r>
+              <a:rPr lang="en-US" sz="2400" dirty="0" smtClean="0"/>
+              <a:t>C1_e,C1_o = SPLIT(C1,2i,2i+1)</a:t>
+            </a:r>
+          </a:p>
+          <a:p>
+            <a:pPr marL="0" indent="0">
+              <a:buFont typeface="Arial"/>
+              <a:buNone/>
+            </a:pPr>
+            <a:r>
+              <a:rPr lang="en-US" sz="2400" dirty="0" smtClean="0"/>
+              <a:t>C2 = </a:t>
+            </a:r>
+            <a:r>
+              <a:rPr lang="en-US" sz="2400" dirty="0" smtClean="0">
+                <a:solidFill>
+                  <a:srgbClr val="0000FF"/>
+                </a:solidFill>
+              </a:rPr>
+              <a:t>ADD(C1_e,C1_o,2)</a:t>
+            </a:r>
+          </a:p>
+          <a:p>
+            <a:pPr marL="0" indent="0">
+              <a:buFont typeface="Arial"/>
+              <a:buNone/>
+            </a:pPr>
+            <a:r>
+              <a:rPr lang="en-US" sz="2400" dirty="0" smtClean="0"/>
+              <a:t>C2_e,C2_o = </a:t>
+            </a:r>
+            <a:r>
+              <a:rPr lang="en-US" sz="2400" dirty="0" smtClean="0">
+                <a:solidFill>
+                  <a:srgbClr val="000000"/>
+                </a:solidFill>
+              </a:rPr>
+              <a:t>SPLIT(C2,2i,2i+1)</a:t>
+            </a:r>
+          </a:p>
+          <a:p>
+            <a:pPr marL="0" indent="0">
+              <a:buFont typeface="Arial"/>
+              <a:buNone/>
+            </a:pPr>
+            <a:r>
+              <a:rPr lang="en-US" sz="2400" dirty="0" smtClean="0">
+                <a:solidFill>
+                  <a:srgbClr val="000000"/>
+                </a:solidFill>
+              </a:rPr>
+              <a:t>C3 = </a:t>
+            </a:r>
+            <a:r>
+              <a:rPr lang="en-US" sz="2400" dirty="0" smtClean="0">
+                <a:solidFill>
+                  <a:srgbClr val="0000FF"/>
+                </a:solidFill>
+              </a:rPr>
+              <a:t>ADD(C2_e,C2_o,1)</a:t>
+            </a:r>
+          </a:p>
+          <a:p>
+            <a:pPr marL="0" indent="0">
+              <a:buFont typeface="Arial"/>
+              <a:buNone/>
+            </a:pPr>
+            <a:r>
+              <a:rPr lang="en-US" sz="2400" dirty="0" smtClean="0">
+                <a:solidFill>
+                  <a:srgbClr val="000000"/>
+                </a:solidFill>
+              </a:rPr>
+              <a:t>// C3[0] has final sum </a:t>
+            </a:r>
+          </a:p>
+          <a:p>
+            <a:pPr marL="0" indent="0">
+              <a:buFont typeface="Arial"/>
+              <a:buNone/>
+            </a:pPr>
+            <a:endParaRPr lang="en-US" sz="2400" dirty="0">
+              <a:solidFill>
+                <a:srgbClr val="0000FF"/>
+              </a:solidFill>
+            </a:endParaRPr>
+          </a:p>
+        </p:txBody>
+      </p:sp>
+      <p:sp>
+        <p:nvSpPr>
+          <p:cNvPr id="5" name="Right Arrow 4"/>
+          <p:cNvSpPr/>
+          <p:nvPr/>
+        </p:nvSpPr>
+        <p:spPr>
+          <a:xfrm>
+            <a:off x="3733338" y="4087428"/>
+            <a:ext cx="978408" cy="484632"/>
+          </a:xfrm>
+          <a:prstGeom prst="rightArrow">
+            <a:avLst/>
+          </a:prstGeom>
+        </p:spPr>
+        <p:style>
+          <a:lnRef idx="1">
+            <a:schemeClr val="accent1"/>
+          </a:lnRef>
+          <a:fillRef idx="3">
+            <a:schemeClr val="accent1"/>
+          </a:fillRef>
+          <a:effectRef idx="2">
+            <a:schemeClr val="accent1"/>
+          </a:effectRef>
+          <a:fontRef idx="minor">
+            <a:schemeClr val="lt1"/>
+          </a:fontRef>
+        </p:style>
+        <p:txBody>
+          <a:bodyPr rtlCol="0" anchor="ctr"/>
+          <a:lstStyle/>
+          <a:p>
+            <a:pPr algn="ctr"/>
+            <a:endParaRPr lang="en-US"/>
+          </a:p>
+        </p:txBody>
+      </p:sp>
+      <p:sp>
+        <p:nvSpPr>
+          <p:cNvPr id="6" name="TextBox 5"/>
+          <p:cNvSpPr txBox="1"/>
+          <p:nvPr/>
+        </p:nvSpPr>
+        <p:spPr>
+          <a:xfrm>
+            <a:off x="3044812" y="1269873"/>
+            <a:ext cx="2288983" cy="2862323"/>
+          </a:xfrm>
+          <a:prstGeom prst="rect">
+            <a:avLst/>
+          </a:prstGeom>
+          <a:noFill/>
+        </p:spPr>
+        <p:txBody>
+          <a:bodyPr wrap="none" rtlCol="0">
+            <a:spAutoFit/>
+          </a:bodyPr>
+          <a:lstStyle/>
+          <a:p>
+            <a:r>
+              <a:rPr lang="en-US" dirty="0" smtClean="0"/>
+              <a:t>Program analysis/</a:t>
+            </a:r>
+          </a:p>
+          <a:p>
+            <a:r>
+              <a:rPr lang="en-US" dirty="0"/>
+              <a:t>c</a:t>
+            </a:r>
+            <a:r>
+              <a:rPr lang="en-US" dirty="0" smtClean="0"/>
+              <a:t>ompiler on </a:t>
+            </a:r>
+            <a:r>
+              <a:rPr lang="en-US" u="sng" dirty="0" smtClean="0"/>
+              <a:t>source</a:t>
+            </a:r>
+          </a:p>
+          <a:p>
+            <a:r>
+              <a:rPr lang="en-US" u="sng" dirty="0" smtClean="0"/>
+              <a:t>and MPC-source</a:t>
+            </a:r>
+            <a:r>
+              <a:rPr lang="en-US" dirty="0" smtClean="0"/>
+              <a:t>. </a:t>
+            </a:r>
+          </a:p>
+          <a:p>
+            <a:r>
+              <a:rPr lang="en-US" dirty="0" smtClean="0"/>
+              <a:t>Lindsey’s analyses:</a:t>
+            </a:r>
+          </a:p>
+          <a:p>
+            <a:r>
+              <a:rPr lang="en-US" dirty="0" smtClean="0"/>
+              <a:t>SSA, Arrays, MUX-SSA,</a:t>
+            </a:r>
+          </a:p>
+          <a:p>
+            <a:r>
+              <a:rPr lang="en-US" dirty="0" err="1"/>
+              <a:t>V</a:t>
+            </a:r>
+            <a:r>
+              <a:rPr lang="en-US" dirty="0" err="1" smtClean="0"/>
+              <a:t>ectorization</a:t>
+            </a:r>
+            <a:r>
+              <a:rPr lang="en-US" dirty="0" smtClean="0"/>
+              <a:t>,</a:t>
+            </a:r>
+          </a:p>
+          <a:p>
+            <a:r>
+              <a:rPr lang="en-US" dirty="0" smtClean="0"/>
+              <a:t>Divide-and-conquer, </a:t>
+            </a:r>
+          </a:p>
+          <a:p>
+            <a:r>
+              <a:rPr lang="en-US" dirty="0" smtClean="0"/>
+              <a:t>Mixed-modes and </a:t>
+            </a:r>
+          </a:p>
+          <a:p>
+            <a:r>
+              <a:rPr lang="en-US" dirty="0" smtClean="0"/>
+              <a:t>conversions, other?</a:t>
+            </a:r>
+          </a:p>
+          <a:p>
+            <a:endParaRPr lang="en-US" dirty="0"/>
+          </a:p>
+        </p:txBody>
+      </p:sp>
+    </p:spTree>
+    <p:extLst>
+      <p:ext uri="{BB962C8B-B14F-4D97-AF65-F5344CB8AC3E}">
+        <p14:creationId xmlns:p14="http://schemas.microsoft.com/office/powerpoint/2010/main" val="2422603014"/>
+      </p:ext>
+    </p:extLst>
+  </p:cSld>
+  <p:clrMapOvr>
+    <a:masterClrMapping/>
+  </p:clrMapOvr>
+</p:sld>
+</file>
+
+<file path=ppt/slides/slide20.xml><?xml version="1.0" encoding="utf-8"?>
 <p:sld xmlns:a="http://schemas.openxmlformats.org/drawingml/2006/main" xmlns:r="http://schemas.openxmlformats.org/officeDocument/2006/relationships" xmlns:p="http://schemas.openxmlformats.org/presentationml/2006/main">
   <p:cSld>
     <p:spTree>
@@ -8824,720 +9622,6 @@
 </p:sld>
 </file>
 
-<file path=ppt/slides/slide2.xml><?xml version="1.0" encoding="utf-8"?>
-<p:sld xmlns:a="http://schemas.openxmlformats.org/drawingml/2006/main" xmlns:r="http://schemas.openxmlformats.org/officeDocument/2006/relationships" xmlns:p="http://schemas.openxmlformats.org/presentationml/2006/main">
-  <p:cSld>
-    <p:spTree>
-      <p:nvGrpSpPr>
-        <p:cNvPr id="1" name=""/>
-        <p:cNvGrpSpPr/>
-        <p:nvPr/>
-      </p:nvGrpSpPr>
-      <p:grpSpPr>
-        <a:xfrm>
-          <a:off x="0" y="0"/>
-          <a:ext cx="0" cy="0"/>
-          <a:chOff x="0" y="0"/>
-          <a:chExt cx="0" cy="0"/>
-        </a:xfrm>
-      </p:grpSpPr>
-      <p:sp>
-        <p:nvSpPr>
-          <p:cNvPr id="2" name="Title 1"/>
-          <p:cNvSpPr>
-            <a:spLocks noGrp="1"/>
-          </p:cNvSpPr>
-          <p:nvPr>
-            <p:ph type="title"/>
-          </p:nvPr>
-        </p:nvSpPr>
-        <p:spPr/>
-        <p:txBody>
-          <a:bodyPr/>
-          <a:lstStyle/>
-          <a:p>
-            <a:r>
-              <a:rPr lang="en-US" dirty="0" smtClean="0"/>
-              <a:t>Compiler</a:t>
-            </a:r>
-            <a:endParaRPr lang="en-US" dirty="0"/>
-          </a:p>
-        </p:txBody>
-      </p:sp>
-      <p:sp>
-        <p:nvSpPr>
-          <p:cNvPr id="3" name="Content Placeholder 2"/>
-          <p:cNvSpPr>
-            <a:spLocks noGrp="1"/>
-          </p:cNvSpPr>
-          <p:nvPr>
-            <p:ph idx="1"/>
-          </p:nvPr>
-        </p:nvSpPr>
-        <p:spPr>
-          <a:xfrm>
-            <a:off x="13471" y="1600200"/>
-            <a:ext cx="3276138" cy="4525963"/>
-          </a:xfrm>
-        </p:spPr>
-        <p:txBody>
-          <a:bodyPr/>
-          <a:lstStyle/>
-          <a:p>
-            <a:pPr marL="0" indent="0">
-              <a:buNone/>
-            </a:pPr>
-            <a:r>
-              <a:rPr lang="en-US" dirty="0" smtClean="0">
-                <a:solidFill>
-                  <a:srgbClr val="FF0000"/>
-                </a:solidFill>
-              </a:rPr>
-              <a:t>#IMP-like IP(A,B):</a:t>
-            </a:r>
-          </a:p>
-          <a:p>
-            <a:pPr marL="0" indent="0">
-              <a:buNone/>
-            </a:pPr>
-            <a:r>
-              <a:rPr lang="en-US" dirty="0" smtClean="0"/>
-              <a:t>sum = 0</a:t>
-            </a:r>
-          </a:p>
-          <a:p>
-            <a:pPr marL="0" indent="0">
-              <a:buNone/>
-            </a:pPr>
-            <a:r>
-              <a:rPr lang="en-US" dirty="0" smtClean="0"/>
-              <a:t>for </a:t>
-            </a:r>
-            <a:r>
-              <a:rPr lang="en-US" dirty="0" err="1" smtClean="0"/>
-              <a:t>i</a:t>
-            </a:r>
-            <a:r>
-              <a:rPr lang="en-US" dirty="0" smtClean="0"/>
-              <a:t> in range(8):</a:t>
-            </a:r>
-          </a:p>
-          <a:p>
-            <a:pPr marL="0" indent="0">
-              <a:buNone/>
-            </a:pPr>
-            <a:r>
-              <a:rPr lang="en-US" dirty="0"/>
-              <a:t> </a:t>
-            </a:r>
-            <a:r>
-              <a:rPr lang="en-US" dirty="0" smtClean="0"/>
-              <a:t>  t = A[</a:t>
-            </a:r>
-            <a:r>
-              <a:rPr lang="en-US" dirty="0" err="1" smtClean="0"/>
-              <a:t>i</a:t>
-            </a:r>
-            <a:r>
-              <a:rPr lang="en-US" dirty="0" smtClean="0"/>
-              <a:t>]*B[</a:t>
-            </a:r>
-            <a:r>
-              <a:rPr lang="en-US" dirty="0" err="1" smtClean="0"/>
-              <a:t>i</a:t>
-            </a:r>
-            <a:r>
-              <a:rPr lang="en-US" dirty="0" smtClean="0"/>
-              <a:t>]</a:t>
-            </a:r>
-          </a:p>
-          <a:p>
-            <a:pPr marL="0" indent="0">
-              <a:buNone/>
-            </a:pPr>
-            <a:r>
-              <a:rPr lang="en-US" dirty="0"/>
-              <a:t> </a:t>
-            </a:r>
-            <a:r>
-              <a:rPr lang="en-US" dirty="0" smtClean="0"/>
-              <a:t>  sum = sum + t</a:t>
-            </a:r>
-          </a:p>
-          <a:p>
-            <a:pPr marL="0" indent="0">
-              <a:buNone/>
-            </a:pPr>
-            <a:endParaRPr lang="en-US" dirty="0"/>
-          </a:p>
-        </p:txBody>
-      </p:sp>
-      <p:sp>
-        <p:nvSpPr>
-          <p:cNvPr id="4" name="Content Placeholder 2"/>
-          <p:cNvSpPr txBox="1">
-            <a:spLocks/>
-          </p:cNvSpPr>
-          <p:nvPr/>
-        </p:nvSpPr>
-        <p:spPr>
-          <a:xfrm>
-            <a:off x="5294000" y="1599610"/>
-            <a:ext cx="3855741" cy="4525963"/>
-          </a:xfrm>
-          <a:prstGeom prst="rect">
-            <a:avLst/>
-          </a:prstGeom>
-        </p:spPr>
-        <p:txBody>
-          <a:bodyPr vert="horz" lIns="91440" tIns="45720" rIns="91440" bIns="45720" rtlCol="0">
-            <a:normAutofit lnSpcReduction="10000"/>
-          </a:bodyPr>
-          <a:lstStyle>
-            <a:lvl1pPr marL="342900" indent="-342900" algn="l" defTabSz="457200" rtl="0" eaLnBrk="1" latinLnBrk="0" hangingPunct="1">
-              <a:spcBef>
-                <a:spcPct val="20000"/>
-              </a:spcBef>
-              <a:buFont typeface="Arial"/>
-              <a:buChar char="•"/>
-              <a:defRPr sz="3200" kern="1200">
-                <a:solidFill>
-                  <a:schemeClr val="tx1"/>
-                </a:solidFill>
-                <a:latin typeface="+mn-lt"/>
-                <a:ea typeface="+mn-ea"/>
-                <a:cs typeface="+mn-cs"/>
-              </a:defRPr>
-            </a:lvl1pPr>
-            <a:lvl2pPr marL="742950" indent="-285750" algn="l" defTabSz="457200" rtl="0" eaLnBrk="1" latinLnBrk="0" hangingPunct="1">
-              <a:spcBef>
-                <a:spcPct val="20000"/>
-              </a:spcBef>
-              <a:buFont typeface="Arial"/>
-              <a:buChar char="–"/>
-              <a:defRPr sz="2800" kern="1200">
-                <a:solidFill>
-                  <a:schemeClr val="tx1"/>
-                </a:solidFill>
-                <a:latin typeface="+mn-lt"/>
-                <a:ea typeface="+mn-ea"/>
-                <a:cs typeface="+mn-cs"/>
-              </a:defRPr>
-            </a:lvl2pPr>
-            <a:lvl3pPr marL="1143000" indent="-228600" algn="l" defTabSz="457200" rtl="0" eaLnBrk="1" latinLnBrk="0" hangingPunct="1">
-              <a:spcBef>
-                <a:spcPct val="20000"/>
-              </a:spcBef>
-              <a:buFont typeface="Arial"/>
-              <a:buChar char="•"/>
-              <a:defRPr sz="2400" kern="1200">
-                <a:solidFill>
-                  <a:schemeClr val="tx1"/>
-                </a:solidFill>
-                <a:latin typeface="+mn-lt"/>
-                <a:ea typeface="+mn-ea"/>
-                <a:cs typeface="+mn-cs"/>
-              </a:defRPr>
-            </a:lvl3pPr>
-            <a:lvl4pPr marL="1600200" indent="-228600" algn="l" defTabSz="457200" rtl="0" eaLnBrk="1" latinLnBrk="0" hangingPunct="1">
-              <a:spcBef>
-                <a:spcPct val="20000"/>
-              </a:spcBef>
-              <a:buFont typeface="Arial"/>
-              <a:buChar char="–"/>
-              <a:defRPr sz="2000" kern="1200">
-                <a:solidFill>
-                  <a:schemeClr val="tx1"/>
-                </a:solidFill>
-                <a:latin typeface="+mn-lt"/>
-                <a:ea typeface="+mn-ea"/>
-                <a:cs typeface="+mn-cs"/>
-              </a:defRPr>
-            </a:lvl4pPr>
-            <a:lvl5pPr marL="2057400" indent="-228600" algn="l" defTabSz="457200" rtl="0" eaLnBrk="1" latinLnBrk="0" hangingPunct="1">
-              <a:spcBef>
-                <a:spcPct val="20000"/>
-              </a:spcBef>
-              <a:buFont typeface="Arial"/>
-              <a:buChar char="»"/>
-              <a:defRPr sz="2000" kern="1200">
-                <a:solidFill>
-                  <a:schemeClr val="tx1"/>
-                </a:solidFill>
-                <a:latin typeface="+mn-lt"/>
-                <a:ea typeface="+mn-ea"/>
-                <a:cs typeface="+mn-cs"/>
-              </a:defRPr>
-            </a:lvl5pPr>
-            <a:lvl6pPr marL="2514600" indent="-228600" algn="l" defTabSz="457200" rtl="0" eaLnBrk="1" latinLnBrk="0" hangingPunct="1">
-              <a:spcBef>
-                <a:spcPct val="20000"/>
-              </a:spcBef>
-              <a:buFont typeface="Arial"/>
-              <a:buChar char="•"/>
-              <a:defRPr sz="2000" kern="1200">
-                <a:solidFill>
-                  <a:schemeClr val="tx1"/>
-                </a:solidFill>
-                <a:latin typeface="+mn-lt"/>
-                <a:ea typeface="+mn-ea"/>
-                <a:cs typeface="+mn-cs"/>
-              </a:defRPr>
-            </a:lvl6pPr>
-            <a:lvl7pPr marL="2971800" indent="-228600" algn="l" defTabSz="457200" rtl="0" eaLnBrk="1" latinLnBrk="0" hangingPunct="1">
-              <a:spcBef>
-                <a:spcPct val="20000"/>
-              </a:spcBef>
-              <a:buFont typeface="Arial"/>
-              <a:buChar char="•"/>
-              <a:defRPr sz="2000" kern="1200">
-                <a:solidFill>
-                  <a:schemeClr val="tx1"/>
-                </a:solidFill>
-                <a:latin typeface="+mn-lt"/>
-                <a:ea typeface="+mn-ea"/>
-                <a:cs typeface="+mn-cs"/>
-              </a:defRPr>
-            </a:lvl7pPr>
-            <a:lvl8pPr marL="3429000" indent="-228600" algn="l" defTabSz="457200" rtl="0" eaLnBrk="1" latinLnBrk="0" hangingPunct="1">
-              <a:spcBef>
-                <a:spcPct val="20000"/>
-              </a:spcBef>
-              <a:buFont typeface="Arial"/>
-              <a:buChar char="•"/>
-              <a:defRPr sz="2000" kern="1200">
-                <a:solidFill>
-                  <a:schemeClr val="tx1"/>
-                </a:solidFill>
-                <a:latin typeface="+mn-lt"/>
-                <a:ea typeface="+mn-ea"/>
-                <a:cs typeface="+mn-cs"/>
-              </a:defRPr>
-            </a:lvl8pPr>
-            <a:lvl9pPr marL="3886200" indent="-228600" algn="l" defTabSz="457200" rtl="0" eaLnBrk="1" latinLnBrk="0" hangingPunct="1">
-              <a:spcBef>
-                <a:spcPct val="20000"/>
-              </a:spcBef>
-              <a:buFont typeface="Arial"/>
-              <a:buChar char="•"/>
-              <a:defRPr sz="2000" kern="1200">
-                <a:solidFill>
-                  <a:schemeClr val="tx1"/>
-                </a:solidFill>
-                <a:latin typeface="+mn-lt"/>
-                <a:ea typeface="+mn-ea"/>
-                <a:cs typeface="+mn-cs"/>
-              </a:defRPr>
-            </a:lvl9pPr>
-          </a:lstStyle>
-          <a:p>
-            <a:pPr marL="0" indent="0">
-              <a:buFont typeface="Arial"/>
-              <a:buNone/>
-            </a:pPr>
-            <a:r>
-              <a:rPr lang="en-US" dirty="0" smtClean="0">
-                <a:solidFill>
-                  <a:srgbClr val="FF0000"/>
-                </a:solidFill>
-              </a:rPr>
-              <a:t>#Straight-line MPC:</a:t>
-            </a:r>
-          </a:p>
-          <a:p>
-            <a:pPr marL="0" indent="0">
-              <a:buFont typeface="Arial"/>
-              <a:buNone/>
-            </a:pPr>
-            <a:r>
-              <a:rPr lang="en-US" sz="2400" dirty="0" smtClean="0"/>
-              <a:t>sum = 0</a:t>
-            </a:r>
-          </a:p>
-          <a:p>
-            <a:pPr marL="0" indent="0">
-              <a:buFont typeface="Arial"/>
-              <a:buNone/>
-            </a:pPr>
-            <a:r>
-              <a:rPr lang="en-US" sz="2400" dirty="0" smtClean="0"/>
-              <a:t>C = </a:t>
-            </a:r>
-            <a:r>
-              <a:rPr lang="en-US" sz="2400" dirty="0" smtClean="0">
-                <a:solidFill>
-                  <a:srgbClr val="0000FF"/>
-                </a:solidFill>
-              </a:rPr>
-              <a:t>MUL(A,B,8)</a:t>
-            </a:r>
-            <a:r>
-              <a:rPr lang="en-US" sz="2400" dirty="0" smtClean="0"/>
-              <a:t> # SIMD MUL</a:t>
-            </a:r>
-          </a:p>
-          <a:p>
-            <a:pPr marL="0" indent="0">
-              <a:buFont typeface="Arial"/>
-              <a:buNone/>
-            </a:pPr>
-            <a:r>
-              <a:rPr lang="en-US" sz="2400" dirty="0" err="1" smtClean="0"/>
-              <a:t>C_e,C_o</a:t>
-            </a:r>
-            <a:r>
-              <a:rPr lang="en-US" sz="2400" dirty="0" smtClean="0"/>
-              <a:t> = SPLIT(C,2i,2i+1)</a:t>
-            </a:r>
-          </a:p>
-          <a:p>
-            <a:pPr marL="0" indent="0">
-              <a:buFont typeface="Arial"/>
-              <a:buNone/>
-            </a:pPr>
-            <a:r>
-              <a:rPr lang="en-US" sz="2400" dirty="0" smtClean="0"/>
-              <a:t>C1 = </a:t>
-            </a:r>
-            <a:r>
-              <a:rPr lang="en-US" sz="2400" dirty="0" smtClean="0">
-                <a:solidFill>
-                  <a:srgbClr val="0000FF"/>
-                </a:solidFill>
-              </a:rPr>
-              <a:t>ADD(C_e,C_o,4)</a:t>
-            </a:r>
-          </a:p>
-          <a:p>
-            <a:pPr marL="0" indent="0">
-              <a:buFont typeface="Arial"/>
-              <a:buNone/>
-            </a:pPr>
-            <a:r>
-              <a:rPr lang="en-US" sz="2400" dirty="0" smtClean="0"/>
-              <a:t>C1_e,C1_o = SPLIT(C1,2i,2i+1)</a:t>
-            </a:r>
-          </a:p>
-          <a:p>
-            <a:pPr marL="0" indent="0">
-              <a:buFont typeface="Arial"/>
-              <a:buNone/>
-            </a:pPr>
-            <a:r>
-              <a:rPr lang="en-US" sz="2400" dirty="0" smtClean="0"/>
-              <a:t>C2 = </a:t>
-            </a:r>
-            <a:r>
-              <a:rPr lang="en-US" sz="2400" dirty="0" smtClean="0">
-                <a:solidFill>
-                  <a:srgbClr val="0000FF"/>
-                </a:solidFill>
-              </a:rPr>
-              <a:t>ADD(C1_e,C1_o,2)</a:t>
-            </a:r>
-          </a:p>
-          <a:p>
-            <a:pPr marL="0" indent="0">
-              <a:buFont typeface="Arial"/>
-              <a:buNone/>
-            </a:pPr>
-            <a:r>
-              <a:rPr lang="en-US" sz="2400" dirty="0" smtClean="0"/>
-              <a:t>C2_e,C2_o = </a:t>
-            </a:r>
-            <a:r>
-              <a:rPr lang="en-US" sz="2400" dirty="0" smtClean="0">
-                <a:solidFill>
-                  <a:srgbClr val="000000"/>
-                </a:solidFill>
-              </a:rPr>
-              <a:t>SPLIT(C2,2i,2i+1)</a:t>
-            </a:r>
-          </a:p>
-          <a:p>
-            <a:pPr marL="0" indent="0">
-              <a:buFont typeface="Arial"/>
-              <a:buNone/>
-            </a:pPr>
-            <a:r>
-              <a:rPr lang="en-US" sz="2400" dirty="0" smtClean="0">
-                <a:solidFill>
-                  <a:srgbClr val="000000"/>
-                </a:solidFill>
-              </a:rPr>
-              <a:t>C3 = </a:t>
-            </a:r>
-            <a:r>
-              <a:rPr lang="en-US" sz="2400" dirty="0" smtClean="0">
-                <a:solidFill>
-                  <a:srgbClr val="0000FF"/>
-                </a:solidFill>
-              </a:rPr>
-              <a:t>ADD(C2_e,C2_o,1)</a:t>
-            </a:r>
-          </a:p>
-          <a:p>
-            <a:pPr marL="0" indent="0">
-              <a:buFont typeface="Arial"/>
-              <a:buNone/>
-            </a:pPr>
-            <a:r>
-              <a:rPr lang="en-US" sz="2400" dirty="0" smtClean="0">
-                <a:solidFill>
-                  <a:srgbClr val="000000"/>
-                </a:solidFill>
-              </a:rPr>
-              <a:t>// C3[0] has final sum </a:t>
-            </a:r>
-          </a:p>
-          <a:p>
-            <a:pPr marL="0" indent="0">
-              <a:buFont typeface="Arial"/>
-              <a:buNone/>
-            </a:pPr>
-            <a:endParaRPr lang="en-US" sz="2400" dirty="0">
-              <a:solidFill>
-                <a:srgbClr val="0000FF"/>
-              </a:solidFill>
-            </a:endParaRPr>
-          </a:p>
-        </p:txBody>
-      </p:sp>
-      <p:sp>
-        <p:nvSpPr>
-          <p:cNvPr id="5" name="Right Arrow 4"/>
-          <p:cNvSpPr/>
-          <p:nvPr/>
-        </p:nvSpPr>
-        <p:spPr>
-          <a:xfrm>
-            <a:off x="3733338" y="4087428"/>
-            <a:ext cx="978408" cy="484632"/>
-          </a:xfrm>
-          <a:prstGeom prst="rightArrow">
-            <a:avLst/>
-          </a:prstGeom>
-        </p:spPr>
-        <p:style>
-          <a:lnRef idx="1">
-            <a:schemeClr val="accent1"/>
-          </a:lnRef>
-          <a:fillRef idx="3">
-            <a:schemeClr val="accent1"/>
-          </a:fillRef>
-          <a:effectRef idx="2">
-            <a:schemeClr val="accent1"/>
-          </a:effectRef>
-          <a:fontRef idx="minor">
-            <a:schemeClr val="lt1"/>
-          </a:fontRef>
-        </p:style>
-        <p:txBody>
-          <a:bodyPr rtlCol="0" anchor="ctr"/>
-          <a:lstStyle/>
-          <a:p>
-            <a:pPr algn="ctr"/>
-            <a:endParaRPr lang="en-US"/>
-          </a:p>
-        </p:txBody>
-      </p:sp>
-      <p:sp>
-        <p:nvSpPr>
-          <p:cNvPr id="6" name="TextBox 5"/>
-          <p:cNvSpPr txBox="1"/>
-          <p:nvPr/>
-        </p:nvSpPr>
-        <p:spPr>
-          <a:xfrm>
-            <a:off x="3044812" y="1269873"/>
-            <a:ext cx="2288983" cy="2862323"/>
-          </a:xfrm>
-          <a:prstGeom prst="rect">
-            <a:avLst/>
-          </a:prstGeom>
-          <a:noFill/>
-        </p:spPr>
-        <p:txBody>
-          <a:bodyPr wrap="none" rtlCol="0">
-            <a:spAutoFit/>
-          </a:bodyPr>
-          <a:lstStyle/>
-          <a:p>
-            <a:r>
-              <a:rPr lang="en-US" dirty="0" smtClean="0"/>
-              <a:t>Program analysis/</a:t>
-            </a:r>
-          </a:p>
-          <a:p>
-            <a:r>
-              <a:rPr lang="en-US" dirty="0"/>
-              <a:t>c</a:t>
-            </a:r>
-            <a:r>
-              <a:rPr lang="en-US" dirty="0" smtClean="0"/>
-              <a:t>ompiler on </a:t>
-            </a:r>
-            <a:r>
-              <a:rPr lang="en-US" u="sng" dirty="0" smtClean="0"/>
-              <a:t>source</a:t>
-            </a:r>
-          </a:p>
-          <a:p>
-            <a:r>
-              <a:rPr lang="en-US" u="sng" dirty="0" smtClean="0"/>
-              <a:t>and MPC-source</a:t>
-            </a:r>
-            <a:r>
-              <a:rPr lang="en-US" dirty="0" smtClean="0"/>
-              <a:t>. </a:t>
-            </a:r>
-          </a:p>
-          <a:p>
-            <a:r>
-              <a:rPr lang="en-US" dirty="0" smtClean="0"/>
-              <a:t>Lindsey’s analyses:</a:t>
-            </a:r>
-          </a:p>
-          <a:p>
-            <a:r>
-              <a:rPr lang="en-US" dirty="0" smtClean="0"/>
-              <a:t>SSA, Arrays, MUX-SSA,</a:t>
-            </a:r>
-          </a:p>
-          <a:p>
-            <a:r>
-              <a:rPr lang="en-US" dirty="0" err="1"/>
-              <a:t>V</a:t>
-            </a:r>
-            <a:r>
-              <a:rPr lang="en-US" dirty="0" err="1" smtClean="0"/>
-              <a:t>ectorization</a:t>
-            </a:r>
-            <a:r>
-              <a:rPr lang="en-US" dirty="0" smtClean="0"/>
-              <a:t>,</a:t>
-            </a:r>
-          </a:p>
-          <a:p>
-            <a:r>
-              <a:rPr lang="en-US" dirty="0" smtClean="0"/>
-              <a:t>Divide-and-conquer, </a:t>
-            </a:r>
-          </a:p>
-          <a:p>
-            <a:r>
-              <a:rPr lang="en-US" dirty="0" smtClean="0"/>
-              <a:t>Mixed-modes and </a:t>
-            </a:r>
-          </a:p>
-          <a:p>
-            <a:r>
-              <a:rPr lang="en-US" dirty="0" smtClean="0"/>
-              <a:t>conversions, other?</a:t>
-            </a:r>
-          </a:p>
-          <a:p>
-            <a:endParaRPr lang="en-US" dirty="0"/>
-          </a:p>
-        </p:txBody>
-      </p:sp>
-    </p:spTree>
-    <p:extLst>
-      <p:ext uri="{BB962C8B-B14F-4D97-AF65-F5344CB8AC3E}">
-        <p14:creationId xmlns:p14="http://schemas.microsoft.com/office/powerpoint/2010/main" val="2422603014"/>
-      </p:ext>
-    </p:extLst>
-  </p:cSld>
-  <p:clrMapOvr>
-    <a:masterClrMapping/>
-  </p:clrMapOvr>
-</p:sld>
-</file>
-
-<file path=ppt/slides/slide20.xml><?xml version="1.0" encoding="utf-8"?>
-<p:sld xmlns:a="http://schemas.openxmlformats.org/drawingml/2006/main" xmlns:r="http://schemas.openxmlformats.org/officeDocument/2006/relationships" xmlns:p="http://schemas.openxmlformats.org/presentationml/2006/main">
-  <p:cSld>
-    <p:spTree>
-      <p:nvGrpSpPr>
-        <p:cNvPr id="1" name=""/>
-        <p:cNvGrpSpPr/>
-        <p:nvPr/>
-      </p:nvGrpSpPr>
-      <p:grpSpPr>
-        <a:xfrm>
-          <a:off x="0" y="0"/>
-          <a:ext cx="0" cy="0"/>
-          <a:chOff x="0" y="0"/>
-          <a:chExt cx="0" cy="0"/>
-        </a:xfrm>
-      </p:grpSpPr>
-      <p:sp>
-        <p:nvSpPr>
-          <p:cNvPr id="2" name="Title 1"/>
-          <p:cNvSpPr>
-            <a:spLocks noGrp="1"/>
-          </p:cNvSpPr>
-          <p:nvPr>
-            <p:ph type="title"/>
-          </p:nvPr>
-        </p:nvSpPr>
-        <p:spPr/>
-        <p:txBody>
-          <a:bodyPr/>
-          <a:lstStyle/>
-          <a:p>
-            <a:r>
-              <a:rPr lang="en-US" dirty="0" smtClean="0"/>
-              <a:t>Phase 5: </a:t>
-            </a:r>
-            <a:r>
-              <a:rPr lang="en-US" dirty="0" err="1" smtClean="0"/>
-              <a:t>Div</a:t>
-            </a:r>
-            <a:r>
-              <a:rPr lang="en-US" dirty="0" smtClean="0"/>
-              <a:t>-and-Conquer</a:t>
-            </a:r>
-            <a:endParaRPr lang="en-US" dirty="0"/>
-          </a:p>
-        </p:txBody>
-      </p:sp>
-      <p:sp>
-        <p:nvSpPr>
-          <p:cNvPr id="3" name="Content Placeholder 2"/>
-          <p:cNvSpPr>
-            <a:spLocks noGrp="1"/>
-          </p:cNvSpPr>
-          <p:nvPr>
-            <p:ph idx="1"/>
-          </p:nvPr>
-        </p:nvSpPr>
-        <p:spPr/>
-        <p:txBody>
-          <a:bodyPr/>
-          <a:lstStyle/>
-          <a:p>
-            <a:r>
-              <a:rPr lang="en-US" dirty="0" smtClean="0"/>
-              <a:t>Use Z3 to prove transformation is safe</a:t>
-            </a:r>
-            <a:endParaRPr lang="en-US" dirty="0"/>
-          </a:p>
-        </p:txBody>
-      </p:sp>
-    </p:spTree>
-    <p:extLst>
-      <p:ext uri="{BB962C8B-B14F-4D97-AF65-F5344CB8AC3E}">
-        <p14:creationId xmlns:p14="http://schemas.microsoft.com/office/powerpoint/2010/main" val="688215210"/>
-      </p:ext>
-    </p:extLst>
-  </p:cSld>
-  <p:clrMapOvr>
-    <a:masterClrMapping/>
-  </p:clrMapOvr>
-</p:sld>
-</file>
-
 <file path=ppt/slides/slide21.xml><?xml version="1.0" encoding="utf-8"?>
 <p:sld xmlns:a="http://schemas.openxmlformats.org/drawingml/2006/main" xmlns:r="http://schemas.openxmlformats.org/officeDocument/2006/relationships" xmlns:p="http://schemas.openxmlformats.org/presentationml/2006/main">
   <p:cSld>
@@ -9572,15 +9656,15 @@
           <a:p>
             <a:r>
               <a:rPr lang="en-US" dirty="0" smtClean="0"/>
-              <a:t>Phase 6: </a:t>
+              <a:t>Phase 5: </a:t>
             </a:r>
             <a:r>
               <a:rPr lang="en-US" dirty="0" err="1" smtClean="0"/>
-              <a:t>Vectorized</a:t>
-            </a:r>
-            <a:r>
-              <a:rPr lang="en-US" dirty="0" smtClean="0"/>
-              <a:t> Schedule</a:t>
+              <a:t>Div</a:t>
+            </a:r>
+            <a:r>
+              <a:rPr lang="en-US" dirty="0" smtClean="0"/>
+              <a:t>-and-Conquer</a:t>
             </a:r>
             <a:endParaRPr lang="en-US" dirty="0"/>
           </a:p>
@@ -9602,604 +9686,8 @@
           <a:lstStyle/>
           <a:p>
             <a:r>
-              <a:rPr lang="en-US" dirty="0" err="1" smtClean="0"/>
-              <a:t>Vectorization</a:t>
-            </a:r>
-            <a:r>
-              <a:rPr lang="en-US" dirty="0" smtClean="0"/>
-              <a:t> + </a:t>
-            </a:r>
-            <a:r>
-              <a:rPr lang="en-US" dirty="0" err="1" smtClean="0"/>
-              <a:t>Div</a:t>
-            </a:r>
-            <a:r>
-              <a:rPr lang="en-US" dirty="0" smtClean="0"/>
-              <a:t>-and-conquer</a:t>
-            </a:r>
-            <a:endParaRPr lang="en-US" dirty="0"/>
-          </a:p>
-        </p:txBody>
-      </p:sp>
-      <p:sp>
-        <p:nvSpPr>
-          <p:cNvPr id="4" name="Content Placeholder 2"/>
-          <p:cNvSpPr txBox="1">
-            <a:spLocks/>
-          </p:cNvSpPr>
-          <p:nvPr/>
-        </p:nvSpPr>
-        <p:spPr>
-          <a:xfrm>
-            <a:off x="498615" y="2854564"/>
-            <a:ext cx="4033268" cy="2709685"/>
-          </a:xfrm>
-          <a:prstGeom prst="rect">
-            <a:avLst/>
-          </a:prstGeom>
-        </p:spPr>
-        <p:txBody>
-          <a:bodyPr vert="horz" lIns="91440" tIns="45720" rIns="91440" bIns="45720" rtlCol="0">
-            <a:normAutofit fontScale="77500" lnSpcReduction="20000"/>
-          </a:bodyPr>
-          <a:lstStyle>
-            <a:lvl1pPr marL="342900" indent="-342900" algn="l" defTabSz="457200" rtl="0" eaLnBrk="1" latinLnBrk="0" hangingPunct="1">
-              <a:spcBef>
-                <a:spcPct val="20000"/>
-              </a:spcBef>
-              <a:buFont typeface="Arial"/>
-              <a:buChar char="•"/>
-              <a:defRPr sz="3200" kern="1200">
-                <a:solidFill>
-                  <a:schemeClr val="tx1"/>
-                </a:solidFill>
-                <a:latin typeface="+mn-lt"/>
-                <a:ea typeface="+mn-ea"/>
-                <a:cs typeface="+mn-cs"/>
-              </a:defRPr>
-            </a:lvl1pPr>
-            <a:lvl2pPr marL="742950" indent="-285750" algn="l" defTabSz="457200" rtl="0" eaLnBrk="1" latinLnBrk="0" hangingPunct="1">
-              <a:spcBef>
-                <a:spcPct val="20000"/>
-              </a:spcBef>
-              <a:buFont typeface="Arial"/>
-              <a:buChar char="–"/>
-              <a:defRPr sz="2800" kern="1200">
-                <a:solidFill>
-                  <a:schemeClr val="tx1"/>
-                </a:solidFill>
-                <a:latin typeface="+mn-lt"/>
-                <a:ea typeface="+mn-ea"/>
-                <a:cs typeface="+mn-cs"/>
-              </a:defRPr>
-            </a:lvl2pPr>
-            <a:lvl3pPr marL="1143000" indent="-228600" algn="l" defTabSz="457200" rtl="0" eaLnBrk="1" latinLnBrk="0" hangingPunct="1">
-              <a:spcBef>
-                <a:spcPct val="20000"/>
-              </a:spcBef>
-              <a:buFont typeface="Arial"/>
-              <a:buChar char="•"/>
-              <a:defRPr sz="2400" kern="1200">
-                <a:solidFill>
-                  <a:schemeClr val="tx1"/>
-                </a:solidFill>
-                <a:latin typeface="+mn-lt"/>
-                <a:ea typeface="+mn-ea"/>
-                <a:cs typeface="+mn-cs"/>
-              </a:defRPr>
-            </a:lvl3pPr>
-            <a:lvl4pPr marL="1600200" indent="-228600" algn="l" defTabSz="457200" rtl="0" eaLnBrk="1" latinLnBrk="0" hangingPunct="1">
-              <a:spcBef>
-                <a:spcPct val="20000"/>
-              </a:spcBef>
-              <a:buFont typeface="Arial"/>
-              <a:buChar char="–"/>
-              <a:defRPr sz="2000" kern="1200">
-                <a:solidFill>
-                  <a:schemeClr val="tx1"/>
-                </a:solidFill>
-                <a:latin typeface="+mn-lt"/>
-                <a:ea typeface="+mn-ea"/>
-                <a:cs typeface="+mn-cs"/>
-              </a:defRPr>
-            </a:lvl4pPr>
-            <a:lvl5pPr marL="2057400" indent="-228600" algn="l" defTabSz="457200" rtl="0" eaLnBrk="1" latinLnBrk="0" hangingPunct="1">
-              <a:spcBef>
-                <a:spcPct val="20000"/>
-              </a:spcBef>
-              <a:buFont typeface="Arial"/>
-              <a:buChar char="»"/>
-              <a:defRPr sz="2000" kern="1200">
-                <a:solidFill>
-                  <a:schemeClr val="tx1"/>
-                </a:solidFill>
-                <a:latin typeface="+mn-lt"/>
-                <a:ea typeface="+mn-ea"/>
-                <a:cs typeface="+mn-cs"/>
-              </a:defRPr>
-            </a:lvl5pPr>
-            <a:lvl6pPr marL="2514600" indent="-228600" algn="l" defTabSz="457200" rtl="0" eaLnBrk="1" latinLnBrk="0" hangingPunct="1">
-              <a:spcBef>
-                <a:spcPct val="20000"/>
-              </a:spcBef>
-              <a:buFont typeface="Arial"/>
-              <a:buChar char="•"/>
-              <a:defRPr sz="2000" kern="1200">
-                <a:solidFill>
-                  <a:schemeClr val="tx1"/>
-                </a:solidFill>
-                <a:latin typeface="+mn-lt"/>
-                <a:ea typeface="+mn-ea"/>
-                <a:cs typeface="+mn-cs"/>
-              </a:defRPr>
-            </a:lvl6pPr>
-            <a:lvl7pPr marL="2971800" indent="-228600" algn="l" defTabSz="457200" rtl="0" eaLnBrk="1" latinLnBrk="0" hangingPunct="1">
-              <a:spcBef>
-                <a:spcPct val="20000"/>
-              </a:spcBef>
-              <a:buFont typeface="Arial"/>
-              <a:buChar char="•"/>
-              <a:defRPr sz="2000" kern="1200">
-                <a:solidFill>
-                  <a:schemeClr val="tx1"/>
-                </a:solidFill>
-                <a:latin typeface="+mn-lt"/>
-                <a:ea typeface="+mn-ea"/>
-                <a:cs typeface="+mn-cs"/>
-              </a:defRPr>
-            </a:lvl7pPr>
-            <a:lvl8pPr marL="3429000" indent="-228600" algn="l" defTabSz="457200" rtl="0" eaLnBrk="1" latinLnBrk="0" hangingPunct="1">
-              <a:spcBef>
-                <a:spcPct val="20000"/>
-              </a:spcBef>
-              <a:buFont typeface="Arial"/>
-              <a:buChar char="•"/>
-              <a:defRPr sz="2000" kern="1200">
-                <a:solidFill>
-                  <a:schemeClr val="tx1"/>
-                </a:solidFill>
-                <a:latin typeface="+mn-lt"/>
-                <a:ea typeface="+mn-ea"/>
-                <a:cs typeface="+mn-cs"/>
-              </a:defRPr>
-            </a:lvl8pPr>
-            <a:lvl9pPr marL="3886200" indent="-228600" algn="l" defTabSz="457200" rtl="0" eaLnBrk="1" latinLnBrk="0" hangingPunct="1">
-              <a:spcBef>
-                <a:spcPct val="20000"/>
-              </a:spcBef>
-              <a:buFont typeface="Arial"/>
-              <a:buChar char="•"/>
-              <a:defRPr sz="2000" kern="1200">
-                <a:solidFill>
-                  <a:schemeClr val="tx1"/>
-                </a:solidFill>
-                <a:latin typeface="+mn-lt"/>
-                <a:ea typeface="+mn-ea"/>
-                <a:cs typeface="+mn-cs"/>
-              </a:defRPr>
-            </a:lvl9pPr>
-          </a:lstStyle>
-          <a:p>
-            <a:pPr marL="0" indent="0">
-              <a:buFont typeface="Arial"/>
-              <a:buNone/>
-            </a:pPr>
-            <a:r>
-              <a:rPr lang="en-US" dirty="0" smtClean="0"/>
-              <a:t>MPC schedule of loop body:</a:t>
-            </a:r>
-          </a:p>
-          <a:p>
-            <a:pPr marL="0" indent="0">
-              <a:buFont typeface="Arial"/>
-              <a:buNone/>
-            </a:pPr>
-            <a:r>
-              <a:rPr lang="en-US" dirty="0" smtClean="0"/>
-              <a:t>for </a:t>
-            </a:r>
-            <a:r>
-              <a:rPr lang="en-US" dirty="0" err="1" smtClean="0"/>
-              <a:t>i</a:t>
-            </a:r>
-            <a:r>
-              <a:rPr lang="en-US" dirty="0" smtClean="0"/>
-              <a:t> in range(0,len):</a:t>
-            </a:r>
-          </a:p>
-          <a:p>
-            <a:pPr marL="0" indent="0">
-              <a:buNone/>
-            </a:pPr>
-            <a:r>
-              <a:rPr lang="en-US" dirty="0" smtClean="0"/>
-              <a:t>	c_1 = CMP(B_i</a:t>
-            </a:r>
-            <a:r>
-              <a:rPr lang="en-US" b="1" dirty="0" smtClean="0"/>
-              <a:t>_0</a:t>
-            </a:r>
-            <a:r>
-              <a:rPr lang="en-US" dirty="0"/>
-              <a:t>,</a:t>
-            </a:r>
-            <a:r>
-              <a:rPr lang="en-US" dirty="0" smtClean="0"/>
-              <a:t> 0)</a:t>
-            </a:r>
-            <a:endParaRPr lang="en-US" dirty="0"/>
-          </a:p>
-          <a:p>
-            <a:pPr marL="0" indent="0">
-              <a:buNone/>
-            </a:pPr>
-            <a:r>
-              <a:rPr lang="de-DE" dirty="0"/>
-              <a:t>	</a:t>
-            </a:r>
-            <a:r>
-              <a:rPr lang="de-DE" dirty="0" smtClean="0"/>
-              <a:t>A_i</a:t>
-            </a:r>
-            <a:r>
-              <a:rPr lang="de-DE" b="1" dirty="0" smtClean="0"/>
-              <a:t>_1</a:t>
-            </a:r>
-            <a:r>
-              <a:rPr lang="de-DE" dirty="0" smtClean="0"/>
-              <a:t> </a:t>
-            </a:r>
-            <a:r>
-              <a:rPr lang="de-DE" dirty="0"/>
-              <a:t>= </a:t>
-            </a:r>
-            <a:r>
-              <a:rPr lang="de-DE" dirty="0" smtClean="0"/>
-              <a:t>...</a:t>
-            </a:r>
-            <a:endParaRPr lang="hu-HU" dirty="0" smtClean="0"/>
-          </a:p>
-          <a:p>
-            <a:pPr marL="0" indent="0">
-              <a:buNone/>
-            </a:pPr>
-            <a:r>
-              <a:rPr lang="hu-HU" dirty="0"/>
-              <a:t>	</a:t>
-            </a:r>
-            <a:r>
-              <a:rPr lang="ro-RO" dirty="0" smtClean="0"/>
-              <a:t>A_i</a:t>
-            </a:r>
-            <a:r>
-              <a:rPr lang="ro-RO" b="1" dirty="0" smtClean="0"/>
-              <a:t>_2</a:t>
-            </a:r>
-            <a:r>
-              <a:rPr lang="ro-RO" dirty="0" smtClean="0"/>
-              <a:t> </a:t>
-            </a:r>
-            <a:r>
-              <a:rPr lang="ro-RO" dirty="0"/>
-              <a:t>= </a:t>
-            </a:r>
-            <a:r>
-              <a:rPr lang="ro-RO" dirty="0" smtClean="0"/>
-              <a:t>...</a:t>
-            </a:r>
-            <a:endParaRPr lang="ro-RO" dirty="0"/>
-          </a:p>
-          <a:p>
-            <a:pPr marL="0" indent="0">
-              <a:buNone/>
-            </a:pPr>
-            <a:r>
-              <a:rPr lang="en-US" dirty="0"/>
-              <a:t> </a:t>
-            </a:r>
-            <a:r>
-              <a:rPr lang="en-US" dirty="0" smtClean="0"/>
-              <a:t>     x = MUX(c,A_i</a:t>
-            </a:r>
-            <a:r>
-              <a:rPr lang="en-US" b="1" dirty="0" smtClean="0"/>
-              <a:t>_1</a:t>
-            </a:r>
-            <a:r>
-              <a:rPr lang="en-US" dirty="0" smtClean="0"/>
-              <a:t>,A_i</a:t>
-            </a:r>
-            <a:r>
-              <a:rPr lang="en-US" b="1" dirty="0" smtClean="0"/>
-              <a:t>_2</a:t>
-            </a:r>
-            <a:r>
-              <a:rPr lang="en-US" dirty="0" smtClean="0"/>
-              <a:t>)</a:t>
-            </a:r>
-            <a:endParaRPr lang="en-US" dirty="0"/>
-          </a:p>
-        </p:txBody>
-      </p:sp>
-      <p:sp>
-        <p:nvSpPr>
-          <p:cNvPr id="5" name="Right Arrow 4"/>
-          <p:cNvSpPr/>
-          <p:nvPr/>
-        </p:nvSpPr>
-        <p:spPr>
-          <a:xfrm>
-            <a:off x="3946044" y="3637095"/>
-            <a:ext cx="544424" cy="484632"/>
-          </a:xfrm>
-          <a:prstGeom prst="rightArrow">
-            <a:avLst/>
-          </a:prstGeom>
-        </p:spPr>
-        <p:style>
-          <a:lnRef idx="1">
-            <a:schemeClr val="accent1"/>
-          </a:lnRef>
-          <a:fillRef idx="3">
-            <a:schemeClr val="accent1"/>
-          </a:fillRef>
-          <a:effectRef idx="2">
-            <a:schemeClr val="accent1"/>
-          </a:effectRef>
-          <a:fontRef idx="minor">
-            <a:schemeClr val="lt1"/>
-          </a:fontRef>
-        </p:style>
-        <p:txBody>
-          <a:bodyPr rtlCol="0" anchor="ctr"/>
-          <a:lstStyle/>
-          <a:p>
-            <a:pPr algn="ctr"/>
-            <a:endParaRPr lang="en-US"/>
-          </a:p>
-        </p:txBody>
-      </p:sp>
-      <p:sp>
-        <p:nvSpPr>
-          <p:cNvPr id="6" name="Content Placeholder 2"/>
-          <p:cNvSpPr txBox="1">
-            <a:spLocks/>
-          </p:cNvSpPr>
-          <p:nvPr/>
-        </p:nvSpPr>
-        <p:spPr>
-          <a:xfrm>
-            <a:off x="4735070" y="2855098"/>
-            <a:ext cx="4228728" cy="2709685"/>
-          </a:xfrm>
-          <a:prstGeom prst="rect">
-            <a:avLst/>
-          </a:prstGeom>
-        </p:spPr>
-        <p:txBody>
-          <a:bodyPr vert="horz" lIns="91440" tIns="45720" rIns="91440" bIns="45720" rtlCol="0">
-            <a:normAutofit fontScale="85000" lnSpcReduction="10000"/>
-          </a:bodyPr>
-          <a:lstStyle>
-            <a:lvl1pPr marL="342900" indent="-342900" algn="l" defTabSz="457200" rtl="0" eaLnBrk="1" latinLnBrk="0" hangingPunct="1">
-              <a:spcBef>
-                <a:spcPct val="20000"/>
-              </a:spcBef>
-              <a:buFont typeface="Arial"/>
-              <a:buChar char="•"/>
-              <a:defRPr sz="3200" kern="1200">
-                <a:solidFill>
-                  <a:schemeClr val="tx1"/>
-                </a:solidFill>
-                <a:latin typeface="+mn-lt"/>
-                <a:ea typeface="+mn-ea"/>
-                <a:cs typeface="+mn-cs"/>
-              </a:defRPr>
-            </a:lvl1pPr>
-            <a:lvl2pPr marL="742950" indent="-285750" algn="l" defTabSz="457200" rtl="0" eaLnBrk="1" latinLnBrk="0" hangingPunct="1">
-              <a:spcBef>
-                <a:spcPct val="20000"/>
-              </a:spcBef>
-              <a:buFont typeface="Arial"/>
-              <a:buChar char="–"/>
-              <a:defRPr sz="2800" kern="1200">
-                <a:solidFill>
-                  <a:schemeClr val="tx1"/>
-                </a:solidFill>
-                <a:latin typeface="+mn-lt"/>
-                <a:ea typeface="+mn-ea"/>
-                <a:cs typeface="+mn-cs"/>
-              </a:defRPr>
-            </a:lvl2pPr>
-            <a:lvl3pPr marL="1143000" indent="-228600" algn="l" defTabSz="457200" rtl="0" eaLnBrk="1" latinLnBrk="0" hangingPunct="1">
-              <a:spcBef>
-                <a:spcPct val="20000"/>
-              </a:spcBef>
-              <a:buFont typeface="Arial"/>
-              <a:buChar char="•"/>
-              <a:defRPr sz="2400" kern="1200">
-                <a:solidFill>
-                  <a:schemeClr val="tx1"/>
-                </a:solidFill>
-                <a:latin typeface="+mn-lt"/>
-                <a:ea typeface="+mn-ea"/>
-                <a:cs typeface="+mn-cs"/>
-              </a:defRPr>
-            </a:lvl3pPr>
-            <a:lvl4pPr marL="1600200" indent="-228600" algn="l" defTabSz="457200" rtl="0" eaLnBrk="1" latinLnBrk="0" hangingPunct="1">
-              <a:spcBef>
-                <a:spcPct val="20000"/>
-              </a:spcBef>
-              <a:buFont typeface="Arial"/>
-              <a:buChar char="–"/>
-              <a:defRPr sz="2000" kern="1200">
-                <a:solidFill>
-                  <a:schemeClr val="tx1"/>
-                </a:solidFill>
-                <a:latin typeface="+mn-lt"/>
-                <a:ea typeface="+mn-ea"/>
-                <a:cs typeface="+mn-cs"/>
-              </a:defRPr>
-            </a:lvl4pPr>
-            <a:lvl5pPr marL="2057400" indent="-228600" algn="l" defTabSz="457200" rtl="0" eaLnBrk="1" latinLnBrk="0" hangingPunct="1">
-              <a:spcBef>
-                <a:spcPct val="20000"/>
-              </a:spcBef>
-              <a:buFont typeface="Arial"/>
-              <a:buChar char="»"/>
-              <a:defRPr sz="2000" kern="1200">
-                <a:solidFill>
-                  <a:schemeClr val="tx1"/>
-                </a:solidFill>
-                <a:latin typeface="+mn-lt"/>
-                <a:ea typeface="+mn-ea"/>
-                <a:cs typeface="+mn-cs"/>
-              </a:defRPr>
-            </a:lvl5pPr>
-            <a:lvl6pPr marL="2514600" indent="-228600" algn="l" defTabSz="457200" rtl="0" eaLnBrk="1" latinLnBrk="0" hangingPunct="1">
-              <a:spcBef>
-                <a:spcPct val="20000"/>
-              </a:spcBef>
-              <a:buFont typeface="Arial"/>
-              <a:buChar char="•"/>
-              <a:defRPr sz="2000" kern="1200">
-                <a:solidFill>
-                  <a:schemeClr val="tx1"/>
-                </a:solidFill>
-                <a:latin typeface="+mn-lt"/>
-                <a:ea typeface="+mn-ea"/>
-                <a:cs typeface="+mn-cs"/>
-              </a:defRPr>
-            </a:lvl6pPr>
-            <a:lvl7pPr marL="2971800" indent="-228600" algn="l" defTabSz="457200" rtl="0" eaLnBrk="1" latinLnBrk="0" hangingPunct="1">
-              <a:spcBef>
-                <a:spcPct val="20000"/>
-              </a:spcBef>
-              <a:buFont typeface="Arial"/>
-              <a:buChar char="•"/>
-              <a:defRPr sz="2000" kern="1200">
-                <a:solidFill>
-                  <a:schemeClr val="tx1"/>
-                </a:solidFill>
-                <a:latin typeface="+mn-lt"/>
-                <a:ea typeface="+mn-ea"/>
-                <a:cs typeface="+mn-cs"/>
-              </a:defRPr>
-            </a:lvl7pPr>
-            <a:lvl8pPr marL="3429000" indent="-228600" algn="l" defTabSz="457200" rtl="0" eaLnBrk="1" latinLnBrk="0" hangingPunct="1">
-              <a:spcBef>
-                <a:spcPct val="20000"/>
-              </a:spcBef>
-              <a:buFont typeface="Arial"/>
-              <a:buChar char="•"/>
-              <a:defRPr sz="2000" kern="1200">
-                <a:solidFill>
-                  <a:schemeClr val="tx1"/>
-                </a:solidFill>
-                <a:latin typeface="+mn-lt"/>
-                <a:ea typeface="+mn-ea"/>
-                <a:cs typeface="+mn-cs"/>
-              </a:defRPr>
-            </a:lvl8pPr>
-            <a:lvl9pPr marL="3886200" indent="-228600" algn="l" defTabSz="457200" rtl="0" eaLnBrk="1" latinLnBrk="0" hangingPunct="1">
-              <a:spcBef>
-                <a:spcPct val="20000"/>
-              </a:spcBef>
-              <a:buFont typeface="Arial"/>
-              <a:buChar char="•"/>
-              <a:defRPr sz="2000" kern="1200">
-                <a:solidFill>
-                  <a:schemeClr val="tx1"/>
-                </a:solidFill>
-                <a:latin typeface="+mn-lt"/>
-                <a:ea typeface="+mn-ea"/>
-                <a:cs typeface="+mn-cs"/>
-              </a:defRPr>
-            </a:lvl9pPr>
-          </a:lstStyle>
-          <a:p>
-            <a:pPr marL="0" indent="0">
-              <a:buFont typeface="Arial"/>
-              <a:buNone/>
-            </a:pPr>
-            <a:r>
-              <a:rPr lang="en-US" dirty="0" err="1" smtClean="0"/>
-              <a:t>Vectorized</a:t>
-            </a:r>
-            <a:r>
-              <a:rPr lang="en-US" dirty="0" smtClean="0"/>
-              <a:t> MPC schedule:</a:t>
-            </a:r>
-          </a:p>
-          <a:p>
-            <a:pPr marL="0" indent="0">
-              <a:buNone/>
-            </a:pPr>
-            <a:r>
-              <a:rPr lang="en-US" dirty="0" smtClean="0"/>
-              <a:t>C = CMP_SIMD(B, 0, </a:t>
-            </a:r>
-            <a:r>
-              <a:rPr lang="en-US" dirty="0" err="1" smtClean="0"/>
-              <a:t>len</a:t>
-            </a:r>
-            <a:r>
-              <a:rPr lang="en-US" dirty="0" smtClean="0"/>
-              <a:t>)</a:t>
-            </a:r>
-            <a:endParaRPr lang="en-US" dirty="0"/>
-          </a:p>
-          <a:p>
-            <a:pPr marL="0" indent="0">
-              <a:buNone/>
-            </a:pPr>
-            <a:r>
-              <a:rPr lang="de-DE" dirty="0" smtClean="0"/>
-              <a:t>A1 </a:t>
-            </a:r>
-            <a:r>
-              <a:rPr lang="de-DE" dirty="0"/>
-              <a:t>= </a:t>
-            </a:r>
-            <a:r>
-              <a:rPr lang="de-DE" dirty="0" smtClean="0"/>
-              <a:t>SOME_MPC_SIMD(...)</a:t>
-            </a:r>
-            <a:endParaRPr lang="hu-HU" dirty="0" smtClean="0"/>
-          </a:p>
-          <a:p>
-            <a:pPr marL="0" indent="0">
-              <a:buNone/>
-            </a:pPr>
-            <a:r>
-              <a:rPr lang="ro-RO" dirty="0" smtClean="0"/>
-              <a:t>A2 </a:t>
-            </a:r>
-            <a:r>
-              <a:rPr lang="ro-RO" dirty="0"/>
-              <a:t>= </a:t>
-            </a:r>
-            <a:r>
-              <a:rPr lang="de-DE" dirty="0"/>
-              <a:t>SOME_MPC_SIMD(...)</a:t>
-            </a:r>
-            <a:endParaRPr lang="ro-RO" dirty="0"/>
-          </a:p>
-          <a:p>
-            <a:pPr marL="0" indent="0">
-              <a:buNone/>
-            </a:pPr>
-            <a:r>
-              <a:rPr lang="en-US" dirty="0" smtClean="0"/>
-              <a:t>X = MUX_SIMD(C,A1,A2</a:t>
-            </a:r>
-            <a:r>
-              <a:rPr lang="en-US" dirty="0"/>
-              <a:t>,</a:t>
-            </a:r>
-            <a:r>
-              <a:rPr lang="en-US" dirty="0" smtClean="0"/>
-              <a:t>len)</a:t>
+              <a:rPr lang="en-US" dirty="0" smtClean="0"/>
+              <a:t>Use Z3 to prove transformation is safe</a:t>
             </a:r>
             <a:endParaRPr lang="en-US" dirty="0"/>
           </a:p>
@@ -10208,7 +9696,7 @@
     </p:spTree>
     <p:extLst>
       <p:ext uri="{BB962C8B-B14F-4D97-AF65-F5344CB8AC3E}">
-        <p14:creationId xmlns:p14="http://schemas.microsoft.com/office/powerpoint/2010/main" val="2037413973"/>
+        <p14:creationId xmlns:p14="http://schemas.microsoft.com/office/powerpoint/2010/main" val="688215210"/>
       </p:ext>
     </p:extLst>
   </p:cSld>
@@ -10250,6 +9738,18 @@
           <a:bodyPr/>
           <a:lstStyle/>
           <a:p>
+            <a:r>
+              <a:rPr lang="en-US" dirty="0" smtClean="0"/>
+              <a:t>Phase 6: </a:t>
+            </a:r>
+            <a:r>
+              <a:rPr lang="en-US" dirty="0" err="1" smtClean="0"/>
+              <a:t>Vectorized</a:t>
+            </a:r>
+            <a:r>
+              <a:rPr lang="en-US" dirty="0" smtClean="0"/>
+              <a:t> Schedule</a:t>
+            </a:r>
             <a:endParaRPr lang="en-US" dirty="0"/>
           </a:p>
         </p:txBody>
@@ -10270,8 +9770,680 @@
           <a:lstStyle/>
           <a:p>
             <a:r>
-              <a:rPr lang="en-US" dirty="0" smtClean="0"/>
-              <a:t>Open: Extend for nested loops</a:t>
+              <a:rPr lang="en-US" dirty="0" err="1" smtClean="0"/>
+              <a:t>Vectorization</a:t>
+            </a:r>
+            <a:r>
+              <a:rPr lang="en-US" dirty="0" smtClean="0"/>
+              <a:t> + </a:t>
+            </a:r>
+            <a:r>
+              <a:rPr lang="en-US" dirty="0" err="1" smtClean="0"/>
+              <a:t>Div</a:t>
+            </a:r>
+            <a:r>
+              <a:rPr lang="en-US" dirty="0" smtClean="0"/>
+              <a:t>-and-conquer</a:t>
+            </a:r>
+            <a:endParaRPr lang="en-US" dirty="0"/>
+          </a:p>
+        </p:txBody>
+      </p:sp>
+      <p:sp>
+        <p:nvSpPr>
+          <p:cNvPr id="4" name="Content Placeholder 2"/>
+          <p:cNvSpPr txBox="1">
+            <a:spLocks/>
+          </p:cNvSpPr>
+          <p:nvPr/>
+        </p:nvSpPr>
+        <p:spPr>
+          <a:xfrm>
+            <a:off x="498615" y="2854564"/>
+            <a:ext cx="4033268" cy="2709685"/>
+          </a:xfrm>
+          <a:prstGeom prst="rect">
+            <a:avLst/>
+          </a:prstGeom>
+        </p:spPr>
+        <p:txBody>
+          <a:bodyPr vert="horz" lIns="91440" tIns="45720" rIns="91440" bIns="45720" rtlCol="0">
+            <a:normAutofit fontScale="77500" lnSpcReduction="20000"/>
+          </a:bodyPr>
+          <a:lstStyle>
+            <a:lvl1pPr marL="342900" indent="-342900" algn="l" defTabSz="457200" rtl="0" eaLnBrk="1" latinLnBrk="0" hangingPunct="1">
+              <a:spcBef>
+                <a:spcPct val="20000"/>
+              </a:spcBef>
+              <a:buFont typeface="Arial"/>
+              <a:buChar char="•"/>
+              <a:defRPr sz="3200" kern="1200">
+                <a:solidFill>
+                  <a:schemeClr val="tx1"/>
+                </a:solidFill>
+                <a:latin typeface="+mn-lt"/>
+                <a:ea typeface="+mn-ea"/>
+                <a:cs typeface="+mn-cs"/>
+              </a:defRPr>
+            </a:lvl1pPr>
+            <a:lvl2pPr marL="742950" indent="-285750" algn="l" defTabSz="457200" rtl="0" eaLnBrk="1" latinLnBrk="0" hangingPunct="1">
+              <a:spcBef>
+                <a:spcPct val="20000"/>
+              </a:spcBef>
+              <a:buFont typeface="Arial"/>
+              <a:buChar char="–"/>
+              <a:defRPr sz="2800" kern="1200">
+                <a:solidFill>
+                  <a:schemeClr val="tx1"/>
+                </a:solidFill>
+                <a:latin typeface="+mn-lt"/>
+                <a:ea typeface="+mn-ea"/>
+                <a:cs typeface="+mn-cs"/>
+              </a:defRPr>
+            </a:lvl2pPr>
+            <a:lvl3pPr marL="1143000" indent="-228600" algn="l" defTabSz="457200" rtl="0" eaLnBrk="1" latinLnBrk="0" hangingPunct="1">
+              <a:spcBef>
+                <a:spcPct val="20000"/>
+              </a:spcBef>
+              <a:buFont typeface="Arial"/>
+              <a:buChar char="•"/>
+              <a:defRPr sz="2400" kern="1200">
+                <a:solidFill>
+                  <a:schemeClr val="tx1"/>
+                </a:solidFill>
+                <a:latin typeface="+mn-lt"/>
+                <a:ea typeface="+mn-ea"/>
+                <a:cs typeface="+mn-cs"/>
+              </a:defRPr>
+            </a:lvl3pPr>
+            <a:lvl4pPr marL="1600200" indent="-228600" algn="l" defTabSz="457200" rtl="0" eaLnBrk="1" latinLnBrk="0" hangingPunct="1">
+              <a:spcBef>
+                <a:spcPct val="20000"/>
+              </a:spcBef>
+              <a:buFont typeface="Arial"/>
+              <a:buChar char="–"/>
+              <a:defRPr sz="2000" kern="1200">
+                <a:solidFill>
+                  <a:schemeClr val="tx1"/>
+                </a:solidFill>
+                <a:latin typeface="+mn-lt"/>
+                <a:ea typeface="+mn-ea"/>
+                <a:cs typeface="+mn-cs"/>
+              </a:defRPr>
+            </a:lvl4pPr>
+            <a:lvl5pPr marL="2057400" indent="-228600" algn="l" defTabSz="457200" rtl="0" eaLnBrk="1" latinLnBrk="0" hangingPunct="1">
+              <a:spcBef>
+                <a:spcPct val="20000"/>
+              </a:spcBef>
+              <a:buFont typeface="Arial"/>
+              <a:buChar char="»"/>
+              <a:defRPr sz="2000" kern="1200">
+                <a:solidFill>
+                  <a:schemeClr val="tx1"/>
+                </a:solidFill>
+                <a:latin typeface="+mn-lt"/>
+                <a:ea typeface="+mn-ea"/>
+                <a:cs typeface="+mn-cs"/>
+              </a:defRPr>
+            </a:lvl5pPr>
+            <a:lvl6pPr marL="2514600" indent="-228600" algn="l" defTabSz="457200" rtl="0" eaLnBrk="1" latinLnBrk="0" hangingPunct="1">
+              <a:spcBef>
+                <a:spcPct val="20000"/>
+              </a:spcBef>
+              <a:buFont typeface="Arial"/>
+              <a:buChar char="•"/>
+              <a:defRPr sz="2000" kern="1200">
+                <a:solidFill>
+                  <a:schemeClr val="tx1"/>
+                </a:solidFill>
+                <a:latin typeface="+mn-lt"/>
+                <a:ea typeface="+mn-ea"/>
+                <a:cs typeface="+mn-cs"/>
+              </a:defRPr>
+            </a:lvl6pPr>
+            <a:lvl7pPr marL="2971800" indent="-228600" algn="l" defTabSz="457200" rtl="0" eaLnBrk="1" latinLnBrk="0" hangingPunct="1">
+              <a:spcBef>
+                <a:spcPct val="20000"/>
+              </a:spcBef>
+              <a:buFont typeface="Arial"/>
+              <a:buChar char="•"/>
+              <a:defRPr sz="2000" kern="1200">
+                <a:solidFill>
+                  <a:schemeClr val="tx1"/>
+                </a:solidFill>
+                <a:latin typeface="+mn-lt"/>
+                <a:ea typeface="+mn-ea"/>
+                <a:cs typeface="+mn-cs"/>
+              </a:defRPr>
+            </a:lvl7pPr>
+            <a:lvl8pPr marL="3429000" indent="-228600" algn="l" defTabSz="457200" rtl="0" eaLnBrk="1" latinLnBrk="0" hangingPunct="1">
+              <a:spcBef>
+                <a:spcPct val="20000"/>
+              </a:spcBef>
+              <a:buFont typeface="Arial"/>
+              <a:buChar char="•"/>
+              <a:defRPr sz="2000" kern="1200">
+                <a:solidFill>
+                  <a:schemeClr val="tx1"/>
+                </a:solidFill>
+                <a:latin typeface="+mn-lt"/>
+                <a:ea typeface="+mn-ea"/>
+                <a:cs typeface="+mn-cs"/>
+              </a:defRPr>
+            </a:lvl8pPr>
+            <a:lvl9pPr marL="3886200" indent="-228600" algn="l" defTabSz="457200" rtl="0" eaLnBrk="1" latinLnBrk="0" hangingPunct="1">
+              <a:spcBef>
+                <a:spcPct val="20000"/>
+              </a:spcBef>
+              <a:buFont typeface="Arial"/>
+              <a:buChar char="•"/>
+              <a:defRPr sz="2000" kern="1200">
+                <a:solidFill>
+                  <a:schemeClr val="tx1"/>
+                </a:solidFill>
+                <a:latin typeface="+mn-lt"/>
+                <a:ea typeface="+mn-ea"/>
+                <a:cs typeface="+mn-cs"/>
+              </a:defRPr>
+            </a:lvl9pPr>
+          </a:lstStyle>
+          <a:p>
+            <a:pPr marL="0" indent="0">
+              <a:buFont typeface="Arial"/>
+              <a:buNone/>
+            </a:pPr>
+            <a:r>
+              <a:rPr lang="en-US" dirty="0" smtClean="0"/>
+              <a:t>MPC schedule of loop body:</a:t>
+            </a:r>
+          </a:p>
+          <a:p>
+            <a:pPr marL="0" indent="0">
+              <a:buFont typeface="Arial"/>
+              <a:buNone/>
+            </a:pPr>
+            <a:r>
+              <a:rPr lang="en-US" dirty="0" smtClean="0"/>
+              <a:t>for </a:t>
+            </a:r>
+            <a:r>
+              <a:rPr lang="en-US" dirty="0" err="1" smtClean="0"/>
+              <a:t>i</a:t>
+            </a:r>
+            <a:r>
+              <a:rPr lang="en-US" dirty="0" smtClean="0"/>
+              <a:t> in range(0,len):</a:t>
+            </a:r>
+          </a:p>
+          <a:p>
+            <a:pPr marL="0" indent="0">
+              <a:buNone/>
+            </a:pPr>
+            <a:r>
+              <a:rPr lang="en-US" dirty="0" smtClean="0"/>
+              <a:t>	c_1 = CMP(B_i</a:t>
+            </a:r>
+            <a:r>
+              <a:rPr lang="en-US" b="1" dirty="0" smtClean="0"/>
+              <a:t>_0</a:t>
+            </a:r>
+            <a:r>
+              <a:rPr lang="en-US" dirty="0"/>
+              <a:t>,</a:t>
+            </a:r>
+            <a:r>
+              <a:rPr lang="en-US" dirty="0" smtClean="0"/>
+              <a:t> 0)</a:t>
+            </a:r>
+            <a:endParaRPr lang="en-US" dirty="0"/>
+          </a:p>
+          <a:p>
+            <a:pPr marL="0" indent="0">
+              <a:buNone/>
+            </a:pPr>
+            <a:r>
+              <a:rPr lang="de-DE" dirty="0"/>
+              <a:t>	</a:t>
+            </a:r>
+            <a:r>
+              <a:rPr lang="de-DE" dirty="0" smtClean="0"/>
+              <a:t>A_i</a:t>
+            </a:r>
+            <a:r>
+              <a:rPr lang="de-DE" b="1" dirty="0" smtClean="0"/>
+              <a:t>_1</a:t>
+            </a:r>
+            <a:r>
+              <a:rPr lang="de-DE" dirty="0" smtClean="0"/>
+              <a:t> </a:t>
+            </a:r>
+            <a:r>
+              <a:rPr lang="de-DE" dirty="0"/>
+              <a:t>= </a:t>
+            </a:r>
+            <a:r>
+              <a:rPr lang="de-DE" dirty="0" smtClean="0"/>
+              <a:t>...</a:t>
+            </a:r>
+            <a:endParaRPr lang="hu-HU" dirty="0" smtClean="0"/>
+          </a:p>
+          <a:p>
+            <a:pPr marL="0" indent="0">
+              <a:buNone/>
+            </a:pPr>
+            <a:r>
+              <a:rPr lang="hu-HU" dirty="0"/>
+              <a:t>	</a:t>
+            </a:r>
+            <a:r>
+              <a:rPr lang="ro-RO" dirty="0" smtClean="0"/>
+              <a:t>A_i</a:t>
+            </a:r>
+            <a:r>
+              <a:rPr lang="ro-RO" b="1" dirty="0" smtClean="0"/>
+              <a:t>_2</a:t>
+            </a:r>
+            <a:r>
+              <a:rPr lang="ro-RO" dirty="0" smtClean="0"/>
+              <a:t> </a:t>
+            </a:r>
+            <a:r>
+              <a:rPr lang="ro-RO" dirty="0"/>
+              <a:t>= </a:t>
+            </a:r>
+            <a:r>
+              <a:rPr lang="ro-RO" dirty="0" smtClean="0"/>
+              <a:t>...</a:t>
+            </a:r>
+            <a:endParaRPr lang="ro-RO" dirty="0"/>
+          </a:p>
+          <a:p>
+            <a:pPr marL="0" indent="0">
+              <a:buNone/>
+            </a:pPr>
+            <a:r>
+              <a:rPr lang="en-US" dirty="0"/>
+              <a:t> </a:t>
+            </a:r>
+            <a:r>
+              <a:rPr lang="en-US" dirty="0" smtClean="0"/>
+              <a:t>     x = MUX(c,A_i</a:t>
+            </a:r>
+            <a:r>
+              <a:rPr lang="en-US" b="1" dirty="0" smtClean="0"/>
+              <a:t>_1</a:t>
+            </a:r>
+            <a:r>
+              <a:rPr lang="en-US" dirty="0" smtClean="0"/>
+              <a:t>,A_i</a:t>
+            </a:r>
+            <a:r>
+              <a:rPr lang="en-US" b="1" dirty="0" smtClean="0"/>
+              <a:t>_2</a:t>
+            </a:r>
+            <a:r>
+              <a:rPr lang="en-US" dirty="0" smtClean="0"/>
+              <a:t>)</a:t>
+            </a:r>
+            <a:endParaRPr lang="en-US" dirty="0"/>
+          </a:p>
+        </p:txBody>
+      </p:sp>
+      <p:sp>
+        <p:nvSpPr>
+          <p:cNvPr id="5" name="Right Arrow 4"/>
+          <p:cNvSpPr/>
+          <p:nvPr/>
+        </p:nvSpPr>
+        <p:spPr>
+          <a:xfrm>
+            <a:off x="3946044" y="3637095"/>
+            <a:ext cx="544424" cy="484632"/>
+          </a:xfrm>
+          <a:prstGeom prst="rightArrow">
+            <a:avLst/>
+          </a:prstGeom>
+        </p:spPr>
+        <p:style>
+          <a:lnRef idx="1">
+            <a:schemeClr val="accent1"/>
+          </a:lnRef>
+          <a:fillRef idx="3">
+            <a:schemeClr val="accent1"/>
+          </a:fillRef>
+          <a:effectRef idx="2">
+            <a:schemeClr val="accent1"/>
+          </a:effectRef>
+          <a:fontRef idx="minor">
+            <a:schemeClr val="lt1"/>
+          </a:fontRef>
+        </p:style>
+        <p:txBody>
+          <a:bodyPr rtlCol="0" anchor="ctr"/>
+          <a:lstStyle/>
+          <a:p>
+            <a:pPr algn="ctr"/>
+            <a:endParaRPr lang="en-US"/>
+          </a:p>
+        </p:txBody>
+      </p:sp>
+      <p:sp>
+        <p:nvSpPr>
+          <p:cNvPr id="6" name="Content Placeholder 2"/>
+          <p:cNvSpPr txBox="1">
+            <a:spLocks/>
+          </p:cNvSpPr>
+          <p:nvPr/>
+        </p:nvSpPr>
+        <p:spPr>
+          <a:xfrm>
+            <a:off x="4735070" y="2855098"/>
+            <a:ext cx="4228728" cy="2709685"/>
+          </a:xfrm>
+          <a:prstGeom prst="rect">
+            <a:avLst/>
+          </a:prstGeom>
+        </p:spPr>
+        <p:txBody>
+          <a:bodyPr vert="horz" lIns="91440" tIns="45720" rIns="91440" bIns="45720" rtlCol="0">
+            <a:normAutofit fontScale="85000" lnSpcReduction="10000"/>
+          </a:bodyPr>
+          <a:lstStyle>
+            <a:lvl1pPr marL="342900" indent="-342900" algn="l" defTabSz="457200" rtl="0" eaLnBrk="1" latinLnBrk="0" hangingPunct="1">
+              <a:spcBef>
+                <a:spcPct val="20000"/>
+              </a:spcBef>
+              <a:buFont typeface="Arial"/>
+              <a:buChar char="•"/>
+              <a:defRPr sz="3200" kern="1200">
+                <a:solidFill>
+                  <a:schemeClr val="tx1"/>
+                </a:solidFill>
+                <a:latin typeface="+mn-lt"/>
+                <a:ea typeface="+mn-ea"/>
+                <a:cs typeface="+mn-cs"/>
+              </a:defRPr>
+            </a:lvl1pPr>
+            <a:lvl2pPr marL="742950" indent="-285750" algn="l" defTabSz="457200" rtl="0" eaLnBrk="1" latinLnBrk="0" hangingPunct="1">
+              <a:spcBef>
+                <a:spcPct val="20000"/>
+              </a:spcBef>
+              <a:buFont typeface="Arial"/>
+              <a:buChar char="–"/>
+              <a:defRPr sz="2800" kern="1200">
+                <a:solidFill>
+                  <a:schemeClr val="tx1"/>
+                </a:solidFill>
+                <a:latin typeface="+mn-lt"/>
+                <a:ea typeface="+mn-ea"/>
+                <a:cs typeface="+mn-cs"/>
+              </a:defRPr>
+            </a:lvl2pPr>
+            <a:lvl3pPr marL="1143000" indent="-228600" algn="l" defTabSz="457200" rtl="0" eaLnBrk="1" latinLnBrk="0" hangingPunct="1">
+              <a:spcBef>
+                <a:spcPct val="20000"/>
+              </a:spcBef>
+              <a:buFont typeface="Arial"/>
+              <a:buChar char="•"/>
+              <a:defRPr sz="2400" kern="1200">
+                <a:solidFill>
+                  <a:schemeClr val="tx1"/>
+                </a:solidFill>
+                <a:latin typeface="+mn-lt"/>
+                <a:ea typeface="+mn-ea"/>
+                <a:cs typeface="+mn-cs"/>
+              </a:defRPr>
+            </a:lvl3pPr>
+            <a:lvl4pPr marL="1600200" indent="-228600" algn="l" defTabSz="457200" rtl="0" eaLnBrk="1" latinLnBrk="0" hangingPunct="1">
+              <a:spcBef>
+                <a:spcPct val="20000"/>
+              </a:spcBef>
+              <a:buFont typeface="Arial"/>
+              <a:buChar char="–"/>
+              <a:defRPr sz="2000" kern="1200">
+                <a:solidFill>
+                  <a:schemeClr val="tx1"/>
+                </a:solidFill>
+                <a:latin typeface="+mn-lt"/>
+                <a:ea typeface="+mn-ea"/>
+                <a:cs typeface="+mn-cs"/>
+              </a:defRPr>
+            </a:lvl4pPr>
+            <a:lvl5pPr marL="2057400" indent="-228600" algn="l" defTabSz="457200" rtl="0" eaLnBrk="1" latinLnBrk="0" hangingPunct="1">
+              <a:spcBef>
+                <a:spcPct val="20000"/>
+              </a:spcBef>
+              <a:buFont typeface="Arial"/>
+              <a:buChar char="»"/>
+              <a:defRPr sz="2000" kern="1200">
+                <a:solidFill>
+                  <a:schemeClr val="tx1"/>
+                </a:solidFill>
+                <a:latin typeface="+mn-lt"/>
+                <a:ea typeface="+mn-ea"/>
+                <a:cs typeface="+mn-cs"/>
+              </a:defRPr>
+            </a:lvl5pPr>
+            <a:lvl6pPr marL="2514600" indent="-228600" algn="l" defTabSz="457200" rtl="0" eaLnBrk="1" latinLnBrk="0" hangingPunct="1">
+              <a:spcBef>
+                <a:spcPct val="20000"/>
+              </a:spcBef>
+              <a:buFont typeface="Arial"/>
+              <a:buChar char="•"/>
+              <a:defRPr sz="2000" kern="1200">
+                <a:solidFill>
+                  <a:schemeClr val="tx1"/>
+                </a:solidFill>
+                <a:latin typeface="+mn-lt"/>
+                <a:ea typeface="+mn-ea"/>
+                <a:cs typeface="+mn-cs"/>
+              </a:defRPr>
+            </a:lvl6pPr>
+            <a:lvl7pPr marL="2971800" indent="-228600" algn="l" defTabSz="457200" rtl="0" eaLnBrk="1" latinLnBrk="0" hangingPunct="1">
+              <a:spcBef>
+                <a:spcPct val="20000"/>
+              </a:spcBef>
+              <a:buFont typeface="Arial"/>
+              <a:buChar char="•"/>
+              <a:defRPr sz="2000" kern="1200">
+                <a:solidFill>
+                  <a:schemeClr val="tx1"/>
+                </a:solidFill>
+                <a:latin typeface="+mn-lt"/>
+                <a:ea typeface="+mn-ea"/>
+                <a:cs typeface="+mn-cs"/>
+              </a:defRPr>
+            </a:lvl7pPr>
+            <a:lvl8pPr marL="3429000" indent="-228600" algn="l" defTabSz="457200" rtl="0" eaLnBrk="1" latinLnBrk="0" hangingPunct="1">
+              <a:spcBef>
+                <a:spcPct val="20000"/>
+              </a:spcBef>
+              <a:buFont typeface="Arial"/>
+              <a:buChar char="•"/>
+              <a:defRPr sz="2000" kern="1200">
+                <a:solidFill>
+                  <a:schemeClr val="tx1"/>
+                </a:solidFill>
+                <a:latin typeface="+mn-lt"/>
+                <a:ea typeface="+mn-ea"/>
+                <a:cs typeface="+mn-cs"/>
+              </a:defRPr>
+            </a:lvl8pPr>
+            <a:lvl9pPr marL="3886200" indent="-228600" algn="l" defTabSz="457200" rtl="0" eaLnBrk="1" latinLnBrk="0" hangingPunct="1">
+              <a:spcBef>
+                <a:spcPct val="20000"/>
+              </a:spcBef>
+              <a:buFont typeface="Arial"/>
+              <a:buChar char="•"/>
+              <a:defRPr sz="2000" kern="1200">
+                <a:solidFill>
+                  <a:schemeClr val="tx1"/>
+                </a:solidFill>
+                <a:latin typeface="+mn-lt"/>
+                <a:ea typeface="+mn-ea"/>
+                <a:cs typeface="+mn-cs"/>
+              </a:defRPr>
+            </a:lvl9pPr>
+          </a:lstStyle>
+          <a:p>
+            <a:pPr marL="0" indent="0">
+              <a:buFont typeface="Arial"/>
+              <a:buNone/>
+            </a:pPr>
+            <a:r>
+              <a:rPr lang="en-US" dirty="0" err="1" smtClean="0"/>
+              <a:t>Vectorized</a:t>
+            </a:r>
+            <a:r>
+              <a:rPr lang="en-US" dirty="0" smtClean="0"/>
+              <a:t> MPC schedule:</a:t>
+            </a:r>
+          </a:p>
+          <a:p>
+            <a:pPr marL="0" indent="0">
+              <a:buNone/>
+            </a:pPr>
+            <a:r>
+              <a:rPr lang="en-US" dirty="0" smtClean="0"/>
+              <a:t>C = CMP_SIMD(B, 0, </a:t>
+            </a:r>
+            <a:r>
+              <a:rPr lang="en-US" dirty="0" err="1" smtClean="0"/>
+              <a:t>len</a:t>
+            </a:r>
+            <a:r>
+              <a:rPr lang="en-US" dirty="0" smtClean="0"/>
+              <a:t>)</a:t>
+            </a:r>
+            <a:endParaRPr lang="en-US" dirty="0"/>
+          </a:p>
+          <a:p>
+            <a:pPr marL="0" indent="0">
+              <a:buNone/>
+            </a:pPr>
+            <a:r>
+              <a:rPr lang="de-DE" dirty="0" smtClean="0"/>
+              <a:t>A1 </a:t>
+            </a:r>
+            <a:r>
+              <a:rPr lang="de-DE" dirty="0"/>
+              <a:t>= </a:t>
+            </a:r>
+            <a:r>
+              <a:rPr lang="de-DE" dirty="0" smtClean="0"/>
+              <a:t>SOME_MPC_SIMD(...)</a:t>
+            </a:r>
+            <a:endParaRPr lang="hu-HU" dirty="0" smtClean="0"/>
+          </a:p>
+          <a:p>
+            <a:pPr marL="0" indent="0">
+              <a:buNone/>
+            </a:pPr>
+            <a:r>
+              <a:rPr lang="ro-RO" dirty="0" smtClean="0"/>
+              <a:t>A2 </a:t>
+            </a:r>
+            <a:r>
+              <a:rPr lang="ro-RO" dirty="0"/>
+              <a:t>= </a:t>
+            </a:r>
+            <a:r>
+              <a:rPr lang="de-DE" dirty="0"/>
+              <a:t>SOME_MPC_SIMD(...)</a:t>
+            </a:r>
+            <a:endParaRPr lang="ro-RO" dirty="0"/>
+          </a:p>
+          <a:p>
+            <a:pPr marL="0" indent="0">
+              <a:buNone/>
+            </a:pPr>
+            <a:r>
+              <a:rPr lang="en-US" dirty="0" smtClean="0"/>
+              <a:t>X = MUX_SIMD(C,A1,A2</a:t>
+            </a:r>
+            <a:r>
+              <a:rPr lang="en-US" dirty="0"/>
+              <a:t>,</a:t>
+            </a:r>
+            <a:r>
+              <a:rPr lang="en-US" dirty="0" smtClean="0"/>
+              <a:t>len)</a:t>
+            </a:r>
+            <a:endParaRPr lang="en-US" dirty="0"/>
+          </a:p>
+        </p:txBody>
+      </p:sp>
+    </p:spTree>
+    <p:extLst>
+      <p:ext uri="{BB962C8B-B14F-4D97-AF65-F5344CB8AC3E}">
+        <p14:creationId xmlns:p14="http://schemas.microsoft.com/office/powerpoint/2010/main" val="2037413973"/>
+      </p:ext>
+    </p:extLst>
+  </p:cSld>
+  <p:clrMapOvr>
+    <a:masterClrMapping/>
+  </p:clrMapOvr>
+</p:sld>
+</file>
+
+<file path=ppt/slides/slide23.xml><?xml version="1.0" encoding="utf-8"?>
+<p:sld xmlns:a="http://schemas.openxmlformats.org/drawingml/2006/main" xmlns:r="http://schemas.openxmlformats.org/officeDocument/2006/relationships" xmlns:p="http://schemas.openxmlformats.org/presentationml/2006/main">
+  <p:cSld>
+    <p:spTree>
+      <p:nvGrpSpPr>
+        <p:cNvPr id="1" name=""/>
+        <p:cNvGrpSpPr/>
+        <p:nvPr/>
+      </p:nvGrpSpPr>
+      <p:grpSpPr>
+        <a:xfrm>
+          <a:off x="0" y="0"/>
+          <a:ext cx="0" cy="0"/>
+          <a:chOff x="0" y="0"/>
+          <a:chExt cx="0" cy="0"/>
+        </a:xfrm>
+      </p:grpSpPr>
+      <p:sp>
+        <p:nvSpPr>
+          <p:cNvPr id="2" name="Title 1"/>
+          <p:cNvSpPr>
+            <a:spLocks noGrp="1"/>
+          </p:cNvSpPr>
+          <p:nvPr>
+            <p:ph type="title"/>
+          </p:nvPr>
+        </p:nvSpPr>
+        <p:spPr/>
+        <p:txBody>
+          <a:bodyPr/>
+          <a:lstStyle/>
+          <a:p>
+            <a:endParaRPr lang="en-US" dirty="0"/>
+          </a:p>
+        </p:txBody>
+      </p:sp>
+      <p:sp>
+        <p:nvSpPr>
+          <p:cNvPr id="3" name="Content Placeholder 2"/>
+          <p:cNvSpPr>
+            <a:spLocks noGrp="1"/>
+          </p:cNvSpPr>
+          <p:nvPr>
+            <p:ph idx="1"/>
+          </p:nvPr>
+        </p:nvSpPr>
+        <p:spPr/>
+        <p:txBody>
+          <a:bodyPr/>
+          <a:lstStyle/>
+          <a:p>
+            <a:r>
+              <a:rPr lang="en-US" dirty="0" smtClean="0"/>
+              <a:t>Open: Extend for nested </a:t>
+            </a:r>
+            <a:r>
+              <a:rPr lang="en-US" dirty="0" smtClean="0"/>
+              <a:t>loops, work out the details</a:t>
             </a:r>
             <a:endParaRPr lang="en-US" dirty="0"/>
           </a:p>

--- a/MPC_Compiler_Misc_Notes.pptx
+++ b/MPC_Compiler_Misc_Notes.pptx
@@ -16,25 +16,26 @@
     <p:sldId id="281" r:id="rId10"/>
     <p:sldId id="284" r:id="rId11"/>
     <p:sldId id="285" r:id="rId12"/>
-    <p:sldId id="283" r:id="rId13"/>
-    <p:sldId id="265" r:id="rId14"/>
-    <p:sldId id="266" r:id="rId15"/>
-    <p:sldId id="279" r:id="rId16"/>
-    <p:sldId id="282" r:id="rId17"/>
-    <p:sldId id="267" r:id="rId18"/>
-    <p:sldId id="268" r:id="rId19"/>
-    <p:sldId id="269" r:id="rId20"/>
-    <p:sldId id="270" r:id="rId21"/>
-    <p:sldId id="271" r:id="rId22"/>
-    <p:sldId id="272" r:id="rId23"/>
-    <p:sldId id="273" r:id="rId24"/>
-    <p:sldId id="274" r:id="rId25"/>
-    <p:sldId id="275" r:id="rId26"/>
-    <p:sldId id="276" r:id="rId27"/>
-    <p:sldId id="277" r:id="rId28"/>
-    <p:sldId id="286" r:id="rId29"/>
-    <p:sldId id="287" r:id="rId30"/>
-    <p:sldId id="278" r:id="rId31"/>
+    <p:sldId id="288" r:id="rId13"/>
+    <p:sldId id="283" r:id="rId14"/>
+    <p:sldId id="265" r:id="rId15"/>
+    <p:sldId id="266" r:id="rId16"/>
+    <p:sldId id="279" r:id="rId17"/>
+    <p:sldId id="282" r:id="rId18"/>
+    <p:sldId id="267" r:id="rId19"/>
+    <p:sldId id="268" r:id="rId20"/>
+    <p:sldId id="269" r:id="rId21"/>
+    <p:sldId id="270" r:id="rId22"/>
+    <p:sldId id="271" r:id="rId23"/>
+    <p:sldId id="272" r:id="rId24"/>
+    <p:sldId id="273" r:id="rId25"/>
+    <p:sldId id="274" r:id="rId26"/>
+    <p:sldId id="275" r:id="rId27"/>
+    <p:sldId id="276" r:id="rId28"/>
+    <p:sldId id="277" r:id="rId29"/>
+    <p:sldId id="286" r:id="rId30"/>
+    <p:sldId id="287" r:id="rId31"/>
+    <p:sldId id="278" r:id="rId32"/>
   </p:sldIdLst>
   <p:sldSz cx="9144000" cy="6858000" type="screen4x3"/>
   <p:notesSz cx="6858000" cy="9144000"/>
@@ -3364,27 +3365,31 @@
             </a:r>
             <a:r>
               <a:rPr lang="en-US" sz="3600" dirty="0"/>
-              <a:t>A,B</a:t>
+              <a:t>A</a:t>
+            </a:r>
+            <a:r>
+              <a:rPr lang="en-US" sz="3600" dirty="0" smtClean="0"/>
+              <a:t>,</a:t>
+            </a:r>
+            <a:r>
+              <a:rPr lang="en-US" sz="3600" dirty="0"/>
+              <a:t> </a:t>
+            </a:r>
+            <a:r>
+              <a:rPr lang="is-IS" sz="3600" b="1" dirty="0" smtClean="0"/>
+              <a:t>bin_op</a:t>
+            </a:r>
+            <a:r>
+              <a:rPr lang="is-IS" sz="3600" dirty="0" smtClean="0"/>
+              <a:t> </a:t>
             </a:r>
             <a:r>
               <a:rPr lang="is-IS" sz="3600" dirty="0"/>
               <a:t>, </a:t>
             </a:r>
             <a:r>
-              <a:rPr lang="is-IS" sz="3600" b="1" dirty="0"/>
-              <a:t>comb_op</a:t>
-            </a:r>
-            <a:r>
-              <a:rPr lang="is-IS" sz="3600" dirty="0"/>
-              <a:t>, </a:t>
-            </a:r>
-            <a:r>
-              <a:rPr lang="is-IS" sz="3600" b="1" dirty="0"/>
-              <a:t>bin_op</a:t>
-            </a:r>
-            <a:r>
-              <a:rPr lang="is-IS" sz="3600" dirty="0"/>
-              <a:t> , id)</a:t>
+              <a:rPr lang="is-IS" sz="3600" dirty="0" smtClean="0"/>
+              <a:t>id)</a:t>
             </a:r>
             <a:endParaRPr lang="en-US" sz="3600" dirty="0"/>
           </a:p>
@@ -3403,13 +3408,10 @@
         <p:spPr/>
         <p:txBody>
           <a:bodyPr>
-            <a:normAutofit/>
+            <a:normAutofit fontScale="85000" lnSpcReduction="10000"/>
           </a:bodyPr>
           <a:lstStyle/>
           <a:p>
-            <a:pPr marL="0" indent="0">
-              <a:buNone/>
-            </a:pPr>
             <a:r>
               <a:rPr lang="en-US" dirty="0" smtClean="0"/>
               <a:t>Translates to the standard iterative loop in MOTION:</a:t>
@@ -3438,7 +3440,7 @@
             </a:r>
             <a:r>
               <a:rPr lang="en-US" dirty="0" smtClean="0"/>
-              <a:t> in range(N): # Where N is the size of A,B</a:t>
+              <a:t> in range(N): # Where N is the size of A</a:t>
             </a:r>
           </a:p>
           <a:p>
@@ -3451,7 +3453,7 @@
             </a:r>
             <a:r>
               <a:rPr lang="en-US" dirty="0" smtClean="0"/>
-              <a:t>  t = </a:t>
+              <a:t>  res = </a:t>
             </a:r>
             <a:r>
               <a:rPr lang="en-US" dirty="0" err="1" smtClean="0"/>
@@ -3459,7 +3461,7 @@
             </a:r>
             <a:r>
               <a:rPr lang="en-US" dirty="0" smtClean="0"/>
-              <a:t>(A[</a:t>
+              <a:t>(res, A[</a:t>
             </a:r>
             <a:r>
               <a:rPr lang="en-US" dirty="0" err="1" smtClean="0"/>
@@ -3467,36 +3469,45 @@
             </a:r>
             <a:r>
               <a:rPr lang="en-US" dirty="0" smtClean="0"/>
-              <a:t>],B[</a:t>
-            </a:r>
+              <a:t>])</a:t>
+            </a:r>
+          </a:p>
+          <a:p>
+            <a:pPr marL="0" indent="0">
+              <a:buNone/>
+            </a:pPr>
+            <a:endParaRPr lang="en-US" dirty="0"/>
+          </a:p>
+          <a:p>
             <a:r>
               <a:rPr lang="en-US" dirty="0" err="1" smtClean="0"/>
-              <a:t>i</a:t>
-            </a:r>
-            <a:r>
-              <a:rPr lang="en-US" dirty="0" smtClean="0"/>
-              <a:t>])</a:t>
-            </a:r>
-          </a:p>
-          <a:p>
-            <a:pPr marL="0" indent="0">
-              <a:buNone/>
-            </a:pPr>
-            <a:r>
-              <a:rPr lang="en-US" dirty="0"/>
-              <a:t> </a:t>
-            </a:r>
-            <a:r>
-              <a:rPr lang="en-US" dirty="0" smtClean="0"/>
-              <a:t>  res = </a:t>
+              <a:t>bin_op</a:t>
+            </a:r>
+            <a:r>
+              <a:rPr lang="en-US" dirty="0" smtClean="0"/>
+              <a:t> is MPC, a sequence of MPC non-SIMD MPC instructions (e.g., ADD, CMP, EQ, MUX, etc.).</a:t>
+            </a:r>
+          </a:p>
+          <a:p>
+            <a:r>
+              <a:rPr lang="en-US" dirty="0" err="1"/>
+              <a:t>b</a:t>
             </a:r>
             <a:r>
               <a:rPr lang="en-US" dirty="0" err="1" smtClean="0"/>
-              <a:t>comb_op</a:t>
-            </a:r>
-            <a:r>
-              <a:rPr lang="en-US" dirty="0" smtClean="0"/>
-              <a:t>(res, t) </a:t>
+              <a:t>in_op</a:t>
+            </a:r>
+            <a:r>
+              <a:rPr lang="en-US" dirty="0" smtClean="0"/>
+              <a:t> can be </a:t>
+            </a:r>
+            <a:r>
+              <a:rPr lang="en-US" dirty="0" err="1" smtClean="0"/>
+              <a:t>SIMDified</a:t>
+            </a:r>
+            <a:r>
+              <a:rPr lang="en-US" dirty="0" smtClean="0"/>
+              <a:t> by turning the instructions into SIMD</a:t>
             </a:r>
           </a:p>
           <a:p>
@@ -3564,7 +3575,19 @@
             </a:r>
             <a:r>
               <a:rPr lang="en-US" sz="3600" dirty="0"/>
-              <a:t>A,B</a:t>
+              <a:t>A</a:t>
+            </a:r>
+            <a:r>
+              <a:rPr lang="en-US" sz="3600" dirty="0" smtClean="0"/>
+              <a:t>,</a:t>
+            </a:r>
+            <a:r>
+              <a:rPr lang="en-US" sz="3600" dirty="0"/>
+              <a:t> </a:t>
+            </a:r>
+            <a:r>
+              <a:rPr lang="is-IS" sz="3600" b="1" dirty="0" smtClean="0"/>
+              <a:t>comb_op</a:t>
             </a:r>
             <a:r>
               <a:rPr lang="is-IS" sz="3600" dirty="0"/>
@@ -3572,19 +3595,15 @@
             </a:r>
             <a:r>
               <a:rPr lang="is-IS" sz="3600" b="1" dirty="0"/>
-              <a:t>comb_op</a:t>
+              <a:t>bin_op</a:t>
             </a:r>
             <a:r>
               <a:rPr lang="is-IS" sz="3600" dirty="0"/>
-              <a:t>, </a:t>
-            </a:r>
-            <a:r>
-              <a:rPr lang="is-IS" sz="3600" b="1" dirty="0"/>
-              <a:t>bin_op</a:t>
-            </a:r>
-            <a:r>
-              <a:rPr lang="is-IS" sz="3600" dirty="0"/>
-              <a:t> , id)</a:t>
+              <a:t> , </a:t>
+            </a:r>
+            <a:r>
+              <a:rPr lang="is-IS" sz="3600" dirty="0" smtClean="0"/>
+              <a:t>id, ...)</a:t>
             </a:r>
             <a:endParaRPr lang="en-US" sz="3600" dirty="0"/>
           </a:p>
@@ -3603,7 +3622,7 @@
         <p:spPr/>
         <p:txBody>
           <a:bodyPr>
-            <a:normAutofit fontScale="85000" lnSpcReduction="20000"/>
+            <a:normAutofit fontScale="92500" lnSpcReduction="10000"/>
           </a:bodyPr>
           <a:lstStyle/>
           <a:p>
@@ -3627,9 +3646,23 @@
             <a:pPr marL="0" indent="0">
               <a:buNone/>
             </a:pPr>
-            <a:r>
-              <a:rPr lang="en-US" dirty="0" smtClean="0"/>
-              <a:t>res = id</a:t>
+            <a:endParaRPr lang="en-US" dirty="0" smtClean="0"/>
+          </a:p>
+          <a:p>
+            <a:pPr marL="0" indent="0">
+              <a:buNone/>
+            </a:pPr>
+            <a:r>
+              <a:rPr lang="en-US" dirty="0" smtClean="0"/>
+              <a:t>A = [id] + A # or A = </a:t>
+            </a:r>
+            <a:r>
+              <a:rPr lang="en-US" dirty="0" err="1" smtClean="0"/>
+              <a:t>A.append</a:t>
+            </a:r>
+            <a:r>
+              <a:rPr lang="en-US" dirty="0" smtClean="0"/>
+              <a:t>(id)</a:t>
             </a:r>
           </a:p>
           <a:p>
@@ -3667,23 +3700,7 @@
             </a:r>
             <a:r>
               <a:rPr lang="en-US" dirty="0" err="1" smtClean="0"/>
-              <a:t>odd_B</a:t>
-            </a:r>
-            <a:r>
-              <a:rPr lang="en-US" dirty="0" smtClean="0"/>
-              <a:t>, </a:t>
-            </a:r>
-            <a:r>
-              <a:rPr lang="en-US" dirty="0" err="1" smtClean="0"/>
-              <a:t>even_A</a:t>
-            </a:r>
-            <a:r>
-              <a:rPr lang="en-US" dirty="0" smtClean="0"/>
-              <a:t>, </a:t>
-            </a:r>
-            <a:r>
-              <a:rPr lang="en-US" dirty="0" err="1" smtClean="0"/>
-              <a:t>even_B</a:t>
+              <a:t>odd_A</a:t>
             </a:r>
             <a:r>
               <a:rPr lang="en-US" dirty="0" smtClean="0"/>
@@ -3699,7 +3716,7 @@
             </a:r>
             <a:r>
               <a:rPr lang="is-IS" dirty="0" smtClean="0"/>
-              <a:t>plit A and B</a:t>
+              <a:t>plit A</a:t>
             </a:r>
           </a:p>
           <a:p>
@@ -3712,7 +3729,7 @@
             </a:r>
             <a:r>
               <a:rPr lang="is-IS" dirty="0" smtClean="0"/>
-              <a:t>  T_odd = bin_op_SIMD(odd_A,odd_B)</a:t>
+              <a:t>  A = bin_op_SIMD(odd_A,odd_B)</a:t>
             </a:r>
             <a:endParaRPr lang="en-US" dirty="0" smtClean="0"/>
           </a:p>
@@ -3728,59 +3745,6 @@
               <a:rPr lang="en-US" dirty="0" smtClean="0"/>
               <a:t>  </a:t>
             </a:r>
-            <a:r>
-              <a:rPr lang="is-IS" dirty="0" smtClean="0"/>
-              <a:t>T_even </a:t>
-            </a:r>
-            <a:r>
-              <a:rPr lang="is-IS" dirty="0"/>
-              <a:t>= bin_op_SIMD(odd_A,odd_B)</a:t>
-            </a:r>
-            <a:endParaRPr lang="en-US" dirty="0" smtClean="0"/>
-          </a:p>
-          <a:p>
-            <a:pPr marL="0" indent="0">
-              <a:buNone/>
-            </a:pPr>
-            <a:r>
-              <a:rPr lang="en-US" dirty="0" smtClean="0"/>
-              <a:t>   T = </a:t>
-            </a:r>
-            <a:r>
-              <a:rPr lang="en-US" dirty="0" err="1" smtClean="0"/>
-              <a:t>comb_op_SIMD</a:t>
-            </a:r>
-            <a:r>
-              <a:rPr lang="en-US" dirty="0" smtClean="0"/>
-              <a:t>(</a:t>
-            </a:r>
-            <a:r>
-              <a:rPr lang="en-US" dirty="0" err="1" smtClean="0"/>
-              <a:t>T_odd,T_even</a:t>
-            </a:r>
-            <a:r>
-              <a:rPr lang="en-US" dirty="0" smtClean="0"/>
-              <a:t>)</a:t>
-            </a:r>
-          </a:p>
-          <a:p>
-            <a:pPr marL="0" indent="0">
-              <a:buNone/>
-            </a:pPr>
-            <a:r>
-              <a:rPr lang="en-US" dirty="0" smtClean="0">
-                <a:solidFill>
-                  <a:srgbClr val="FF0000"/>
-                </a:solidFill>
-              </a:rPr>
-              <a:t>NEEDS MORE WORK!</a:t>
-            </a:r>
-          </a:p>
-          <a:p>
-            <a:pPr marL="0" indent="0">
-              <a:buNone/>
-            </a:pPr>
-            <a:endParaRPr lang="en-US" dirty="0" smtClean="0"/>
           </a:p>
           <a:p>
             <a:pPr marL="0" indent="0">
@@ -3855,11 +3819,7 @@
           <a:bodyPr/>
           <a:lstStyle/>
           <a:p>
-            <a:r>
-              <a:rPr lang="en-US" dirty="0" smtClean="0"/>
-              <a:t>TARGET LANGUAGE</a:t>
-            </a:r>
-            <a:endParaRPr lang="en-US" dirty="0"/>
+            <a:endParaRPr lang="en-US"/>
           </a:p>
         </p:txBody>
       </p:sp>
@@ -3878,572 +3838,6 @@
           <a:bodyPr/>
           <a:lstStyle/>
           <a:p>
-            <a:r>
-              <a:rPr lang="en-US" dirty="0" smtClean="0"/>
-              <a:t>Compiler takes iterative loop and produces a sequence of instructions in target language (iteration is implicit, either through SIMD, REDUCE, or DIV) </a:t>
-            </a:r>
-            <a:endParaRPr lang="en-US" dirty="0"/>
-          </a:p>
-        </p:txBody>
-      </p:sp>
-      <p:sp>
-        <p:nvSpPr>
-          <p:cNvPr id="4" name="Content Placeholder 2"/>
-          <p:cNvSpPr txBox="1">
-            <a:spLocks/>
-          </p:cNvSpPr>
-          <p:nvPr/>
-        </p:nvSpPr>
-        <p:spPr>
-          <a:xfrm>
-            <a:off x="457200" y="3776558"/>
-            <a:ext cx="3812587" cy="2707190"/>
-          </a:xfrm>
-          <a:prstGeom prst="rect">
-            <a:avLst/>
-          </a:prstGeom>
-        </p:spPr>
-        <p:txBody>
-          <a:bodyPr vert="horz" lIns="91440" tIns="45720" rIns="91440" bIns="45720" rtlCol="0">
-            <a:normAutofit lnSpcReduction="10000"/>
-          </a:bodyPr>
-          <a:lstStyle>
-            <a:lvl1pPr marL="342900" indent="-342900" algn="l" defTabSz="457200" rtl="0" eaLnBrk="1" latinLnBrk="0" hangingPunct="1">
-              <a:spcBef>
-                <a:spcPct val="20000"/>
-              </a:spcBef>
-              <a:buFont typeface="Arial"/>
-              <a:buChar char="•"/>
-              <a:defRPr sz="3200" kern="1200">
-                <a:solidFill>
-                  <a:schemeClr val="tx1"/>
-                </a:solidFill>
-                <a:latin typeface="+mn-lt"/>
-                <a:ea typeface="+mn-ea"/>
-                <a:cs typeface="+mn-cs"/>
-              </a:defRPr>
-            </a:lvl1pPr>
-            <a:lvl2pPr marL="742950" indent="-285750" algn="l" defTabSz="457200" rtl="0" eaLnBrk="1" latinLnBrk="0" hangingPunct="1">
-              <a:spcBef>
-                <a:spcPct val="20000"/>
-              </a:spcBef>
-              <a:buFont typeface="Arial"/>
-              <a:buChar char="–"/>
-              <a:defRPr sz="2800" kern="1200">
-                <a:solidFill>
-                  <a:schemeClr val="tx1"/>
-                </a:solidFill>
-                <a:latin typeface="+mn-lt"/>
-                <a:ea typeface="+mn-ea"/>
-                <a:cs typeface="+mn-cs"/>
-              </a:defRPr>
-            </a:lvl2pPr>
-            <a:lvl3pPr marL="1143000" indent="-228600" algn="l" defTabSz="457200" rtl="0" eaLnBrk="1" latinLnBrk="0" hangingPunct="1">
-              <a:spcBef>
-                <a:spcPct val="20000"/>
-              </a:spcBef>
-              <a:buFont typeface="Arial"/>
-              <a:buChar char="•"/>
-              <a:defRPr sz="2400" kern="1200">
-                <a:solidFill>
-                  <a:schemeClr val="tx1"/>
-                </a:solidFill>
-                <a:latin typeface="+mn-lt"/>
-                <a:ea typeface="+mn-ea"/>
-                <a:cs typeface="+mn-cs"/>
-              </a:defRPr>
-            </a:lvl3pPr>
-            <a:lvl4pPr marL="1600200" indent="-228600" algn="l" defTabSz="457200" rtl="0" eaLnBrk="1" latinLnBrk="0" hangingPunct="1">
-              <a:spcBef>
-                <a:spcPct val="20000"/>
-              </a:spcBef>
-              <a:buFont typeface="Arial"/>
-              <a:buChar char="–"/>
-              <a:defRPr sz="2000" kern="1200">
-                <a:solidFill>
-                  <a:schemeClr val="tx1"/>
-                </a:solidFill>
-                <a:latin typeface="+mn-lt"/>
-                <a:ea typeface="+mn-ea"/>
-                <a:cs typeface="+mn-cs"/>
-              </a:defRPr>
-            </a:lvl4pPr>
-            <a:lvl5pPr marL="2057400" indent="-228600" algn="l" defTabSz="457200" rtl="0" eaLnBrk="1" latinLnBrk="0" hangingPunct="1">
-              <a:spcBef>
-                <a:spcPct val="20000"/>
-              </a:spcBef>
-              <a:buFont typeface="Arial"/>
-              <a:buChar char="»"/>
-              <a:defRPr sz="2000" kern="1200">
-                <a:solidFill>
-                  <a:schemeClr val="tx1"/>
-                </a:solidFill>
-                <a:latin typeface="+mn-lt"/>
-                <a:ea typeface="+mn-ea"/>
-                <a:cs typeface="+mn-cs"/>
-              </a:defRPr>
-            </a:lvl5pPr>
-            <a:lvl6pPr marL="2514600" indent="-228600" algn="l" defTabSz="457200" rtl="0" eaLnBrk="1" latinLnBrk="0" hangingPunct="1">
-              <a:spcBef>
-                <a:spcPct val="20000"/>
-              </a:spcBef>
-              <a:buFont typeface="Arial"/>
-              <a:buChar char="•"/>
-              <a:defRPr sz="2000" kern="1200">
-                <a:solidFill>
-                  <a:schemeClr val="tx1"/>
-                </a:solidFill>
-                <a:latin typeface="+mn-lt"/>
-                <a:ea typeface="+mn-ea"/>
-                <a:cs typeface="+mn-cs"/>
-              </a:defRPr>
-            </a:lvl6pPr>
-            <a:lvl7pPr marL="2971800" indent="-228600" algn="l" defTabSz="457200" rtl="0" eaLnBrk="1" latinLnBrk="0" hangingPunct="1">
-              <a:spcBef>
-                <a:spcPct val="20000"/>
-              </a:spcBef>
-              <a:buFont typeface="Arial"/>
-              <a:buChar char="•"/>
-              <a:defRPr sz="2000" kern="1200">
-                <a:solidFill>
-                  <a:schemeClr val="tx1"/>
-                </a:solidFill>
-                <a:latin typeface="+mn-lt"/>
-                <a:ea typeface="+mn-ea"/>
-                <a:cs typeface="+mn-cs"/>
-              </a:defRPr>
-            </a:lvl7pPr>
-            <a:lvl8pPr marL="3429000" indent="-228600" algn="l" defTabSz="457200" rtl="0" eaLnBrk="1" latinLnBrk="0" hangingPunct="1">
-              <a:spcBef>
-                <a:spcPct val="20000"/>
-              </a:spcBef>
-              <a:buFont typeface="Arial"/>
-              <a:buChar char="•"/>
-              <a:defRPr sz="2000" kern="1200">
-                <a:solidFill>
-                  <a:schemeClr val="tx1"/>
-                </a:solidFill>
-                <a:latin typeface="+mn-lt"/>
-                <a:ea typeface="+mn-ea"/>
-                <a:cs typeface="+mn-cs"/>
-              </a:defRPr>
-            </a:lvl8pPr>
-            <a:lvl9pPr marL="3886200" indent="-228600" algn="l" defTabSz="457200" rtl="0" eaLnBrk="1" latinLnBrk="0" hangingPunct="1">
-              <a:spcBef>
-                <a:spcPct val="20000"/>
-              </a:spcBef>
-              <a:buFont typeface="Arial"/>
-              <a:buChar char="•"/>
-              <a:defRPr sz="2000" kern="1200">
-                <a:solidFill>
-                  <a:schemeClr val="tx1"/>
-                </a:solidFill>
-                <a:latin typeface="+mn-lt"/>
-                <a:ea typeface="+mn-ea"/>
-                <a:cs typeface="+mn-cs"/>
-              </a:defRPr>
-            </a:lvl9pPr>
-          </a:lstStyle>
-          <a:p>
-            <a:pPr marL="0" indent="0">
-              <a:buNone/>
-            </a:pPr>
-            <a:r>
-              <a:rPr lang="en-US" dirty="0" smtClean="0"/>
-              <a:t>Iterative IP</a:t>
-            </a:r>
-            <a:r>
-              <a:rPr lang="en-US" dirty="0" smtClean="0"/>
-              <a:t>:</a:t>
-            </a:r>
-          </a:p>
-          <a:p>
-            <a:pPr marL="0" indent="0">
-              <a:buNone/>
-            </a:pPr>
-            <a:r>
-              <a:rPr lang="en-US" dirty="0" smtClean="0"/>
-              <a:t>sum = 0</a:t>
-            </a:r>
-          </a:p>
-          <a:p>
-            <a:pPr marL="0" indent="0">
-              <a:buNone/>
-            </a:pPr>
-            <a:r>
-              <a:rPr lang="en-US" dirty="0" smtClean="0"/>
-              <a:t>for </a:t>
-            </a:r>
-            <a:r>
-              <a:rPr lang="en-US" dirty="0" err="1" smtClean="0"/>
-              <a:t>i</a:t>
-            </a:r>
-            <a:r>
-              <a:rPr lang="en-US" dirty="0" smtClean="0"/>
-              <a:t> in range</a:t>
-            </a:r>
-            <a:r>
-              <a:rPr lang="en-US" dirty="0" smtClean="0"/>
-              <a:t>(</a:t>
-            </a:r>
-            <a:r>
-              <a:rPr lang="en-US" dirty="0"/>
-              <a:t>N</a:t>
-            </a:r>
-            <a:r>
-              <a:rPr lang="en-US" dirty="0" smtClean="0"/>
-              <a:t>)</a:t>
-            </a:r>
-            <a:r>
-              <a:rPr lang="en-US" dirty="0" smtClean="0"/>
-              <a:t>:</a:t>
-            </a:r>
-          </a:p>
-          <a:p>
-            <a:pPr marL="0" indent="0">
-              <a:buNone/>
-            </a:pPr>
-            <a:r>
-              <a:rPr lang="en-US" dirty="0"/>
-              <a:t> </a:t>
-            </a:r>
-            <a:r>
-              <a:rPr lang="en-US" dirty="0" smtClean="0"/>
-              <a:t>   t = </a:t>
-            </a:r>
-            <a:r>
-              <a:rPr lang="en-US" dirty="0" smtClean="0">
-                <a:solidFill>
-                  <a:srgbClr val="FF0000"/>
-                </a:solidFill>
-              </a:rPr>
-              <a:t>A[</a:t>
-            </a:r>
-            <a:r>
-              <a:rPr lang="en-US" dirty="0" err="1" smtClean="0">
-                <a:solidFill>
-                  <a:srgbClr val="FF0000"/>
-                </a:solidFill>
-              </a:rPr>
-              <a:t>i</a:t>
-            </a:r>
-            <a:r>
-              <a:rPr lang="en-US" dirty="0" smtClean="0">
-                <a:solidFill>
-                  <a:srgbClr val="FF0000"/>
-                </a:solidFill>
-              </a:rPr>
-              <a:t>]</a:t>
-            </a:r>
-            <a:r>
-              <a:rPr lang="en-US" dirty="0" smtClean="0"/>
-              <a:t> </a:t>
-            </a:r>
-            <a:r>
-              <a:rPr lang="en-US" dirty="0" smtClean="0"/>
-              <a:t>* </a:t>
-            </a:r>
-            <a:r>
-              <a:rPr lang="en-US" dirty="0" smtClean="0">
-                <a:solidFill>
-                  <a:srgbClr val="0000FF"/>
-                </a:solidFill>
-              </a:rPr>
-              <a:t>B[</a:t>
-            </a:r>
-            <a:r>
-              <a:rPr lang="en-US" dirty="0" err="1" smtClean="0">
-                <a:solidFill>
-                  <a:srgbClr val="0000FF"/>
-                </a:solidFill>
-              </a:rPr>
-              <a:t>i</a:t>
-            </a:r>
-            <a:r>
-              <a:rPr lang="en-US" dirty="0" smtClean="0">
-                <a:solidFill>
-                  <a:srgbClr val="0000FF"/>
-                </a:solidFill>
-              </a:rPr>
-              <a:t>]</a:t>
-            </a:r>
-            <a:endParaRPr lang="en-US" dirty="0" smtClean="0">
-              <a:solidFill>
-                <a:srgbClr val="0000FF"/>
-              </a:solidFill>
-            </a:endParaRPr>
-          </a:p>
-          <a:p>
-            <a:pPr marL="0" indent="0">
-              <a:buNone/>
-            </a:pPr>
-            <a:r>
-              <a:rPr lang="en-US" dirty="0"/>
-              <a:t> </a:t>
-            </a:r>
-            <a:r>
-              <a:rPr lang="en-US" dirty="0" smtClean="0"/>
-              <a:t>   </a:t>
-            </a:r>
-            <a:r>
-              <a:rPr lang="en-US" dirty="0" smtClean="0"/>
-              <a:t>sum </a:t>
-            </a:r>
-            <a:r>
-              <a:rPr lang="en-US" dirty="0" smtClean="0"/>
-              <a:t>= </a:t>
-            </a:r>
-            <a:r>
-              <a:rPr lang="en-US" dirty="0" smtClean="0"/>
-              <a:t>sum </a:t>
-            </a:r>
-            <a:r>
-              <a:rPr lang="en-US" dirty="0" smtClean="0"/>
-              <a:t>+ t</a:t>
-            </a:r>
-            <a:endParaRPr lang="en-US" dirty="0"/>
-          </a:p>
-        </p:txBody>
-      </p:sp>
-      <p:sp>
-        <p:nvSpPr>
-          <p:cNvPr id="5" name="Content Placeholder 2"/>
-          <p:cNvSpPr txBox="1">
-            <a:spLocks/>
-          </p:cNvSpPr>
-          <p:nvPr/>
-        </p:nvSpPr>
-        <p:spPr>
-          <a:xfrm>
-            <a:off x="4690510" y="3776558"/>
-            <a:ext cx="3812587" cy="2707190"/>
-          </a:xfrm>
-          <a:prstGeom prst="rect">
-            <a:avLst/>
-          </a:prstGeom>
-        </p:spPr>
-        <p:txBody>
-          <a:bodyPr vert="horz" lIns="91440" tIns="45720" rIns="91440" bIns="45720" rtlCol="0">
-            <a:normAutofit/>
-          </a:bodyPr>
-          <a:lstStyle>
-            <a:lvl1pPr marL="342900" indent="-342900" algn="l" defTabSz="457200" rtl="0" eaLnBrk="1" latinLnBrk="0" hangingPunct="1">
-              <a:spcBef>
-                <a:spcPct val="20000"/>
-              </a:spcBef>
-              <a:buFont typeface="Arial"/>
-              <a:buChar char="•"/>
-              <a:defRPr sz="3200" kern="1200">
-                <a:solidFill>
-                  <a:schemeClr val="tx1"/>
-                </a:solidFill>
-                <a:latin typeface="+mn-lt"/>
-                <a:ea typeface="+mn-ea"/>
-                <a:cs typeface="+mn-cs"/>
-              </a:defRPr>
-            </a:lvl1pPr>
-            <a:lvl2pPr marL="742950" indent="-285750" algn="l" defTabSz="457200" rtl="0" eaLnBrk="1" latinLnBrk="0" hangingPunct="1">
-              <a:spcBef>
-                <a:spcPct val="20000"/>
-              </a:spcBef>
-              <a:buFont typeface="Arial"/>
-              <a:buChar char="–"/>
-              <a:defRPr sz="2800" kern="1200">
-                <a:solidFill>
-                  <a:schemeClr val="tx1"/>
-                </a:solidFill>
-                <a:latin typeface="+mn-lt"/>
-                <a:ea typeface="+mn-ea"/>
-                <a:cs typeface="+mn-cs"/>
-              </a:defRPr>
-            </a:lvl2pPr>
-            <a:lvl3pPr marL="1143000" indent="-228600" algn="l" defTabSz="457200" rtl="0" eaLnBrk="1" latinLnBrk="0" hangingPunct="1">
-              <a:spcBef>
-                <a:spcPct val="20000"/>
-              </a:spcBef>
-              <a:buFont typeface="Arial"/>
-              <a:buChar char="•"/>
-              <a:defRPr sz="2400" kern="1200">
-                <a:solidFill>
-                  <a:schemeClr val="tx1"/>
-                </a:solidFill>
-                <a:latin typeface="+mn-lt"/>
-                <a:ea typeface="+mn-ea"/>
-                <a:cs typeface="+mn-cs"/>
-              </a:defRPr>
-            </a:lvl3pPr>
-            <a:lvl4pPr marL="1600200" indent="-228600" algn="l" defTabSz="457200" rtl="0" eaLnBrk="1" latinLnBrk="0" hangingPunct="1">
-              <a:spcBef>
-                <a:spcPct val="20000"/>
-              </a:spcBef>
-              <a:buFont typeface="Arial"/>
-              <a:buChar char="–"/>
-              <a:defRPr sz="2000" kern="1200">
-                <a:solidFill>
-                  <a:schemeClr val="tx1"/>
-                </a:solidFill>
-                <a:latin typeface="+mn-lt"/>
-                <a:ea typeface="+mn-ea"/>
-                <a:cs typeface="+mn-cs"/>
-              </a:defRPr>
-            </a:lvl4pPr>
-            <a:lvl5pPr marL="2057400" indent="-228600" algn="l" defTabSz="457200" rtl="0" eaLnBrk="1" latinLnBrk="0" hangingPunct="1">
-              <a:spcBef>
-                <a:spcPct val="20000"/>
-              </a:spcBef>
-              <a:buFont typeface="Arial"/>
-              <a:buChar char="»"/>
-              <a:defRPr sz="2000" kern="1200">
-                <a:solidFill>
-                  <a:schemeClr val="tx1"/>
-                </a:solidFill>
-                <a:latin typeface="+mn-lt"/>
-                <a:ea typeface="+mn-ea"/>
-                <a:cs typeface="+mn-cs"/>
-              </a:defRPr>
-            </a:lvl5pPr>
-            <a:lvl6pPr marL="2514600" indent="-228600" algn="l" defTabSz="457200" rtl="0" eaLnBrk="1" latinLnBrk="0" hangingPunct="1">
-              <a:spcBef>
-                <a:spcPct val="20000"/>
-              </a:spcBef>
-              <a:buFont typeface="Arial"/>
-              <a:buChar char="•"/>
-              <a:defRPr sz="2000" kern="1200">
-                <a:solidFill>
-                  <a:schemeClr val="tx1"/>
-                </a:solidFill>
-                <a:latin typeface="+mn-lt"/>
-                <a:ea typeface="+mn-ea"/>
-                <a:cs typeface="+mn-cs"/>
-              </a:defRPr>
-            </a:lvl6pPr>
-            <a:lvl7pPr marL="2971800" indent="-228600" algn="l" defTabSz="457200" rtl="0" eaLnBrk="1" latinLnBrk="0" hangingPunct="1">
-              <a:spcBef>
-                <a:spcPct val="20000"/>
-              </a:spcBef>
-              <a:buFont typeface="Arial"/>
-              <a:buChar char="•"/>
-              <a:defRPr sz="2000" kern="1200">
-                <a:solidFill>
-                  <a:schemeClr val="tx1"/>
-                </a:solidFill>
-                <a:latin typeface="+mn-lt"/>
-                <a:ea typeface="+mn-ea"/>
-                <a:cs typeface="+mn-cs"/>
-              </a:defRPr>
-            </a:lvl7pPr>
-            <a:lvl8pPr marL="3429000" indent="-228600" algn="l" defTabSz="457200" rtl="0" eaLnBrk="1" latinLnBrk="0" hangingPunct="1">
-              <a:spcBef>
-                <a:spcPct val="20000"/>
-              </a:spcBef>
-              <a:buFont typeface="Arial"/>
-              <a:buChar char="•"/>
-              <a:defRPr sz="2000" kern="1200">
-                <a:solidFill>
-                  <a:schemeClr val="tx1"/>
-                </a:solidFill>
-                <a:latin typeface="+mn-lt"/>
-                <a:ea typeface="+mn-ea"/>
-                <a:cs typeface="+mn-cs"/>
-              </a:defRPr>
-            </a:lvl8pPr>
-            <a:lvl9pPr marL="3886200" indent="-228600" algn="l" defTabSz="457200" rtl="0" eaLnBrk="1" latinLnBrk="0" hangingPunct="1">
-              <a:spcBef>
-                <a:spcPct val="20000"/>
-              </a:spcBef>
-              <a:buFont typeface="Arial"/>
-              <a:buChar char="•"/>
-              <a:defRPr sz="2000" kern="1200">
-                <a:solidFill>
-                  <a:schemeClr val="tx1"/>
-                </a:solidFill>
-                <a:latin typeface="+mn-lt"/>
-                <a:ea typeface="+mn-ea"/>
-                <a:cs typeface="+mn-cs"/>
-              </a:defRPr>
-            </a:lvl9pPr>
-          </a:lstStyle>
-          <a:p>
-            <a:pPr marL="0" indent="0">
-              <a:buNone/>
-            </a:pPr>
-            <a:r>
-              <a:rPr lang="en-US" dirty="0" err="1" smtClean="0"/>
-              <a:t>Vectorized</a:t>
-            </a:r>
-            <a:r>
-              <a:rPr lang="en-US" dirty="0" smtClean="0"/>
-              <a:t> IP</a:t>
-            </a:r>
-            <a:r>
-              <a:rPr lang="en-US" dirty="0" smtClean="0"/>
-              <a:t>:</a:t>
-            </a:r>
-            <a:endParaRPr lang="en-US" dirty="0" smtClean="0"/>
-          </a:p>
-          <a:p>
-            <a:pPr marL="0" indent="0">
-              <a:buNone/>
-            </a:pPr>
-            <a:r>
-              <a:rPr lang="en-US" dirty="0" smtClean="0"/>
-              <a:t>sum = 0</a:t>
-            </a:r>
-          </a:p>
-          <a:p>
-            <a:pPr marL="0" indent="0">
-              <a:buNone/>
-            </a:pPr>
-            <a:r>
-              <a:rPr lang="en-US" dirty="0" smtClean="0"/>
-              <a:t>T &lt;- MUL(A,B,N)</a:t>
-            </a:r>
-          </a:p>
-          <a:p>
-            <a:pPr marL="0" indent="0">
-              <a:buNone/>
-            </a:pPr>
-            <a:r>
-              <a:rPr lang="en-US" dirty="0" smtClean="0"/>
-              <a:t>sum &lt;- DIV(A,B,+,+,0)</a:t>
-            </a:r>
-          </a:p>
-        </p:txBody>
-      </p:sp>
-      <p:sp>
-        <p:nvSpPr>
-          <p:cNvPr id="6" name="Right Arrow 5"/>
-          <p:cNvSpPr/>
-          <p:nvPr/>
-        </p:nvSpPr>
-        <p:spPr>
-          <a:xfrm>
-            <a:off x="3725363" y="4835409"/>
-            <a:ext cx="544424" cy="484632"/>
-          </a:xfrm>
-          <a:prstGeom prst="rightArrow">
-            <a:avLst/>
-          </a:prstGeom>
-        </p:spPr>
-        <p:style>
-          <a:lnRef idx="1">
-            <a:schemeClr val="accent1"/>
-          </a:lnRef>
-          <a:fillRef idx="3">
-            <a:schemeClr val="accent1"/>
-          </a:fillRef>
-          <a:effectRef idx="2">
-            <a:schemeClr val="accent1"/>
-          </a:effectRef>
-          <a:fontRef idx="minor">
-            <a:schemeClr val="lt1"/>
-          </a:fontRef>
-        </p:style>
-        <p:txBody>
-          <a:bodyPr rtlCol="0" anchor="ctr"/>
-          <a:lstStyle/>
-          <a:p>
-            <a:pPr algn="ctr"/>
             <a:endParaRPr lang="en-US"/>
           </a:p>
         </p:txBody>
@@ -4451,7 +3845,7 @@
     </p:spTree>
     <p:extLst>
       <p:ext uri="{BB962C8B-B14F-4D97-AF65-F5344CB8AC3E}">
-        <p14:creationId xmlns:p14="http://schemas.microsoft.com/office/powerpoint/2010/main" val="2191404989"/>
+        <p14:creationId xmlns:p14="http://schemas.microsoft.com/office/powerpoint/2010/main" val="3552889053"/>
       </p:ext>
     </p:extLst>
   </p:cSld>
@@ -4495,7 +3889,7 @@
           <a:p>
             <a:r>
               <a:rPr lang="en-US" dirty="0" smtClean="0"/>
-              <a:t>Phase 1: Syntax Checker</a:t>
+              <a:t>TARGET LANGUAGE</a:t>
             </a:r>
             <a:endParaRPr lang="en-US" dirty="0"/>
           </a:p>
@@ -4511,283 +3905,585 @@
             <p:ph idx="1"/>
           </p:nvPr>
         </p:nvSpPr>
+        <p:spPr/>
+        <p:txBody>
+          <a:bodyPr/>
+          <a:lstStyle/>
+          <a:p>
+            <a:r>
+              <a:rPr lang="en-US" dirty="0" smtClean="0"/>
+              <a:t>Compiler takes iterative loop and produces a sequence of instructions in target language (iteration is implicit, either through SIMD, REDUCE, or DIV) </a:t>
+            </a:r>
+            <a:endParaRPr lang="en-US" dirty="0"/>
+          </a:p>
+        </p:txBody>
+      </p:sp>
+      <p:sp>
+        <p:nvSpPr>
+          <p:cNvPr id="4" name="Content Placeholder 2"/>
+          <p:cNvSpPr txBox="1">
+            <a:spLocks/>
+          </p:cNvSpPr>
+          <p:nvPr/>
+        </p:nvSpPr>
         <p:spPr>
           <a:xfrm>
-            <a:off x="457200" y="1600200"/>
-            <a:ext cx="8493630" cy="4525963"/>
+            <a:off x="457200" y="3776558"/>
+            <a:ext cx="3812587" cy="2707190"/>
           </a:xfrm>
+          <a:prstGeom prst="rect">
+            <a:avLst/>
+          </a:prstGeom>
         </p:spPr>
         <p:txBody>
-          <a:bodyPr>
-            <a:normAutofit fontScale="62500" lnSpcReduction="20000"/>
+          <a:bodyPr vert="horz" lIns="91440" tIns="45720" rIns="91440" bIns="45720" rtlCol="0">
+            <a:normAutofit lnSpcReduction="10000"/>
           </a:bodyPr>
+          <a:lstStyle>
+            <a:lvl1pPr marL="342900" indent="-342900" algn="l" defTabSz="457200" rtl="0" eaLnBrk="1" latinLnBrk="0" hangingPunct="1">
+              <a:spcBef>
+                <a:spcPct val="20000"/>
+              </a:spcBef>
+              <a:buFont typeface="Arial"/>
+              <a:buChar char="•"/>
+              <a:defRPr sz="3200" kern="1200">
+                <a:solidFill>
+                  <a:schemeClr val="tx1"/>
+                </a:solidFill>
+                <a:latin typeface="+mn-lt"/>
+                <a:ea typeface="+mn-ea"/>
+                <a:cs typeface="+mn-cs"/>
+              </a:defRPr>
+            </a:lvl1pPr>
+            <a:lvl2pPr marL="742950" indent="-285750" algn="l" defTabSz="457200" rtl="0" eaLnBrk="1" latinLnBrk="0" hangingPunct="1">
+              <a:spcBef>
+                <a:spcPct val="20000"/>
+              </a:spcBef>
+              <a:buFont typeface="Arial"/>
+              <a:buChar char="–"/>
+              <a:defRPr sz="2800" kern="1200">
+                <a:solidFill>
+                  <a:schemeClr val="tx1"/>
+                </a:solidFill>
+                <a:latin typeface="+mn-lt"/>
+                <a:ea typeface="+mn-ea"/>
+                <a:cs typeface="+mn-cs"/>
+              </a:defRPr>
+            </a:lvl2pPr>
+            <a:lvl3pPr marL="1143000" indent="-228600" algn="l" defTabSz="457200" rtl="0" eaLnBrk="1" latinLnBrk="0" hangingPunct="1">
+              <a:spcBef>
+                <a:spcPct val="20000"/>
+              </a:spcBef>
+              <a:buFont typeface="Arial"/>
+              <a:buChar char="•"/>
+              <a:defRPr sz="2400" kern="1200">
+                <a:solidFill>
+                  <a:schemeClr val="tx1"/>
+                </a:solidFill>
+                <a:latin typeface="+mn-lt"/>
+                <a:ea typeface="+mn-ea"/>
+                <a:cs typeface="+mn-cs"/>
+              </a:defRPr>
+            </a:lvl3pPr>
+            <a:lvl4pPr marL="1600200" indent="-228600" algn="l" defTabSz="457200" rtl="0" eaLnBrk="1" latinLnBrk="0" hangingPunct="1">
+              <a:spcBef>
+                <a:spcPct val="20000"/>
+              </a:spcBef>
+              <a:buFont typeface="Arial"/>
+              <a:buChar char="–"/>
+              <a:defRPr sz="2000" kern="1200">
+                <a:solidFill>
+                  <a:schemeClr val="tx1"/>
+                </a:solidFill>
+                <a:latin typeface="+mn-lt"/>
+                <a:ea typeface="+mn-ea"/>
+                <a:cs typeface="+mn-cs"/>
+              </a:defRPr>
+            </a:lvl4pPr>
+            <a:lvl5pPr marL="2057400" indent="-228600" algn="l" defTabSz="457200" rtl="0" eaLnBrk="1" latinLnBrk="0" hangingPunct="1">
+              <a:spcBef>
+                <a:spcPct val="20000"/>
+              </a:spcBef>
+              <a:buFont typeface="Arial"/>
+              <a:buChar char="»"/>
+              <a:defRPr sz="2000" kern="1200">
+                <a:solidFill>
+                  <a:schemeClr val="tx1"/>
+                </a:solidFill>
+                <a:latin typeface="+mn-lt"/>
+                <a:ea typeface="+mn-ea"/>
+                <a:cs typeface="+mn-cs"/>
+              </a:defRPr>
+            </a:lvl5pPr>
+            <a:lvl6pPr marL="2514600" indent="-228600" algn="l" defTabSz="457200" rtl="0" eaLnBrk="1" latinLnBrk="0" hangingPunct="1">
+              <a:spcBef>
+                <a:spcPct val="20000"/>
+              </a:spcBef>
+              <a:buFont typeface="Arial"/>
+              <a:buChar char="•"/>
+              <a:defRPr sz="2000" kern="1200">
+                <a:solidFill>
+                  <a:schemeClr val="tx1"/>
+                </a:solidFill>
+                <a:latin typeface="+mn-lt"/>
+                <a:ea typeface="+mn-ea"/>
+                <a:cs typeface="+mn-cs"/>
+              </a:defRPr>
+            </a:lvl6pPr>
+            <a:lvl7pPr marL="2971800" indent="-228600" algn="l" defTabSz="457200" rtl="0" eaLnBrk="1" latinLnBrk="0" hangingPunct="1">
+              <a:spcBef>
+                <a:spcPct val="20000"/>
+              </a:spcBef>
+              <a:buFont typeface="Arial"/>
+              <a:buChar char="•"/>
+              <a:defRPr sz="2000" kern="1200">
+                <a:solidFill>
+                  <a:schemeClr val="tx1"/>
+                </a:solidFill>
+                <a:latin typeface="+mn-lt"/>
+                <a:ea typeface="+mn-ea"/>
+                <a:cs typeface="+mn-cs"/>
+              </a:defRPr>
+            </a:lvl7pPr>
+            <a:lvl8pPr marL="3429000" indent="-228600" algn="l" defTabSz="457200" rtl="0" eaLnBrk="1" latinLnBrk="0" hangingPunct="1">
+              <a:spcBef>
+                <a:spcPct val="20000"/>
+              </a:spcBef>
+              <a:buFont typeface="Arial"/>
+              <a:buChar char="•"/>
+              <a:defRPr sz="2000" kern="1200">
+                <a:solidFill>
+                  <a:schemeClr val="tx1"/>
+                </a:solidFill>
+                <a:latin typeface="+mn-lt"/>
+                <a:ea typeface="+mn-ea"/>
+                <a:cs typeface="+mn-cs"/>
+              </a:defRPr>
+            </a:lvl8pPr>
+            <a:lvl9pPr marL="3886200" indent="-228600" algn="l" defTabSz="457200" rtl="0" eaLnBrk="1" latinLnBrk="0" hangingPunct="1">
+              <a:spcBef>
+                <a:spcPct val="20000"/>
+              </a:spcBef>
+              <a:buFont typeface="Arial"/>
+              <a:buChar char="•"/>
+              <a:defRPr sz="2000" kern="1200">
+                <a:solidFill>
+                  <a:schemeClr val="tx1"/>
+                </a:solidFill>
+                <a:latin typeface="+mn-lt"/>
+                <a:ea typeface="+mn-ea"/>
+                <a:cs typeface="+mn-cs"/>
+              </a:defRPr>
+            </a:lvl9pPr>
+          </a:lstStyle>
+          <a:p>
+            <a:pPr marL="0" indent="0">
+              <a:buNone/>
+            </a:pPr>
+            <a:r>
+              <a:rPr lang="en-US" dirty="0" smtClean="0"/>
+              <a:t>Iterative IP</a:t>
+            </a:r>
+            <a:r>
+              <a:rPr lang="en-US" dirty="0" smtClean="0"/>
+              <a:t>:</a:t>
+            </a:r>
+          </a:p>
+          <a:p>
+            <a:pPr marL="0" indent="0">
+              <a:buNone/>
+            </a:pPr>
+            <a:r>
+              <a:rPr lang="en-US" dirty="0" smtClean="0"/>
+              <a:t>sum = 0</a:t>
+            </a:r>
+          </a:p>
+          <a:p>
+            <a:pPr marL="0" indent="0">
+              <a:buNone/>
+            </a:pPr>
+            <a:r>
+              <a:rPr lang="en-US" dirty="0" smtClean="0"/>
+              <a:t>for </a:t>
+            </a:r>
+            <a:r>
+              <a:rPr lang="en-US" dirty="0" err="1" smtClean="0"/>
+              <a:t>i</a:t>
+            </a:r>
+            <a:r>
+              <a:rPr lang="en-US" dirty="0" smtClean="0"/>
+              <a:t> in range</a:t>
+            </a:r>
+            <a:r>
+              <a:rPr lang="en-US" dirty="0" smtClean="0"/>
+              <a:t>(</a:t>
+            </a:r>
+            <a:r>
+              <a:rPr lang="en-US" dirty="0"/>
+              <a:t>N</a:t>
+            </a:r>
+            <a:r>
+              <a:rPr lang="en-US" dirty="0" smtClean="0"/>
+              <a:t>)</a:t>
+            </a:r>
+            <a:r>
+              <a:rPr lang="en-US" dirty="0" smtClean="0"/>
+              <a:t>:</a:t>
+            </a:r>
+          </a:p>
+          <a:p>
+            <a:pPr marL="0" indent="0">
+              <a:buNone/>
+            </a:pPr>
+            <a:r>
+              <a:rPr lang="en-US" dirty="0"/>
+              <a:t> </a:t>
+            </a:r>
+            <a:r>
+              <a:rPr lang="en-US" dirty="0" smtClean="0"/>
+              <a:t>   t = </a:t>
+            </a:r>
+            <a:r>
+              <a:rPr lang="en-US" dirty="0" smtClean="0">
+                <a:solidFill>
+                  <a:srgbClr val="FF0000"/>
+                </a:solidFill>
+              </a:rPr>
+              <a:t>A[</a:t>
+            </a:r>
+            <a:r>
+              <a:rPr lang="en-US" dirty="0" err="1" smtClean="0">
+                <a:solidFill>
+                  <a:srgbClr val="FF0000"/>
+                </a:solidFill>
+              </a:rPr>
+              <a:t>i</a:t>
+            </a:r>
+            <a:r>
+              <a:rPr lang="en-US" dirty="0" smtClean="0">
+                <a:solidFill>
+                  <a:srgbClr val="FF0000"/>
+                </a:solidFill>
+              </a:rPr>
+              <a:t>]</a:t>
+            </a:r>
+            <a:r>
+              <a:rPr lang="en-US" dirty="0" smtClean="0"/>
+              <a:t> </a:t>
+            </a:r>
+            <a:r>
+              <a:rPr lang="en-US" dirty="0" smtClean="0"/>
+              <a:t>* </a:t>
+            </a:r>
+            <a:r>
+              <a:rPr lang="en-US" dirty="0" smtClean="0">
+                <a:solidFill>
+                  <a:srgbClr val="0000FF"/>
+                </a:solidFill>
+              </a:rPr>
+              <a:t>B[</a:t>
+            </a:r>
+            <a:r>
+              <a:rPr lang="en-US" dirty="0" err="1" smtClean="0">
+                <a:solidFill>
+                  <a:srgbClr val="0000FF"/>
+                </a:solidFill>
+              </a:rPr>
+              <a:t>i</a:t>
+            </a:r>
+            <a:r>
+              <a:rPr lang="en-US" dirty="0" smtClean="0">
+                <a:solidFill>
+                  <a:srgbClr val="0000FF"/>
+                </a:solidFill>
+              </a:rPr>
+              <a:t>]</a:t>
+            </a:r>
+            <a:endParaRPr lang="en-US" dirty="0" smtClean="0">
+              <a:solidFill>
+                <a:srgbClr val="0000FF"/>
+              </a:solidFill>
+            </a:endParaRPr>
+          </a:p>
+          <a:p>
+            <a:pPr marL="0" indent="0">
+              <a:buNone/>
+            </a:pPr>
+            <a:r>
+              <a:rPr lang="en-US" dirty="0"/>
+              <a:t> </a:t>
+            </a:r>
+            <a:r>
+              <a:rPr lang="en-US" dirty="0" smtClean="0"/>
+              <a:t>   </a:t>
+            </a:r>
+            <a:r>
+              <a:rPr lang="en-US" dirty="0" smtClean="0"/>
+              <a:t>sum </a:t>
+            </a:r>
+            <a:r>
+              <a:rPr lang="en-US" dirty="0" smtClean="0"/>
+              <a:t>= </a:t>
+            </a:r>
+            <a:r>
+              <a:rPr lang="en-US" dirty="0" smtClean="0"/>
+              <a:t>sum </a:t>
+            </a:r>
+            <a:r>
+              <a:rPr lang="en-US" dirty="0" smtClean="0"/>
+              <a:t>+ t</a:t>
+            </a:r>
+            <a:endParaRPr lang="en-US" dirty="0"/>
+          </a:p>
+        </p:txBody>
+      </p:sp>
+      <p:sp>
+        <p:nvSpPr>
+          <p:cNvPr id="5" name="Content Placeholder 2"/>
+          <p:cNvSpPr txBox="1">
+            <a:spLocks/>
+          </p:cNvSpPr>
+          <p:nvPr/>
+        </p:nvSpPr>
+        <p:spPr>
+          <a:xfrm>
+            <a:off x="4690510" y="3776558"/>
+            <a:ext cx="3812587" cy="2707190"/>
+          </a:xfrm>
+          <a:prstGeom prst="rect">
+            <a:avLst/>
+          </a:prstGeom>
+        </p:spPr>
+        <p:txBody>
+          <a:bodyPr vert="horz" lIns="91440" tIns="45720" rIns="91440" bIns="45720" rtlCol="0">
+            <a:normAutofit/>
+          </a:bodyPr>
+          <a:lstStyle>
+            <a:lvl1pPr marL="342900" indent="-342900" algn="l" defTabSz="457200" rtl="0" eaLnBrk="1" latinLnBrk="0" hangingPunct="1">
+              <a:spcBef>
+                <a:spcPct val="20000"/>
+              </a:spcBef>
+              <a:buFont typeface="Arial"/>
+              <a:buChar char="•"/>
+              <a:defRPr sz="3200" kern="1200">
+                <a:solidFill>
+                  <a:schemeClr val="tx1"/>
+                </a:solidFill>
+                <a:latin typeface="+mn-lt"/>
+                <a:ea typeface="+mn-ea"/>
+                <a:cs typeface="+mn-cs"/>
+              </a:defRPr>
+            </a:lvl1pPr>
+            <a:lvl2pPr marL="742950" indent="-285750" algn="l" defTabSz="457200" rtl="0" eaLnBrk="1" latinLnBrk="0" hangingPunct="1">
+              <a:spcBef>
+                <a:spcPct val="20000"/>
+              </a:spcBef>
+              <a:buFont typeface="Arial"/>
+              <a:buChar char="–"/>
+              <a:defRPr sz="2800" kern="1200">
+                <a:solidFill>
+                  <a:schemeClr val="tx1"/>
+                </a:solidFill>
+                <a:latin typeface="+mn-lt"/>
+                <a:ea typeface="+mn-ea"/>
+                <a:cs typeface="+mn-cs"/>
+              </a:defRPr>
+            </a:lvl2pPr>
+            <a:lvl3pPr marL="1143000" indent="-228600" algn="l" defTabSz="457200" rtl="0" eaLnBrk="1" latinLnBrk="0" hangingPunct="1">
+              <a:spcBef>
+                <a:spcPct val="20000"/>
+              </a:spcBef>
+              <a:buFont typeface="Arial"/>
+              <a:buChar char="•"/>
+              <a:defRPr sz="2400" kern="1200">
+                <a:solidFill>
+                  <a:schemeClr val="tx1"/>
+                </a:solidFill>
+                <a:latin typeface="+mn-lt"/>
+                <a:ea typeface="+mn-ea"/>
+                <a:cs typeface="+mn-cs"/>
+              </a:defRPr>
+            </a:lvl3pPr>
+            <a:lvl4pPr marL="1600200" indent="-228600" algn="l" defTabSz="457200" rtl="0" eaLnBrk="1" latinLnBrk="0" hangingPunct="1">
+              <a:spcBef>
+                <a:spcPct val="20000"/>
+              </a:spcBef>
+              <a:buFont typeface="Arial"/>
+              <a:buChar char="–"/>
+              <a:defRPr sz="2000" kern="1200">
+                <a:solidFill>
+                  <a:schemeClr val="tx1"/>
+                </a:solidFill>
+                <a:latin typeface="+mn-lt"/>
+                <a:ea typeface="+mn-ea"/>
+                <a:cs typeface="+mn-cs"/>
+              </a:defRPr>
+            </a:lvl4pPr>
+            <a:lvl5pPr marL="2057400" indent="-228600" algn="l" defTabSz="457200" rtl="0" eaLnBrk="1" latinLnBrk="0" hangingPunct="1">
+              <a:spcBef>
+                <a:spcPct val="20000"/>
+              </a:spcBef>
+              <a:buFont typeface="Arial"/>
+              <a:buChar char="»"/>
+              <a:defRPr sz="2000" kern="1200">
+                <a:solidFill>
+                  <a:schemeClr val="tx1"/>
+                </a:solidFill>
+                <a:latin typeface="+mn-lt"/>
+                <a:ea typeface="+mn-ea"/>
+                <a:cs typeface="+mn-cs"/>
+              </a:defRPr>
+            </a:lvl5pPr>
+            <a:lvl6pPr marL="2514600" indent="-228600" algn="l" defTabSz="457200" rtl="0" eaLnBrk="1" latinLnBrk="0" hangingPunct="1">
+              <a:spcBef>
+                <a:spcPct val="20000"/>
+              </a:spcBef>
+              <a:buFont typeface="Arial"/>
+              <a:buChar char="•"/>
+              <a:defRPr sz="2000" kern="1200">
+                <a:solidFill>
+                  <a:schemeClr val="tx1"/>
+                </a:solidFill>
+                <a:latin typeface="+mn-lt"/>
+                <a:ea typeface="+mn-ea"/>
+                <a:cs typeface="+mn-cs"/>
+              </a:defRPr>
+            </a:lvl6pPr>
+            <a:lvl7pPr marL="2971800" indent="-228600" algn="l" defTabSz="457200" rtl="0" eaLnBrk="1" latinLnBrk="0" hangingPunct="1">
+              <a:spcBef>
+                <a:spcPct val="20000"/>
+              </a:spcBef>
+              <a:buFont typeface="Arial"/>
+              <a:buChar char="•"/>
+              <a:defRPr sz="2000" kern="1200">
+                <a:solidFill>
+                  <a:schemeClr val="tx1"/>
+                </a:solidFill>
+                <a:latin typeface="+mn-lt"/>
+                <a:ea typeface="+mn-ea"/>
+                <a:cs typeface="+mn-cs"/>
+              </a:defRPr>
+            </a:lvl7pPr>
+            <a:lvl8pPr marL="3429000" indent="-228600" algn="l" defTabSz="457200" rtl="0" eaLnBrk="1" latinLnBrk="0" hangingPunct="1">
+              <a:spcBef>
+                <a:spcPct val="20000"/>
+              </a:spcBef>
+              <a:buFont typeface="Arial"/>
+              <a:buChar char="•"/>
+              <a:defRPr sz="2000" kern="1200">
+                <a:solidFill>
+                  <a:schemeClr val="tx1"/>
+                </a:solidFill>
+                <a:latin typeface="+mn-lt"/>
+                <a:ea typeface="+mn-ea"/>
+                <a:cs typeface="+mn-cs"/>
+              </a:defRPr>
+            </a:lvl8pPr>
+            <a:lvl9pPr marL="3886200" indent="-228600" algn="l" defTabSz="457200" rtl="0" eaLnBrk="1" latinLnBrk="0" hangingPunct="1">
+              <a:spcBef>
+                <a:spcPct val="20000"/>
+              </a:spcBef>
+              <a:buFont typeface="Arial"/>
+              <a:buChar char="•"/>
+              <a:defRPr sz="2000" kern="1200">
+                <a:solidFill>
+                  <a:schemeClr val="tx1"/>
+                </a:solidFill>
+                <a:latin typeface="+mn-lt"/>
+                <a:ea typeface="+mn-ea"/>
+                <a:cs typeface="+mn-cs"/>
+              </a:defRPr>
+            </a:lvl9pPr>
+          </a:lstStyle>
+          <a:p>
+            <a:pPr marL="0" indent="0">
+              <a:buNone/>
+            </a:pPr>
+            <a:r>
+              <a:rPr lang="en-US" dirty="0" err="1" smtClean="0"/>
+              <a:t>Vectorized</a:t>
+            </a:r>
+            <a:r>
+              <a:rPr lang="en-US" dirty="0" smtClean="0"/>
+              <a:t> IP</a:t>
+            </a:r>
+            <a:r>
+              <a:rPr lang="en-US" dirty="0" smtClean="0"/>
+              <a:t>:</a:t>
+            </a:r>
+            <a:endParaRPr lang="en-US" dirty="0" smtClean="0"/>
+          </a:p>
+          <a:p>
+            <a:pPr marL="0" indent="0">
+              <a:buNone/>
+            </a:pPr>
+            <a:r>
+              <a:rPr lang="en-US" dirty="0" smtClean="0"/>
+              <a:t>sum = 0</a:t>
+            </a:r>
+          </a:p>
+          <a:p>
+            <a:pPr marL="0" indent="0">
+              <a:buNone/>
+            </a:pPr>
+            <a:r>
+              <a:rPr lang="en-US" dirty="0" smtClean="0"/>
+              <a:t>T &lt;- MUL(A,B,N)</a:t>
+            </a:r>
+          </a:p>
+          <a:p>
+            <a:pPr marL="0" indent="0">
+              <a:buNone/>
+            </a:pPr>
+            <a:r>
+              <a:rPr lang="en-US" dirty="0" smtClean="0"/>
+              <a:t>sum &lt;- DIV(A,B,+,+,0)</a:t>
+            </a:r>
+          </a:p>
+        </p:txBody>
+      </p:sp>
+      <p:sp>
+        <p:nvSpPr>
+          <p:cNvPr id="6" name="Right Arrow 5"/>
+          <p:cNvSpPr/>
+          <p:nvPr/>
+        </p:nvSpPr>
+        <p:spPr>
+          <a:xfrm>
+            <a:off x="3725363" y="4835409"/>
+            <a:ext cx="544424" cy="484632"/>
+          </a:xfrm>
+          <a:prstGeom prst="rightArrow">
+            <a:avLst/>
+          </a:prstGeom>
+        </p:spPr>
+        <p:style>
+          <a:lnRef idx="1">
+            <a:schemeClr val="accent1"/>
+          </a:lnRef>
+          <a:fillRef idx="3">
+            <a:schemeClr val="accent1"/>
+          </a:fillRef>
+          <a:effectRef idx="2">
+            <a:schemeClr val="accent1"/>
+          </a:effectRef>
+          <a:fontRef idx="minor">
+            <a:schemeClr val="lt1"/>
+          </a:fontRef>
+        </p:style>
+        <p:txBody>
+          <a:bodyPr rtlCol="0" anchor="ctr"/>
           <a:lstStyle/>
           <a:p>
-            <a:r>
-              <a:rPr lang="en-US" b="1" dirty="0"/>
-              <a:t>M</a:t>
-            </a:r>
-            <a:r>
-              <a:rPr lang="en-US" b="1" dirty="0" smtClean="0"/>
-              <a:t>ain purpose</a:t>
-            </a:r>
-            <a:r>
-              <a:rPr lang="en-US" dirty="0" smtClean="0"/>
-              <a:t> of checker is to ensure that input program complies to a version of IMP syntax (and can safely translate into three-address CFG IR) </a:t>
-            </a:r>
-          </a:p>
-          <a:p>
-            <a:r>
-              <a:rPr lang="en-US" dirty="0" smtClean="0"/>
-              <a:t>Done in Python AST. For now, input is an </a:t>
-            </a:r>
-            <a:r>
-              <a:rPr lang="en-US" dirty="0" err="1" smtClean="0"/>
-              <a:t>ast.FunctionDef</a:t>
-            </a:r>
-            <a:endParaRPr lang="en-US" dirty="0" smtClean="0"/>
-          </a:p>
-          <a:p>
-            <a:pPr lvl="1"/>
-            <a:r>
-              <a:rPr lang="en-US" dirty="0" smtClean="0"/>
-              <a:t>Shared inputs are </a:t>
-            </a:r>
-            <a:r>
-              <a:rPr lang="en-US" dirty="0" smtClean="0">
-                <a:solidFill>
-                  <a:srgbClr val="FF0000"/>
-                </a:solidFill>
-              </a:rPr>
-              <a:t>annotated</a:t>
-            </a:r>
-            <a:r>
-              <a:rPr lang="en-US" dirty="0" smtClean="0"/>
-              <a:t>, plain ones are </a:t>
-            </a:r>
-            <a:r>
-              <a:rPr lang="en-US" dirty="0" smtClean="0">
-                <a:solidFill>
-                  <a:srgbClr val="FF0000"/>
-                </a:solidFill>
-              </a:rPr>
-              <a:t>NOT</a:t>
-            </a:r>
-          </a:p>
-          <a:p>
-            <a:pPr lvl="2"/>
-            <a:r>
-              <a:rPr lang="en-US" dirty="0" smtClean="0"/>
-              <a:t>E.g., biometric(C: list[</a:t>
-            </a:r>
-            <a:r>
-              <a:rPr lang="en-US" dirty="0" err="1" smtClean="0"/>
-              <a:t>int</a:t>
-            </a:r>
-            <a:r>
-              <a:rPr lang="en-US" dirty="0" smtClean="0"/>
-              <a:t>], D, S: list[</a:t>
-            </a:r>
-            <a:r>
-              <a:rPr lang="en-US" dirty="0" err="1" smtClean="0"/>
-              <a:t>int</a:t>
-            </a:r>
-            <a:r>
-              <a:rPr lang="en-US" dirty="0" smtClean="0"/>
-              <a:t>], N). Here C is the vector we match and it is secret-shared. D is the dimension of C and it is plaintext</a:t>
-            </a:r>
-          </a:p>
-          <a:p>
-            <a:pPr lvl="1"/>
-            <a:r>
-              <a:rPr lang="en-US" b="1" dirty="0" smtClean="0"/>
-              <a:t>Assign</a:t>
-            </a:r>
-            <a:r>
-              <a:rPr lang="en-US" dirty="0" smtClean="0"/>
-              <a:t>: lhs = </a:t>
-            </a:r>
-            <a:r>
-              <a:rPr lang="en-US" dirty="0" err="1" smtClean="0"/>
-              <a:t>rhs</a:t>
-            </a:r>
-            <a:endParaRPr lang="en-US" dirty="0"/>
-          </a:p>
-          <a:p>
-            <a:pPr lvl="2"/>
-            <a:r>
-              <a:rPr lang="en-US" dirty="0" smtClean="0"/>
-              <a:t>lhs is either a </a:t>
-            </a:r>
-            <a:r>
-              <a:rPr lang="en-US" dirty="0" err="1" smtClean="0"/>
-              <a:t>var</a:t>
-            </a:r>
-            <a:r>
-              <a:rPr lang="en-US" dirty="0" smtClean="0"/>
-              <a:t> (</a:t>
-            </a:r>
-            <a:r>
-              <a:rPr lang="en-US" dirty="0" err="1" smtClean="0"/>
-              <a:t>ast.Name</a:t>
-            </a:r>
-            <a:r>
-              <a:rPr lang="en-US" dirty="0" smtClean="0"/>
-              <a:t>) or an array access (</a:t>
-            </a:r>
-            <a:r>
-              <a:rPr lang="en-US" dirty="0" err="1" smtClean="0"/>
-              <a:t>ast.Subscript</a:t>
-            </a:r>
-            <a:r>
-              <a:rPr lang="en-US" dirty="0" smtClean="0"/>
-              <a:t>)</a:t>
-            </a:r>
-          </a:p>
-          <a:p>
-            <a:pPr lvl="2"/>
-            <a:r>
-              <a:rPr lang="en-US" dirty="0" err="1" smtClean="0"/>
-              <a:t>rhs</a:t>
-            </a:r>
-            <a:r>
-              <a:rPr lang="en-US" dirty="0" smtClean="0"/>
-              <a:t> is either a </a:t>
-            </a:r>
-            <a:r>
-              <a:rPr lang="en-US" dirty="0" err="1" smtClean="0"/>
-              <a:t>var</a:t>
-            </a:r>
-            <a:r>
-              <a:rPr lang="en-US" dirty="0" smtClean="0"/>
-              <a:t> or a </a:t>
-            </a:r>
-            <a:r>
-              <a:rPr lang="en-US" dirty="0" err="1" smtClean="0"/>
-              <a:t>BinOp</a:t>
-            </a:r>
-            <a:r>
-              <a:rPr lang="en-US" dirty="0" smtClean="0"/>
-              <a:t> expression</a:t>
-            </a:r>
-          </a:p>
-          <a:p>
-            <a:pPr lvl="1"/>
-            <a:r>
-              <a:rPr lang="en-US" b="1" dirty="0" err="1" smtClean="0"/>
-              <a:t>BinOp</a:t>
-            </a:r>
-            <a:r>
-              <a:rPr lang="en-US" dirty="0" smtClean="0"/>
-              <a:t>: </a:t>
-            </a:r>
-            <a:r>
-              <a:rPr lang="en-US" dirty="0" err="1" smtClean="0"/>
-              <a:t>left_operand</a:t>
-            </a:r>
-            <a:r>
-              <a:rPr lang="en-US" dirty="0" smtClean="0"/>
-              <a:t> operator </a:t>
-            </a:r>
-            <a:r>
-              <a:rPr lang="en-US" dirty="0" err="1" smtClean="0"/>
-              <a:t>right_operand</a:t>
-            </a:r>
-            <a:endParaRPr lang="en-US" dirty="0" smtClean="0"/>
-          </a:p>
-          <a:p>
-            <a:pPr lvl="2"/>
-            <a:r>
-              <a:rPr lang="en-US" dirty="0" smtClean="0"/>
-              <a:t>left and right share restrictions of lhs</a:t>
-            </a:r>
-          </a:p>
-          <a:p>
-            <a:pPr lvl="2"/>
-            <a:r>
-              <a:rPr lang="en-US" dirty="0"/>
-              <a:t>o</a:t>
-            </a:r>
-            <a:r>
-              <a:rPr lang="en-US" dirty="0" smtClean="0"/>
-              <a:t>perator is the </a:t>
-            </a:r>
-          </a:p>
-          <a:p>
-            <a:pPr lvl="1"/>
-            <a:r>
-              <a:rPr lang="en-US" b="1" dirty="0" smtClean="0"/>
-              <a:t>If</a:t>
-            </a:r>
-            <a:r>
-              <a:rPr lang="en-US" dirty="0" smtClean="0"/>
-              <a:t>: </a:t>
-            </a:r>
-            <a:r>
-              <a:rPr lang="is-IS" dirty="0" smtClean="0"/>
-              <a:t>…: restrict test to a logical operation </a:t>
-            </a:r>
-          </a:p>
-          <a:p>
-            <a:pPr lvl="1"/>
-            <a:r>
-              <a:rPr lang="en-US" b="1" dirty="0"/>
-              <a:t>F</a:t>
-            </a:r>
-            <a:r>
-              <a:rPr lang="is-IS" b="1" dirty="0" smtClean="0"/>
-              <a:t>or i in range(N)</a:t>
-            </a:r>
-            <a:r>
-              <a:rPr lang="is-IS" dirty="0" smtClean="0"/>
-              <a:t>: this is acceptable input, no other loops are allowed</a:t>
-            </a:r>
-          </a:p>
-          <a:p>
-            <a:pPr lvl="1"/>
-            <a:r>
-              <a:rPr lang="en-US" dirty="0"/>
-              <a:t>a</a:t>
-            </a:r>
-            <a:r>
-              <a:rPr lang="is-IS" dirty="0" smtClean="0"/>
-              <a:t>st.Subscript(value,slice): </a:t>
-            </a:r>
-            <a:r>
-              <a:rPr lang="is-IS" b="1" dirty="0" smtClean="0"/>
-              <a:t>value</a:t>
-            </a:r>
-            <a:r>
-              <a:rPr lang="is-IS" dirty="0" smtClean="0"/>
-              <a:t> is a var (ast.Name) and </a:t>
-            </a:r>
-            <a:r>
-              <a:rPr lang="is-IS" b="1" dirty="0" smtClean="0"/>
-              <a:t>slice</a:t>
-            </a:r>
-            <a:r>
-              <a:rPr lang="is-IS" dirty="0" smtClean="0"/>
-              <a:t> an expression where all leaves are plaintex vars. (We don’t support subscripts that are shared values.)</a:t>
-            </a:r>
-          </a:p>
-          <a:p>
-            <a:pPr lvl="1"/>
-            <a:r>
-              <a:rPr lang="is-IS" dirty="0" smtClean="0"/>
-              <a:t>No other ast.Node is allowed for now. Will extend with ast.Call eventually!</a:t>
-            </a:r>
-            <a:endParaRPr lang="en-US" dirty="0" smtClean="0"/>
-          </a:p>
-          <a:p>
-            <a:pPr lvl="1"/>
-            <a:endParaRPr lang="en-US" dirty="0"/>
+            <a:pPr algn="ctr"/>
+            <a:endParaRPr lang="en-US"/>
           </a:p>
         </p:txBody>
       </p:sp>
     </p:spTree>
     <p:extLst>
       <p:ext uri="{BB962C8B-B14F-4D97-AF65-F5344CB8AC3E}">
-        <p14:creationId xmlns:p14="http://schemas.microsoft.com/office/powerpoint/2010/main" val="1765753695"/>
+        <p14:creationId xmlns:p14="http://schemas.microsoft.com/office/powerpoint/2010/main" val="2191404989"/>
       </p:ext>
     </p:extLst>
   </p:cSld>
@@ -4831,6 +4527,342 @@
           <a:p>
             <a:r>
               <a:rPr lang="en-US" dirty="0" smtClean="0"/>
+              <a:t>Phase 1: Syntax Checker</a:t>
+            </a:r>
+            <a:endParaRPr lang="en-US" dirty="0"/>
+          </a:p>
+        </p:txBody>
+      </p:sp>
+      <p:sp>
+        <p:nvSpPr>
+          <p:cNvPr id="3" name="Content Placeholder 2"/>
+          <p:cNvSpPr>
+            <a:spLocks noGrp="1"/>
+          </p:cNvSpPr>
+          <p:nvPr>
+            <p:ph idx="1"/>
+          </p:nvPr>
+        </p:nvSpPr>
+        <p:spPr>
+          <a:xfrm>
+            <a:off x="457200" y="1600200"/>
+            <a:ext cx="8493630" cy="4525963"/>
+          </a:xfrm>
+        </p:spPr>
+        <p:txBody>
+          <a:bodyPr>
+            <a:normAutofit fontScale="62500" lnSpcReduction="20000"/>
+          </a:bodyPr>
+          <a:lstStyle/>
+          <a:p>
+            <a:r>
+              <a:rPr lang="en-US" b="1" dirty="0"/>
+              <a:t>M</a:t>
+            </a:r>
+            <a:r>
+              <a:rPr lang="en-US" b="1" dirty="0" smtClean="0"/>
+              <a:t>ain purpose</a:t>
+            </a:r>
+            <a:r>
+              <a:rPr lang="en-US" dirty="0" smtClean="0"/>
+              <a:t> of checker is to ensure that input program complies to a version of IMP syntax (and can safely translate into three-address CFG IR) </a:t>
+            </a:r>
+          </a:p>
+          <a:p>
+            <a:r>
+              <a:rPr lang="en-US" dirty="0" smtClean="0"/>
+              <a:t>Done in Python AST. For now, input is an </a:t>
+            </a:r>
+            <a:r>
+              <a:rPr lang="en-US" dirty="0" err="1" smtClean="0"/>
+              <a:t>ast.FunctionDef</a:t>
+            </a:r>
+            <a:endParaRPr lang="en-US" dirty="0" smtClean="0"/>
+          </a:p>
+          <a:p>
+            <a:pPr lvl="1"/>
+            <a:r>
+              <a:rPr lang="en-US" dirty="0" smtClean="0"/>
+              <a:t>Shared inputs are </a:t>
+            </a:r>
+            <a:r>
+              <a:rPr lang="en-US" dirty="0" smtClean="0">
+                <a:solidFill>
+                  <a:srgbClr val="FF0000"/>
+                </a:solidFill>
+              </a:rPr>
+              <a:t>annotated</a:t>
+            </a:r>
+            <a:r>
+              <a:rPr lang="en-US" dirty="0" smtClean="0"/>
+              <a:t>, plain ones are </a:t>
+            </a:r>
+            <a:r>
+              <a:rPr lang="en-US" dirty="0" smtClean="0">
+                <a:solidFill>
+                  <a:srgbClr val="FF0000"/>
+                </a:solidFill>
+              </a:rPr>
+              <a:t>NOT</a:t>
+            </a:r>
+          </a:p>
+          <a:p>
+            <a:pPr lvl="2"/>
+            <a:r>
+              <a:rPr lang="en-US" dirty="0" smtClean="0"/>
+              <a:t>E.g., biometric(C: list[</a:t>
+            </a:r>
+            <a:r>
+              <a:rPr lang="en-US" dirty="0" err="1" smtClean="0"/>
+              <a:t>int</a:t>
+            </a:r>
+            <a:r>
+              <a:rPr lang="en-US" dirty="0" smtClean="0"/>
+              <a:t>], D, S: list[</a:t>
+            </a:r>
+            <a:r>
+              <a:rPr lang="en-US" dirty="0" err="1" smtClean="0"/>
+              <a:t>int</a:t>
+            </a:r>
+            <a:r>
+              <a:rPr lang="en-US" dirty="0" smtClean="0"/>
+              <a:t>], N). Here C is the vector we match and it is secret-shared. D is the dimension of C and it is plaintext</a:t>
+            </a:r>
+          </a:p>
+          <a:p>
+            <a:pPr lvl="1"/>
+            <a:r>
+              <a:rPr lang="en-US" b="1" dirty="0" smtClean="0"/>
+              <a:t>Assign</a:t>
+            </a:r>
+            <a:r>
+              <a:rPr lang="en-US" dirty="0" smtClean="0"/>
+              <a:t>: lhs = </a:t>
+            </a:r>
+            <a:r>
+              <a:rPr lang="en-US" dirty="0" err="1" smtClean="0"/>
+              <a:t>rhs</a:t>
+            </a:r>
+            <a:endParaRPr lang="en-US" dirty="0"/>
+          </a:p>
+          <a:p>
+            <a:pPr lvl="2"/>
+            <a:r>
+              <a:rPr lang="en-US" dirty="0" smtClean="0"/>
+              <a:t>lhs is either a </a:t>
+            </a:r>
+            <a:r>
+              <a:rPr lang="en-US" dirty="0" err="1" smtClean="0"/>
+              <a:t>var</a:t>
+            </a:r>
+            <a:r>
+              <a:rPr lang="en-US" dirty="0" smtClean="0"/>
+              <a:t> (</a:t>
+            </a:r>
+            <a:r>
+              <a:rPr lang="en-US" dirty="0" err="1" smtClean="0"/>
+              <a:t>ast.Name</a:t>
+            </a:r>
+            <a:r>
+              <a:rPr lang="en-US" dirty="0" smtClean="0"/>
+              <a:t>) or an array access (</a:t>
+            </a:r>
+            <a:r>
+              <a:rPr lang="en-US" dirty="0" err="1" smtClean="0"/>
+              <a:t>ast.Subscript</a:t>
+            </a:r>
+            <a:r>
+              <a:rPr lang="en-US" dirty="0" smtClean="0"/>
+              <a:t>)</a:t>
+            </a:r>
+          </a:p>
+          <a:p>
+            <a:pPr lvl="2"/>
+            <a:r>
+              <a:rPr lang="en-US" dirty="0" err="1" smtClean="0"/>
+              <a:t>rhs</a:t>
+            </a:r>
+            <a:r>
+              <a:rPr lang="en-US" dirty="0" smtClean="0"/>
+              <a:t> is either a </a:t>
+            </a:r>
+            <a:r>
+              <a:rPr lang="en-US" dirty="0" err="1" smtClean="0"/>
+              <a:t>var</a:t>
+            </a:r>
+            <a:r>
+              <a:rPr lang="en-US" dirty="0" smtClean="0"/>
+              <a:t> or a </a:t>
+            </a:r>
+            <a:r>
+              <a:rPr lang="en-US" dirty="0" err="1" smtClean="0"/>
+              <a:t>BinOp</a:t>
+            </a:r>
+            <a:r>
+              <a:rPr lang="en-US" dirty="0" smtClean="0"/>
+              <a:t> expression</a:t>
+            </a:r>
+          </a:p>
+          <a:p>
+            <a:pPr lvl="1"/>
+            <a:r>
+              <a:rPr lang="en-US" b="1" dirty="0" err="1" smtClean="0"/>
+              <a:t>BinOp</a:t>
+            </a:r>
+            <a:r>
+              <a:rPr lang="en-US" dirty="0" smtClean="0"/>
+              <a:t>: </a:t>
+            </a:r>
+            <a:r>
+              <a:rPr lang="en-US" dirty="0" err="1" smtClean="0"/>
+              <a:t>left_operand</a:t>
+            </a:r>
+            <a:r>
+              <a:rPr lang="en-US" dirty="0" smtClean="0"/>
+              <a:t> operator </a:t>
+            </a:r>
+            <a:r>
+              <a:rPr lang="en-US" dirty="0" err="1" smtClean="0"/>
+              <a:t>right_operand</a:t>
+            </a:r>
+            <a:endParaRPr lang="en-US" dirty="0" smtClean="0"/>
+          </a:p>
+          <a:p>
+            <a:pPr lvl="2"/>
+            <a:r>
+              <a:rPr lang="en-US" dirty="0" smtClean="0"/>
+              <a:t>left and right share restrictions of lhs</a:t>
+            </a:r>
+          </a:p>
+          <a:p>
+            <a:pPr lvl="2"/>
+            <a:r>
+              <a:rPr lang="en-US" dirty="0"/>
+              <a:t>o</a:t>
+            </a:r>
+            <a:r>
+              <a:rPr lang="en-US" dirty="0" smtClean="0"/>
+              <a:t>perator is the </a:t>
+            </a:r>
+          </a:p>
+          <a:p>
+            <a:pPr lvl="1"/>
+            <a:r>
+              <a:rPr lang="en-US" b="1" dirty="0" smtClean="0"/>
+              <a:t>If</a:t>
+            </a:r>
+            <a:r>
+              <a:rPr lang="en-US" dirty="0" smtClean="0"/>
+              <a:t>: </a:t>
+            </a:r>
+            <a:r>
+              <a:rPr lang="is-IS" dirty="0" smtClean="0"/>
+              <a:t>…: restrict test to a logical operation </a:t>
+            </a:r>
+          </a:p>
+          <a:p>
+            <a:pPr lvl="1"/>
+            <a:r>
+              <a:rPr lang="en-US" b="1" dirty="0"/>
+              <a:t>F</a:t>
+            </a:r>
+            <a:r>
+              <a:rPr lang="is-IS" b="1" dirty="0" smtClean="0"/>
+              <a:t>or i in range(N)</a:t>
+            </a:r>
+            <a:r>
+              <a:rPr lang="is-IS" dirty="0" smtClean="0"/>
+              <a:t>: this is acceptable input, no other loops are allowed</a:t>
+            </a:r>
+          </a:p>
+          <a:p>
+            <a:pPr lvl="1"/>
+            <a:r>
+              <a:rPr lang="en-US" dirty="0"/>
+              <a:t>a</a:t>
+            </a:r>
+            <a:r>
+              <a:rPr lang="is-IS" dirty="0" smtClean="0"/>
+              <a:t>st.Subscript(value,slice): </a:t>
+            </a:r>
+            <a:r>
+              <a:rPr lang="is-IS" b="1" dirty="0" smtClean="0"/>
+              <a:t>value</a:t>
+            </a:r>
+            <a:r>
+              <a:rPr lang="is-IS" dirty="0" smtClean="0"/>
+              <a:t> is a var (ast.Name) and </a:t>
+            </a:r>
+            <a:r>
+              <a:rPr lang="is-IS" b="1" dirty="0" smtClean="0"/>
+              <a:t>slice</a:t>
+            </a:r>
+            <a:r>
+              <a:rPr lang="is-IS" dirty="0" smtClean="0"/>
+              <a:t> an expression where all leaves are plaintex vars. (We don’t support subscripts that are shared values.)</a:t>
+            </a:r>
+          </a:p>
+          <a:p>
+            <a:pPr lvl="1"/>
+            <a:r>
+              <a:rPr lang="is-IS" dirty="0" smtClean="0"/>
+              <a:t>No other ast.Node is allowed for now. Will extend with ast.Call eventually!</a:t>
+            </a:r>
+            <a:endParaRPr lang="en-US" dirty="0" smtClean="0"/>
+          </a:p>
+          <a:p>
+            <a:pPr lvl="1"/>
+            <a:endParaRPr lang="en-US" dirty="0"/>
+          </a:p>
+        </p:txBody>
+      </p:sp>
+    </p:spTree>
+    <p:extLst>
+      <p:ext uri="{BB962C8B-B14F-4D97-AF65-F5344CB8AC3E}">
+        <p14:creationId xmlns:p14="http://schemas.microsoft.com/office/powerpoint/2010/main" val="1765753695"/>
+      </p:ext>
+    </p:extLst>
+  </p:cSld>
+  <p:clrMapOvr>
+    <a:masterClrMapping/>
+  </p:clrMapOvr>
+</p:sld>
+</file>
+
+<file path=ppt/slides/slide15.xml><?xml version="1.0" encoding="utf-8"?>
+<p:sld xmlns:a="http://schemas.openxmlformats.org/drawingml/2006/main" xmlns:r="http://schemas.openxmlformats.org/officeDocument/2006/relationships" xmlns:p="http://schemas.openxmlformats.org/presentationml/2006/main">
+  <p:cSld>
+    <p:spTree>
+      <p:nvGrpSpPr>
+        <p:cNvPr id="1" name=""/>
+        <p:cNvGrpSpPr/>
+        <p:nvPr/>
+      </p:nvGrpSpPr>
+      <p:grpSpPr>
+        <a:xfrm>
+          <a:off x="0" y="0"/>
+          <a:ext cx="0" cy="0"/>
+          <a:chOff x="0" y="0"/>
+          <a:chExt cx="0" cy="0"/>
+        </a:xfrm>
+      </p:grpSpPr>
+      <p:sp>
+        <p:nvSpPr>
+          <p:cNvPr id="2" name="Title 1"/>
+          <p:cNvSpPr>
+            <a:spLocks noGrp="1"/>
+          </p:cNvSpPr>
+          <p:nvPr>
+            <p:ph type="title"/>
+          </p:nvPr>
+        </p:nvSpPr>
+        <p:spPr/>
+        <p:txBody>
+          <a:bodyPr/>
+          <a:lstStyle/>
+          <a:p>
+            <a:r>
+              <a:rPr lang="en-US" dirty="0" smtClean="0"/>
               <a:t>Phase 1 </a:t>
             </a:r>
             <a:endParaRPr lang="en-US" dirty="0"/>
@@ -4907,173 +4939,6 @@
 </p:sld>
 </file>
 
-<file path=ppt/slides/slide15.xml><?xml version="1.0" encoding="utf-8"?>
-<p:sld xmlns:a="http://schemas.openxmlformats.org/drawingml/2006/main" xmlns:r="http://schemas.openxmlformats.org/officeDocument/2006/relationships" xmlns:p="http://schemas.openxmlformats.org/presentationml/2006/main">
-  <p:cSld>
-    <p:spTree>
-      <p:nvGrpSpPr>
-        <p:cNvPr id="1" name=""/>
-        <p:cNvGrpSpPr/>
-        <p:nvPr/>
-      </p:nvGrpSpPr>
-      <p:grpSpPr>
-        <a:xfrm>
-          <a:off x="0" y="0"/>
-          <a:ext cx="0" cy="0"/>
-          <a:chOff x="0" y="0"/>
-          <a:chExt cx="0" cy="0"/>
-        </a:xfrm>
-      </p:grpSpPr>
-      <p:sp>
-        <p:nvSpPr>
-          <p:cNvPr id="2" name="Title 1"/>
-          <p:cNvSpPr>
-            <a:spLocks noGrp="1"/>
-          </p:cNvSpPr>
-          <p:nvPr>
-            <p:ph type="title"/>
-          </p:nvPr>
-        </p:nvSpPr>
-        <p:spPr/>
-        <p:txBody>
-          <a:bodyPr/>
-          <a:lstStyle/>
-          <a:p>
-            <a:r>
-              <a:rPr lang="en-US" dirty="0" smtClean="0"/>
-              <a:t>Note on Phases 2 and on</a:t>
-            </a:r>
-            <a:endParaRPr lang="en-US" dirty="0"/>
-          </a:p>
-        </p:txBody>
-      </p:sp>
-      <p:sp>
-        <p:nvSpPr>
-          <p:cNvPr id="3" name="Content Placeholder 2"/>
-          <p:cNvSpPr>
-            <a:spLocks noGrp="1"/>
-          </p:cNvSpPr>
-          <p:nvPr>
-            <p:ph idx="1"/>
-          </p:nvPr>
-        </p:nvSpPr>
-        <p:spPr/>
-        <p:txBody>
-          <a:bodyPr>
-            <a:normAutofit fontScale="92500" lnSpcReduction="10000"/>
-          </a:bodyPr>
-          <a:lstStyle/>
-          <a:p>
-            <a:r>
-              <a:rPr lang="en-US" dirty="0"/>
-              <a:t>G</a:t>
-            </a:r>
-            <a:r>
-              <a:rPr lang="en-US" dirty="0" smtClean="0"/>
-              <a:t>oal of phases 2-5 is to construct a dependence graph (DG) based on the code of the loop body</a:t>
-            </a:r>
-          </a:p>
-          <a:p>
-            <a:pPr lvl="1"/>
-            <a:r>
-              <a:rPr lang="en-US" dirty="0" smtClean="0"/>
-              <a:t>Intra-loop dependences </a:t>
-            </a:r>
-          </a:p>
-          <a:p>
-            <a:pPr lvl="2"/>
-            <a:r>
-              <a:rPr lang="en-US" dirty="0" smtClean="0"/>
-              <a:t>Impose ordering on </a:t>
-            </a:r>
-            <a:r>
-              <a:rPr lang="en-US" dirty="0" err="1" smtClean="0"/>
-              <a:t>vectorized</a:t>
-            </a:r>
-            <a:r>
-              <a:rPr lang="en-US" dirty="0" smtClean="0"/>
-              <a:t> schedule</a:t>
-            </a:r>
-          </a:p>
-          <a:p>
-            <a:pPr lvl="1"/>
-            <a:r>
-              <a:rPr lang="en-US" dirty="0" smtClean="0"/>
-              <a:t>Loop-carried dependences</a:t>
-            </a:r>
-          </a:p>
-          <a:p>
-            <a:pPr lvl="2"/>
-            <a:r>
-              <a:rPr lang="en-US" dirty="0"/>
-              <a:t>P</a:t>
-            </a:r>
-            <a:r>
-              <a:rPr lang="en-US" dirty="0" smtClean="0"/>
-              <a:t>revent </a:t>
-            </a:r>
-            <a:r>
-              <a:rPr lang="en-US" dirty="0" err="1" smtClean="0"/>
-              <a:t>vectorization</a:t>
-            </a:r>
-            <a:r>
-              <a:rPr lang="en-US" dirty="0" smtClean="0"/>
-              <a:t> because iteration i+1 depends on iteration </a:t>
-            </a:r>
-            <a:r>
-              <a:rPr lang="en-US" dirty="0" err="1" smtClean="0"/>
-              <a:t>i</a:t>
-            </a:r>
-            <a:endParaRPr lang="en-US" dirty="0"/>
-          </a:p>
-          <a:p>
-            <a:pPr lvl="2"/>
-            <a:r>
-              <a:rPr lang="en-US" dirty="0" smtClean="0"/>
-              <a:t>Divide-and-conquer can sometimes reduce number of iterations from N to </a:t>
-            </a:r>
-            <a:r>
-              <a:rPr lang="en-US" dirty="0" err="1" smtClean="0"/>
-              <a:t>logN</a:t>
-            </a:r>
-            <a:r>
-              <a:rPr lang="en-US" dirty="0" smtClean="0"/>
-              <a:t> (should have big impact in MPC)</a:t>
-            </a:r>
-          </a:p>
-          <a:p>
-            <a:r>
-              <a:rPr lang="en-US" dirty="0" smtClean="0"/>
-              <a:t>Final phase constructs </a:t>
-            </a:r>
-            <a:r>
-              <a:rPr lang="en-US" dirty="0" err="1" smtClean="0"/>
-              <a:t>vectorized</a:t>
-            </a:r>
-            <a:r>
-              <a:rPr lang="en-US" dirty="0" smtClean="0"/>
-              <a:t> MPC schedule using DG</a:t>
-            </a:r>
-          </a:p>
-          <a:p>
-            <a:pPr lvl="1"/>
-            <a:endParaRPr lang="en-US" dirty="0"/>
-          </a:p>
-        </p:txBody>
-      </p:sp>
-    </p:spTree>
-    <p:extLst>
-      <p:ext uri="{BB962C8B-B14F-4D97-AF65-F5344CB8AC3E}">
-        <p14:creationId xmlns:p14="http://schemas.microsoft.com/office/powerpoint/2010/main" val="3900560899"/>
-      </p:ext>
-    </p:extLst>
-  </p:cSld>
-  <p:clrMapOvr>
-    <a:masterClrMapping/>
-  </p:clrMapOvr>
-</p:sld>
-</file>
-
 <file path=ppt/slides/slide16.xml><?xml version="1.0" encoding="utf-8"?>
 <p:sld xmlns:a="http://schemas.openxmlformats.org/drawingml/2006/main" xmlns:r="http://schemas.openxmlformats.org/officeDocument/2006/relationships" xmlns:p="http://schemas.openxmlformats.org/presentationml/2006/main">
   <p:cSld>
@@ -5108,6 +4973,173 @@
           <a:p>
             <a:r>
               <a:rPr lang="en-US" dirty="0" smtClean="0"/>
+              <a:t>Note on Phases 2 and on</a:t>
+            </a:r>
+            <a:endParaRPr lang="en-US" dirty="0"/>
+          </a:p>
+        </p:txBody>
+      </p:sp>
+      <p:sp>
+        <p:nvSpPr>
+          <p:cNvPr id="3" name="Content Placeholder 2"/>
+          <p:cNvSpPr>
+            <a:spLocks noGrp="1"/>
+          </p:cNvSpPr>
+          <p:nvPr>
+            <p:ph idx="1"/>
+          </p:nvPr>
+        </p:nvSpPr>
+        <p:spPr/>
+        <p:txBody>
+          <a:bodyPr>
+            <a:normAutofit fontScale="92500" lnSpcReduction="10000"/>
+          </a:bodyPr>
+          <a:lstStyle/>
+          <a:p>
+            <a:r>
+              <a:rPr lang="en-US" dirty="0"/>
+              <a:t>G</a:t>
+            </a:r>
+            <a:r>
+              <a:rPr lang="en-US" dirty="0" smtClean="0"/>
+              <a:t>oal of phases 2-5 is to construct a dependence graph (DG) based on the code of the loop body</a:t>
+            </a:r>
+          </a:p>
+          <a:p>
+            <a:pPr lvl="1"/>
+            <a:r>
+              <a:rPr lang="en-US" dirty="0" smtClean="0"/>
+              <a:t>Intra-loop dependences </a:t>
+            </a:r>
+          </a:p>
+          <a:p>
+            <a:pPr lvl="2"/>
+            <a:r>
+              <a:rPr lang="en-US" dirty="0" smtClean="0"/>
+              <a:t>Impose ordering on </a:t>
+            </a:r>
+            <a:r>
+              <a:rPr lang="en-US" dirty="0" err="1" smtClean="0"/>
+              <a:t>vectorized</a:t>
+            </a:r>
+            <a:r>
+              <a:rPr lang="en-US" dirty="0" smtClean="0"/>
+              <a:t> schedule</a:t>
+            </a:r>
+          </a:p>
+          <a:p>
+            <a:pPr lvl="1"/>
+            <a:r>
+              <a:rPr lang="en-US" dirty="0" smtClean="0"/>
+              <a:t>Loop-carried dependences</a:t>
+            </a:r>
+          </a:p>
+          <a:p>
+            <a:pPr lvl="2"/>
+            <a:r>
+              <a:rPr lang="en-US" dirty="0"/>
+              <a:t>P</a:t>
+            </a:r>
+            <a:r>
+              <a:rPr lang="en-US" dirty="0" smtClean="0"/>
+              <a:t>revent </a:t>
+            </a:r>
+            <a:r>
+              <a:rPr lang="en-US" dirty="0" err="1" smtClean="0"/>
+              <a:t>vectorization</a:t>
+            </a:r>
+            <a:r>
+              <a:rPr lang="en-US" dirty="0" smtClean="0"/>
+              <a:t> because iteration i+1 depends on iteration </a:t>
+            </a:r>
+            <a:r>
+              <a:rPr lang="en-US" dirty="0" err="1" smtClean="0"/>
+              <a:t>i</a:t>
+            </a:r>
+            <a:endParaRPr lang="en-US" dirty="0"/>
+          </a:p>
+          <a:p>
+            <a:pPr lvl="2"/>
+            <a:r>
+              <a:rPr lang="en-US" dirty="0" smtClean="0"/>
+              <a:t>Divide-and-conquer can sometimes reduce number of iterations from N to </a:t>
+            </a:r>
+            <a:r>
+              <a:rPr lang="en-US" dirty="0" err="1" smtClean="0"/>
+              <a:t>logN</a:t>
+            </a:r>
+            <a:r>
+              <a:rPr lang="en-US" dirty="0" smtClean="0"/>
+              <a:t> (should have big impact in MPC)</a:t>
+            </a:r>
+          </a:p>
+          <a:p>
+            <a:r>
+              <a:rPr lang="en-US" dirty="0" smtClean="0"/>
+              <a:t>Final phase constructs </a:t>
+            </a:r>
+            <a:r>
+              <a:rPr lang="en-US" dirty="0" err="1" smtClean="0"/>
+              <a:t>vectorized</a:t>
+            </a:r>
+            <a:r>
+              <a:rPr lang="en-US" dirty="0" smtClean="0"/>
+              <a:t> MPC schedule using DG</a:t>
+            </a:r>
+          </a:p>
+          <a:p>
+            <a:pPr lvl="1"/>
+            <a:endParaRPr lang="en-US" dirty="0"/>
+          </a:p>
+        </p:txBody>
+      </p:sp>
+    </p:spTree>
+    <p:extLst>
+      <p:ext uri="{BB962C8B-B14F-4D97-AF65-F5344CB8AC3E}">
+        <p14:creationId xmlns:p14="http://schemas.microsoft.com/office/powerpoint/2010/main" val="3900560899"/>
+      </p:ext>
+    </p:extLst>
+  </p:cSld>
+  <p:clrMapOvr>
+    <a:masterClrMapping/>
+  </p:clrMapOvr>
+</p:sld>
+</file>
+
+<file path=ppt/slides/slide17.xml><?xml version="1.0" encoding="utf-8"?>
+<p:sld xmlns:a="http://schemas.openxmlformats.org/drawingml/2006/main" xmlns:r="http://schemas.openxmlformats.org/officeDocument/2006/relationships" xmlns:p="http://schemas.openxmlformats.org/presentationml/2006/main">
+  <p:cSld>
+    <p:spTree>
+      <p:nvGrpSpPr>
+        <p:cNvPr id="1" name=""/>
+        <p:cNvGrpSpPr/>
+        <p:nvPr/>
+      </p:nvGrpSpPr>
+      <p:grpSpPr>
+        <a:xfrm>
+          <a:off x="0" y="0"/>
+          <a:ext cx="0" cy="0"/>
+          <a:chOff x="0" y="0"/>
+          <a:chExt cx="0" cy="0"/>
+        </a:xfrm>
+      </p:grpSpPr>
+      <p:sp>
+        <p:nvSpPr>
+          <p:cNvPr id="2" name="Title 1"/>
+          <p:cNvSpPr>
+            <a:spLocks noGrp="1"/>
+          </p:cNvSpPr>
+          <p:nvPr>
+            <p:ph type="title"/>
+          </p:nvPr>
+        </p:nvSpPr>
+        <p:spPr/>
+        <p:txBody>
+          <a:bodyPr/>
+          <a:lstStyle/>
+          <a:p>
+            <a:r>
+              <a:rPr lang="en-US" dirty="0" smtClean="0"/>
               <a:t>Notes on Phase 2 and on</a:t>
             </a:r>
             <a:endParaRPr lang="en-US" dirty="0"/>
@@ -5171,7 +5203,7 @@
 </p:sld>
 </file>
 
-<file path=ppt/slides/slide17.xml><?xml version="1.0" encoding="utf-8"?>
+<file path=ppt/slides/slide18.xml><?xml version="1.0" encoding="utf-8"?>
 <p:sld xmlns:a="http://schemas.openxmlformats.org/drawingml/2006/main" xmlns:r="http://schemas.openxmlformats.org/officeDocument/2006/relationships" xmlns:p="http://schemas.openxmlformats.org/presentationml/2006/main">
   <p:cSld>
     <p:spTree>
@@ -5637,7 +5669,7 @@
 </p:sld>
 </file>
 
-<file path=ppt/slides/slide18.xml><?xml version="1.0" encoding="utf-8"?>
+<file path=ppt/slides/slide19.xml><?xml version="1.0" encoding="utf-8"?>
 <p:sld xmlns:a="http://schemas.openxmlformats.org/drawingml/2006/main" xmlns:r="http://schemas.openxmlformats.org/officeDocument/2006/relationships" xmlns:p="http://schemas.openxmlformats.org/presentationml/2006/main">
   <p:cSld>
     <p:spTree>
@@ -6028,616 +6060,6 @@
       </p:par>
     </p:tnLst>
   </p:timing>
-</p:sld>
-</file>
-
-<file path=ppt/slides/slide19.xml><?xml version="1.0" encoding="utf-8"?>
-<p:sld xmlns:a="http://schemas.openxmlformats.org/drawingml/2006/main" xmlns:r="http://schemas.openxmlformats.org/officeDocument/2006/relationships" xmlns:p="http://schemas.openxmlformats.org/presentationml/2006/main">
-  <p:cSld>
-    <p:spTree>
-      <p:nvGrpSpPr>
-        <p:cNvPr id="1" name=""/>
-        <p:cNvGrpSpPr/>
-        <p:nvPr/>
-      </p:nvGrpSpPr>
-      <p:grpSpPr>
-        <a:xfrm>
-          <a:off x="0" y="0"/>
-          <a:ext cx="0" cy="0"/>
-          <a:chOff x="0" y="0"/>
-          <a:chExt cx="0" cy="0"/>
-        </a:xfrm>
-      </p:grpSpPr>
-      <p:sp>
-        <p:nvSpPr>
-          <p:cNvPr id="2" name="Title 1"/>
-          <p:cNvSpPr>
-            <a:spLocks noGrp="1"/>
-          </p:cNvSpPr>
-          <p:nvPr>
-            <p:ph type="title"/>
-          </p:nvPr>
-        </p:nvSpPr>
-        <p:spPr/>
-        <p:txBody>
-          <a:bodyPr/>
-          <a:lstStyle/>
-          <a:p>
-            <a:r>
-              <a:rPr lang="en-US" dirty="0" smtClean="0"/>
-              <a:t>Phase 2: “</a:t>
-            </a:r>
-            <a:r>
-              <a:rPr lang="en-US" dirty="0" err="1" smtClean="0"/>
-              <a:t>Scalarization</a:t>
-            </a:r>
-            <a:r>
-              <a:rPr lang="en-US" dirty="0" smtClean="0"/>
-              <a:t>”</a:t>
-            </a:r>
-            <a:endParaRPr lang="en-US" dirty="0"/>
-          </a:p>
-        </p:txBody>
-      </p:sp>
-      <p:sp>
-        <p:nvSpPr>
-          <p:cNvPr id="3" name="Content Placeholder 2"/>
-          <p:cNvSpPr>
-            <a:spLocks noGrp="1"/>
-          </p:cNvSpPr>
-          <p:nvPr>
-            <p:ph idx="1"/>
-          </p:nvPr>
-        </p:nvSpPr>
-        <p:spPr/>
-        <p:txBody>
-          <a:bodyPr>
-            <a:normAutofit fontScale="85000" lnSpcReduction="20000"/>
-          </a:bodyPr>
-          <a:lstStyle/>
-          <a:p>
-            <a:r>
-              <a:rPr lang="de-DE" dirty="0" smtClean="0"/>
-              <a:t>Array </a:t>
-            </a:r>
-            <a:r>
-              <a:rPr lang="de-DE" dirty="0" err="1" smtClean="0"/>
-              <a:t>def</a:t>
-            </a:r>
-            <a:r>
-              <a:rPr lang="de-DE" dirty="0" smtClean="0"/>
-              <a:t>: </a:t>
-            </a:r>
-            <a:r>
-              <a:rPr lang="de-DE" dirty="0" smtClean="0">
-                <a:solidFill>
-                  <a:srgbClr val="FF0000"/>
-                </a:solidFill>
-              </a:rPr>
-              <a:t>A[f(i)]</a:t>
-            </a:r>
-            <a:r>
-              <a:rPr lang="de-DE" dirty="0" smtClean="0"/>
-              <a:t> = ... </a:t>
-            </a:r>
-          </a:p>
-          <a:p>
-            <a:r>
-              <a:rPr lang="de-DE" dirty="0" smtClean="0"/>
-              <a:t>Array </a:t>
-            </a:r>
-            <a:r>
-              <a:rPr lang="de-DE" dirty="0" err="1" smtClean="0"/>
-              <a:t>use</a:t>
-            </a:r>
-            <a:r>
-              <a:rPr lang="de-DE" dirty="0" smtClean="0"/>
-              <a:t>: ... = ... </a:t>
-            </a:r>
-            <a:r>
-              <a:rPr lang="de-DE" dirty="0" smtClean="0">
-                <a:solidFill>
-                  <a:srgbClr val="008000"/>
-                </a:solidFill>
-              </a:rPr>
-              <a:t>A[f‘(i)]</a:t>
-            </a:r>
-            <a:r>
-              <a:rPr lang="de-DE" dirty="0" smtClean="0"/>
-              <a:t> ...</a:t>
-            </a:r>
-          </a:p>
-          <a:p>
-            <a:r>
-              <a:rPr lang="de-DE" dirty="0" err="1" smtClean="0"/>
-              <a:t>Two</a:t>
-            </a:r>
-            <a:r>
-              <a:rPr lang="de-DE" dirty="0" smtClean="0"/>
-              <a:t> </a:t>
-            </a:r>
-            <a:r>
-              <a:rPr lang="de-DE" dirty="0" err="1" smtClean="0"/>
-              <a:t>key</a:t>
-            </a:r>
-            <a:r>
-              <a:rPr lang="de-DE" dirty="0" smtClean="0"/>
-              <a:t> </a:t>
-            </a:r>
-            <a:r>
-              <a:rPr lang="de-DE" dirty="0" err="1" smtClean="0"/>
-              <a:t>restrictions</a:t>
-            </a:r>
-            <a:r>
-              <a:rPr lang="de-DE" dirty="0" smtClean="0"/>
-              <a:t>: </a:t>
-            </a:r>
-          </a:p>
-          <a:p>
-            <a:pPr lvl="1"/>
-            <a:r>
-              <a:rPr lang="de-DE" dirty="0" err="1"/>
-              <a:t>F</a:t>
-            </a:r>
-            <a:r>
-              <a:rPr lang="de-DE" dirty="0" err="1" smtClean="0"/>
-              <a:t>or</a:t>
-            </a:r>
-            <a:r>
-              <a:rPr lang="de-DE" dirty="0" smtClean="0"/>
-              <a:t> </a:t>
-            </a:r>
-            <a:r>
-              <a:rPr lang="de-DE" dirty="0" err="1" smtClean="0"/>
-              <a:t>every</a:t>
-            </a:r>
-            <a:r>
-              <a:rPr lang="de-DE" dirty="0" smtClean="0"/>
-              <a:t> </a:t>
-            </a:r>
-            <a:r>
-              <a:rPr lang="de-DE" dirty="0" err="1" smtClean="0"/>
-              <a:t>def-use</a:t>
-            </a:r>
-            <a:r>
-              <a:rPr lang="de-DE" dirty="0" smtClean="0"/>
-              <a:t> pair </a:t>
-            </a:r>
-            <a:r>
-              <a:rPr lang="de-DE" dirty="0" smtClean="0">
-                <a:solidFill>
-                  <a:srgbClr val="FF0000"/>
-                </a:solidFill>
-              </a:rPr>
-              <a:t>A[f(i)]</a:t>
-            </a:r>
-            <a:r>
-              <a:rPr lang="de-DE" dirty="0" smtClean="0"/>
-              <a:t>,</a:t>
-            </a:r>
-            <a:r>
-              <a:rPr lang="de-DE" dirty="0" smtClean="0">
-                <a:solidFill>
-                  <a:srgbClr val="008000"/>
-                </a:solidFill>
-              </a:rPr>
-              <a:t>A[f‘(i)]</a:t>
-            </a:r>
-            <a:r>
-              <a:rPr lang="de-DE" dirty="0" smtClean="0"/>
-              <a:t>, </a:t>
-            </a:r>
-            <a:r>
-              <a:rPr lang="de-DE" b="1" dirty="0" smtClean="0">
-                <a:solidFill>
-                  <a:srgbClr val="FF0000"/>
-                </a:solidFill>
-              </a:rPr>
-              <a:t>f(i)</a:t>
-            </a:r>
-            <a:r>
-              <a:rPr lang="de-DE" dirty="0" smtClean="0"/>
-              <a:t> </a:t>
-            </a:r>
-            <a:r>
-              <a:rPr lang="de-DE" dirty="0" err="1" smtClean="0"/>
-              <a:t>and</a:t>
-            </a:r>
-            <a:r>
-              <a:rPr lang="de-DE" dirty="0" smtClean="0"/>
-              <a:t> </a:t>
-            </a:r>
-            <a:r>
-              <a:rPr lang="de-DE" b="1" dirty="0" smtClean="0">
-                <a:solidFill>
-                  <a:srgbClr val="008000"/>
-                </a:solidFill>
-              </a:rPr>
-              <a:t>f‘(i)</a:t>
-            </a:r>
-            <a:r>
-              <a:rPr lang="de-DE" dirty="0" smtClean="0"/>
-              <a:t> </a:t>
-            </a:r>
-            <a:r>
-              <a:rPr lang="de-DE" dirty="0" err="1" smtClean="0"/>
-              <a:t>are</a:t>
-            </a:r>
-            <a:r>
-              <a:rPr lang="de-DE" dirty="0" smtClean="0"/>
-              <a:t> </a:t>
-            </a:r>
-            <a:r>
-              <a:rPr lang="de-DE" dirty="0" err="1" smtClean="0"/>
-              <a:t>either</a:t>
-            </a:r>
-            <a:r>
-              <a:rPr lang="de-DE" dirty="0" smtClean="0"/>
-              <a:t> </a:t>
-            </a:r>
-            <a:r>
-              <a:rPr lang="de-DE" dirty="0" err="1" smtClean="0"/>
-              <a:t>equivalent</a:t>
-            </a:r>
-            <a:r>
-              <a:rPr lang="de-DE" dirty="0" smtClean="0"/>
-              <a:t> </a:t>
-            </a:r>
-            <a:r>
-              <a:rPr lang="de-DE" dirty="0" err="1" smtClean="0"/>
-              <a:t>or</a:t>
-            </a:r>
-            <a:r>
-              <a:rPr lang="de-DE" dirty="0" smtClean="0"/>
-              <a:t> non-</a:t>
-            </a:r>
-            <a:r>
-              <a:rPr lang="de-DE" dirty="0" err="1" smtClean="0"/>
-              <a:t>equivalent</a:t>
-            </a:r>
-            <a:endParaRPr lang="de-DE" dirty="0"/>
-          </a:p>
-          <a:p>
-            <a:pPr lvl="2"/>
-            <a:r>
-              <a:rPr lang="de-DE" dirty="0" err="1" smtClean="0"/>
-              <a:t>Equivalent</a:t>
-            </a:r>
-            <a:r>
-              <a:rPr lang="de-DE" dirty="0" smtClean="0"/>
-              <a:t>: </a:t>
-            </a:r>
-            <a:r>
-              <a:rPr lang="de-DE" dirty="0" err="1" smtClean="0">
-                <a:solidFill>
-                  <a:srgbClr val="FF0000"/>
-                </a:solidFill>
-              </a:rPr>
-              <a:t>for</a:t>
-            </a:r>
-            <a:r>
-              <a:rPr lang="de-DE" dirty="0" smtClean="0">
-                <a:solidFill>
-                  <a:srgbClr val="FF0000"/>
-                </a:solidFill>
-              </a:rPr>
-              <a:t> </a:t>
-            </a:r>
-            <a:r>
-              <a:rPr lang="de-DE" dirty="0" err="1" smtClean="0">
-                <a:solidFill>
-                  <a:srgbClr val="FF0000"/>
-                </a:solidFill>
-              </a:rPr>
-              <a:t>every</a:t>
-            </a:r>
-            <a:r>
-              <a:rPr lang="de-DE" dirty="0" smtClean="0">
-                <a:solidFill>
-                  <a:srgbClr val="FF0000"/>
-                </a:solidFill>
-              </a:rPr>
-              <a:t> i in </a:t>
-            </a:r>
-            <a:r>
-              <a:rPr lang="de-DE" dirty="0" err="1" smtClean="0">
-                <a:solidFill>
-                  <a:srgbClr val="FF0000"/>
-                </a:solidFill>
-              </a:rPr>
-              <a:t>range</a:t>
-            </a:r>
-            <a:r>
-              <a:rPr lang="de-DE" dirty="0" smtClean="0">
-                <a:solidFill>
-                  <a:srgbClr val="FF0000"/>
-                </a:solidFill>
-              </a:rPr>
-              <a:t>(</a:t>
-            </a:r>
-            <a:r>
-              <a:rPr lang="de-DE" dirty="0" err="1" smtClean="0">
-                <a:solidFill>
-                  <a:srgbClr val="FF0000"/>
-                </a:solidFill>
-              </a:rPr>
-              <a:t>len</a:t>
-            </a:r>
-            <a:r>
-              <a:rPr lang="de-DE" dirty="0" smtClean="0">
-                <a:solidFill>
-                  <a:srgbClr val="FF0000"/>
-                </a:solidFill>
-              </a:rPr>
-              <a:t>): f(i) = f‘(i)</a:t>
-            </a:r>
-            <a:endParaRPr lang="en-US" dirty="0" smtClean="0">
-              <a:solidFill>
-                <a:srgbClr val="FF0000"/>
-              </a:solidFill>
-            </a:endParaRPr>
-          </a:p>
-          <a:p>
-            <a:pPr lvl="2"/>
-            <a:r>
-              <a:rPr lang="en-US" dirty="0" smtClean="0">
-                <a:solidFill>
-                  <a:srgbClr val="000000"/>
-                </a:solidFill>
-              </a:rPr>
-              <a:t>Non-equivalent: for every </a:t>
-            </a:r>
-            <a:r>
-              <a:rPr lang="en-US" dirty="0" err="1" smtClean="0">
-                <a:solidFill>
-                  <a:srgbClr val="000000"/>
-                </a:solidFill>
-              </a:rPr>
-              <a:t>i</a:t>
-            </a:r>
-            <a:r>
-              <a:rPr lang="en-US" dirty="0" smtClean="0">
-                <a:solidFill>
-                  <a:srgbClr val="000000"/>
-                </a:solidFill>
-              </a:rPr>
-              <a:t> in range(</a:t>
-            </a:r>
-            <a:r>
-              <a:rPr lang="en-US" dirty="0" err="1" smtClean="0">
-                <a:solidFill>
-                  <a:srgbClr val="000000"/>
-                </a:solidFill>
-              </a:rPr>
-              <a:t>len</a:t>
-            </a:r>
-            <a:r>
-              <a:rPr lang="en-US" dirty="0" smtClean="0">
-                <a:solidFill>
-                  <a:srgbClr val="000000"/>
-                </a:solidFill>
-              </a:rPr>
-              <a:t>): f(</a:t>
-            </a:r>
-            <a:r>
-              <a:rPr lang="en-US" dirty="0" err="1" smtClean="0">
-                <a:solidFill>
-                  <a:srgbClr val="000000"/>
-                </a:solidFill>
-              </a:rPr>
-              <a:t>i</a:t>
-            </a:r>
-            <a:r>
-              <a:rPr lang="en-US" dirty="0" smtClean="0">
-                <a:solidFill>
-                  <a:srgbClr val="000000"/>
-                </a:solidFill>
-              </a:rPr>
-              <a:t>) =/= f’(</a:t>
-            </a:r>
-            <a:r>
-              <a:rPr lang="en-US" dirty="0" err="1" smtClean="0">
-                <a:solidFill>
-                  <a:srgbClr val="000000"/>
-                </a:solidFill>
-              </a:rPr>
-              <a:t>i</a:t>
-            </a:r>
-            <a:r>
-              <a:rPr lang="en-US" dirty="0" smtClean="0">
-                <a:solidFill>
-                  <a:srgbClr val="000000"/>
-                </a:solidFill>
-              </a:rPr>
-              <a:t>)</a:t>
-            </a:r>
-          </a:p>
-          <a:p>
-            <a:pPr lvl="2"/>
-            <a:r>
-              <a:rPr lang="en-US" dirty="0" smtClean="0">
-                <a:solidFill>
-                  <a:srgbClr val="000000"/>
-                </a:solidFill>
-              </a:rPr>
-              <a:t>Intuition: for every iteration </a:t>
-            </a:r>
-            <a:r>
-              <a:rPr lang="en-US" dirty="0" err="1" smtClean="0">
-                <a:solidFill>
-                  <a:srgbClr val="000000"/>
-                </a:solidFill>
-              </a:rPr>
-              <a:t>i</a:t>
-            </a:r>
-            <a:r>
-              <a:rPr lang="en-US" dirty="0" smtClean="0">
-                <a:solidFill>
-                  <a:srgbClr val="000000"/>
-                </a:solidFill>
-              </a:rPr>
-              <a:t>, A[f(</a:t>
-            </a:r>
-            <a:r>
-              <a:rPr lang="en-US" dirty="0" err="1" smtClean="0">
-                <a:solidFill>
-                  <a:srgbClr val="000000"/>
-                </a:solidFill>
-              </a:rPr>
-              <a:t>i</a:t>
-            </a:r>
-            <a:r>
-              <a:rPr lang="en-US" dirty="0" smtClean="0">
-                <a:solidFill>
-                  <a:srgbClr val="000000"/>
-                </a:solidFill>
-              </a:rPr>
-              <a:t>)] and A[f’(</a:t>
-            </a:r>
-            <a:r>
-              <a:rPr lang="en-US" dirty="0" err="1" smtClean="0">
-                <a:solidFill>
-                  <a:srgbClr val="000000"/>
-                </a:solidFill>
-              </a:rPr>
-              <a:t>i</a:t>
-            </a:r>
-            <a:r>
-              <a:rPr lang="en-US" dirty="0" smtClean="0">
-                <a:solidFill>
-                  <a:srgbClr val="000000"/>
-                </a:solidFill>
-              </a:rPr>
-              <a:t>)] either refer to the same location, or to different locations</a:t>
-            </a:r>
-          </a:p>
-          <a:p>
-            <a:pPr lvl="1"/>
-            <a:r>
-              <a:rPr lang="en-US" dirty="0" smtClean="0">
-                <a:solidFill>
-                  <a:srgbClr val="000000"/>
-                </a:solidFill>
-              </a:rPr>
-              <a:t>Also, for every </a:t>
-            </a:r>
-            <a:r>
-              <a:rPr lang="en-US" dirty="0" err="1" smtClean="0">
-                <a:solidFill>
-                  <a:srgbClr val="000000"/>
-                </a:solidFill>
-              </a:rPr>
-              <a:t>def-def</a:t>
-            </a:r>
-            <a:r>
-              <a:rPr lang="en-US" dirty="0" smtClean="0">
-                <a:solidFill>
-                  <a:srgbClr val="000000"/>
-                </a:solidFill>
-              </a:rPr>
-              <a:t> pair A[f(</a:t>
-            </a:r>
-            <a:r>
-              <a:rPr lang="en-US" dirty="0" err="1" smtClean="0">
-                <a:solidFill>
-                  <a:srgbClr val="000000"/>
-                </a:solidFill>
-              </a:rPr>
-              <a:t>i</a:t>
-            </a:r>
-            <a:r>
-              <a:rPr lang="en-US" dirty="0" smtClean="0">
-                <a:solidFill>
-                  <a:srgbClr val="000000"/>
-                </a:solidFill>
-              </a:rPr>
-              <a:t>)] and A[f’(</a:t>
-            </a:r>
-            <a:r>
-              <a:rPr lang="en-US" dirty="0" err="1" smtClean="0">
-                <a:solidFill>
-                  <a:srgbClr val="000000"/>
-                </a:solidFill>
-              </a:rPr>
-              <a:t>i</a:t>
-            </a:r>
-            <a:r>
-              <a:rPr lang="en-US" dirty="0" smtClean="0">
-                <a:solidFill>
-                  <a:srgbClr val="000000"/>
-                </a:solidFill>
-              </a:rPr>
-              <a:t>)], f(</a:t>
-            </a:r>
-            <a:r>
-              <a:rPr lang="en-US" dirty="0" err="1" smtClean="0">
-                <a:solidFill>
-                  <a:srgbClr val="000000"/>
-                </a:solidFill>
-              </a:rPr>
-              <a:t>i</a:t>
-            </a:r>
-            <a:r>
-              <a:rPr lang="en-US" dirty="0" smtClean="0">
-                <a:solidFill>
-                  <a:srgbClr val="000000"/>
-                </a:solidFill>
-              </a:rPr>
-              <a:t>) and f’(</a:t>
-            </a:r>
-            <a:r>
-              <a:rPr lang="en-US" dirty="0" err="1" smtClean="0">
-                <a:solidFill>
-                  <a:srgbClr val="000000"/>
-                </a:solidFill>
-              </a:rPr>
-              <a:t>i</a:t>
-            </a:r>
-            <a:r>
-              <a:rPr lang="en-US" dirty="0" smtClean="0">
-                <a:solidFill>
-                  <a:srgbClr val="000000"/>
-                </a:solidFill>
-              </a:rPr>
-              <a:t>) are either equivalent or nonequivalent </a:t>
-            </a:r>
-          </a:p>
-          <a:p>
-            <a:r>
-              <a:rPr lang="en-US" dirty="0" smtClean="0">
-                <a:solidFill>
-                  <a:srgbClr val="000000"/>
-                </a:solidFill>
-              </a:rPr>
-              <a:t>Restrictions are necessary to ensure that transformation is semantics-preserving</a:t>
-            </a:r>
-          </a:p>
-          <a:p>
-            <a:endParaRPr lang="en-US" dirty="0" smtClean="0">
-              <a:solidFill>
-                <a:srgbClr val="000000"/>
-              </a:solidFill>
-            </a:endParaRPr>
-          </a:p>
-          <a:p>
-            <a:endParaRPr lang="de-DE" dirty="0" smtClean="0">
-              <a:solidFill>
-                <a:srgbClr val="000000"/>
-              </a:solidFill>
-            </a:endParaRPr>
-          </a:p>
-        </p:txBody>
-      </p:sp>
-    </p:spTree>
-    <p:extLst>
-      <p:ext uri="{BB962C8B-B14F-4D97-AF65-F5344CB8AC3E}">
-        <p14:creationId xmlns:p14="http://schemas.microsoft.com/office/powerpoint/2010/main" val="1862760575"/>
-      </p:ext>
-    </p:extLst>
-  </p:cSld>
-  <p:clrMapOvr>
-    <a:masterClrMapping/>
-  </p:clrMapOvr>
 </p:sld>
 </file>
 
@@ -7332,25 +6754,308 @@
         <p:spPr/>
         <p:txBody>
           <a:bodyPr>
-            <a:normAutofit/>
+            <a:normAutofit fontScale="85000" lnSpcReduction="20000"/>
           </a:bodyPr>
           <a:lstStyle/>
           <a:p>
             <a:r>
+              <a:rPr lang="de-DE" dirty="0" smtClean="0"/>
+              <a:t>Array </a:t>
+            </a:r>
+            <a:r>
+              <a:rPr lang="de-DE" dirty="0" err="1" smtClean="0"/>
+              <a:t>def</a:t>
+            </a:r>
+            <a:r>
+              <a:rPr lang="de-DE" dirty="0" smtClean="0"/>
+              <a:t>: </a:t>
+            </a:r>
+            <a:r>
+              <a:rPr lang="de-DE" dirty="0" smtClean="0">
+                <a:solidFill>
+                  <a:srgbClr val="FF0000"/>
+                </a:solidFill>
+              </a:rPr>
+              <a:t>A[f(i)]</a:t>
+            </a:r>
+            <a:r>
+              <a:rPr lang="de-DE" dirty="0" smtClean="0"/>
+              <a:t> = ... </a:t>
+            </a:r>
+          </a:p>
+          <a:p>
+            <a:r>
+              <a:rPr lang="de-DE" dirty="0" smtClean="0"/>
+              <a:t>Array </a:t>
+            </a:r>
+            <a:r>
+              <a:rPr lang="de-DE" dirty="0" err="1" smtClean="0"/>
+              <a:t>use</a:t>
+            </a:r>
+            <a:r>
+              <a:rPr lang="de-DE" dirty="0" smtClean="0"/>
+              <a:t>: ... = ... </a:t>
+            </a:r>
+            <a:r>
+              <a:rPr lang="de-DE" dirty="0" smtClean="0">
+                <a:solidFill>
+                  <a:srgbClr val="008000"/>
+                </a:solidFill>
+              </a:rPr>
+              <a:t>A[f‘(i)]</a:t>
+            </a:r>
+            <a:r>
+              <a:rPr lang="de-DE" dirty="0" smtClean="0"/>
+              <a:t> ...</a:t>
+            </a:r>
+          </a:p>
+          <a:p>
+            <a:r>
+              <a:rPr lang="de-DE" dirty="0" err="1" smtClean="0"/>
+              <a:t>Two</a:t>
+            </a:r>
+            <a:r>
+              <a:rPr lang="de-DE" dirty="0" smtClean="0"/>
+              <a:t> </a:t>
+            </a:r>
+            <a:r>
+              <a:rPr lang="de-DE" dirty="0" err="1" smtClean="0"/>
+              <a:t>key</a:t>
+            </a:r>
+            <a:r>
+              <a:rPr lang="de-DE" dirty="0" smtClean="0"/>
+              <a:t> </a:t>
+            </a:r>
+            <a:r>
+              <a:rPr lang="de-DE" dirty="0" err="1" smtClean="0"/>
+              <a:t>restrictions</a:t>
+            </a:r>
+            <a:r>
+              <a:rPr lang="de-DE" dirty="0" smtClean="0"/>
+              <a:t>: </a:t>
+            </a:r>
+          </a:p>
+          <a:p>
+            <a:pPr lvl="1"/>
+            <a:r>
+              <a:rPr lang="de-DE" dirty="0" err="1"/>
+              <a:t>F</a:t>
+            </a:r>
+            <a:r>
+              <a:rPr lang="de-DE" dirty="0" err="1" smtClean="0"/>
+              <a:t>or</a:t>
+            </a:r>
+            <a:r>
+              <a:rPr lang="de-DE" dirty="0" smtClean="0"/>
+              <a:t> </a:t>
+            </a:r>
+            <a:r>
+              <a:rPr lang="de-DE" dirty="0" err="1" smtClean="0"/>
+              <a:t>every</a:t>
+            </a:r>
+            <a:r>
+              <a:rPr lang="de-DE" dirty="0" smtClean="0"/>
+              <a:t> </a:t>
+            </a:r>
+            <a:r>
+              <a:rPr lang="de-DE" dirty="0" err="1" smtClean="0"/>
+              <a:t>def-use</a:t>
+            </a:r>
+            <a:r>
+              <a:rPr lang="de-DE" dirty="0" smtClean="0"/>
+              <a:t> pair </a:t>
+            </a:r>
+            <a:r>
+              <a:rPr lang="de-DE" dirty="0" smtClean="0">
+                <a:solidFill>
+                  <a:srgbClr val="FF0000"/>
+                </a:solidFill>
+              </a:rPr>
+              <a:t>A[f(i)]</a:t>
+            </a:r>
+            <a:r>
+              <a:rPr lang="de-DE" dirty="0" smtClean="0"/>
+              <a:t>,</a:t>
+            </a:r>
+            <a:r>
+              <a:rPr lang="de-DE" dirty="0" smtClean="0">
+                <a:solidFill>
+                  <a:srgbClr val="008000"/>
+                </a:solidFill>
+              </a:rPr>
+              <a:t>A[f‘(i)]</a:t>
+            </a:r>
+            <a:r>
+              <a:rPr lang="de-DE" dirty="0" smtClean="0"/>
+              <a:t>, </a:t>
+            </a:r>
+            <a:r>
+              <a:rPr lang="de-DE" b="1" dirty="0" smtClean="0">
+                <a:solidFill>
+                  <a:srgbClr val="FF0000"/>
+                </a:solidFill>
+              </a:rPr>
+              <a:t>f(i)</a:t>
+            </a:r>
+            <a:r>
+              <a:rPr lang="de-DE" dirty="0" smtClean="0"/>
+              <a:t> </a:t>
+            </a:r>
+            <a:r>
+              <a:rPr lang="de-DE" dirty="0" err="1" smtClean="0"/>
+              <a:t>and</a:t>
+            </a:r>
+            <a:r>
+              <a:rPr lang="de-DE" dirty="0" smtClean="0"/>
+              <a:t> </a:t>
+            </a:r>
+            <a:r>
+              <a:rPr lang="de-DE" b="1" dirty="0" smtClean="0">
+                <a:solidFill>
+                  <a:srgbClr val="008000"/>
+                </a:solidFill>
+              </a:rPr>
+              <a:t>f‘(i)</a:t>
+            </a:r>
+            <a:r>
+              <a:rPr lang="de-DE" dirty="0" smtClean="0"/>
+              <a:t> </a:t>
+            </a:r>
+            <a:r>
+              <a:rPr lang="de-DE" dirty="0" err="1" smtClean="0"/>
+              <a:t>are</a:t>
+            </a:r>
+            <a:r>
+              <a:rPr lang="de-DE" dirty="0" smtClean="0"/>
+              <a:t> </a:t>
+            </a:r>
+            <a:r>
+              <a:rPr lang="de-DE" dirty="0" err="1" smtClean="0"/>
+              <a:t>either</a:t>
+            </a:r>
+            <a:r>
+              <a:rPr lang="de-DE" dirty="0" smtClean="0"/>
+              <a:t> </a:t>
+            </a:r>
+            <a:r>
+              <a:rPr lang="de-DE" dirty="0" err="1" smtClean="0"/>
+              <a:t>equivalent</a:t>
+            </a:r>
+            <a:r>
+              <a:rPr lang="de-DE" dirty="0" smtClean="0"/>
+              <a:t> </a:t>
+            </a:r>
+            <a:r>
+              <a:rPr lang="de-DE" dirty="0" err="1" smtClean="0"/>
+              <a:t>or</a:t>
+            </a:r>
+            <a:r>
+              <a:rPr lang="de-DE" dirty="0" smtClean="0"/>
+              <a:t> non-</a:t>
+            </a:r>
+            <a:r>
+              <a:rPr lang="de-DE" dirty="0" err="1" smtClean="0"/>
+              <a:t>equivalent</a:t>
+            </a:r>
+            <a:endParaRPr lang="de-DE" dirty="0"/>
+          </a:p>
+          <a:p>
+            <a:pPr lvl="2"/>
+            <a:r>
+              <a:rPr lang="de-DE" dirty="0" err="1" smtClean="0"/>
+              <a:t>Equivalent</a:t>
+            </a:r>
+            <a:r>
+              <a:rPr lang="de-DE" dirty="0" smtClean="0"/>
+              <a:t>: </a:t>
+            </a:r>
+            <a:r>
+              <a:rPr lang="de-DE" dirty="0" err="1" smtClean="0">
+                <a:solidFill>
+                  <a:srgbClr val="FF0000"/>
+                </a:solidFill>
+              </a:rPr>
+              <a:t>for</a:t>
+            </a:r>
+            <a:r>
+              <a:rPr lang="de-DE" dirty="0" smtClean="0">
+                <a:solidFill>
+                  <a:srgbClr val="FF0000"/>
+                </a:solidFill>
+              </a:rPr>
+              <a:t> </a:t>
+            </a:r>
+            <a:r>
+              <a:rPr lang="de-DE" dirty="0" err="1" smtClean="0">
+                <a:solidFill>
+                  <a:srgbClr val="FF0000"/>
+                </a:solidFill>
+              </a:rPr>
+              <a:t>every</a:t>
+            </a:r>
+            <a:r>
+              <a:rPr lang="de-DE" dirty="0" smtClean="0">
+                <a:solidFill>
+                  <a:srgbClr val="FF0000"/>
+                </a:solidFill>
+              </a:rPr>
+              <a:t> i in </a:t>
+            </a:r>
+            <a:r>
+              <a:rPr lang="de-DE" dirty="0" err="1" smtClean="0">
+                <a:solidFill>
+                  <a:srgbClr val="FF0000"/>
+                </a:solidFill>
+              </a:rPr>
+              <a:t>range</a:t>
+            </a:r>
+            <a:r>
+              <a:rPr lang="de-DE" dirty="0" smtClean="0">
+                <a:solidFill>
+                  <a:srgbClr val="FF0000"/>
+                </a:solidFill>
+              </a:rPr>
+              <a:t>(</a:t>
+            </a:r>
+            <a:r>
+              <a:rPr lang="de-DE" dirty="0" err="1" smtClean="0">
+                <a:solidFill>
+                  <a:srgbClr val="FF0000"/>
+                </a:solidFill>
+              </a:rPr>
+              <a:t>len</a:t>
+            </a:r>
+            <a:r>
+              <a:rPr lang="de-DE" dirty="0" smtClean="0">
+                <a:solidFill>
+                  <a:srgbClr val="FF0000"/>
+                </a:solidFill>
+              </a:rPr>
+              <a:t>): f(i) = f‘(i)</a:t>
+            </a:r>
+            <a:endParaRPr lang="en-US" dirty="0" smtClean="0">
+              <a:solidFill>
+                <a:srgbClr val="FF0000"/>
+              </a:solidFill>
+            </a:endParaRPr>
+          </a:p>
+          <a:p>
+            <a:pPr lvl="2"/>
+            <a:r>
               <a:rPr lang="en-US" dirty="0" smtClean="0">
                 <a:solidFill>
                   <a:srgbClr val="000000"/>
                 </a:solidFill>
               </a:rPr>
-              <a:t>If we are able to prove the restrictions hold for some array A </a:t>
-            </a:r>
-            <a:r>
-              <a:rPr lang="en-US" dirty="0">
+              <a:t>Non-equivalent: for every </a:t>
+            </a:r>
+            <a:r>
+              <a:rPr lang="en-US" dirty="0" err="1" smtClean="0">
                 <a:solidFill>
                   <a:srgbClr val="000000"/>
                 </a:solidFill>
               </a:rPr>
-              <a:t>(</a:t>
+              <a:t>i</a:t>
             </a:r>
             <a:r>
               <a:rPr lang="en-US" dirty="0" smtClean="0">
@@ -7358,7 +7063,7 @@
                   <a:srgbClr val="000000"/>
                 </a:solidFill>
               </a:rPr>
-              <a:t>using Z3), then “</a:t>
+              <a:t> in range(</a:t>
             </a:r>
             <a:r>
               <a:rPr lang="en-US" dirty="0" err="1" smtClean="0">
@@ -7366,7 +7071,7 @@
                   <a:srgbClr val="000000"/>
                 </a:solidFill>
               </a:rPr>
-              <a:t>scalarize</a:t>
+              <a:t>len</a:t>
             </a:r>
             <a:r>
               <a:rPr lang="en-US" dirty="0" smtClean="0">
@@ -7374,108 +7079,207 @@
                   <a:srgbClr val="000000"/>
                 </a:solidFill>
               </a:rPr>
-              <a:t>” all accesses to A, otherwise default to “aggregate” array A for all access to A</a:t>
-            </a:r>
-          </a:p>
-          <a:p>
-            <a:pPr marL="0" indent="0">
-              <a:buNone/>
-            </a:pPr>
-            <a:endParaRPr lang="en-US" dirty="0">
+              <a:t>): f(</a:t>
+            </a:r>
+            <a:r>
+              <a:rPr lang="en-US" dirty="0" err="1" smtClean="0">
+                <a:solidFill>
+                  <a:srgbClr val="000000"/>
+                </a:solidFill>
+              </a:rPr>
+              <a:t>i</a:t>
+            </a:r>
+            <a:r>
+              <a:rPr lang="en-US" dirty="0" smtClean="0">
+                <a:solidFill>
+                  <a:srgbClr val="000000"/>
+                </a:solidFill>
+              </a:rPr>
+              <a:t>) =/= f’(</a:t>
+            </a:r>
+            <a:r>
+              <a:rPr lang="en-US" dirty="0" err="1" smtClean="0">
+                <a:solidFill>
+                  <a:srgbClr val="000000"/>
+                </a:solidFill>
+              </a:rPr>
+              <a:t>i</a:t>
+            </a:r>
+            <a:r>
+              <a:rPr lang="en-US" dirty="0" smtClean="0">
+                <a:solidFill>
+                  <a:srgbClr val="000000"/>
+                </a:solidFill>
+              </a:rPr>
+              <a:t>)</a:t>
+            </a:r>
+          </a:p>
+          <a:p>
+            <a:pPr lvl="2"/>
+            <a:r>
+              <a:rPr lang="en-US" dirty="0" smtClean="0">
+                <a:solidFill>
+                  <a:srgbClr val="000000"/>
+                </a:solidFill>
+              </a:rPr>
+              <a:t>Intuition: for every iteration </a:t>
+            </a:r>
+            <a:r>
+              <a:rPr lang="en-US" dirty="0" err="1" smtClean="0">
+                <a:solidFill>
+                  <a:srgbClr val="000000"/>
+                </a:solidFill>
+              </a:rPr>
+              <a:t>i</a:t>
+            </a:r>
+            <a:r>
+              <a:rPr lang="en-US" dirty="0" smtClean="0">
+                <a:solidFill>
+                  <a:srgbClr val="000000"/>
+                </a:solidFill>
+              </a:rPr>
+              <a:t>, A[f(</a:t>
+            </a:r>
+            <a:r>
+              <a:rPr lang="en-US" dirty="0" err="1" smtClean="0">
+                <a:solidFill>
+                  <a:srgbClr val="000000"/>
+                </a:solidFill>
+              </a:rPr>
+              <a:t>i</a:t>
+            </a:r>
+            <a:r>
+              <a:rPr lang="en-US" dirty="0" smtClean="0">
+                <a:solidFill>
+                  <a:srgbClr val="000000"/>
+                </a:solidFill>
+              </a:rPr>
+              <a:t>)] and A[f’(</a:t>
+            </a:r>
+            <a:r>
+              <a:rPr lang="en-US" dirty="0" err="1" smtClean="0">
+                <a:solidFill>
+                  <a:srgbClr val="000000"/>
+                </a:solidFill>
+              </a:rPr>
+              <a:t>i</a:t>
+            </a:r>
+            <a:r>
+              <a:rPr lang="en-US" dirty="0" smtClean="0">
+                <a:solidFill>
+                  <a:srgbClr val="000000"/>
+                </a:solidFill>
+              </a:rPr>
+              <a:t>)] either refer to the same location, or to different locations</a:t>
+            </a:r>
+          </a:p>
+          <a:p>
+            <a:pPr lvl="1"/>
+            <a:r>
+              <a:rPr lang="en-US" dirty="0" smtClean="0">
+                <a:solidFill>
+                  <a:srgbClr val="000000"/>
+                </a:solidFill>
+              </a:rPr>
+              <a:t>Also, for every </a:t>
+            </a:r>
+            <a:r>
+              <a:rPr lang="en-US" dirty="0" err="1" smtClean="0">
+                <a:solidFill>
+                  <a:srgbClr val="000000"/>
+                </a:solidFill>
+              </a:rPr>
+              <a:t>def-def</a:t>
+            </a:r>
+            <a:r>
+              <a:rPr lang="en-US" dirty="0" smtClean="0">
+                <a:solidFill>
+                  <a:srgbClr val="000000"/>
+                </a:solidFill>
+              </a:rPr>
+              <a:t> pair A[f(</a:t>
+            </a:r>
+            <a:r>
+              <a:rPr lang="en-US" dirty="0" err="1" smtClean="0">
+                <a:solidFill>
+                  <a:srgbClr val="000000"/>
+                </a:solidFill>
+              </a:rPr>
+              <a:t>i</a:t>
+            </a:r>
+            <a:r>
+              <a:rPr lang="en-US" dirty="0" smtClean="0">
+                <a:solidFill>
+                  <a:srgbClr val="000000"/>
+                </a:solidFill>
+              </a:rPr>
+              <a:t>)] and A[f’(</a:t>
+            </a:r>
+            <a:r>
+              <a:rPr lang="en-US" dirty="0" err="1" smtClean="0">
+                <a:solidFill>
+                  <a:srgbClr val="000000"/>
+                </a:solidFill>
+              </a:rPr>
+              <a:t>i</a:t>
+            </a:r>
+            <a:r>
+              <a:rPr lang="en-US" dirty="0" smtClean="0">
+                <a:solidFill>
+                  <a:srgbClr val="000000"/>
+                </a:solidFill>
+              </a:rPr>
+              <a:t>)], f(</a:t>
+            </a:r>
+            <a:r>
+              <a:rPr lang="en-US" dirty="0" err="1" smtClean="0">
+                <a:solidFill>
+                  <a:srgbClr val="000000"/>
+                </a:solidFill>
+              </a:rPr>
+              <a:t>i</a:t>
+            </a:r>
+            <a:r>
+              <a:rPr lang="en-US" dirty="0" smtClean="0">
+                <a:solidFill>
+                  <a:srgbClr val="000000"/>
+                </a:solidFill>
+              </a:rPr>
+              <a:t>) and f’(</a:t>
+            </a:r>
+            <a:r>
+              <a:rPr lang="en-US" dirty="0" err="1" smtClean="0">
+                <a:solidFill>
+                  <a:srgbClr val="000000"/>
+                </a:solidFill>
+              </a:rPr>
+              <a:t>i</a:t>
+            </a:r>
+            <a:r>
+              <a:rPr lang="en-US" dirty="0" smtClean="0">
+                <a:solidFill>
+                  <a:srgbClr val="000000"/>
+                </a:solidFill>
+              </a:rPr>
+              <a:t>) are either equivalent or nonequivalent </a:t>
+            </a:r>
+          </a:p>
+          <a:p>
+            <a:r>
+              <a:rPr lang="en-US" dirty="0" smtClean="0">
+                <a:solidFill>
+                  <a:srgbClr val="000000"/>
+                </a:solidFill>
+              </a:rPr>
+              <a:t>Restrictions are necessary to ensure that transformation is semantics-preserving</a:t>
+            </a:r>
+          </a:p>
+          <a:p>
+            <a:endParaRPr lang="en-US" dirty="0" smtClean="0">
               <a:solidFill>
                 <a:srgbClr val="000000"/>
               </a:solidFill>
             </a:endParaRPr>
-          </a:p>
-          <a:p>
-            <a:r>
-              <a:rPr lang="en-US" dirty="0" smtClean="0">
-                <a:solidFill>
-                  <a:srgbClr val="000000"/>
-                </a:solidFill>
-              </a:rPr>
-              <a:t>“</a:t>
-            </a:r>
-            <a:r>
-              <a:rPr lang="en-US" dirty="0" err="1" smtClean="0">
-                <a:solidFill>
-                  <a:srgbClr val="000000"/>
-                </a:solidFill>
-              </a:rPr>
-              <a:t>Scalarization</a:t>
-            </a:r>
-            <a:r>
-              <a:rPr lang="en-US" dirty="0" smtClean="0">
-                <a:solidFill>
-                  <a:srgbClr val="000000"/>
-                </a:solidFill>
-              </a:rPr>
-              <a:t>”: A[f(</a:t>
-            </a:r>
-            <a:r>
-              <a:rPr lang="en-US" dirty="0" err="1" smtClean="0">
-                <a:solidFill>
-                  <a:srgbClr val="000000"/>
-                </a:solidFill>
-              </a:rPr>
-              <a:t>i</a:t>
-            </a:r>
-            <a:r>
-              <a:rPr lang="en-US" dirty="0" smtClean="0">
-                <a:solidFill>
-                  <a:srgbClr val="000000"/>
-                </a:solidFill>
-              </a:rPr>
-              <a:t>)] becomes either </a:t>
-            </a:r>
-            <a:r>
-              <a:rPr lang="en-US" dirty="0" err="1" smtClean="0">
-                <a:solidFill>
-                  <a:srgbClr val="000000"/>
-                </a:solidFill>
-              </a:rPr>
-              <a:t>A_f</a:t>
-            </a:r>
-            <a:r>
-              <a:rPr lang="en-US" dirty="0" smtClean="0">
-                <a:solidFill>
-                  <a:srgbClr val="000000"/>
-                </a:solidFill>
-              </a:rPr>
-              <a:t>(</a:t>
-            </a:r>
-            <a:r>
-              <a:rPr lang="en-US" dirty="0" err="1" smtClean="0">
-                <a:solidFill>
-                  <a:srgbClr val="000000"/>
-                </a:solidFill>
-              </a:rPr>
-              <a:t>i</a:t>
-            </a:r>
-            <a:r>
-              <a:rPr lang="en-US" dirty="0" smtClean="0">
-                <a:solidFill>
-                  <a:srgbClr val="000000"/>
-                </a:solidFill>
-              </a:rPr>
-              <a:t>) or A and is treated like a “scalar”</a:t>
-            </a:r>
-            <a:r>
-              <a:rPr lang="en-US" dirty="0">
-                <a:solidFill>
-                  <a:srgbClr val="000000"/>
-                </a:solidFill>
-              </a:rPr>
-              <a:t> </a:t>
-            </a:r>
-            <a:r>
-              <a:rPr lang="en-US" dirty="0" smtClean="0">
-                <a:solidFill>
-                  <a:srgbClr val="000000"/>
-                </a:solidFill>
-              </a:rPr>
-              <a:t>during SSA construction</a:t>
-            </a:r>
           </a:p>
           <a:p>
             <a:endParaRPr lang="de-DE" dirty="0" smtClean="0">
@@ -7489,7 +7293,7 @@
     </p:spTree>
     <p:extLst>
       <p:ext uri="{BB962C8B-B14F-4D97-AF65-F5344CB8AC3E}">
-        <p14:creationId xmlns:p14="http://schemas.microsoft.com/office/powerpoint/2010/main" val="2482873949"/>
+        <p14:creationId xmlns:p14="http://schemas.microsoft.com/office/powerpoint/2010/main" val="1862760575"/>
       </p:ext>
     </p:extLst>
   </p:cSld>
@@ -7541,7 +7345,7 @@
             </a:r>
             <a:r>
               <a:rPr lang="en-US" dirty="0" smtClean="0"/>
-              <a:t>” Examples </a:t>
+              <a:t>”</a:t>
             </a:r>
             <a:endParaRPr lang="en-US" dirty="0"/>
           </a:p>
@@ -7557,526 +7361,167 @@
             <p:ph idx="1"/>
           </p:nvPr>
         </p:nvSpPr>
-        <p:spPr>
-          <a:xfrm>
-            <a:off x="457200" y="1600200"/>
-            <a:ext cx="4043187" cy="4525963"/>
-          </a:xfrm>
-        </p:spPr>
-        <p:txBody>
-          <a:bodyPr/>
+        <p:spPr/>
+        <p:txBody>
+          <a:bodyPr>
+            <a:normAutofit/>
+          </a:bodyPr>
           <a:lstStyle/>
           <a:p>
+            <a:r>
+              <a:rPr lang="en-US" dirty="0" smtClean="0">
+                <a:solidFill>
+                  <a:srgbClr val="000000"/>
+                </a:solidFill>
+              </a:rPr>
+              <a:t>If we are able to prove the restrictions hold for some array A </a:t>
+            </a:r>
+            <a:r>
+              <a:rPr lang="en-US" dirty="0">
+                <a:solidFill>
+                  <a:srgbClr val="000000"/>
+                </a:solidFill>
+              </a:rPr>
+              <a:t>(</a:t>
+            </a:r>
+            <a:r>
+              <a:rPr lang="en-US" dirty="0" smtClean="0">
+                <a:solidFill>
+                  <a:srgbClr val="000000"/>
+                </a:solidFill>
+              </a:rPr>
+              <a:t>using Z3), then “</a:t>
+            </a:r>
+            <a:r>
+              <a:rPr lang="en-US" dirty="0" err="1" smtClean="0">
+                <a:solidFill>
+                  <a:srgbClr val="000000"/>
+                </a:solidFill>
+              </a:rPr>
+              <a:t>scalarize</a:t>
+            </a:r>
+            <a:r>
+              <a:rPr lang="en-US" dirty="0" smtClean="0">
+                <a:solidFill>
+                  <a:srgbClr val="000000"/>
+                </a:solidFill>
+              </a:rPr>
+              <a:t>” all accesses to A, otherwise default to “aggregate” array A for all access to A</a:t>
+            </a:r>
+          </a:p>
+          <a:p>
             <a:pPr marL="0" indent="0">
               <a:buNone/>
             </a:pPr>
-            <a:r>
-              <a:rPr lang="en-US" dirty="0" smtClean="0"/>
-              <a:t>Aiken:</a:t>
-            </a:r>
-          </a:p>
-          <a:p>
-            <a:pPr marL="0" indent="0">
-              <a:buNone/>
-            </a:pPr>
-            <a:r>
-              <a:rPr lang="en-US" dirty="0" smtClean="0"/>
-              <a:t>for </a:t>
-            </a:r>
-            <a:r>
-              <a:rPr lang="en-US" dirty="0" err="1"/>
-              <a:t>i</a:t>
-            </a:r>
-            <a:r>
-              <a:rPr lang="en-US" dirty="0"/>
-              <a:t> in range(0,len)</a:t>
-            </a:r>
-            <a:r>
-              <a:rPr lang="en-US" dirty="0" smtClean="0"/>
-              <a:t>:</a:t>
-            </a:r>
-          </a:p>
-          <a:p>
-            <a:pPr marL="0" indent="0">
-              <a:buNone/>
-            </a:pPr>
-            <a:r>
-              <a:rPr lang="en-US" dirty="0">
-                <a:solidFill>
-                  <a:srgbClr val="FF0000"/>
-                </a:solidFill>
-              </a:rPr>
-              <a:t> </a:t>
-            </a:r>
-            <a:r>
-              <a:rPr lang="en-US" dirty="0" smtClean="0">
-                <a:solidFill>
-                  <a:srgbClr val="FF0000"/>
-                </a:solidFill>
-              </a:rPr>
-              <a:t>   </a:t>
-            </a:r>
-            <a:r>
-              <a:rPr lang="de-DE" dirty="0" err="1" smtClean="0">
-                <a:solidFill>
-                  <a:srgbClr val="FF0000"/>
-                </a:solidFill>
-              </a:rPr>
-              <a:t>A_i</a:t>
-            </a:r>
-            <a:r>
-              <a:rPr lang="de-DE" dirty="0" smtClean="0"/>
-              <a:t> </a:t>
-            </a:r>
-            <a:r>
-              <a:rPr lang="de-DE" dirty="0"/>
-              <a:t>= </a:t>
-            </a:r>
-            <a:r>
-              <a:rPr lang="de-DE" dirty="0" err="1" smtClean="0"/>
-              <a:t>B_i</a:t>
-            </a:r>
-            <a:r>
-              <a:rPr lang="de-DE" dirty="0" smtClean="0"/>
-              <a:t>*</a:t>
-            </a:r>
-            <a:r>
-              <a:rPr lang="de-DE" dirty="0"/>
-              <a:t>i 			</a:t>
-            </a:r>
-            <a:endParaRPr lang="de-DE" dirty="0" smtClean="0"/>
-          </a:p>
-          <a:p>
-            <a:pPr marL="0" indent="0">
-              <a:buNone/>
-            </a:pPr>
-            <a:r>
-              <a:rPr lang="de-DE" dirty="0"/>
-              <a:t> </a:t>
-            </a:r>
-            <a:r>
-              <a:rPr lang="de-DE" dirty="0" smtClean="0"/>
-              <a:t>   </a:t>
-            </a:r>
-            <a:r>
-              <a:rPr lang="en-US" dirty="0" err="1" smtClean="0"/>
-              <a:t>B_i</a:t>
-            </a:r>
-            <a:r>
-              <a:rPr lang="en-US" dirty="0" smtClean="0"/>
-              <a:t> </a:t>
-            </a:r>
-            <a:r>
-              <a:rPr lang="en-US" dirty="0"/>
-              <a:t>= </a:t>
-            </a:r>
-            <a:r>
-              <a:rPr lang="en-US" dirty="0" err="1" smtClean="0">
-                <a:solidFill>
-                  <a:srgbClr val="FF0000"/>
-                </a:solidFill>
-              </a:rPr>
-              <a:t>A_i</a:t>
-            </a:r>
-            <a:r>
-              <a:rPr lang="en-US" dirty="0" smtClean="0"/>
-              <a:t>*</a:t>
-            </a:r>
-            <a:r>
-              <a:rPr lang="en-US" dirty="0" smtClean="0">
-                <a:solidFill>
-                  <a:srgbClr val="008000"/>
-                </a:solidFill>
-              </a:rPr>
-              <a:t>D_(i</a:t>
-            </a:r>
-            <a:r>
-              <a:rPr lang="en-US" dirty="0">
-                <a:solidFill>
-                  <a:srgbClr val="008000"/>
-                </a:solidFill>
-              </a:rPr>
-              <a:t>-</a:t>
-            </a:r>
-            <a:r>
-              <a:rPr lang="en-US" dirty="0" smtClean="0">
-                <a:solidFill>
-                  <a:srgbClr val="008000"/>
-                </a:solidFill>
-              </a:rPr>
-              <a:t>1)</a:t>
-            </a:r>
             <a:endParaRPr lang="en-US" dirty="0">
               <a:solidFill>
-                <a:srgbClr val="008000"/>
+                <a:srgbClr val="000000"/>
               </a:solidFill>
             </a:endParaRPr>
           </a:p>
           <a:p>
-            <a:pPr marL="0" indent="0">
-              <a:buNone/>
-            </a:pPr>
-            <a:r>
-              <a:rPr lang="en-US" dirty="0" smtClean="0"/>
-              <a:t>    </a:t>
+            <a:r>
+              <a:rPr lang="en-US" dirty="0" smtClean="0">
+                <a:solidFill>
+                  <a:srgbClr val="000000"/>
+                </a:solidFill>
+              </a:rPr>
+              <a:t>“</a:t>
             </a:r>
             <a:r>
               <a:rPr lang="en-US" dirty="0" err="1" smtClean="0">
                 <a:solidFill>
-                  <a:srgbClr val="0000FF"/>
-                </a:solidFill>
-              </a:rPr>
-              <a:t>C_i</a:t>
-            </a:r>
-            <a:r>
-              <a:rPr lang="en-US" dirty="0" smtClean="0"/>
+                  <a:srgbClr val="000000"/>
+                </a:solidFill>
+              </a:rPr>
+              <a:t>Scalarization</a:t>
+            </a:r>
+            <a:r>
+              <a:rPr lang="en-US" dirty="0" smtClean="0">
+                <a:solidFill>
+                  <a:srgbClr val="000000"/>
+                </a:solidFill>
+              </a:rPr>
+              <a:t>”: A[f(</a:t>
+            </a:r>
+            <a:r>
+              <a:rPr lang="en-US" dirty="0" err="1" smtClean="0">
+                <a:solidFill>
+                  <a:srgbClr val="000000"/>
+                </a:solidFill>
+              </a:rPr>
+              <a:t>i</a:t>
+            </a:r>
+            <a:r>
+              <a:rPr lang="en-US" dirty="0" smtClean="0">
+                <a:solidFill>
+                  <a:srgbClr val="000000"/>
+                </a:solidFill>
+              </a:rPr>
+              <a:t>)] becomes either </a:t>
+            </a:r>
+            <a:r>
+              <a:rPr lang="en-US" dirty="0" err="1" smtClean="0">
+                <a:solidFill>
+                  <a:srgbClr val="000000"/>
+                </a:solidFill>
+              </a:rPr>
+              <a:t>A_f</a:t>
+            </a:r>
+            <a:r>
+              <a:rPr lang="en-US" dirty="0" smtClean="0">
+                <a:solidFill>
+                  <a:srgbClr val="000000"/>
+                </a:solidFill>
+              </a:rPr>
+              <a:t>(</a:t>
+            </a:r>
+            <a:r>
+              <a:rPr lang="en-US" dirty="0" err="1" smtClean="0">
+                <a:solidFill>
+                  <a:srgbClr val="000000"/>
+                </a:solidFill>
+              </a:rPr>
+              <a:t>i</a:t>
+            </a:r>
+            <a:r>
+              <a:rPr lang="en-US" dirty="0" smtClean="0">
+                <a:solidFill>
+                  <a:srgbClr val="000000"/>
+                </a:solidFill>
+              </a:rPr>
+              <a:t>) or A and is treated like a “scalar”</a:t>
+            </a:r>
+            <a:r>
+              <a:rPr lang="en-US" dirty="0">
+                <a:solidFill>
+                  <a:srgbClr val="000000"/>
+                </a:solidFill>
+              </a:rPr>
               <a:t> </a:t>
             </a:r>
             <a:r>
-              <a:rPr lang="en-US" dirty="0"/>
-              <a:t>= </a:t>
-            </a:r>
-            <a:r>
-              <a:rPr lang="en-US" dirty="0" err="1" smtClean="0">
-                <a:solidFill>
-                  <a:srgbClr val="FF0000"/>
-                </a:solidFill>
-              </a:rPr>
-              <a:t>A_i</a:t>
-            </a:r>
-            <a:r>
-              <a:rPr lang="en-US" dirty="0" smtClean="0"/>
-              <a:t>*</a:t>
-            </a:r>
-            <a:r>
               <a:rPr lang="en-US" dirty="0" smtClean="0">
                 <a:solidFill>
-                  <a:srgbClr val="008000"/>
-                </a:solidFill>
-              </a:rPr>
-              <a:t>D_(i</a:t>
-            </a:r>
-            <a:r>
-              <a:rPr lang="en-US" dirty="0">
-                <a:solidFill>
-                  <a:srgbClr val="008000"/>
-                </a:solidFill>
-              </a:rPr>
-              <a:t>-</a:t>
-            </a:r>
-            <a:r>
-              <a:rPr lang="en-US" dirty="0" smtClean="0">
-                <a:solidFill>
-                  <a:srgbClr val="008000"/>
-                </a:solidFill>
-              </a:rPr>
-              <a:t>1)</a:t>
-            </a:r>
-            <a:r>
-              <a:rPr lang="en-US" dirty="0"/>
-              <a:t>	</a:t>
-            </a:r>
-          </a:p>
-          <a:p>
-            <a:pPr marL="0" indent="0">
-              <a:buNone/>
-            </a:pPr>
-            <a:r>
-              <a:rPr lang="de-DE" dirty="0" smtClean="0"/>
-              <a:t>    </a:t>
-            </a:r>
-            <a:r>
-              <a:rPr lang="de-DE" dirty="0" err="1" smtClean="0">
-                <a:solidFill>
-                  <a:srgbClr val="800000"/>
-                </a:solidFill>
-              </a:rPr>
-              <a:t>D_i</a:t>
-            </a:r>
-            <a:r>
-              <a:rPr lang="de-DE" dirty="0" smtClean="0"/>
-              <a:t> </a:t>
-            </a:r>
-            <a:r>
-              <a:rPr lang="de-DE" dirty="0"/>
-              <a:t>= </a:t>
-            </a:r>
-            <a:r>
-              <a:rPr lang="de-DE" dirty="0" err="1" smtClean="0"/>
-              <a:t>B_i+</a:t>
-            </a:r>
-            <a:r>
-              <a:rPr lang="de-DE" dirty="0" err="1" smtClean="0">
-                <a:solidFill>
-                  <a:srgbClr val="0000FF"/>
-                </a:solidFill>
-              </a:rPr>
-              <a:t>C_i</a:t>
-            </a:r>
-            <a:r>
-              <a:rPr lang="de-DE" dirty="0" smtClean="0"/>
-              <a:t> </a:t>
-            </a:r>
-            <a:endParaRPr lang="de-DE" dirty="0"/>
-          </a:p>
-          <a:p>
-            <a:pPr marL="0" indent="0">
-              <a:buNone/>
-            </a:pPr>
-            <a:endParaRPr lang="en-US" dirty="0"/>
-          </a:p>
-        </p:txBody>
-      </p:sp>
-      <p:sp>
-        <p:nvSpPr>
-          <p:cNvPr id="4" name="Content Placeholder 2"/>
-          <p:cNvSpPr txBox="1">
-            <a:spLocks/>
-          </p:cNvSpPr>
-          <p:nvPr/>
-        </p:nvSpPr>
-        <p:spPr>
-          <a:xfrm>
-            <a:off x="4680943" y="1600734"/>
-            <a:ext cx="4043187" cy="4525963"/>
-          </a:xfrm>
-          <a:prstGeom prst="rect">
-            <a:avLst/>
-          </a:prstGeom>
-        </p:spPr>
-        <p:txBody>
-          <a:bodyPr vert="horz" lIns="91440" tIns="45720" rIns="91440" bIns="45720" rtlCol="0">
-            <a:normAutofit/>
-          </a:bodyPr>
-          <a:lstStyle>
-            <a:lvl1pPr marL="342900" indent="-342900" algn="l" defTabSz="457200" rtl="0" eaLnBrk="1" latinLnBrk="0" hangingPunct="1">
-              <a:spcBef>
-                <a:spcPct val="20000"/>
-              </a:spcBef>
-              <a:buFont typeface="Arial"/>
-              <a:buChar char="•"/>
-              <a:defRPr sz="3200" kern="1200">
-                <a:solidFill>
-                  <a:schemeClr val="tx1"/>
-                </a:solidFill>
-                <a:latin typeface="+mn-lt"/>
-                <a:ea typeface="+mn-ea"/>
-                <a:cs typeface="+mn-cs"/>
-              </a:defRPr>
-            </a:lvl1pPr>
-            <a:lvl2pPr marL="742950" indent="-285750" algn="l" defTabSz="457200" rtl="0" eaLnBrk="1" latinLnBrk="0" hangingPunct="1">
-              <a:spcBef>
-                <a:spcPct val="20000"/>
-              </a:spcBef>
-              <a:buFont typeface="Arial"/>
-              <a:buChar char="–"/>
-              <a:defRPr sz="2800" kern="1200">
-                <a:solidFill>
-                  <a:schemeClr val="tx1"/>
-                </a:solidFill>
-                <a:latin typeface="+mn-lt"/>
-                <a:ea typeface="+mn-ea"/>
-                <a:cs typeface="+mn-cs"/>
-              </a:defRPr>
-            </a:lvl2pPr>
-            <a:lvl3pPr marL="1143000" indent="-228600" algn="l" defTabSz="457200" rtl="0" eaLnBrk="1" latinLnBrk="0" hangingPunct="1">
-              <a:spcBef>
-                <a:spcPct val="20000"/>
-              </a:spcBef>
-              <a:buFont typeface="Arial"/>
-              <a:buChar char="•"/>
-              <a:defRPr sz="2400" kern="1200">
-                <a:solidFill>
-                  <a:schemeClr val="tx1"/>
-                </a:solidFill>
-                <a:latin typeface="+mn-lt"/>
-                <a:ea typeface="+mn-ea"/>
-                <a:cs typeface="+mn-cs"/>
-              </a:defRPr>
-            </a:lvl3pPr>
-            <a:lvl4pPr marL="1600200" indent="-228600" algn="l" defTabSz="457200" rtl="0" eaLnBrk="1" latinLnBrk="0" hangingPunct="1">
-              <a:spcBef>
-                <a:spcPct val="20000"/>
-              </a:spcBef>
-              <a:buFont typeface="Arial"/>
-              <a:buChar char="–"/>
-              <a:defRPr sz="2000" kern="1200">
-                <a:solidFill>
-                  <a:schemeClr val="tx1"/>
-                </a:solidFill>
-                <a:latin typeface="+mn-lt"/>
-                <a:ea typeface="+mn-ea"/>
-                <a:cs typeface="+mn-cs"/>
-              </a:defRPr>
-            </a:lvl4pPr>
-            <a:lvl5pPr marL="2057400" indent="-228600" algn="l" defTabSz="457200" rtl="0" eaLnBrk="1" latinLnBrk="0" hangingPunct="1">
-              <a:spcBef>
-                <a:spcPct val="20000"/>
-              </a:spcBef>
-              <a:buFont typeface="Arial"/>
-              <a:buChar char="»"/>
-              <a:defRPr sz="2000" kern="1200">
-                <a:solidFill>
-                  <a:schemeClr val="tx1"/>
-                </a:solidFill>
-                <a:latin typeface="+mn-lt"/>
-                <a:ea typeface="+mn-ea"/>
-                <a:cs typeface="+mn-cs"/>
-              </a:defRPr>
-            </a:lvl5pPr>
-            <a:lvl6pPr marL="2514600" indent="-228600" algn="l" defTabSz="457200" rtl="0" eaLnBrk="1" latinLnBrk="0" hangingPunct="1">
-              <a:spcBef>
-                <a:spcPct val="20000"/>
-              </a:spcBef>
-              <a:buFont typeface="Arial"/>
-              <a:buChar char="•"/>
-              <a:defRPr sz="2000" kern="1200">
-                <a:solidFill>
-                  <a:schemeClr val="tx1"/>
-                </a:solidFill>
-                <a:latin typeface="+mn-lt"/>
-                <a:ea typeface="+mn-ea"/>
-                <a:cs typeface="+mn-cs"/>
-              </a:defRPr>
-            </a:lvl6pPr>
-            <a:lvl7pPr marL="2971800" indent="-228600" algn="l" defTabSz="457200" rtl="0" eaLnBrk="1" latinLnBrk="0" hangingPunct="1">
-              <a:spcBef>
-                <a:spcPct val="20000"/>
-              </a:spcBef>
-              <a:buFont typeface="Arial"/>
-              <a:buChar char="•"/>
-              <a:defRPr sz="2000" kern="1200">
-                <a:solidFill>
-                  <a:schemeClr val="tx1"/>
-                </a:solidFill>
-                <a:latin typeface="+mn-lt"/>
-                <a:ea typeface="+mn-ea"/>
-                <a:cs typeface="+mn-cs"/>
-              </a:defRPr>
-            </a:lvl7pPr>
-            <a:lvl8pPr marL="3429000" indent="-228600" algn="l" defTabSz="457200" rtl="0" eaLnBrk="1" latinLnBrk="0" hangingPunct="1">
-              <a:spcBef>
-                <a:spcPct val="20000"/>
-              </a:spcBef>
-              <a:buFont typeface="Arial"/>
-              <a:buChar char="•"/>
-              <a:defRPr sz="2000" kern="1200">
-                <a:solidFill>
-                  <a:schemeClr val="tx1"/>
-                </a:solidFill>
-                <a:latin typeface="+mn-lt"/>
-                <a:ea typeface="+mn-ea"/>
-                <a:cs typeface="+mn-cs"/>
-              </a:defRPr>
-            </a:lvl8pPr>
-            <a:lvl9pPr marL="3886200" indent="-228600" algn="l" defTabSz="457200" rtl="0" eaLnBrk="1" latinLnBrk="0" hangingPunct="1">
-              <a:spcBef>
-                <a:spcPct val="20000"/>
-              </a:spcBef>
-              <a:buFont typeface="Arial"/>
-              <a:buChar char="•"/>
-              <a:defRPr sz="2000" kern="1200">
-                <a:solidFill>
-                  <a:schemeClr val="tx1"/>
-                </a:solidFill>
-                <a:latin typeface="+mn-lt"/>
-                <a:ea typeface="+mn-ea"/>
-                <a:cs typeface="+mn-cs"/>
-              </a:defRPr>
-            </a:lvl9pPr>
-          </a:lstStyle>
-          <a:p>
-            <a:pPr marL="0" indent="0">
-              <a:buNone/>
-            </a:pPr>
-            <a:r>
-              <a:rPr lang="en-US" dirty="0" smtClean="0"/>
-              <a:t>IP:</a:t>
-            </a:r>
-          </a:p>
-          <a:p>
-            <a:pPr marL="0" indent="0">
-              <a:buNone/>
-            </a:pPr>
-            <a:r>
-              <a:rPr lang="en-US" dirty="0" smtClean="0"/>
-              <a:t>for </a:t>
-            </a:r>
-            <a:r>
-              <a:rPr lang="en-US" dirty="0" err="1" smtClean="0"/>
-              <a:t>i</a:t>
-            </a:r>
-            <a:r>
-              <a:rPr lang="en-US" dirty="0" smtClean="0"/>
-              <a:t> in range(</a:t>
-            </a:r>
-            <a:r>
-              <a:rPr lang="en-US" dirty="0" err="1" smtClean="0"/>
-              <a:t>len</a:t>
-            </a:r>
-            <a:r>
-              <a:rPr lang="en-US" dirty="0" smtClean="0"/>
-              <a:t>):</a:t>
-            </a:r>
-          </a:p>
-          <a:p>
-            <a:pPr marL="0" indent="0">
-              <a:buNone/>
-            </a:pPr>
-            <a:r>
-              <a:rPr lang="en-US" dirty="0"/>
-              <a:t> </a:t>
-            </a:r>
-            <a:r>
-              <a:rPr lang="en-US" dirty="0" smtClean="0"/>
-              <a:t>   t = </a:t>
-            </a:r>
-            <a:r>
-              <a:rPr lang="en-US" dirty="0" err="1" smtClean="0">
-                <a:solidFill>
-                  <a:srgbClr val="FF0000"/>
-                </a:solidFill>
-              </a:rPr>
-              <a:t>A_i</a:t>
-            </a:r>
-            <a:r>
-              <a:rPr lang="en-US" dirty="0" smtClean="0"/>
-              <a:t> * </a:t>
-            </a:r>
-            <a:r>
-              <a:rPr lang="en-US" dirty="0" err="1" smtClean="0">
-                <a:solidFill>
-                  <a:srgbClr val="0000FF"/>
-                </a:solidFill>
-              </a:rPr>
-              <a:t>B_i</a:t>
-            </a:r>
-            <a:endParaRPr lang="en-US" dirty="0" smtClean="0">
+                  <a:srgbClr val="000000"/>
+                </a:solidFill>
+              </a:rPr>
+              <a:t>during SSA construction</a:t>
+            </a:r>
+          </a:p>
+          <a:p>
+            <a:endParaRPr lang="de-DE" dirty="0" smtClean="0">
               <a:solidFill>
-                <a:srgbClr val="0000FF"/>
+                <a:srgbClr val="000000"/>
               </a:solidFill>
             </a:endParaRPr>
-          </a:p>
-          <a:p>
-            <a:pPr marL="0" indent="0">
-              <a:buNone/>
-            </a:pPr>
-            <a:r>
-              <a:rPr lang="en-US" dirty="0"/>
-              <a:t> </a:t>
-            </a:r>
-            <a:r>
-              <a:rPr lang="en-US" dirty="0" smtClean="0"/>
-              <a:t>   sum = sum + t</a:t>
-            </a:r>
-            <a:endParaRPr lang="en-US" dirty="0"/>
           </a:p>
         </p:txBody>
       </p:sp>
     </p:spTree>
     <p:extLst>
       <p:ext uri="{BB962C8B-B14F-4D97-AF65-F5344CB8AC3E}">
-        <p14:creationId xmlns:p14="http://schemas.microsoft.com/office/powerpoint/2010/main" val="1270999624"/>
+        <p14:creationId xmlns:p14="http://schemas.microsoft.com/office/powerpoint/2010/main" val="2482873949"/>
       </p:ext>
     </p:extLst>
   </p:cSld>
@@ -8120,7 +7565,15 @@
           <a:p>
             <a:r>
               <a:rPr lang="en-US" dirty="0" smtClean="0"/>
-              <a:t>Phase 3: SSA/MUX Conversion</a:t>
+              <a:t>Phase 2: “</a:t>
+            </a:r>
+            <a:r>
+              <a:rPr lang="en-US" dirty="0" err="1" smtClean="0"/>
+              <a:t>Scalarization</a:t>
+            </a:r>
+            <a:r>
+              <a:rPr lang="en-US" dirty="0" smtClean="0"/>
+              <a:t>” Examples </a:t>
             </a:r>
             <a:endParaRPr lang="en-US" dirty="0"/>
           </a:p>
@@ -8136,58 +7589,273 @@
             <p:ph idx="1"/>
           </p:nvPr>
         </p:nvSpPr>
-        <p:spPr/>
+        <p:spPr>
+          <a:xfrm>
+            <a:off x="457200" y="1600200"/>
+            <a:ext cx="4043187" cy="4525963"/>
+          </a:xfrm>
+        </p:spPr>
         <p:txBody>
           <a:bodyPr/>
           <a:lstStyle/>
           <a:p>
-            <a:r>
-              <a:rPr lang="en-US" dirty="0" smtClean="0"/>
-              <a:t>Modify classical </a:t>
+            <a:pPr marL="0" indent="0">
+              <a:buNone/>
+            </a:pPr>
+            <a:r>
+              <a:rPr lang="en-US" dirty="0" smtClean="0"/>
+              <a:t>Aiken:</a:t>
+            </a:r>
+          </a:p>
+          <a:p>
+            <a:pPr marL="0" indent="0">
+              <a:buNone/>
+            </a:pPr>
+            <a:r>
+              <a:rPr lang="en-US" dirty="0" smtClean="0"/>
+              <a:t>for </a:t>
+            </a:r>
+            <a:r>
+              <a:rPr lang="en-US" dirty="0" err="1"/>
+              <a:t>i</a:t>
+            </a:r>
+            <a:r>
+              <a:rPr lang="en-US" dirty="0"/>
+              <a:t> in range(0,len)</a:t>
+            </a:r>
+            <a:r>
+              <a:rPr lang="en-US" dirty="0" smtClean="0"/>
+              <a:t>:</a:t>
+            </a:r>
+          </a:p>
+          <a:p>
+            <a:pPr marL="0" indent="0">
+              <a:buNone/>
+            </a:pPr>
+            <a:r>
+              <a:rPr lang="en-US" dirty="0">
+                <a:solidFill>
+                  <a:srgbClr val="FF0000"/>
+                </a:solidFill>
+              </a:rPr>
+              <a:t> </a:t>
+            </a:r>
+            <a:r>
+              <a:rPr lang="en-US" dirty="0" smtClean="0">
+                <a:solidFill>
+                  <a:srgbClr val="FF0000"/>
+                </a:solidFill>
+              </a:rPr>
+              <a:t>   </a:t>
+            </a:r>
+            <a:r>
+              <a:rPr lang="de-DE" dirty="0" err="1" smtClean="0">
+                <a:solidFill>
+                  <a:srgbClr val="FF0000"/>
+                </a:solidFill>
+              </a:rPr>
+              <a:t>A_i</a:t>
+            </a:r>
+            <a:r>
+              <a:rPr lang="de-DE" dirty="0" smtClean="0"/>
+              <a:t> </a:t>
+            </a:r>
+            <a:r>
+              <a:rPr lang="de-DE" dirty="0"/>
+              <a:t>= </a:t>
+            </a:r>
+            <a:r>
+              <a:rPr lang="de-DE" dirty="0" err="1" smtClean="0"/>
+              <a:t>B_i</a:t>
+            </a:r>
+            <a:r>
+              <a:rPr lang="de-DE" dirty="0" smtClean="0"/>
+              <a:t>*</a:t>
+            </a:r>
+            <a:r>
+              <a:rPr lang="de-DE" dirty="0"/>
+              <a:t>i 			</a:t>
+            </a:r>
+            <a:endParaRPr lang="de-DE" dirty="0" smtClean="0"/>
+          </a:p>
+          <a:p>
+            <a:pPr marL="0" indent="0">
+              <a:buNone/>
+            </a:pPr>
+            <a:r>
+              <a:rPr lang="de-DE" dirty="0"/>
+              <a:t> </a:t>
+            </a:r>
+            <a:r>
+              <a:rPr lang="de-DE" dirty="0" smtClean="0"/>
+              <a:t>   </a:t>
             </a:r>
             <a:r>
               <a:rPr lang="en-US" dirty="0" err="1" smtClean="0"/>
-              <a:t>Cytron</a:t>
-            </a:r>
-            <a:r>
-              <a:rPr lang="en-US" dirty="0" smtClean="0"/>
-              <a:t> et al. algorithm from ‘91 paper</a:t>
-            </a:r>
-          </a:p>
-          <a:p>
-            <a:pPr lvl="1"/>
-            <a:r>
-              <a:rPr lang="en-US" dirty="0" smtClean="0"/>
-              <a:t>0’s are essentially the phi-nodes</a:t>
-            </a:r>
-          </a:p>
-          <a:p>
-            <a:pPr lvl="2"/>
-            <a:r>
-              <a:rPr lang="en-US" dirty="0" smtClean="0"/>
-              <a:t>var_0 at iteration </a:t>
-            </a:r>
-            <a:r>
-              <a:rPr lang="en-US" dirty="0" err="1" smtClean="0"/>
-              <a:t>i</a:t>
-            </a:r>
-            <a:r>
-              <a:rPr lang="en-US" dirty="0" smtClean="0"/>
-              <a:t> = </a:t>
-            </a:r>
-            <a:r>
-              <a:rPr lang="en-US" dirty="0" err="1" smtClean="0"/>
-              <a:t>var_max</a:t>
-            </a:r>
-            <a:r>
-              <a:rPr lang="en-US" dirty="0" smtClean="0"/>
-              <a:t> at iteration i-</a:t>
+              <a:t>B_i</a:t>
+            </a:r>
+            <a:r>
+              <a:rPr lang="en-US" dirty="0" smtClean="0"/>
+              <a:t> </a:t>
             </a:r>
             <a:r>
               <a:rPr lang="en-US" dirty="0"/>
-              <a:t>1</a:t>
-            </a:r>
-            <a:endParaRPr lang="en-US" dirty="0" smtClean="0"/>
+              <a:t>= </a:t>
+            </a:r>
+            <a:r>
+              <a:rPr lang="en-US" dirty="0" err="1" smtClean="0">
+                <a:solidFill>
+                  <a:srgbClr val="FF0000"/>
+                </a:solidFill>
+              </a:rPr>
+              <a:t>A_i</a:t>
+            </a:r>
+            <a:r>
+              <a:rPr lang="en-US" dirty="0" smtClean="0"/>
+              <a:t>*</a:t>
+            </a:r>
+            <a:r>
+              <a:rPr lang="en-US" dirty="0" smtClean="0">
+                <a:solidFill>
+                  <a:srgbClr val="008000"/>
+                </a:solidFill>
+              </a:rPr>
+              <a:t>D_(i</a:t>
+            </a:r>
+            <a:r>
+              <a:rPr lang="en-US" dirty="0">
+                <a:solidFill>
+                  <a:srgbClr val="008000"/>
+                </a:solidFill>
+              </a:rPr>
+              <a:t>-</a:t>
+            </a:r>
+            <a:r>
+              <a:rPr lang="en-US" dirty="0" smtClean="0">
+                <a:solidFill>
+                  <a:srgbClr val="008000"/>
+                </a:solidFill>
+              </a:rPr>
+              <a:t>1)</a:t>
+            </a:r>
+            <a:endParaRPr lang="en-US" dirty="0">
+              <a:solidFill>
+                <a:srgbClr val="008000"/>
+              </a:solidFill>
+            </a:endParaRPr>
+          </a:p>
+          <a:p>
+            <a:pPr marL="0" indent="0">
+              <a:buNone/>
+            </a:pPr>
+            <a:r>
+              <a:rPr lang="en-US" dirty="0" smtClean="0"/>
+              <a:t>    </a:t>
+            </a:r>
+            <a:r>
+              <a:rPr lang="en-US" dirty="0" err="1" smtClean="0">
+                <a:solidFill>
+                  <a:srgbClr val="0000FF"/>
+                </a:solidFill>
+              </a:rPr>
+              <a:t>C_i</a:t>
+            </a:r>
+            <a:r>
+              <a:rPr lang="en-US" dirty="0" smtClean="0"/>
+              <a:t> </a:t>
+            </a:r>
+            <a:r>
+              <a:rPr lang="en-US" dirty="0"/>
+              <a:t>= </a:t>
+            </a:r>
+            <a:r>
+              <a:rPr lang="en-US" dirty="0" err="1" smtClean="0">
+                <a:solidFill>
+                  <a:srgbClr val="FF0000"/>
+                </a:solidFill>
+              </a:rPr>
+              <a:t>A_i</a:t>
+            </a:r>
+            <a:r>
+              <a:rPr lang="en-US" dirty="0" smtClean="0"/>
+              <a:t>*</a:t>
+            </a:r>
+            <a:r>
+              <a:rPr lang="en-US" dirty="0" smtClean="0">
+                <a:solidFill>
+                  <a:srgbClr val="008000"/>
+                </a:solidFill>
+              </a:rPr>
+              <a:t>D_(i</a:t>
+            </a:r>
+            <a:r>
+              <a:rPr lang="en-US" dirty="0">
+                <a:solidFill>
+                  <a:srgbClr val="008000"/>
+                </a:solidFill>
+              </a:rPr>
+              <a:t>-</a:t>
+            </a:r>
+            <a:r>
+              <a:rPr lang="en-US" dirty="0" smtClean="0">
+                <a:solidFill>
+                  <a:srgbClr val="008000"/>
+                </a:solidFill>
+              </a:rPr>
+              <a:t>1)</a:t>
+            </a:r>
+            <a:r>
+              <a:rPr lang="en-US" dirty="0"/>
+              <a:t>	</a:t>
+            </a:r>
+          </a:p>
+          <a:p>
+            <a:pPr marL="0" indent="0">
+              <a:buNone/>
+            </a:pPr>
+            <a:r>
+              <a:rPr lang="de-DE" dirty="0" smtClean="0"/>
+              <a:t>    </a:t>
+            </a:r>
+            <a:r>
+              <a:rPr lang="de-DE" dirty="0" err="1" smtClean="0">
+                <a:solidFill>
+                  <a:srgbClr val="800000"/>
+                </a:solidFill>
+              </a:rPr>
+              <a:t>D_i</a:t>
+            </a:r>
+            <a:r>
+              <a:rPr lang="de-DE" dirty="0" smtClean="0"/>
+              <a:t> </a:t>
+            </a:r>
+            <a:r>
+              <a:rPr lang="de-DE" dirty="0"/>
+              <a:t>= </a:t>
+            </a:r>
+            <a:r>
+              <a:rPr lang="de-DE" dirty="0" err="1" smtClean="0"/>
+              <a:t>B_i+</a:t>
+            </a:r>
+            <a:r>
+              <a:rPr lang="de-DE" dirty="0" err="1" smtClean="0">
+                <a:solidFill>
+                  <a:srgbClr val="0000FF"/>
+                </a:solidFill>
+              </a:rPr>
+              <a:t>C_i</a:t>
+            </a:r>
+            <a:r>
+              <a:rPr lang="de-DE" dirty="0" smtClean="0"/>
+              <a:t> </a:t>
+            </a:r>
+            <a:endParaRPr lang="de-DE" dirty="0"/>
+          </a:p>
+          <a:p>
+            <a:pPr marL="0" indent="0">
+              <a:buNone/>
+            </a:pPr>
+            <a:endParaRPr lang="en-US" dirty="0"/>
           </a:p>
         </p:txBody>
       </p:sp>
@@ -8201,420 +7869,8 @@
         </p:nvSpPr>
         <p:spPr>
           <a:xfrm>
-            <a:off x="650470" y="4140472"/>
-            <a:ext cx="3753283" cy="2707190"/>
-          </a:xfrm>
-          <a:prstGeom prst="rect">
-            <a:avLst/>
-          </a:prstGeom>
-        </p:spPr>
-        <p:txBody>
-          <a:bodyPr vert="horz" lIns="91440" tIns="45720" rIns="91440" bIns="45720" rtlCol="0">
-            <a:normAutofit fontScale="77500" lnSpcReduction="20000"/>
-          </a:bodyPr>
-          <a:lstStyle>
-            <a:lvl1pPr marL="342900" indent="-342900" algn="l" defTabSz="457200" rtl="0" eaLnBrk="1" latinLnBrk="0" hangingPunct="1">
-              <a:spcBef>
-                <a:spcPct val="20000"/>
-              </a:spcBef>
-              <a:buFont typeface="Arial"/>
-              <a:buChar char="•"/>
-              <a:defRPr sz="3200" kern="1200">
-                <a:solidFill>
-                  <a:schemeClr val="tx1"/>
-                </a:solidFill>
-                <a:latin typeface="+mn-lt"/>
-                <a:ea typeface="+mn-ea"/>
-                <a:cs typeface="+mn-cs"/>
-              </a:defRPr>
-            </a:lvl1pPr>
-            <a:lvl2pPr marL="742950" indent="-285750" algn="l" defTabSz="457200" rtl="0" eaLnBrk="1" latinLnBrk="0" hangingPunct="1">
-              <a:spcBef>
-                <a:spcPct val="20000"/>
-              </a:spcBef>
-              <a:buFont typeface="Arial"/>
-              <a:buChar char="–"/>
-              <a:defRPr sz="2800" kern="1200">
-                <a:solidFill>
-                  <a:schemeClr val="tx1"/>
-                </a:solidFill>
-                <a:latin typeface="+mn-lt"/>
-                <a:ea typeface="+mn-ea"/>
-                <a:cs typeface="+mn-cs"/>
-              </a:defRPr>
-            </a:lvl2pPr>
-            <a:lvl3pPr marL="1143000" indent="-228600" algn="l" defTabSz="457200" rtl="0" eaLnBrk="1" latinLnBrk="0" hangingPunct="1">
-              <a:spcBef>
-                <a:spcPct val="20000"/>
-              </a:spcBef>
-              <a:buFont typeface="Arial"/>
-              <a:buChar char="•"/>
-              <a:defRPr sz="2400" kern="1200">
-                <a:solidFill>
-                  <a:schemeClr val="tx1"/>
-                </a:solidFill>
-                <a:latin typeface="+mn-lt"/>
-                <a:ea typeface="+mn-ea"/>
-                <a:cs typeface="+mn-cs"/>
-              </a:defRPr>
-            </a:lvl3pPr>
-            <a:lvl4pPr marL="1600200" indent="-228600" algn="l" defTabSz="457200" rtl="0" eaLnBrk="1" latinLnBrk="0" hangingPunct="1">
-              <a:spcBef>
-                <a:spcPct val="20000"/>
-              </a:spcBef>
-              <a:buFont typeface="Arial"/>
-              <a:buChar char="–"/>
-              <a:defRPr sz="2000" kern="1200">
-                <a:solidFill>
-                  <a:schemeClr val="tx1"/>
-                </a:solidFill>
-                <a:latin typeface="+mn-lt"/>
-                <a:ea typeface="+mn-ea"/>
-                <a:cs typeface="+mn-cs"/>
-              </a:defRPr>
-            </a:lvl4pPr>
-            <a:lvl5pPr marL="2057400" indent="-228600" algn="l" defTabSz="457200" rtl="0" eaLnBrk="1" latinLnBrk="0" hangingPunct="1">
-              <a:spcBef>
-                <a:spcPct val="20000"/>
-              </a:spcBef>
-              <a:buFont typeface="Arial"/>
-              <a:buChar char="»"/>
-              <a:defRPr sz="2000" kern="1200">
-                <a:solidFill>
-                  <a:schemeClr val="tx1"/>
-                </a:solidFill>
-                <a:latin typeface="+mn-lt"/>
-                <a:ea typeface="+mn-ea"/>
-                <a:cs typeface="+mn-cs"/>
-              </a:defRPr>
-            </a:lvl5pPr>
-            <a:lvl6pPr marL="2514600" indent="-228600" algn="l" defTabSz="457200" rtl="0" eaLnBrk="1" latinLnBrk="0" hangingPunct="1">
-              <a:spcBef>
-                <a:spcPct val="20000"/>
-              </a:spcBef>
-              <a:buFont typeface="Arial"/>
-              <a:buChar char="•"/>
-              <a:defRPr sz="2000" kern="1200">
-                <a:solidFill>
-                  <a:schemeClr val="tx1"/>
-                </a:solidFill>
-                <a:latin typeface="+mn-lt"/>
-                <a:ea typeface="+mn-ea"/>
-                <a:cs typeface="+mn-cs"/>
-              </a:defRPr>
-            </a:lvl6pPr>
-            <a:lvl7pPr marL="2971800" indent="-228600" algn="l" defTabSz="457200" rtl="0" eaLnBrk="1" latinLnBrk="0" hangingPunct="1">
-              <a:spcBef>
-                <a:spcPct val="20000"/>
-              </a:spcBef>
-              <a:buFont typeface="Arial"/>
-              <a:buChar char="•"/>
-              <a:defRPr sz="2000" kern="1200">
-                <a:solidFill>
-                  <a:schemeClr val="tx1"/>
-                </a:solidFill>
-                <a:latin typeface="+mn-lt"/>
-                <a:ea typeface="+mn-ea"/>
-                <a:cs typeface="+mn-cs"/>
-              </a:defRPr>
-            </a:lvl7pPr>
-            <a:lvl8pPr marL="3429000" indent="-228600" algn="l" defTabSz="457200" rtl="0" eaLnBrk="1" latinLnBrk="0" hangingPunct="1">
-              <a:spcBef>
-                <a:spcPct val="20000"/>
-              </a:spcBef>
-              <a:buFont typeface="Arial"/>
-              <a:buChar char="•"/>
-              <a:defRPr sz="2000" kern="1200">
-                <a:solidFill>
-                  <a:schemeClr val="tx1"/>
-                </a:solidFill>
-                <a:latin typeface="+mn-lt"/>
-                <a:ea typeface="+mn-ea"/>
-                <a:cs typeface="+mn-cs"/>
-              </a:defRPr>
-            </a:lvl8pPr>
-            <a:lvl9pPr marL="3886200" indent="-228600" algn="l" defTabSz="457200" rtl="0" eaLnBrk="1" latinLnBrk="0" hangingPunct="1">
-              <a:spcBef>
-                <a:spcPct val="20000"/>
-              </a:spcBef>
-              <a:buFont typeface="Arial"/>
-              <a:buChar char="•"/>
-              <a:defRPr sz="2000" kern="1200">
-                <a:solidFill>
-                  <a:schemeClr val="tx1"/>
-                </a:solidFill>
-                <a:latin typeface="+mn-lt"/>
-                <a:ea typeface="+mn-ea"/>
-                <a:cs typeface="+mn-cs"/>
-              </a:defRPr>
-            </a:lvl9pPr>
-          </a:lstStyle>
-          <a:p>
-            <a:pPr marL="0" indent="0">
-              <a:buFont typeface="Arial"/>
-              <a:buNone/>
-            </a:pPr>
-            <a:r>
-              <a:rPr lang="en-US" dirty="0" smtClean="0"/>
-              <a:t>Aiken:</a:t>
-            </a:r>
-          </a:p>
-          <a:p>
-            <a:pPr marL="0" indent="0">
-              <a:buFont typeface="Arial"/>
-              <a:buNone/>
-            </a:pPr>
-            <a:r>
-              <a:rPr lang="en-US" dirty="0" smtClean="0"/>
-              <a:t>for </a:t>
-            </a:r>
-            <a:r>
-              <a:rPr lang="en-US" dirty="0" err="1" smtClean="0"/>
-              <a:t>i</a:t>
-            </a:r>
-            <a:r>
-              <a:rPr lang="en-US" dirty="0" smtClean="0"/>
-              <a:t> in range(0,len):</a:t>
-            </a:r>
-          </a:p>
-          <a:p>
-            <a:pPr marL="0" indent="0">
-              <a:buFont typeface="Arial"/>
-              <a:buNone/>
-            </a:pPr>
-            <a:r>
-              <a:rPr lang="en-US" dirty="0" smtClean="0">
-                <a:solidFill>
-                  <a:srgbClr val="FF0000"/>
-                </a:solidFill>
-              </a:rPr>
-              <a:t>    </a:t>
-            </a:r>
-            <a:r>
-              <a:rPr lang="de-DE" dirty="0" smtClean="0">
-                <a:solidFill>
-                  <a:srgbClr val="FF0000"/>
-                </a:solidFill>
-              </a:rPr>
-              <a:t>A_i</a:t>
-            </a:r>
-            <a:r>
-              <a:rPr lang="de-DE" b="1" dirty="0" smtClean="0">
-                <a:solidFill>
-                  <a:srgbClr val="FF0000"/>
-                </a:solidFill>
-              </a:rPr>
-              <a:t>_1</a:t>
-            </a:r>
-            <a:r>
-              <a:rPr lang="de-DE" dirty="0" smtClean="0"/>
-              <a:t> = B_i_0*i 	</a:t>
-            </a:r>
-          </a:p>
-          <a:p>
-            <a:pPr marL="0" indent="0">
-              <a:buFont typeface="Arial"/>
-              <a:buNone/>
-            </a:pPr>
-            <a:r>
-              <a:rPr lang="de-DE" dirty="0" smtClean="0"/>
-              <a:t>    </a:t>
-            </a:r>
-            <a:r>
-              <a:rPr lang="en-US" dirty="0" smtClean="0"/>
-              <a:t>B_i</a:t>
-            </a:r>
-            <a:r>
-              <a:rPr lang="en-US" b="1" dirty="0" smtClean="0"/>
-              <a:t>_1</a:t>
-            </a:r>
-            <a:r>
-              <a:rPr lang="en-US" dirty="0" smtClean="0"/>
-              <a:t> = </a:t>
-            </a:r>
-            <a:r>
-              <a:rPr lang="en-US" dirty="0" smtClean="0">
-                <a:solidFill>
-                  <a:srgbClr val="FF0000"/>
-                </a:solidFill>
-              </a:rPr>
-              <a:t>A_i</a:t>
-            </a:r>
-            <a:r>
-              <a:rPr lang="en-US" b="1" dirty="0" smtClean="0">
-                <a:solidFill>
-                  <a:srgbClr val="FF0000"/>
-                </a:solidFill>
-              </a:rPr>
-              <a:t>_1</a:t>
-            </a:r>
-            <a:r>
-              <a:rPr lang="en-US" dirty="0" smtClean="0"/>
-              <a:t>*</a:t>
-            </a:r>
-            <a:r>
-              <a:rPr lang="en-US" dirty="0" smtClean="0">
-                <a:solidFill>
-                  <a:srgbClr val="008000"/>
-                </a:solidFill>
-              </a:rPr>
-              <a:t>D_(i-1)</a:t>
-            </a:r>
-            <a:r>
-              <a:rPr lang="en-US" b="1" dirty="0" smtClean="0">
-                <a:solidFill>
-                  <a:srgbClr val="008000"/>
-                </a:solidFill>
-              </a:rPr>
-              <a:t>_0</a:t>
-            </a:r>
-          </a:p>
-          <a:p>
-            <a:pPr marL="0" indent="0">
-              <a:buFont typeface="Arial"/>
-              <a:buNone/>
-            </a:pPr>
-            <a:r>
-              <a:rPr lang="en-US" dirty="0" smtClean="0"/>
-              <a:t>    </a:t>
-            </a:r>
-            <a:r>
-              <a:rPr lang="en-US" dirty="0" smtClean="0">
-                <a:solidFill>
-                  <a:srgbClr val="0000FF"/>
-                </a:solidFill>
-              </a:rPr>
-              <a:t>C_i</a:t>
-            </a:r>
-            <a:r>
-              <a:rPr lang="en-US" b="1" dirty="0" smtClean="0">
-                <a:solidFill>
-                  <a:srgbClr val="0000FF"/>
-                </a:solidFill>
-              </a:rPr>
-              <a:t>_1</a:t>
-            </a:r>
-            <a:r>
-              <a:rPr lang="en-US" dirty="0" smtClean="0"/>
-              <a:t> = </a:t>
-            </a:r>
-            <a:r>
-              <a:rPr lang="en-US" dirty="0" smtClean="0">
-                <a:solidFill>
-                  <a:srgbClr val="FF0000"/>
-                </a:solidFill>
-              </a:rPr>
-              <a:t>A_i</a:t>
-            </a:r>
-            <a:r>
-              <a:rPr lang="en-US" b="1" dirty="0" smtClean="0">
-                <a:solidFill>
-                  <a:srgbClr val="FF0000"/>
-                </a:solidFill>
-              </a:rPr>
-              <a:t>_1</a:t>
-            </a:r>
-            <a:r>
-              <a:rPr lang="en-US" dirty="0" smtClean="0"/>
-              <a:t>*</a:t>
-            </a:r>
-            <a:r>
-              <a:rPr lang="en-US" dirty="0" smtClean="0">
-                <a:solidFill>
-                  <a:srgbClr val="008000"/>
-                </a:solidFill>
-              </a:rPr>
-              <a:t>D_(i-1)</a:t>
-            </a:r>
-            <a:r>
-              <a:rPr lang="en-US" b="1" dirty="0" smtClean="0">
-                <a:solidFill>
-                  <a:srgbClr val="008000"/>
-                </a:solidFill>
-              </a:rPr>
-              <a:t>_0</a:t>
-            </a:r>
-            <a:endParaRPr lang="en-US" b="1" dirty="0" smtClean="0"/>
-          </a:p>
-          <a:p>
-            <a:pPr marL="0" indent="0">
-              <a:buFont typeface="Arial"/>
-              <a:buNone/>
-            </a:pPr>
-            <a:r>
-              <a:rPr lang="de-DE" dirty="0" smtClean="0"/>
-              <a:t>    </a:t>
-            </a:r>
-            <a:r>
-              <a:rPr lang="de-DE" dirty="0" smtClean="0">
-                <a:solidFill>
-                  <a:srgbClr val="800000"/>
-                </a:solidFill>
-              </a:rPr>
-              <a:t>D_i</a:t>
-            </a:r>
-            <a:r>
-              <a:rPr lang="de-DE" b="1" dirty="0" smtClean="0">
-                <a:solidFill>
-                  <a:srgbClr val="800000"/>
-                </a:solidFill>
-              </a:rPr>
-              <a:t>_1</a:t>
-            </a:r>
-            <a:r>
-              <a:rPr lang="de-DE" dirty="0" smtClean="0"/>
-              <a:t> = B_i</a:t>
-            </a:r>
-            <a:r>
-              <a:rPr lang="de-DE" b="1" dirty="0" smtClean="0"/>
-              <a:t>_1</a:t>
-            </a:r>
-            <a:r>
-              <a:rPr lang="de-DE" dirty="0" smtClean="0"/>
-              <a:t>+</a:t>
-            </a:r>
-            <a:r>
-              <a:rPr lang="de-DE" dirty="0" smtClean="0">
-                <a:solidFill>
-                  <a:srgbClr val="0000FF"/>
-                </a:solidFill>
-              </a:rPr>
-              <a:t>C_i</a:t>
-            </a:r>
-            <a:r>
-              <a:rPr lang="de-DE" b="1" dirty="0" smtClean="0">
-                <a:solidFill>
-                  <a:srgbClr val="0000FF"/>
-                </a:solidFill>
-              </a:rPr>
-              <a:t>_1</a:t>
-            </a:r>
-            <a:r>
-              <a:rPr lang="de-DE" dirty="0" smtClean="0"/>
-              <a:t> </a:t>
-            </a:r>
-          </a:p>
-          <a:p>
-            <a:pPr marL="0" indent="0">
-              <a:buFont typeface="Arial"/>
-              <a:buNone/>
-            </a:pPr>
-            <a:endParaRPr lang="en-US" dirty="0"/>
-          </a:p>
-        </p:txBody>
-      </p:sp>
-      <p:sp>
-        <p:nvSpPr>
-          <p:cNvPr id="5" name="Content Placeholder 2"/>
-          <p:cNvSpPr txBox="1">
-            <a:spLocks/>
-          </p:cNvSpPr>
-          <p:nvPr/>
-        </p:nvSpPr>
-        <p:spPr>
-          <a:xfrm>
-            <a:off x="4874213" y="4030558"/>
-            <a:ext cx="3812587" cy="2707190"/>
+            <a:off x="4680943" y="1600734"/>
+            <a:ext cx="4043187" cy="4525963"/>
           </a:xfrm>
           <a:prstGeom prst="rect">
             <a:avLst/>
@@ -8808,25 +8064,30 @@
               <a:t>   t = </a:t>
             </a:r>
             <a:r>
-              <a:rPr lang="en-US" dirty="0" smtClean="0">
+              <a:rPr lang="en-US" dirty="0" err="1" smtClean="0">
                 <a:solidFill>
                   <a:srgbClr val="FF0000"/>
                 </a:solidFill>
               </a:rPr>
-              <a:t>A_i_0</a:t>
+              <a:t>A_i</a:t>
             </a:r>
             <a:r>
               <a:rPr lang="en-US" dirty="0" smtClean="0"/>
               <a:t> * </a:t>
             </a:r>
             <a:r>
-              <a:rPr lang="en-US" dirty="0" smtClean="0">
+              <a:rPr lang="en-US" dirty="0" err="1" smtClean="0">
                 <a:solidFill>
                   <a:srgbClr val="0000FF"/>
                 </a:solidFill>
               </a:rPr>
-              <a:t>B_i_0</a:t>
-            </a:r>
+              <a:t>B_i</a:t>
+            </a:r>
+            <a:endParaRPr lang="en-US" dirty="0" smtClean="0">
+              <a:solidFill>
+                <a:srgbClr val="0000FF"/>
+              </a:solidFill>
+            </a:endParaRPr>
           </a:p>
           <a:p>
             <a:pPr marL="0" indent="0">
@@ -8838,7 +8099,7 @@
             </a:r>
             <a:r>
               <a:rPr lang="en-US" dirty="0" smtClean="0"/>
-              <a:t>   sum_1 = sum_0 + t</a:t>
+              <a:t>   sum = sum + t</a:t>
             </a:r>
             <a:endParaRPr lang="en-US" dirty="0"/>
           </a:p>
@@ -8847,7 +8108,7 @@
     </p:spTree>
     <p:extLst>
       <p:ext uri="{BB962C8B-B14F-4D97-AF65-F5344CB8AC3E}">
-        <p14:creationId xmlns:p14="http://schemas.microsoft.com/office/powerpoint/2010/main" val="1162497096"/>
+        <p14:creationId xmlns:p14="http://schemas.microsoft.com/office/powerpoint/2010/main" val="1270999624"/>
       </p:ext>
     </p:extLst>
   </p:cSld>
@@ -8914,13 +8175,51 @@
           <a:p>
             <a:r>
               <a:rPr lang="en-US" dirty="0" smtClean="0"/>
-              <a:t>Note: if-then-else examples are interesting</a:t>
-            </a:r>
-            <a:r>
-              <a:rPr lang="is-IS" dirty="0" smtClean="0"/>
-              <a:t>…</a:t>
-            </a:r>
-            <a:endParaRPr lang="en-US" dirty="0"/>
+              <a:t>Modify classical </a:t>
+            </a:r>
+            <a:r>
+              <a:rPr lang="en-US" dirty="0" err="1" smtClean="0"/>
+              <a:t>Cytron</a:t>
+            </a:r>
+            <a:r>
+              <a:rPr lang="en-US" dirty="0" smtClean="0"/>
+              <a:t> et al. algorithm from ‘91 paper</a:t>
+            </a:r>
+          </a:p>
+          <a:p>
+            <a:pPr lvl="1"/>
+            <a:r>
+              <a:rPr lang="en-US" dirty="0" smtClean="0"/>
+              <a:t>0’s are essentially the phi-nodes</a:t>
+            </a:r>
+          </a:p>
+          <a:p>
+            <a:pPr lvl="2"/>
+            <a:r>
+              <a:rPr lang="en-US" dirty="0" smtClean="0"/>
+              <a:t>var_0 at iteration </a:t>
+            </a:r>
+            <a:r>
+              <a:rPr lang="en-US" dirty="0" err="1" smtClean="0"/>
+              <a:t>i</a:t>
+            </a:r>
+            <a:r>
+              <a:rPr lang="en-US" dirty="0" smtClean="0"/>
+              <a:t> = </a:t>
+            </a:r>
+            <a:r>
+              <a:rPr lang="en-US" dirty="0" err="1" smtClean="0"/>
+              <a:t>var_max</a:t>
+            </a:r>
+            <a:r>
+              <a:rPr lang="en-US" dirty="0" smtClean="0"/>
+              <a:t> at iteration i-</a:t>
+            </a:r>
+            <a:r>
+              <a:rPr lang="en-US" dirty="0"/>
+              <a:t>1</a:t>
+            </a:r>
+            <a:endParaRPr lang="en-US" dirty="0" smtClean="0"/>
           </a:p>
         </p:txBody>
       </p:sp>
@@ -8934,8 +8233,8 @@
         </p:nvSpPr>
         <p:spPr>
           <a:xfrm>
-            <a:off x="194907" y="2593597"/>
-            <a:ext cx="2869774" cy="2431691"/>
+            <a:off x="650470" y="4140472"/>
+            <a:ext cx="3753283" cy="2707190"/>
           </a:xfrm>
           <a:prstGeom prst="rect">
             <a:avLst/>
@@ -9089,6 +8388,16 @@
             </a:pPr>
             <a:r>
               <a:rPr lang="en-US" dirty="0" smtClean="0"/>
+              <a:t>Aiken:</a:t>
+            </a:r>
+          </a:p>
+          <a:p>
+            <a:pPr marL="0" indent="0">
+              <a:buFont typeface="Arial"/>
+              <a:buNone/>
+            </a:pPr>
+            <a:r>
+              <a:rPr lang="en-US" dirty="0" smtClean="0"/>
               <a:t>for </a:t>
             </a:r>
             <a:r>
@@ -9102,116 +8411,233 @@
           </a:p>
           <a:p>
             <a:pPr marL="0" indent="0">
-              <a:buNone/>
-            </a:pPr>
-            <a:r>
-              <a:rPr lang="en-US" dirty="0" smtClean="0"/>
-              <a:t>	if </a:t>
-            </a:r>
-            <a:r>
-              <a:rPr lang="en-US" dirty="0"/>
-              <a:t>B[</a:t>
-            </a:r>
-            <a:r>
-              <a:rPr lang="en-US" dirty="0" err="1"/>
-              <a:t>i</a:t>
-            </a:r>
-            <a:r>
-              <a:rPr lang="en-US" dirty="0"/>
-              <a:t>] &gt; 0:</a:t>
+              <a:buFont typeface="Arial"/>
+              <a:buNone/>
+            </a:pPr>
+            <a:r>
+              <a:rPr lang="en-US" dirty="0" smtClean="0">
+                <a:solidFill>
+                  <a:srgbClr val="FF0000"/>
+                </a:solidFill>
+              </a:rPr>
+              <a:t>    </a:t>
+            </a:r>
+            <a:r>
+              <a:rPr lang="de-DE" dirty="0" smtClean="0">
+                <a:solidFill>
+                  <a:srgbClr val="FF0000"/>
+                </a:solidFill>
+              </a:rPr>
+              <a:t>A_i</a:t>
+            </a:r>
+            <a:r>
+              <a:rPr lang="de-DE" b="1" dirty="0" smtClean="0">
+                <a:solidFill>
+                  <a:srgbClr val="FF0000"/>
+                </a:solidFill>
+              </a:rPr>
+              <a:t>_1</a:t>
+            </a:r>
+            <a:r>
+              <a:rPr lang="de-DE" dirty="0" smtClean="0"/>
+              <a:t> = B_i_0*i 	</a:t>
             </a:r>
           </a:p>
           <a:p>
             <a:pPr marL="0" indent="0">
-              <a:buNone/>
-            </a:pPr>
-            <a:r>
-              <a:rPr lang="de-DE" dirty="0"/>
-              <a:t>	</a:t>
-            </a:r>
+              <a:buFont typeface="Arial"/>
+              <a:buNone/>
+            </a:pPr>
             <a:r>
               <a:rPr lang="de-DE" dirty="0" smtClean="0"/>
               <a:t>    </a:t>
             </a:r>
             <a:r>
-              <a:rPr lang="de-DE" dirty="0"/>
-              <a:t>A[i] </a:t>
-            </a:r>
+              <a:rPr lang="en-US" dirty="0" smtClean="0"/>
+              <a:t>B_i</a:t>
+            </a:r>
+            <a:r>
+              <a:rPr lang="en-US" b="1" dirty="0" smtClean="0"/>
+              <a:t>_1</a:t>
+            </a:r>
+            <a:r>
+              <a:rPr lang="en-US" dirty="0" smtClean="0"/>
+              <a:t> = </a:t>
+            </a:r>
+            <a:r>
+              <a:rPr lang="en-US" dirty="0" smtClean="0">
+                <a:solidFill>
+                  <a:srgbClr val="FF0000"/>
+                </a:solidFill>
+              </a:rPr>
+              <a:t>A_i</a:t>
+            </a:r>
+            <a:r>
+              <a:rPr lang="en-US" b="1" dirty="0" smtClean="0">
+                <a:solidFill>
+                  <a:srgbClr val="FF0000"/>
+                </a:solidFill>
+              </a:rPr>
+              <a:t>_1</a:t>
+            </a:r>
+            <a:r>
+              <a:rPr lang="en-US" dirty="0" smtClean="0"/>
+              <a:t>*</a:t>
+            </a:r>
+            <a:r>
+              <a:rPr lang="en-US" dirty="0" smtClean="0">
+                <a:solidFill>
+                  <a:srgbClr val="008000"/>
+                </a:solidFill>
+              </a:rPr>
+              <a:t>D_(i-1)</a:t>
+            </a:r>
+            <a:r>
+              <a:rPr lang="en-US" b="1" dirty="0" smtClean="0">
+                <a:solidFill>
+                  <a:srgbClr val="008000"/>
+                </a:solidFill>
+              </a:rPr>
+              <a:t>_0</a:t>
+            </a:r>
+          </a:p>
+          <a:p>
+            <a:pPr marL="0" indent="0">
+              <a:buFont typeface="Arial"/>
+              <a:buNone/>
+            </a:pPr>
+            <a:r>
+              <a:rPr lang="en-US" dirty="0" smtClean="0"/>
+              <a:t>    </a:t>
+            </a:r>
+            <a:r>
+              <a:rPr lang="en-US" dirty="0" smtClean="0">
+                <a:solidFill>
+                  <a:srgbClr val="0000FF"/>
+                </a:solidFill>
+              </a:rPr>
+              <a:t>C_i</a:t>
+            </a:r>
+            <a:r>
+              <a:rPr lang="en-US" b="1" dirty="0" smtClean="0">
+                <a:solidFill>
+                  <a:srgbClr val="0000FF"/>
+                </a:solidFill>
+              </a:rPr>
+              <a:t>_1</a:t>
+            </a:r>
+            <a:r>
+              <a:rPr lang="en-US" dirty="0" smtClean="0"/>
+              <a:t> = </a:t>
+            </a:r>
+            <a:r>
+              <a:rPr lang="en-US" dirty="0" smtClean="0">
+                <a:solidFill>
+                  <a:srgbClr val="FF0000"/>
+                </a:solidFill>
+              </a:rPr>
+              <a:t>A_i</a:t>
+            </a:r>
+            <a:r>
+              <a:rPr lang="en-US" b="1" dirty="0" smtClean="0">
+                <a:solidFill>
+                  <a:srgbClr val="FF0000"/>
+                </a:solidFill>
+              </a:rPr>
+              <a:t>_1</a:t>
+            </a:r>
+            <a:r>
+              <a:rPr lang="en-US" dirty="0" smtClean="0"/>
+              <a:t>*</a:t>
+            </a:r>
+            <a:r>
+              <a:rPr lang="en-US" dirty="0" smtClean="0">
+                <a:solidFill>
+                  <a:srgbClr val="008000"/>
+                </a:solidFill>
+              </a:rPr>
+              <a:t>D_(i-1)</a:t>
+            </a:r>
+            <a:r>
+              <a:rPr lang="en-US" b="1" dirty="0" smtClean="0">
+                <a:solidFill>
+                  <a:srgbClr val="008000"/>
+                </a:solidFill>
+              </a:rPr>
+              <a:t>_0</a:t>
+            </a:r>
+            <a:endParaRPr lang="en-US" b="1" dirty="0" smtClean="0"/>
+          </a:p>
+          <a:p>
+            <a:pPr marL="0" indent="0">
+              <a:buFont typeface="Arial"/>
+              <a:buNone/>
+            </a:pPr>
             <a:r>
               <a:rPr lang="de-DE" dirty="0" smtClean="0"/>
-              <a:t>= ...</a:t>
-            </a:r>
-            <a:endParaRPr lang="de-DE" dirty="0"/>
+              <a:t>    </a:t>
+            </a:r>
+            <a:r>
+              <a:rPr lang="de-DE" dirty="0" smtClean="0">
+                <a:solidFill>
+                  <a:srgbClr val="800000"/>
+                </a:solidFill>
+              </a:rPr>
+              <a:t>D_i</a:t>
+            </a:r>
+            <a:r>
+              <a:rPr lang="de-DE" b="1" dirty="0" smtClean="0">
+                <a:solidFill>
+                  <a:srgbClr val="800000"/>
+                </a:solidFill>
+              </a:rPr>
+              <a:t>_1</a:t>
+            </a:r>
+            <a:r>
+              <a:rPr lang="de-DE" dirty="0" smtClean="0"/>
+              <a:t> = B_i</a:t>
+            </a:r>
+            <a:r>
+              <a:rPr lang="de-DE" b="1" dirty="0" smtClean="0"/>
+              <a:t>_1</a:t>
+            </a:r>
+            <a:r>
+              <a:rPr lang="de-DE" dirty="0" smtClean="0"/>
+              <a:t>+</a:t>
+            </a:r>
+            <a:r>
+              <a:rPr lang="de-DE" dirty="0" smtClean="0">
+                <a:solidFill>
+                  <a:srgbClr val="0000FF"/>
+                </a:solidFill>
+              </a:rPr>
+              <a:t>C_i</a:t>
+            </a:r>
+            <a:r>
+              <a:rPr lang="de-DE" b="1" dirty="0" smtClean="0">
+                <a:solidFill>
+                  <a:srgbClr val="0000FF"/>
+                </a:solidFill>
+              </a:rPr>
+              <a:t>_1</a:t>
+            </a:r>
+            <a:r>
+              <a:rPr lang="de-DE" dirty="0" smtClean="0"/>
+              <a:t> </a:t>
+            </a:r>
           </a:p>
           <a:p>
             <a:pPr marL="0" indent="0">
-              <a:buNone/>
-            </a:pPr>
-            <a:r>
-              <a:rPr lang="hu-HU" dirty="0"/>
-              <a:t>	</a:t>
-            </a:r>
-            <a:r>
-              <a:rPr lang="hu-HU" dirty="0" smtClean="0"/>
-              <a:t>else:</a:t>
-            </a:r>
-          </a:p>
-          <a:p>
-            <a:pPr marL="0" indent="0">
-              <a:buNone/>
-            </a:pPr>
-            <a:r>
-              <a:rPr lang="hu-HU" dirty="0"/>
-              <a:t>	 </a:t>
-            </a:r>
-            <a:r>
-              <a:rPr lang="hu-HU" dirty="0" smtClean="0"/>
-              <a:t>   </a:t>
-            </a:r>
-            <a:r>
-              <a:rPr lang="ro-RO" dirty="0" smtClean="0"/>
-              <a:t>A</a:t>
-            </a:r>
-            <a:r>
-              <a:rPr lang="ro-RO" dirty="0"/>
-              <a:t>[i] = </a:t>
-            </a:r>
-            <a:r>
-              <a:rPr lang="ro-RO" dirty="0" smtClean="0"/>
-              <a:t>...</a:t>
-            </a:r>
-            <a:endParaRPr lang="ro-RO" dirty="0"/>
-          </a:p>
-          <a:p>
-            <a:pPr marL="0" indent="0">
-              <a:buNone/>
-            </a:pPr>
-            <a:r>
-              <a:rPr lang="en-US" dirty="0"/>
-              <a:t> </a:t>
-            </a:r>
-            <a:r>
-              <a:rPr lang="en-US" dirty="0" smtClean="0"/>
-              <a:t>     x </a:t>
-            </a:r>
-            <a:r>
-              <a:rPr lang="en-US" dirty="0"/>
-              <a:t>= A[</a:t>
-            </a:r>
-            <a:r>
-              <a:rPr lang="en-US" dirty="0" err="1"/>
-              <a:t>i</a:t>
-            </a:r>
-            <a:r>
-              <a:rPr lang="en-US" dirty="0"/>
-              <a:t>];</a:t>
-            </a:r>
-          </a:p>
-        </p:txBody>
-      </p:sp>
-      <p:sp>
-        <p:nvSpPr>
-          <p:cNvPr id="6" name="Content Placeholder 2"/>
+              <a:buFont typeface="Arial"/>
+              <a:buNone/>
+            </a:pPr>
+            <a:endParaRPr lang="en-US" dirty="0"/>
+          </a:p>
+        </p:txBody>
+      </p:sp>
+      <p:sp>
+        <p:nvSpPr>
+          <p:cNvPr id="5" name="Content Placeholder 2"/>
           <p:cNvSpPr txBox="1">
             <a:spLocks/>
           </p:cNvSpPr>
@@ -9219,8 +8645,8 @@
         </p:nvSpPr>
         <p:spPr>
           <a:xfrm>
-            <a:off x="3166474" y="2635015"/>
-            <a:ext cx="2921473" cy="2707190"/>
+            <a:off x="4874213" y="4030558"/>
+            <a:ext cx="3812587" cy="2707190"/>
           </a:xfrm>
           <a:prstGeom prst="rect">
             <a:avLst/>
@@ -9228,7 +8654,7 @@
         </p:spPr>
         <p:txBody>
           <a:bodyPr vert="horz" lIns="91440" tIns="45720" rIns="91440" bIns="45720" rtlCol="0">
-            <a:normAutofit fontScale="77500" lnSpcReduction="20000"/>
+            <a:normAutofit/>
           </a:bodyPr>
           <a:lstStyle>
             <a:lvl1pPr marL="342900" indent="-342900" algn="l" defTabSz="457200" rtl="0" eaLnBrk="1" latinLnBrk="0" hangingPunct="1">
@@ -9369,7 +8795,15 @@
           </a:lstStyle>
           <a:p>
             <a:pPr marL="0" indent="0">
-              <a:buFont typeface="Arial"/>
+              <a:buNone/>
+            </a:pPr>
+            <a:r>
+              <a:rPr lang="en-US" dirty="0" smtClean="0"/>
+              <a:t>IP:</a:t>
+            </a:r>
+          </a:p>
+          <a:p>
+            <a:pPr marL="0" indent="0">
               <a:buNone/>
             </a:pPr>
             <a:r>
@@ -9382,98 +8816,16 @@
             </a:r>
             <a:r>
               <a:rPr lang="en-US" dirty="0" smtClean="0"/>
-              <a:t> in range(0,len):</a:t>
-            </a:r>
-          </a:p>
-          <a:p>
-            <a:pPr marL="0" indent="0">
-              <a:buNone/>
-            </a:pPr>
-            <a:r>
-              <a:rPr lang="en-US" dirty="0" smtClean="0"/>
-              <a:t>	if </a:t>
+              <a:t> in range(</a:t>
             </a:r>
             <a:r>
               <a:rPr lang="en-US" dirty="0" err="1" smtClean="0"/>
-              <a:t>B_i</a:t>
-            </a:r>
-            <a:r>
-              <a:rPr lang="en-US" dirty="0" smtClean="0"/>
-              <a:t> </a:t>
-            </a:r>
-            <a:r>
-              <a:rPr lang="en-US" dirty="0"/>
-              <a:t>&gt; 0:</a:t>
-            </a:r>
-          </a:p>
-          <a:p>
-            <a:pPr marL="0" indent="0">
-              <a:buNone/>
-            </a:pPr>
-            <a:r>
-              <a:rPr lang="de-DE" dirty="0"/>
-              <a:t>	</a:t>
-            </a:r>
-            <a:r>
-              <a:rPr lang="de-DE" dirty="0" smtClean="0"/>
-              <a:t>    </a:t>
-            </a:r>
-            <a:r>
-              <a:rPr lang="de-DE" dirty="0" err="1" smtClean="0"/>
-              <a:t>A_i</a:t>
-            </a:r>
-            <a:r>
-              <a:rPr lang="de-DE" dirty="0" smtClean="0"/>
-              <a:t> </a:t>
-            </a:r>
-            <a:r>
-              <a:rPr lang="de-DE" dirty="0"/>
-              <a:t>= </a:t>
-            </a:r>
-            <a:r>
-              <a:rPr lang="de-DE" dirty="0" smtClean="0"/>
-              <a:t>...</a:t>
-            </a:r>
-            <a:endParaRPr lang="de-DE" dirty="0"/>
-          </a:p>
-          <a:p>
-            <a:pPr marL="0" indent="0">
-              <a:buNone/>
-            </a:pPr>
-            <a:r>
-              <a:rPr lang="hu-HU" dirty="0"/>
-              <a:t>	</a:t>
-            </a:r>
-            <a:r>
-              <a:rPr lang="hu-HU" dirty="0" smtClean="0"/>
-              <a:t>else:</a:t>
-            </a:r>
-          </a:p>
-          <a:p>
-            <a:pPr marL="0" indent="0">
-              <a:buNone/>
-            </a:pPr>
-            <a:r>
-              <a:rPr lang="hu-HU" dirty="0"/>
-              <a:t>	 </a:t>
-            </a:r>
-            <a:r>
-              <a:rPr lang="hu-HU" dirty="0" smtClean="0"/>
-              <a:t>   </a:t>
-            </a:r>
-            <a:r>
-              <a:rPr lang="ro-RO" dirty="0" smtClean="0"/>
-              <a:t>A_i </a:t>
-            </a:r>
-            <a:r>
-              <a:rPr lang="ro-RO" dirty="0"/>
-              <a:t>= </a:t>
-            </a:r>
-            <a:r>
-              <a:rPr lang="ro-RO" dirty="0" smtClean="0"/>
-              <a:t>...</a:t>
-            </a:r>
-            <a:endParaRPr lang="ro-RO" dirty="0"/>
+              <a:t>len</a:t>
+            </a:r>
+            <a:r>
+              <a:rPr lang="en-US" dirty="0" smtClean="0"/>
+              <a:t>):</a:t>
+            </a:r>
           </a:p>
           <a:p>
             <a:pPr marL="0" indent="0">
@@ -9485,373 +8837,28 @@
             </a:r>
             <a:r>
               <a:rPr lang="en-US" dirty="0" smtClean="0"/>
-              <a:t>     x </a:t>
-            </a:r>
-            <a:r>
-              <a:rPr lang="en-US" dirty="0"/>
-              <a:t>= </a:t>
-            </a:r>
-            <a:r>
-              <a:rPr lang="en-US" dirty="0" err="1" smtClean="0"/>
-              <a:t>A_i</a:t>
-            </a:r>
-            <a:r>
-              <a:rPr lang="en-US" dirty="0" smtClean="0"/>
-              <a:t>;</a:t>
-            </a:r>
-            <a:endParaRPr lang="en-US" dirty="0"/>
-          </a:p>
-        </p:txBody>
-      </p:sp>
-      <p:sp>
-        <p:nvSpPr>
-          <p:cNvPr id="7" name="Right Arrow 6"/>
-          <p:cNvSpPr/>
-          <p:nvPr/>
-        </p:nvSpPr>
-        <p:spPr>
-          <a:xfrm>
-            <a:off x="2792469" y="3463809"/>
-            <a:ext cx="544424" cy="484632"/>
-          </a:xfrm>
-          <a:prstGeom prst="rightArrow">
-            <a:avLst/>
-          </a:prstGeom>
-        </p:spPr>
-        <p:style>
-          <a:lnRef idx="1">
-            <a:schemeClr val="accent1"/>
-          </a:lnRef>
-          <a:fillRef idx="3">
-            <a:schemeClr val="accent1"/>
-          </a:fillRef>
-          <a:effectRef idx="2">
-            <a:schemeClr val="accent1"/>
-          </a:effectRef>
-          <a:fontRef idx="minor">
-            <a:schemeClr val="lt1"/>
-          </a:fontRef>
-        </p:style>
-        <p:txBody>
-          <a:bodyPr rtlCol="0" anchor="ctr"/>
-          <a:lstStyle/>
-          <a:p>
-            <a:pPr algn="ctr"/>
-            <a:endParaRPr lang="en-US"/>
-          </a:p>
-        </p:txBody>
-      </p:sp>
-      <p:sp>
-        <p:nvSpPr>
-          <p:cNvPr id="8" name="Right Arrow 7"/>
-          <p:cNvSpPr/>
-          <p:nvPr/>
-        </p:nvSpPr>
-        <p:spPr>
-          <a:xfrm>
-            <a:off x="5608662" y="3463809"/>
-            <a:ext cx="544424" cy="484632"/>
-          </a:xfrm>
-          <a:prstGeom prst="rightArrow">
-            <a:avLst/>
-          </a:prstGeom>
-        </p:spPr>
-        <p:style>
-          <a:lnRef idx="1">
-            <a:schemeClr val="accent1"/>
-          </a:lnRef>
-          <a:fillRef idx="3">
-            <a:schemeClr val="accent1"/>
-          </a:fillRef>
-          <a:effectRef idx="2">
-            <a:schemeClr val="accent1"/>
-          </a:effectRef>
-          <a:fontRef idx="minor">
-            <a:schemeClr val="lt1"/>
-          </a:fontRef>
-        </p:style>
-        <p:txBody>
-          <a:bodyPr rtlCol="0" anchor="ctr"/>
-          <a:lstStyle/>
-          <a:p>
-            <a:pPr algn="ctr"/>
-            <a:endParaRPr lang="en-US"/>
-          </a:p>
-        </p:txBody>
-      </p:sp>
-      <p:sp>
-        <p:nvSpPr>
-          <p:cNvPr id="9" name="Content Placeholder 2"/>
-          <p:cNvSpPr txBox="1">
-            <a:spLocks/>
-          </p:cNvSpPr>
-          <p:nvPr/>
-        </p:nvSpPr>
-        <p:spPr>
-          <a:xfrm>
-            <a:off x="6087947" y="2662627"/>
-            <a:ext cx="2926632" cy="2362661"/>
-          </a:xfrm>
-          <a:prstGeom prst="rect">
-            <a:avLst/>
-          </a:prstGeom>
-        </p:spPr>
-        <p:txBody>
-          <a:bodyPr vert="horz" lIns="91440" tIns="45720" rIns="91440" bIns="45720" rtlCol="0">
-            <a:normAutofit fontScale="62500" lnSpcReduction="20000"/>
-          </a:bodyPr>
-          <a:lstStyle>
-            <a:lvl1pPr marL="342900" indent="-342900" algn="l" defTabSz="457200" rtl="0" eaLnBrk="1" latinLnBrk="0" hangingPunct="1">
-              <a:spcBef>
-                <a:spcPct val="20000"/>
-              </a:spcBef>
-              <a:buFont typeface="Arial"/>
-              <a:buChar char="•"/>
-              <a:defRPr sz="3200" kern="1200">
-                <a:solidFill>
-                  <a:schemeClr val="tx1"/>
-                </a:solidFill>
-                <a:latin typeface="+mn-lt"/>
-                <a:ea typeface="+mn-ea"/>
-                <a:cs typeface="+mn-cs"/>
-              </a:defRPr>
-            </a:lvl1pPr>
-            <a:lvl2pPr marL="742950" indent="-285750" algn="l" defTabSz="457200" rtl="0" eaLnBrk="1" latinLnBrk="0" hangingPunct="1">
-              <a:spcBef>
-                <a:spcPct val="20000"/>
-              </a:spcBef>
-              <a:buFont typeface="Arial"/>
-              <a:buChar char="–"/>
-              <a:defRPr sz="2800" kern="1200">
-                <a:solidFill>
-                  <a:schemeClr val="tx1"/>
-                </a:solidFill>
-                <a:latin typeface="+mn-lt"/>
-                <a:ea typeface="+mn-ea"/>
-                <a:cs typeface="+mn-cs"/>
-              </a:defRPr>
-            </a:lvl2pPr>
-            <a:lvl3pPr marL="1143000" indent="-228600" algn="l" defTabSz="457200" rtl="0" eaLnBrk="1" latinLnBrk="0" hangingPunct="1">
-              <a:spcBef>
-                <a:spcPct val="20000"/>
-              </a:spcBef>
-              <a:buFont typeface="Arial"/>
-              <a:buChar char="•"/>
-              <a:defRPr sz="2400" kern="1200">
-                <a:solidFill>
-                  <a:schemeClr val="tx1"/>
-                </a:solidFill>
-                <a:latin typeface="+mn-lt"/>
-                <a:ea typeface="+mn-ea"/>
-                <a:cs typeface="+mn-cs"/>
-              </a:defRPr>
-            </a:lvl3pPr>
-            <a:lvl4pPr marL="1600200" indent="-228600" algn="l" defTabSz="457200" rtl="0" eaLnBrk="1" latinLnBrk="0" hangingPunct="1">
-              <a:spcBef>
-                <a:spcPct val="20000"/>
-              </a:spcBef>
-              <a:buFont typeface="Arial"/>
-              <a:buChar char="–"/>
-              <a:defRPr sz="2000" kern="1200">
-                <a:solidFill>
-                  <a:schemeClr val="tx1"/>
-                </a:solidFill>
-                <a:latin typeface="+mn-lt"/>
-                <a:ea typeface="+mn-ea"/>
-                <a:cs typeface="+mn-cs"/>
-              </a:defRPr>
-            </a:lvl4pPr>
-            <a:lvl5pPr marL="2057400" indent="-228600" algn="l" defTabSz="457200" rtl="0" eaLnBrk="1" latinLnBrk="0" hangingPunct="1">
-              <a:spcBef>
-                <a:spcPct val="20000"/>
-              </a:spcBef>
-              <a:buFont typeface="Arial"/>
-              <a:buChar char="»"/>
-              <a:defRPr sz="2000" kern="1200">
-                <a:solidFill>
-                  <a:schemeClr val="tx1"/>
-                </a:solidFill>
-                <a:latin typeface="+mn-lt"/>
-                <a:ea typeface="+mn-ea"/>
-                <a:cs typeface="+mn-cs"/>
-              </a:defRPr>
-            </a:lvl5pPr>
-            <a:lvl6pPr marL="2514600" indent="-228600" algn="l" defTabSz="457200" rtl="0" eaLnBrk="1" latinLnBrk="0" hangingPunct="1">
-              <a:spcBef>
-                <a:spcPct val="20000"/>
-              </a:spcBef>
-              <a:buFont typeface="Arial"/>
-              <a:buChar char="•"/>
-              <a:defRPr sz="2000" kern="1200">
-                <a:solidFill>
-                  <a:schemeClr val="tx1"/>
-                </a:solidFill>
-                <a:latin typeface="+mn-lt"/>
-                <a:ea typeface="+mn-ea"/>
-                <a:cs typeface="+mn-cs"/>
-              </a:defRPr>
-            </a:lvl6pPr>
-            <a:lvl7pPr marL="2971800" indent="-228600" algn="l" defTabSz="457200" rtl="0" eaLnBrk="1" latinLnBrk="0" hangingPunct="1">
-              <a:spcBef>
-                <a:spcPct val="20000"/>
-              </a:spcBef>
-              <a:buFont typeface="Arial"/>
-              <a:buChar char="•"/>
-              <a:defRPr sz="2000" kern="1200">
-                <a:solidFill>
-                  <a:schemeClr val="tx1"/>
-                </a:solidFill>
-                <a:latin typeface="+mn-lt"/>
-                <a:ea typeface="+mn-ea"/>
-                <a:cs typeface="+mn-cs"/>
-              </a:defRPr>
-            </a:lvl7pPr>
-            <a:lvl8pPr marL="3429000" indent="-228600" algn="l" defTabSz="457200" rtl="0" eaLnBrk="1" latinLnBrk="0" hangingPunct="1">
-              <a:spcBef>
-                <a:spcPct val="20000"/>
-              </a:spcBef>
-              <a:buFont typeface="Arial"/>
-              <a:buChar char="•"/>
-              <a:defRPr sz="2000" kern="1200">
-                <a:solidFill>
-                  <a:schemeClr val="tx1"/>
-                </a:solidFill>
-                <a:latin typeface="+mn-lt"/>
-                <a:ea typeface="+mn-ea"/>
-                <a:cs typeface="+mn-cs"/>
-              </a:defRPr>
-            </a:lvl8pPr>
-            <a:lvl9pPr marL="3886200" indent="-228600" algn="l" defTabSz="457200" rtl="0" eaLnBrk="1" latinLnBrk="0" hangingPunct="1">
-              <a:spcBef>
-                <a:spcPct val="20000"/>
-              </a:spcBef>
-              <a:buFont typeface="Arial"/>
-              <a:buChar char="•"/>
-              <a:defRPr sz="2000" kern="1200">
-                <a:solidFill>
-                  <a:schemeClr val="tx1"/>
-                </a:solidFill>
-                <a:latin typeface="+mn-lt"/>
-                <a:ea typeface="+mn-ea"/>
-                <a:cs typeface="+mn-cs"/>
-              </a:defRPr>
-            </a:lvl9pPr>
-          </a:lstStyle>
-          <a:p>
-            <a:pPr marL="0" indent="0">
-              <a:buFont typeface="Arial"/>
-              <a:buNone/>
-            </a:pPr>
-            <a:r>
-              <a:rPr lang="en-US" dirty="0" smtClean="0"/>
-              <a:t>for </a:t>
-            </a:r>
-            <a:r>
-              <a:rPr lang="en-US" dirty="0" err="1" smtClean="0"/>
-              <a:t>i</a:t>
-            </a:r>
-            <a:r>
-              <a:rPr lang="en-US" dirty="0" smtClean="0"/>
-              <a:t> in range(0,len):</a:t>
-            </a:r>
-          </a:p>
-          <a:p>
-            <a:pPr marL="0" indent="0">
-              <a:buNone/>
-            </a:pPr>
-            <a:r>
-              <a:rPr lang="en-US" dirty="0" smtClean="0"/>
-              <a:t>	if B_i</a:t>
-            </a:r>
-            <a:r>
-              <a:rPr lang="en-US" b="1" dirty="0" smtClean="0"/>
-              <a:t>_0</a:t>
-            </a:r>
-            <a:r>
-              <a:rPr lang="en-US" dirty="0" smtClean="0"/>
-              <a:t> </a:t>
-            </a:r>
-            <a:r>
-              <a:rPr lang="en-US" dirty="0"/>
-              <a:t>&gt; 0:</a:t>
-            </a:r>
-          </a:p>
-          <a:p>
-            <a:pPr marL="0" indent="0">
-              <a:buNone/>
-            </a:pPr>
-            <a:r>
-              <a:rPr lang="de-DE" dirty="0"/>
-              <a:t>	</a:t>
-            </a:r>
-            <a:r>
-              <a:rPr lang="de-DE" dirty="0" smtClean="0"/>
-              <a:t>    A_i</a:t>
-            </a:r>
-            <a:r>
-              <a:rPr lang="de-DE" b="1" dirty="0" smtClean="0"/>
-              <a:t>_1</a:t>
-            </a:r>
-            <a:r>
-              <a:rPr lang="de-DE" dirty="0" smtClean="0"/>
-              <a:t> </a:t>
-            </a:r>
-            <a:r>
-              <a:rPr lang="de-DE" dirty="0"/>
-              <a:t>= </a:t>
-            </a:r>
-            <a:r>
-              <a:rPr lang="de-DE" dirty="0" smtClean="0"/>
-              <a:t>...</a:t>
-            </a:r>
-            <a:endParaRPr lang="de-DE" dirty="0"/>
-          </a:p>
-          <a:p>
-            <a:pPr marL="0" indent="0">
-              <a:buNone/>
-            </a:pPr>
-            <a:r>
-              <a:rPr lang="hu-HU" dirty="0"/>
-              <a:t>	</a:t>
-            </a:r>
-            <a:r>
-              <a:rPr lang="hu-HU" dirty="0" smtClean="0"/>
-              <a:t>else:</a:t>
-            </a:r>
-          </a:p>
-          <a:p>
-            <a:pPr marL="0" indent="0">
-              <a:buNone/>
-            </a:pPr>
-            <a:r>
-              <a:rPr lang="hu-HU" dirty="0"/>
-              <a:t>	 </a:t>
-            </a:r>
-            <a:r>
-              <a:rPr lang="hu-HU" dirty="0" smtClean="0"/>
-              <a:t>   </a:t>
-            </a:r>
-            <a:r>
-              <a:rPr lang="ro-RO" dirty="0" smtClean="0"/>
-              <a:t>A_i</a:t>
-            </a:r>
-            <a:r>
-              <a:rPr lang="ro-RO" b="1" dirty="0" smtClean="0"/>
-              <a:t>_2</a:t>
-            </a:r>
-            <a:r>
-              <a:rPr lang="ro-RO" dirty="0" smtClean="0"/>
-              <a:t> </a:t>
-            </a:r>
-            <a:r>
-              <a:rPr lang="ro-RO" dirty="0"/>
-              <a:t>= </a:t>
-            </a:r>
-            <a:r>
-              <a:rPr lang="ro-RO" dirty="0" smtClean="0"/>
-              <a:t>...</a:t>
-            </a:r>
-            <a:endParaRPr lang="ro-RO" dirty="0"/>
+              <a:t>   t = </a:t>
+            </a:r>
+            <a:r>
+              <a:rPr lang="en-US" dirty="0" smtClean="0">
+                <a:solidFill>
+                  <a:srgbClr val="FF0000"/>
+                </a:solidFill>
+              </a:rPr>
+              <a:t>A_i_0</a:t>
+            </a:r>
+            <a:r>
+              <a:rPr lang="en-US" dirty="0" smtClean="0"/>
+              <a:t> * </a:t>
+            </a:r>
+            <a:r>
+              <a:rPr lang="en-US" dirty="0" smtClean="0">
+                <a:solidFill>
+                  <a:srgbClr val="0000FF"/>
+                </a:solidFill>
+              </a:rPr>
+              <a:t>B_i_0</a:t>
+            </a:r>
           </a:p>
           <a:p>
             <a:pPr marL="0" indent="0">
@@ -9863,60 +8870,16 @@
             </a:r>
             <a:r>
               <a:rPr lang="en-US" dirty="0" smtClean="0"/>
-              <a:t>        x = </a:t>
-            </a:r>
-            <a:r>
-              <a:rPr lang="en-US" dirty="0"/>
-              <a:t> </a:t>
-            </a:r>
-            <a:r>
-              <a:rPr lang="en-US" dirty="0" smtClean="0"/>
-              <a:t>  </a:t>
-            </a:r>
-            <a:r>
-              <a:rPr lang="en-US" dirty="0"/>
-              <a:t> </a:t>
-            </a:r>
-            <a:r>
-              <a:rPr lang="en-US" dirty="0" smtClean="0"/>
-              <a:t> </a:t>
-            </a:r>
-          </a:p>
-          <a:p>
-            <a:pPr marL="0" indent="0">
-              <a:buNone/>
-            </a:pPr>
-            <a:r>
-              <a:rPr lang="en-US" dirty="0"/>
-              <a:t> </a:t>
-            </a:r>
-            <a:r>
-              <a:rPr lang="en-US" dirty="0" smtClean="0"/>
-              <a:t>           phi(A_i</a:t>
-            </a:r>
-            <a:r>
-              <a:rPr lang="en-US" b="1" dirty="0" smtClean="0"/>
-              <a:t>_1</a:t>
-            </a:r>
-            <a:r>
-              <a:rPr lang="en-US" dirty="0" smtClean="0"/>
-              <a:t>,A_i</a:t>
-            </a:r>
-            <a:r>
-              <a:rPr lang="en-US" b="1" dirty="0" smtClean="0"/>
-              <a:t>_2</a:t>
-            </a:r>
-            <a:r>
-              <a:rPr lang="en-US" dirty="0" smtClean="0"/>
-              <a:t>);</a:t>
-            </a:r>
+              <a:t>   sum_1 = sum_0 + t</a:t>
+            </a:r>
+            <a:endParaRPr lang="en-US" dirty="0"/>
           </a:p>
         </p:txBody>
       </p:sp>
     </p:spTree>
     <p:extLst>
       <p:ext uri="{BB962C8B-B14F-4D97-AF65-F5344CB8AC3E}">
-        <p14:creationId xmlns:p14="http://schemas.microsoft.com/office/powerpoint/2010/main" val="4149856790"/>
+        <p14:creationId xmlns:p14="http://schemas.microsoft.com/office/powerpoint/2010/main" val="1162497096"/>
       </p:ext>
     </p:extLst>
   </p:cSld>
@@ -9995,6 +8958,1075 @@
       </p:sp>
       <p:sp>
         <p:nvSpPr>
+          <p:cNvPr id="4" name="Content Placeholder 2"/>
+          <p:cNvSpPr txBox="1">
+            <a:spLocks/>
+          </p:cNvSpPr>
+          <p:nvPr/>
+        </p:nvSpPr>
+        <p:spPr>
+          <a:xfrm>
+            <a:off x="194907" y="2593597"/>
+            <a:ext cx="2869774" cy="2431691"/>
+          </a:xfrm>
+          <a:prstGeom prst="rect">
+            <a:avLst/>
+          </a:prstGeom>
+        </p:spPr>
+        <p:txBody>
+          <a:bodyPr vert="horz" lIns="91440" tIns="45720" rIns="91440" bIns="45720" rtlCol="0">
+            <a:normAutofit fontScale="77500" lnSpcReduction="20000"/>
+          </a:bodyPr>
+          <a:lstStyle>
+            <a:lvl1pPr marL="342900" indent="-342900" algn="l" defTabSz="457200" rtl="0" eaLnBrk="1" latinLnBrk="0" hangingPunct="1">
+              <a:spcBef>
+                <a:spcPct val="20000"/>
+              </a:spcBef>
+              <a:buFont typeface="Arial"/>
+              <a:buChar char="•"/>
+              <a:defRPr sz="3200" kern="1200">
+                <a:solidFill>
+                  <a:schemeClr val="tx1"/>
+                </a:solidFill>
+                <a:latin typeface="+mn-lt"/>
+                <a:ea typeface="+mn-ea"/>
+                <a:cs typeface="+mn-cs"/>
+              </a:defRPr>
+            </a:lvl1pPr>
+            <a:lvl2pPr marL="742950" indent="-285750" algn="l" defTabSz="457200" rtl="0" eaLnBrk="1" latinLnBrk="0" hangingPunct="1">
+              <a:spcBef>
+                <a:spcPct val="20000"/>
+              </a:spcBef>
+              <a:buFont typeface="Arial"/>
+              <a:buChar char="–"/>
+              <a:defRPr sz="2800" kern="1200">
+                <a:solidFill>
+                  <a:schemeClr val="tx1"/>
+                </a:solidFill>
+                <a:latin typeface="+mn-lt"/>
+                <a:ea typeface="+mn-ea"/>
+                <a:cs typeface="+mn-cs"/>
+              </a:defRPr>
+            </a:lvl2pPr>
+            <a:lvl3pPr marL="1143000" indent="-228600" algn="l" defTabSz="457200" rtl="0" eaLnBrk="1" latinLnBrk="0" hangingPunct="1">
+              <a:spcBef>
+                <a:spcPct val="20000"/>
+              </a:spcBef>
+              <a:buFont typeface="Arial"/>
+              <a:buChar char="•"/>
+              <a:defRPr sz="2400" kern="1200">
+                <a:solidFill>
+                  <a:schemeClr val="tx1"/>
+                </a:solidFill>
+                <a:latin typeface="+mn-lt"/>
+                <a:ea typeface="+mn-ea"/>
+                <a:cs typeface="+mn-cs"/>
+              </a:defRPr>
+            </a:lvl3pPr>
+            <a:lvl4pPr marL="1600200" indent="-228600" algn="l" defTabSz="457200" rtl="0" eaLnBrk="1" latinLnBrk="0" hangingPunct="1">
+              <a:spcBef>
+                <a:spcPct val="20000"/>
+              </a:spcBef>
+              <a:buFont typeface="Arial"/>
+              <a:buChar char="–"/>
+              <a:defRPr sz="2000" kern="1200">
+                <a:solidFill>
+                  <a:schemeClr val="tx1"/>
+                </a:solidFill>
+                <a:latin typeface="+mn-lt"/>
+                <a:ea typeface="+mn-ea"/>
+                <a:cs typeface="+mn-cs"/>
+              </a:defRPr>
+            </a:lvl4pPr>
+            <a:lvl5pPr marL="2057400" indent="-228600" algn="l" defTabSz="457200" rtl="0" eaLnBrk="1" latinLnBrk="0" hangingPunct="1">
+              <a:spcBef>
+                <a:spcPct val="20000"/>
+              </a:spcBef>
+              <a:buFont typeface="Arial"/>
+              <a:buChar char="»"/>
+              <a:defRPr sz="2000" kern="1200">
+                <a:solidFill>
+                  <a:schemeClr val="tx1"/>
+                </a:solidFill>
+                <a:latin typeface="+mn-lt"/>
+                <a:ea typeface="+mn-ea"/>
+                <a:cs typeface="+mn-cs"/>
+              </a:defRPr>
+            </a:lvl5pPr>
+            <a:lvl6pPr marL="2514600" indent="-228600" algn="l" defTabSz="457200" rtl="0" eaLnBrk="1" latinLnBrk="0" hangingPunct="1">
+              <a:spcBef>
+                <a:spcPct val="20000"/>
+              </a:spcBef>
+              <a:buFont typeface="Arial"/>
+              <a:buChar char="•"/>
+              <a:defRPr sz="2000" kern="1200">
+                <a:solidFill>
+                  <a:schemeClr val="tx1"/>
+                </a:solidFill>
+                <a:latin typeface="+mn-lt"/>
+                <a:ea typeface="+mn-ea"/>
+                <a:cs typeface="+mn-cs"/>
+              </a:defRPr>
+            </a:lvl6pPr>
+            <a:lvl7pPr marL="2971800" indent="-228600" algn="l" defTabSz="457200" rtl="0" eaLnBrk="1" latinLnBrk="0" hangingPunct="1">
+              <a:spcBef>
+                <a:spcPct val="20000"/>
+              </a:spcBef>
+              <a:buFont typeface="Arial"/>
+              <a:buChar char="•"/>
+              <a:defRPr sz="2000" kern="1200">
+                <a:solidFill>
+                  <a:schemeClr val="tx1"/>
+                </a:solidFill>
+                <a:latin typeface="+mn-lt"/>
+                <a:ea typeface="+mn-ea"/>
+                <a:cs typeface="+mn-cs"/>
+              </a:defRPr>
+            </a:lvl7pPr>
+            <a:lvl8pPr marL="3429000" indent="-228600" algn="l" defTabSz="457200" rtl="0" eaLnBrk="1" latinLnBrk="0" hangingPunct="1">
+              <a:spcBef>
+                <a:spcPct val="20000"/>
+              </a:spcBef>
+              <a:buFont typeface="Arial"/>
+              <a:buChar char="•"/>
+              <a:defRPr sz="2000" kern="1200">
+                <a:solidFill>
+                  <a:schemeClr val="tx1"/>
+                </a:solidFill>
+                <a:latin typeface="+mn-lt"/>
+                <a:ea typeface="+mn-ea"/>
+                <a:cs typeface="+mn-cs"/>
+              </a:defRPr>
+            </a:lvl8pPr>
+            <a:lvl9pPr marL="3886200" indent="-228600" algn="l" defTabSz="457200" rtl="0" eaLnBrk="1" latinLnBrk="0" hangingPunct="1">
+              <a:spcBef>
+                <a:spcPct val="20000"/>
+              </a:spcBef>
+              <a:buFont typeface="Arial"/>
+              <a:buChar char="•"/>
+              <a:defRPr sz="2000" kern="1200">
+                <a:solidFill>
+                  <a:schemeClr val="tx1"/>
+                </a:solidFill>
+                <a:latin typeface="+mn-lt"/>
+                <a:ea typeface="+mn-ea"/>
+                <a:cs typeface="+mn-cs"/>
+              </a:defRPr>
+            </a:lvl9pPr>
+          </a:lstStyle>
+          <a:p>
+            <a:pPr marL="0" indent="0">
+              <a:buFont typeface="Arial"/>
+              <a:buNone/>
+            </a:pPr>
+            <a:r>
+              <a:rPr lang="en-US" dirty="0" smtClean="0"/>
+              <a:t>for </a:t>
+            </a:r>
+            <a:r>
+              <a:rPr lang="en-US" dirty="0" err="1" smtClean="0"/>
+              <a:t>i</a:t>
+            </a:r>
+            <a:r>
+              <a:rPr lang="en-US" dirty="0" smtClean="0"/>
+              <a:t> in range(0,len):</a:t>
+            </a:r>
+          </a:p>
+          <a:p>
+            <a:pPr marL="0" indent="0">
+              <a:buNone/>
+            </a:pPr>
+            <a:r>
+              <a:rPr lang="en-US" dirty="0" smtClean="0"/>
+              <a:t>	if </a:t>
+            </a:r>
+            <a:r>
+              <a:rPr lang="en-US" dirty="0"/>
+              <a:t>B[</a:t>
+            </a:r>
+            <a:r>
+              <a:rPr lang="en-US" dirty="0" err="1"/>
+              <a:t>i</a:t>
+            </a:r>
+            <a:r>
+              <a:rPr lang="en-US" dirty="0"/>
+              <a:t>] &gt; 0:</a:t>
+            </a:r>
+          </a:p>
+          <a:p>
+            <a:pPr marL="0" indent="0">
+              <a:buNone/>
+            </a:pPr>
+            <a:r>
+              <a:rPr lang="de-DE" dirty="0"/>
+              <a:t>	</a:t>
+            </a:r>
+            <a:r>
+              <a:rPr lang="de-DE" dirty="0" smtClean="0"/>
+              <a:t>    </a:t>
+            </a:r>
+            <a:r>
+              <a:rPr lang="de-DE" dirty="0"/>
+              <a:t>A[i] </a:t>
+            </a:r>
+            <a:r>
+              <a:rPr lang="de-DE" dirty="0" smtClean="0"/>
+              <a:t>= ...</a:t>
+            </a:r>
+            <a:endParaRPr lang="de-DE" dirty="0"/>
+          </a:p>
+          <a:p>
+            <a:pPr marL="0" indent="0">
+              <a:buNone/>
+            </a:pPr>
+            <a:r>
+              <a:rPr lang="hu-HU" dirty="0"/>
+              <a:t>	</a:t>
+            </a:r>
+            <a:r>
+              <a:rPr lang="hu-HU" dirty="0" smtClean="0"/>
+              <a:t>else:</a:t>
+            </a:r>
+          </a:p>
+          <a:p>
+            <a:pPr marL="0" indent="0">
+              <a:buNone/>
+            </a:pPr>
+            <a:r>
+              <a:rPr lang="hu-HU" dirty="0"/>
+              <a:t>	 </a:t>
+            </a:r>
+            <a:r>
+              <a:rPr lang="hu-HU" dirty="0" smtClean="0"/>
+              <a:t>   </a:t>
+            </a:r>
+            <a:r>
+              <a:rPr lang="ro-RO" dirty="0" smtClean="0"/>
+              <a:t>A</a:t>
+            </a:r>
+            <a:r>
+              <a:rPr lang="ro-RO" dirty="0"/>
+              <a:t>[i] = </a:t>
+            </a:r>
+            <a:r>
+              <a:rPr lang="ro-RO" dirty="0" smtClean="0"/>
+              <a:t>...</a:t>
+            </a:r>
+            <a:endParaRPr lang="ro-RO" dirty="0"/>
+          </a:p>
+          <a:p>
+            <a:pPr marL="0" indent="0">
+              <a:buNone/>
+            </a:pPr>
+            <a:r>
+              <a:rPr lang="en-US" dirty="0"/>
+              <a:t> </a:t>
+            </a:r>
+            <a:r>
+              <a:rPr lang="en-US" dirty="0" smtClean="0"/>
+              <a:t>     x </a:t>
+            </a:r>
+            <a:r>
+              <a:rPr lang="en-US" dirty="0"/>
+              <a:t>= A[</a:t>
+            </a:r>
+            <a:r>
+              <a:rPr lang="en-US" dirty="0" err="1"/>
+              <a:t>i</a:t>
+            </a:r>
+            <a:r>
+              <a:rPr lang="en-US" dirty="0"/>
+              <a:t>];</a:t>
+            </a:r>
+          </a:p>
+        </p:txBody>
+      </p:sp>
+      <p:sp>
+        <p:nvSpPr>
+          <p:cNvPr id="6" name="Content Placeholder 2"/>
+          <p:cNvSpPr txBox="1">
+            <a:spLocks/>
+          </p:cNvSpPr>
+          <p:nvPr/>
+        </p:nvSpPr>
+        <p:spPr>
+          <a:xfrm>
+            <a:off x="3166474" y="2635015"/>
+            <a:ext cx="2921473" cy="2707190"/>
+          </a:xfrm>
+          <a:prstGeom prst="rect">
+            <a:avLst/>
+          </a:prstGeom>
+        </p:spPr>
+        <p:txBody>
+          <a:bodyPr vert="horz" lIns="91440" tIns="45720" rIns="91440" bIns="45720" rtlCol="0">
+            <a:normAutofit fontScale="77500" lnSpcReduction="20000"/>
+          </a:bodyPr>
+          <a:lstStyle>
+            <a:lvl1pPr marL="342900" indent="-342900" algn="l" defTabSz="457200" rtl="0" eaLnBrk="1" latinLnBrk="0" hangingPunct="1">
+              <a:spcBef>
+                <a:spcPct val="20000"/>
+              </a:spcBef>
+              <a:buFont typeface="Arial"/>
+              <a:buChar char="•"/>
+              <a:defRPr sz="3200" kern="1200">
+                <a:solidFill>
+                  <a:schemeClr val="tx1"/>
+                </a:solidFill>
+                <a:latin typeface="+mn-lt"/>
+                <a:ea typeface="+mn-ea"/>
+                <a:cs typeface="+mn-cs"/>
+              </a:defRPr>
+            </a:lvl1pPr>
+            <a:lvl2pPr marL="742950" indent="-285750" algn="l" defTabSz="457200" rtl="0" eaLnBrk="1" latinLnBrk="0" hangingPunct="1">
+              <a:spcBef>
+                <a:spcPct val="20000"/>
+              </a:spcBef>
+              <a:buFont typeface="Arial"/>
+              <a:buChar char="–"/>
+              <a:defRPr sz="2800" kern="1200">
+                <a:solidFill>
+                  <a:schemeClr val="tx1"/>
+                </a:solidFill>
+                <a:latin typeface="+mn-lt"/>
+                <a:ea typeface="+mn-ea"/>
+                <a:cs typeface="+mn-cs"/>
+              </a:defRPr>
+            </a:lvl2pPr>
+            <a:lvl3pPr marL="1143000" indent="-228600" algn="l" defTabSz="457200" rtl="0" eaLnBrk="1" latinLnBrk="0" hangingPunct="1">
+              <a:spcBef>
+                <a:spcPct val="20000"/>
+              </a:spcBef>
+              <a:buFont typeface="Arial"/>
+              <a:buChar char="•"/>
+              <a:defRPr sz="2400" kern="1200">
+                <a:solidFill>
+                  <a:schemeClr val="tx1"/>
+                </a:solidFill>
+                <a:latin typeface="+mn-lt"/>
+                <a:ea typeface="+mn-ea"/>
+                <a:cs typeface="+mn-cs"/>
+              </a:defRPr>
+            </a:lvl3pPr>
+            <a:lvl4pPr marL="1600200" indent="-228600" algn="l" defTabSz="457200" rtl="0" eaLnBrk="1" latinLnBrk="0" hangingPunct="1">
+              <a:spcBef>
+                <a:spcPct val="20000"/>
+              </a:spcBef>
+              <a:buFont typeface="Arial"/>
+              <a:buChar char="–"/>
+              <a:defRPr sz="2000" kern="1200">
+                <a:solidFill>
+                  <a:schemeClr val="tx1"/>
+                </a:solidFill>
+                <a:latin typeface="+mn-lt"/>
+                <a:ea typeface="+mn-ea"/>
+                <a:cs typeface="+mn-cs"/>
+              </a:defRPr>
+            </a:lvl4pPr>
+            <a:lvl5pPr marL="2057400" indent="-228600" algn="l" defTabSz="457200" rtl="0" eaLnBrk="1" latinLnBrk="0" hangingPunct="1">
+              <a:spcBef>
+                <a:spcPct val="20000"/>
+              </a:spcBef>
+              <a:buFont typeface="Arial"/>
+              <a:buChar char="»"/>
+              <a:defRPr sz="2000" kern="1200">
+                <a:solidFill>
+                  <a:schemeClr val="tx1"/>
+                </a:solidFill>
+                <a:latin typeface="+mn-lt"/>
+                <a:ea typeface="+mn-ea"/>
+                <a:cs typeface="+mn-cs"/>
+              </a:defRPr>
+            </a:lvl5pPr>
+            <a:lvl6pPr marL="2514600" indent="-228600" algn="l" defTabSz="457200" rtl="0" eaLnBrk="1" latinLnBrk="0" hangingPunct="1">
+              <a:spcBef>
+                <a:spcPct val="20000"/>
+              </a:spcBef>
+              <a:buFont typeface="Arial"/>
+              <a:buChar char="•"/>
+              <a:defRPr sz="2000" kern="1200">
+                <a:solidFill>
+                  <a:schemeClr val="tx1"/>
+                </a:solidFill>
+                <a:latin typeface="+mn-lt"/>
+                <a:ea typeface="+mn-ea"/>
+                <a:cs typeface="+mn-cs"/>
+              </a:defRPr>
+            </a:lvl6pPr>
+            <a:lvl7pPr marL="2971800" indent="-228600" algn="l" defTabSz="457200" rtl="0" eaLnBrk="1" latinLnBrk="0" hangingPunct="1">
+              <a:spcBef>
+                <a:spcPct val="20000"/>
+              </a:spcBef>
+              <a:buFont typeface="Arial"/>
+              <a:buChar char="•"/>
+              <a:defRPr sz="2000" kern="1200">
+                <a:solidFill>
+                  <a:schemeClr val="tx1"/>
+                </a:solidFill>
+                <a:latin typeface="+mn-lt"/>
+                <a:ea typeface="+mn-ea"/>
+                <a:cs typeface="+mn-cs"/>
+              </a:defRPr>
+            </a:lvl7pPr>
+            <a:lvl8pPr marL="3429000" indent="-228600" algn="l" defTabSz="457200" rtl="0" eaLnBrk="1" latinLnBrk="0" hangingPunct="1">
+              <a:spcBef>
+                <a:spcPct val="20000"/>
+              </a:spcBef>
+              <a:buFont typeface="Arial"/>
+              <a:buChar char="•"/>
+              <a:defRPr sz="2000" kern="1200">
+                <a:solidFill>
+                  <a:schemeClr val="tx1"/>
+                </a:solidFill>
+                <a:latin typeface="+mn-lt"/>
+                <a:ea typeface="+mn-ea"/>
+                <a:cs typeface="+mn-cs"/>
+              </a:defRPr>
+            </a:lvl8pPr>
+            <a:lvl9pPr marL="3886200" indent="-228600" algn="l" defTabSz="457200" rtl="0" eaLnBrk="1" latinLnBrk="0" hangingPunct="1">
+              <a:spcBef>
+                <a:spcPct val="20000"/>
+              </a:spcBef>
+              <a:buFont typeface="Arial"/>
+              <a:buChar char="•"/>
+              <a:defRPr sz="2000" kern="1200">
+                <a:solidFill>
+                  <a:schemeClr val="tx1"/>
+                </a:solidFill>
+                <a:latin typeface="+mn-lt"/>
+                <a:ea typeface="+mn-ea"/>
+                <a:cs typeface="+mn-cs"/>
+              </a:defRPr>
+            </a:lvl9pPr>
+          </a:lstStyle>
+          <a:p>
+            <a:pPr marL="0" indent="0">
+              <a:buFont typeface="Arial"/>
+              <a:buNone/>
+            </a:pPr>
+            <a:r>
+              <a:rPr lang="en-US" dirty="0" smtClean="0"/>
+              <a:t>for </a:t>
+            </a:r>
+            <a:r>
+              <a:rPr lang="en-US" dirty="0" err="1" smtClean="0"/>
+              <a:t>i</a:t>
+            </a:r>
+            <a:r>
+              <a:rPr lang="en-US" dirty="0" smtClean="0"/>
+              <a:t> in range(0,len):</a:t>
+            </a:r>
+          </a:p>
+          <a:p>
+            <a:pPr marL="0" indent="0">
+              <a:buNone/>
+            </a:pPr>
+            <a:r>
+              <a:rPr lang="en-US" dirty="0" smtClean="0"/>
+              <a:t>	if </a:t>
+            </a:r>
+            <a:r>
+              <a:rPr lang="en-US" dirty="0" err="1" smtClean="0"/>
+              <a:t>B_i</a:t>
+            </a:r>
+            <a:r>
+              <a:rPr lang="en-US" dirty="0" smtClean="0"/>
+              <a:t> </a:t>
+            </a:r>
+            <a:r>
+              <a:rPr lang="en-US" dirty="0"/>
+              <a:t>&gt; 0:</a:t>
+            </a:r>
+          </a:p>
+          <a:p>
+            <a:pPr marL="0" indent="0">
+              <a:buNone/>
+            </a:pPr>
+            <a:r>
+              <a:rPr lang="de-DE" dirty="0"/>
+              <a:t>	</a:t>
+            </a:r>
+            <a:r>
+              <a:rPr lang="de-DE" dirty="0" smtClean="0"/>
+              <a:t>    </a:t>
+            </a:r>
+            <a:r>
+              <a:rPr lang="de-DE" dirty="0" err="1" smtClean="0"/>
+              <a:t>A_i</a:t>
+            </a:r>
+            <a:r>
+              <a:rPr lang="de-DE" dirty="0" smtClean="0"/>
+              <a:t> </a:t>
+            </a:r>
+            <a:r>
+              <a:rPr lang="de-DE" dirty="0"/>
+              <a:t>= </a:t>
+            </a:r>
+            <a:r>
+              <a:rPr lang="de-DE" dirty="0" smtClean="0"/>
+              <a:t>...</a:t>
+            </a:r>
+            <a:endParaRPr lang="de-DE" dirty="0"/>
+          </a:p>
+          <a:p>
+            <a:pPr marL="0" indent="0">
+              <a:buNone/>
+            </a:pPr>
+            <a:r>
+              <a:rPr lang="hu-HU" dirty="0"/>
+              <a:t>	</a:t>
+            </a:r>
+            <a:r>
+              <a:rPr lang="hu-HU" dirty="0" smtClean="0"/>
+              <a:t>else:</a:t>
+            </a:r>
+          </a:p>
+          <a:p>
+            <a:pPr marL="0" indent="0">
+              <a:buNone/>
+            </a:pPr>
+            <a:r>
+              <a:rPr lang="hu-HU" dirty="0"/>
+              <a:t>	 </a:t>
+            </a:r>
+            <a:r>
+              <a:rPr lang="hu-HU" dirty="0" smtClean="0"/>
+              <a:t>   </a:t>
+            </a:r>
+            <a:r>
+              <a:rPr lang="ro-RO" dirty="0" smtClean="0"/>
+              <a:t>A_i </a:t>
+            </a:r>
+            <a:r>
+              <a:rPr lang="ro-RO" dirty="0"/>
+              <a:t>= </a:t>
+            </a:r>
+            <a:r>
+              <a:rPr lang="ro-RO" dirty="0" smtClean="0"/>
+              <a:t>...</a:t>
+            </a:r>
+            <a:endParaRPr lang="ro-RO" dirty="0"/>
+          </a:p>
+          <a:p>
+            <a:pPr marL="0" indent="0">
+              <a:buNone/>
+            </a:pPr>
+            <a:r>
+              <a:rPr lang="en-US" dirty="0"/>
+              <a:t> </a:t>
+            </a:r>
+            <a:r>
+              <a:rPr lang="en-US" dirty="0" smtClean="0"/>
+              <a:t>     x </a:t>
+            </a:r>
+            <a:r>
+              <a:rPr lang="en-US" dirty="0"/>
+              <a:t>= </a:t>
+            </a:r>
+            <a:r>
+              <a:rPr lang="en-US" dirty="0" err="1" smtClean="0"/>
+              <a:t>A_i</a:t>
+            </a:r>
+            <a:r>
+              <a:rPr lang="en-US" dirty="0" smtClean="0"/>
+              <a:t>;</a:t>
+            </a:r>
+            <a:endParaRPr lang="en-US" dirty="0"/>
+          </a:p>
+        </p:txBody>
+      </p:sp>
+      <p:sp>
+        <p:nvSpPr>
+          <p:cNvPr id="7" name="Right Arrow 6"/>
+          <p:cNvSpPr/>
+          <p:nvPr/>
+        </p:nvSpPr>
+        <p:spPr>
+          <a:xfrm>
+            <a:off x="2792469" y="3463809"/>
+            <a:ext cx="544424" cy="484632"/>
+          </a:xfrm>
+          <a:prstGeom prst="rightArrow">
+            <a:avLst/>
+          </a:prstGeom>
+        </p:spPr>
+        <p:style>
+          <a:lnRef idx="1">
+            <a:schemeClr val="accent1"/>
+          </a:lnRef>
+          <a:fillRef idx="3">
+            <a:schemeClr val="accent1"/>
+          </a:fillRef>
+          <a:effectRef idx="2">
+            <a:schemeClr val="accent1"/>
+          </a:effectRef>
+          <a:fontRef idx="minor">
+            <a:schemeClr val="lt1"/>
+          </a:fontRef>
+        </p:style>
+        <p:txBody>
+          <a:bodyPr rtlCol="0" anchor="ctr"/>
+          <a:lstStyle/>
+          <a:p>
+            <a:pPr algn="ctr"/>
+            <a:endParaRPr lang="en-US"/>
+          </a:p>
+        </p:txBody>
+      </p:sp>
+      <p:sp>
+        <p:nvSpPr>
+          <p:cNvPr id="8" name="Right Arrow 7"/>
+          <p:cNvSpPr/>
+          <p:nvPr/>
+        </p:nvSpPr>
+        <p:spPr>
+          <a:xfrm>
+            <a:off x="5608662" y="3463809"/>
+            <a:ext cx="544424" cy="484632"/>
+          </a:xfrm>
+          <a:prstGeom prst="rightArrow">
+            <a:avLst/>
+          </a:prstGeom>
+        </p:spPr>
+        <p:style>
+          <a:lnRef idx="1">
+            <a:schemeClr val="accent1"/>
+          </a:lnRef>
+          <a:fillRef idx="3">
+            <a:schemeClr val="accent1"/>
+          </a:fillRef>
+          <a:effectRef idx="2">
+            <a:schemeClr val="accent1"/>
+          </a:effectRef>
+          <a:fontRef idx="minor">
+            <a:schemeClr val="lt1"/>
+          </a:fontRef>
+        </p:style>
+        <p:txBody>
+          <a:bodyPr rtlCol="0" anchor="ctr"/>
+          <a:lstStyle/>
+          <a:p>
+            <a:pPr algn="ctr"/>
+            <a:endParaRPr lang="en-US"/>
+          </a:p>
+        </p:txBody>
+      </p:sp>
+      <p:sp>
+        <p:nvSpPr>
+          <p:cNvPr id="9" name="Content Placeholder 2"/>
+          <p:cNvSpPr txBox="1">
+            <a:spLocks/>
+          </p:cNvSpPr>
+          <p:nvPr/>
+        </p:nvSpPr>
+        <p:spPr>
+          <a:xfrm>
+            <a:off x="6087947" y="2662627"/>
+            <a:ext cx="2926632" cy="2362661"/>
+          </a:xfrm>
+          <a:prstGeom prst="rect">
+            <a:avLst/>
+          </a:prstGeom>
+        </p:spPr>
+        <p:txBody>
+          <a:bodyPr vert="horz" lIns="91440" tIns="45720" rIns="91440" bIns="45720" rtlCol="0">
+            <a:normAutofit fontScale="62500" lnSpcReduction="20000"/>
+          </a:bodyPr>
+          <a:lstStyle>
+            <a:lvl1pPr marL="342900" indent="-342900" algn="l" defTabSz="457200" rtl="0" eaLnBrk="1" latinLnBrk="0" hangingPunct="1">
+              <a:spcBef>
+                <a:spcPct val="20000"/>
+              </a:spcBef>
+              <a:buFont typeface="Arial"/>
+              <a:buChar char="•"/>
+              <a:defRPr sz="3200" kern="1200">
+                <a:solidFill>
+                  <a:schemeClr val="tx1"/>
+                </a:solidFill>
+                <a:latin typeface="+mn-lt"/>
+                <a:ea typeface="+mn-ea"/>
+                <a:cs typeface="+mn-cs"/>
+              </a:defRPr>
+            </a:lvl1pPr>
+            <a:lvl2pPr marL="742950" indent="-285750" algn="l" defTabSz="457200" rtl="0" eaLnBrk="1" latinLnBrk="0" hangingPunct="1">
+              <a:spcBef>
+                <a:spcPct val="20000"/>
+              </a:spcBef>
+              <a:buFont typeface="Arial"/>
+              <a:buChar char="–"/>
+              <a:defRPr sz="2800" kern="1200">
+                <a:solidFill>
+                  <a:schemeClr val="tx1"/>
+                </a:solidFill>
+                <a:latin typeface="+mn-lt"/>
+                <a:ea typeface="+mn-ea"/>
+                <a:cs typeface="+mn-cs"/>
+              </a:defRPr>
+            </a:lvl2pPr>
+            <a:lvl3pPr marL="1143000" indent="-228600" algn="l" defTabSz="457200" rtl="0" eaLnBrk="1" latinLnBrk="0" hangingPunct="1">
+              <a:spcBef>
+                <a:spcPct val="20000"/>
+              </a:spcBef>
+              <a:buFont typeface="Arial"/>
+              <a:buChar char="•"/>
+              <a:defRPr sz="2400" kern="1200">
+                <a:solidFill>
+                  <a:schemeClr val="tx1"/>
+                </a:solidFill>
+                <a:latin typeface="+mn-lt"/>
+                <a:ea typeface="+mn-ea"/>
+                <a:cs typeface="+mn-cs"/>
+              </a:defRPr>
+            </a:lvl3pPr>
+            <a:lvl4pPr marL="1600200" indent="-228600" algn="l" defTabSz="457200" rtl="0" eaLnBrk="1" latinLnBrk="0" hangingPunct="1">
+              <a:spcBef>
+                <a:spcPct val="20000"/>
+              </a:spcBef>
+              <a:buFont typeface="Arial"/>
+              <a:buChar char="–"/>
+              <a:defRPr sz="2000" kern="1200">
+                <a:solidFill>
+                  <a:schemeClr val="tx1"/>
+                </a:solidFill>
+                <a:latin typeface="+mn-lt"/>
+                <a:ea typeface="+mn-ea"/>
+                <a:cs typeface="+mn-cs"/>
+              </a:defRPr>
+            </a:lvl4pPr>
+            <a:lvl5pPr marL="2057400" indent="-228600" algn="l" defTabSz="457200" rtl="0" eaLnBrk="1" latinLnBrk="0" hangingPunct="1">
+              <a:spcBef>
+                <a:spcPct val="20000"/>
+              </a:spcBef>
+              <a:buFont typeface="Arial"/>
+              <a:buChar char="»"/>
+              <a:defRPr sz="2000" kern="1200">
+                <a:solidFill>
+                  <a:schemeClr val="tx1"/>
+                </a:solidFill>
+                <a:latin typeface="+mn-lt"/>
+                <a:ea typeface="+mn-ea"/>
+                <a:cs typeface="+mn-cs"/>
+              </a:defRPr>
+            </a:lvl5pPr>
+            <a:lvl6pPr marL="2514600" indent="-228600" algn="l" defTabSz="457200" rtl="0" eaLnBrk="1" latinLnBrk="0" hangingPunct="1">
+              <a:spcBef>
+                <a:spcPct val="20000"/>
+              </a:spcBef>
+              <a:buFont typeface="Arial"/>
+              <a:buChar char="•"/>
+              <a:defRPr sz="2000" kern="1200">
+                <a:solidFill>
+                  <a:schemeClr val="tx1"/>
+                </a:solidFill>
+                <a:latin typeface="+mn-lt"/>
+                <a:ea typeface="+mn-ea"/>
+                <a:cs typeface="+mn-cs"/>
+              </a:defRPr>
+            </a:lvl6pPr>
+            <a:lvl7pPr marL="2971800" indent="-228600" algn="l" defTabSz="457200" rtl="0" eaLnBrk="1" latinLnBrk="0" hangingPunct="1">
+              <a:spcBef>
+                <a:spcPct val="20000"/>
+              </a:spcBef>
+              <a:buFont typeface="Arial"/>
+              <a:buChar char="•"/>
+              <a:defRPr sz="2000" kern="1200">
+                <a:solidFill>
+                  <a:schemeClr val="tx1"/>
+                </a:solidFill>
+                <a:latin typeface="+mn-lt"/>
+                <a:ea typeface="+mn-ea"/>
+                <a:cs typeface="+mn-cs"/>
+              </a:defRPr>
+            </a:lvl7pPr>
+            <a:lvl8pPr marL="3429000" indent="-228600" algn="l" defTabSz="457200" rtl="0" eaLnBrk="1" latinLnBrk="0" hangingPunct="1">
+              <a:spcBef>
+                <a:spcPct val="20000"/>
+              </a:spcBef>
+              <a:buFont typeface="Arial"/>
+              <a:buChar char="•"/>
+              <a:defRPr sz="2000" kern="1200">
+                <a:solidFill>
+                  <a:schemeClr val="tx1"/>
+                </a:solidFill>
+                <a:latin typeface="+mn-lt"/>
+                <a:ea typeface="+mn-ea"/>
+                <a:cs typeface="+mn-cs"/>
+              </a:defRPr>
+            </a:lvl8pPr>
+            <a:lvl9pPr marL="3886200" indent="-228600" algn="l" defTabSz="457200" rtl="0" eaLnBrk="1" latinLnBrk="0" hangingPunct="1">
+              <a:spcBef>
+                <a:spcPct val="20000"/>
+              </a:spcBef>
+              <a:buFont typeface="Arial"/>
+              <a:buChar char="•"/>
+              <a:defRPr sz="2000" kern="1200">
+                <a:solidFill>
+                  <a:schemeClr val="tx1"/>
+                </a:solidFill>
+                <a:latin typeface="+mn-lt"/>
+                <a:ea typeface="+mn-ea"/>
+                <a:cs typeface="+mn-cs"/>
+              </a:defRPr>
+            </a:lvl9pPr>
+          </a:lstStyle>
+          <a:p>
+            <a:pPr marL="0" indent="0">
+              <a:buFont typeface="Arial"/>
+              <a:buNone/>
+            </a:pPr>
+            <a:r>
+              <a:rPr lang="en-US" dirty="0" smtClean="0"/>
+              <a:t>for </a:t>
+            </a:r>
+            <a:r>
+              <a:rPr lang="en-US" dirty="0" err="1" smtClean="0"/>
+              <a:t>i</a:t>
+            </a:r>
+            <a:r>
+              <a:rPr lang="en-US" dirty="0" smtClean="0"/>
+              <a:t> in range(0,len):</a:t>
+            </a:r>
+          </a:p>
+          <a:p>
+            <a:pPr marL="0" indent="0">
+              <a:buNone/>
+            </a:pPr>
+            <a:r>
+              <a:rPr lang="en-US" dirty="0" smtClean="0"/>
+              <a:t>	if B_i</a:t>
+            </a:r>
+            <a:r>
+              <a:rPr lang="en-US" b="1" dirty="0" smtClean="0"/>
+              <a:t>_0</a:t>
+            </a:r>
+            <a:r>
+              <a:rPr lang="en-US" dirty="0" smtClean="0"/>
+              <a:t> </a:t>
+            </a:r>
+            <a:r>
+              <a:rPr lang="en-US" dirty="0"/>
+              <a:t>&gt; 0:</a:t>
+            </a:r>
+          </a:p>
+          <a:p>
+            <a:pPr marL="0" indent="0">
+              <a:buNone/>
+            </a:pPr>
+            <a:r>
+              <a:rPr lang="de-DE" dirty="0"/>
+              <a:t>	</a:t>
+            </a:r>
+            <a:r>
+              <a:rPr lang="de-DE" dirty="0" smtClean="0"/>
+              <a:t>    A_i</a:t>
+            </a:r>
+            <a:r>
+              <a:rPr lang="de-DE" b="1" dirty="0" smtClean="0"/>
+              <a:t>_1</a:t>
+            </a:r>
+            <a:r>
+              <a:rPr lang="de-DE" dirty="0" smtClean="0"/>
+              <a:t> </a:t>
+            </a:r>
+            <a:r>
+              <a:rPr lang="de-DE" dirty="0"/>
+              <a:t>= </a:t>
+            </a:r>
+            <a:r>
+              <a:rPr lang="de-DE" dirty="0" smtClean="0"/>
+              <a:t>...</a:t>
+            </a:r>
+            <a:endParaRPr lang="de-DE" dirty="0"/>
+          </a:p>
+          <a:p>
+            <a:pPr marL="0" indent="0">
+              <a:buNone/>
+            </a:pPr>
+            <a:r>
+              <a:rPr lang="hu-HU" dirty="0"/>
+              <a:t>	</a:t>
+            </a:r>
+            <a:r>
+              <a:rPr lang="hu-HU" dirty="0" smtClean="0"/>
+              <a:t>else:</a:t>
+            </a:r>
+          </a:p>
+          <a:p>
+            <a:pPr marL="0" indent="0">
+              <a:buNone/>
+            </a:pPr>
+            <a:r>
+              <a:rPr lang="hu-HU" dirty="0"/>
+              <a:t>	 </a:t>
+            </a:r>
+            <a:r>
+              <a:rPr lang="hu-HU" dirty="0" smtClean="0"/>
+              <a:t>   </a:t>
+            </a:r>
+            <a:r>
+              <a:rPr lang="ro-RO" dirty="0" smtClean="0"/>
+              <a:t>A_i</a:t>
+            </a:r>
+            <a:r>
+              <a:rPr lang="ro-RO" b="1" dirty="0" smtClean="0"/>
+              <a:t>_2</a:t>
+            </a:r>
+            <a:r>
+              <a:rPr lang="ro-RO" dirty="0" smtClean="0"/>
+              <a:t> </a:t>
+            </a:r>
+            <a:r>
+              <a:rPr lang="ro-RO" dirty="0"/>
+              <a:t>= </a:t>
+            </a:r>
+            <a:r>
+              <a:rPr lang="ro-RO" dirty="0" smtClean="0"/>
+              <a:t>...</a:t>
+            </a:r>
+            <a:endParaRPr lang="ro-RO" dirty="0"/>
+          </a:p>
+          <a:p>
+            <a:pPr marL="0" indent="0">
+              <a:buNone/>
+            </a:pPr>
+            <a:r>
+              <a:rPr lang="en-US" dirty="0"/>
+              <a:t> </a:t>
+            </a:r>
+            <a:r>
+              <a:rPr lang="en-US" dirty="0" smtClean="0"/>
+              <a:t>        x = </a:t>
+            </a:r>
+            <a:r>
+              <a:rPr lang="en-US" dirty="0"/>
+              <a:t> </a:t>
+            </a:r>
+            <a:r>
+              <a:rPr lang="en-US" dirty="0" smtClean="0"/>
+              <a:t>  </a:t>
+            </a:r>
+            <a:r>
+              <a:rPr lang="en-US" dirty="0"/>
+              <a:t> </a:t>
+            </a:r>
+            <a:r>
+              <a:rPr lang="en-US" dirty="0" smtClean="0"/>
+              <a:t> </a:t>
+            </a:r>
+          </a:p>
+          <a:p>
+            <a:pPr marL="0" indent="0">
+              <a:buNone/>
+            </a:pPr>
+            <a:r>
+              <a:rPr lang="en-US" dirty="0"/>
+              <a:t> </a:t>
+            </a:r>
+            <a:r>
+              <a:rPr lang="en-US" dirty="0" smtClean="0"/>
+              <a:t>           phi(A_i</a:t>
+            </a:r>
+            <a:r>
+              <a:rPr lang="en-US" b="1" dirty="0" smtClean="0"/>
+              <a:t>_1</a:t>
+            </a:r>
+            <a:r>
+              <a:rPr lang="en-US" dirty="0" smtClean="0"/>
+              <a:t>,A_i</a:t>
+            </a:r>
+            <a:r>
+              <a:rPr lang="en-US" b="1" dirty="0" smtClean="0"/>
+              <a:t>_2</a:t>
+            </a:r>
+            <a:r>
+              <a:rPr lang="en-US" dirty="0" smtClean="0"/>
+              <a:t>);</a:t>
+            </a:r>
+          </a:p>
+        </p:txBody>
+      </p:sp>
+    </p:spTree>
+    <p:extLst>
+      <p:ext uri="{BB962C8B-B14F-4D97-AF65-F5344CB8AC3E}">
+        <p14:creationId xmlns:p14="http://schemas.microsoft.com/office/powerpoint/2010/main" val="4149856790"/>
+      </p:ext>
+    </p:extLst>
+  </p:cSld>
+  <p:clrMapOvr>
+    <a:masterClrMapping/>
+  </p:clrMapOvr>
+</p:sld>
+</file>
+
+<file path=ppt/slides/slide25.xml><?xml version="1.0" encoding="utf-8"?>
+<p:sld xmlns:a="http://schemas.openxmlformats.org/drawingml/2006/main" xmlns:r="http://schemas.openxmlformats.org/officeDocument/2006/relationships" xmlns:p="http://schemas.openxmlformats.org/presentationml/2006/main">
+  <p:cSld>
+    <p:spTree>
+      <p:nvGrpSpPr>
+        <p:cNvPr id="1" name=""/>
+        <p:cNvGrpSpPr/>
+        <p:nvPr/>
+      </p:nvGrpSpPr>
+      <p:grpSpPr>
+        <a:xfrm>
+          <a:off x="0" y="0"/>
+          <a:ext cx="0" cy="0"/>
+          <a:chOff x="0" y="0"/>
+          <a:chExt cx="0" cy="0"/>
+        </a:xfrm>
+      </p:grpSpPr>
+      <p:sp>
+        <p:nvSpPr>
+          <p:cNvPr id="2" name="Title 1"/>
+          <p:cNvSpPr>
+            <a:spLocks noGrp="1"/>
+          </p:cNvSpPr>
+          <p:nvPr>
+            <p:ph type="title"/>
+          </p:nvPr>
+        </p:nvSpPr>
+        <p:spPr/>
+        <p:txBody>
+          <a:bodyPr/>
+          <a:lstStyle/>
+          <a:p>
+            <a:r>
+              <a:rPr lang="en-US" dirty="0" smtClean="0"/>
+              <a:t>Phase 3: SSA/MUX Conversion</a:t>
+            </a:r>
+            <a:endParaRPr lang="en-US" dirty="0"/>
+          </a:p>
+        </p:txBody>
+      </p:sp>
+      <p:sp>
+        <p:nvSpPr>
+          <p:cNvPr id="3" name="Content Placeholder 2"/>
+          <p:cNvSpPr>
+            <a:spLocks noGrp="1"/>
+          </p:cNvSpPr>
+          <p:nvPr>
+            <p:ph idx="1"/>
+          </p:nvPr>
+        </p:nvSpPr>
+        <p:spPr/>
+        <p:txBody>
+          <a:bodyPr/>
+          <a:lstStyle/>
+          <a:p>
+            <a:r>
+              <a:rPr lang="en-US" dirty="0" smtClean="0"/>
+              <a:t>Note: if-then-else examples are interesting</a:t>
+            </a:r>
+            <a:r>
+              <a:rPr lang="is-IS" dirty="0" smtClean="0"/>
+              <a:t>…</a:t>
+            </a:r>
+            <a:endParaRPr lang="en-US" dirty="0"/>
+          </a:p>
+        </p:txBody>
+      </p:sp>
+      <p:sp>
+        <p:nvSpPr>
           <p:cNvPr id="8" name="Right Arrow 7"/>
           <p:cNvSpPr/>
           <p:nvPr/>
@@ -10650,7 +10682,7 @@
 </p:sld>
 </file>
 
-<file path=ppt/slides/slide25.xml><?xml version="1.0" encoding="utf-8"?>
+<file path=ppt/slides/slide26.xml><?xml version="1.0" encoding="utf-8"?>
 <p:sld xmlns:a="http://schemas.openxmlformats.org/drawingml/2006/main" xmlns:r="http://schemas.openxmlformats.org/officeDocument/2006/relationships" xmlns:p="http://schemas.openxmlformats.org/presentationml/2006/main">
   <p:cSld>
     <p:spTree>
@@ -11257,90 +11289,6 @@
 </p:sld>
 </file>
 
-<file path=ppt/slides/slide26.xml><?xml version="1.0" encoding="utf-8"?>
-<p:sld xmlns:a="http://schemas.openxmlformats.org/drawingml/2006/main" xmlns:r="http://schemas.openxmlformats.org/officeDocument/2006/relationships" xmlns:p="http://schemas.openxmlformats.org/presentationml/2006/main">
-  <p:cSld>
-    <p:spTree>
-      <p:nvGrpSpPr>
-        <p:cNvPr id="1" name=""/>
-        <p:cNvGrpSpPr/>
-        <p:nvPr/>
-      </p:nvGrpSpPr>
-      <p:grpSpPr>
-        <a:xfrm>
-          <a:off x="0" y="0"/>
-          <a:ext cx="0" cy="0"/>
-          <a:chOff x="0" y="0"/>
-          <a:chExt cx="0" cy="0"/>
-        </a:xfrm>
-      </p:grpSpPr>
-      <p:sp>
-        <p:nvSpPr>
-          <p:cNvPr id="2" name="Title 1"/>
-          <p:cNvSpPr>
-            <a:spLocks noGrp="1"/>
-          </p:cNvSpPr>
-          <p:nvPr>
-            <p:ph type="title"/>
-          </p:nvPr>
-        </p:nvSpPr>
-        <p:spPr/>
-        <p:txBody>
-          <a:bodyPr/>
-          <a:lstStyle/>
-          <a:p>
-            <a:r>
-              <a:rPr lang="en-US" dirty="0" smtClean="0"/>
-              <a:t>Phase 5: </a:t>
-            </a:r>
-            <a:r>
-              <a:rPr lang="en-US" dirty="0" err="1" smtClean="0"/>
-              <a:t>Div</a:t>
-            </a:r>
-            <a:r>
-              <a:rPr lang="en-US" dirty="0" smtClean="0"/>
-              <a:t>-and-Conquer</a:t>
-            </a:r>
-            <a:endParaRPr lang="en-US" dirty="0"/>
-          </a:p>
-        </p:txBody>
-      </p:sp>
-      <p:sp>
-        <p:nvSpPr>
-          <p:cNvPr id="3" name="Content Placeholder 2"/>
-          <p:cNvSpPr>
-            <a:spLocks noGrp="1"/>
-          </p:cNvSpPr>
-          <p:nvPr>
-            <p:ph idx="1"/>
-          </p:nvPr>
-        </p:nvSpPr>
-        <p:spPr/>
-        <p:txBody>
-          <a:bodyPr/>
-          <a:lstStyle/>
-          <a:p>
-            <a:r>
-              <a:rPr lang="en-US" dirty="0" smtClean="0"/>
-              <a:t>Use Z3 to prove transformation is safe</a:t>
-            </a:r>
-            <a:endParaRPr lang="en-US" dirty="0"/>
-          </a:p>
-        </p:txBody>
-      </p:sp>
-    </p:spTree>
-    <p:extLst>
-      <p:ext uri="{BB962C8B-B14F-4D97-AF65-F5344CB8AC3E}">
-        <p14:creationId xmlns:p14="http://schemas.microsoft.com/office/powerpoint/2010/main" val="688215210"/>
-      </p:ext>
-    </p:extLst>
-  </p:cSld>
-  <p:clrMapOvr>
-    <a:masterClrMapping/>
-  </p:clrMapOvr>
-</p:sld>
-</file>
-
 <file path=ppt/slides/slide27.xml><?xml version="1.0" encoding="utf-8"?>
 <p:sld xmlns:a="http://schemas.openxmlformats.org/drawingml/2006/main" xmlns:r="http://schemas.openxmlformats.org/officeDocument/2006/relationships" xmlns:p="http://schemas.openxmlformats.org/presentationml/2006/main">
   <p:cSld>
@@ -11375,15 +11323,15 @@
           <a:p>
             <a:r>
               <a:rPr lang="en-US" dirty="0" smtClean="0"/>
-              <a:t>Phase 6: </a:t>
+              <a:t>Phase 5: </a:t>
             </a:r>
             <a:r>
               <a:rPr lang="en-US" dirty="0" err="1" smtClean="0"/>
-              <a:t>Vectorized</a:t>
-            </a:r>
-            <a:r>
-              <a:rPr lang="en-US" dirty="0" smtClean="0"/>
-              <a:t> Schedule</a:t>
+              <a:t>Div</a:t>
+            </a:r>
+            <a:r>
+              <a:rPr lang="en-US" dirty="0" smtClean="0"/>
+              <a:t>-and-Conquer</a:t>
             </a:r>
             <a:endParaRPr lang="en-US" dirty="0"/>
           </a:p>
@@ -11405,604 +11353,8 @@
           <a:lstStyle/>
           <a:p>
             <a:r>
-              <a:rPr lang="en-US" dirty="0" err="1" smtClean="0"/>
-              <a:t>Vectorization</a:t>
-            </a:r>
-            <a:r>
-              <a:rPr lang="en-US" dirty="0" smtClean="0"/>
-              <a:t> + </a:t>
-            </a:r>
-            <a:r>
-              <a:rPr lang="en-US" dirty="0" err="1" smtClean="0"/>
-              <a:t>Div</a:t>
-            </a:r>
-            <a:r>
-              <a:rPr lang="en-US" dirty="0" smtClean="0"/>
-              <a:t>-and-conquer</a:t>
-            </a:r>
-            <a:endParaRPr lang="en-US" dirty="0"/>
-          </a:p>
-        </p:txBody>
-      </p:sp>
-      <p:sp>
-        <p:nvSpPr>
-          <p:cNvPr id="4" name="Content Placeholder 2"/>
-          <p:cNvSpPr txBox="1">
-            <a:spLocks/>
-          </p:cNvSpPr>
-          <p:nvPr/>
-        </p:nvSpPr>
-        <p:spPr>
-          <a:xfrm>
-            <a:off x="498615" y="2854564"/>
-            <a:ext cx="4033268" cy="2709685"/>
-          </a:xfrm>
-          <a:prstGeom prst="rect">
-            <a:avLst/>
-          </a:prstGeom>
-        </p:spPr>
-        <p:txBody>
-          <a:bodyPr vert="horz" lIns="91440" tIns="45720" rIns="91440" bIns="45720" rtlCol="0">
-            <a:normAutofit fontScale="77500" lnSpcReduction="20000"/>
-          </a:bodyPr>
-          <a:lstStyle>
-            <a:lvl1pPr marL="342900" indent="-342900" algn="l" defTabSz="457200" rtl="0" eaLnBrk="1" latinLnBrk="0" hangingPunct="1">
-              <a:spcBef>
-                <a:spcPct val="20000"/>
-              </a:spcBef>
-              <a:buFont typeface="Arial"/>
-              <a:buChar char="•"/>
-              <a:defRPr sz="3200" kern="1200">
-                <a:solidFill>
-                  <a:schemeClr val="tx1"/>
-                </a:solidFill>
-                <a:latin typeface="+mn-lt"/>
-                <a:ea typeface="+mn-ea"/>
-                <a:cs typeface="+mn-cs"/>
-              </a:defRPr>
-            </a:lvl1pPr>
-            <a:lvl2pPr marL="742950" indent="-285750" algn="l" defTabSz="457200" rtl="0" eaLnBrk="1" latinLnBrk="0" hangingPunct="1">
-              <a:spcBef>
-                <a:spcPct val="20000"/>
-              </a:spcBef>
-              <a:buFont typeface="Arial"/>
-              <a:buChar char="–"/>
-              <a:defRPr sz="2800" kern="1200">
-                <a:solidFill>
-                  <a:schemeClr val="tx1"/>
-                </a:solidFill>
-                <a:latin typeface="+mn-lt"/>
-                <a:ea typeface="+mn-ea"/>
-                <a:cs typeface="+mn-cs"/>
-              </a:defRPr>
-            </a:lvl2pPr>
-            <a:lvl3pPr marL="1143000" indent="-228600" algn="l" defTabSz="457200" rtl="0" eaLnBrk="1" latinLnBrk="0" hangingPunct="1">
-              <a:spcBef>
-                <a:spcPct val="20000"/>
-              </a:spcBef>
-              <a:buFont typeface="Arial"/>
-              <a:buChar char="•"/>
-              <a:defRPr sz="2400" kern="1200">
-                <a:solidFill>
-                  <a:schemeClr val="tx1"/>
-                </a:solidFill>
-                <a:latin typeface="+mn-lt"/>
-                <a:ea typeface="+mn-ea"/>
-                <a:cs typeface="+mn-cs"/>
-              </a:defRPr>
-            </a:lvl3pPr>
-            <a:lvl4pPr marL="1600200" indent="-228600" algn="l" defTabSz="457200" rtl="0" eaLnBrk="1" latinLnBrk="0" hangingPunct="1">
-              <a:spcBef>
-                <a:spcPct val="20000"/>
-              </a:spcBef>
-              <a:buFont typeface="Arial"/>
-              <a:buChar char="–"/>
-              <a:defRPr sz="2000" kern="1200">
-                <a:solidFill>
-                  <a:schemeClr val="tx1"/>
-                </a:solidFill>
-                <a:latin typeface="+mn-lt"/>
-                <a:ea typeface="+mn-ea"/>
-                <a:cs typeface="+mn-cs"/>
-              </a:defRPr>
-            </a:lvl4pPr>
-            <a:lvl5pPr marL="2057400" indent="-228600" algn="l" defTabSz="457200" rtl="0" eaLnBrk="1" latinLnBrk="0" hangingPunct="1">
-              <a:spcBef>
-                <a:spcPct val="20000"/>
-              </a:spcBef>
-              <a:buFont typeface="Arial"/>
-              <a:buChar char="»"/>
-              <a:defRPr sz="2000" kern="1200">
-                <a:solidFill>
-                  <a:schemeClr val="tx1"/>
-                </a:solidFill>
-                <a:latin typeface="+mn-lt"/>
-                <a:ea typeface="+mn-ea"/>
-                <a:cs typeface="+mn-cs"/>
-              </a:defRPr>
-            </a:lvl5pPr>
-            <a:lvl6pPr marL="2514600" indent="-228600" algn="l" defTabSz="457200" rtl="0" eaLnBrk="1" latinLnBrk="0" hangingPunct="1">
-              <a:spcBef>
-                <a:spcPct val="20000"/>
-              </a:spcBef>
-              <a:buFont typeface="Arial"/>
-              <a:buChar char="•"/>
-              <a:defRPr sz="2000" kern="1200">
-                <a:solidFill>
-                  <a:schemeClr val="tx1"/>
-                </a:solidFill>
-                <a:latin typeface="+mn-lt"/>
-                <a:ea typeface="+mn-ea"/>
-                <a:cs typeface="+mn-cs"/>
-              </a:defRPr>
-            </a:lvl6pPr>
-            <a:lvl7pPr marL="2971800" indent="-228600" algn="l" defTabSz="457200" rtl="0" eaLnBrk="1" latinLnBrk="0" hangingPunct="1">
-              <a:spcBef>
-                <a:spcPct val="20000"/>
-              </a:spcBef>
-              <a:buFont typeface="Arial"/>
-              <a:buChar char="•"/>
-              <a:defRPr sz="2000" kern="1200">
-                <a:solidFill>
-                  <a:schemeClr val="tx1"/>
-                </a:solidFill>
-                <a:latin typeface="+mn-lt"/>
-                <a:ea typeface="+mn-ea"/>
-                <a:cs typeface="+mn-cs"/>
-              </a:defRPr>
-            </a:lvl7pPr>
-            <a:lvl8pPr marL="3429000" indent="-228600" algn="l" defTabSz="457200" rtl="0" eaLnBrk="1" latinLnBrk="0" hangingPunct="1">
-              <a:spcBef>
-                <a:spcPct val="20000"/>
-              </a:spcBef>
-              <a:buFont typeface="Arial"/>
-              <a:buChar char="•"/>
-              <a:defRPr sz="2000" kern="1200">
-                <a:solidFill>
-                  <a:schemeClr val="tx1"/>
-                </a:solidFill>
-                <a:latin typeface="+mn-lt"/>
-                <a:ea typeface="+mn-ea"/>
-                <a:cs typeface="+mn-cs"/>
-              </a:defRPr>
-            </a:lvl8pPr>
-            <a:lvl9pPr marL="3886200" indent="-228600" algn="l" defTabSz="457200" rtl="0" eaLnBrk="1" latinLnBrk="0" hangingPunct="1">
-              <a:spcBef>
-                <a:spcPct val="20000"/>
-              </a:spcBef>
-              <a:buFont typeface="Arial"/>
-              <a:buChar char="•"/>
-              <a:defRPr sz="2000" kern="1200">
-                <a:solidFill>
-                  <a:schemeClr val="tx1"/>
-                </a:solidFill>
-                <a:latin typeface="+mn-lt"/>
-                <a:ea typeface="+mn-ea"/>
-                <a:cs typeface="+mn-cs"/>
-              </a:defRPr>
-            </a:lvl9pPr>
-          </a:lstStyle>
-          <a:p>
-            <a:pPr marL="0" indent="0">
-              <a:buFont typeface="Arial"/>
-              <a:buNone/>
-            </a:pPr>
-            <a:r>
-              <a:rPr lang="en-US" dirty="0" smtClean="0"/>
-              <a:t>MPC schedule of loop body:</a:t>
-            </a:r>
-          </a:p>
-          <a:p>
-            <a:pPr marL="0" indent="0">
-              <a:buFont typeface="Arial"/>
-              <a:buNone/>
-            </a:pPr>
-            <a:r>
-              <a:rPr lang="en-US" dirty="0" smtClean="0"/>
-              <a:t>for </a:t>
-            </a:r>
-            <a:r>
-              <a:rPr lang="en-US" dirty="0" err="1" smtClean="0"/>
-              <a:t>i</a:t>
-            </a:r>
-            <a:r>
-              <a:rPr lang="en-US" dirty="0" smtClean="0"/>
-              <a:t> in range(0,len):</a:t>
-            </a:r>
-          </a:p>
-          <a:p>
-            <a:pPr marL="0" indent="0">
-              <a:buNone/>
-            </a:pPr>
-            <a:r>
-              <a:rPr lang="en-US" dirty="0" smtClean="0"/>
-              <a:t>	c_1 = CMP(B_i</a:t>
-            </a:r>
-            <a:r>
-              <a:rPr lang="en-US" b="1" dirty="0" smtClean="0"/>
-              <a:t>_0</a:t>
-            </a:r>
-            <a:r>
-              <a:rPr lang="en-US" dirty="0"/>
-              <a:t>,</a:t>
-            </a:r>
-            <a:r>
-              <a:rPr lang="en-US" dirty="0" smtClean="0"/>
-              <a:t> 0)</a:t>
-            </a:r>
-            <a:endParaRPr lang="en-US" dirty="0"/>
-          </a:p>
-          <a:p>
-            <a:pPr marL="0" indent="0">
-              <a:buNone/>
-            </a:pPr>
-            <a:r>
-              <a:rPr lang="de-DE" dirty="0"/>
-              <a:t>	</a:t>
-            </a:r>
-            <a:r>
-              <a:rPr lang="de-DE" dirty="0" smtClean="0"/>
-              <a:t>A_i</a:t>
-            </a:r>
-            <a:r>
-              <a:rPr lang="de-DE" b="1" dirty="0" smtClean="0"/>
-              <a:t>_1</a:t>
-            </a:r>
-            <a:r>
-              <a:rPr lang="de-DE" dirty="0" smtClean="0"/>
-              <a:t> </a:t>
-            </a:r>
-            <a:r>
-              <a:rPr lang="de-DE" dirty="0"/>
-              <a:t>= </a:t>
-            </a:r>
-            <a:r>
-              <a:rPr lang="de-DE" dirty="0" smtClean="0"/>
-              <a:t>...</a:t>
-            </a:r>
-            <a:endParaRPr lang="hu-HU" dirty="0" smtClean="0"/>
-          </a:p>
-          <a:p>
-            <a:pPr marL="0" indent="0">
-              <a:buNone/>
-            </a:pPr>
-            <a:r>
-              <a:rPr lang="hu-HU" dirty="0"/>
-              <a:t>	</a:t>
-            </a:r>
-            <a:r>
-              <a:rPr lang="ro-RO" dirty="0" smtClean="0"/>
-              <a:t>A_i</a:t>
-            </a:r>
-            <a:r>
-              <a:rPr lang="ro-RO" b="1" dirty="0" smtClean="0"/>
-              <a:t>_2</a:t>
-            </a:r>
-            <a:r>
-              <a:rPr lang="ro-RO" dirty="0" smtClean="0"/>
-              <a:t> </a:t>
-            </a:r>
-            <a:r>
-              <a:rPr lang="ro-RO" dirty="0"/>
-              <a:t>= </a:t>
-            </a:r>
-            <a:r>
-              <a:rPr lang="ro-RO" dirty="0" smtClean="0"/>
-              <a:t>...</a:t>
-            </a:r>
-            <a:endParaRPr lang="ro-RO" dirty="0"/>
-          </a:p>
-          <a:p>
-            <a:pPr marL="0" indent="0">
-              <a:buNone/>
-            </a:pPr>
-            <a:r>
-              <a:rPr lang="en-US" dirty="0"/>
-              <a:t> </a:t>
-            </a:r>
-            <a:r>
-              <a:rPr lang="en-US" dirty="0" smtClean="0"/>
-              <a:t>     x = MUX(c,A_i</a:t>
-            </a:r>
-            <a:r>
-              <a:rPr lang="en-US" b="1" dirty="0" smtClean="0"/>
-              <a:t>_1</a:t>
-            </a:r>
-            <a:r>
-              <a:rPr lang="en-US" dirty="0" smtClean="0"/>
-              <a:t>,A_i</a:t>
-            </a:r>
-            <a:r>
-              <a:rPr lang="en-US" b="1" dirty="0" smtClean="0"/>
-              <a:t>_2</a:t>
-            </a:r>
-            <a:r>
-              <a:rPr lang="en-US" dirty="0" smtClean="0"/>
-              <a:t>)</a:t>
-            </a:r>
-            <a:endParaRPr lang="en-US" dirty="0"/>
-          </a:p>
-        </p:txBody>
-      </p:sp>
-      <p:sp>
-        <p:nvSpPr>
-          <p:cNvPr id="5" name="Right Arrow 4"/>
-          <p:cNvSpPr/>
-          <p:nvPr/>
-        </p:nvSpPr>
-        <p:spPr>
-          <a:xfrm>
-            <a:off x="3946044" y="3637095"/>
-            <a:ext cx="544424" cy="484632"/>
-          </a:xfrm>
-          <a:prstGeom prst="rightArrow">
-            <a:avLst/>
-          </a:prstGeom>
-        </p:spPr>
-        <p:style>
-          <a:lnRef idx="1">
-            <a:schemeClr val="accent1"/>
-          </a:lnRef>
-          <a:fillRef idx="3">
-            <a:schemeClr val="accent1"/>
-          </a:fillRef>
-          <a:effectRef idx="2">
-            <a:schemeClr val="accent1"/>
-          </a:effectRef>
-          <a:fontRef idx="minor">
-            <a:schemeClr val="lt1"/>
-          </a:fontRef>
-        </p:style>
-        <p:txBody>
-          <a:bodyPr rtlCol="0" anchor="ctr"/>
-          <a:lstStyle/>
-          <a:p>
-            <a:pPr algn="ctr"/>
-            <a:endParaRPr lang="en-US"/>
-          </a:p>
-        </p:txBody>
-      </p:sp>
-      <p:sp>
-        <p:nvSpPr>
-          <p:cNvPr id="6" name="Content Placeholder 2"/>
-          <p:cNvSpPr txBox="1">
-            <a:spLocks/>
-          </p:cNvSpPr>
-          <p:nvPr/>
-        </p:nvSpPr>
-        <p:spPr>
-          <a:xfrm>
-            <a:off x="4735070" y="2855098"/>
-            <a:ext cx="4228728" cy="2709685"/>
-          </a:xfrm>
-          <a:prstGeom prst="rect">
-            <a:avLst/>
-          </a:prstGeom>
-        </p:spPr>
-        <p:txBody>
-          <a:bodyPr vert="horz" lIns="91440" tIns="45720" rIns="91440" bIns="45720" rtlCol="0">
-            <a:normAutofit fontScale="85000" lnSpcReduction="10000"/>
-          </a:bodyPr>
-          <a:lstStyle>
-            <a:lvl1pPr marL="342900" indent="-342900" algn="l" defTabSz="457200" rtl="0" eaLnBrk="1" latinLnBrk="0" hangingPunct="1">
-              <a:spcBef>
-                <a:spcPct val="20000"/>
-              </a:spcBef>
-              <a:buFont typeface="Arial"/>
-              <a:buChar char="•"/>
-              <a:defRPr sz="3200" kern="1200">
-                <a:solidFill>
-                  <a:schemeClr val="tx1"/>
-                </a:solidFill>
-                <a:latin typeface="+mn-lt"/>
-                <a:ea typeface="+mn-ea"/>
-                <a:cs typeface="+mn-cs"/>
-              </a:defRPr>
-            </a:lvl1pPr>
-            <a:lvl2pPr marL="742950" indent="-285750" algn="l" defTabSz="457200" rtl="0" eaLnBrk="1" latinLnBrk="0" hangingPunct="1">
-              <a:spcBef>
-                <a:spcPct val="20000"/>
-              </a:spcBef>
-              <a:buFont typeface="Arial"/>
-              <a:buChar char="–"/>
-              <a:defRPr sz="2800" kern="1200">
-                <a:solidFill>
-                  <a:schemeClr val="tx1"/>
-                </a:solidFill>
-                <a:latin typeface="+mn-lt"/>
-                <a:ea typeface="+mn-ea"/>
-                <a:cs typeface="+mn-cs"/>
-              </a:defRPr>
-            </a:lvl2pPr>
-            <a:lvl3pPr marL="1143000" indent="-228600" algn="l" defTabSz="457200" rtl="0" eaLnBrk="1" latinLnBrk="0" hangingPunct="1">
-              <a:spcBef>
-                <a:spcPct val="20000"/>
-              </a:spcBef>
-              <a:buFont typeface="Arial"/>
-              <a:buChar char="•"/>
-              <a:defRPr sz="2400" kern="1200">
-                <a:solidFill>
-                  <a:schemeClr val="tx1"/>
-                </a:solidFill>
-                <a:latin typeface="+mn-lt"/>
-                <a:ea typeface="+mn-ea"/>
-                <a:cs typeface="+mn-cs"/>
-              </a:defRPr>
-            </a:lvl3pPr>
-            <a:lvl4pPr marL="1600200" indent="-228600" algn="l" defTabSz="457200" rtl="0" eaLnBrk="1" latinLnBrk="0" hangingPunct="1">
-              <a:spcBef>
-                <a:spcPct val="20000"/>
-              </a:spcBef>
-              <a:buFont typeface="Arial"/>
-              <a:buChar char="–"/>
-              <a:defRPr sz="2000" kern="1200">
-                <a:solidFill>
-                  <a:schemeClr val="tx1"/>
-                </a:solidFill>
-                <a:latin typeface="+mn-lt"/>
-                <a:ea typeface="+mn-ea"/>
-                <a:cs typeface="+mn-cs"/>
-              </a:defRPr>
-            </a:lvl4pPr>
-            <a:lvl5pPr marL="2057400" indent="-228600" algn="l" defTabSz="457200" rtl="0" eaLnBrk="1" latinLnBrk="0" hangingPunct="1">
-              <a:spcBef>
-                <a:spcPct val="20000"/>
-              </a:spcBef>
-              <a:buFont typeface="Arial"/>
-              <a:buChar char="»"/>
-              <a:defRPr sz="2000" kern="1200">
-                <a:solidFill>
-                  <a:schemeClr val="tx1"/>
-                </a:solidFill>
-                <a:latin typeface="+mn-lt"/>
-                <a:ea typeface="+mn-ea"/>
-                <a:cs typeface="+mn-cs"/>
-              </a:defRPr>
-            </a:lvl5pPr>
-            <a:lvl6pPr marL="2514600" indent="-228600" algn="l" defTabSz="457200" rtl="0" eaLnBrk="1" latinLnBrk="0" hangingPunct="1">
-              <a:spcBef>
-                <a:spcPct val="20000"/>
-              </a:spcBef>
-              <a:buFont typeface="Arial"/>
-              <a:buChar char="•"/>
-              <a:defRPr sz="2000" kern="1200">
-                <a:solidFill>
-                  <a:schemeClr val="tx1"/>
-                </a:solidFill>
-                <a:latin typeface="+mn-lt"/>
-                <a:ea typeface="+mn-ea"/>
-                <a:cs typeface="+mn-cs"/>
-              </a:defRPr>
-            </a:lvl6pPr>
-            <a:lvl7pPr marL="2971800" indent="-228600" algn="l" defTabSz="457200" rtl="0" eaLnBrk="1" latinLnBrk="0" hangingPunct="1">
-              <a:spcBef>
-                <a:spcPct val="20000"/>
-              </a:spcBef>
-              <a:buFont typeface="Arial"/>
-              <a:buChar char="•"/>
-              <a:defRPr sz="2000" kern="1200">
-                <a:solidFill>
-                  <a:schemeClr val="tx1"/>
-                </a:solidFill>
-                <a:latin typeface="+mn-lt"/>
-                <a:ea typeface="+mn-ea"/>
-                <a:cs typeface="+mn-cs"/>
-              </a:defRPr>
-            </a:lvl7pPr>
-            <a:lvl8pPr marL="3429000" indent="-228600" algn="l" defTabSz="457200" rtl="0" eaLnBrk="1" latinLnBrk="0" hangingPunct="1">
-              <a:spcBef>
-                <a:spcPct val="20000"/>
-              </a:spcBef>
-              <a:buFont typeface="Arial"/>
-              <a:buChar char="•"/>
-              <a:defRPr sz="2000" kern="1200">
-                <a:solidFill>
-                  <a:schemeClr val="tx1"/>
-                </a:solidFill>
-                <a:latin typeface="+mn-lt"/>
-                <a:ea typeface="+mn-ea"/>
-                <a:cs typeface="+mn-cs"/>
-              </a:defRPr>
-            </a:lvl8pPr>
-            <a:lvl9pPr marL="3886200" indent="-228600" algn="l" defTabSz="457200" rtl="0" eaLnBrk="1" latinLnBrk="0" hangingPunct="1">
-              <a:spcBef>
-                <a:spcPct val="20000"/>
-              </a:spcBef>
-              <a:buFont typeface="Arial"/>
-              <a:buChar char="•"/>
-              <a:defRPr sz="2000" kern="1200">
-                <a:solidFill>
-                  <a:schemeClr val="tx1"/>
-                </a:solidFill>
-                <a:latin typeface="+mn-lt"/>
-                <a:ea typeface="+mn-ea"/>
-                <a:cs typeface="+mn-cs"/>
-              </a:defRPr>
-            </a:lvl9pPr>
-          </a:lstStyle>
-          <a:p>
-            <a:pPr marL="0" indent="0">
-              <a:buFont typeface="Arial"/>
-              <a:buNone/>
-            </a:pPr>
-            <a:r>
-              <a:rPr lang="en-US" dirty="0" err="1" smtClean="0"/>
-              <a:t>Vectorized</a:t>
-            </a:r>
-            <a:r>
-              <a:rPr lang="en-US" dirty="0" smtClean="0"/>
-              <a:t> MPC schedule:</a:t>
-            </a:r>
-          </a:p>
-          <a:p>
-            <a:pPr marL="0" indent="0">
-              <a:buNone/>
-            </a:pPr>
-            <a:r>
-              <a:rPr lang="en-US" dirty="0" smtClean="0"/>
-              <a:t>C = CMP_SIMD(B, 0, </a:t>
-            </a:r>
-            <a:r>
-              <a:rPr lang="en-US" dirty="0" err="1" smtClean="0"/>
-              <a:t>len</a:t>
-            </a:r>
-            <a:r>
-              <a:rPr lang="en-US" dirty="0" smtClean="0"/>
-              <a:t>)</a:t>
-            </a:r>
-            <a:endParaRPr lang="en-US" dirty="0"/>
-          </a:p>
-          <a:p>
-            <a:pPr marL="0" indent="0">
-              <a:buNone/>
-            </a:pPr>
-            <a:r>
-              <a:rPr lang="de-DE" dirty="0" smtClean="0"/>
-              <a:t>A1 </a:t>
-            </a:r>
-            <a:r>
-              <a:rPr lang="de-DE" dirty="0"/>
-              <a:t>= </a:t>
-            </a:r>
-            <a:r>
-              <a:rPr lang="de-DE" dirty="0" smtClean="0"/>
-              <a:t>SOME_MPC_SIMD(...)</a:t>
-            </a:r>
-            <a:endParaRPr lang="hu-HU" dirty="0" smtClean="0"/>
-          </a:p>
-          <a:p>
-            <a:pPr marL="0" indent="0">
-              <a:buNone/>
-            </a:pPr>
-            <a:r>
-              <a:rPr lang="ro-RO" dirty="0" smtClean="0"/>
-              <a:t>A2 </a:t>
-            </a:r>
-            <a:r>
-              <a:rPr lang="ro-RO" dirty="0"/>
-              <a:t>= </a:t>
-            </a:r>
-            <a:r>
-              <a:rPr lang="de-DE" dirty="0"/>
-              <a:t>SOME_MPC_SIMD(...)</a:t>
-            </a:r>
-            <a:endParaRPr lang="ro-RO" dirty="0"/>
-          </a:p>
-          <a:p>
-            <a:pPr marL="0" indent="0">
-              <a:buNone/>
-            </a:pPr>
-            <a:r>
-              <a:rPr lang="en-US" dirty="0" smtClean="0"/>
-              <a:t>X = MUX_SIMD(C,A1,A2</a:t>
-            </a:r>
-            <a:r>
-              <a:rPr lang="en-US" dirty="0"/>
-              <a:t>,</a:t>
-            </a:r>
-            <a:r>
-              <a:rPr lang="en-US" dirty="0" smtClean="0"/>
-              <a:t>len)</a:t>
+              <a:rPr lang="en-US" dirty="0" smtClean="0"/>
+              <a:t>Use Z3 to prove transformation is safe</a:t>
             </a:r>
             <a:endParaRPr lang="en-US" dirty="0"/>
           </a:p>
@@ -12011,7 +11363,7 @@
     </p:spTree>
     <p:extLst>
       <p:ext uri="{BB962C8B-B14F-4D97-AF65-F5344CB8AC3E}">
-        <p14:creationId xmlns:p14="http://schemas.microsoft.com/office/powerpoint/2010/main" val="2037413973"/>
+        <p14:creationId xmlns:p14="http://schemas.microsoft.com/office/powerpoint/2010/main" val="688215210"/>
       </p:ext>
     </p:extLst>
   </p:cSld>
@@ -12040,13 +11392,7 @@
       </p:grpSpPr>
       <p:sp>
         <p:nvSpPr>
-          <p:cNvPr id="2" name="Title 1">
-            <a:extLst>
-              <a:ext uri="{FF2B5EF4-FFF2-40B4-BE49-F238E27FC236}">
-                <a16:creationId xmlns:a16="http://schemas.microsoft.com/office/drawing/2014/main" xmlns="" id="{3A143DEE-59AA-44A1-B291-C37E60CCA376}"/>
-              </a:ext>
-            </a:extLst>
-          </p:cNvPr>
+          <p:cNvPr id="2" name="Title 1"/>
           <p:cNvSpPr>
             <a:spLocks noGrp="1"/>
           </p:cNvSpPr>
@@ -12060,21 +11406,24 @@
           <a:lstStyle/>
           <a:p>
             <a:r>
-              <a:rPr lang="en-US" dirty="0"/>
-              <a:t>Phase 6: How to rewrite loops</a:t>
-            </a:r>
-          </a:p>
-        </p:txBody>
-      </p:sp>
-      <p:sp>
-        <p:nvSpPr>
-          <p:cNvPr id="3" name="Content Placeholder 2">
-            <a:extLst>
-              <a:ext uri="{FF2B5EF4-FFF2-40B4-BE49-F238E27FC236}">
-                <a16:creationId xmlns:a16="http://schemas.microsoft.com/office/drawing/2014/main" xmlns="" id="{A85690C0-4A40-4562-BB37-7547F32AFA6C}"/>
-              </a:ext>
-            </a:extLst>
-          </p:cNvPr>
+              <a:rPr lang="en-US" dirty="0" smtClean="0"/>
+              <a:t>Phase 6: </a:t>
+            </a:r>
+            <a:r>
+              <a:rPr lang="en-US" dirty="0" err="1" smtClean="0"/>
+              <a:t>Vectorized</a:t>
+            </a:r>
+            <a:r>
+              <a:rPr lang="en-US" dirty="0" smtClean="0"/>
+              <a:t> Schedule</a:t>
+            </a:r>
+            <a:endParaRPr lang="en-US" dirty="0"/>
+          </a:p>
+        </p:txBody>
+      </p:sp>
+      <p:sp>
+        <p:nvSpPr>
+          <p:cNvPr id="3" name="Content Placeholder 2"/>
           <p:cNvSpPr>
             <a:spLocks noGrp="1"/>
           </p:cNvSpPr>
@@ -12084,70 +11433,617 @@
         </p:nvSpPr>
         <p:spPr/>
         <p:txBody>
-          <a:bodyPr>
+          <a:bodyPr/>
+          <a:lstStyle/>
+          <a:p>
+            <a:r>
+              <a:rPr lang="en-US" dirty="0" err="1" smtClean="0"/>
+              <a:t>Vectorization</a:t>
+            </a:r>
+            <a:r>
+              <a:rPr lang="en-US" dirty="0" smtClean="0"/>
+              <a:t> + </a:t>
+            </a:r>
+            <a:r>
+              <a:rPr lang="en-US" dirty="0" err="1" smtClean="0"/>
+              <a:t>Div</a:t>
+            </a:r>
+            <a:r>
+              <a:rPr lang="en-US" dirty="0" smtClean="0"/>
+              <a:t>-and-conquer</a:t>
+            </a:r>
+            <a:endParaRPr lang="en-US" dirty="0"/>
+          </a:p>
+        </p:txBody>
+      </p:sp>
+      <p:sp>
+        <p:nvSpPr>
+          <p:cNvPr id="4" name="Content Placeholder 2"/>
+          <p:cNvSpPr txBox="1">
+            <a:spLocks/>
+          </p:cNvSpPr>
+          <p:nvPr/>
+        </p:nvSpPr>
+        <p:spPr>
+          <a:xfrm>
+            <a:off x="498615" y="2854564"/>
+            <a:ext cx="4033268" cy="2709685"/>
+          </a:xfrm>
+          <a:prstGeom prst="rect">
+            <a:avLst/>
+          </a:prstGeom>
+        </p:spPr>
+        <p:txBody>
+          <a:bodyPr vert="horz" lIns="91440" tIns="45720" rIns="91440" bIns="45720" rtlCol="0">
+            <a:normAutofit fontScale="77500" lnSpcReduction="20000"/>
+          </a:bodyPr>
+          <a:lstStyle>
+            <a:lvl1pPr marL="342900" indent="-342900" algn="l" defTabSz="457200" rtl="0" eaLnBrk="1" latinLnBrk="0" hangingPunct="1">
+              <a:spcBef>
+                <a:spcPct val="20000"/>
+              </a:spcBef>
+              <a:buFont typeface="Arial"/>
+              <a:buChar char="•"/>
+              <a:defRPr sz="3200" kern="1200">
+                <a:solidFill>
+                  <a:schemeClr val="tx1"/>
+                </a:solidFill>
+                <a:latin typeface="+mn-lt"/>
+                <a:ea typeface="+mn-ea"/>
+                <a:cs typeface="+mn-cs"/>
+              </a:defRPr>
+            </a:lvl1pPr>
+            <a:lvl2pPr marL="742950" indent="-285750" algn="l" defTabSz="457200" rtl="0" eaLnBrk="1" latinLnBrk="0" hangingPunct="1">
+              <a:spcBef>
+                <a:spcPct val="20000"/>
+              </a:spcBef>
+              <a:buFont typeface="Arial"/>
+              <a:buChar char="–"/>
+              <a:defRPr sz="2800" kern="1200">
+                <a:solidFill>
+                  <a:schemeClr val="tx1"/>
+                </a:solidFill>
+                <a:latin typeface="+mn-lt"/>
+                <a:ea typeface="+mn-ea"/>
+                <a:cs typeface="+mn-cs"/>
+              </a:defRPr>
+            </a:lvl2pPr>
+            <a:lvl3pPr marL="1143000" indent="-228600" algn="l" defTabSz="457200" rtl="0" eaLnBrk="1" latinLnBrk="0" hangingPunct="1">
+              <a:spcBef>
+                <a:spcPct val="20000"/>
+              </a:spcBef>
+              <a:buFont typeface="Arial"/>
+              <a:buChar char="•"/>
+              <a:defRPr sz="2400" kern="1200">
+                <a:solidFill>
+                  <a:schemeClr val="tx1"/>
+                </a:solidFill>
+                <a:latin typeface="+mn-lt"/>
+                <a:ea typeface="+mn-ea"/>
+                <a:cs typeface="+mn-cs"/>
+              </a:defRPr>
+            </a:lvl3pPr>
+            <a:lvl4pPr marL="1600200" indent="-228600" algn="l" defTabSz="457200" rtl="0" eaLnBrk="1" latinLnBrk="0" hangingPunct="1">
+              <a:spcBef>
+                <a:spcPct val="20000"/>
+              </a:spcBef>
+              <a:buFont typeface="Arial"/>
+              <a:buChar char="–"/>
+              <a:defRPr sz="2000" kern="1200">
+                <a:solidFill>
+                  <a:schemeClr val="tx1"/>
+                </a:solidFill>
+                <a:latin typeface="+mn-lt"/>
+                <a:ea typeface="+mn-ea"/>
+                <a:cs typeface="+mn-cs"/>
+              </a:defRPr>
+            </a:lvl4pPr>
+            <a:lvl5pPr marL="2057400" indent="-228600" algn="l" defTabSz="457200" rtl="0" eaLnBrk="1" latinLnBrk="0" hangingPunct="1">
+              <a:spcBef>
+                <a:spcPct val="20000"/>
+              </a:spcBef>
+              <a:buFont typeface="Arial"/>
+              <a:buChar char="»"/>
+              <a:defRPr sz="2000" kern="1200">
+                <a:solidFill>
+                  <a:schemeClr val="tx1"/>
+                </a:solidFill>
+                <a:latin typeface="+mn-lt"/>
+                <a:ea typeface="+mn-ea"/>
+                <a:cs typeface="+mn-cs"/>
+              </a:defRPr>
+            </a:lvl5pPr>
+            <a:lvl6pPr marL="2514600" indent="-228600" algn="l" defTabSz="457200" rtl="0" eaLnBrk="1" latinLnBrk="0" hangingPunct="1">
+              <a:spcBef>
+                <a:spcPct val="20000"/>
+              </a:spcBef>
+              <a:buFont typeface="Arial"/>
+              <a:buChar char="•"/>
+              <a:defRPr sz="2000" kern="1200">
+                <a:solidFill>
+                  <a:schemeClr val="tx1"/>
+                </a:solidFill>
+                <a:latin typeface="+mn-lt"/>
+                <a:ea typeface="+mn-ea"/>
+                <a:cs typeface="+mn-cs"/>
+              </a:defRPr>
+            </a:lvl6pPr>
+            <a:lvl7pPr marL="2971800" indent="-228600" algn="l" defTabSz="457200" rtl="0" eaLnBrk="1" latinLnBrk="0" hangingPunct="1">
+              <a:spcBef>
+                <a:spcPct val="20000"/>
+              </a:spcBef>
+              <a:buFont typeface="Arial"/>
+              <a:buChar char="•"/>
+              <a:defRPr sz="2000" kern="1200">
+                <a:solidFill>
+                  <a:schemeClr val="tx1"/>
+                </a:solidFill>
+                <a:latin typeface="+mn-lt"/>
+                <a:ea typeface="+mn-ea"/>
+                <a:cs typeface="+mn-cs"/>
+              </a:defRPr>
+            </a:lvl7pPr>
+            <a:lvl8pPr marL="3429000" indent="-228600" algn="l" defTabSz="457200" rtl="0" eaLnBrk="1" latinLnBrk="0" hangingPunct="1">
+              <a:spcBef>
+                <a:spcPct val="20000"/>
+              </a:spcBef>
+              <a:buFont typeface="Arial"/>
+              <a:buChar char="•"/>
+              <a:defRPr sz="2000" kern="1200">
+                <a:solidFill>
+                  <a:schemeClr val="tx1"/>
+                </a:solidFill>
+                <a:latin typeface="+mn-lt"/>
+                <a:ea typeface="+mn-ea"/>
+                <a:cs typeface="+mn-cs"/>
+              </a:defRPr>
+            </a:lvl8pPr>
+            <a:lvl9pPr marL="3886200" indent="-228600" algn="l" defTabSz="457200" rtl="0" eaLnBrk="1" latinLnBrk="0" hangingPunct="1">
+              <a:spcBef>
+                <a:spcPct val="20000"/>
+              </a:spcBef>
+              <a:buFont typeface="Arial"/>
+              <a:buChar char="•"/>
+              <a:defRPr sz="2000" kern="1200">
+                <a:solidFill>
+                  <a:schemeClr val="tx1"/>
+                </a:solidFill>
+                <a:latin typeface="+mn-lt"/>
+                <a:ea typeface="+mn-ea"/>
+                <a:cs typeface="+mn-cs"/>
+              </a:defRPr>
+            </a:lvl9pPr>
+          </a:lstStyle>
+          <a:p>
+            <a:pPr marL="0" indent="0">
+              <a:buFont typeface="Arial"/>
+              <a:buNone/>
+            </a:pPr>
+            <a:r>
+              <a:rPr lang="en-US" dirty="0" smtClean="0"/>
+              <a:t>MPC schedule of loop body:</a:t>
+            </a:r>
+          </a:p>
+          <a:p>
+            <a:pPr marL="0" indent="0">
+              <a:buFont typeface="Arial"/>
+              <a:buNone/>
+            </a:pPr>
+            <a:r>
+              <a:rPr lang="en-US" dirty="0" smtClean="0"/>
+              <a:t>for </a:t>
+            </a:r>
+            <a:r>
+              <a:rPr lang="en-US" dirty="0" err="1" smtClean="0"/>
+              <a:t>i</a:t>
+            </a:r>
+            <a:r>
+              <a:rPr lang="en-US" dirty="0" smtClean="0"/>
+              <a:t> in range(0,len):</a:t>
+            </a:r>
+          </a:p>
+          <a:p>
+            <a:pPr marL="0" indent="0">
+              <a:buNone/>
+            </a:pPr>
+            <a:r>
+              <a:rPr lang="en-US" dirty="0" smtClean="0"/>
+              <a:t>	c_1 = CMP(B_i</a:t>
+            </a:r>
+            <a:r>
+              <a:rPr lang="en-US" b="1" dirty="0" smtClean="0"/>
+              <a:t>_0</a:t>
+            </a:r>
+            <a:r>
+              <a:rPr lang="en-US" dirty="0"/>
+              <a:t>,</a:t>
+            </a:r>
+            <a:r>
+              <a:rPr lang="en-US" dirty="0" smtClean="0"/>
+              <a:t> 0)</a:t>
+            </a:r>
+            <a:endParaRPr lang="en-US" dirty="0"/>
+          </a:p>
+          <a:p>
+            <a:pPr marL="0" indent="0">
+              <a:buNone/>
+            </a:pPr>
+            <a:r>
+              <a:rPr lang="de-DE" dirty="0"/>
+              <a:t>	</a:t>
+            </a:r>
+            <a:r>
+              <a:rPr lang="de-DE" dirty="0" smtClean="0"/>
+              <a:t>A_i</a:t>
+            </a:r>
+            <a:r>
+              <a:rPr lang="de-DE" b="1" dirty="0" smtClean="0"/>
+              <a:t>_1</a:t>
+            </a:r>
+            <a:r>
+              <a:rPr lang="de-DE" dirty="0" smtClean="0"/>
+              <a:t> </a:t>
+            </a:r>
+            <a:r>
+              <a:rPr lang="de-DE" dirty="0"/>
+              <a:t>= </a:t>
+            </a:r>
+            <a:r>
+              <a:rPr lang="de-DE" dirty="0" smtClean="0"/>
+              <a:t>...</a:t>
+            </a:r>
+            <a:endParaRPr lang="hu-HU" dirty="0" smtClean="0"/>
+          </a:p>
+          <a:p>
+            <a:pPr marL="0" indent="0">
+              <a:buNone/>
+            </a:pPr>
+            <a:r>
+              <a:rPr lang="hu-HU" dirty="0"/>
+              <a:t>	</a:t>
+            </a:r>
+            <a:r>
+              <a:rPr lang="ro-RO" dirty="0" smtClean="0"/>
+              <a:t>A_i</a:t>
+            </a:r>
+            <a:r>
+              <a:rPr lang="ro-RO" b="1" dirty="0" smtClean="0"/>
+              <a:t>_2</a:t>
+            </a:r>
+            <a:r>
+              <a:rPr lang="ro-RO" dirty="0" smtClean="0"/>
+              <a:t> </a:t>
+            </a:r>
+            <a:r>
+              <a:rPr lang="ro-RO" dirty="0"/>
+              <a:t>= </a:t>
+            </a:r>
+            <a:r>
+              <a:rPr lang="ro-RO" dirty="0" smtClean="0"/>
+              <a:t>...</a:t>
+            </a:r>
+            <a:endParaRPr lang="ro-RO" dirty="0"/>
+          </a:p>
+          <a:p>
+            <a:pPr marL="0" indent="0">
+              <a:buNone/>
+            </a:pPr>
+            <a:r>
+              <a:rPr lang="en-US" dirty="0"/>
+              <a:t> </a:t>
+            </a:r>
+            <a:r>
+              <a:rPr lang="en-US" dirty="0" smtClean="0"/>
+              <a:t>     x = MUX(c,A_i</a:t>
+            </a:r>
+            <a:r>
+              <a:rPr lang="en-US" b="1" dirty="0" smtClean="0"/>
+              <a:t>_1</a:t>
+            </a:r>
+            <a:r>
+              <a:rPr lang="en-US" dirty="0" smtClean="0"/>
+              <a:t>,A_i</a:t>
+            </a:r>
+            <a:r>
+              <a:rPr lang="en-US" b="1" dirty="0" smtClean="0"/>
+              <a:t>_2</a:t>
+            </a:r>
+            <a:r>
+              <a:rPr lang="en-US" dirty="0" smtClean="0"/>
+              <a:t>)</a:t>
+            </a:r>
+            <a:endParaRPr lang="en-US" dirty="0"/>
+          </a:p>
+        </p:txBody>
+      </p:sp>
+      <p:sp>
+        <p:nvSpPr>
+          <p:cNvPr id="5" name="Right Arrow 4"/>
+          <p:cNvSpPr/>
+          <p:nvPr/>
+        </p:nvSpPr>
+        <p:spPr>
+          <a:xfrm>
+            <a:off x="3946044" y="3637095"/>
+            <a:ext cx="544424" cy="484632"/>
+          </a:xfrm>
+          <a:prstGeom prst="rightArrow">
+            <a:avLst/>
+          </a:prstGeom>
+        </p:spPr>
+        <p:style>
+          <a:lnRef idx="1">
+            <a:schemeClr val="accent1"/>
+          </a:lnRef>
+          <a:fillRef idx="3">
+            <a:schemeClr val="accent1"/>
+          </a:fillRef>
+          <a:effectRef idx="2">
+            <a:schemeClr val="accent1"/>
+          </a:effectRef>
+          <a:fontRef idx="minor">
+            <a:schemeClr val="lt1"/>
+          </a:fontRef>
+        </p:style>
+        <p:txBody>
+          <a:bodyPr rtlCol="0" anchor="ctr"/>
+          <a:lstStyle/>
+          <a:p>
+            <a:pPr algn="ctr"/>
+            <a:endParaRPr lang="en-US"/>
+          </a:p>
+        </p:txBody>
+      </p:sp>
+      <p:sp>
+        <p:nvSpPr>
+          <p:cNvPr id="6" name="Content Placeholder 2"/>
+          <p:cNvSpPr txBox="1">
+            <a:spLocks/>
+          </p:cNvSpPr>
+          <p:nvPr/>
+        </p:nvSpPr>
+        <p:spPr>
+          <a:xfrm>
+            <a:off x="4735070" y="2855098"/>
+            <a:ext cx="4228728" cy="2709685"/>
+          </a:xfrm>
+          <a:prstGeom prst="rect">
+            <a:avLst/>
+          </a:prstGeom>
+        </p:spPr>
+        <p:txBody>
+          <a:bodyPr vert="horz" lIns="91440" tIns="45720" rIns="91440" bIns="45720" rtlCol="0">
             <a:normAutofit fontScale="85000" lnSpcReduction="10000"/>
           </a:bodyPr>
-          <a:lstStyle/>
-          <a:p>
+          <a:lstStyle>
+            <a:lvl1pPr marL="342900" indent="-342900" algn="l" defTabSz="457200" rtl="0" eaLnBrk="1" latinLnBrk="0" hangingPunct="1">
+              <a:spcBef>
+                <a:spcPct val="20000"/>
+              </a:spcBef>
+              <a:buFont typeface="Arial"/>
+              <a:buChar char="•"/>
+              <a:defRPr sz="3200" kern="1200">
+                <a:solidFill>
+                  <a:schemeClr val="tx1"/>
+                </a:solidFill>
+                <a:latin typeface="+mn-lt"/>
+                <a:ea typeface="+mn-ea"/>
+                <a:cs typeface="+mn-cs"/>
+              </a:defRPr>
+            </a:lvl1pPr>
+            <a:lvl2pPr marL="742950" indent="-285750" algn="l" defTabSz="457200" rtl="0" eaLnBrk="1" latinLnBrk="0" hangingPunct="1">
+              <a:spcBef>
+                <a:spcPct val="20000"/>
+              </a:spcBef>
+              <a:buFont typeface="Arial"/>
+              <a:buChar char="–"/>
+              <a:defRPr sz="2800" kern="1200">
+                <a:solidFill>
+                  <a:schemeClr val="tx1"/>
+                </a:solidFill>
+                <a:latin typeface="+mn-lt"/>
+                <a:ea typeface="+mn-ea"/>
+                <a:cs typeface="+mn-cs"/>
+              </a:defRPr>
+            </a:lvl2pPr>
+            <a:lvl3pPr marL="1143000" indent="-228600" algn="l" defTabSz="457200" rtl="0" eaLnBrk="1" latinLnBrk="0" hangingPunct="1">
+              <a:spcBef>
+                <a:spcPct val="20000"/>
+              </a:spcBef>
+              <a:buFont typeface="Arial"/>
+              <a:buChar char="•"/>
+              <a:defRPr sz="2400" kern="1200">
+                <a:solidFill>
+                  <a:schemeClr val="tx1"/>
+                </a:solidFill>
+                <a:latin typeface="+mn-lt"/>
+                <a:ea typeface="+mn-ea"/>
+                <a:cs typeface="+mn-cs"/>
+              </a:defRPr>
+            </a:lvl3pPr>
+            <a:lvl4pPr marL="1600200" indent="-228600" algn="l" defTabSz="457200" rtl="0" eaLnBrk="1" latinLnBrk="0" hangingPunct="1">
+              <a:spcBef>
+                <a:spcPct val="20000"/>
+              </a:spcBef>
+              <a:buFont typeface="Arial"/>
+              <a:buChar char="–"/>
+              <a:defRPr sz="2000" kern="1200">
+                <a:solidFill>
+                  <a:schemeClr val="tx1"/>
+                </a:solidFill>
+                <a:latin typeface="+mn-lt"/>
+                <a:ea typeface="+mn-ea"/>
+                <a:cs typeface="+mn-cs"/>
+              </a:defRPr>
+            </a:lvl4pPr>
+            <a:lvl5pPr marL="2057400" indent="-228600" algn="l" defTabSz="457200" rtl="0" eaLnBrk="1" latinLnBrk="0" hangingPunct="1">
+              <a:spcBef>
+                <a:spcPct val="20000"/>
+              </a:spcBef>
+              <a:buFont typeface="Arial"/>
+              <a:buChar char="»"/>
+              <a:defRPr sz="2000" kern="1200">
+                <a:solidFill>
+                  <a:schemeClr val="tx1"/>
+                </a:solidFill>
+                <a:latin typeface="+mn-lt"/>
+                <a:ea typeface="+mn-ea"/>
+                <a:cs typeface="+mn-cs"/>
+              </a:defRPr>
+            </a:lvl5pPr>
+            <a:lvl6pPr marL="2514600" indent="-228600" algn="l" defTabSz="457200" rtl="0" eaLnBrk="1" latinLnBrk="0" hangingPunct="1">
+              <a:spcBef>
+                <a:spcPct val="20000"/>
+              </a:spcBef>
+              <a:buFont typeface="Arial"/>
+              <a:buChar char="•"/>
+              <a:defRPr sz="2000" kern="1200">
+                <a:solidFill>
+                  <a:schemeClr val="tx1"/>
+                </a:solidFill>
+                <a:latin typeface="+mn-lt"/>
+                <a:ea typeface="+mn-ea"/>
+                <a:cs typeface="+mn-cs"/>
+              </a:defRPr>
+            </a:lvl6pPr>
+            <a:lvl7pPr marL="2971800" indent="-228600" algn="l" defTabSz="457200" rtl="0" eaLnBrk="1" latinLnBrk="0" hangingPunct="1">
+              <a:spcBef>
+                <a:spcPct val="20000"/>
+              </a:spcBef>
+              <a:buFont typeface="Arial"/>
+              <a:buChar char="•"/>
+              <a:defRPr sz="2000" kern="1200">
+                <a:solidFill>
+                  <a:schemeClr val="tx1"/>
+                </a:solidFill>
+                <a:latin typeface="+mn-lt"/>
+                <a:ea typeface="+mn-ea"/>
+                <a:cs typeface="+mn-cs"/>
+              </a:defRPr>
+            </a:lvl7pPr>
+            <a:lvl8pPr marL="3429000" indent="-228600" algn="l" defTabSz="457200" rtl="0" eaLnBrk="1" latinLnBrk="0" hangingPunct="1">
+              <a:spcBef>
+                <a:spcPct val="20000"/>
+              </a:spcBef>
+              <a:buFont typeface="Arial"/>
+              <a:buChar char="•"/>
+              <a:defRPr sz="2000" kern="1200">
+                <a:solidFill>
+                  <a:schemeClr val="tx1"/>
+                </a:solidFill>
+                <a:latin typeface="+mn-lt"/>
+                <a:ea typeface="+mn-ea"/>
+                <a:cs typeface="+mn-cs"/>
+              </a:defRPr>
+            </a:lvl8pPr>
+            <a:lvl9pPr marL="3886200" indent="-228600" algn="l" defTabSz="457200" rtl="0" eaLnBrk="1" latinLnBrk="0" hangingPunct="1">
+              <a:spcBef>
+                <a:spcPct val="20000"/>
+              </a:spcBef>
+              <a:buFont typeface="Arial"/>
+              <a:buChar char="•"/>
+              <a:defRPr sz="2000" kern="1200">
+                <a:solidFill>
+                  <a:schemeClr val="tx1"/>
+                </a:solidFill>
+                <a:latin typeface="+mn-lt"/>
+                <a:ea typeface="+mn-ea"/>
+                <a:cs typeface="+mn-cs"/>
+              </a:defRPr>
+            </a:lvl9pPr>
+          </a:lstStyle>
+          <a:p>
+            <a:pPr marL="0" indent="0">
+              <a:buFont typeface="Arial"/>
+              <a:buNone/>
+            </a:pPr>
+            <a:r>
+              <a:rPr lang="en-US" dirty="0" err="1" smtClean="0"/>
+              <a:t>Vectorized</a:t>
+            </a:r>
+            <a:r>
+              <a:rPr lang="en-US" dirty="0" smtClean="0"/>
+              <a:t> MPC schedule:</a:t>
+            </a:r>
+          </a:p>
+          <a:p>
+            <a:pPr marL="0" indent="0">
+              <a:buNone/>
+            </a:pPr>
+            <a:r>
+              <a:rPr lang="en-US" dirty="0" smtClean="0"/>
+              <a:t>C = CMP_SIMD(B, 0, </a:t>
+            </a:r>
+            <a:r>
+              <a:rPr lang="en-US" dirty="0" err="1" smtClean="0"/>
+              <a:t>len</a:t>
+            </a:r>
+            <a:r>
+              <a:rPr lang="en-US" dirty="0" smtClean="0"/>
+              <a:t>)</a:t>
+            </a:r>
+            <a:endParaRPr lang="en-US" dirty="0"/>
+          </a:p>
+          <a:p>
+            <a:pPr marL="0" indent="0">
+              <a:buNone/>
+            </a:pPr>
+            <a:r>
+              <a:rPr lang="de-DE" dirty="0" smtClean="0"/>
+              <a:t>A1 </a:t>
+            </a:r>
+            <a:r>
+              <a:rPr lang="de-DE" dirty="0"/>
+              <a:t>= </a:t>
+            </a:r>
+            <a:r>
+              <a:rPr lang="de-DE" dirty="0" smtClean="0"/>
+              <a:t>SOME_MPC_SIMD(...)</a:t>
+            </a:r>
+            <a:endParaRPr lang="hu-HU" dirty="0" smtClean="0"/>
+          </a:p>
+          <a:p>
+            <a:pPr marL="0" indent="0">
+              <a:buNone/>
+            </a:pPr>
+            <a:r>
+              <a:rPr lang="ro-RO" dirty="0" smtClean="0"/>
+              <a:t>A2 </a:t>
+            </a:r>
+            <a:r>
+              <a:rPr lang="ro-RO" dirty="0"/>
+              <a:t>= </a:t>
+            </a:r>
+            <a:r>
+              <a:rPr lang="de-DE" dirty="0"/>
+              <a:t>SOME_MPC_SIMD(...)</a:t>
+            </a:r>
+            <a:endParaRPr lang="ro-RO" dirty="0"/>
+          </a:p>
+          <a:p>
+            <a:pPr marL="0" indent="0">
+              <a:buNone/>
+            </a:pPr>
+            <a:r>
+              <a:rPr lang="en-US" dirty="0" smtClean="0"/>
+              <a:t>X = MUX_SIMD(C,A1,A2</a:t>
+            </a:r>
             <a:r>
               <a:rPr lang="en-US" dirty="0"/>
-              <a:t>Not all loops will be “vectorizable”</a:t>
-            </a:r>
-          </a:p>
-          <a:p>
-            <a:r>
-              <a:rPr lang="en-US" dirty="0"/>
-              <a:t>SSA conversion may break loop structure and replace it with “</a:t>
-            </a:r>
-            <a:r>
-              <a:rPr lang="en-US" dirty="0" err="1"/>
-              <a:t>goto</a:t>
-            </a:r>
-            <a:r>
-              <a:rPr lang="en-US" dirty="0"/>
-              <a:t>” statements. </a:t>
-            </a:r>
-          </a:p>
-          <a:p>
-            <a:r>
-              <a:rPr lang="en-US" dirty="0"/>
-              <a:t>We need to differentiate between phi-nodes which belong to “if” statements and the ones that belong to loop’s entry block</a:t>
-            </a:r>
-          </a:p>
-          <a:p>
-            <a:r>
-              <a:rPr lang="en-US" dirty="0"/>
-              <a:t>The phi-nodes which belong to loop entry blocks are not MUX nodes (we call them “pseudo-Phi nodes”.</a:t>
-            </a:r>
-          </a:p>
-          <a:p>
-            <a:r>
-              <a:rPr lang="en-US" dirty="0"/>
-              <a:t>For backend (MOTION/</a:t>
-            </a:r>
-            <a:r>
-              <a:rPr lang="en-US" dirty="0" err="1"/>
-              <a:t>etc</a:t>
-            </a:r>
-            <a:r>
-              <a:rPr lang="en-US" dirty="0"/>
-              <a:t>), we need to take these “</a:t>
-            </a:r>
-            <a:r>
-              <a:rPr lang="en-US" dirty="0" err="1"/>
-              <a:t>goto</a:t>
-            </a:r>
-            <a:r>
-              <a:rPr lang="en-US" dirty="0"/>
-              <a:t>” style loops and write “high level” loops e.g. for(;;) or while.</a:t>
-            </a:r>
+              <a:t>,</a:t>
+            </a:r>
+            <a:r>
+              <a:rPr lang="en-US" dirty="0" smtClean="0"/>
+              <a:t>len)</a:t>
+            </a:r>
+            <a:endParaRPr lang="en-US" dirty="0"/>
           </a:p>
         </p:txBody>
       </p:sp>
     </p:spTree>
     <p:extLst>
       <p:ext uri="{BB962C8B-B14F-4D97-AF65-F5344CB8AC3E}">
-        <p14:creationId xmlns:p14="http://schemas.microsoft.com/office/powerpoint/2010/main" val="3373975701"/>
+        <p14:creationId xmlns:p14="http://schemas.microsoft.com/office/powerpoint/2010/main" val="2037413973"/>
       </p:ext>
     </p:extLst>
   </p:cSld>
@@ -12179,7 +12075,7 @@
           <p:cNvPr id="2" name="Title 1">
             <a:extLst>
               <a:ext uri="{FF2B5EF4-FFF2-40B4-BE49-F238E27FC236}">
-                <a16:creationId xmlns:a16="http://schemas.microsoft.com/office/drawing/2014/main" xmlns="" id="{651E22AE-3AA7-4905-A3C1-1577DBCCC688}"/>
+                <a16:creationId xmlns:a16="http://schemas.microsoft.com/office/drawing/2014/main" xmlns="" id="{3A143DEE-59AA-44A1-B291-C37E60CCA376}"/>
               </a:ext>
             </a:extLst>
           </p:cNvPr>
@@ -12207,7 +12103,7 @@
           <p:cNvPr id="3" name="Content Placeholder 2">
             <a:extLst>
               <a:ext uri="{FF2B5EF4-FFF2-40B4-BE49-F238E27FC236}">
-                <a16:creationId xmlns:a16="http://schemas.microsoft.com/office/drawing/2014/main" xmlns="" id="{B34348BB-B630-46C1-8E67-62B490A4BFBB}"/>
+                <a16:creationId xmlns:a16="http://schemas.microsoft.com/office/drawing/2014/main" xmlns="" id="{A85690C0-4A40-4562-BB37-7547F32AFA6C}"/>
               </a:ext>
             </a:extLst>
           </p:cNvPr>
@@ -12221,35 +12117,61 @@
         <p:spPr/>
         <p:txBody>
           <a:bodyPr>
-            <a:normAutofit fontScale="92500"/>
+            <a:normAutofit fontScale="85000" lnSpcReduction="10000"/>
           </a:bodyPr>
           <a:lstStyle/>
           <a:p>
             <a:r>
               <a:rPr lang="en-US" dirty="0"/>
-              <a:t>An easy (but not user-friendly) way to keep loop information around not allowing python style loops, Instead user/programmer calls functions from our library e.g. instead of for x in range(8), they call </a:t>
+              <a:t>Not all loops will be “vectorizable”</a:t>
+            </a:r>
+          </a:p>
+          <a:p>
+            <a:r>
+              <a:rPr lang="en-US" dirty="0"/>
+              <a:t>SSA conversion may break loop structure and replace it with “</a:t>
             </a:r>
             <a:r>
               <a:rPr lang="en-US" dirty="0" err="1"/>
-              <a:t>for_range</a:t>
+              <a:t>goto</a:t>
             </a:r>
             <a:r>
               <a:rPr lang="en-US" dirty="0"/>
-              <a:t>(x, 8) where </a:t>
+              <a:t>” statements. </a:t>
+            </a:r>
+          </a:p>
+          <a:p>
+            <a:r>
+              <a:rPr lang="en-US" dirty="0"/>
+              <a:t>We need to differentiate between phi-nodes which belong to “if” statements and the ones that belong to loop’s entry block</a:t>
+            </a:r>
+          </a:p>
+          <a:p>
+            <a:r>
+              <a:rPr lang="en-US" dirty="0"/>
+              <a:t>The phi-nodes which belong to loop entry blocks are not MUX nodes (we call them “pseudo-Phi nodes”.</a:t>
+            </a:r>
+          </a:p>
+          <a:p>
+            <a:r>
+              <a:rPr lang="en-US" dirty="0"/>
+              <a:t>For backend (MOTION/</a:t>
             </a:r>
             <a:r>
               <a:rPr lang="en-US" dirty="0" err="1"/>
-              <a:t>for_range</a:t>
+              <a:t>etc</a:t>
             </a:r>
             <a:r>
               <a:rPr lang="en-US" dirty="0"/>
-              <a:t> is a function that we define. (which stores relevant loop information for our analysis/loop-rewrite).</a:t>
-            </a:r>
-          </a:p>
-          <a:p>
+              <a:t>), we need to take these “</a:t>
+            </a:r>
+            <a:r>
+              <a:rPr lang="en-US" dirty="0" err="1"/>
+              <a:t>goto</a:t>
+            </a:r>
             <a:r>
               <a:rPr lang="en-US" dirty="0"/>
-              <a:t>There are other compilers that do this (e.g. SPDZ), so may be not such a bad idea.</a:t>
+              <a:t>” style loops and write “high level” loops e.g. for(;;) or while.</a:t>
             </a:r>
           </a:p>
         </p:txBody>
@@ -12257,7 +12179,7 @@
     </p:spTree>
     <p:extLst>
       <p:ext uri="{BB962C8B-B14F-4D97-AF65-F5344CB8AC3E}">
-        <p14:creationId xmlns:p14="http://schemas.microsoft.com/office/powerpoint/2010/main" val="447143812"/>
+        <p14:creationId xmlns:p14="http://schemas.microsoft.com/office/powerpoint/2010/main" val="3373975701"/>
       </p:ext>
     </p:extLst>
   </p:cSld>
@@ -12924,6 +12846,116 @@
       </p:grpSpPr>
       <p:sp>
         <p:nvSpPr>
+          <p:cNvPr id="2" name="Title 1">
+            <a:extLst>
+              <a:ext uri="{FF2B5EF4-FFF2-40B4-BE49-F238E27FC236}">
+                <a16:creationId xmlns:a16="http://schemas.microsoft.com/office/drawing/2014/main" xmlns="" id="{651E22AE-3AA7-4905-A3C1-1577DBCCC688}"/>
+              </a:ext>
+            </a:extLst>
+          </p:cNvPr>
+          <p:cNvSpPr>
+            <a:spLocks noGrp="1"/>
+          </p:cNvSpPr>
+          <p:nvPr>
+            <p:ph type="title"/>
+          </p:nvPr>
+        </p:nvSpPr>
+        <p:spPr/>
+        <p:txBody>
+          <a:bodyPr/>
+          <a:lstStyle/>
+          <a:p>
+            <a:r>
+              <a:rPr lang="en-US" dirty="0"/>
+              <a:t>Phase 6: How to rewrite loops</a:t>
+            </a:r>
+          </a:p>
+        </p:txBody>
+      </p:sp>
+      <p:sp>
+        <p:nvSpPr>
+          <p:cNvPr id="3" name="Content Placeholder 2">
+            <a:extLst>
+              <a:ext uri="{FF2B5EF4-FFF2-40B4-BE49-F238E27FC236}">
+                <a16:creationId xmlns:a16="http://schemas.microsoft.com/office/drawing/2014/main" xmlns="" id="{B34348BB-B630-46C1-8E67-62B490A4BFBB}"/>
+              </a:ext>
+            </a:extLst>
+          </p:cNvPr>
+          <p:cNvSpPr>
+            <a:spLocks noGrp="1"/>
+          </p:cNvSpPr>
+          <p:nvPr>
+            <p:ph idx="1"/>
+          </p:nvPr>
+        </p:nvSpPr>
+        <p:spPr/>
+        <p:txBody>
+          <a:bodyPr>
+            <a:normAutofit fontScale="92500"/>
+          </a:bodyPr>
+          <a:lstStyle/>
+          <a:p>
+            <a:r>
+              <a:rPr lang="en-US" dirty="0"/>
+              <a:t>An easy (but not user-friendly) way to keep loop information around not allowing python style loops, Instead user/programmer calls functions from our library e.g. instead of for x in range(8), they call </a:t>
+            </a:r>
+            <a:r>
+              <a:rPr lang="en-US" dirty="0" err="1"/>
+              <a:t>for_range</a:t>
+            </a:r>
+            <a:r>
+              <a:rPr lang="en-US" dirty="0"/>
+              <a:t>(x, 8) where </a:t>
+            </a:r>
+            <a:r>
+              <a:rPr lang="en-US" dirty="0" err="1"/>
+              <a:t>for_range</a:t>
+            </a:r>
+            <a:r>
+              <a:rPr lang="en-US" dirty="0"/>
+              <a:t> is a function that we define. (which stores relevant loop information for our analysis/loop-rewrite).</a:t>
+            </a:r>
+          </a:p>
+          <a:p>
+            <a:r>
+              <a:rPr lang="en-US" dirty="0"/>
+              <a:t>There are other compilers that do this (e.g. SPDZ), so may be not such a bad idea.</a:t>
+            </a:r>
+          </a:p>
+        </p:txBody>
+      </p:sp>
+    </p:spTree>
+    <p:extLst>
+      <p:ext uri="{BB962C8B-B14F-4D97-AF65-F5344CB8AC3E}">
+        <p14:creationId xmlns:p14="http://schemas.microsoft.com/office/powerpoint/2010/main" val="447143812"/>
+      </p:ext>
+    </p:extLst>
+  </p:cSld>
+  <p:clrMapOvr>
+    <a:masterClrMapping/>
+  </p:clrMapOvr>
+</p:sld>
+</file>
+
+<file path=ppt/slides/slide31.xml><?xml version="1.0" encoding="utf-8"?>
+<p:sld xmlns:a="http://schemas.openxmlformats.org/drawingml/2006/main" xmlns:r="http://schemas.openxmlformats.org/officeDocument/2006/relationships" xmlns:p="http://schemas.openxmlformats.org/presentationml/2006/main">
+  <p:cSld>
+    <p:spTree>
+      <p:nvGrpSpPr>
+        <p:cNvPr id="1" name=""/>
+        <p:cNvGrpSpPr/>
+        <p:nvPr/>
+      </p:nvGrpSpPr>
+      <p:grpSpPr>
+        <a:xfrm>
+          <a:off x="0" y="0"/>
+          <a:ext cx="0" cy="0"/>
+          <a:chOff x="0" y="0"/>
+          <a:chExt cx="0" cy="0"/>
+        </a:xfrm>
+      </p:grpSpPr>
+      <p:sp>
+        <p:nvSpPr>
           <p:cNvPr id="2" name="Title 1"/>
           <p:cNvSpPr>
             <a:spLocks noGrp="1"/>
@@ -14144,7 +14176,7 @@
         <p:spPr/>
         <p:txBody>
           <a:bodyPr>
-            <a:normAutofit fontScale="92500" lnSpcReduction="10000"/>
+            <a:normAutofit fontScale="92500" lnSpcReduction="20000"/>
           </a:bodyPr>
           <a:lstStyle/>
           <a:p>
@@ -14188,23 +14220,15 @@
             </a:r>
             <a:r>
               <a:rPr lang="en-US" dirty="0" smtClean="0"/>
-              <a:t>&lt;- REDUCE(A,</a:t>
-            </a:r>
-            <a:r>
-              <a:rPr lang="en-US" dirty="0" smtClean="0"/>
-              <a:t>B</a:t>
-            </a:r>
-            <a:r>
-              <a:rPr lang="is-IS" dirty="0" smtClean="0"/>
-              <a:t>, </a:t>
-            </a:r>
-            <a:r>
-              <a:rPr lang="is-IS" b="1" dirty="0" smtClean="0"/>
-              <a:t>comb_op</a:t>
-            </a:r>
-            <a:r>
-              <a:rPr lang="is-IS" dirty="0" smtClean="0"/>
-              <a:t>, </a:t>
+              <a:t>&lt;- REDUCE(A</a:t>
+            </a:r>
+            <a:r>
+              <a:rPr lang="en-US" dirty="0" smtClean="0"/>
+              <a:t>,</a:t>
+            </a:r>
+            <a:r>
+              <a:rPr lang="en-US" dirty="0"/>
+              <a:t> </a:t>
             </a:r>
             <a:r>
               <a:rPr lang="is-IS" b="1" dirty="0" smtClean="0"/>
@@ -14212,12 +14236,9 @@
             </a:r>
             <a:r>
               <a:rPr lang="is-IS" dirty="0" smtClean="0"/>
-              <a:t> , id</a:t>
-            </a:r>
-            <a:r>
-              <a:rPr lang="is-IS" dirty="0" smtClean="0"/>
-              <a:t>)</a:t>
-            </a:r>
+              <a:t> , id)</a:t>
+            </a:r>
+            <a:endParaRPr lang="is-IS" dirty="0" smtClean="0"/>
           </a:p>
           <a:p>
             <a:pPr lvl="1"/>
@@ -14231,11 +14252,15 @@
             <a:pPr lvl="1"/>
             <a:r>
               <a:rPr lang="en-US" dirty="0" smtClean="0"/>
-              <a:t>Takes as inputs arrays A and B. </a:t>
-            </a:r>
-            <a:r>
-              <a:rPr lang="en-US" dirty="0" smtClean="0"/>
-              <a:t>Produces scalar result.</a:t>
+              <a:t>Takes as input array A and binary operation. </a:t>
+            </a:r>
+            <a:r>
+              <a:rPr lang="en-US" dirty="0" smtClean="0"/>
+              <a:t>Produces scalar result. May take othe</a:t>
+            </a:r>
+            <a:r>
+              <a:rPr lang="en-US" dirty="0" smtClean="0"/>
+              <a:t>r array data as well.</a:t>
             </a:r>
             <a:endParaRPr lang="en-US" dirty="0" smtClean="0"/>
           </a:p>
@@ -14250,23 +14275,15 @@
             </a:r>
             <a:r>
               <a:rPr lang="en-US" dirty="0" smtClean="0"/>
-              <a:t>&lt;- DIV(A,</a:t>
-            </a:r>
-            <a:r>
-              <a:rPr lang="en-US" dirty="0" smtClean="0"/>
-              <a:t>B</a:t>
-            </a:r>
-            <a:r>
-              <a:rPr lang="is-IS" dirty="0" smtClean="0"/>
-              <a:t>, </a:t>
-            </a:r>
-            <a:r>
-              <a:rPr lang="is-IS" b="1" dirty="0" smtClean="0"/>
-              <a:t>comb_op</a:t>
-            </a:r>
-            <a:r>
-              <a:rPr lang="is-IS" dirty="0" smtClean="0"/>
-              <a:t>, </a:t>
+              <a:t>&lt;- DIV(A</a:t>
+            </a:r>
+            <a:r>
+              <a:rPr lang="en-US" dirty="0" smtClean="0"/>
+              <a:t>,</a:t>
+            </a:r>
+            <a:r>
+              <a:rPr lang="en-US" dirty="0"/>
+              <a:t> </a:t>
             </a:r>
             <a:r>
               <a:rPr lang="is-IS" b="1" dirty="0" smtClean="0"/>
@@ -14274,30 +14291,27 @@
             </a:r>
             <a:r>
               <a:rPr lang="is-IS" dirty="0" smtClean="0"/>
-              <a:t> , id</a:t>
-            </a:r>
+              <a:t> , id)</a:t>
+            </a:r>
+            <a:endParaRPr lang="is-IS" dirty="0" smtClean="0"/>
+          </a:p>
+          <a:p>
+            <a:pPr lvl="1"/>
             <a:r>
               <a:rPr lang="is-IS" dirty="0" smtClean="0"/>
-              <a:t>)</a:t>
-            </a:r>
-          </a:p>
-          <a:p>
-            <a:pPr lvl="1"/>
+              <a:t>Div-and-conquer reduce. Analysis has to </a:t>
+            </a:r>
             <a:r>
               <a:rPr lang="is-IS" dirty="0" smtClean="0"/>
-              <a:t>Div-and-conquer reduce. Analysis has to prove that </a:t>
-            </a:r>
-            <a:r>
-              <a:rPr lang="is-IS" b="1" dirty="0" smtClean="0"/>
-              <a:t>comb_op/bin_op</a:t>
+              <a:t>prove that bin_op is such that div</a:t>
             </a:r>
             <a:r>
               <a:rPr lang="is-IS" dirty="0" smtClean="0"/>
-              <a:t> </a:t>
+              <a:t>-and-</a:t>
             </a:r>
             <a:r>
               <a:rPr lang="is-IS" dirty="0" smtClean="0"/>
-              <a:t>is div-and-conquerable. </a:t>
+              <a:t>conquer version is equivalent to reduce version. </a:t>
             </a:r>
             <a:r>
               <a:rPr lang="en-US" b="1" dirty="0" smtClean="0"/>

--- a/MPC_Compiler_Misc_Notes.pptx
+++ b/MPC_Compiler_Misc_Notes.pptx
@@ -3811,7 +3811,7 @@
           <a:p>
             <a:r>
               <a:rPr lang="en-US" dirty="0" smtClean="0"/>
-              <a:t>TARGET LANGUAGE</a:t>
+              <a:t>TARGET LANGUAGE Examples</a:t>
             </a:r>
             <a:endParaRPr lang="en-US" dirty="0"/>
           </a:p>
@@ -4461,7 +4461,7 @@
           <a:p>
             <a:r>
               <a:rPr lang="en-US" dirty="0" smtClean="0"/>
-              <a:t>TODO: Examples, sum and min</a:t>
+              <a:t>TARGET LANGUAGE Examples</a:t>
             </a:r>
             <a:endParaRPr lang="en-US" dirty="0"/>
           </a:p>
@@ -4469,19 +4469,887 @@
       </p:sp>
       <p:sp>
         <p:nvSpPr>
-          <p:cNvPr id="3" name="Content Placeholder 2"/>
-          <p:cNvSpPr>
-            <a:spLocks noGrp="1"/>
+          <p:cNvPr id="4" name="Content Placeholder 2"/>
+          <p:cNvSpPr txBox="1">
+            <a:spLocks/>
           </p:cNvSpPr>
-          <p:nvPr>
-            <p:ph idx="1"/>
-          </p:nvPr>
+          <p:nvPr/>
         </p:nvSpPr>
-        <p:spPr/>
+        <p:spPr>
+          <a:xfrm>
+            <a:off x="330200" y="1244496"/>
+            <a:ext cx="3812587" cy="2707190"/>
+          </a:xfrm>
+          <a:prstGeom prst="rect">
+            <a:avLst/>
+          </a:prstGeom>
+        </p:spPr>
         <p:txBody>
-          <a:bodyPr/>
+          <a:bodyPr vert="horz" lIns="91440" tIns="45720" rIns="91440" bIns="45720" rtlCol="0">
+            <a:normAutofit lnSpcReduction="10000"/>
+          </a:bodyPr>
+          <a:lstStyle>
+            <a:lvl1pPr marL="342900" indent="-342900" algn="l" defTabSz="457200" rtl="0" eaLnBrk="1" latinLnBrk="0" hangingPunct="1">
+              <a:spcBef>
+                <a:spcPct val="20000"/>
+              </a:spcBef>
+              <a:buFont typeface="Arial"/>
+              <a:buChar char="•"/>
+              <a:defRPr sz="3200" kern="1200">
+                <a:solidFill>
+                  <a:schemeClr val="tx1"/>
+                </a:solidFill>
+                <a:latin typeface="+mn-lt"/>
+                <a:ea typeface="+mn-ea"/>
+                <a:cs typeface="+mn-cs"/>
+              </a:defRPr>
+            </a:lvl1pPr>
+            <a:lvl2pPr marL="742950" indent="-285750" algn="l" defTabSz="457200" rtl="0" eaLnBrk="1" latinLnBrk="0" hangingPunct="1">
+              <a:spcBef>
+                <a:spcPct val="20000"/>
+              </a:spcBef>
+              <a:buFont typeface="Arial"/>
+              <a:buChar char="–"/>
+              <a:defRPr sz="2800" kern="1200">
+                <a:solidFill>
+                  <a:schemeClr val="tx1"/>
+                </a:solidFill>
+                <a:latin typeface="+mn-lt"/>
+                <a:ea typeface="+mn-ea"/>
+                <a:cs typeface="+mn-cs"/>
+              </a:defRPr>
+            </a:lvl2pPr>
+            <a:lvl3pPr marL="1143000" indent="-228600" algn="l" defTabSz="457200" rtl="0" eaLnBrk="1" latinLnBrk="0" hangingPunct="1">
+              <a:spcBef>
+                <a:spcPct val="20000"/>
+              </a:spcBef>
+              <a:buFont typeface="Arial"/>
+              <a:buChar char="•"/>
+              <a:defRPr sz="2400" kern="1200">
+                <a:solidFill>
+                  <a:schemeClr val="tx1"/>
+                </a:solidFill>
+                <a:latin typeface="+mn-lt"/>
+                <a:ea typeface="+mn-ea"/>
+                <a:cs typeface="+mn-cs"/>
+              </a:defRPr>
+            </a:lvl3pPr>
+            <a:lvl4pPr marL="1600200" indent="-228600" algn="l" defTabSz="457200" rtl="0" eaLnBrk="1" latinLnBrk="0" hangingPunct="1">
+              <a:spcBef>
+                <a:spcPct val="20000"/>
+              </a:spcBef>
+              <a:buFont typeface="Arial"/>
+              <a:buChar char="–"/>
+              <a:defRPr sz="2000" kern="1200">
+                <a:solidFill>
+                  <a:schemeClr val="tx1"/>
+                </a:solidFill>
+                <a:latin typeface="+mn-lt"/>
+                <a:ea typeface="+mn-ea"/>
+                <a:cs typeface="+mn-cs"/>
+              </a:defRPr>
+            </a:lvl4pPr>
+            <a:lvl5pPr marL="2057400" indent="-228600" algn="l" defTabSz="457200" rtl="0" eaLnBrk="1" latinLnBrk="0" hangingPunct="1">
+              <a:spcBef>
+                <a:spcPct val="20000"/>
+              </a:spcBef>
+              <a:buFont typeface="Arial"/>
+              <a:buChar char="»"/>
+              <a:defRPr sz="2000" kern="1200">
+                <a:solidFill>
+                  <a:schemeClr val="tx1"/>
+                </a:solidFill>
+                <a:latin typeface="+mn-lt"/>
+                <a:ea typeface="+mn-ea"/>
+                <a:cs typeface="+mn-cs"/>
+              </a:defRPr>
+            </a:lvl5pPr>
+            <a:lvl6pPr marL="2514600" indent="-228600" algn="l" defTabSz="457200" rtl="0" eaLnBrk="1" latinLnBrk="0" hangingPunct="1">
+              <a:spcBef>
+                <a:spcPct val="20000"/>
+              </a:spcBef>
+              <a:buFont typeface="Arial"/>
+              <a:buChar char="•"/>
+              <a:defRPr sz="2000" kern="1200">
+                <a:solidFill>
+                  <a:schemeClr val="tx1"/>
+                </a:solidFill>
+                <a:latin typeface="+mn-lt"/>
+                <a:ea typeface="+mn-ea"/>
+                <a:cs typeface="+mn-cs"/>
+              </a:defRPr>
+            </a:lvl6pPr>
+            <a:lvl7pPr marL="2971800" indent="-228600" algn="l" defTabSz="457200" rtl="0" eaLnBrk="1" latinLnBrk="0" hangingPunct="1">
+              <a:spcBef>
+                <a:spcPct val="20000"/>
+              </a:spcBef>
+              <a:buFont typeface="Arial"/>
+              <a:buChar char="•"/>
+              <a:defRPr sz="2000" kern="1200">
+                <a:solidFill>
+                  <a:schemeClr val="tx1"/>
+                </a:solidFill>
+                <a:latin typeface="+mn-lt"/>
+                <a:ea typeface="+mn-ea"/>
+                <a:cs typeface="+mn-cs"/>
+              </a:defRPr>
+            </a:lvl7pPr>
+            <a:lvl8pPr marL="3429000" indent="-228600" algn="l" defTabSz="457200" rtl="0" eaLnBrk="1" latinLnBrk="0" hangingPunct="1">
+              <a:spcBef>
+                <a:spcPct val="20000"/>
+              </a:spcBef>
+              <a:buFont typeface="Arial"/>
+              <a:buChar char="•"/>
+              <a:defRPr sz="2000" kern="1200">
+                <a:solidFill>
+                  <a:schemeClr val="tx1"/>
+                </a:solidFill>
+                <a:latin typeface="+mn-lt"/>
+                <a:ea typeface="+mn-ea"/>
+                <a:cs typeface="+mn-cs"/>
+              </a:defRPr>
+            </a:lvl8pPr>
+            <a:lvl9pPr marL="3886200" indent="-228600" algn="l" defTabSz="457200" rtl="0" eaLnBrk="1" latinLnBrk="0" hangingPunct="1">
+              <a:spcBef>
+                <a:spcPct val="20000"/>
+              </a:spcBef>
+              <a:buFont typeface="Arial"/>
+              <a:buChar char="•"/>
+              <a:defRPr sz="2000" kern="1200">
+                <a:solidFill>
+                  <a:schemeClr val="tx1"/>
+                </a:solidFill>
+                <a:latin typeface="+mn-lt"/>
+                <a:ea typeface="+mn-ea"/>
+                <a:cs typeface="+mn-cs"/>
+              </a:defRPr>
+            </a:lvl9pPr>
+          </a:lstStyle>
+          <a:p>
+            <a:pPr marL="0" indent="0">
+              <a:buNone/>
+            </a:pPr>
+            <a:r>
+              <a:rPr lang="en-US" dirty="0" smtClean="0"/>
+              <a:t>Iterative min:</a:t>
+            </a:r>
+            <a:endParaRPr lang="en-US" dirty="0" smtClean="0"/>
+          </a:p>
+          <a:p>
+            <a:pPr marL="0" indent="0">
+              <a:buNone/>
+            </a:pPr>
+            <a:r>
+              <a:rPr lang="en-US" dirty="0" smtClean="0"/>
+              <a:t>min</a:t>
+            </a:r>
+            <a:r>
+              <a:rPr lang="en-US" dirty="0" smtClean="0"/>
+              <a:t> = A[1]</a:t>
+            </a:r>
+          </a:p>
+          <a:p>
+            <a:pPr marL="0" indent="0">
+              <a:buNone/>
+            </a:pPr>
+            <a:r>
+              <a:rPr lang="en-US" dirty="0" smtClean="0"/>
+              <a:t>for </a:t>
+            </a:r>
+            <a:r>
+              <a:rPr lang="en-US" dirty="0" err="1" smtClean="0"/>
+              <a:t>i</a:t>
+            </a:r>
+            <a:r>
+              <a:rPr lang="en-US" dirty="0" smtClean="0"/>
+              <a:t> in range</a:t>
+            </a:r>
+            <a:r>
+              <a:rPr lang="en-US" dirty="0" smtClean="0"/>
+              <a:t>(</a:t>
+            </a:r>
+            <a:r>
+              <a:rPr lang="en-US" dirty="0"/>
+              <a:t>N</a:t>
+            </a:r>
+            <a:r>
+              <a:rPr lang="en-US" dirty="0" smtClean="0"/>
+              <a:t>)</a:t>
+            </a:r>
+            <a:r>
+              <a:rPr lang="en-US" dirty="0" smtClean="0"/>
+              <a:t>:</a:t>
+            </a:r>
+          </a:p>
+          <a:p>
+            <a:pPr marL="0" indent="0">
+              <a:buNone/>
+            </a:pPr>
+            <a:r>
+              <a:rPr lang="en-US" dirty="0"/>
+              <a:t> </a:t>
+            </a:r>
+            <a:r>
+              <a:rPr lang="en-US" dirty="0" smtClean="0"/>
+              <a:t>   </a:t>
+            </a:r>
+            <a:r>
+              <a:rPr lang="en-US" dirty="0" smtClean="0"/>
+              <a:t>if A[</a:t>
+            </a:r>
+            <a:r>
+              <a:rPr lang="en-US" dirty="0" err="1" smtClean="0"/>
+              <a:t>i</a:t>
+            </a:r>
+            <a:r>
+              <a:rPr lang="en-US" dirty="0" smtClean="0"/>
+              <a:t>] &lt; min</a:t>
+            </a:r>
+            <a:endParaRPr lang="en-US" dirty="0" smtClean="0">
+              <a:solidFill>
+                <a:srgbClr val="0000FF"/>
+              </a:solidFill>
+            </a:endParaRPr>
+          </a:p>
+          <a:p>
+            <a:pPr marL="0" indent="0">
+              <a:buNone/>
+            </a:pPr>
+            <a:r>
+              <a:rPr lang="en-US" dirty="0"/>
+              <a:t> </a:t>
+            </a:r>
+            <a:r>
+              <a:rPr lang="en-US" dirty="0" smtClean="0"/>
+              <a:t>   </a:t>
+            </a:r>
+            <a:r>
+              <a:rPr lang="en-US" dirty="0"/>
+              <a:t> </a:t>
+            </a:r>
+            <a:r>
+              <a:rPr lang="en-US" dirty="0" smtClean="0"/>
+              <a:t>   min = A[</a:t>
+            </a:r>
+            <a:r>
+              <a:rPr lang="en-US" dirty="0" err="1" smtClean="0"/>
+              <a:t>i</a:t>
+            </a:r>
+            <a:r>
+              <a:rPr lang="en-US" dirty="0" smtClean="0"/>
+              <a:t>]</a:t>
+            </a:r>
+            <a:endParaRPr lang="en-US" dirty="0"/>
+          </a:p>
+        </p:txBody>
+      </p:sp>
+      <p:sp>
+        <p:nvSpPr>
+          <p:cNvPr id="5" name="Content Placeholder 2"/>
+          <p:cNvSpPr txBox="1">
+            <a:spLocks/>
+          </p:cNvSpPr>
+          <p:nvPr/>
+        </p:nvSpPr>
+        <p:spPr>
+          <a:xfrm>
+            <a:off x="4368800" y="1249258"/>
+            <a:ext cx="4559300" cy="2707190"/>
+          </a:xfrm>
+          <a:prstGeom prst="rect">
+            <a:avLst/>
+          </a:prstGeom>
+        </p:spPr>
+        <p:txBody>
+          <a:bodyPr vert="horz" lIns="91440" tIns="45720" rIns="91440" bIns="45720" rtlCol="0">
+            <a:normAutofit/>
+          </a:bodyPr>
+          <a:lstStyle>
+            <a:lvl1pPr marL="342900" indent="-342900" algn="l" defTabSz="457200" rtl="0" eaLnBrk="1" latinLnBrk="0" hangingPunct="1">
+              <a:spcBef>
+                <a:spcPct val="20000"/>
+              </a:spcBef>
+              <a:buFont typeface="Arial"/>
+              <a:buChar char="•"/>
+              <a:defRPr sz="3200" kern="1200">
+                <a:solidFill>
+                  <a:schemeClr val="tx1"/>
+                </a:solidFill>
+                <a:latin typeface="+mn-lt"/>
+                <a:ea typeface="+mn-ea"/>
+                <a:cs typeface="+mn-cs"/>
+              </a:defRPr>
+            </a:lvl1pPr>
+            <a:lvl2pPr marL="742950" indent="-285750" algn="l" defTabSz="457200" rtl="0" eaLnBrk="1" latinLnBrk="0" hangingPunct="1">
+              <a:spcBef>
+                <a:spcPct val="20000"/>
+              </a:spcBef>
+              <a:buFont typeface="Arial"/>
+              <a:buChar char="–"/>
+              <a:defRPr sz="2800" kern="1200">
+                <a:solidFill>
+                  <a:schemeClr val="tx1"/>
+                </a:solidFill>
+                <a:latin typeface="+mn-lt"/>
+                <a:ea typeface="+mn-ea"/>
+                <a:cs typeface="+mn-cs"/>
+              </a:defRPr>
+            </a:lvl2pPr>
+            <a:lvl3pPr marL="1143000" indent="-228600" algn="l" defTabSz="457200" rtl="0" eaLnBrk="1" latinLnBrk="0" hangingPunct="1">
+              <a:spcBef>
+                <a:spcPct val="20000"/>
+              </a:spcBef>
+              <a:buFont typeface="Arial"/>
+              <a:buChar char="•"/>
+              <a:defRPr sz="2400" kern="1200">
+                <a:solidFill>
+                  <a:schemeClr val="tx1"/>
+                </a:solidFill>
+                <a:latin typeface="+mn-lt"/>
+                <a:ea typeface="+mn-ea"/>
+                <a:cs typeface="+mn-cs"/>
+              </a:defRPr>
+            </a:lvl3pPr>
+            <a:lvl4pPr marL="1600200" indent="-228600" algn="l" defTabSz="457200" rtl="0" eaLnBrk="1" latinLnBrk="0" hangingPunct="1">
+              <a:spcBef>
+                <a:spcPct val="20000"/>
+              </a:spcBef>
+              <a:buFont typeface="Arial"/>
+              <a:buChar char="–"/>
+              <a:defRPr sz="2000" kern="1200">
+                <a:solidFill>
+                  <a:schemeClr val="tx1"/>
+                </a:solidFill>
+                <a:latin typeface="+mn-lt"/>
+                <a:ea typeface="+mn-ea"/>
+                <a:cs typeface="+mn-cs"/>
+              </a:defRPr>
+            </a:lvl4pPr>
+            <a:lvl5pPr marL="2057400" indent="-228600" algn="l" defTabSz="457200" rtl="0" eaLnBrk="1" latinLnBrk="0" hangingPunct="1">
+              <a:spcBef>
+                <a:spcPct val="20000"/>
+              </a:spcBef>
+              <a:buFont typeface="Arial"/>
+              <a:buChar char="»"/>
+              <a:defRPr sz="2000" kern="1200">
+                <a:solidFill>
+                  <a:schemeClr val="tx1"/>
+                </a:solidFill>
+                <a:latin typeface="+mn-lt"/>
+                <a:ea typeface="+mn-ea"/>
+                <a:cs typeface="+mn-cs"/>
+              </a:defRPr>
+            </a:lvl5pPr>
+            <a:lvl6pPr marL="2514600" indent="-228600" algn="l" defTabSz="457200" rtl="0" eaLnBrk="1" latinLnBrk="0" hangingPunct="1">
+              <a:spcBef>
+                <a:spcPct val="20000"/>
+              </a:spcBef>
+              <a:buFont typeface="Arial"/>
+              <a:buChar char="•"/>
+              <a:defRPr sz="2000" kern="1200">
+                <a:solidFill>
+                  <a:schemeClr val="tx1"/>
+                </a:solidFill>
+                <a:latin typeface="+mn-lt"/>
+                <a:ea typeface="+mn-ea"/>
+                <a:cs typeface="+mn-cs"/>
+              </a:defRPr>
+            </a:lvl6pPr>
+            <a:lvl7pPr marL="2971800" indent="-228600" algn="l" defTabSz="457200" rtl="0" eaLnBrk="1" latinLnBrk="0" hangingPunct="1">
+              <a:spcBef>
+                <a:spcPct val="20000"/>
+              </a:spcBef>
+              <a:buFont typeface="Arial"/>
+              <a:buChar char="•"/>
+              <a:defRPr sz="2000" kern="1200">
+                <a:solidFill>
+                  <a:schemeClr val="tx1"/>
+                </a:solidFill>
+                <a:latin typeface="+mn-lt"/>
+                <a:ea typeface="+mn-ea"/>
+                <a:cs typeface="+mn-cs"/>
+              </a:defRPr>
+            </a:lvl7pPr>
+            <a:lvl8pPr marL="3429000" indent="-228600" algn="l" defTabSz="457200" rtl="0" eaLnBrk="1" latinLnBrk="0" hangingPunct="1">
+              <a:spcBef>
+                <a:spcPct val="20000"/>
+              </a:spcBef>
+              <a:buFont typeface="Arial"/>
+              <a:buChar char="•"/>
+              <a:defRPr sz="2000" kern="1200">
+                <a:solidFill>
+                  <a:schemeClr val="tx1"/>
+                </a:solidFill>
+                <a:latin typeface="+mn-lt"/>
+                <a:ea typeface="+mn-ea"/>
+                <a:cs typeface="+mn-cs"/>
+              </a:defRPr>
+            </a:lvl8pPr>
+            <a:lvl9pPr marL="3886200" indent="-228600" algn="l" defTabSz="457200" rtl="0" eaLnBrk="1" latinLnBrk="0" hangingPunct="1">
+              <a:spcBef>
+                <a:spcPct val="20000"/>
+              </a:spcBef>
+              <a:buFont typeface="Arial"/>
+              <a:buChar char="•"/>
+              <a:defRPr sz="2000" kern="1200">
+                <a:solidFill>
+                  <a:schemeClr val="tx1"/>
+                </a:solidFill>
+                <a:latin typeface="+mn-lt"/>
+                <a:ea typeface="+mn-ea"/>
+                <a:cs typeface="+mn-cs"/>
+              </a:defRPr>
+            </a:lvl9pPr>
+          </a:lstStyle>
+          <a:p>
+            <a:pPr marL="0" indent="0">
+              <a:buNone/>
+            </a:pPr>
+            <a:r>
+              <a:rPr lang="en-US" sz="2600" dirty="0" smtClean="0"/>
+              <a:t>MPC min (after Phases 1-3)</a:t>
+            </a:r>
+            <a:r>
+              <a:rPr lang="en-US" sz="2600" dirty="0" smtClean="0"/>
+              <a:t>:</a:t>
+            </a:r>
+            <a:endParaRPr lang="en-US" sz="2600" dirty="0" smtClean="0"/>
+          </a:p>
+          <a:p>
+            <a:pPr marL="0" indent="0">
+              <a:buNone/>
+            </a:pPr>
+            <a:r>
+              <a:rPr lang="en-US" sz="2600" dirty="0" smtClean="0"/>
+              <a:t>min0 = A[1]</a:t>
+            </a:r>
+            <a:endParaRPr lang="en-US" sz="2600" dirty="0" smtClean="0"/>
+          </a:p>
+          <a:p>
+            <a:pPr marL="0" indent="0">
+              <a:buNone/>
+            </a:pPr>
+            <a:r>
+              <a:rPr lang="en-US" sz="2600" dirty="0" smtClean="0"/>
+              <a:t>f</a:t>
+            </a:r>
+            <a:r>
+              <a:rPr lang="en-US" sz="2600" dirty="0" smtClean="0"/>
+              <a:t>or </a:t>
+            </a:r>
+            <a:r>
+              <a:rPr lang="en-US" sz="2600" dirty="0" err="1" smtClean="0"/>
+              <a:t>i</a:t>
+            </a:r>
+            <a:r>
+              <a:rPr lang="en-US" sz="2600" dirty="0" smtClean="0"/>
+              <a:t> in range(N) </a:t>
+            </a:r>
+          </a:p>
+          <a:p>
+            <a:pPr marL="0" indent="0">
+              <a:buNone/>
+            </a:pPr>
+            <a:r>
+              <a:rPr lang="en-US" sz="2600" dirty="0"/>
+              <a:t>	c</a:t>
+            </a:r>
+            <a:r>
+              <a:rPr lang="en-US" sz="2600" dirty="0" smtClean="0"/>
+              <a:t> = CMP(A[</a:t>
+            </a:r>
+            <a:r>
+              <a:rPr lang="en-US" sz="2600" dirty="0" err="1" smtClean="0"/>
+              <a:t>i</a:t>
+            </a:r>
+            <a:r>
+              <a:rPr lang="en-US" sz="2600" dirty="0" smtClean="0"/>
+              <a:t>],min0)</a:t>
+            </a:r>
+          </a:p>
+          <a:p>
+            <a:pPr marL="0" indent="0">
+              <a:buNone/>
+            </a:pPr>
+            <a:r>
+              <a:rPr lang="en-US" sz="2600" dirty="0" smtClean="0"/>
+              <a:t>	min1</a:t>
+            </a:r>
+            <a:r>
+              <a:rPr lang="en-US" sz="2600" dirty="0" smtClean="0"/>
+              <a:t> = MUX(c,min0,min1)</a:t>
+            </a:r>
+          </a:p>
+        </p:txBody>
+      </p:sp>
+      <p:sp>
+        <p:nvSpPr>
+          <p:cNvPr id="6" name="Right Arrow 5"/>
+          <p:cNvSpPr/>
+          <p:nvPr/>
+        </p:nvSpPr>
+        <p:spPr>
+          <a:xfrm>
+            <a:off x="3514975" y="2524009"/>
+            <a:ext cx="544424" cy="484632"/>
+          </a:xfrm>
+          <a:prstGeom prst="rightArrow">
+            <a:avLst/>
+          </a:prstGeom>
+        </p:spPr>
+        <p:style>
+          <a:lnRef idx="1">
+            <a:schemeClr val="accent1"/>
+          </a:lnRef>
+          <a:fillRef idx="3">
+            <a:schemeClr val="accent1"/>
+          </a:fillRef>
+          <a:effectRef idx="2">
+            <a:schemeClr val="accent1"/>
+          </a:effectRef>
+          <a:fontRef idx="minor">
+            <a:schemeClr val="lt1"/>
+          </a:fontRef>
+        </p:style>
+        <p:txBody>
+          <a:bodyPr rtlCol="0" anchor="ctr"/>
           <a:lstStyle/>
           <a:p>
+            <a:pPr algn="ctr"/>
+            <a:endParaRPr lang="en-US"/>
+          </a:p>
+        </p:txBody>
+      </p:sp>
+      <p:sp>
+        <p:nvSpPr>
+          <p:cNvPr id="7" name="Content Placeholder 2"/>
+          <p:cNvSpPr txBox="1">
+            <a:spLocks/>
+          </p:cNvSpPr>
+          <p:nvPr/>
+        </p:nvSpPr>
+        <p:spPr>
+          <a:xfrm>
+            <a:off x="1962150" y="3928264"/>
+            <a:ext cx="6102350" cy="2405062"/>
+          </a:xfrm>
+          <a:prstGeom prst="rect">
+            <a:avLst/>
+          </a:prstGeom>
+        </p:spPr>
+        <p:txBody>
+          <a:bodyPr vert="horz" lIns="91440" tIns="45720" rIns="91440" bIns="45720" rtlCol="0">
+            <a:normAutofit fontScale="85000" lnSpcReduction="20000"/>
+          </a:bodyPr>
+          <a:lstStyle>
+            <a:lvl1pPr marL="342900" indent="-342900" algn="l" defTabSz="457200" rtl="0" eaLnBrk="1" latinLnBrk="0" hangingPunct="1">
+              <a:spcBef>
+                <a:spcPct val="20000"/>
+              </a:spcBef>
+              <a:buFont typeface="Arial"/>
+              <a:buChar char="•"/>
+              <a:defRPr sz="3200" kern="1200">
+                <a:solidFill>
+                  <a:schemeClr val="tx1"/>
+                </a:solidFill>
+                <a:latin typeface="+mn-lt"/>
+                <a:ea typeface="+mn-ea"/>
+                <a:cs typeface="+mn-cs"/>
+              </a:defRPr>
+            </a:lvl1pPr>
+            <a:lvl2pPr marL="742950" indent="-285750" algn="l" defTabSz="457200" rtl="0" eaLnBrk="1" latinLnBrk="0" hangingPunct="1">
+              <a:spcBef>
+                <a:spcPct val="20000"/>
+              </a:spcBef>
+              <a:buFont typeface="Arial"/>
+              <a:buChar char="–"/>
+              <a:defRPr sz="2800" kern="1200">
+                <a:solidFill>
+                  <a:schemeClr val="tx1"/>
+                </a:solidFill>
+                <a:latin typeface="+mn-lt"/>
+                <a:ea typeface="+mn-ea"/>
+                <a:cs typeface="+mn-cs"/>
+              </a:defRPr>
+            </a:lvl2pPr>
+            <a:lvl3pPr marL="1143000" indent="-228600" algn="l" defTabSz="457200" rtl="0" eaLnBrk="1" latinLnBrk="0" hangingPunct="1">
+              <a:spcBef>
+                <a:spcPct val="20000"/>
+              </a:spcBef>
+              <a:buFont typeface="Arial"/>
+              <a:buChar char="•"/>
+              <a:defRPr sz="2400" kern="1200">
+                <a:solidFill>
+                  <a:schemeClr val="tx1"/>
+                </a:solidFill>
+                <a:latin typeface="+mn-lt"/>
+                <a:ea typeface="+mn-ea"/>
+                <a:cs typeface="+mn-cs"/>
+              </a:defRPr>
+            </a:lvl3pPr>
+            <a:lvl4pPr marL="1600200" indent="-228600" algn="l" defTabSz="457200" rtl="0" eaLnBrk="1" latinLnBrk="0" hangingPunct="1">
+              <a:spcBef>
+                <a:spcPct val="20000"/>
+              </a:spcBef>
+              <a:buFont typeface="Arial"/>
+              <a:buChar char="–"/>
+              <a:defRPr sz="2000" kern="1200">
+                <a:solidFill>
+                  <a:schemeClr val="tx1"/>
+                </a:solidFill>
+                <a:latin typeface="+mn-lt"/>
+                <a:ea typeface="+mn-ea"/>
+                <a:cs typeface="+mn-cs"/>
+              </a:defRPr>
+            </a:lvl4pPr>
+            <a:lvl5pPr marL="2057400" indent="-228600" algn="l" defTabSz="457200" rtl="0" eaLnBrk="1" latinLnBrk="0" hangingPunct="1">
+              <a:spcBef>
+                <a:spcPct val="20000"/>
+              </a:spcBef>
+              <a:buFont typeface="Arial"/>
+              <a:buChar char="»"/>
+              <a:defRPr sz="2000" kern="1200">
+                <a:solidFill>
+                  <a:schemeClr val="tx1"/>
+                </a:solidFill>
+                <a:latin typeface="+mn-lt"/>
+                <a:ea typeface="+mn-ea"/>
+                <a:cs typeface="+mn-cs"/>
+              </a:defRPr>
+            </a:lvl5pPr>
+            <a:lvl6pPr marL="2514600" indent="-228600" algn="l" defTabSz="457200" rtl="0" eaLnBrk="1" latinLnBrk="0" hangingPunct="1">
+              <a:spcBef>
+                <a:spcPct val="20000"/>
+              </a:spcBef>
+              <a:buFont typeface="Arial"/>
+              <a:buChar char="•"/>
+              <a:defRPr sz="2000" kern="1200">
+                <a:solidFill>
+                  <a:schemeClr val="tx1"/>
+                </a:solidFill>
+                <a:latin typeface="+mn-lt"/>
+                <a:ea typeface="+mn-ea"/>
+                <a:cs typeface="+mn-cs"/>
+              </a:defRPr>
+            </a:lvl6pPr>
+            <a:lvl7pPr marL="2971800" indent="-228600" algn="l" defTabSz="457200" rtl="0" eaLnBrk="1" latinLnBrk="0" hangingPunct="1">
+              <a:spcBef>
+                <a:spcPct val="20000"/>
+              </a:spcBef>
+              <a:buFont typeface="Arial"/>
+              <a:buChar char="•"/>
+              <a:defRPr sz="2000" kern="1200">
+                <a:solidFill>
+                  <a:schemeClr val="tx1"/>
+                </a:solidFill>
+                <a:latin typeface="+mn-lt"/>
+                <a:ea typeface="+mn-ea"/>
+                <a:cs typeface="+mn-cs"/>
+              </a:defRPr>
+            </a:lvl7pPr>
+            <a:lvl8pPr marL="3429000" indent="-228600" algn="l" defTabSz="457200" rtl="0" eaLnBrk="1" latinLnBrk="0" hangingPunct="1">
+              <a:spcBef>
+                <a:spcPct val="20000"/>
+              </a:spcBef>
+              <a:buFont typeface="Arial"/>
+              <a:buChar char="•"/>
+              <a:defRPr sz="2000" kern="1200">
+                <a:solidFill>
+                  <a:schemeClr val="tx1"/>
+                </a:solidFill>
+                <a:latin typeface="+mn-lt"/>
+                <a:ea typeface="+mn-ea"/>
+                <a:cs typeface="+mn-cs"/>
+              </a:defRPr>
+            </a:lvl8pPr>
+            <a:lvl9pPr marL="3886200" indent="-228600" algn="l" defTabSz="457200" rtl="0" eaLnBrk="1" latinLnBrk="0" hangingPunct="1">
+              <a:spcBef>
+                <a:spcPct val="20000"/>
+              </a:spcBef>
+              <a:buFont typeface="Arial"/>
+              <a:buChar char="•"/>
+              <a:defRPr sz="2000" kern="1200">
+                <a:solidFill>
+                  <a:schemeClr val="tx1"/>
+                </a:solidFill>
+                <a:latin typeface="+mn-lt"/>
+                <a:ea typeface="+mn-ea"/>
+                <a:cs typeface="+mn-cs"/>
+              </a:defRPr>
+            </a:lvl9pPr>
+          </a:lstStyle>
+          <a:p>
+            <a:pPr marL="0" indent="0">
+              <a:buNone/>
+            </a:pPr>
+            <a:r>
+              <a:rPr lang="en-US" sz="2600" dirty="0" err="1" smtClean="0"/>
+              <a:t>Vectorized</a:t>
+            </a:r>
+            <a:r>
+              <a:rPr lang="en-US" sz="2600" dirty="0" smtClean="0"/>
+              <a:t> MPC min:</a:t>
+            </a:r>
+            <a:endParaRPr lang="en-US" sz="2600" dirty="0" smtClean="0"/>
+          </a:p>
+          <a:p>
+            <a:pPr marL="0" indent="0">
+              <a:buNone/>
+            </a:pPr>
+            <a:r>
+              <a:rPr lang="en-US" sz="2600" b="1" dirty="0" smtClean="0"/>
+              <a:t>id = A[1]</a:t>
+            </a:r>
+            <a:endParaRPr lang="en-US" sz="2600" b="1" dirty="0" smtClean="0"/>
+          </a:p>
+          <a:p>
+            <a:pPr marL="0" indent="0">
+              <a:buNone/>
+            </a:pPr>
+            <a:r>
+              <a:rPr lang="en-US" sz="2600" b="1" dirty="0" smtClean="0"/>
+              <a:t>min = DIV(</a:t>
+            </a:r>
+            <a:r>
+              <a:rPr lang="en-US" sz="2600" b="1" dirty="0" err="1" smtClean="0"/>
+              <a:t>A,bin_op,id</a:t>
+            </a:r>
+            <a:r>
+              <a:rPr lang="en-US" sz="2600" b="1" dirty="0" smtClean="0"/>
+              <a:t>)</a:t>
+            </a:r>
+            <a:r>
+              <a:rPr lang="en-US" sz="2600" dirty="0" smtClean="0"/>
+              <a:t> </a:t>
+            </a:r>
+          </a:p>
+          <a:p>
+            <a:pPr marL="0" indent="0">
+              <a:buNone/>
+            </a:pPr>
+            <a:r>
+              <a:rPr lang="en-US" sz="2600" dirty="0" smtClean="0"/>
+              <a:t>where </a:t>
+            </a:r>
+          </a:p>
+          <a:p>
+            <a:pPr marL="0" indent="0">
+              <a:buNone/>
+            </a:pPr>
+            <a:r>
+              <a:rPr lang="en-US" sz="2600" dirty="0" smtClean="0"/>
+              <a:t>   </a:t>
+            </a:r>
+            <a:r>
+              <a:rPr lang="en-US" sz="2600" dirty="0" err="1" smtClean="0"/>
+              <a:t>bin_op</a:t>
+            </a:r>
+            <a:r>
+              <a:rPr lang="en-US" sz="2600" dirty="0" smtClean="0"/>
+              <a:t>(</a:t>
+            </a:r>
+            <a:r>
+              <a:rPr lang="en-US" sz="2600" dirty="0" err="1" smtClean="0"/>
+              <a:t>a,b</a:t>
+            </a:r>
+            <a:r>
+              <a:rPr lang="en-US" sz="2600" dirty="0" smtClean="0"/>
+              <a:t>): # </a:t>
+            </a:r>
+            <a:r>
+              <a:rPr lang="en-US" sz="2600" dirty="0" err="1" smtClean="0"/>
+              <a:t>simdified</a:t>
+            </a:r>
+            <a:r>
+              <a:rPr lang="en-US" sz="2600" dirty="0" smtClean="0"/>
+              <a:t> in obvious way</a:t>
+            </a:r>
+          </a:p>
+          <a:p>
+            <a:pPr marL="0" indent="0">
+              <a:buNone/>
+            </a:pPr>
+            <a:r>
+              <a:rPr lang="en-US" sz="2600" dirty="0"/>
+              <a:t> </a:t>
+            </a:r>
+            <a:r>
+              <a:rPr lang="en-US" sz="2600" dirty="0" smtClean="0"/>
+              <a:t>    c = CMP(</a:t>
+            </a:r>
+            <a:r>
+              <a:rPr lang="en-US" sz="2600" dirty="0" err="1" smtClean="0"/>
+              <a:t>a,b</a:t>
+            </a:r>
+            <a:r>
+              <a:rPr lang="en-US" sz="2600" dirty="0" smtClean="0"/>
+              <a:t>)</a:t>
+            </a:r>
+          </a:p>
+          <a:p>
+            <a:pPr marL="0" indent="0">
+              <a:buNone/>
+            </a:pPr>
+            <a:r>
+              <a:rPr lang="en-US" sz="2600" dirty="0"/>
+              <a:t> </a:t>
+            </a:r>
+            <a:r>
+              <a:rPr lang="en-US" sz="2600" dirty="0" smtClean="0"/>
+              <a:t>    min = MUX(</a:t>
+            </a:r>
+            <a:r>
+              <a:rPr lang="en-US" sz="2600" dirty="0" err="1" smtClean="0"/>
+              <a:t>c,a,b</a:t>
+            </a:r>
+            <a:r>
+              <a:rPr lang="en-US" sz="2600" dirty="0" smtClean="0"/>
+              <a:t>)</a:t>
+            </a:r>
+            <a:endParaRPr lang="en-US" sz="2600" dirty="0" smtClean="0"/>
+          </a:p>
+          <a:p>
+            <a:pPr marL="0" indent="0">
+              <a:buNone/>
+            </a:pPr>
+            <a:endParaRPr lang="en-US" sz="2600" dirty="0" smtClean="0"/>
+          </a:p>
+        </p:txBody>
+      </p:sp>
+      <p:sp>
+        <p:nvSpPr>
+          <p:cNvPr id="8" name="Right Arrow 7"/>
+          <p:cNvSpPr/>
+          <p:nvPr/>
+        </p:nvSpPr>
+        <p:spPr>
+          <a:xfrm>
+            <a:off x="1108325" y="4978395"/>
+            <a:ext cx="544424" cy="430546"/>
+          </a:xfrm>
+          <a:prstGeom prst="rightArrow">
+            <a:avLst/>
+          </a:prstGeom>
+        </p:spPr>
+        <p:style>
+          <a:lnRef idx="1">
+            <a:schemeClr val="accent1"/>
+          </a:lnRef>
+          <a:fillRef idx="3">
+            <a:schemeClr val="accent1"/>
+          </a:fillRef>
+          <a:effectRef idx="2">
+            <a:schemeClr val="accent1"/>
+          </a:effectRef>
+          <a:fontRef idx="minor">
+            <a:schemeClr val="lt1"/>
+          </a:fontRef>
+        </p:style>
+        <p:txBody>
+          <a:bodyPr rtlCol="0" anchor="ctr"/>
+          <a:lstStyle/>
+          <a:p>
+            <a:pPr algn="ctr"/>
             <a:endParaRPr lang="en-US"/>
           </a:p>
         </p:txBody>
@@ -5232,22 +6100,14 @@
             <a:pPr lvl="1"/>
             <a:r>
               <a:rPr lang="is-IS" dirty="0" smtClean="0"/>
-              <a:t>ast.List: [</a:t>
-            </a:r>
-            <a:r>
-              <a:rPr lang="is-IS" smtClean="0"/>
-              <a:t>elts] </a:t>
+              <a:t>ast.List: [elts] </a:t>
             </a:r>
           </a:p>
           <a:p>
             <a:pPr lvl="2"/>
             <a:r>
-              <a:rPr lang="is-IS" smtClean="0"/>
-              <a:t>0 </a:t>
-            </a:r>
-            <a:r>
               <a:rPr lang="is-IS" dirty="0" smtClean="0"/>
-              <a:t>or more elts. </a:t>
+              <a:t>0 or more elts. </a:t>
             </a:r>
             <a:r>
               <a:rPr lang="en-US" dirty="0" smtClean="0"/>
